--- a/presentation/PLunch.pptx
+++ b/presentation/PLunch.pptx
@@ -5,7 +5,7 @@
     <p:sldMasterId id="2147484044" r:id="rId1"/>
   </p:sldMasterIdLst>
   <p:notesMasterIdLst>
-    <p:notesMasterId r:id="rId9"/>
+    <p:notesMasterId r:id="rId12"/>
   </p:notesMasterIdLst>
   <p:sldIdLst>
     <p:sldId id="256" r:id="rId2"/>
@@ -14,7 +14,10 @@
     <p:sldId id="263" r:id="rId5"/>
     <p:sldId id="262" r:id="rId6"/>
     <p:sldId id="261" r:id="rId7"/>
-    <p:sldId id="258" r:id="rId8"/>
+    <p:sldId id="264" r:id="rId8"/>
+    <p:sldId id="266" r:id="rId9"/>
+    <p:sldId id="265" r:id="rId10"/>
+    <p:sldId id="258" r:id="rId11"/>
   </p:sldIdLst>
   <p:sldSz cx="9144000" cy="6858000" type="screen4x3"/>
   <p:notesSz cx="6858000" cy="9144000"/>
@@ -128,6 +131,9 @@
             <p14:sldId id="263"/>
             <p14:sldId id="262"/>
             <p14:sldId id="261"/>
+            <p14:sldId id="264"/>
+            <p14:sldId id="266"/>
+            <p14:sldId id="265"/>
           </p14:sldIdLst>
         </p14:section>
         <p14:section name="Approach" id="{E4314259-17AB-4162-9F2D-707CDFBE2B8D}">
@@ -535,6 +541,23 @@
           <a:bodyPr/>
           <a:lstStyle/>
           <a:p>
+            <a:pPr marL="0" marR="0" lvl="0" indent="0" algn="l" defTabSz="914400" rtl="0" eaLnBrk="1" fontAlgn="auto" latinLnBrk="0" hangingPunct="1">
+              <a:lnSpc>
+                <a:spcPct val="100000"/>
+              </a:lnSpc>
+              <a:spcBef>
+                <a:spcPts val="0"/>
+              </a:spcBef>
+              <a:spcAft>
+                <a:spcPts val="0"/>
+              </a:spcAft>
+              <a:buClrTx/>
+              <a:buSzTx/>
+              <a:buFontTx/>
+              <a:buNone/>
+              <a:tabLst/>
+              <a:defRPr/>
+            </a:pPr>
             <a:r>
               <a:rPr lang="en-US" dirty="0"/>
               <a:t>does</a:t>
@@ -564,7 +587,7 @@
           <a:p>
             <a:fld id="{4DCC1F29-B600-42F8-8BC8-9AFF066AEC7C}" type="slidenum">
               <a:rPr lang="de-DE" smtClean="0"/>
-              <a:t>3</a:t>
+              <a:t>2</a:t>
             </a:fld>
             <a:endParaRPr lang="de-DE"/>
           </a:p>
@@ -573,7 +596,7 @@
     </p:spTree>
     <p:extLst>
       <p:ext uri="{BB962C8B-B14F-4D97-AF65-F5344CB8AC3E}">
-        <p14:creationId xmlns:p14="http://schemas.microsoft.com/office/powerpoint/2010/main" val="533710509"/>
+        <p14:creationId xmlns:p14="http://schemas.microsoft.com/office/powerpoint/2010/main" val="26585447"/>
       </p:ext>
     </p:extLst>
   </p:cSld>
@@ -627,14 +650,6 @@
           <a:bodyPr/>
           <a:lstStyle/>
           <a:p>
-            <a:r>
-              <a:rPr lang="en-US" dirty="0"/>
-              <a:t>does</a:t>
-            </a:r>
-            <a:r>
-              <a:rPr lang="en-US" baseline="0" dirty="0"/>
-              <a:t> NOT guarantee termination</a:t>
-            </a:r>
             <a:endParaRPr lang="de-DE" dirty="0"/>
           </a:p>
         </p:txBody>
@@ -656,7 +671,7 @@
           <a:p>
             <a:fld id="{4DCC1F29-B600-42F8-8BC8-9AFF066AEC7C}" type="slidenum">
               <a:rPr lang="de-DE" smtClean="0"/>
-              <a:t>4</a:t>
+              <a:t>3</a:t>
             </a:fld>
             <a:endParaRPr lang="de-DE"/>
           </a:p>
@@ -665,7 +680,7 @@
     </p:spTree>
     <p:extLst>
       <p:ext uri="{BB962C8B-B14F-4D97-AF65-F5344CB8AC3E}">
-        <p14:creationId xmlns:p14="http://schemas.microsoft.com/office/powerpoint/2010/main" val="533581687"/>
+        <p14:creationId xmlns:p14="http://schemas.microsoft.com/office/powerpoint/2010/main" val="533710509"/>
       </p:ext>
     </p:extLst>
   </p:cSld>
@@ -721,11 +736,15 @@
           <a:p>
             <a:r>
               <a:rPr lang="en-US" dirty="0"/>
-              <a:t>does</a:t>
+              <a:t>industry addresses</a:t>
             </a:r>
             <a:r>
               <a:rPr lang="en-US" baseline="0" dirty="0"/>
-              <a:t> NOT guarantee termination</a:t>
+              <a:t> this problem by</a:t>
+            </a:r>
+            <a:r>
+              <a:rPr lang="en-US" dirty="0"/>
+              <a:t>: removed on build</a:t>
             </a:r>
             <a:endParaRPr lang="de-DE" dirty="0"/>
           </a:p>
@@ -748,7 +767,7 @@
           <a:p>
             <a:fld id="{4DCC1F29-B600-42F8-8BC8-9AFF066AEC7C}" type="slidenum">
               <a:rPr lang="de-DE" smtClean="0"/>
-              <a:t>5</a:t>
+              <a:t>4</a:t>
             </a:fld>
             <a:endParaRPr lang="de-DE"/>
           </a:p>
@@ -757,7 +776,7 @@
     </p:spTree>
     <p:extLst>
       <p:ext uri="{BB962C8B-B14F-4D97-AF65-F5344CB8AC3E}">
-        <p14:creationId xmlns:p14="http://schemas.microsoft.com/office/powerpoint/2010/main" val="552511319"/>
+        <p14:creationId xmlns:p14="http://schemas.microsoft.com/office/powerpoint/2010/main" val="533581687"/>
       </p:ext>
     </p:extLst>
   </p:cSld>
@@ -811,13 +830,105 @@
           <a:bodyPr/>
           <a:lstStyle/>
           <a:p>
+            <a:endParaRPr lang="de-DE" dirty="0"/>
+          </a:p>
+        </p:txBody>
+      </p:sp>
+      <p:sp>
+        <p:nvSpPr>
+          <p:cNvPr id="4" name="Slide Number Placeholder 3"/>
+          <p:cNvSpPr>
+            <a:spLocks noGrp="1"/>
+          </p:cNvSpPr>
+          <p:nvPr>
+            <p:ph type="sldNum" sz="quarter" idx="10"/>
+          </p:nvPr>
+        </p:nvSpPr>
+        <p:spPr/>
+        <p:txBody>
+          <a:bodyPr/>
+          <a:lstStyle/>
+          <a:p>
+            <a:fld id="{4DCC1F29-B600-42F8-8BC8-9AFF066AEC7C}" type="slidenum">
+              <a:rPr lang="de-DE" smtClean="0"/>
+              <a:t>5</a:t>
+            </a:fld>
+            <a:endParaRPr lang="de-DE"/>
+          </a:p>
+        </p:txBody>
+      </p:sp>
+    </p:spTree>
+    <p:extLst>
+      <p:ext uri="{BB962C8B-B14F-4D97-AF65-F5344CB8AC3E}">
+        <p14:creationId xmlns:p14="http://schemas.microsoft.com/office/powerpoint/2010/main" val="552511319"/>
+      </p:ext>
+    </p:extLst>
+  </p:cSld>
+  <p:clrMapOvr>
+    <a:masterClrMapping/>
+  </p:clrMapOvr>
+</p:notes>
+</file>
+
+<file path=ppt/notesSlides/notesSlide5.xml><?xml version="1.0" encoding="utf-8"?>
+<p:notes xmlns:a="http://schemas.openxmlformats.org/drawingml/2006/main" xmlns:r="http://schemas.openxmlformats.org/officeDocument/2006/relationships" xmlns:p="http://schemas.openxmlformats.org/presentationml/2006/main">
+  <p:cSld>
+    <p:spTree>
+      <p:nvGrpSpPr>
+        <p:cNvPr id="1" name=""/>
+        <p:cNvGrpSpPr/>
+        <p:nvPr/>
+      </p:nvGrpSpPr>
+      <p:grpSpPr>
+        <a:xfrm>
+          <a:off x="0" y="0"/>
+          <a:ext cx="0" cy="0"/>
+          <a:chOff x="0" y="0"/>
+          <a:chExt cx="0" cy="0"/>
+        </a:xfrm>
+      </p:grpSpPr>
+      <p:sp>
+        <p:nvSpPr>
+          <p:cNvPr id="2" name="Slide Image Placeholder 1"/>
+          <p:cNvSpPr>
+            <a:spLocks noGrp="1" noRot="1" noChangeAspect="1"/>
+          </p:cNvSpPr>
+          <p:nvPr>
+            <p:ph type="sldImg"/>
+          </p:nvPr>
+        </p:nvSpPr>
+        <p:spPr/>
+      </p:sp>
+      <p:sp>
+        <p:nvSpPr>
+          <p:cNvPr id="3" name="Notes Placeholder 2"/>
+          <p:cNvSpPr>
+            <a:spLocks noGrp="1"/>
+          </p:cNvSpPr>
+          <p:nvPr>
+            <p:ph type="body" idx="1"/>
+          </p:nvPr>
+        </p:nvSpPr>
+        <p:spPr/>
+        <p:txBody>
+          <a:bodyPr/>
+          <a:lstStyle/>
+          <a:p>
             <a:r>
               <a:rPr lang="en-US" dirty="0"/>
-              <a:t>does</a:t>
+              <a:t>industry addresses</a:t>
             </a:r>
             <a:r>
               <a:rPr lang="en-US" baseline="0" dirty="0"/>
-              <a:t> NOT guarantee termination</a:t>
+              <a:t> this problem by (already a joke – it doesn’t address this problem because there is no static verification)</a:t>
+            </a:r>
+            <a:r>
+              <a:rPr lang="en-US" dirty="0"/>
+              <a:t>:</a:t>
+            </a:r>
+            <a:r>
+              <a:rPr lang="en-US" baseline="0" dirty="0"/>
+              <a:t> often only warnings</a:t>
             </a:r>
             <a:endParaRPr lang="de-DE" dirty="0"/>
           </a:p>
@@ -850,6 +961,194 @@
     <p:extLst>
       <p:ext uri="{BB962C8B-B14F-4D97-AF65-F5344CB8AC3E}">
         <p14:creationId xmlns:p14="http://schemas.microsoft.com/office/powerpoint/2010/main" val="1896277677"/>
+      </p:ext>
+    </p:extLst>
+  </p:cSld>
+  <p:clrMapOvr>
+    <a:masterClrMapping/>
+  </p:clrMapOvr>
+</p:notes>
+</file>
+
+<file path=ppt/notesSlides/notesSlide6.xml><?xml version="1.0" encoding="utf-8"?>
+<p:notes xmlns:a="http://schemas.openxmlformats.org/drawingml/2006/main" xmlns:r="http://schemas.openxmlformats.org/officeDocument/2006/relationships" xmlns:p="http://schemas.openxmlformats.org/presentationml/2006/main">
+  <p:cSld>
+    <p:spTree>
+      <p:nvGrpSpPr>
+        <p:cNvPr id="1" name=""/>
+        <p:cNvGrpSpPr/>
+        <p:nvPr/>
+      </p:nvGrpSpPr>
+      <p:grpSpPr>
+        <a:xfrm>
+          <a:off x="0" y="0"/>
+          <a:ext cx="0" cy="0"/>
+          <a:chOff x="0" y="0"/>
+          <a:chExt cx="0" cy="0"/>
+        </a:xfrm>
+      </p:grpSpPr>
+      <p:sp>
+        <p:nvSpPr>
+          <p:cNvPr id="2" name="Slide Image Placeholder 1"/>
+          <p:cNvSpPr>
+            <a:spLocks noGrp="1" noRot="1" noChangeAspect="1"/>
+          </p:cNvSpPr>
+          <p:nvPr>
+            <p:ph type="sldImg"/>
+          </p:nvPr>
+        </p:nvSpPr>
+        <p:spPr/>
+      </p:sp>
+      <p:sp>
+        <p:nvSpPr>
+          <p:cNvPr id="3" name="Notes Placeholder 2"/>
+          <p:cNvSpPr>
+            <a:spLocks noGrp="1"/>
+          </p:cNvSpPr>
+          <p:nvPr>
+            <p:ph type="body" idx="1"/>
+          </p:nvPr>
+        </p:nvSpPr>
+        <p:spPr/>
+        <p:txBody>
+          <a:bodyPr/>
+          <a:lstStyle/>
+          <a:p>
+            <a:r>
+              <a:rPr lang="de-DE" sz="1200" b="0" i="0" kern="1200" dirty="0">
+                <a:solidFill>
+                  <a:schemeClr val="tx1"/>
+                </a:solidFill>
+                <a:effectLst/>
+                <a:latin typeface="+mn-lt"/>
+                <a:ea typeface="+mn-ea"/>
+                <a:cs typeface="+mn-cs"/>
+              </a:rPr>
+              <a:t>„Research in Software Engineering“ (MSR)</a:t>
+            </a:r>
+            <a:endParaRPr lang="de-DE" dirty="0"/>
+          </a:p>
+        </p:txBody>
+      </p:sp>
+      <p:sp>
+        <p:nvSpPr>
+          <p:cNvPr id="4" name="Slide Number Placeholder 3"/>
+          <p:cNvSpPr>
+            <a:spLocks noGrp="1"/>
+          </p:cNvSpPr>
+          <p:nvPr>
+            <p:ph type="sldNum" sz="quarter" idx="10"/>
+          </p:nvPr>
+        </p:nvSpPr>
+        <p:spPr/>
+        <p:txBody>
+          <a:bodyPr/>
+          <a:lstStyle/>
+          <a:p>
+            <a:fld id="{4DCC1F29-B600-42F8-8BC8-9AFF066AEC7C}" type="slidenum">
+              <a:rPr lang="de-DE" smtClean="0"/>
+              <a:t>7</a:t>
+            </a:fld>
+            <a:endParaRPr lang="de-DE"/>
+          </a:p>
+        </p:txBody>
+      </p:sp>
+    </p:spTree>
+    <p:extLst>
+      <p:ext uri="{BB962C8B-B14F-4D97-AF65-F5344CB8AC3E}">
+        <p14:creationId xmlns:p14="http://schemas.microsoft.com/office/powerpoint/2010/main" val="4191943811"/>
+      </p:ext>
+    </p:extLst>
+  </p:cSld>
+  <p:clrMapOvr>
+    <a:masterClrMapping/>
+  </p:clrMapOvr>
+</p:notes>
+</file>
+
+<file path=ppt/notesSlides/notesSlide7.xml><?xml version="1.0" encoding="utf-8"?>
+<p:notes xmlns:a="http://schemas.openxmlformats.org/drawingml/2006/main" xmlns:r="http://schemas.openxmlformats.org/officeDocument/2006/relationships" xmlns:p="http://schemas.openxmlformats.org/presentationml/2006/main">
+  <p:cSld>
+    <p:spTree>
+      <p:nvGrpSpPr>
+        <p:cNvPr id="1" name=""/>
+        <p:cNvGrpSpPr/>
+        <p:nvPr/>
+      </p:nvGrpSpPr>
+      <p:grpSpPr>
+        <a:xfrm>
+          <a:off x="0" y="0"/>
+          <a:ext cx="0" cy="0"/>
+          <a:chOff x="0" y="0"/>
+          <a:chExt cx="0" cy="0"/>
+        </a:xfrm>
+      </p:grpSpPr>
+      <p:sp>
+        <p:nvSpPr>
+          <p:cNvPr id="2" name="Slide Image Placeholder 1"/>
+          <p:cNvSpPr>
+            <a:spLocks noGrp="1" noRot="1" noChangeAspect="1"/>
+          </p:cNvSpPr>
+          <p:nvPr>
+            <p:ph type="sldImg"/>
+          </p:nvPr>
+        </p:nvSpPr>
+        <p:spPr/>
+      </p:sp>
+      <p:sp>
+        <p:nvSpPr>
+          <p:cNvPr id="3" name="Notes Placeholder 2"/>
+          <p:cNvSpPr>
+            <a:spLocks noGrp="1"/>
+          </p:cNvSpPr>
+          <p:nvPr>
+            <p:ph type="body" idx="1"/>
+          </p:nvPr>
+        </p:nvSpPr>
+        <p:spPr/>
+        <p:txBody>
+          <a:bodyPr/>
+          <a:lstStyle/>
+          <a:p>
+            <a:r>
+              <a:rPr lang="en-US" dirty="0"/>
+              <a:t>picture</a:t>
+            </a:r>
+            <a:r>
+              <a:rPr lang="en-US" baseline="0" dirty="0"/>
+              <a:t> also shows what’s wrong with the approach: static and dynamic are considered independent, not really working together</a:t>
+            </a:r>
+            <a:endParaRPr lang="de-DE" dirty="0"/>
+          </a:p>
+        </p:txBody>
+      </p:sp>
+      <p:sp>
+        <p:nvSpPr>
+          <p:cNvPr id="4" name="Slide Number Placeholder 3"/>
+          <p:cNvSpPr>
+            <a:spLocks noGrp="1"/>
+          </p:cNvSpPr>
+          <p:nvPr>
+            <p:ph type="sldNum" sz="quarter" idx="10"/>
+          </p:nvPr>
+        </p:nvSpPr>
+        <p:spPr/>
+        <p:txBody>
+          <a:bodyPr/>
+          <a:lstStyle/>
+          <a:p>
+            <a:fld id="{4DCC1F29-B600-42F8-8BC8-9AFF066AEC7C}" type="slidenum">
+              <a:rPr lang="de-DE" smtClean="0"/>
+              <a:t>8</a:t>
+            </a:fld>
+            <a:endParaRPr lang="de-DE"/>
+          </a:p>
+        </p:txBody>
+      </p:sp>
+    </p:spTree>
+    <p:extLst>
+      <p:ext uri="{BB962C8B-B14F-4D97-AF65-F5344CB8AC3E}">
+        <p14:creationId xmlns:p14="http://schemas.microsoft.com/office/powerpoint/2010/main" val="1533264690"/>
       </p:ext>
     </p:extLst>
   </p:cSld>
@@ -3784,6 +4083,78 @@
 </p:sld>
 </file>
 
+<file path=ppt/slides/slide10.xml><?xml version="1.0" encoding="utf-8"?>
+<p:sld xmlns:a="http://schemas.openxmlformats.org/drawingml/2006/main" xmlns:r="http://schemas.openxmlformats.org/officeDocument/2006/relationships" xmlns:p="http://schemas.openxmlformats.org/presentationml/2006/main">
+  <p:cSld>
+    <p:spTree>
+      <p:nvGrpSpPr>
+        <p:cNvPr id="1" name=""/>
+        <p:cNvGrpSpPr/>
+        <p:nvPr/>
+      </p:nvGrpSpPr>
+      <p:grpSpPr>
+        <a:xfrm>
+          <a:off x="0" y="0"/>
+          <a:ext cx="0" cy="0"/>
+          <a:chOff x="0" y="0"/>
+          <a:chExt cx="0" cy="0"/>
+        </a:xfrm>
+      </p:grpSpPr>
+      <p:sp>
+        <p:nvSpPr>
+          <p:cNvPr id="2" name="Title 1"/>
+          <p:cNvSpPr>
+            <a:spLocks noGrp="1"/>
+          </p:cNvSpPr>
+          <p:nvPr>
+            <p:ph type="title"/>
+          </p:nvPr>
+        </p:nvSpPr>
+        <p:spPr/>
+        <p:txBody>
+          <a:bodyPr/>
+          <a:lstStyle/>
+          <a:p>
+            <a:r>
+              <a:rPr lang="en-US" dirty="0"/>
+              <a:t>Approach</a:t>
+            </a:r>
+            <a:endParaRPr lang="de-DE" dirty="0"/>
+          </a:p>
+        </p:txBody>
+      </p:sp>
+      <p:sp>
+        <p:nvSpPr>
+          <p:cNvPr id="3" name="Content Placeholder 2"/>
+          <p:cNvSpPr>
+            <a:spLocks noGrp="1"/>
+          </p:cNvSpPr>
+          <p:nvPr>
+            <p:ph idx="1"/>
+          </p:nvPr>
+        </p:nvSpPr>
+        <p:spPr/>
+        <p:txBody>
+          <a:bodyPr/>
+          <a:lstStyle/>
+          <a:p>
+            <a:endParaRPr lang="de-DE" dirty="0"/>
+          </a:p>
+        </p:txBody>
+      </p:sp>
+    </p:spTree>
+    <p:extLst>
+      <p:ext uri="{BB962C8B-B14F-4D97-AF65-F5344CB8AC3E}">
+        <p14:creationId xmlns:p14="http://schemas.microsoft.com/office/powerpoint/2010/main" val="2479945963"/>
+      </p:ext>
+    </p:extLst>
+  </p:cSld>
+  <p:clrMapOvr>
+    <a:masterClrMapping/>
+  </p:clrMapOvr>
+</p:sld>
+</file>
+
 <file path=ppt/slides/slide2.xml><?xml version="1.0" encoding="utf-8"?>
 <p:sld xmlns:a="http://schemas.openxmlformats.org/drawingml/2006/main" xmlns:r="http://schemas.openxmlformats.org/officeDocument/2006/relationships" xmlns:p="http://schemas.openxmlformats.org/presentationml/2006/main">
   <p:cSld>
@@ -4268,7 +4639,11 @@
           <a:p>
             <a:r>
               <a:rPr lang="en-US" dirty="0"/>
-              <a:t>guarantee compliance at runtime</a:t>
+              <a:t>guarantee compliance </a:t>
+            </a:r>
+            <a:r>
+              <a:rPr lang="en-US" b="1" dirty="0"/>
+              <a:t>at runtime</a:t>
             </a:r>
           </a:p>
           <a:p>
@@ -4397,7 +4772,7 @@
                 </a:solidFill>
                 <a:latin typeface="Consolas" panose="020B0609020204030204" pitchFamily="49" charset="0"/>
               </a:rPr>
-              <a:t>if</a:t>
+              <a:t>assert</a:t>
             </a:r>
             <a:r>
               <a:rPr lang="en-US" sz="2000" dirty="0">
@@ -4406,7 +4781,7 @@
                 </a:solidFill>
                 <a:latin typeface="Consolas" panose="020B0609020204030204" pitchFamily="49" charset="0"/>
               </a:rPr>
-              <a:t> (!(</a:t>
+              <a:t> </a:t>
             </a:r>
             <a:r>
               <a:rPr lang="en-US" sz="2000" dirty="0" err="1">
@@ -4424,43 +4799,7 @@
                 </a:solidFill>
                 <a:latin typeface="Consolas" panose="020B0609020204030204" pitchFamily="49" charset="0"/>
               </a:rPr>
-              <a:t> &gt;= amount)) </a:t>
-            </a:r>
-            <a:r>
-              <a:rPr lang="en-US" sz="2000" dirty="0">
-                <a:solidFill>
-                  <a:srgbClr val="0070C0"/>
-                </a:solidFill>
-                <a:latin typeface="Consolas" panose="020B0609020204030204" pitchFamily="49" charset="0"/>
-              </a:rPr>
-              <a:t>throw</a:t>
-            </a:r>
-            <a:r>
-              <a:rPr lang="en-US" sz="2000" dirty="0">
-                <a:solidFill>
-                  <a:schemeClr val="tx1"/>
-                </a:solidFill>
-                <a:latin typeface="Consolas" panose="020B0609020204030204" pitchFamily="49" charset="0"/>
-              </a:rPr>
-              <a:t> </a:t>
-            </a:r>
-            <a:r>
-              <a:rPr lang="en-US" sz="2000" dirty="0" err="1">
-                <a:solidFill>
-                  <a:schemeClr val="tx1"/>
-                </a:solidFill>
-                <a:latin typeface="Consolas" panose="020B0609020204030204" pitchFamily="49" charset="0"/>
-              </a:rPr>
-              <a:t>IllStateEx</a:t>
-            </a:r>
-            <a:r>
-              <a:rPr lang="en-US" sz="2000" dirty="0">
-                <a:solidFill>
-                  <a:schemeClr val="tx1"/>
-                </a:solidFill>
-                <a:latin typeface="Consolas" panose="020B0609020204030204" pitchFamily="49" charset="0"/>
-              </a:rPr>
-              <a:t>;</a:t>
+              <a:t> &gt;= amount;</a:t>
             </a:r>
           </a:p>
           <a:p>
@@ -4675,7 +5014,11 @@
           <a:p>
             <a:r>
               <a:rPr lang="en-US" dirty="0"/>
-              <a:t>guarantee compliance at runtime</a:t>
+              <a:t>guarantee compliance </a:t>
+            </a:r>
+            <a:r>
+              <a:rPr lang="en-US" b="1" dirty="0"/>
+              <a:t>at runtime</a:t>
             </a:r>
           </a:p>
           <a:p>
@@ -4804,7 +5147,7 @@
                 </a:solidFill>
                 <a:latin typeface="Consolas" panose="020B0609020204030204" pitchFamily="49" charset="0"/>
               </a:rPr>
-              <a:t>if</a:t>
+              <a:t>assert</a:t>
             </a:r>
             <a:r>
               <a:rPr lang="en-US" sz="2000" dirty="0">
@@ -4813,7 +5156,7 @@
                 </a:solidFill>
                 <a:latin typeface="Consolas" panose="020B0609020204030204" pitchFamily="49" charset="0"/>
               </a:rPr>
-              <a:t> (!(</a:t>
+              <a:t> </a:t>
             </a:r>
             <a:r>
               <a:rPr lang="en-US" sz="2000" dirty="0" err="1">
@@ -4831,43 +5174,7 @@
                 </a:solidFill>
                 <a:latin typeface="Consolas" panose="020B0609020204030204" pitchFamily="49" charset="0"/>
               </a:rPr>
-              <a:t> &gt;= amount)) </a:t>
-            </a:r>
-            <a:r>
-              <a:rPr lang="en-US" sz="2000" dirty="0">
-                <a:solidFill>
-                  <a:srgbClr val="0070C0"/>
-                </a:solidFill>
-                <a:latin typeface="Consolas" panose="020B0609020204030204" pitchFamily="49" charset="0"/>
-              </a:rPr>
-              <a:t>throw</a:t>
-            </a:r>
-            <a:r>
-              <a:rPr lang="en-US" sz="2000" dirty="0">
-                <a:solidFill>
-                  <a:schemeClr val="tx1"/>
-                </a:solidFill>
-                <a:latin typeface="Consolas" panose="020B0609020204030204" pitchFamily="49" charset="0"/>
-              </a:rPr>
-              <a:t> </a:t>
-            </a:r>
-            <a:r>
-              <a:rPr lang="en-US" sz="2000" dirty="0" err="1">
-                <a:solidFill>
-                  <a:schemeClr val="tx1"/>
-                </a:solidFill>
-                <a:latin typeface="Consolas" panose="020B0609020204030204" pitchFamily="49" charset="0"/>
-              </a:rPr>
-              <a:t>IllStateEx</a:t>
-            </a:r>
-            <a:r>
-              <a:rPr lang="en-US" sz="2000" dirty="0">
-                <a:solidFill>
-                  <a:schemeClr val="tx1"/>
-                </a:solidFill>
-                <a:latin typeface="Consolas" panose="020B0609020204030204" pitchFamily="49" charset="0"/>
-              </a:rPr>
-              <a:t>;</a:t>
+              <a:t> &gt;= amount;</a:t>
             </a:r>
           </a:p>
           <a:p>
@@ -5283,7 +5590,11 @@
           <a:p>
             <a:r>
               <a:rPr lang="en-US" dirty="0"/>
-              <a:t>guarantee compliance in advance</a:t>
+              <a:t>guarantee compliance </a:t>
+            </a:r>
+            <a:r>
+              <a:rPr lang="en-US" b="1" dirty="0"/>
+              <a:t>in advance</a:t>
             </a:r>
           </a:p>
           <a:p>
@@ -5639,7 +5950,7 @@
           <a:p>
             <a:r>
               <a:rPr lang="en-US" dirty="0"/>
-              <a:t>declarative, annotations</a:t>
+              <a:t>declarative</a:t>
             </a:r>
           </a:p>
           <a:p>
@@ -5651,7 +5962,11 @@
           <a:p>
             <a:r>
               <a:rPr lang="en-US" dirty="0"/>
-              <a:t>guarantee compliance in advance</a:t>
+              <a:t>guarantee compliance </a:t>
+            </a:r>
+            <a:r>
+              <a:rPr lang="en-US" b="1" dirty="0"/>
+              <a:t>in advance</a:t>
             </a:r>
           </a:p>
           <a:p>
@@ -5865,7 +6180,7 @@
         </p:nvSpPr>
         <p:spPr>
           <a:xfrm>
-            <a:off x="5922498" y="1969969"/>
+            <a:off x="5922498" y="1987744"/>
             <a:ext cx="2592852" cy="707886"/>
           </a:xfrm>
           <a:prstGeom prst="rect">
@@ -6313,7 +6628,7 @@
           <a:p>
             <a:r>
               <a:rPr lang="en-US" dirty="0"/>
-              <a:t>Approach</a:t>
+              <a:t>Solution? Static + Dynamic</a:t>
             </a:r>
             <a:endParaRPr lang="de-DE" dirty="0"/>
           </a:p>
@@ -6334,6 +6649,77 @@
           <a:bodyPr/>
           <a:lstStyle/>
           <a:p>
+            <a:pPr marL="0" indent="0">
+              <a:buNone/>
+            </a:pPr>
+            <a:r>
+              <a:rPr lang="en-US" dirty="0"/>
+              <a:t>Means:</a:t>
+            </a:r>
+          </a:p>
+          <a:p>
+            <a:r>
+              <a:rPr lang="en-US" dirty="0"/>
+              <a:t>“relaxed” static verification (warnings on failure)</a:t>
+            </a:r>
+          </a:p>
+          <a:p>
+            <a:r>
+              <a:rPr lang="en-US" dirty="0"/>
+              <a:t>turn contracts into runtime assertions</a:t>
+            </a:r>
+          </a:p>
+          <a:p>
+            <a:pPr marL="0" indent="0">
+              <a:buNone/>
+            </a:pPr>
+            <a:endParaRPr lang="en-US" dirty="0"/>
+          </a:p>
+          <a:p>
+            <a:pPr marL="0" indent="0">
+              <a:buNone/>
+            </a:pPr>
+            <a:r>
+              <a:rPr lang="en-US" dirty="0"/>
+              <a:t>Notable implementations:</a:t>
+            </a:r>
+          </a:p>
+          <a:p>
+            <a:r>
+              <a:rPr lang="en-US" dirty="0"/>
+              <a:t>Java with JML annotations</a:t>
+            </a:r>
+          </a:p>
+          <a:p>
+            <a:pPr lvl="1"/>
+            <a:r>
+              <a:rPr lang="en-US" dirty="0"/>
+              <a:t>“ESC/Java” for static verification</a:t>
+            </a:r>
+          </a:p>
+          <a:p>
+            <a:pPr lvl="1"/>
+            <a:r>
+              <a:rPr lang="en-US" dirty="0"/>
+              <a:t>“JML4c” for dynamic verification</a:t>
+            </a:r>
+          </a:p>
+          <a:p>
+            <a:r>
+              <a:rPr lang="en-US" dirty="0"/>
+              <a:t>Code Contracts for .NET (by </a:t>
+            </a:r>
+            <a:r>
+              <a:rPr lang="en-US" dirty="0" err="1"/>
+              <a:t>RiSE</a:t>
+            </a:r>
+            <a:r>
+              <a:rPr lang="en-US" dirty="0"/>
+              <a:t>, MSR)</a:t>
+            </a:r>
+          </a:p>
+          <a:p>
+            <a:pPr lvl="1"/>
             <a:endParaRPr lang="de-DE" dirty="0"/>
           </a:p>
         </p:txBody>
@@ -6341,13 +6727,585 @@
     </p:spTree>
     <p:extLst>
       <p:ext uri="{BB962C8B-B14F-4D97-AF65-F5344CB8AC3E}">
-        <p14:creationId xmlns:p14="http://schemas.microsoft.com/office/powerpoint/2010/main" val="2479945963"/>
+        <p14:creationId xmlns:p14="http://schemas.microsoft.com/office/powerpoint/2010/main" val="248116848"/>
       </p:ext>
     </p:extLst>
   </p:cSld>
   <p:clrMapOvr>
     <a:masterClrMapping/>
   </p:clrMapOvr>
+</p:sld>
+</file>
+
+<file path=ppt/slides/slide8.xml><?xml version="1.0" encoding="utf-8"?>
+<p:sld xmlns:a="http://schemas.openxmlformats.org/drawingml/2006/main" xmlns:r="http://schemas.openxmlformats.org/officeDocument/2006/relationships" xmlns:p="http://schemas.openxmlformats.org/presentationml/2006/main">
+  <p:cSld>
+    <p:spTree>
+      <p:nvGrpSpPr>
+        <p:cNvPr id="1" name=""/>
+        <p:cNvGrpSpPr/>
+        <p:nvPr/>
+      </p:nvGrpSpPr>
+      <p:grpSpPr>
+        <a:xfrm>
+          <a:off x="0" y="0"/>
+          <a:ext cx="0" cy="0"/>
+          <a:chOff x="0" y="0"/>
+          <a:chExt cx="0" cy="0"/>
+        </a:xfrm>
+      </p:grpSpPr>
+      <p:pic>
+        <p:nvPicPr>
+          <p:cNvPr id="8" name="Picture 7"/>
+          <p:cNvPicPr>
+            <a:picLocks noChangeAspect="1"/>
+          </p:cNvPicPr>
+          <p:nvPr/>
+        </p:nvPicPr>
+        <p:blipFill>
+          <a:blip r:embed="rId3">
+            <a:extLst>
+              <a:ext uri="{28A0092B-C50C-407E-A947-70E740481C1C}">
+                <a14:useLocalDpi xmlns:a14="http://schemas.microsoft.com/office/drawing/2010/main" val="0"/>
+              </a:ext>
+            </a:extLst>
+          </a:blip>
+          <a:stretch>
+            <a:fillRect/>
+          </a:stretch>
+        </p:blipFill>
+        <p:spPr>
+          <a:xfrm>
+            <a:off x="-1" y="0"/>
+            <a:ext cx="9144001" cy="6858000"/>
+          </a:xfrm>
+          <a:prstGeom prst="rect">
+            <a:avLst/>
+          </a:prstGeom>
+        </p:spPr>
+      </p:pic>
+      <p:sp>
+        <p:nvSpPr>
+          <p:cNvPr id="10" name="Rectangle 9"/>
+          <p:cNvSpPr/>
+          <p:nvPr/>
+        </p:nvSpPr>
+        <p:spPr>
+          <a:xfrm>
+            <a:off x="-1" y="-1"/>
+            <a:ext cx="9144001" cy="1690689"/>
+          </a:xfrm>
+          <a:prstGeom prst="rect">
+            <a:avLst/>
+          </a:prstGeom>
+          <a:gradFill flip="none" rotWithShape="1">
+            <a:gsLst>
+              <a:gs pos="78000">
+                <a:schemeClr val="bg1"/>
+              </a:gs>
+              <a:gs pos="100000">
+                <a:srgbClr val="FFFFFF">
+                  <a:alpha val="0"/>
+                </a:srgbClr>
+              </a:gs>
+            </a:gsLst>
+            <a:lin ang="5400000" scaled="1"/>
+            <a:tileRect/>
+          </a:gradFill>
+          <a:ln>
+            <a:noFill/>
+          </a:ln>
+        </p:spPr>
+        <p:style>
+          <a:lnRef idx="2">
+            <a:schemeClr val="accent1">
+              <a:shade val="50000"/>
+            </a:schemeClr>
+          </a:lnRef>
+          <a:fillRef idx="1">
+            <a:schemeClr val="accent1"/>
+          </a:fillRef>
+          <a:effectRef idx="0">
+            <a:schemeClr val="accent1"/>
+          </a:effectRef>
+          <a:fontRef idx="minor">
+            <a:schemeClr val="lt1"/>
+          </a:fontRef>
+        </p:style>
+        <p:txBody>
+          <a:bodyPr rtlCol="0" anchor="ctr"/>
+          <a:lstStyle/>
+          <a:p>
+            <a:pPr algn="ctr"/>
+            <a:endParaRPr lang="de-DE"/>
+          </a:p>
+        </p:txBody>
+      </p:sp>
+      <p:sp>
+        <p:nvSpPr>
+          <p:cNvPr id="9" name="Title 1"/>
+          <p:cNvSpPr>
+            <a:spLocks noGrp="1"/>
+          </p:cNvSpPr>
+          <p:nvPr>
+            <p:ph type="title"/>
+          </p:nvPr>
+        </p:nvSpPr>
+        <p:spPr>
+          <a:xfrm>
+            <a:off x="628650" y="365126"/>
+            <a:ext cx="7886700" cy="1325563"/>
+          </a:xfrm>
+        </p:spPr>
+        <p:txBody>
+          <a:bodyPr/>
+          <a:lstStyle/>
+          <a:p>
+            <a:r>
+              <a:rPr lang="en-US" dirty="0"/>
+              <a:t>Solution? Static + Dynamic</a:t>
+            </a:r>
+            <a:endParaRPr lang="de-DE" dirty="0"/>
+          </a:p>
+        </p:txBody>
+      </p:sp>
+    </p:spTree>
+    <p:extLst>
+      <p:ext uri="{BB962C8B-B14F-4D97-AF65-F5344CB8AC3E}">
+        <p14:creationId xmlns:p14="http://schemas.microsoft.com/office/powerpoint/2010/main" val="329562643"/>
+      </p:ext>
+    </p:extLst>
+  </p:cSld>
+  <p:clrMapOvr>
+    <a:masterClrMapping/>
+  </p:clrMapOvr>
+</p:sld>
+</file>
+
+<file path=ppt/slides/slide9.xml><?xml version="1.0" encoding="utf-8"?>
+<p:sld xmlns:a="http://schemas.openxmlformats.org/drawingml/2006/main" xmlns:r="http://schemas.openxmlformats.org/officeDocument/2006/relationships" xmlns:p="http://schemas.openxmlformats.org/presentationml/2006/main">
+  <p:cSld>
+    <p:spTree>
+      <p:nvGrpSpPr>
+        <p:cNvPr id="1" name=""/>
+        <p:cNvGrpSpPr/>
+        <p:nvPr/>
+      </p:nvGrpSpPr>
+      <p:grpSpPr>
+        <a:xfrm>
+          <a:off x="0" y="0"/>
+          <a:ext cx="0" cy="0"/>
+          <a:chOff x="0" y="0"/>
+          <a:chExt cx="0" cy="0"/>
+        </a:xfrm>
+      </p:grpSpPr>
+      <p:sp>
+        <p:nvSpPr>
+          <p:cNvPr id="2" name="Title 1"/>
+          <p:cNvSpPr>
+            <a:spLocks noGrp="1"/>
+          </p:cNvSpPr>
+          <p:nvPr>
+            <p:ph type="title"/>
+          </p:nvPr>
+        </p:nvSpPr>
+        <p:spPr/>
+        <p:txBody>
+          <a:bodyPr/>
+          <a:lstStyle/>
+          <a:p>
+            <a:r>
+              <a:rPr lang="en-US" dirty="0"/>
+              <a:t>Solution! Static </a:t>
+            </a:r>
+            <a:r>
+              <a:rPr lang="de-DE" dirty="0">
+                <a:latin typeface="Lucida Sans Unicode" panose="020B0602030504020204" pitchFamily="34" charset="0"/>
+                <a:cs typeface="Lucida Sans Unicode" panose="020B0602030504020204" pitchFamily="34" charset="0"/>
+              </a:rPr>
+              <a:t>⊕</a:t>
+            </a:r>
+            <a:r>
+              <a:rPr lang="en-US" dirty="0"/>
+              <a:t> Dynamic</a:t>
+            </a:r>
+            <a:endParaRPr lang="de-DE" dirty="0"/>
+          </a:p>
+        </p:txBody>
+      </p:sp>
+      <p:sp>
+        <p:nvSpPr>
+          <p:cNvPr id="3" name="Content Placeholder 2"/>
+          <p:cNvSpPr>
+            <a:spLocks noGrp="1"/>
+          </p:cNvSpPr>
+          <p:nvPr>
+            <p:ph idx="1"/>
+          </p:nvPr>
+        </p:nvSpPr>
+        <p:spPr/>
+        <p:txBody>
+          <a:bodyPr/>
+          <a:lstStyle/>
+          <a:p>
+            <a:r>
+              <a:rPr lang="en-US" dirty="0"/>
+              <a:t>Emit runtime checks only where required</a:t>
+            </a:r>
+          </a:p>
+        </p:txBody>
+      </p:sp>
+      <p:sp>
+        <p:nvSpPr>
+          <p:cNvPr id="4" name="TextBox 3"/>
+          <p:cNvSpPr txBox="1"/>
+          <p:nvPr/>
+        </p:nvSpPr>
+        <p:spPr>
+          <a:xfrm>
+            <a:off x="628650" y="1367523"/>
+            <a:ext cx="8050089" cy="707886"/>
+          </a:xfrm>
+          <a:prstGeom prst="rect">
+            <a:avLst/>
+          </a:prstGeom>
+          <a:noFill/>
+        </p:spPr>
+        <p:txBody>
+          <a:bodyPr wrap="none" rtlCol="0">
+            <a:spAutoFit/>
+          </a:bodyPr>
+          <a:lstStyle/>
+          <a:p>
+            <a:r>
+              <a:rPr lang="en-US" sz="2000" dirty="0"/>
+              <a:t>“Static Typing Where Possible, Dynamic Typing When Needed” (Erik Meijer)</a:t>
+            </a:r>
+            <a:endParaRPr lang="de-DE" sz="2000" dirty="0"/>
+          </a:p>
+          <a:p>
+            <a:endParaRPr lang="de-DE" sz="2000" dirty="0"/>
+          </a:p>
+        </p:txBody>
+      </p:sp>
+      <p:sp>
+        <p:nvSpPr>
+          <p:cNvPr id="5" name="TextBox 4"/>
+          <p:cNvSpPr txBox="1"/>
+          <p:nvPr/>
+        </p:nvSpPr>
+        <p:spPr>
+          <a:xfrm>
+            <a:off x="628650" y="3006864"/>
+            <a:ext cx="7886700" cy="3170099"/>
+          </a:xfrm>
+          <a:prstGeom prst="rect">
+            <a:avLst/>
+          </a:prstGeom>
+        </p:spPr>
+        <p:style>
+          <a:lnRef idx="2">
+            <a:schemeClr val="dk1"/>
+          </a:lnRef>
+          <a:fillRef idx="1">
+            <a:schemeClr val="lt1"/>
+          </a:fillRef>
+          <a:effectRef idx="0">
+            <a:schemeClr val="dk1"/>
+          </a:effectRef>
+          <a:fontRef idx="minor">
+            <a:schemeClr val="dk1"/>
+          </a:fontRef>
+        </p:style>
+        <p:txBody>
+          <a:bodyPr wrap="square" rtlCol="0">
+            <a:spAutoFit/>
+          </a:bodyPr>
+          <a:lstStyle/>
+          <a:p>
+            <a:r>
+              <a:rPr lang="en-US" sz="2000" dirty="0">
+                <a:solidFill>
+                  <a:srgbClr val="0070C0"/>
+                </a:solidFill>
+                <a:latin typeface="Consolas" panose="020B0609020204030204" pitchFamily="49" charset="0"/>
+              </a:rPr>
+              <a:t>void</a:t>
+            </a:r>
+            <a:r>
+              <a:rPr lang="en-US" sz="2000" dirty="0">
+                <a:latin typeface="Consolas" panose="020B0609020204030204" pitchFamily="49" charset="0"/>
+              </a:rPr>
+              <a:t> </a:t>
+            </a:r>
+            <a:r>
+              <a:rPr lang="en-US" sz="2000" dirty="0" err="1">
+                <a:latin typeface="Consolas" panose="020B0609020204030204" pitchFamily="49" charset="0"/>
+              </a:rPr>
+              <a:t>withdrawCoins</a:t>
+            </a:r>
+            <a:r>
+              <a:rPr lang="en-US" sz="2000" dirty="0">
+                <a:latin typeface="Consolas" panose="020B0609020204030204" pitchFamily="49" charset="0"/>
+              </a:rPr>
+              <a:t>(</a:t>
+            </a:r>
+            <a:r>
+              <a:rPr lang="en-US" sz="2000" dirty="0">
+                <a:solidFill>
+                  <a:srgbClr val="0070C0"/>
+                </a:solidFill>
+                <a:latin typeface="Consolas" panose="020B0609020204030204" pitchFamily="49" charset="0"/>
+              </a:rPr>
+              <a:t>int</a:t>
+            </a:r>
+            <a:r>
+              <a:rPr lang="en-US" sz="2000" dirty="0">
+                <a:latin typeface="Consolas" panose="020B0609020204030204" pitchFamily="49" charset="0"/>
+              </a:rPr>
+              <a:t> amount)</a:t>
+            </a:r>
+          </a:p>
+          <a:p>
+            <a:r>
+              <a:rPr lang="en-US" sz="2000" dirty="0">
+                <a:latin typeface="Consolas" panose="020B0609020204030204" pitchFamily="49" charset="0"/>
+              </a:rPr>
+              <a:t>	</a:t>
+            </a:r>
+            <a:r>
+              <a:rPr lang="en-US" sz="2000" dirty="0">
+                <a:solidFill>
+                  <a:srgbClr val="0070C0"/>
+                </a:solidFill>
+                <a:latin typeface="Consolas" panose="020B0609020204030204" pitchFamily="49" charset="0"/>
+              </a:rPr>
+              <a:t>requires</a:t>
+            </a:r>
+            <a:r>
+              <a:rPr lang="en-US" sz="2000" dirty="0">
+                <a:solidFill>
+                  <a:schemeClr val="tx1"/>
+                </a:solidFill>
+                <a:latin typeface="Consolas" panose="020B0609020204030204" pitchFamily="49" charset="0"/>
+              </a:rPr>
+              <a:t> </a:t>
+            </a:r>
+            <a:r>
+              <a:rPr lang="en-US" sz="2000" dirty="0" err="1">
+                <a:solidFill>
+                  <a:schemeClr val="tx1"/>
+                </a:solidFill>
+                <a:latin typeface="Consolas" panose="020B0609020204030204" pitchFamily="49" charset="0"/>
+              </a:rPr>
+              <a:t>this.balance</a:t>
+            </a:r>
+            <a:r>
+              <a:rPr lang="en-US" sz="2000" dirty="0">
+                <a:solidFill>
+                  <a:schemeClr val="tx1"/>
+                </a:solidFill>
+                <a:latin typeface="Consolas" panose="020B0609020204030204" pitchFamily="49" charset="0"/>
+              </a:rPr>
+              <a:t> &gt;= amount;</a:t>
+            </a:r>
+          </a:p>
+          <a:p>
+            <a:r>
+              <a:rPr lang="en-US" sz="2000" dirty="0">
+                <a:latin typeface="Consolas" panose="020B0609020204030204" pitchFamily="49" charset="0"/>
+              </a:rPr>
+              <a:t>{</a:t>
+            </a:r>
+          </a:p>
+          <a:p>
+            <a:r>
+              <a:rPr lang="en-US" sz="2000" dirty="0">
+                <a:latin typeface="Consolas" panose="020B0609020204030204" pitchFamily="49" charset="0"/>
+              </a:rPr>
+              <a:t>	</a:t>
+            </a:r>
+            <a:r>
+              <a:rPr lang="en-US" sz="2000" dirty="0">
+                <a:solidFill>
+                  <a:srgbClr val="00B050"/>
+                </a:solidFill>
+                <a:latin typeface="Consolas" panose="020B0609020204030204" pitchFamily="49" charset="0"/>
+              </a:rPr>
+              <a:t>// business logic</a:t>
+            </a:r>
+          </a:p>
+          <a:p>
+            <a:r>
+              <a:rPr lang="en-US" sz="2000" dirty="0">
+                <a:latin typeface="Consolas" panose="020B0609020204030204" pitchFamily="49" charset="0"/>
+              </a:rPr>
+              <a:t>	</a:t>
+            </a:r>
+            <a:r>
+              <a:rPr lang="en-US" sz="2000" dirty="0" err="1">
+                <a:latin typeface="Consolas" panose="020B0609020204030204" pitchFamily="49" charset="0"/>
+              </a:rPr>
+              <a:t>this.balance</a:t>
+            </a:r>
+            <a:r>
+              <a:rPr lang="en-US" sz="2000" dirty="0">
+                <a:latin typeface="Consolas" panose="020B0609020204030204" pitchFamily="49" charset="0"/>
+              </a:rPr>
+              <a:t> -= amount;</a:t>
+            </a:r>
+          </a:p>
+          <a:p>
+            <a:r>
+              <a:rPr lang="en-US" sz="2000" dirty="0">
+                <a:latin typeface="Consolas" panose="020B0609020204030204" pitchFamily="49" charset="0"/>
+              </a:rPr>
+              <a:t>}</a:t>
+            </a:r>
+          </a:p>
+          <a:p>
+            <a:r>
+              <a:rPr lang="en-US" sz="2000" dirty="0">
+                <a:latin typeface="Consolas" panose="020B0609020204030204" pitchFamily="49" charset="0"/>
+              </a:rPr>
+              <a:t>…</a:t>
+            </a:r>
+          </a:p>
+          <a:p>
+            <a:r>
+              <a:rPr lang="en-US" sz="2000" dirty="0" err="1">
+                <a:latin typeface="Consolas" panose="020B0609020204030204" pitchFamily="49" charset="0"/>
+              </a:rPr>
+              <a:t>acc.balance</a:t>
+            </a:r>
+            <a:r>
+              <a:rPr lang="en-US" sz="2000" dirty="0">
+                <a:latin typeface="Consolas" panose="020B0609020204030204" pitchFamily="49" charset="0"/>
+              </a:rPr>
+              <a:t> = 1000;</a:t>
+            </a:r>
+          </a:p>
+          <a:p>
+            <a:r>
+              <a:rPr lang="en-US" sz="2000" dirty="0" err="1">
+                <a:latin typeface="Consolas" panose="020B0609020204030204" pitchFamily="49" charset="0"/>
+              </a:rPr>
+              <a:t>acc.withdrawCoins</a:t>
+            </a:r>
+            <a:r>
+              <a:rPr lang="en-US" sz="2000" dirty="0">
+                <a:latin typeface="Consolas" panose="020B0609020204030204" pitchFamily="49" charset="0"/>
+              </a:rPr>
+              <a:t>(10); // statically guaranteed :)</a:t>
+            </a:r>
+          </a:p>
+          <a:p>
+            <a:r>
+              <a:rPr lang="en-US" sz="2000" dirty="0" err="1">
+                <a:latin typeface="Consolas" panose="020B0609020204030204" pitchFamily="49" charset="0"/>
+              </a:rPr>
+              <a:t>acc.withdrawCoins</a:t>
+            </a:r>
+            <a:r>
+              <a:rPr lang="en-US" sz="2000" dirty="0">
+                <a:latin typeface="Consolas" panose="020B0609020204030204" pitchFamily="49" charset="0"/>
+              </a:rPr>
+              <a:t>(20); // dynamically guaranteed :)</a:t>
+            </a:r>
+            <a:endParaRPr lang="de-DE" sz="2000" dirty="0">
+              <a:latin typeface="Consolas" panose="020B0609020204030204" pitchFamily="49" charset="0"/>
+            </a:endParaRPr>
+          </a:p>
+        </p:txBody>
+      </p:sp>
+    </p:spTree>
+    <p:extLst>
+      <p:ext uri="{BB962C8B-B14F-4D97-AF65-F5344CB8AC3E}">
+        <p14:creationId xmlns:p14="http://schemas.microsoft.com/office/powerpoint/2010/main" val="3935380378"/>
+      </p:ext>
+    </p:extLst>
+  </p:cSld>
+  <p:clrMapOvr>
+    <a:masterClrMapping/>
+  </p:clrMapOvr>
+  <p:timing>
+    <p:tnLst>
+      <p:par>
+        <p:cTn id="1" dur="indefinite" restart="never" nodeType="tmRoot">
+          <p:childTnLst>
+            <p:seq concurrent="1" nextAc="seek">
+              <p:cTn id="2" dur="indefinite" nodeType="mainSeq">
+                <p:childTnLst>
+                  <p:par>
+                    <p:cTn id="3" fill="hold">
+                      <p:stCondLst>
+                        <p:cond delay="indefinite"/>
+                      </p:stCondLst>
+                      <p:childTnLst>
+                        <p:par>
+                          <p:cTn id="4" fill="hold">
+                            <p:stCondLst>
+                              <p:cond delay="0"/>
+                            </p:stCondLst>
+                            <p:childTnLst>
+                              <p:par>
+                                <p:cTn id="5" presetID="1" presetClass="entr" presetSubtype="0" fill="hold" grpId="0" nodeType="clickEffect">
+                                  <p:stCondLst>
+                                    <p:cond delay="0"/>
+                                  </p:stCondLst>
+                                  <p:childTnLst>
+                                    <p:set>
+                                      <p:cBhvr>
+                                        <p:cTn id="6" dur="1" fill="hold">
+                                          <p:stCondLst>
+                                            <p:cond delay="0"/>
+                                          </p:stCondLst>
+                                        </p:cTn>
+                                        <p:tgtEl>
+                                          <p:spTgt spid="5"/>
+                                        </p:tgtEl>
+                                        <p:attrNameLst>
+                                          <p:attrName>style.visibility</p:attrName>
+                                        </p:attrNameLst>
+                                      </p:cBhvr>
+                                      <p:to>
+                                        <p:strVal val="visible"/>
+                                      </p:to>
+                                    </p:set>
+                                  </p:childTnLst>
+                                </p:cTn>
+                              </p:par>
+                            </p:childTnLst>
+                          </p:cTn>
+                        </p:par>
+                      </p:childTnLst>
+                    </p:cTn>
+                  </p:par>
+                </p:childTnLst>
+              </p:cTn>
+              <p:prevCondLst>
+                <p:cond evt="onPrev" delay="0">
+                  <p:tgtEl>
+                    <p:sldTgt/>
+                  </p:tgtEl>
+                </p:cond>
+              </p:prevCondLst>
+              <p:nextCondLst>
+                <p:cond evt="onNext" delay="0">
+                  <p:tgtEl>
+                    <p:sldTgt/>
+                  </p:tgtEl>
+                </p:cond>
+              </p:nextCondLst>
+            </p:seq>
+          </p:childTnLst>
+        </p:cTn>
+      </p:par>
+    </p:tnLst>
+    <p:bldLst>
+      <p:bldP spid="5" grpId="0" animBg="1"/>
+    </p:bldLst>
+  </p:timing>
 </p:sld>
 </file>
 

--- a/presentation/PLunch.pptx
+++ b/presentation/PLunch.pptx
@@ -6943,48 +6943,32 @@
             <p:ph idx="1"/>
           </p:nvPr>
         </p:nvSpPr>
-        <p:spPr/>
-        <p:txBody>
-          <a:bodyPr/>
-          <a:lstStyle/>
-          <a:p>
-            <a:r>
-              <a:rPr lang="en-US" dirty="0"/>
-              <a:t>Emit runtime checks only where required</a:t>
-            </a:r>
-          </a:p>
-        </p:txBody>
-      </p:sp>
-      <p:sp>
-        <p:nvSpPr>
-          <p:cNvPr id="4" name="TextBox 3"/>
-          <p:cNvSpPr txBox="1"/>
-          <p:nvPr/>
-        </p:nvSpPr>
         <p:spPr>
           <a:xfrm>
-            <a:off x="628650" y="1367523"/>
-            <a:ext cx="8050089" cy="707886"/>
+            <a:off x="628650" y="1690689"/>
+            <a:ext cx="7886700" cy="1207257"/>
           </a:xfrm>
-          <a:prstGeom prst="rect">
-            <a:avLst/>
-          </a:prstGeom>
-          <a:noFill/>
         </p:spPr>
         <p:txBody>
-          <a:bodyPr wrap="none" rtlCol="0">
-            <a:spAutoFit/>
-          </a:bodyPr>
-          <a:lstStyle/>
-          <a:p>
-            <a:r>
-              <a:rPr lang="en-US" sz="2000" dirty="0"/>
-              <a:t>“Static Typing Where Possible, Dynamic Typing When Needed” (Erik Meijer)</a:t>
-            </a:r>
-            <a:endParaRPr lang="de-DE" sz="2000" dirty="0"/>
-          </a:p>
-          <a:p>
-            <a:endParaRPr lang="de-DE" sz="2000" dirty="0"/>
+          <a:bodyPr/>
+          <a:lstStyle/>
+          <a:p>
+            <a:pPr marL="0" indent="0" algn="ctr">
+              <a:buNone/>
+            </a:pPr>
+            <a:r>
+              <a:rPr lang="en-US" dirty="0"/>
+              <a:t>“Static Checking Where Possible, </a:t>
+            </a:r>
+          </a:p>
+          <a:p>
+            <a:pPr marL="0" indent="0" algn="ctr">
+              <a:buNone/>
+            </a:pPr>
+            <a:r>
+              <a:rPr lang="en-US" dirty="0"/>
+              <a:t>Dynamic Checking When Needed”     </a:t>
+            </a:r>
           </a:p>
         </p:txBody>
       </p:sp>
@@ -7196,12 +7180,39 @@
               <a:rPr lang="en-US" sz="2000" dirty="0">
                 <a:latin typeface="Consolas" panose="020B0609020204030204" pitchFamily="49" charset="0"/>
               </a:rPr>
-              <a:t>(10); // statically guaranteed :)</a:t>
-            </a:r>
-          </a:p>
-          <a:p>
+              <a:t>(10); </a:t>
+            </a:r>
+            <a:r>
+              <a:rPr lang="en-US" sz="2000" dirty="0">
+                <a:solidFill>
+                  <a:srgbClr val="00B050"/>
+                </a:solidFill>
+                <a:latin typeface="Consolas" panose="020B0609020204030204" pitchFamily="49" charset="0"/>
+              </a:rPr>
+              <a:t>// can prove </a:t>
+            </a:r>
             <a:r>
               <a:rPr lang="en-US" sz="2000" dirty="0" err="1">
+                <a:solidFill>
+                  <a:srgbClr val="00B050"/>
+                </a:solidFill>
+                <a:latin typeface="Consolas" panose="020B0609020204030204" pitchFamily="49" charset="0"/>
+              </a:rPr>
+              <a:t>acc.balance</a:t>
+            </a:r>
+            <a:r>
+              <a:rPr lang="en-US" sz="2000" dirty="0">
+                <a:solidFill>
+                  <a:srgbClr val="00B050"/>
+                </a:solidFill>
+                <a:latin typeface="Consolas" panose="020B0609020204030204" pitchFamily="49" charset="0"/>
+              </a:rPr>
+              <a:t> &gt;= 10</a:t>
+            </a:r>
+          </a:p>
+          <a:p>
+            <a:r>
+              <a:rPr lang="en-US" sz="2000" dirty="0" err="1">
                 <a:latin typeface="Consolas" panose="020B0609020204030204" pitchFamily="49" charset="0"/>
               </a:rPr>
               <a:t>acc.withdrawCoins</a:t>
@@ -7210,11 +7221,706 @@
               <a:rPr lang="en-US" sz="2000" dirty="0">
                 <a:latin typeface="Consolas" panose="020B0609020204030204" pitchFamily="49" charset="0"/>
               </a:rPr>
-              <a:t>(20); // dynamically guaranteed :)</a:t>
+              <a:t>(20); </a:t>
+            </a:r>
+            <a:r>
+              <a:rPr lang="en-US" sz="2000" dirty="0">
+                <a:solidFill>
+                  <a:srgbClr val="00B050"/>
+                </a:solidFill>
+                <a:latin typeface="Consolas" panose="020B0609020204030204" pitchFamily="49" charset="0"/>
+              </a:rPr>
+              <a:t>// can’t prove </a:t>
+            </a:r>
+            <a:r>
+              <a:rPr lang="en-US" sz="2000" dirty="0" err="1">
+                <a:solidFill>
+                  <a:srgbClr val="00B050"/>
+                </a:solidFill>
+                <a:latin typeface="Consolas" panose="020B0609020204030204" pitchFamily="49" charset="0"/>
+              </a:rPr>
+              <a:t>acc.balance</a:t>
+            </a:r>
+            <a:r>
+              <a:rPr lang="en-US" sz="2000" dirty="0">
+                <a:solidFill>
+                  <a:srgbClr val="00B050"/>
+                </a:solidFill>
+                <a:latin typeface="Consolas" panose="020B0609020204030204" pitchFamily="49" charset="0"/>
+              </a:rPr>
+              <a:t> &gt;= 20</a:t>
             </a:r>
             <a:endParaRPr lang="de-DE" sz="2000" dirty="0">
+              <a:solidFill>
+                <a:srgbClr val="00B050"/>
+              </a:solidFill>
               <a:latin typeface="Consolas" panose="020B0609020204030204" pitchFamily="49" charset="0"/>
             </a:endParaRPr>
+          </a:p>
+        </p:txBody>
+      </p:sp>
+      <p:sp>
+        <p:nvSpPr>
+          <p:cNvPr id="6" name="TextBox 5"/>
+          <p:cNvSpPr txBox="1"/>
+          <p:nvPr/>
+        </p:nvSpPr>
+        <p:spPr>
+          <a:xfrm>
+            <a:off x="628650" y="3006863"/>
+            <a:ext cx="7886700" cy="3170099"/>
+          </a:xfrm>
+          <a:prstGeom prst="rect">
+            <a:avLst/>
+          </a:prstGeom>
+        </p:spPr>
+        <p:style>
+          <a:lnRef idx="2">
+            <a:schemeClr val="dk1"/>
+          </a:lnRef>
+          <a:fillRef idx="1">
+            <a:schemeClr val="lt1"/>
+          </a:fillRef>
+          <a:effectRef idx="0">
+            <a:schemeClr val="dk1"/>
+          </a:effectRef>
+          <a:fontRef idx="minor">
+            <a:schemeClr val="dk1"/>
+          </a:fontRef>
+        </p:style>
+        <p:txBody>
+          <a:bodyPr wrap="square" rtlCol="0">
+            <a:spAutoFit/>
+          </a:bodyPr>
+          <a:lstStyle/>
+          <a:p>
+            <a:r>
+              <a:rPr lang="en-US" sz="2000" dirty="0">
+                <a:solidFill>
+                  <a:srgbClr val="0070C0"/>
+                </a:solidFill>
+                <a:latin typeface="Consolas" panose="020B0609020204030204" pitchFamily="49" charset="0"/>
+              </a:rPr>
+              <a:t>void</a:t>
+            </a:r>
+            <a:r>
+              <a:rPr lang="en-US" sz="2000" dirty="0">
+                <a:latin typeface="Consolas" panose="020B0609020204030204" pitchFamily="49" charset="0"/>
+              </a:rPr>
+              <a:t> </a:t>
+            </a:r>
+            <a:r>
+              <a:rPr lang="en-US" sz="2000" dirty="0" err="1">
+                <a:latin typeface="Consolas" panose="020B0609020204030204" pitchFamily="49" charset="0"/>
+              </a:rPr>
+              <a:t>withdrawCoins</a:t>
+            </a:r>
+            <a:r>
+              <a:rPr lang="en-US" sz="2000" dirty="0">
+                <a:latin typeface="Consolas" panose="020B0609020204030204" pitchFamily="49" charset="0"/>
+              </a:rPr>
+              <a:t>(</a:t>
+            </a:r>
+            <a:r>
+              <a:rPr lang="en-US" sz="2000" dirty="0">
+                <a:solidFill>
+                  <a:srgbClr val="0070C0"/>
+                </a:solidFill>
+                <a:latin typeface="Consolas" panose="020B0609020204030204" pitchFamily="49" charset="0"/>
+              </a:rPr>
+              <a:t>int</a:t>
+            </a:r>
+            <a:r>
+              <a:rPr lang="en-US" sz="2000" dirty="0">
+                <a:latin typeface="Consolas" panose="020B0609020204030204" pitchFamily="49" charset="0"/>
+              </a:rPr>
+              <a:t> amount)</a:t>
+            </a:r>
+          </a:p>
+          <a:p>
+            <a:r>
+              <a:rPr lang="en-US" sz="2000" dirty="0">
+                <a:latin typeface="Consolas" panose="020B0609020204030204" pitchFamily="49" charset="0"/>
+              </a:rPr>
+              <a:t>	</a:t>
+            </a:r>
+            <a:r>
+              <a:rPr lang="en-US" sz="2000" dirty="0">
+                <a:solidFill>
+                  <a:srgbClr val="0070C0"/>
+                </a:solidFill>
+                <a:latin typeface="Consolas" panose="020B0609020204030204" pitchFamily="49" charset="0"/>
+              </a:rPr>
+              <a:t>requires</a:t>
+            </a:r>
+            <a:r>
+              <a:rPr lang="en-US" sz="2000" dirty="0">
+                <a:solidFill>
+                  <a:schemeClr val="tx1"/>
+                </a:solidFill>
+                <a:latin typeface="Consolas" panose="020B0609020204030204" pitchFamily="49" charset="0"/>
+              </a:rPr>
+              <a:t> </a:t>
+            </a:r>
+            <a:r>
+              <a:rPr lang="en-US" sz="2000" dirty="0" err="1">
+                <a:solidFill>
+                  <a:schemeClr val="tx1"/>
+                </a:solidFill>
+                <a:latin typeface="Consolas" panose="020B0609020204030204" pitchFamily="49" charset="0"/>
+              </a:rPr>
+              <a:t>this.balance</a:t>
+            </a:r>
+            <a:r>
+              <a:rPr lang="en-US" sz="2000" dirty="0">
+                <a:solidFill>
+                  <a:schemeClr val="tx1"/>
+                </a:solidFill>
+                <a:latin typeface="Consolas" panose="020B0609020204030204" pitchFamily="49" charset="0"/>
+              </a:rPr>
+              <a:t> &gt;= amount;</a:t>
+            </a:r>
+          </a:p>
+          <a:p>
+            <a:r>
+              <a:rPr lang="en-US" sz="2000" dirty="0">
+                <a:latin typeface="Consolas" panose="020B0609020204030204" pitchFamily="49" charset="0"/>
+              </a:rPr>
+              <a:t>{</a:t>
+            </a:r>
+          </a:p>
+          <a:p>
+            <a:r>
+              <a:rPr lang="en-US" sz="2000" dirty="0">
+                <a:latin typeface="Consolas" panose="020B0609020204030204" pitchFamily="49" charset="0"/>
+              </a:rPr>
+              <a:t>	</a:t>
+            </a:r>
+            <a:r>
+              <a:rPr lang="en-US" sz="2000" dirty="0">
+                <a:solidFill>
+                  <a:srgbClr val="00B050"/>
+                </a:solidFill>
+                <a:latin typeface="Consolas" panose="020B0609020204030204" pitchFamily="49" charset="0"/>
+              </a:rPr>
+              <a:t>// business logic</a:t>
+            </a:r>
+          </a:p>
+          <a:p>
+            <a:r>
+              <a:rPr lang="en-US" sz="2000" dirty="0">
+                <a:latin typeface="Consolas" panose="020B0609020204030204" pitchFamily="49" charset="0"/>
+              </a:rPr>
+              <a:t>	</a:t>
+            </a:r>
+            <a:r>
+              <a:rPr lang="en-US" sz="2000" dirty="0" err="1">
+                <a:latin typeface="Consolas" panose="020B0609020204030204" pitchFamily="49" charset="0"/>
+              </a:rPr>
+              <a:t>this.balance</a:t>
+            </a:r>
+            <a:r>
+              <a:rPr lang="en-US" sz="2000" dirty="0">
+                <a:latin typeface="Consolas" panose="020B0609020204030204" pitchFamily="49" charset="0"/>
+              </a:rPr>
+              <a:t> -= amount;</a:t>
+            </a:r>
+          </a:p>
+          <a:p>
+            <a:r>
+              <a:rPr lang="en-US" sz="2000" dirty="0">
+                <a:latin typeface="Consolas" panose="020B0609020204030204" pitchFamily="49" charset="0"/>
+              </a:rPr>
+              <a:t>}</a:t>
+            </a:r>
+          </a:p>
+          <a:p>
+            <a:r>
+              <a:rPr lang="en-US" sz="2000" dirty="0">
+                <a:latin typeface="Consolas" panose="020B0609020204030204" pitchFamily="49" charset="0"/>
+              </a:rPr>
+              <a:t>…</a:t>
+            </a:r>
+          </a:p>
+          <a:p>
+            <a:r>
+              <a:rPr lang="en-US" sz="2000" dirty="0" err="1">
+                <a:latin typeface="Consolas" panose="020B0609020204030204" pitchFamily="49" charset="0"/>
+              </a:rPr>
+              <a:t>acc.balance</a:t>
+            </a:r>
+            <a:r>
+              <a:rPr lang="en-US" sz="2000" dirty="0">
+                <a:latin typeface="Consolas" panose="020B0609020204030204" pitchFamily="49" charset="0"/>
+              </a:rPr>
+              <a:t> = 1000;</a:t>
+            </a:r>
+          </a:p>
+          <a:p>
+            <a:r>
+              <a:rPr lang="en-US" sz="2000" dirty="0" err="1">
+                <a:latin typeface="Consolas" panose="020B0609020204030204" pitchFamily="49" charset="0"/>
+              </a:rPr>
+              <a:t>acc.withdrawCoins</a:t>
+            </a:r>
+            <a:r>
+              <a:rPr lang="en-US" sz="2000" dirty="0">
+                <a:latin typeface="Consolas" panose="020B0609020204030204" pitchFamily="49" charset="0"/>
+              </a:rPr>
+              <a:t>(10); </a:t>
+            </a:r>
+            <a:r>
+              <a:rPr lang="en-US" sz="2000" dirty="0">
+                <a:solidFill>
+                  <a:srgbClr val="00B050"/>
+                </a:solidFill>
+                <a:latin typeface="Consolas" panose="020B0609020204030204" pitchFamily="49" charset="0"/>
+              </a:rPr>
+              <a:t>// statically guaranteed</a:t>
+            </a:r>
+          </a:p>
+          <a:p>
+            <a:r>
+              <a:rPr lang="en-US" sz="2000" dirty="0" err="1">
+                <a:latin typeface="Consolas" panose="020B0609020204030204" pitchFamily="49" charset="0"/>
+              </a:rPr>
+              <a:t>acc.withdrawCoins</a:t>
+            </a:r>
+            <a:r>
+              <a:rPr lang="en-US" sz="2000" dirty="0">
+                <a:latin typeface="Consolas" panose="020B0609020204030204" pitchFamily="49" charset="0"/>
+              </a:rPr>
+              <a:t>(20); </a:t>
+            </a:r>
+            <a:r>
+              <a:rPr lang="en-US" sz="2000" dirty="0">
+                <a:solidFill>
+                  <a:srgbClr val="00B050"/>
+                </a:solidFill>
+                <a:latin typeface="Consolas" panose="020B0609020204030204" pitchFamily="49" charset="0"/>
+              </a:rPr>
+              <a:t>// dynamically guaranteed</a:t>
+            </a:r>
+            <a:endParaRPr lang="de-DE" sz="2000" dirty="0">
+              <a:solidFill>
+                <a:srgbClr val="00B050"/>
+              </a:solidFill>
+              <a:latin typeface="Consolas" panose="020B0609020204030204" pitchFamily="49" charset="0"/>
+            </a:endParaRPr>
+          </a:p>
+        </p:txBody>
+      </p:sp>
+      <p:sp>
+        <p:nvSpPr>
+          <p:cNvPr id="7" name="Content Placeholder 2"/>
+          <p:cNvSpPr txBox="1">
+            <a:spLocks/>
+          </p:cNvSpPr>
+          <p:nvPr/>
+        </p:nvSpPr>
+        <p:spPr>
+          <a:xfrm>
+            <a:off x="3207433" y="1690688"/>
+            <a:ext cx="1336431" cy="1080646"/>
+          </a:xfrm>
+          <a:prstGeom prst="rect">
+            <a:avLst/>
+          </a:prstGeom>
+          <a:solidFill>
+            <a:schemeClr val="bg1"/>
+          </a:solidFill>
+        </p:spPr>
+        <p:txBody>
+          <a:bodyPr vert="horz" lIns="91440" tIns="45720" rIns="91440" bIns="45720" rtlCol="0">
+            <a:normAutofit/>
+          </a:bodyPr>
+          <a:lstStyle>
+            <a:lvl1pPr marL="228600" indent="-228600" algn="l" defTabSz="914400" rtl="0" eaLnBrk="1" latinLnBrk="0" hangingPunct="1">
+              <a:lnSpc>
+                <a:spcPct val="90000"/>
+              </a:lnSpc>
+              <a:spcBef>
+                <a:spcPts val="1000"/>
+              </a:spcBef>
+              <a:buFont typeface="Arial" panose="020B0604020202020204" pitchFamily="34" charset="0"/>
+              <a:buChar char="•"/>
+              <a:defRPr sz="2800" kern="1200">
+                <a:solidFill>
+                  <a:schemeClr val="tx1"/>
+                </a:solidFill>
+                <a:latin typeface="+mn-lt"/>
+                <a:ea typeface="+mn-ea"/>
+                <a:cs typeface="+mn-cs"/>
+              </a:defRPr>
+            </a:lvl1pPr>
+            <a:lvl2pPr marL="685800" indent="-228600" algn="l" defTabSz="914400" rtl="0" eaLnBrk="1" latinLnBrk="0" hangingPunct="1">
+              <a:lnSpc>
+                <a:spcPct val="90000"/>
+              </a:lnSpc>
+              <a:spcBef>
+                <a:spcPts val="500"/>
+              </a:spcBef>
+              <a:buFont typeface="Arial" panose="020B0604020202020204" pitchFamily="34" charset="0"/>
+              <a:buChar char="•"/>
+              <a:defRPr sz="2400" kern="1200">
+                <a:solidFill>
+                  <a:schemeClr val="tx1"/>
+                </a:solidFill>
+                <a:latin typeface="+mn-lt"/>
+                <a:ea typeface="+mn-ea"/>
+                <a:cs typeface="+mn-cs"/>
+              </a:defRPr>
+            </a:lvl2pPr>
+            <a:lvl3pPr marL="1143000" indent="-228600" algn="l" defTabSz="914400" rtl="0" eaLnBrk="1" latinLnBrk="0" hangingPunct="1">
+              <a:lnSpc>
+                <a:spcPct val="90000"/>
+              </a:lnSpc>
+              <a:spcBef>
+                <a:spcPts val="500"/>
+              </a:spcBef>
+              <a:buFont typeface="Arial" panose="020B0604020202020204" pitchFamily="34" charset="0"/>
+              <a:buChar char="•"/>
+              <a:defRPr sz="2000" kern="1200">
+                <a:solidFill>
+                  <a:schemeClr val="tx1"/>
+                </a:solidFill>
+                <a:latin typeface="+mn-lt"/>
+                <a:ea typeface="+mn-ea"/>
+                <a:cs typeface="+mn-cs"/>
+              </a:defRPr>
+            </a:lvl3pPr>
+            <a:lvl4pPr marL="1600200" indent="-228600" algn="l" defTabSz="914400" rtl="0" eaLnBrk="1" latinLnBrk="0" hangingPunct="1">
+              <a:lnSpc>
+                <a:spcPct val="90000"/>
+              </a:lnSpc>
+              <a:spcBef>
+                <a:spcPts val="500"/>
+              </a:spcBef>
+              <a:buFont typeface="Arial" panose="020B0604020202020204" pitchFamily="34" charset="0"/>
+              <a:buChar char="•"/>
+              <a:defRPr sz="1800" kern="1200">
+                <a:solidFill>
+                  <a:schemeClr val="tx1"/>
+                </a:solidFill>
+                <a:latin typeface="+mn-lt"/>
+                <a:ea typeface="+mn-ea"/>
+                <a:cs typeface="+mn-cs"/>
+              </a:defRPr>
+            </a:lvl4pPr>
+            <a:lvl5pPr marL="2057400" indent="-228600" algn="l" defTabSz="914400" rtl="0" eaLnBrk="1" latinLnBrk="0" hangingPunct="1">
+              <a:lnSpc>
+                <a:spcPct val="90000"/>
+              </a:lnSpc>
+              <a:spcBef>
+                <a:spcPts val="500"/>
+              </a:spcBef>
+              <a:buFont typeface="Arial" panose="020B0604020202020204" pitchFamily="34" charset="0"/>
+              <a:buChar char="•"/>
+              <a:defRPr sz="1800" kern="1200">
+                <a:solidFill>
+                  <a:schemeClr val="tx1"/>
+                </a:solidFill>
+                <a:latin typeface="+mn-lt"/>
+                <a:ea typeface="+mn-ea"/>
+                <a:cs typeface="+mn-cs"/>
+              </a:defRPr>
+            </a:lvl5pPr>
+            <a:lvl6pPr marL="2514600" indent="-228600" algn="l" defTabSz="914400" rtl="0" eaLnBrk="1" latinLnBrk="0" hangingPunct="1">
+              <a:lnSpc>
+                <a:spcPct val="90000"/>
+              </a:lnSpc>
+              <a:spcBef>
+                <a:spcPts val="500"/>
+              </a:spcBef>
+              <a:buFont typeface="Arial" panose="020B0604020202020204" pitchFamily="34" charset="0"/>
+              <a:buChar char="•"/>
+              <a:defRPr sz="1800" kern="1200">
+                <a:solidFill>
+                  <a:schemeClr val="tx1"/>
+                </a:solidFill>
+                <a:latin typeface="+mn-lt"/>
+                <a:ea typeface="+mn-ea"/>
+                <a:cs typeface="+mn-cs"/>
+              </a:defRPr>
+            </a:lvl6pPr>
+            <a:lvl7pPr marL="2971800" indent="-228600" algn="l" defTabSz="914400" rtl="0" eaLnBrk="1" latinLnBrk="0" hangingPunct="1">
+              <a:lnSpc>
+                <a:spcPct val="90000"/>
+              </a:lnSpc>
+              <a:spcBef>
+                <a:spcPts val="500"/>
+              </a:spcBef>
+              <a:buFont typeface="Arial" panose="020B0604020202020204" pitchFamily="34" charset="0"/>
+              <a:buChar char="•"/>
+              <a:defRPr sz="1800" kern="1200">
+                <a:solidFill>
+                  <a:schemeClr val="tx1"/>
+                </a:solidFill>
+                <a:latin typeface="+mn-lt"/>
+                <a:ea typeface="+mn-ea"/>
+                <a:cs typeface="+mn-cs"/>
+              </a:defRPr>
+            </a:lvl7pPr>
+            <a:lvl8pPr marL="3429000" indent="-228600" algn="l" defTabSz="914400" rtl="0" eaLnBrk="1" latinLnBrk="0" hangingPunct="1">
+              <a:lnSpc>
+                <a:spcPct val="90000"/>
+              </a:lnSpc>
+              <a:spcBef>
+                <a:spcPts val="500"/>
+              </a:spcBef>
+              <a:buFont typeface="Arial" panose="020B0604020202020204" pitchFamily="34" charset="0"/>
+              <a:buChar char="•"/>
+              <a:defRPr sz="1800" kern="1200">
+                <a:solidFill>
+                  <a:schemeClr val="tx1"/>
+                </a:solidFill>
+                <a:latin typeface="+mn-lt"/>
+                <a:ea typeface="+mn-ea"/>
+                <a:cs typeface="+mn-cs"/>
+              </a:defRPr>
+            </a:lvl8pPr>
+            <a:lvl9pPr marL="3886200" indent="-228600" algn="l" defTabSz="914400" rtl="0" eaLnBrk="1" latinLnBrk="0" hangingPunct="1">
+              <a:lnSpc>
+                <a:spcPct val="90000"/>
+              </a:lnSpc>
+              <a:spcBef>
+                <a:spcPts val="500"/>
+              </a:spcBef>
+              <a:buFont typeface="Arial" panose="020B0604020202020204" pitchFamily="34" charset="0"/>
+              <a:buChar char="•"/>
+              <a:defRPr sz="1800" kern="1200">
+                <a:solidFill>
+                  <a:schemeClr val="tx1"/>
+                </a:solidFill>
+                <a:latin typeface="+mn-lt"/>
+                <a:ea typeface="+mn-ea"/>
+                <a:cs typeface="+mn-cs"/>
+              </a:defRPr>
+            </a:lvl9pPr>
+          </a:lstStyle>
+          <a:p>
+            <a:pPr marL="0" indent="0" algn="ctr">
+              <a:buFont typeface="Arial" panose="020B0604020202020204" pitchFamily="34" charset="0"/>
+              <a:buNone/>
+            </a:pPr>
+            <a:r>
+              <a:rPr lang="en-US" dirty="0"/>
+              <a:t>Typing</a:t>
+            </a:r>
+          </a:p>
+          <a:p>
+            <a:pPr marL="0" indent="0" algn="ctr">
+              <a:buFont typeface="Arial" panose="020B0604020202020204" pitchFamily="34" charset="0"/>
+              <a:buNone/>
+            </a:pPr>
+            <a:r>
+              <a:rPr lang="en-US" dirty="0"/>
+              <a:t>Typing</a:t>
+            </a:r>
+          </a:p>
+        </p:txBody>
+      </p:sp>
+      <p:sp>
+        <p:nvSpPr>
+          <p:cNvPr id="8" name="Content Placeholder 2"/>
+          <p:cNvSpPr txBox="1">
+            <a:spLocks/>
+          </p:cNvSpPr>
+          <p:nvPr/>
+        </p:nvSpPr>
+        <p:spPr>
+          <a:xfrm>
+            <a:off x="6874266" y="2222695"/>
+            <a:ext cx="2082018" cy="548639"/>
+          </a:xfrm>
+          <a:prstGeom prst="rect">
+            <a:avLst/>
+          </a:prstGeom>
+          <a:noFill/>
+        </p:spPr>
+        <p:txBody>
+          <a:bodyPr vert="horz" lIns="91440" tIns="45720" rIns="91440" bIns="45720" rtlCol="0">
+            <a:normAutofit/>
+          </a:bodyPr>
+          <a:lstStyle>
+            <a:lvl1pPr marL="228600" indent="-228600" algn="l" defTabSz="914400" rtl="0" eaLnBrk="1" latinLnBrk="0" hangingPunct="1">
+              <a:lnSpc>
+                <a:spcPct val="90000"/>
+              </a:lnSpc>
+              <a:spcBef>
+                <a:spcPts val="1000"/>
+              </a:spcBef>
+              <a:buFont typeface="Arial" panose="020B0604020202020204" pitchFamily="34" charset="0"/>
+              <a:buChar char="•"/>
+              <a:defRPr sz="2800" kern="1200">
+                <a:solidFill>
+                  <a:schemeClr val="tx1"/>
+                </a:solidFill>
+                <a:latin typeface="+mn-lt"/>
+                <a:ea typeface="+mn-ea"/>
+                <a:cs typeface="+mn-cs"/>
+              </a:defRPr>
+            </a:lvl1pPr>
+            <a:lvl2pPr marL="685800" indent="-228600" algn="l" defTabSz="914400" rtl="0" eaLnBrk="1" latinLnBrk="0" hangingPunct="1">
+              <a:lnSpc>
+                <a:spcPct val="90000"/>
+              </a:lnSpc>
+              <a:spcBef>
+                <a:spcPts val="500"/>
+              </a:spcBef>
+              <a:buFont typeface="Arial" panose="020B0604020202020204" pitchFamily="34" charset="0"/>
+              <a:buChar char="•"/>
+              <a:defRPr sz="2400" kern="1200">
+                <a:solidFill>
+                  <a:schemeClr val="tx1"/>
+                </a:solidFill>
+                <a:latin typeface="+mn-lt"/>
+                <a:ea typeface="+mn-ea"/>
+                <a:cs typeface="+mn-cs"/>
+              </a:defRPr>
+            </a:lvl2pPr>
+            <a:lvl3pPr marL="1143000" indent="-228600" algn="l" defTabSz="914400" rtl="0" eaLnBrk="1" latinLnBrk="0" hangingPunct="1">
+              <a:lnSpc>
+                <a:spcPct val="90000"/>
+              </a:lnSpc>
+              <a:spcBef>
+                <a:spcPts val="500"/>
+              </a:spcBef>
+              <a:buFont typeface="Arial" panose="020B0604020202020204" pitchFamily="34" charset="0"/>
+              <a:buChar char="•"/>
+              <a:defRPr sz="2000" kern="1200">
+                <a:solidFill>
+                  <a:schemeClr val="tx1"/>
+                </a:solidFill>
+                <a:latin typeface="+mn-lt"/>
+                <a:ea typeface="+mn-ea"/>
+                <a:cs typeface="+mn-cs"/>
+              </a:defRPr>
+            </a:lvl3pPr>
+            <a:lvl4pPr marL="1600200" indent="-228600" algn="l" defTabSz="914400" rtl="0" eaLnBrk="1" latinLnBrk="0" hangingPunct="1">
+              <a:lnSpc>
+                <a:spcPct val="90000"/>
+              </a:lnSpc>
+              <a:spcBef>
+                <a:spcPts val="500"/>
+              </a:spcBef>
+              <a:buFont typeface="Arial" panose="020B0604020202020204" pitchFamily="34" charset="0"/>
+              <a:buChar char="•"/>
+              <a:defRPr sz="1800" kern="1200">
+                <a:solidFill>
+                  <a:schemeClr val="tx1"/>
+                </a:solidFill>
+                <a:latin typeface="+mn-lt"/>
+                <a:ea typeface="+mn-ea"/>
+                <a:cs typeface="+mn-cs"/>
+              </a:defRPr>
+            </a:lvl4pPr>
+            <a:lvl5pPr marL="2057400" indent="-228600" algn="l" defTabSz="914400" rtl="0" eaLnBrk="1" latinLnBrk="0" hangingPunct="1">
+              <a:lnSpc>
+                <a:spcPct val="90000"/>
+              </a:lnSpc>
+              <a:spcBef>
+                <a:spcPts val="500"/>
+              </a:spcBef>
+              <a:buFont typeface="Arial" panose="020B0604020202020204" pitchFamily="34" charset="0"/>
+              <a:buChar char="•"/>
+              <a:defRPr sz="1800" kern="1200">
+                <a:solidFill>
+                  <a:schemeClr val="tx1"/>
+                </a:solidFill>
+                <a:latin typeface="+mn-lt"/>
+                <a:ea typeface="+mn-ea"/>
+                <a:cs typeface="+mn-cs"/>
+              </a:defRPr>
+            </a:lvl5pPr>
+            <a:lvl6pPr marL="2514600" indent="-228600" algn="l" defTabSz="914400" rtl="0" eaLnBrk="1" latinLnBrk="0" hangingPunct="1">
+              <a:lnSpc>
+                <a:spcPct val="90000"/>
+              </a:lnSpc>
+              <a:spcBef>
+                <a:spcPts val="500"/>
+              </a:spcBef>
+              <a:buFont typeface="Arial" panose="020B0604020202020204" pitchFamily="34" charset="0"/>
+              <a:buChar char="•"/>
+              <a:defRPr sz="1800" kern="1200">
+                <a:solidFill>
+                  <a:schemeClr val="tx1"/>
+                </a:solidFill>
+                <a:latin typeface="+mn-lt"/>
+                <a:ea typeface="+mn-ea"/>
+                <a:cs typeface="+mn-cs"/>
+              </a:defRPr>
+            </a:lvl6pPr>
+            <a:lvl7pPr marL="2971800" indent="-228600" algn="l" defTabSz="914400" rtl="0" eaLnBrk="1" latinLnBrk="0" hangingPunct="1">
+              <a:lnSpc>
+                <a:spcPct val="90000"/>
+              </a:lnSpc>
+              <a:spcBef>
+                <a:spcPts val="500"/>
+              </a:spcBef>
+              <a:buFont typeface="Arial" panose="020B0604020202020204" pitchFamily="34" charset="0"/>
+              <a:buChar char="•"/>
+              <a:defRPr sz="1800" kern="1200">
+                <a:solidFill>
+                  <a:schemeClr val="tx1"/>
+                </a:solidFill>
+                <a:latin typeface="+mn-lt"/>
+                <a:ea typeface="+mn-ea"/>
+                <a:cs typeface="+mn-cs"/>
+              </a:defRPr>
+            </a:lvl7pPr>
+            <a:lvl8pPr marL="3429000" indent="-228600" algn="l" defTabSz="914400" rtl="0" eaLnBrk="1" latinLnBrk="0" hangingPunct="1">
+              <a:lnSpc>
+                <a:spcPct val="90000"/>
+              </a:lnSpc>
+              <a:spcBef>
+                <a:spcPts val="500"/>
+              </a:spcBef>
+              <a:buFont typeface="Arial" panose="020B0604020202020204" pitchFamily="34" charset="0"/>
+              <a:buChar char="•"/>
+              <a:defRPr sz="1800" kern="1200">
+                <a:solidFill>
+                  <a:schemeClr val="tx1"/>
+                </a:solidFill>
+                <a:latin typeface="+mn-lt"/>
+                <a:ea typeface="+mn-ea"/>
+                <a:cs typeface="+mn-cs"/>
+              </a:defRPr>
+            </a:lvl8pPr>
+            <a:lvl9pPr marL="3886200" indent="-228600" algn="l" defTabSz="914400" rtl="0" eaLnBrk="1" latinLnBrk="0" hangingPunct="1">
+              <a:lnSpc>
+                <a:spcPct val="90000"/>
+              </a:lnSpc>
+              <a:spcBef>
+                <a:spcPts val="500"/>
+              </a:spcBef>
+              <a:buFont typeface="Arial" panose="020B0604020202020204" pitchFamily="34" charset="0"/>
+              <a:buChar char="•"/>
+              <a:defRPr sz="1800" kern="1200">
+                <a:solidFill>
+                  <a:schemeClr val="tx1"/>
+                </a:solidFill>
+                <a:latin typeface="+mn-lt"/>
+                <a:ea typeface="+mn-ea"/>
+                <a:cs typeface="+mn-cs"/>
+              </a:defRPr>
+            </a:lvl9pPr>
+          </a:lstStyle>
+          <a:p>
+            <a:pPr marL="0" indent="0" algn="ctr">
+              <a:buFont typeface="Arial" panose="020B0604020202020204" pitchFamily="34" charset="0"/>
+              <a:buNone/>
+            </a:pPr>
+            <a:r>
+              <a:rPr lang="en-US" sz="2400" dirty="0">
+                <a:solidFill>
+                  <a:schemeClr val="bg1">
+                    <a:lumMod val="75000"/>
+                  </a:schemeClr>
+                </a:solidFill>
+              </a:rPr>
+              <a:t>(Erik Meijer)</a:t>
+            </a:r>
           </a:p>
         </p:txBody>
       </p:sp>
@@ -7281,6 +7987,141 @@
                       </p:childTnLst>
                     </p:cTn>
                   </p:par>
+                  <p:par>
+                    <p:cTn id="7" fill="hold">
+                      <p:stCondLst>
+                        <p:cond delay="indefinite"/>
+                      </p:stCondLst>
+                      <p:childTnLst>
+                        <p:par>
+                          <p:cTn id="8" fill="hold">
+                            <p:stCondLst>
+                              <p:cond delay="0"/>
+                            </p:stCondLst>
+                            <p:childTnLst>
+                              <p:par>
+                                <p:cTn id="9" presetID="1" presetClass="entr" presetSubtype="0" fill="hold" grpId="0" nodeType="clickEffect">
+                                  <p:stCondLst>
+                                    <p:cond delay="0"/>
+                                  </p:stCondLst>
+                                  <p:childTnLst>
+                                    <p:set>
+                                      <p:cBhvr>
+                                        <p:cTn id="10" dur="1" fill="hold">
+                                          <p:stCondLst>
+                                            <p:cond delay="0"/>
+                                          </p:stCondLst>
+                                        </p:cTn>
+                                        <p:tgtEl>
+                                          <p:spTgt spid="6"/>
+                                        </p:tgtEl>
+                                        <p:attrNameLst>
+                                          <p:attrName>style.visibility</p:attrName>
+                                        </p:attrNameLst>
+                                      </p:cBhvr>
+                                      <p:to>
+                                        <p:strVal val="visible"/>
+                                      </p:to>
+                                    </p:set>
+                                  </p:childTnLst>
+                                </p:cTn>
+                              </p:par>
+                            </p:childTnLst>
+                          </p:cTn>
+                        </p:par>
+                      </p:childTnLst>
+                    </p:cTn>
+                  </p:par>
+                  <p:par>
+                    <p:cTn id="11" fill="hold">
+                      <p:stCondLst>
+                        <p:cond delay="indefinite"/>
+                      </p:stCondLst>
+                      <p:childTnLst>
+                        <p:par>
+                          <p:cTn id="12" fill="hold">
+                            <p:stCondLst>
+                              <p:cond delay="0"/>
+                            </p:stCondLst>
+                            <p:childTnLst>
+                              <p:par>
+                                <p:cTn id="13" presetID="1" presetClass="entr" presetSubtype="0" fill="hold" grpId="0" nodeType="clickEffect">
+                                  <p:stCondLst>
+                                    <p:cond delay="0"/>
+                                  </p:stCondLst>
+                                  <p:childTnLst>
+                                    <p:set>
+                                      <p:cBhvr>
+                                        <p:cTn id="14" dur="1" fill="hold">
+                                          <p:stCondLst>
+                                            <p:cond delay="0"/>
+                                          </p:stCondLst>
+                                        </p:cTn>
+                                        <p:tgtEl>
+                                          <p:spTgt spid="7"/>
+                                        </p:tgtEl>
+                                        <p:attrNameLst>
+                                          <p:attrName>style.visibility</p:attrName>
+                                        </p:attrNameLst>
+                                      </p:cBhvr>
+                                      <p:to>
+                                        <p:strVal val="visible"/>
+                                      </p:to>
+                                    </p:set>
+                                  </p:childTnLst>
+                                </p:cTn>
+                              </p:par>
+                            </p:childTnLst>
+                          </p:cTn>
+                        </p:par>
+                      </p:childTnLst>
+                    </p:cTn>
+                  </p:par>
+                  <p:par>
+                    <p:cTn id="15" fill="hold">
+                      <p:stCondLst>
+                        <p:cond delay="indefinite"/>
+                      </p:stCondLst>
+                      <p:childTnLst>
+                        <p:par>
+                          <p:cTn id="16" fill="hold">
+                            <p:stCondLst>
+                              <p:cond delay="0"/>
+                            </p:stCondLst>
+                            <p:childTnLst>
+                              <p:par>
+                                <p:cTn id="17" presetID="1" presetClass="entr" presetSubtype="0" fill="hold" grpId="0" nodeType="clickEffect">
+                                  <p:stCondLst>
+                                    <p:cond delay="0"/>
+                                  </p:stCondLst>
+                                  <p:childTnLst>
+                                    <p:set>
+                                      <p:cBhvr>
+                                        <p:cTn id="18" dur="1" fill="hold">
+                                          <p:stCondLst>
+                                            <p:cond delay="0"/>
+                                          </p:stCondLst>
+                                        </p:cTn>
+                                        <p:tgtEl>
+                                          <p:spTgt spid="8"/>
+                                        </p:tgtEl>
+                                        <p:attrNameLst>
+                                          <p:attrName>style.visibility</p:attrName>
+                                        </p:attrNameLst>
+                                      </p:cBhvr>
+                                      <p:to>
+                                        <p:strVal val="visible"/>
+                                      </p:to>
+                                    </p:set>
+                                  </p:childTnLst>
+                                </p:cTn>
+                              </p:par>
+                            </p:childTnLst>
+                          </p:cTn>
+                        </p:par>
+                      </p:childTnLst>
+                    </p:cTn>
+                  </p:par>
                 </p:childTnLst>
               </p:cTn>
               <p:prevCondLst>
@@ -7304,6 +8145,9 @@
     </p:tnLst>
     <p:bldLst>
       <p:bldP spid="5" grpId="0" animBg="1"/>
+      <p:bldP spid="6" grpId="0" animBg="1"/>
+      <p:bldP spid="7" grpId="0" animBg="1"/>
+      <p:bldP spid="8" grpId="0"/>
     </p:bldLst>
   </p:timing>
 </p:sld>

--- a/presentation/PLunch.pptx
+++ b/presentation/PLunch.pptx
@@ -1117,6 +1117,12 @@
             <a:r>
               <a:rPr lang="en-US" baseline="0" dirty="0"/>
               <a:t> also shows what’s wrong with the approach: static and dynamic are considered independent, not really working together</a:t>
+            </a:r>
+          </a:p>
+          <a:p>
+            <a:r>
+              <a:rPr lang="en-US" baseline="0" dirty="0"/>
+              <a:t>Research: find good tests (directed dynamic verification)</a:t>
             </a:r>
             <a:endParaRPr lang="de-DE" dirty="0"/>
           </a:p>
@@ -4117,7 +4123,7 @@
           <a:p>
             <a:r>
               <a:rPr lang="en-US" dirty="0"/>
-              <a:t>Approach</a:t>
+              <a:t>Gradual Verification - Approach</a:t>
             </a:r>
             <a:endParaRPr lang="de-DE" dirty="0"/>
           </a:p>
@@ -7112,47 +7118,82 @@
             <a:r>
               <a:rPr lang="en-US" sz="2000" dirty="0">
                 <a:solidFill>
+                  <a:schemeClr val="tx1"/>
+                </a:solidFill>
+                <a:latin typeface="Consolas" panose="020B0609020204030204" pitchFamily="49" charset="0"/>
+              </a:rPr>
+              <a:t>…</a:t>
+            </a:r>
+          </a:p>
+          <a:p>
+            <a:r>
+              <a:rPr lang="en-US" sz="2000" dirty="0">
+                <a:latin typeface="Consolas" panose="020B0609020204030204" pitchFamily="49" charset="0"/>
+              </a:rPr>
+              <a:t>}</a:t>
+            </a:r>
+          </a:p>
+          <a:p>
+            <a:r>
+              <a:rPr lang="en-US" sz="2000" dirty="0">
+                <a:latin typeface="Consolas" panose="020B0609020204030204" pitchFamily="49" charset="0"/>
+              </a:rPr>
+              <a:t>…</a:t>
+            </a:r>
+          </a:p>
+          <a:p>
+            <a:r>
+              <a:rPr lang="en-US" sz="2000" dirty="0" err="1">
+                <a:latin typeface="Consolas" panose="020B0609020204030204" pitchFamily="49" charset="0"/>
+              </a:rPr>
+              <a:t>acc.balance</a:t>
+            </a:r>
+            <a:r>
+              <a:rPr lang="en-US" sz="2000" dirty="0">
+                <a:latin typeface="Consolas" panose="020B0609020204030204" pitchFamily="49" charset="0"/>
+              </a:rPr>
+              <a:t> = 100;</a:t>
+            </a:r>
+          </a:p>
+          <a:p>
+            <a:r>
+              <a:rPr lang="en-US" sz="2000" dirty="0" err="1">
+                <a:latin typeface="Consolas" panose="020B0609020204030204" pitchFamily="49" charset="0"/>
+              </a:rPr>
+              <a:t>acc.withdrawCoins</a:t>
+            </a:r>
+            <a:r>
+              <a:rPr lang="en-US" sz="2000" dirty="0">
+                <a:latin typeface="Consolas" panose="020B0609020204030204" pitchFamily="49" charset="0"/>
+              </a:rPr>
+              <a:t>(50); </a:t>
+            </a:r>
+            <a:r>
+              <a:rPr lang="en-US" sz="2000" dirty="0">
+                <a:solidFill>
                   <a:srgbClr val="00B050"/>
                 </a:solidFill>
                 <a:latin typeface="Consolas" panose="020B0609020204030204" pitchFamily="49" charset="0"/>
               </a:rPr>
-              <a:t>// business logic</a:t>
-            </a:r>
-          </a:p>
-          <a:p>
-            <a:r>
-              <a:rPr lang="en-US" sz="2000" dirty="0">
-                <a:latin typeface="Consolas" panose="020B0609020204030204" pitchFamily="49" charset="0"/>
-              </a:rPr>
-              <a:t>	</a:t>
+              <a:t>// can prove </a:t>
             </a:r>
             <a:r>
               <a:rPr lang="en-US" sz="2000" dirty="0" err="1">
-                <a:latin typeface="Consolas" panose="020B0609020204030204" pitchFamily="49" charset="0"/>
-              </a:rPr>
-              <a:t>this.balance</a:t>
-            </a:r>
-            <a:r>
-              <a:rPr lang="en-US" sz="2000" dirty="0">
-                <a:latin typeface="Consolas" panose="020B0609020204030204" pitchFamily="49" charset="0"/>
-              </a:rPr>
-              <a:t> -= amount;</a:t>
-            </a:r>
-          </a:p>
-          <a:p>
-            <a:r>
-              <a:rPr lang="en-US" sz="2000" dirty="0">
-                <a:latin typeface="Consolas" panose="020B0609020204030204" pitchFamily="49" charset="0"/>
-              </a:rPr>
-              <a:t>}</a:t>
-            </a:r>
-          </a:p>
-          <a:p>
-            <a:r>
-              <a:rPr lang="en-US" sz="2000" dirty="0">
-                <a:latin typeface="Consolas" panose="020B0609020204030204" pitchFamily="49" charset="0"/>
-              </a:rPr>
-              <a:t>…</a:t>
+                <a:solidFill>
+                  <a:srgbClr val="00B050"/>
+                </a:solidFill>
+                <a:latin typeface="Consolas" panose="020B0609020204030204" pitchFamily="49" charset="0"/>
+              </a:rPr>
+              <a:t>acc.balance</a:t>
+            </a:r>
+            <a:r>
+              <a:rPr lang="en-US" sz="2000" dirty="0">
+                <a:solidFill>
+                  <a:srgbClr val="00B050"/>
+                </a:solidFill>
+                <a:latin typeface="Consolas" panose="020B0609020204030204" pitchFamily="49" charset="0"/>
+              </a:rPr>
+              <a:t> &gt;= 50</a:t>
             </a:r>
           </a:p>
           <a:p>
@@ -7160,13 +7201,40 @@
               <a:rPr lang="en-US" sz="2000" dirty="0" err="1">
                 <a:latin typeface="Consolas" panose="020B0609020204030204" pitchFamily="49" charset="0"/>
               </a:rPr>
+              <a:t>acc.withdrawCoins</a:t>
+            </a:r>
+            <a:r>
+              <a:rPr lang="en-US" sz="2000" dirty="0">
+                <a:latin typeface="Consolas" panose="020B0609020204030204" pitchFamily="49" charset="0"/>
+              </a:rPr>
+              <a:t>(30); </a:t>
+            </a:r>
+            <a:r>
+              <a:rPr lang="en-US" sz="2000" dirty="0">
+                <a:solidFill>
+                  <a:srgbClr val="00B050"/>
+                </a:solidFill>
+                <a:latin typeface="Consolas" panose="020B0609020204030204" pitchFamily="49" charset="0"/>
+              </a:rPr>
+              <a:t>// can’t prove </a:t>
+            </a:r>
+            <a:r>
+              <a:rPr lang="en-US" sz="2000" dirty="0" err="1">
+                <a:solidFill>
+                  <a:srgbClr val="00B050"/>
+                </a:solidFill>
+                <a:latin typeface="Consolas" panose="020B0609020204030204" pitchFamily="49" charset="0"/>
+              </a:rPr>
               <a:t>acc.balance</a:t>
             </a:r>
             <a:r>
               <a:rPr lang="en-US" sz="2000" dirty="0">
-                <a:latin typeface="Consolas" panose="020B0609020204030204" pitchFamily="49" charset="0"/>
-              </a:rPr>
-              <a:t> = 1000;</a:t>
+                <a:solidFill>
+                  <a:srgbClr val="00B050"/>
+                </a:solidFill>
+                <a:latin typeface="Consolas" panose="020B0609020204030204" pitchFamily="49" charset="0"/>
+              </a:rPr>
+              <a:t> &gt;= 30</a:t>
             </a:r>
           </a:p>
           <a:p>
@@ -7180,7 +7248,7 @@
               <a:rPr lang="en-US" sz="2000" dirty="0">
                 <a:latin typeface="Consolas" panose="020B0609020204030204" pitchFamily="49" charset="0"/>
               </a:rPr>
-              <a:t>(10); </a:t>
+              <a:t>(30); </a:t>
             </a:r>
             <a:r>
               <a:rPr lang="en-US" sz="2000" dirty="0">
@@ -7189,7 +7257,7 @@
                 </a:solidFill>
                 <a:latin typeface="Consolas" panose="020B0609020204030204" pitchFamily="49" charset="0"/>
               </a:rPr>
-              <a:t>// can prove </a:t>
+              <a:t>// can’t prove </a:t>
             </a:r>
             <a:r>
               <a:rPr lang="en-US" sz="2000" dirty="0" err="1">
@@ -7207,48 +7275,7 @@
                 </a:solidFill>
                 <a:latin typeface="Consolas" panose="020B0609020204030204" pitchFamily="49" charset="0"/>
               </a:rPr>
-              <a:t> &gt;= 10</a:t>
-            </a:r>
-          </a:p>
-          <a:p>
-            <a:r>
-              <a:rPr lang="en-US" sz="2000" dirty="0" err="1">
-                <a:latin typeface="Consolas" panose="020B0609020204030204" pitchFamily="49" charset="0"/>
-              </a:rPr>
-              <a:t>acc.withdrawCoins</a:t>
-            </a:r>
-            <a:r>
-              <a:rPr lang="en-US" sz="2000" dirty="0">
-                <a:latin typeface="Consolas" panose="020B0609020204030204" pitchFamily="49" charset="0"/>
-              </a:rPr>
-              <a:t>(20); </a:t>
-            </a:r>
-            <a:r>
-              <a:rPr lang="en-US" sz="2000" dirty="0">
-                <a:solidFill>
-                  <a:srgbClr val="00B050"/>
-                </a:solidFill>
-                <a:latin typeface="Consolas" panose="020B0609020204030204" pitchFamily="49" charset="0"/>
-              </a:rPr>
-              <a:t>// can’t prove </a:t>
-            </a:r>
-            <a:r>
-              <a:rPr lang="en-US" sz="2000" dirty="0" err="1">
-                <a:solidFill>
-                  <a:srgbClr val="00B050"/>
-                </a:solidFill>
-                <a:latin typeface="Consolas" panose="020B0609020204030204" pitchFamily="49" charset="0"/>
-              </a:rPr>
-              <a:t>acc.balance</a:t>
-            </a:r>
-            <a:r>
-              <a:rPr lang="en-US" sz="2000" dirty="0">
-                <a:solidFill>
-                  <a:srgbClr val="00B050"/>
-                </a:solidFill>
-                <a:latin typeface="Consolas" panose="020B0609020204030204" pitchFamily="49" charset="0"/>
-              </a:rPr>
-              <a:t> &gt;= 20</a:t>
+              <a:t> &gt;= 30</a:t>
             </a:r>
             <a:endParaRPr lang="de-DE" sz="2000" dirty="0">
               <a:solidFill>
@@ -7399,47 +7426,87 @@
             <a:r>
               <a:rPr lang="en-US" sz="2000" dirty="0">
                 <a:solidFill>
+                  <a:schemeClr val="tx1"/>
+                </a:solidFill>
+                <a:latin typeface="Consolas" panose="020B0609020204030204" pitchFamily="49" charset="0"/>
+              </a:rPr>
+              <a:t>…</a:t>
+            </a:r>
+          </a:p>
+          <a:p>
+            <a:r>
+              <a:rPr lang="en-US" sz="2000" dirty="0">
+                <a:latin typeface="Consolas" panose="020B0609020204030204" pitchFamily="49" charset="0"/>
+              </a:rPr>
+              <a:t>}</a:t>
+            </a:r>
+          </a:p>
+          <a:p>
+            <a:r>
+              <a:rPr lang="en-US" sz="2000" dirty="0">
+                <a:latin typeface="Consolas" panose="020B0609020204030204" pitchFamily="49" charset="0"/>
+              </a:rPr>
+              <a:t>…</a:t>
+            </a:r>
+          </a:p>
+          <a:p>
+            <a:r>
+              <a:rPr lang="en-US" sz="2000" dirty="0" err="1">
+                <a:latin typeface="Consolas" panose="020B0609020204030204" pitchFamily="49" charset="0"/>
+              </a:rPr>
+              <a:t>acc.balance</a:t>
+            </a:r>
+            <a:r>
+              <a:rPr lang="en-US" sz="2000" dirty="0">
+                <a:latin typeface="Consolas" panose="020B0609020204030204" pitchFamily="49" charset="0"/>
+              </a:rPr>
+              <a:t> = 100;</a:t>
+            </a:r>
+          </a:p>
+          <a:p>
+            <a:r>
+              <a:rPr lang="en-US" sz="2000" dirty="0" err="1">
+                <a:latin typeface="Consolas" panose="020B0609020204030204" pitchFamily="49" charset="0"/>
+              </a:rPr>
+              <a:t>acc.withdrawCoins</a:t>
+            </a:r>
+            <a:r>
+              <a:rPr lang="en-US" sz="2000" dirty="0">
+                <a:latin typeface="Consolas" panose="020B0609020204030204" pitchFamily="49" charset="0"/>
+              </a:rPr>
+              <a:t>(50); </a:t>
+            </a:r>
+            <a:r>
+              <a:rPr lang="en-US" sz="2000" dirty="0">
+                <a:solidFill>
                   <a:srgbClr val="00B050"/>
                 </a:solidFill>
                 <a:latin typeface="Consolas" panose="020B0609020204030204" pitchFamily="49" charset="0"/>
               </a:rPr>
-              <a:t>// business logic</a:t>
-            </a:r>
-          </a:p>
-          <a:p>
-            <a:r>
-              <a:rPr lang="en-US" sz="2000" dirty="0">
-                <a:latin typeface="Consolas" panose="020B0609020204030204" pitchFamily="49" charset="0"/>
-              </a:rPr>
-              <a:t>	</a:t>
-            </a:r>
+              <a:t>// statically guaranteed</a:t>
+            </a:r>
+          </a:p>
+          <a:p>
             <a:r>
               <a:rPr lang="en-US" sz="2000" dirty="0" err="1">
                 <a:latin typeface="Consolas" panose="020B0609020204030204" pitchFamily="49" charset="0"/>
               </a:rPr>
-              <a:t>this.balance</a:t>
-            </a:r>
-            <a:r>
-              <a:rPr lang="en-US" sz="2000" dirty="0">
-                <a:latin typeface="Consolas" panose="020B0609020204030204" pitchFamily="49" charset="0"/>
-              </a:rPr>
-              <a:t> -= amount;</a:t>
-            </a:r>
-          </a:p>
-          <a:p>
-            <a:r>
-              <a:rPr lang="en-US" sz="2000" dirty="0">
-                <a:latin typeface="Consolas" panose="020B0609020204030204" pitchFamily="49" charset="0"/>
-              </a:rPr>
-              <a:t>}</a:t>
-            </a:r>
-          </a:p>
-          <a:p>
-            <a:r>
-              <a:rPr lang="en-US" sz="2000" dirty="0">
-                <a:latin typeface="Consolas" panose="020B0609020204030204" pitchFamily="49" charset="0"/>
-              </a:rPr>
-              <a:t>…</a:t>
+              <a:t>acc.withdrawCoins</a:t>
+            </a:r>
+            <a:r>
+              <a:rPr lang="en-US" sz="2000" dirty="0">
+                <a:latin typeface="Consolas" panose="020B0609020204030204" pitchFamily="49" charset="0"/>
+              </a:rPr>
+              <a:t>(30); </a:t>
+            </a:r>
+            <a:r>
+              <a:rPr lang="en-US" sz="2000" dirty="0">
+                <a:solidFill>
+                  <a:srgbClr val="00B050"/>
+                </a:solidFill>
+                <a:latin typeface="Consolas" panose="020B0609020204030204" pitchFamily="49" charset="0"/>
+              </a:rPr>
+              <a:t>// dynamically guaranteed ()</a:t>
             </a:r>
           </a:p>
           <a:p>
@@ -7447,27 +7514,13 @@
               <a:rPr lang="en-US" sz="2000" dirty="0" err="1">
                 <a:latin typeface="Consolas" panose="020B0609020204030204" pitchFamily="49" charset="0"/>
               </a:rPr>
-              <a:t>acc.balance</a:t>
-            </a:r>
-            <a:r>
-              <a:rPr lang="en-US" sz="2000" dirty="0">
-                <a:latin typeface="Consolas" panose="020B0609020204030204" pitchFamily="49" charset="0"/>
-              </a:rPr>
-              <a:t> = 1000;</a:t>
-            </a:r>
-          </a:p>
-          <a:p>
-            <a:r>
-              <a:rPr lang="en-US" sz="2000" dirty="0" err="1">
-                <a:latin typeface="Consolas" panose="020B0609020204030204" pitchFamily="49" charset="0"/>
-              </a:rPr>
               <a:t>acc.withdrawCoins</a:t>
             </a:r>
             <a:r>
               <a:rPr lang="en-US" sz="2000" dirty="0">
                 <a:latin typeface="Consolas" panose="020B0609020204030204" pitchFamily="49" charset="0"/>
               </a:rPr>
-              <a:t>(10); </a:t>
+              <a:t>(30); </a:t>
             </a:r>
             <a:r>
               <a:rPr lang="en-US" sz="2000" dirty="0">
@@ -7476,30 +7529,16 @@
                 </a:solidFill>
                 <a:latin typeface="Consolas" panose="020B0609020204030204" pitchFamily="49" charset="0"/>
               </a:rPr>
-              <a:t>// statically guaranteed</a:t>
-            </a:r>
-          </a:p>
-          <a:p>
-            <a:r>
-              <a:rPr lang="en-US" sz="2000" dirty="0" err="1">
-                <a:latin typeface="Consolas" panose="020B0609020204030204" pitchFamily="49" charset="0"/>
-              </a:rPr>
-              <a:t>acc.withdrawCoins</a:t>
-            </a:r>
-            <a:r>
-              <a:rPr lang="en-US" sz="2000" dirty="0">
-                <a:latin typeface="Consolas" panose="020B0609020204030204" pitchFamily="49" charset="0"/>
-              </a:rPr>
-              <a:t>(20); </a:t>
-            </a:r>
-            <a:r>
-              <a:rPr lang="en-US" sz="2000" dirty="0">
+              <a:t>// </a:t>
+            </a:r>
+            <a:r>
+              <a:rPr lang="en-US" sz="2000">
                 <a:solidFill>
                   <a:srgbClr val="00B050"/>
                 </a:solidFill>
                 <a:latin typeface="Consolas" panose="020B0609020204030204" pitchFamily="49" charset="0"/>
               </a:rPr>
-              <a:t>// dynamically guaranteed</a:t>
+              <a:t>dynamically guaranteed</a:t>
             </a:r>
             <a:endParaRPr lang="de-DE" sz="2000" dirty="0">
               <a:solidFill>
@@ -7921,6 +7960,278 @@
               </a:rPr>
               <a:t>(Erik Meijer)</a:t>
             </a:r>
+          </a:p>
+        </p:txBody>
+      </p:sp>
+      <p:sp>
+        <p:nvSpPr>
+          <p:cNvPr id="9" name="TextBox 8" hidden="1"/>
+          <p:cNvSpPr txBox="1"/>
+          <p:nvPr/>
+        </p:nvSpPr>
+        <p:spPr>
+          <a:xfrm>
+            <a:off x="628650" y="3006862"/>
+            <a:ext cx="7886700" cy="3170099"/>
+          </a:xfrm>
+          <a:prstGeom prst="rect">
+            <a:avLst/>
+          </a:prstGeom>
+        </p:spPr>
+        <p:style>
+          <a:lnRef idx="2">
+            <a:schemeClr val="dk1"/>
+          </a:lnRef>
+          <a:fillRef idx="1">
+            <a:schemeClr val="lt1"/>
+          </a:fillRef>
+          <a:effectRef idx="0">
+            <a:schemeClr val="dk1"/>
+          </a:effectRef>
+          <a:fontRef idx="minor">
+            <a:schemeClr val="dk1"/>
+          </a:fontRef>
+        </p:style>
+        <p:txBody>
+          <a:bodyPr wrap="square" rtlCol="0">
+            <a:noAutofit/>
+          </a:bodyPr>
+          <a:lstStyle/>
+          <a:p>
+            <a:r>
+              <a:rPr lang="en-US" sz="2000" dirty="0">
+                <a:solidFill>
+                  <a:srgbClr val="00B050"/>
+                </a:solidFill>
+                <a:latin typeface="Consolas" panose="020B0609020204030204" pitchFamily="49" charset="0"/>
+              </a:rPr>
+              <a:t>// gradual typing</a:t>
+            </a:r>
+          </a:p>
+          <a:p>
+            <a:r>
+              <a:rPr lang="en-US" sz="2000" dirty="0">
+                <a:solidFill>
+                  <a:srgbClr val="0070C0"/>
+                </a:solidFill>
+                <a:latin typeface="Consolas" panose="020B0609020204030204" pitchFamily="49" charset="0"/>
+              </a:rPr>
+              <a:t>dynamic</a:t>
+            </a:r>
+            <a:r>
+              <a:rPr lang="en-US" sz="2000" dirty="0">
+                <a:latin typeface="Consolas" panose="020B0609020204030204" pitchFamily="49" charset="0"/>
+              </a:rPr>
+              <a:t> </a:t>
+            </a:r>
+            <a:r>
+              <a:rPr lang="en-US" sz="2000" dirty="0" err="1">
+                <a:latin typeface="Consolas" panose="020B0609020204030204" pitchFamily="49" charset="0"/>
+              </a:rPr>
+              <a:t>eval</a:t>
+            </a:r>
+            <a:r>
+              <a:rPr lang="en-US" sz="2000" dirty="0">
+                <a:latin typeface="Consolas" panose="020B0609020204030204" pitchFamily="49" charset="0"/>
+              </a:rPr>
+              <a:t>(</a:t>
+            </a:r>
+            <a:r>
+              <a:rPr lang="en-US" sz="2000" dirty="0">
+                <a:solidFill>
+                  <a:srgbClr val="0070C0"/>
+                </a:solidFill>
+                <a:latin typeface="Consolas" panose="020B0609020204030204" pitchFamily="49" charset="0"/>
+              </a:rPr>
+              <a:t>string</a:t>
+            </a:r>
+            <a:r>
+              <a:rPr lang="en-US" sz="2000" dirty="0">
+                <a:latin typeface="Consolas" panose="020B0609020204030204" pitchFamily="49" charset="0"/>
+              </a:rPr>
+              <a:t> </a:t>
+            </a:r>
+            <a:r>
+              <a:rPr lang="en-US" sz="2000" dirty="0" err="1">
+                <a:latin typeface="Consolas" panose="020B0609020204030204" pitchFamily="49" charset="0"/>
+              </a:rPr>
+              <a:t>exprCode</a:t>
+            </a:r>
+            <a:r>
+              <a:rPr lang="en-US" sz="2000" dirty="0">
+                <a:latin typeface="Consolas" panose="020B0609020204030204" pitchFamily="49" charset="0"/>
+              </a:rPr>
+              <a:t>) </a:t>
+            </a:r>
+          </a:p>
+          <a:p>
+            <a:r>
+              <a:rPr lang="en-US" sz="2000" dirty="0">
+                <a:latin typeface="Consolas" panose="020B0609020204030204" pitchFamily="49" charset="0"/>
+              </a:rPr>
+              <a:t>{ </a:t>
+            </a:r>
+          </a:p>
+          <a:p>
+            <a:r>
+              <a:rPr lang="en-US" sz="2000" dirty="0">
+                <a:latin typeface="Consolas" panose="020B0609020204030204" pitchFamily="49" charset="0"/>
+              </a:rPr>
+              <a:t>	… </a:t>
+            </a:r>
+          </a:p>
+          <a:p>
+            <a:r>
+              <a:rPr lang="en-US" sz="2000" dirty="0">
+                <a:latin typeface="Consolas" panose="020B0609020204030204" pitchFamily="49" charset="0"/>
+              </a:rPr>
+              <a:t>}</a:t>
+            </a:r>
+          </a:p>
+          <a:p>
+            <a:endParaRPr lang="en-US" sz="2000" dirty="0">
+              <a:latin typeface="Consolas" panose="020B0609020204030204" pitchFamily="49" charset="0"/>
+            </a:endParaRPr>
+          </a:p>
+          <a:p>
+            <a:r>
+              <a:rPr lang="en-US" sz="2000" dirty="0">
+                <a:latin typeface="Consolas" panose="020B0609020204030204" pitchFamily="49" charset="0"/>
+              </a:rPr>
+              <a:t>…</a:t>
+            </a:r>
+          </a:p>
+          <a:p>
+            <a:r>
+              <a:rPr lang="en-US" sz="2000" dirty="0">
+                <a:solidFill>
+                  <a:srgbClr val="0070C0"/>
+                </a:solidFill>
+                <a:latin typeface="Consolas" panose="020B0609020204030204" pitchFamily="49" charset="0"/>
+              </a:rPr>
+              <a:t>string</a:t>
+            </a:r>
+            <a:r>
+              <a:rPr lang="en-US" sz="2000" dirty="0">
+                <a:latin typeface="Consolas" panose="020B0609020204030204" pitchFamily="49" charset="0"/>
+              </a:rPr>
+              <a:t> expr = </a:t>
+            </a:r>
+            <a:r>
+              <a:rPr lang="en-US" sz="2000" dirty="0">
+                <a:solidFill>
+                  <a:srgbClr val="C00000"/>
+                </a:solidFill>
+                <a:latin typeface="Consolas" panose="020B0609020204030204" pitchFamily="49" charset="0"/>
+              </a:rPr>
+              <a:t>"</a:t>
+            </a:r>
+            <a:r>
+              <a:rPr lang="en-US" sz="2000" dirty="0" err="1">
+                <a:solidFill>
+                  <a:srgbClr val="C00000"/>
+                </a:solidFill>
+                <a:latin typeface="Consolas" panose="020B0609020204030204" pitchFamily="49" charset="0"/>
+              </a:rPr>
+              <a:t>string.Concat</a:t>
+            </a:r>
+            <a:r>
+              <a:rPr lang="en-US" sz="2000" dirty="0">
+                <a:solidFill>
+                  <a:srgbClr val="C00000"/>
+                </a:solidFill>
+                <a:latin typeface="Consolas" panose="020B0609020204030204" pitchFamily="49" charset="0"/>
+              </a:rPr>
+              <a:t>(20, '+', 22)"</a:t>
+            </a:r>
+            <a:r>
+              <a:rPr lang="en-US" sz="2000" dirty="0">
+                <a:latin typeface="Consolas" panose="020B0609020204030204" pitchFamily="49" charset="0"/>
+              </a:rPr>
+              <a:t>;</a:t>
+            </a:r>
+          </a:p>
+          <a:p>
+            <a:r>
+              <a:rPr lang="en-US" sz="2000" dirty="0">
+                <a:solidFill>
+                  <a:srgbClr val="0070C0"/>
+                </a:solidFill>
+                <a:latin typeface="Consolas" panose="020B0609020204030204" pitchFamily="49" charset="0"/>
+              </a:rPr>
+              <a:t>dynamic</a:t>
+            </a:r>
+            <a:r>
+              <a:rPr lang="en-US" sz="2000" dirty="0">
+                <a:latin typeface="Consolas" panose="020B0609020204030204" pitchFamily="49" charset="0"/>
+              </a:rPr>
+              <a:t> res1 = </a:t>
+            </a:r>
+            <a:r>
+              <a:rPr lang="en-US" sz="2000" dirty="0" err="1">
+                <a:latin typeface="Consolas" panose="020B0609020204030204" pitchFamily="49" charset="0"/>
+              </a:rPr>
+              <a:t>eval</a:t>
+            </a:r>
+            <a:r>
+              <a:rPr lang="en-US" sz="2000" dirty="0">
+                <a:latin typeface="Consolas" panose="020B0609020204030204" pitchFamily="49" charset="0"/>
+              </a:rPr>
+              <a:t>(expr); </a:t>
+            </a:r>
+            <a:r>
+              <a:rPr lang="en-US" sz="2000" dirty="0">
+                <a:solidFill>
+                  <a:srgbClr val="00B050"/>
+                </a:solidFill>
+                <a:latin typeface="Consolas" panose="020B0609020204030204" pitchFamily="49" charset="0"/>
+              </a:rPr>
+              <a:t>// statically guaranteed</a:t>
+            </a:r>
+          </a:p>
+          <a:p>
+            <a:r>
+              <a:rPr lang="en-US" sz="2000" dirty="0">
+                <a:solidFill>
+                  <a:srgbClr val="0070C0"/>
+                </a:solidFill>
+                <a:latin typeface="Consolas" panose="020B0609020204030204" pitchFamily="49" charset="0"/>
+              </a:rPr>
+              <a:t>dynamic</a:t>
+            </a:r>
+            <a:r>
+              <a:rPr lang="en-US" sz="2000" dirty="0">
+                <a:latin typeface="Consolas" panose="020B0609020204030204" pitchFamily="49" charset="0"/>
+              </a:rPr>
+              <a:t> res2 = </a:t>
+            </a:r>
+            <a:r>
+              <a:rPr lang="en-US" sz="2000" dirty="0" err="1">
+                <a:latin typeface="Consolas" panose="020B0609020204030204" pitchFamily="49" charset="0"/>
+              </a:rPr>
+              <a:t>eval</a:t>
+            </a:r>
+            <a:r>
+              <a:rPr lang="en-US" sz="2000" dirty="0">
+                <a:latin typeface="Consolas" panose="020B0609020204030204" pitchFamily="49" charset="0"/>
+              </a:rPr>
+              <a:t>(res1); </a:t>
+            </a:r>
+            <a:r>
+              <a:rPr lang="en-US" sz="2000" dirty="0">
+                <a:solidFill>
+                  <a:srgbClr val="00B050"/>
+                </a:solidFill>
+                <a:latin typeface="Consolas" panose="020B0609020204030204" pitchFamily="49" charset="0"/>
+              </a:rPr>
+              <a:t>// dynamically guaranteed</a:t>
+            </a:r>
+            <a:endParaRPr lang="de-DE" sz="2000" dirty="0">
+              <a:solidFill>
+                <a:srgbClr val="00B050"/>
+              </a:solidFill>
+              <a:latin typeface="Consolas" panose="020B0609020204030204" pitchFamily="49" charset="0"/>
+            </a:endParaRPr>
           </a:p>
         </p:txBody>
       </p:sp>
@@ -8122,6 +8433,51 @@
                       </p:childTnLst>
                     </p:cTn>
                   </p:par>
+                  <p:par>
+                    <p:cTn id="19" fill="hold">
+                      <p:stCondLst>
+                        <p:cond delay="indefinite"/>
+                      </p:stCondLst>
+                      <p:childTnLst>
+                        <p:par>
+                          <p:cTn id="20" fill="hold">
+                            <p:stCondLst>
+                              <p:cond delay="0"/>
+                            </p:stCondLst>
+                            <p:childTnLst>
+                              <p:par>
+                                <p:cTn id="21" presetID="1" presetClass="entr" presetSubtype="0" fill="hold" grpId="0" nodeType="clickEffect">
+                                  <p:stCondLst>
+                                    <p:cond delay="0"/>
+                                  </p:stCondLst>
+                                  <p:childTnLst>
+                                    <p:set>
+                                      <p:cBhvr>
+                                        <p:cTn id="22" dur="1" fill="hold">
+                                          <p:stCondLst>
+                                            <p:cond delay="0"/>
+                                          </p:stCondLst>
+                                        </p:cTn>
+                                        <p:tgtEl>
+                                          <p:spTgt spid="9"/>
+                                        </p:tgtEl>
+                                        <p:attrNameLst>
+                                          <p:attrName>style.visibility</p:attrName>
+                                        </p:attrNameLst>
+                                      </p:cBhvr>
+                                      <p:to>
+                                        <p:strVal val="visible"/>
+                                      </p:to>
+                                    </p:set>
+                                  </p:childTnLst>
+                                </p:cTn>
+                              </p:par>
+                            </p:childTnLst>
+                          </p:cTn>
+                        </p:par>
+                      </p:childTnLst>
+                    </p:cTn>
+                  </p:par>
                 </p:childTnLst>
               </p:cTn>
               <p:prevCondLst>
@@ -8148,6 +8504,7 @@
       <p:bldP spid="6" grpId="0" animBg="1"/>
       <p:bldP spid="7" grpId="0" animBg="1"/>
       <p:bldP spid="8" grpId="0"/>
+      <p:bldP spid="9" grpId="0" animBg="1"/>
     </p:bldLst>
   </p:timing>
 </p:sld>

--- a/presentation/PLunch.pptx
+++ b/presentation/PLunch.pptx
@@ -1155,6 +1155,118 @@
     <p:extLst>
       <p:ext uri="{BB962C8B-B14F-4D97-AF65-F5344CB8AC3E}">
         <p14:creationId xmlns:p14="http://schemas.microsoft.com/office/powerpoint/2010/main" val="1533264690"/>
+      </p:ext>
+    </p:extLst>
+  </p:cSld>
+  <p:clrMapOvr>
+    <a:masterClrMapping/>
+  </p:clrMapOvr>
+</p:notes>
+</file>
+
+<file path=ppt/notesSlides/notesSlide8.xml><?xml version="1.0" encoding="utf-8"?>
+<p:notes xmlns:a="http://schemas.openxmlformats.org/drawingml/2006/main" xmlns:r="http://schemas.openxmlformats.org/officeDocument/2006/relationships" xmlns:p="http://schemas.openxmlformats.org/presentationml/2006/main">
+  <p:cSld>
+    <p:spTree>
+      <p:nvGrpSpPr>
+        <p:cNvPr id="1" name=""/>
+        <p:cNvGrpSpPr/>
+        <p:nvPr/>
+      </p:nvGrpSpPr>
+      <p:grpSpPr>
+        <a:xfrm>
+          <a:off x="0" y="0"/>
+          <a:ext cx="0" cy="0"/>
+          <a:chOff x="0" y="0"/>
+          <a:chExt cx="0" cy="0"/>
+        </a:xfrm>
+      </p:grpSpPr>
+      <p:sp>
+        <p:nvSpPr>
+          <p:cNvPr id="2" name="Slide Image Placeholder 1"/>
+          <p:cNvSpPr>
+            <a:spLocks noGrp="1" noRot="1" noChangeAspect="1"/>
+          </p:cNvSpPr>
+          <p:nvPr>
+            <p:ph type="sldImg"/>
+          </p:nvPr>
+        </p:nvSpPr>
+        <p:spPr/>
+      </p:sp>
+      <p:sp>
+        <p:nvSpPr>
+          <p:cNvPr id="3" name="Notes Placeholder 2"/>
+          <p:cNvSpPr>
+            <a:spLocks noGrp="1"/>
+          </p:cNvSpPr>
+          <p:nvPr>
+            <p:ph type="body" idx="1"/>
+          </p:nvPr>
+        </p:nvSpPr>
+        <p:spPr/>
+        <p:txBody>
+          <a:bodyPr/>
+          <a:lstStyle/>
+          <a:p>
+            <a:r>
+              <a:rPr lang="en-US" dirty="0"/>
+              <a:t>…gradual defined in terms of static system</a:t>
+            </a:r>
+            <a:r>
+              <a:rPr lang="en-US" baseline="0" dirty="0"/>
+              <a:t> (+ casts or dyn. checks)…</a:t>
+            </a:r>
+            <a:r>
+              <a:rPr lang="en-US" dirty="0"/>
+              <a:t> but </a:t>
+            </a:r>
+            <a:r>
+              <a:rPr lang="en-US"/>
+              <a:t>also viewable as extension</a:t>
+            </a:r>
+            <a:r>
+              <a:rPr lang="en-US" baseline="0"/>
+              <a:t> </a:t>
+            </a:r>
+            <a:r>
+              <a:rPr lang="en-US" baseline="0" dirty="0"/>
+              <a:t>of </a:t>
+            </a:r>
+            <a:r>
+              <a:rPr lang="en-US" dirty="0"/>
+              <a:t>dynamic</a:t>
+            </a:r>
+            <a:endParaRPr lang="de-DE" dirty="0"/>
+          </a:p>
+        </p:txBody>
+      </p:sp>
+      <p:sp>
+        <p:nvSpPr>
+          <p:cNvPr id="4" name="Slide Number Placeholder 3"/>
+          <p:cNvSpPr>
+            <a:spLocks noGrp="1"/>
+          </p:cNvSpPr>
+          <p:nvPr>
+            <p:ph type="sldNum" sz="quarter" idx="10"/>
+          </p:nvPr>
+        </p:nvSpPr>
+        <p:spPr/>
+        <p:txBody>
+          <a:bodyPr/>
+          <a:lstStyle/>
+          <a:p>
+            <a:fld id="{4DCC1F29-B600-42F8-8BC8-9AFF066AEC7C}" type="slidenum">
+              <a:rPr lang="de-DE" smtClean="0"/>
+              <a:t>9</a:t>
+            </a:fld>
+            <a:endParaRPr lang="de-DE"/>
+          </a:p>
+        </p:txBody>
+      </p:sp>
+    </p:spTree>
+    <p:extLst>
+      <p:ext uri="{BB962C8B-B14F-4D97-AF65-F5344CB8AC3E}">
+        <p14:creationId xmlns:p14="http://schemas.microsoft.com/office/powerpoint/2010/main" val="590061481"/>
       </p:ext>
     </p:extLst>
   </p:cSld>
@@ -4144,10 +4256,190 @@
           <a:bodyPr/>
           <a:lstStyle/>
           <a:p>
+            <a:r>
+              <a:rPr lang="en-US" dirty="0"/>
+              <a:t>take statically verified language</a:t>
+            </a:r>
             <a:endParaRPr lang="de-DE" dirty="0"/>
           </a:p>
         </p:txBody>
       </p:sp>
+      <mc:AlternateContent xmlns:mc="http://schemas.openxmlformats.org/markup-compatibility/2006">
+        <mc:Choice xmlns:a14="http://schemas.microsoft.com/office/drawing/2010/main" Requires="a14">
+          <p:sp>
+            <p:nvSpPr>
+              <p:cNvPr id="4" name="TextBox 3"/>
+              <p:cNvSpPr txBox="1"/>
+              <p:nvPr/>
+            </p:nvSpPr>
+            <p:spPr>
+              <a:xfrm>
+                <a:off x="628650" y="2982351"/>
+                <a:ext cx="1758174" cy="707886"/>
+              </a:xfrm>
+              <a:prstGeom prst="rect">
+                <a:avLst/>
+              </a:prstGeom>
+              <a:noFill/>
+            </p:spPr>
+            <p:txBody>
+              <a:bodyPr wrap="none" rtlCol="0">
+                <a:spAutoFit/>
+              </a:bodyPr>
+              <a:lstStyle/>
+              <a:p>
+                <a:r>
+                  <a:rPr lang="en-US" sz="2000" b="0" dirty="0"/>
+                  <a:t>Hoare logic</a:t>
+                </a:r>
+              </a:p>
+              <a:p>
+                <a14:m>
+                  <m:oMathPara xmlns:m="http://schemas.openxmlformats.org/officeDocument/2006/math">
+                    <m:oMathParaPr>
+                      <m:jc m:val="centerGroup"/>
+                    </m:oMathParaPr>
+                    <m:oMath xmlns:m="http://schemas.openxmlformats.org/officeDocument/2006/math">
+                      <m:r>
+                        <a:rPr lang="en-US" sz="2000" b="0" i="1" smtClean="0">
+                          <a:latin typeface="Cambria Math" panose="02040503050406030204" pitchFamily="18" charset="0"/>
+                        </a:rPr>
+                        <m:t>⊢</m:t>
+                      </m:r>
+                      <m:d>
+                        <m:dPr>
+                          <m:begChr m:val="{"/>
+                          <m:endChr m:val="}"/>
+                          <m:ctrlPr>
+                            <a:rPr lang="en-US" sz="2000" b="0" i="1" smtClean="0">
+                              <a:latin typeface="Cambria Math" panose="02040503050406030204" pitchFamily="18" charset="0"/>
+                            </a:rPr>
+                          </m:ctrlPr>
+                        </m:dPr>
+                        <m:e>
+                          <m:sSub>
+                            <m:sSubPr>
+                              <m:ctrlPr>
+                                <a:rPr lang="en-US" sz="2000" b="0" i="1" smtClean="0">
+                                  <a:latin typeface="Cambria Math" panose="02040503050406030204" pitchFamily="18" charset="0"/>
+                                </a:rPr>
+                              </m:ctrlPr>
+                            </m:sSubPr>
+                            <m:e>
+                              <m:r>
+                                <a:rPr lang="en-US" sz="2000" b="0" i="1" smtClean="0">
+                                  <a:latin typeface="Cambria Math" panose="02040503050406030204" pitchFamily="18" charset="0"/>
+                                </a:rPr>
+                                <m:t>𝜙</m:t>
+                              </m:r>
+                            </m:e>
+                            <m:sub>
+                              <m:r>
+                                <a:rPr lang="en-US" sz="2000" b="0" i="1" smtClean="0">
+                                  <a:latin typeface="Cambria Math" panose="02040503050406030204" pitchFamily="18" charset="0"/>
+                                </a:rPr>
+                                <m:t>1</m:t>
+                              </m:r>
+                            </m:sub>
+                          </m:sSub>
+                        </m:e>
+                      </m:d>
+                      <m:r>
+                        <a:rPr lang="en-US" sz="2000" b="0" i="1" smtClean="0">
+                          <a:latin typeface="Cambria Math" panose="02040503050406030204" pitchFamily="18" charset="0"/>
+                        </a:rPr>
+                        <m:t> </m:t>
+                      </m:r>
+                      <m:r>
+                        <a:rPr lang="en-US" sz="2000" b="0" i="1" smtClean="0">
+                          <a:latin typeface="Cambria Math" panose="02040503050406030204" pitchFamily="18" charset="0"/>
+                        </a:rPr>
+                        <m:t>𝑠</m:t>
+                      </m:r>
+                      <m:r>
+                        <a:rPr lang="en-US" sz="2000" b="0" i="1" smtClean="0">
+                          <a:latin typeface="Cambria Math" panose="02040503050406030204" pitchFamily="18" charset="0"/>
+                        </a:rPr>
+                        <m:t> {</m:t>
+                      </m:r>
+                      <m:sSub>
+                        <m:sSubPr>
+                          <m:ctrlPr>
+                            <a:rPr lang="en-US" sz="2000" b="0" i="1" smtClean="0">
+                              <a:latin typeface="Cambria Math" panose="02040503050406030204" pitchFamily="18" charset="0"/>
+                            </a:rPr>
+                          </m:ctrlPr>
+                        </m:sSubPr>
+                        <m:e>
+                          <m:r>
+                            <a:rPr lang="en-US" sz="2000" b="0" i="1" smtClean="0">
+                              <a:latin typeface="Cambria Math" panose="02040503050406030204" pitchFamily="18" charset="0"/>
+                            </a:rPr>
+                            <m:t>𝜙</m:t>
+                          </m:r>
+                        </m:e>
+                        <m:sub>
+                          <m:r>
+                            <a:rPr lang="en-US" sz="2000" b="0" i="1" smtClean="0">
+                              <a:latin typeface="Cambria Math" panose="02040503050406030204" pitchFamily="18" charset="0"/>
+                            </a:rPr>
+                            <m:t>2</m:t>
+                          </m:r>
+                        </m:sub>
+                      </m:sSub>
+                      <m:r>
+                        <a:rPr lang="en-US" sz="2000" b="0" i="1" smtClean="0">
+                          <a:latin typeface="Cambria Math" panose="02040503050406030204" pitchFamily="18" charset="0"/>
+                        </a:rPr>
+                        <m:t>}</m:t>
+                      </m:r>
+                    </m:oMath>
+                  </m:oMathPara>
+                </a14:m>
+                <a:endParaRPr lang="de-DE" sz="2000" dirty="0"/>
+              </a:p>
+            </p:txBody>
+          </p:sp>
+        </mc:Choice>
+        <mc:Fallback>
+          <p:sp>
+            <p:nvSpPr>
+              <p:cNvPr id="4" name="TextBox 3"/>
+              <p:cNvSpPr txBox="1">
+                <a:spLocks noRot="1" noChangeAspect="1" noMove="1" noResize="1" noEditPoints="1" noAdjustHandles="1" noChangeArrowheads="1" noChangeShapeType="1" noTextEdit="1"/>
+              </p:cNvSpPr>
+              <p:nvPr/>
+            </p:nvSpPr>
+            <p:spPr>
+              <a:xfrm>
+                <a:off x="628650" y="2982351"/>
+                <a:ext cx="1758174" cy="707886"/>
+              </a:xfrm>
+              <a:prstGeom prst="rect">
+                <a:avLst/>
+              </a:prstGeom>
+              <a:blipFill>
+                <a:blip r:embed="rId2"/>
+                <a:stretch>
+                  <a:fillRect l="-3460" t="-4310" b="-8621"/>
+                </a:stretch>
+              </a:blipFill>
+            </p:spPr>
+            <p:txBody>
+              <a:bodyPr/>
+              <a:lstStyle/>
+              <a:p>
+                <a:r>
+                  <a:rPr lang="de-DE">
+                    <a:noFill/>
+                  </a:rPr>
+                  <a:t> </a:t>
+                </a:r>
+              </a:p>
+            </p:txBody>
+          </p:sp>
+        </mc:Fallback>
+      </mc:AlternateContent>
     </p:spTree>
     <p:extLst>
       <p:ext uri="{BB962C8B-B14F-4D97-AF65-F5344CB8AC3E}">
@@ -7506,7 +7798,7 @@
                 </a:solidFill>
                 <a:latin typeface="Consolas" panose="020B0609020204030204" pitchFamily="49" charset="0"/>
               </a:rPr>
-              <a:t>// dynamically guaranteed ()</a:t>
+              <a:t>// dynamically guaranteed</a:t>
             </a:r>
           </a:p>
           <a:p>
@@ -7529,16 +7821,17 @@
                 </a:solidFill>
                 <a:latin typeface="Consolas" panose="020B0609020204030204" pitchFamily="49" charset="0"/>
               </a:rPr>
-              <a:t>// </a:t>
-            </a:r>
-            <a:r>
-              <a:rPr lang="en-US" sz="2000">
+              <a:t>// dynamically guaranteed </a:t>
+            </a:r>
+            <a:r>
+              <a:rPr lang="de-DE" sz="2000" dirty="0">
                 <a:solidFill>
                   <a:srgbClr val="00B050"/>
                 </a:solidFill>
                 <a:latin typeface="Consolas" panose="020B0609020204030204" pitchFamily="49" charset="0"/>
-              </a:rPr>
-              <a:t>dynamically guaranteed</a:t>
+                <a:sym typeface="Webdings" panose="05030102010509060703" pitchFamily="18" charset="2"/>
+              </a:rPr>
+              <a:t></a:t>
             </a:r>
             <a:endParaRPr lang="de-DE" sz="2000" dirty="0">
               <a:solidFill>
@@ -7965,7 +8258,7 @@
       </p:sp>
       <p:sp>
         <p:nvSpPr>
-          <p:cNvPr id="9" name="TextBox 8" hidden="1"/>
+          <p:cNvPr id="9" name="TextBox 8"/>
           <p:cNvSpPr txBox="1"/>
           <p:nvPr/>
         </p:nvSpPr>
@@ -8089,11 +8382,329 @@
             </a:r>
           </a:p>
           <a:p>
-            <a:endParaRPr lang="en-US" sz="2000" dirty="0">
+            <a:r>
+              <a:rPr lang="en-US" sz="2000" dirty="0">
+                <a:latin typeface="Consolas" panose="020B0609020204030204" pitchFamily="49" charset="0"/>
+              </a:rPr>
+              <a:t>…</a:t>
+            </a:r>
+          </a:p>
+          <a:p>
+            <a:r>
+              <a:rPr lang="en-US" sz="2000" dirty="0">
+                <a:solidFill>
+                  <a:srgbClr val="0070C0"/>
+                </a:solidFill>
+                <a:latin typeface="Consolas" panose="020B0609020204030204" pitchFamily="49" charset="0"/>
+              </a:rPr>
+              <a:t>string</a:t>
+            </a:r>
+            <a:r>
+              <a:rPr lang="en-US" sz="2000" dirty="0">
+                <a:latin typeface="Consolas" panose="020B0609020204030204" pitchFamily="49" charset="0"/>
+              </a:rPr>
+              <a:t> expr = </a:t>
+            </a:r>
+            <a:r>
+              <a:rPr lang="en-US" sz="2000" dirty="0">
+                <a:solidFill>
+                  <a:srgbClr val="C00000"/>
+                </a:solidFill>
+                <a:latin typeface="Consolas" panose="020B0609020204030204" pitchFamily="49" charset="0"/>
+              </a:rPr>
+              <a:t>"</a:t>
+            </a:r>
+            <a:r>
+              <a:rPr lang="en-US" sz="2000" dirty="0" err="1">
+                <a:solidFill>
+                  <a:srgbClr val="C00000"/>
+                </a:solidFill>
+                <a:latin typeface="Consolas" panose="020B0609020204030204" pitchFamily="49" charset="0"/>
+              </a:rPr>
+              <a:t>string.Concat</a:t>
+            </a:r>
+            <a:r>
+              <a:rPr lang="en-US" sz="2000" dirty="0">
+                <a:solidFill>
+                  <a:srgbClr val="C00000"/>
+                </a:solidFill>
+                <a:latin typeface="Consolas" panose="020B0609020204030204" pitchFamily="49" charset="0"/>
+              </a:rPr>
+              <a:t>(20, '+', 22)"</a:t>
+            </a:r>
+            <a:r>
+              <a:rPr lang="en-US" sz="2000" dirty="0">
+                <a:latin typeface="Consolas" panose="020B0609020204030204" pitchFamily="49" charset="0"/>
+              </a:rPr>
+              <a:t>;</a:t>
+            </a:r>
+          </a:p>
+          <a:p>
+            <a:r>
+              <a:rPr lang="en-US" sz="2000" dirty="0">
+                <a:solidFill>
+                  <a:srgbClr val="0070C0"/>
+                </a:solidFill>
+                <a:latin typeface="Consolas" panose="020B0609020204030204" pitchFamily="49" charset="0"/>
+              </a:rPr>
+              <a:t>dynamic</a:t>
+            </a:r>
+            <a:r>
+              <a:rPr lang="en-US" sz="2000" dirty="0">
+                <a:latin typeface="Consolas" panose="020B0609020204030204" pitchFamily="49" charset="0"/>
+              </a:rPr>
+              <a:t> res1 = </a:t>
+            </a:r>
+            <a:r>
+              <a:rPr lang="en-US" sz="2000" dirty="0" err="1">
+                <a:latin typeface="Consolas" panose="020B0609020204030204" pitchFamily="49" charset="0"/>
+              </a:rPr>
+              <a:t>eval</a:t>
+            </a:r>
+            <a:r>
+              <a:rPr lang="en-US" sz="2000" dirty="0">
+                <a:latin typeface="Consolas" panose="020B0609020204030204" pitchFamily="49" charset="0"/>
+              </a:rPr>
+              <a:t>(expr); </a:t>
+            </a:r>
+            <a:r>
+              <a:rPr lang="en-US" sz="2000" dirty="0">
+                <a:solidFill>
+                  <a:srgbClr val="00B050"/>
+                </a:solidFill>
+                <a:latin typeface="Consolas" panose="020B0609020204030204" pitchFamily="49" charset="0"/>
+              </a:rPr>
+              <a:t>// statically guaranteed</a:t>
+            </a:r>
+          </a:p>
+          <a:p>
+            <a:r>
+              <a:rPr lang="en-US" sz="2000" dirty="0">
+                <a:solidFill>
+                  <a:srgbClr val="0070C0"/>
+                </a:solidFill>
+                <a:latin typeface="Consolas" panose="020B0609020204030204" pitchFamily="49" charset="0"/>
+              </a:rPr>
+              <a:t>dynamic</a:t>
+            </a:r>
+            <a:r>
+              <a:rPr lang="en-US" sz="2000" dirty="0">
+                <a:latin typeface="Consolas" panose="020B0609020204030204" pitchFamily="49" charset="0"/>
+              </a:rPr>
+              <a:t> res2 = </a:t>
+            </a:r>
+            <a:r>
+              <a:rPr lang="en-US" sz="2000" dirty="0" err="1">
+                <a:latin typeface="Consolas" panose="020B0609020204030204" pitchFamily="49" charset="0"/>
+              </a:rPr>
+              <a:t>eval</a:t>
+            </a:r>
+            <a:r>
+              <a:rPr lang="en-US" sz="2000" dirty="0">
+                <a:latin typeface="Consolas" panose="020B0609020204030204" pitchFamily="49" charset="0"/>
+              </a:rPr>
+              <a:t>(res1); </a:t>
+            </a:r>
+            <a:r>
+              <a:rPr lang="en-US" sz="2000" dirty="0">
+                <a:solidFill>
+                  <a:srgbClr val="00B050"/>
+                </a:solidFill>
+                <a:latin typeface="Consolas" panose="020B0609020204030204" pitchFamily="49" charset="0"/>
+              </a:rPr>
+              <a:t>// dynamically guaranteed</a:t>
+            </a:r>
+          </a:p>
+          <a:p>
+            <a:r>
+              <a:rPr lang="en-US" sz="2000" dirty="0">
+                <a:solidFill>
+                  <a:srgbClr val="0070C0"/>
+                </a:solidFill>
+                <a:latin typeface="Consolas" panose="020B0609020204030204" pitchFamily="49" charset="0"/>
+              </a:rPr>
+              <a:t>dynamic</a:t>
+            </a:r>
+            <a:r>
+              <a:rPr lang="en-US" sz="2000" dirty="0">
+                <a:latin typeface="Consolas" panose="020B0609020204030204" pitchFamily="49" charset="0"/>
+              </a:rPr>
+              <a:t> res3 = </a:t>
+            </a:r>
+            <a:r>
+              <a:rPr lang="en-US" sz="2000" dirty="0" err="1">
+                <a:latin typeface="Consolas" panose="020B0609020204030204" pitchFamily="49" charset="0"/>
+              </a:rPr>
+              <a:t>eval</a:t>
+            </a:r>
+            <a:r>
+              <a:rPr lang="en-US" sz="2000" dirty="0">
+                <a:latin typeface="Consolas" panose="020B0609020204030204" pitchFamily="49" charset="0"/>
+              </a:rPr>
+              <a:t>(res2); </a:t>
+            </a:r>
+            <a:r>
+              <a:rPr lang="en-US" sz="2000" dirty="0">
+                <a:solidFill>
+                  <a:srgbClr val="00B050"/>
+                </a:solidFill>
+                <a:latin typeface="Consolas" panose="020B0609020204030204" pitchFamily="49" charset="0"/>
+              </a:rPr>
+              <a:t>// dynamically guaranteed </a:t>
+            </a:r>
+            <a:r>
+              <a:rPr lang="de-DE" sz="2000" dirty="0">
+                <a:solidFill>
+                  <a:srgbClr val="00B050"/>
+                </a:solidFill>
+                <a:latin typeface="Consolas" panose="020B0609020204030204" pitchFamily="49" charset="0"/>
+                <a:sym typeface="Webdings" panose="05030102010509060703" pitchFamily="18" charset="2"/>
+              </a:rPr>
+              <a:t></a:t>
+            </a:r>
+            <a:endParaRPr lang="de-DE" sz="2000" dirty="0">
+              <a:solidFill>
+                <a:srgbClr val="00B050"/>
+              </a:solidFill>
               <a:latin typeface="Consolas" panose="020B0609020204030204" pitchFamily="49" charset="0"/>
             </a:endParaRPr>
           </a:p>
           <a:p>
+            <a:endParaRPr lang="de-DE" sz="2000" dirty="0">
+              <a:solidFill>
+                <a:srgbClr val="00B050"/>
+              </a:solidFill>
+              <a:latin typeface="Consolas" panose="020B0609020204030204" pitchFamily="49" charset="0"/>
+            </a:endParaRPr>
+          </a:p>
+        </p:txBody>
+      </p:sp>
+      <p:sp>
+        <p:nvSpPr>
+          <p:cNvPr id="11" name="TextBox 10"/>
+          <p:cNvSpPr txBox="1"/>
+          <p:nvPr/>
+        </p:nvSpPr>
+        <p:spPr>
+          <a:xfrm>
+            <a:off x="628650" y="3006861"/>
+            <a:ext cx="7886700" cy="3170099"/>
+          </a:xfrm>
+          <a:prstGeom prst="rect">
+            <a:avLst/>
+          </a:prstGeom>
+        </p:spPr>
+        <p:style>
+          <a:lnRef idx="2">
+            <a:schemeClr val="dk1"/>
+          </a:lnRef>
+          <a:fillRef idx="1">
+            <a:schemeClr val="lt1"/>
+          </a:fillRef>
+          <a:effectRef idx="0">
+            <a:schemeClr val="dk1"/>
+          </a:effectRef>
+          <a:fontRef idx="minor">
+            <a:schemeClr val="dk1"/>
+          </a:fontRef>
+        </p:style>
+        <p:txBody>
+          <a:bodyPr wrap="square" rtlCol="0">
+            <a:noAutofit/>
+          </a:bodyPr>
+          <a:lstStyle/>
+          <a:p>
+            <a:r>
+              <a:rPr lang="en-US" sz="2000" dirty="0">
+                <a:solidFill>
+                  <a:srgbClr val="00B050"/>
+                </a:solidFill>
+                <a:latin typeface="Consolas" panose="020B0609020204030204" pitchFamily="49" charset="0"/>
+              </a:rPr>
+              <a:t>// gradual typing</a:t>
+            </a:r>
+          </a:p>
+          <a:p>
+            <a:r>
+              <a:rPr lang="en-US" sz="2000" dirty="0">
+                <a:solidFill>
+                  <a:srgbClr val="0070C0"/>
+                </a:solidFill>
+                <a:latin typeface="Consolas" panose="020B0609020204030204" pitchFamily="49" charset="0"/>
+              </a:rPr>
+              <a:t>dynamic</a:t>
+            </a:r>
+            <a:r>
+              <a:rPr lang="en-US" sz="2000" dirty="0">
+                <a:latin typeface="Consolas" panose="020B0609020204030204" pitchFamily="49" charset="0"/>
+              </a:rPr>
+              <a:t> </a:t>
+            </a:r>
+            <a:r>
+              <a:rPr lang="en-US" sz="2000" dirty="0" err="1">
+                <a:latin typeface="Consolas" panose="020B0609020204030204" pitchFamily="49" charset="0"/>
+              </a:rPr>
+              <a:t>eval</a:t>
+            </a:r>
+            <a:r>
+              <a:rPr lang="en-US" sz="2000" dirty="0">
+                <a:latin typeface="Consolas" panose="020B0609020204030204" pitchFamily="49" charset="0"/>
+              </a:rPr>
+              <a:t>(</a:t>
+            </a:r>
+            <a:r>
+              <a:rPr lang="en-US" sz="2000" dirty="0">
+                <a:solidFill>
+                  <a:srgbClr val="0070C0"/>
+                </a:solidFill>
+                <a:latin typeface="Consolas" panose="020B0609020204030204" pitchFamily="49" charset="0"/>
+              </a:rPr>
+              <a:t>string</a:t>
+            </a:r>
+            <a:r>
+              <a:rPr lang="en-US" sz="2000" dirty="0">
+                <a:latin typeface="Consolas" panose="020B0609020204030204" pitchFamily="49" charset="0"/>
+              </a:rPr>
+              <a:t> </a:t>
+            </a:r>
+            <a:r>
+              <a:rPr lang="en-US" sz="2000" dirty="0" err="1">
+                <a:latin typeface="Consolas" panose="020B0609020204030204" pitchFamily="49" charset="0"/>
+              </a:rPr>
+              <a:t>exprCode</a:t>
+            </a:r>
+            <a:r>
+              <a:rPr lang="en-US" sz="2000" dirty="0">
+                <a:latin typeface="Consolas" panose="020B0609020204030204" pitchFamily="49" charset="0"/>
+              </a:rPr>
+              <a:t>) </a:t>
+            </a:r>
+          </a:p>
+          <a:p>
+            <a:r>
+              <a:rPr lang="en-US" sz="2000" dirty="0">
+                <a:latin typeface="Consolas" panose="020B0609020204030204" pitchFamily="49" charset="0"/>
+              </a:rPr>
+              <a:t>{ </a:t>
+            </a:r>
+          </a:p>
+          <a:p>
+            <a:r>
+              <a:rPr lang="en-US" sz="2000" dirty="0">
+                <a:latin typeface="Consolas" panose="020B0609020204030204" pitchFamily="49" charset="0"/>
+              </a:rPr>
+              <a:t>	… </a:t>
+            </a:r>
+          </a:p>
+          <a:p>
+            <a:r>
+              <a:rPr lang="en-US" sz="2000" dirty="0">
+                <a:latin typeface="Consolas" panose="020B0609020204030204" pitchFamily="49" charset="0"/>
+              </a:rPr>
+              <a:t>}</a:t>
+            </a:r>
+          </a:p>
+          <a:p>
             <a:r>
               <a:rPr lang="en-US" sz="2000" dirty="0">
                 <a:latin typeface="Consolas" panose="020B0609020204030204" pitchFamily="49" charset="0"/>
@@ -8226,6 +8837,415 @@
               </a:rPr>
               <a:t>// dynamically guaranteed</a:t>
             </a:r>
+          </a:p>
+          <a:p>
+            <a:r>
+              <a:rPr lang="en-US" sz="2000" dirty="0">
+                <a:solidFill>
+                  <a:srgbClr val="0070C0"/>
+                </a:solidFill>
+                <a:latin typeface="Consolas" panose="020B0609020204030204" pitchFamily="49" charset="0"/>
+              </a:rPr>
+              <a:t>dynamic</a:t>
+            </a:r>
+            <a:r>
+              <a:rPr lang="en-US" sz="2000" dirty="0">
+                <a:latin typeface="Consolas" panose="020B0609020204030204" pitchFamily="49" charset="0"/>
+              </a:rPr>
+              <a:t> res3 = </a:t>
+            </a:r>
+            <a:r>
+              <a:rPr lang="en-US" sz="2000" dirty="0" err="1">
+                <a:latin typeface="Consolas" panose="020B0609020204030204" pitchFamily="49" charset="0"/>
+              </a:rPr>
+              <a:t>eval</a:t>
+            </a:r>
+            <a:r>
+              <a:rPr lang="en-US" sz="2000" dirty="0">
+                <a:latin typeface="Consolas" panose="020B0609020204030204" pitchFamily="49" charset="0"/>
+              </a:rPr>
+              <a:t>(res2); </a:t>
+            </a:r>
+            <a:r>
+              <a:rPr lang="en-US" sz="2000" dirty="0">
+                <a:solidFill>
+                  <a:srgbClr val="00B050"/>
+                </a:solidFill>
+                <a:latin typeface="Consolas" panose="020B0609020204030204" pitchFamily="49" charset="0"/>
+              </a:rPr>
+              <a:t>// dynamically guaranteed </a:t>
+            </a:r>
+            <a:r>
+              <a:rPr lang="de-DE" sz="2000" dirty="0">
+                <a:solidFill>
+                  <a:srgbClr val="00B050"/>
+                </a:solidFill>
+                <a:latin typeface="Consolas" panose="020B0609020204030204" pitchFamily="49" charset="0"/>
+                <a:sym typeface="Webdings" panose="05030102010509060703" pitchFamily="18" charset="2"/>
+              </a:rPr>
+              <a:t></a:t>
+            </a:r>
+            <a:endParaRPr lang="de-DE" sz="2000" dirty="0">
+              <a:solidFill>
+                <a:srgbClr val="00B050"/>
+              </a:solidFill>
+              <a:latin typeface="Consolas" panose="020B0609020204030204" pitchFamily="49" charset="0"/>
+            </a:endParaRPr>
+          </a:p>
+          <a:p>
+            <a:endParaRPr lang="de-DE" sz="2000" dirty="0">
+              <a:solidFill>
+                <a:srgbClr val="00B050"/>
+              </a:solidFill>
+              <a:latin typeface="Consolas" panose="020B0609020204030204" pitchFamily="49" charset="0"/>
+            </a:endParaRPr>
+          </a:p>
+        </p:txBody>
+      </p:sp>
+      <p:sp>
+        <p:nvSpPr>
+          <p:cNvPr id="12" name="TextBox 11"/>
+          <p:cNvSpPr txBox="1"/>
+          <p:nvPr/>
+        </p:nvSpPr>
+        <p:spPr>
+          <a:xfrm>
+            <a:off x="628650" y="3006860"/>
+            <a:ext cx="7886700" cy="3170099"/>
+          </a:xfrm>
+          <a:prstGeom prst="rect">
+            <a:avLst/>
+          </a:prstGeom>
+        </p:spPr>
+        <p:style>
+          <a:lnRef idx="2">
+            <a:schemeClr val="dk1"/>
+          </a:lnRef>
+          <a:fillRef idx="1">
+            <a:schemeClr val="lt1"/>
+          </a:fillRef>
+          <a:effectRef idx="0">
+            <a:schemeClr val="dk1"/>
+          </a:effectRef>
+          <a:fontRef idx="minor">
+            <a:schemeClr val="dk1"/>
+          </a:fontRef>
+        </p:style>
+        <p:txBody>
+          <a:bodyPr wrap="square" rtlCol="0">
+            <a:noAutofit/>
+          </a:bodyPr>
+          <a:lstStyle/>
+          <a:p>
+            <a:r>
+              <a:rPr lang="en-US" sz="2000" dirty="0">
+                <a:solidFill>
+                  <a:srgbClr val="00B050"/>
+                </a:solidFill>
+                <a:latin typeface="Consolas" panose="020B0609020204030204" pitchFamily="49" charset="0"/>
+              </a:rPr>
+              <a:t>// gradual typing</a:t>
+            </a:r>
+          </a:p>
+          <a:p>
+            <a:r>
+              <a:rPr lang="en-US" sz="2000" dirty="0">
+                <a:solidFill>
+                  <a:srgbClr val="0070C0"/>
+                </a:solidFill>
+                <a:latin typeface="Consolas" panose="020B0609020204030204" pitchFamily="49" charset="0"/>
+              </a:rPr>
+              <a:t>object</a:t>
+            </a:r>
+            <a:r>
+              <a:rPr lang="en-US" sz="2000" dirty="0">
+                <a:latin typeface="Consolas" panose="020B0609020204030204" pitchFamily="49" charset="0"/>
+              </a:rPr>
+              <a:t> </a:t>
+            </a:r>
+            <a:r>
+              <a:rPr lang="en-US" sz="2000" dirty="0" err="1">
+                <a:latin typeface="Consolas" panose="020B0609020204030204" pitchFamily="49" charset="0"/>
+              </a:rPr>
+              <a:t>eval</a:t>
+            </a:r>
+            <a:r>
+              <a:rPr lang="en-US" sz="2000" dirty="0">
+                <a:latin typeface="Consolas" panose="020B0609020204030204" pitchFamily="49" charset="0"/>
+              </a:rPr>
+              <a:t>(</a:t>
+            </a:r>
+            <a:r>
+              <a:rPr lang="en-US" sz="2000" dirty="0">
+                <a:solidFill>
+                  <a:srgbClr val="0070C0"/>
+                </a:solidFill>
+                <a:latin typeface="Consolas" panose="020B0609020204030204" pitchFamily="49" charset="0"/>
+              </a:rPr>
+              <a:t>string</a:t>
+            </a:r>
+            <a:r>
+              <a:rPr lang="en-US" sz="2000" dirty="0">
+                <a:latin typeface="Consolas" panose="020B0609020204030204" pitchFamily="49" charset="0"/>
+              </a:rPr>
+              <a:t> </a:t>
+            </a:r>
+            <a:r>
+              <a:rPr lang="en-US" sz="2000" dirty="0" err="1">
+                <a:latin typeface="Consolas" panose="020B0609020204030204" pitchFamily="49" charset="0"/>
+              </a:rPr>
+              <a:t>exprCode</a:t>
+            </a:r>
+            <a:r>
+              <a:rPr lang="en-US" sz="2000" dirty="0">
+                <a:latin typeface="Consolas" panose="020B0609020204030204" pitchFamily="49" charset="0"/>
+              </a:rPr>
+              <a:t>) </a:t>
+            </a:r>
+          </a:p>
+          <a:p>
+            <a:r>
+              <a:rPr lang="en-US" sz="2000" dirty="0">
+                <a:latin typeface="Consolas" panose="020B0609020204030204" pitchFamily="49" charset="0"/>
+              </a:rPr>
+              <a:t>{ </a:t>
+            </a:r>
+          </a:p>
+          <a:p>
+            <a:r>
+              <a:rPr lang="en-US" sz="2000" dirty="0">
+                <a:latin typeface="Consolas" panose="020B0609020204030204" pitchFamily="49" charset="0"/>
+              </a:rPr>
+              <a:t>	… </a:t>
+            </a:r>
+          </a:p>
+          <a:p>
+            <a:r>
+              <a:rPr lang="en-US" sz="2000" dirty="0">
+                <a:latin typeface="Consolas" panose="020B0609020204030204" pitchFamily="49" charset="0"/>
+              </a:rPr>
+              <a:t>}</a:t>
+            </a:r>
+          </a:p>
+          <a:p>
+            <a:r>
+              <a:rPr lang="en-US" sz="2000" dirty="0">
+                <a:latin typeface="Consolas" panose="020B0609020204030204" pitchFamily="49" charset="0"/>
+              </a:rPr>
+              <a:t>…</a:t>
+            </a:r>
+          </a:p>
+          <a:p>
+            <a:r>
+              <a:rPr lang="en-US" sz="2000" dirty="0">
+                <a:solidFill>
+                  <a:srgbClr val="0070C0"/>
+                </a:solidFill>
+                <a:latin typeface="Consolas" panose="020B0609020204030204" pitchFamily="49" charset="0"/>
+              </a:rPr>
+              <a:t>string</a:t>
+            </a:r>
+            <a:r>
+              <a:rPr lang="en-US" sz="2000" dirty="0">
+                <a:latin typeface="Consolas" panose="020B0609020204030204" pitchFamily="49" charset="0"/>
+              </a:rPr>
+              <a:t> expr = </a:t>
+            </a:r>
+            <a:r>
+              <a:rPr lang="en-US" sz="2000" dirty="0">
+                <a:solidFill>
+                  <a:srgbClr val="C00000"/>
+                </a:solidFill>
+                <a:latin typeface="Consolas" panose="020B0609020204030204" pitchFamily="49" charset="0"/>
+              </a:rPr>
+              <a:t>"</a:t>
+            </a:r>
+            <a:r>
+              <a:rPr lang="en-US" sz="2000" dirty="0" err="1">
+                <a:solidFill>
+                  <a:srgbClr val="C00000"/>
+                </a:solidFill>
+                <a:latin typeface="Consolas" panose="020B0609020204030204" pitchFamily="49" charset="0"/>
+              </a:rPr>
+              <a:t>string.Concat</a:t>
+            </a:r>
+            <a:r>
+              <a:rPr lang="en-US" sz="2000" dirty="0">
+                <a:solidFill>
+                  <a:srgbClr val="C00000"/>
+                </a:solidFill>
+                <a:latin typeface="Consolas" panose="020B0609020204030204" pitchFamily="49" charset="0"/>
+              </a:rPr>
+              <a:t>(20, '+', 22)"</a:t>
+            </a:r>
+            <a:r>
+              <a:rPr lang="en-US" sz="2000" dirty="0">
+                <a:latin typeface="Consolas" panose="020B0609020204030204" pitchFamily="49" charset="0"/>
+              </a:rPr>
+              <a:t>;</a:t>
+            </a:r>
+          </a:p>
+          <a:p>
+            <a:r>
+              <a:rPr lang="en-US" sz="2000" dirty="0">
+                <a:solidFill>
+                  <a:srgbClr val="0070C0"/>
+                </a:solidFill>
+                <a:latin typeface="Consolas" panose="020B0609020204030204" pitchFamily="49" charset="0"/>
+              </a:rPr>
+              <a:t>object</a:t>
+            </a:r>
+            <a:r>
+              <a:rPr lang="en-US" sz="2000" dirty="0">
+                <a:latin typeface="Consolas" panose="020B0609020204030204" pitchFamily="49" charset="0"/>
+              </a:rPr>
+              <a:t> res1 = </a:t>
+            </a:r>
+            <a:r>
+              <a:rPr lang="en-US" sz="2000" dirty="0" err="1">
+                <a:latin typeface="Consolas" panose="020B0609020204030204" pitchFamily="49" charset="0"/>
+              </a:rPr>
+              <a:t>eval</a:t>
+            </a:r>
+            <a:r>
+              <a:rPr lang="en-US" sz="2000" dirty="0">
+                <a:latin typeface="Consolas" panose="020B0609020204030204" pitchFamily="49" charset="0"/>
+              </a:rPr>
+              <a:t>(expr); </a:t>
+            </a:r>
+            <a:r>
+              <a:rPr lang="en-US" sz="2000" dirty="0">
+                <a:solidFill>
+                  <a:srgbClr val="00B050"/>
+                </a:solidFill>
+                <a:latin typeface="Consolas" panose="020B0609020204030204" pitchFamily="49" charset="0"/>
+              </a:rPr>
+              <a:t>// statically guaranteed</a:t>
+            </a:r>
+          </a:p>
+          <a:p>
+            <a:r>
+              <a:rPr lang="en-US" sz="2000" dirty="0">
+                <a:solidFill>
+                  <a:srgbClr val="0070C0"/>
+                </a:solidFill>
+                <a:latin typeface="Consolas" panose="020B0609020204030204" pitchFamily="49" charset="0"/>
+              </a:rPr>
+              <a:t>object</a:t>
+            </a:r>
+            <a:r>
+              <a:rPr lang="en-US" sz="2000" dirty="0">
+                <a:latin typeface="Consolas" panose="020B0609020204030204" pitchFamily="49" charset="0"/>
+              </a:rPr>
+              <a:t> res2 = </a:t>
+            </a:r>
+            <a:r>
+              <a:rPr lang="en-US" sz="2000" dirty="0" err="1">
+                <a:latin typeface="Consolas" panose="020B0609020204030204" pitchFamily="49" charset="0"/>
+              </a:rPr>
+              <a:t>eval</a:t>
+            </a:r>
+            <a:r>
+              <a:rPr lang="en-US" sz="2000" dirty="0">
+                <a:latin typeface="Consolas" panose="020B0609020204030204" pitchFamily="49" charset="0"/>
+              </a:rPr>
+              <a:t>((</a:t>
+            </a:r>
+            <a:r>
+              <a:rPr lang="en-US" sz="2000" dirty="0">
+                <a:solidFill>
+                  <a:srgbClr val="0070C0"/>
+                </a:solidFill>
+                <a:latin typeface="Consolas" panose="020B0609020204030204" pitchFamily="49" charset="0"/>
+              </a:rPr>
+              <a:t>string</a:t>
+            </a:r>
+            <a:r>
+              <a:rPr lang="en-US" sz="2000" dirty="0">
+                <a:latin typeface="Consolas" panose="020B0609020204030204" pitchFamily="49" charset="0"/>
+              </a:rPr>
+              <a:t>)res1); </a:t>
+            </a:r>
+            <a:r>
+              <a:rPr lang="en-US" sz="2000" dirty="0">
+                <a:solidFill>
+                  <a:srgbClr val="00B050"/>
+                </a:solidFill>
+                <a:latin typeface="Consolas" panose="020B0609020204030204" pitchFamily="49" charset="0"/>
+              </a:rPr>
+              <a:t>// dyn guaranteed</a:t>
+            </a:r>
+          </a:p>
+          <a:p>
+            <a:r>
+              <a:rPr lang="en-US" sz="2000" dirty="0">
+                <a:solidFill>
+                  <a:srgbClr val="0070C0"/>
+                </a:solidFill>
+                <a:latin typeface="Consolas" panose="020B0609020204030204" pitchFamily="49" charset="0"/>
+              </a:rPr>
+              <a:t>object</a:t>
+            </a:r>
+            <a:r>
+              <a:rPr lang="en-US" sz="2000" dirty="0">
+                <a:latin typeface="Consolas" panose="020B0609020204030204" pitchFamily="49" charset="0"/>
+              </a:rPr>
+              <a:t> res3 = </a:t>
+            </a:r>
+            <a:r>
+              <a:rPr lang="en-US" sz="2000" dirty="0" err="1">
+                <a:latin typeface="Consolas" panose="020B0609020204030204" pitchFamily="49" charset="0"/>
+              </a:rPr>
+              <a:t>eval</a:t>
+            </a:r>
+            <a:r>
+              <a:rPr lang="en-US" sz="2000" dirty="0">
+                <a:latin typeface="Consolas" panose="020B0609020204030204" pitchFamily="49" charset="0"/>
+              </a:rPr>
+              <a:t>((</a:t>
+            </a:r>
+            <a:r>
+              <a:rPr lang="en-US" sz="2000" dirty="0">
+                <a:solidFill>
+                  <a:srgbClr val="0070C0"/>
+                </a:solidFill>
+                <a:latin typeface="Consolas" panose="020B0609020204030204" pitchFamily="49" charset="0"/>
+              </a:rPr>
+              <a:t>string</a:t>
+            </a:r>
+            <a:r>
+              <a:rPr lang="en-US" sz="2000" dirty="0">
+                <a:latin typeface="Consolas" panose="020B0609020204030204" pitchFamily="49" charset="0"/>
+              </a:rPr>
+              <a:t>)res2); </a:t>
+            </a:r>
+            <a:r>
+              <a:rPr lang="en-US" sz="2000" dirty="0">
+                <a:solidFill>
+                  <a:srgbClr val="00B050"/>
+                </a:solidFill>
+                <a:latin typeface="Consolas" panose="020B0609020204030204" pitchFamily="49" charset="0"/>
+              </a:rPr>
+              <a:t>// dyn guaranteed </a:t>
+            </a:r>
+            <a:r>
+              <a:rPr lang="de-DE" sz="2000" dirty="0">
+                <a:solidFill>
+                  <a:srgbClr val="00B050"/>
+                </a:solidFill>
+                <a:latin typeface="Consolas" panose="020B0609020204030204" pitchFamily="49" charset="0"/>
+                <a:sym typeface="Webdings" panose="05030102010509060703" pitchFamily="18" charset="2"/>
+              </a:rPr>
+              <a:t></a:t>
+            </a:r>
+            <a:endParaRPr lang="de-DE" sz="2000" dirty="0">
+              <a:solidFill>
+                <a:srgbClr val="00B050"/>
+              </a:solidFill>
+              <a:latin typeface="Consolas" panose="020B0609020204030204" pitchFamily="49" charset="0"/>
+            </a:endParaRPr>
+          </a:p>
+          <a:p>
             <a:endParaRPr lang="de-DE" sz="2000" dirty="0">
               <a:solidFill>
                 <a:srgbClr val="00B050"/>
@@ -8478,6 +9498,96 @@
                       </p:childTnLst>
                     </p:cTn>
                   </p:par>
+                  <p:par>
+                    <p:cTn id="23" fill="hold">
+                      <p:stCondLst>
+                        <p:cond delay="indefinite"/>
+                      </p:stCondLst>
+                      <p:childTnLst>
+                        <p:par>
+                          <p:cTn id="24" fill="hold">
+                            <p:stCondLst>
+                              <p:cond delay="0"/>
+                            </p:stCondLst>
+                            <p:childTnLst>
+                              <p:par>
+                                <p:cTn id="25" presetID="1" presetClass="entr" presetSubtype="0" fill="hold" grpId="0" nodeType="clickEffect">
+                                  <p:stCondLst>
+                                    <p:cond delay="0"/>
+                                  </p:stCondLst>
+                                  <p:childTnLst>
+                                    <p:set>
+                                      <p:cBhvr>
+                                        <p:cTn id="26" dur="1" fill="hold">
+                                          <p:stCondLst>
+                                            <p:cond delay="0"/>
+                                          </p:stCondLst>
+                                        </p:cTn>
+                                        <p:tgtEl>
+                                          <p:spTgt spid="11"/>
+                                        </p:tgtEl>
+                                        <p:attrNameLst>
+                                          <p:attrName>style.visibility</p:attrName>
+                                        </p:attrNameLst>
+                                      </p:cBhvr>
+                                      <p:to>
+                                        <p:strVal val="visible"/>
+                                      </p:to>
+                                    </p:set>
+                                  </p:childTnLst>
+                                </p:cTn>
+                              </p:par>
+                            </p:childTnLst>
+                          </p:cTn>
+                        </p:par>
+                      </p:childTnLst>
+                    </p:cTn>
+                  </p:par>
+                  <p:par>
+                    <p:cTn id="27" fill="hold">
+                      <p:stCondLst>
+                        <p:cond delay="indefinite"/>
+                      </p:stCondLst>
+                      <p:childTnLst>
+                        <p:par>
+                          <p:cTn id="28" fill="hold">
+                            <p:stCondLst>
+                              <p:cond delay="0"/>
+                            </p:stCondLst>
+                            <p:childTnLst>
+                              <p:par>
+                                <p:cTn id="29" presetID="1" presetClass="entr" presetSubtype="0" fill="hold" grpId="0" nodeType="clickEffect">
+                                  <p:stCondLst>
+                                    <p:cond delay="0"/>
+                                  </p:stCondLst>
+                                  <p:childTnLst>
+                                    <p:set>
+                                      <p:cBhvr>
+                                        <p:cTn id="30" dur="1" fill="hold">
+                                          <p:stCondLst>
+                                            <p:cond delay="0"/>
+                                          </p:stCondLst>
+                                        </p:cTn>
+                                        <p:tgtEl>
+                                          <p:spTgt spid="12"/>
+                                        </p:tgtEl>
+                                        <p:attrNameLst>
+                                          <p:attrName>style.visibility</p:attrName>
+                                        </p:attrNameLst>
+                                      </p:cBhvr>
+                                      <p:to>
+                                        <p:strVal val="visible"/>
+                                      </p:to>
+                                    </p:set>
+                                  </p:childTnLst>
+                                </p:cTn>
+                              </p:par>
+                            </p:childTnLst>
+                          </p:cTn>
+                        </p:par>
+                      </p:childTnLst>
+                    </p:cTn>
+                  </p:par>
                 </p:childTnLst>
               </p:cTn>
               <p:prevCondLst>
@@ -8505,6 +9615,8 @@
       <p:bldP spid="7" grpId="0" animBg="1"/>
       <p:bldP spid="8" grpId="0"/>
       <p:bldP spid="9" grpId="0" animBg="1"/>
+      <p:bldP spid="11" grpId="0" animBg="1"/>
+      <p:bldP spid="12" grpId="0" animBg="1"/>
     </p:bldLst>
   </p:timing>
 </p:sld>

--- a/presentation/PLunch.pptx
+++ b/presentation/PLunch.pptx
@@ -1,11 +1,11 @@
 
 <file path=ppt/presentation.xml><?xml version="1.0" encoding="utf-8"?>
-<p:presentation xmlns:a="http://schemas.openxmlformats.org/drawingml/2006/main" xmlns:r="http://schemas.openxmlformats.org/officeDocument/2006/relationships" xmlns:p="http://schemas.openxmlformats.org/presentationml/2006/main" saveSubsetFonts="1">
+<p:presentation xmlns:a="http://schemas.openxmlformats.org/drawingml/2006/main" xmlns:r="http://schemas.openxmlformats.org/officeDocument/2006/relationships" xmlns:p="http://schemas.openxmlformats.org/presentationml/2006/main" showSpecialPlsOnTitleSld="0" saveSubsetFonts="1" autoCompressPictures="0">
   <p:sldMasterIdLst>
     <p:sldMasterId id="2147484044" r:id="rId1"/>
   </p:sldMasterIdLst>
   <p:notesMasterIdLst>
-    <p:notesMasterId r:id="rId12"/>
+    <p:notesMasterId r:id="rId14"/>
   </p:notesMasterIdLst>
   <p:sldIdLst>
     <p:sldId id="256" r:id="rId2"/>
@@ -17,7 +17,9 @@
     <p:sldId id="264" r:id="rId8"/>
     <p:sldId id="266" r:id="rId9"/>
     <p:sldId id="265" r:id="rId10"/>
-    <p:sldId id="258" r:id="rId11"/>
+    <p:sldId id="268" r:id="rId11"/>
+    <p:sldId id="258" r:id="rId12"/>
+    <p:sldId id="267" r:id="rId13"/>
   </p:sldIdLst>
   <p:sldSz cx="9144000" cy="6858000" type="screen4x3"/>
   <p:notesSz cx="6858000" cy="9144000"/>
@@ -134,11 +136,13 @@
             <p14:sldId id="264"/>
             <p14:sldId id="266"/>
             <p14:sldId id="265"/>
+            <p14:sldId id="268"/>
           </p14:sldIdLst>
         </p14:section>
         <p14:section name="Approach" id="{E4314259-17AB-4162-9F2D-707CDFBE2B8D}">
           <p14:sldIdLst>
             <p14:sldId id="258"/>
+            <p14:sldId id="267"/>
           </p14:sldIdLst>
         </p14:section>
       </p14:sectionLst>
@@ -606,6 +610,98 @@
 </p:notes>
 </file>
 
+<file path=ppt/notesSlides/notesSlide10.xml><?xml version="1.0" encoding="utf-8"?>
+<p:notes xmlns:a="http://schemas.openxmlformats.org/drawingml/2006/main" xmlns:r="http://schemas.openxmlformats.org/officeDocument/2006/relationships" xmlns:p="http://schemas.openxmlformats.org/presentationml/2006/main">
+  <p:cSld>
+    <p:spTree>
+      <p:nvGrpSpPr>
+        <p:cNvPr id="1" name=""/>
+        <p:cNvGrpSpPr/>
+        <p:nvPr/>
+      </p:nvGrpSpPr>
+      <p:grpSpPr>
+        <a:xfrm>
+          <a:off x="0" y="0"/>
+          <a:ext cx="0" cy="0"/>
+          <a:chOff x="0" y="0"/>
+          <a:chExt cx="0" cy="0"/>
+        </a:xfrm>
+      </p:grpSpPr>
+      <p:sp>
+        <p:nvSpPr>
+          <p:cNvPr id="2" name="Slide Image Placeholder 1"/>
+          <p:cNvSpPr>
+            <a:spLocks noGrp="1" noRot="1" noChangeAspect="1"/>
+          </p:cNvSpPr>
+          <p:nvPr>
+            <p:ph type="sldImg"/>
+          </p:nvPr>
+        </p:nvSpPr>
+        <p:spPr/>
+      </p:sp>
+      <p:sp>
+        <p:nvSpPr>
+          <p:cNvPr id="3" name="Notes Placeholder 2"/>
+          <p:cNvSpPr>
+            <a:spLocks noGrp="1"/>
+          </p:cNvSpPr>
+          <p:nvPr>
+            <p:ph type="body" idx="1"/>
+          </p:nvPr>
+        </p:nvSpPr>
+        <p:spPr/>
+        <p:txBody>
+          <a:bodyPr/>
+          <a:lstStyle/>
+          <a:p>
+            <a:r>
+              <a:rPr lang="en-US" dirty="0"/>
+              <a:t>abstract interpretation:</a:t>
+            </a:r>
+            <a:r>
+              <a:rPr lang="en-US" baseline="0" dirty="0"/>
+              <a:t> give meaning to gradual formulas in terms of static formulas</a:t>
+            </a:r>
+            <a:endParaRPr lang="de-DE" dirty="0"/>
+          </a:p>
+        </p:txBody>
+      </p:sp>
+      <p:sp>
+        <p:nvSpPr>
+          <p:cNvPr id="4" name="Slide Number Placeholder 3"/>
+          <p:cNvSpPr>
+            <a:spLocks noGrp="1"/>
+          </p:cNvSpPr>
+          <p:nvPr>
+            <p:ph type="sldNum" sz="quarter" idx="10"/>
+          </p:nvPr>
+        </p:nvSpPr>
+        <p:spPr/>
+        <p:txBody>
+          <a:bodyPr/>
+          <a:lstStyle/>
+          <a:p>
+            <a:fld id="{4DCC1F29-B600-42F8-8BC8-9AFF066AEC7C}" type="slidenum">
+              <a:rPr lang="de-DE" smtClean="0"/>
+              <a:t>12</a:t>
+            </a:fld>
+            <a:endParaRPr lang="de-DE"/>
+          </a:p>
+        </p:txBody>
+      </p:sp>
+    </p:spTree>
+    <p:extLst>
+      <p:ext uri="{BB962C8B-B14F-4D97-AF65-F5344CB8AC3E}">
+        <p14:creationId xmlns:p14="http://schemas.microsoft.com/office/powerpoint/2010/main" val="2246404815"/>
+      </p:ext>
+    </p:extLst>
+  </p:cSld>
+  <p:clrMapOvr>
+    <a:masterClrMapping/>
+  </p:clrMapOvr>
+</p:notes>
+</file>
+
 <file path=ppt/notesSlides/notesSlide2.xml><?xml version="1.0" encoding="utf-8"?>
 <p:notes xmlns:a="http://schemas.openxmlformats.org/drawingml/2006/main" xmlns:r="http://schemas.openxmlformats.org/officeDocument/2006/relationships" xmlns:p="http://schemas.openxmlformats.org/presentationml/2006/main">
   <p:cSld>
@@ -1218,19 +1314,11 @@
             </a:r>
             <a:r>
               <a:rPr lang="en-US" dirty="0"/>
-              <a:t> but </a:t>
-            </a:r>
-            <a:r>
-              <a:rPr lang="en-US"/>
-              <a:t>also viewable as extension</a:t>
-            </a:r>
-            <a:r>
-              <a:rPr lang="en-US" baseline="0"/>
-              <a:t> </a:t>
+              <a:t> but also viewable as extension</a:t>
             </a:r>
             <a:r>
               <a:rPr lang="en-US" baseline="0" dirty="0"/>
-              <a:t>of </a:t>
+              <a:t> of </a:t>
             </a:r>
             <a:r>
               <a:rPr lang="en-US" dirty="0"/>
@@ -1267,6 +1355,90 @@
     <p:extLst>
       <p:ext uri="{BB962C8B-B14F-4D97-AF65-F5344CB8AC3E}">
         <p14:creationId xmlns:p14="http://schemas.microsoft.com/office/powerpoint/2010/main" val="590061481"/>
+      </p:ext>
+    </p:extLst>
+  </p:cSld>
+  <p:clrMapOvr>
+    <a:masterClrMapping/>
+  </p:clrMapOvr>
+</p:notes>
+</file>
+
+<file path=ppt/notesSlides/notesSlide9.xml><?xml version="1.0" encoding="utf-8"?>
+<p:notes xmlns:a="http://schemas.openxmlformats.org/drawingml/2006/main" xmlns:r="http://schemas.openxmlformats.org/officeDocument/2006/relationships" xmlns:p="http://schemas.openxmlformats.org/presentationml/2006/main">
+  <p:cSld>
+    <p:spTree>
+      <p:nvGrpSpPr>
+        <p:cNvPr id="1" name=""/>
+        <p:cNvGrpSpPr/>
+        <p:nvPr/>
+      </p:nvGrpSpPr>
+      <p:grpSpPr>
+        <a:xfrm>
+          <a:off x="0" y="0"/>
+          <a:ext cx="0" cy="0"/>
+          <a:chOff x="0" y="0"/>
+          <a:chExt cx="0" cy="0"/>
+        </a:xfrm>
+      </p:grpSpPr>
+      <p:sp>
+        <p:nvSpPr>
+          <p:cNvPr id="2" name="Slide Image Placeholder 1"/>
+          <p:cNvSpPr>
+            <a:spLocks noGrp="1" noRot="1" noChangeAspect="1"/>
+          </p:cNvSpPr>
+          <p:nvPr>
+            <p:ph type="sldImg"/>
+          </p:nvPr>
+        </p:nvSpPr>
+        <p:spPr/>
+      </p:sp>
+      <p:sp>
+        <p:nvSpPr>
+          <p:cNvPr id="3" name="Notes Placeholder 2"/>
+          <p:cNvSpPr>
+            <a:spLocks noGrp="1"/>
+          </p:cNvSpPr>
+          <p:nvPr>
+            <p:ph type="body" idx="1"/>
+          </p:nvPr>
+        </p:nvSpPr>
+        <p:spPr/>
+        <p:txBody>
+          <a:bodyPr/>
+          <a:lstStyle/>
+          <a:p>
+            <a:endParaRPr lang="de-DE" dirty="0"/>
+          </a:p>
+        </p:txBody>
+      </p:sp>
+      <p:sp>
+        <p:nvSpPr>
+          <p:cNvPr id="4" name="Slide Number Placeholder 3"/>
+          <p:cNvSpPr>
+            <a:spLocks noGrp="1"/>
+          </p:cNvSpPr>
+          <p:nvPr>
+            <p:ph type="sldNum" sz="quarter" idx="10"/>
+          </p:nvPr>
+        </p:nvSpPr>
+        <p:spPr/>
+        <p:txBody>
+          <a:bodyPr/>
+          <a:lstStyle/>
+          <a:p>
+            <a:fld id="{4DCC1F29-B600-42F8-8BC8-9AFF066AEC7C}" type="slidenum">
+              <a:rPr lang="de-DE" smtClean="0"/>
+              <a:t>10</a:t>
+            </a:fld>
+            <a:endParaRPr lang="de-DE"/>
+          </a:p>
+        </p:txBody>
+      </p:sp>
+    </p:spTree>
+    <p:extLst>
+      <p:ext uri="{BB962C8B-B14F-4D97-AF65-F5344CB8AC3E}">
+        <p14:creationId xmlns:p14="http://schemas.microsoft.com/office/powerpoint/2010/main" val="2581817312"/>
       </p:ext>
     </p:extLst>
   </p:cSld>
@@ -1405,9 +1577,9 @@
           <a:bodyPr/>
           <a:lstStyle/>
           <a:p>
-            <a:fld id="{0AF38549-4FCF-4832-92AF-D704600F343D}" type="datetimeFigureOut">
+            <a:fld id="{40D6D1C7-4F78-42D7-8A43-6446DCC2C625}" type="datetime1">
               <a:rPr lang="de-DE" smtClean="0"/>
-              <a:t>17.09.2016</a:t>
+              <a:t>18.09.2016</a:t>
             </a:fld>
             <a:endParaRPr lang="de-DE"/>
           </a:p>
@@ -1575,9 +1747,9 @@
           <a:bodyPr/>
           <a:lstStyle/>
           <a:p>
-            <a:fld id="{0AF38549-4FCF-4832-92AF-D704600F343D}" type="datetimeFigureOut">
+            <a:fld id="{7F2C8C36-E2E5-4307-9BC4-7B750D2A80AB}" type="datetime1">
               <a:rPr lang="de-DE" smtClean="0"/>
-              <a:t>17.09.2016</a:t>
+              <a:t>18.09.2016</a:t>
             </a:fld>
             <a:endParaRPr lang="de-DE"/>
           </a:p>
@@ -1755,9 +1927,9 @@
           <a:bodyPr/>
           <a:lstStyle/>
           <a:p>
-            <a:fld id="{0AF38549-4FCF-4832-92AF-D704600F343D}" type="datetimeFigureOut">
+            <a:fld id="{926F756B-BA40-472D-8F9C-952F05A78F89}" type="datetime1">
               <a:rPr lang="de-DE" smtClean="0"/>
-              <a:t>17.09.2016</a:t>
+              <a:t>18.09.2016</a:t>
             </a:fld>
             <a:endParaRPr lang="de-DE"/>
           </a:p>
@@ -1845,7 +2017,12 @@
             <p:ph type="title"/>
           </p:nvPr>
         </p:nvSpPr>
-        <p:spPr/>
+        <p:spPr>
+          <a:xfrm>
+            <a:off x="628650" y="365127"/>
+            <a:ext cx="7886700" cy="1071788"/>
+          </a:xfrm>
+        </p:spPr>
         <p:txBody>
           <a:bodyPr/>
           <a:lstStyle/>
@@ -1925,11 +2102,11 @@
           <a:bodyPr/>
           <a:lstStyle/>
           <a:p>
-            <a:fld id="{0AF38549-4FCF-4832-92AF-D704600F343D}" type="datetimeFigureOut">
+            <a:fld id="{4232A410-C2EF-4CBC-85F3-012D03A3B580}" type="datetime1">
               <a:rPr lang="de-DE" smtClean="0"/>
-              <a:t>17.09.2016</a:t>
+              <a:t>18.09.2016</a:t>
             </a:fld>
-            <a:endParaRPr lang="de-DE"/>
+            <a:endParaRPr lang="de-DE" dirty="0"/>
           </a:p>
         </p:txBody>
       </p:sp>
@@ -2169,9 +2346,9 @@
           <a:bodyPr/>
           <a:lstStyle/>
           <a:p>
-            <a:fld id="{0AF38549-4FCF-4832-92AF-D704600F343D}" type="datetimeFigureOut">
+            <a:fld id="{71F5C5C8-39C0-4BF8-AF57-16FF41159358}" type="datetime1">
               <a:rPr lang="de-DE" smtClean="0"/>
-              <a:t>17.09.2016</a:t>
+              <a:t>18.09.2016</a:t>
             </a:fld>
             <a:endParaRPr lang="de-DE"/>
           </a:p>
@@ -2401,9 +2578,9 @@
           <a:bodyPr/>
           <a:lstStyle/>
           <a:p>
-            <a:fld id="{0AF38549-4FCF-4832-92AF-D704600F343D}" type="datetimeFigureOut">
+            <a:fld id="{32A53972-F6FF-44D4-A481-D49DDFAE4BF8}" type="datetime1">
               <a:rPr lang="de-DE" smtClean="0"/>
-              <a:t>17.09.2016</a:t>
+              <a:t>18.09.2016</a:t>
             </a:fld>
             <a:endParaRPr lang="de-DE"/>
           </a:p>
@@ -2768,9 +2945,9 @@
           <a:bodyPr/>
           <a:lstStyle/>
           <a:p>
-            <a:fld id="{0AF38549-4FCF-4832-92AF-D704600F343D}" type="datetimeFigureOut">
+            <a:fld id="{C4583AE3-46C8-4AF9-9AE8-7EA45E0A8273}" type="datetime1">
               <a:rPr lang="de-DE" smtClean="0"/>
-              <a:t>17.09.2016</a:t>
+              <a:t>18.09.2016</a:t>
             </a:fld>
             <a:endParaRPr lang="de-DE"/>
           </a:p>
@@ -2886,9 +3063,9 @@
           <a:bodyPr/>
           <a:lstStyle/>
           <a:p>
-            <a:fld id="{0AF38549-4FCF-4832-92AF-D704600F343D}" type="datetimeFigureOut">
+            <a:fld id="{EB95C86F-67D0-4125-AAE3-94A97C56CADF}" type="datetime1">
               <a:rPr lang="de-DE" smtClean="0"/>
-              <a:t>17.09.2016</a:t>
+              <a:t>18.09.2016</a:t>
             </a:fld>
             <a:endParaRPr lang="de-DE"/>
           </a:p>
@@ -2981,9 +3158,9 @@
           <a:bodyPr/>
           <a:lstStyle/>
           <a:p>
-            <a:fld id="{0AF38549-4FCF-4832-92AF-D704600F343D}" type="datetimeFigureOut">
+            <a:fld id="{6BFB1022-13CE-4FDA-BFAB-CC559034E639}" type="datetime1">
               <a:rPr lang="de-DE" smtClean="0"/>
-              <a:t>17.09.2016</a:t>
+              <a:t>18.09.2016</a:t>
             </a:fld>
             <a:endParaRPr lang="de-DE"/>
           </a:p>
@@ -3258,9 +3435,9 @@
           <a:bodyPr/>
           <a:lstStyle/>
           <a:p>
-            <a:fld id="{0AF38549-4FCF-4832-92AF-D704600F343D}" type="datetimeFigureOut">
+            <a:fld id="{9EA0E9F1-31E5-4055-BF98-84A374F3223D}" type="datetime1">
               <a:rPr lang="de-DE" smtClean="0"/>
-              <a:t>17.09.2016</a:t>
+              <a:t>18.09.2016</a:t>
             </a:fld>
             <a:endParaRPr lang="de-DE"/>
           </a:p>
@@ -3515,9 +3692,9 @@
           <a:bodyPr/>
           <a:lstStyle/>
           <a:p>
-            <a:fld id="{0AF38549-4FCF-4832-92AF-D704600F343D}" type="datetimeFigureOut">
+            <a:fld id="{2C05286E-5FB3-47C9-885F-D70AD71092A0}" type="datetime1">
               <a:rPr lang="de-DE" smtClean="0"/>
-              <a:t>17.09.2016</a:t>
+              <a:t>18.09.2016</a:t>
             </a:fld>
             <a:endParaRPr lang="de-DE"/>
           </a:p>
@@ -3728,9 +3905,9 @@
             </a:lvl1pPr>
           </a:lstStyle>
           <a:p>
-            <a:fld id="{0AF38549-4FCF-4832-92AF-D704600F343D}" type="datetimeFigureOut">
+            <a:fld id="{46773D8D-2C61-447D-8757-380DAE1BDA0E}" type="datetime1">
               <a:rPr lang="de-DE" smtClean="0"/>
-              <a:t>17.09.2016</a:t>
+              <a:t>18.09.2016</a:t>
             </a:fld>
             <a:endParaRPr lang="de-DE"/>
           </a:p>
@@ -3835,6 +4012,7 @@
     <p:sldLayoutId id="2147484054" r:id="rId10"/>
     <p:sldLayoutId id="2147484055" r:id="rId11"/>
   </p:sldLayoutIdLst>
+  <p:hf hdr="0" ftr="0" dt="0"/>
   <p:txStyles>
     <p:titleStyle>
       <a:lvl1pPr algn="l" defTabSz="914400" rtl="0" eaLnBrk="1" latinLnBrk="0" hangingPunct="1">
@@ -4235,20 +4413,149 @@
           <a:p>
             <a:r>
               <a:rPr lang="en-US" dirty="0"/>
+              <a:t>enough hand </a:t>
+            </a:r>
+            <a:r>
+              <a:rPr lang="en-US"/>
+              <a:t>wavy motivation</a:t>
+            </a:r>
+            <a:endParaRPr lang="de-DE" dirty="0"/>
+          </a:p>
+        </p:txBody>
+      </p:sp>
+      <p:sp>
+        <p:nvSpPr>
+          <p:cNvPr id="3" name="Content Placeholder 2"/>
+          <p:cNvSpPr>
+            <a:spLocks noGrp="1"/>
+          </p:cNvSpPr>
+          <p:nvPr>
+            <p:ph idx="1"/>
+          </p:nvPr>
+        </p:nvSpPr>
+        <p:spPr/>
+        <p:txBody>
+          <a:bodyPr/>
+          <a:lstStyle/>
+          <a:p>
+            <a:r>
+              <a:rPr lang="en-US" dirty="0"/>
+              <a:t>what we have, what we want</a:t>
+            </a:r>
+          </a:p>
+          <a:p>
+            <a:endParaRPr lang="de-DE" dirty="0"/>
+          </a:p>
+        </p:txBody>
+      </p:sp>
+      <p:sp>
+        <p:nvSpPr>
+          <p:cNvPr id="4" name="Slide Number Placeholder 3"/>
+          <p:cNvSpPr>
+            <a:spLocks noGrp="1"/>
+          </p:cNvSpPr>
+          <p:nvPr>
+            <p:ph type="sldNum" sz="quarter" idx="12"/>
+          </p:nvPr>
+        </p:nvSpPr>
+        <p:spPr/>
+        <p:txBody>
+          <a:bodyPr/>
+          <a:lstStyle/>
+          <a:p>
+            <a:fld id="{9D1E2128-C21B-4EB1-981D-3510C88AFE4A}" type="slidenum">
+              <a:rPr lang="de-DE" smtClean="0"/>
+              <a:t>10</a:t>
+            </a:fld>
+            <a:endParaRPr lang="de-DE"/>
+          </a:p>
+        </p:txBody>
+      </p:sp>
+    </p:spTree>
+    <p:extLst>
+      <p:ext uri="{BB962C8B-B14F-4D97-AF65-F5344CB8AC3E}">
+        <p14:creationId xmlns:p14="http://schemas.microsoft.com/office/powerpoint/2010/main" val="1730392366"/>
+      </p:ext>
+    </p:extLst>
+  </p:cSld>
+  <p:clrMapOvr>
+    <a:masterClrMapping/>
+  </p:clrMapOvr>
+</p:sld>
+</file>
+
+<file path=ppt/slides/slide11.xml><?xml version="1.0" encoding="utf-8"?>
+<p:sld xmlns:a="http://schemas.openxmlformats.org/drawingml/2006/main" xmlns:r="http://schemas.openxmlformats.org/officeDocument/2006/relationships" xmlns:p="http://schemas.openxmlformats.org/presentationml/2006/main">
+  <p:cSld>
+    <p:spTree>
+      <p:nvGrpSpPr>
+        <p:cNvPr id="1" name=""/>
+        <p:cNvGrpSpPr/>
+        <p:nvPr/>
+      </p:nvGrpSpPr>
+      <p:grpSpPr>
+        <a:xfrm>
+          <a:off x="0" y="0"/>
+          <a:ext cx="0" cy="0"/>
+          <a:chOff x="0" y="0"/>
+          <a:chExt cx="0" cy="0"/>
+        </a:xfrm>
+      </p:grpSpPr>
+      <p:sp>
+        <p:nvSpPr>
+          <p:cNvPr id="2" name="Title 1"/>
+          <p:cNvSpPr>
+            <a:spLocks noGrp="1"/>
+          </p:cNvSpPr>
+          <p:nvPr>
+            <p:ph type="title"/>
+          </p:nvPr>
+        </p:nvSpPr>
+        <p:spPr/>
+        <p:txBody>
+          <a:bodyPr/>
+          <a:lstStyle/>
+          <a:p>
+            <a:r>
+              <a:rPr lang="en-US" dirty="0"/>
               <a:t>Gradual Verification - Approach</a:t>
             </a:r>
             <a:endParaRPr lang="de-DE" dirty="0"/>
           </a:p>
         </p:txBody>
       </p:sp>
-      <p:sp>
-        <p:nvSpPr>
-          <p:cNvPr id="3" name="Content Placeholder 2"/>
-          <p:cNvSpPr>
-            <a:spLocks noGrp="1"/>
-          </p:cNvSpPr>
-          <p:nvPr>
-            <p:ph idx="1"/>
+      <p:pic>
+        <p:nvPicPr>
+          <p:cNvPr id="13" name="Picture 12"/>
+          <p:cNvPicPr>
+            <a:picLocks noChangeAspect="1"/>
+          </p:cNvPicPr>
+          <p:nvPr/>
+        </p:nvPicPr>
+        <p:blipFill>
+          <a:blip r:embed="rId2"/>
+          <a:stretch>
+            <a:fillRect/>
+          </a:stretch>
+        </p:blipFill>
+        <p:spPr>
+          <a:xfrm>
+            <a:off x="628650" y="1690689"/>
+            <a:ext cx="2709115" cy="4470960"/>
+          </a:xfrm>
+          <a:prstGeom prst="rect">
+            <a:avLst/>
+          </a:prstGeom>
+        </p:spPr>
+      </p:pic>
+      <p:sp>
+        <p:nvSpPr>
+          <p:cNvPr id="48" name="Slide Number Placeholder 47"/>
+          <p:cNvSpPr>
+            <a:spLocks noGrp="1"/>
+          </p:cNvSpPr>
+          <p:nvPr>
+            <p:ph type="sldNum" sz="quarter" idx="12"/>
           </p:nvPr>
         </p:nvSpPr>
         <p:spPr/>
@@ -4256,11 +4563,11 @@
           <a:bodyPr/>
           <a:lstStyle/>
           <a:p>
-            <a:r>
-              <a:rPr lang="en-US" dirty="0"/>
-              <a:t>take statically verified language</a:t>
-            </a:r>
-            <a:endParaRPr lang="de-DE" dirty="0"/>
+            <a:fld id="{9D1E2128-C21B-4EB1-981D-3510C88AFE4A}" type="slidenum">
+              <a:rPr lang="de-DE" smtClean="0"/>
+              <a:t>11</a:t>
+            </a:fld>
+            <a:endParaRPr lang="de-DE"/>
           </a:p>
         </p:txBody>
       </p:sp>
@@ -4268,14 +4575,14 @@
         <mc:Choice xmlns:a14="http://schemas.microsoft.com/office/drawing/2010/main" Requires="a14">
           <p:sp>
             <p:nvSpPr>
-              <p:cNvPr id="4" name="TextBox 3"/>
+              <p:cNvPr id="49" name="TextBox 48"/>
               <p:cNvSpPr txBox="1"/>
               <p:nvPr/>
             </p:nvSpPr>
             <p:spPr>
               <a:xfrm>
-                <a:off x="628650" y="2982351"/>
-                <a:ext cx="1758174" cy="707886"/>
+                <a:off x="3337765" y="2069371"/>
+                <a:ext cx="4910299" cy="338554"/>
               </a:xfrm>
               <a:prstGeom prst="rect">
                 <a:avLst/>
@@ -4283,120 +4590,222 @@
               <a:noFill/>
             </p:spPr>
             <p:txBody>
-              <a:bodyPr wrap="none" rtlCol="0">
+              <a:bodyPr wrap="square" rtlCol="0">
                 <a:spAutoFit/>
               </a:bodyPr>
               <a:lstStyle/>
               <a:p>
+                <a14:m>
+                  <m:oMath xmlns:m="http://schemas.openxmlformats.org/officeDocument/2006/math">
+                    <m:sSub>
+                      <m:sSubPr>
+                        <m:ctrlPr>
+                          <a:rPr lang="en-US" sz="1600" b="0" i="1" dirty="0" smtClean="0">
+                            <a:latin typeface="Cambria Math" panose="02040503050406030204" pitchFamily="18" charset="0"/>
+                          </a:rPr>
+                        </m:ctrlPr>
+                      </m:sSubPr>
+                      <m:e>
+                        <m:r>
+                          <a:rPr lang="en-US" sz="1600" b="0" i="1" dirty="0" smtClean="0">
+                            <a:latin typeface="Cambria Math" panose="02040503050406030204" pitchFamily="18" charset="0"/>
+                          </a:rPr>
+                          <m:t>𝑒</m:t>
+                        </m:r>
+                      </m:e>
+                      <m:sub>
+                        <m:r>
+                          <a:rPr lang="en-US" sz="1600" b="0" i="1" dirty="0" smtClean="0">
+                            <a:latin typeface="Cambria Math" panose="02040503050406030204" pitchFamily="18" charset="0"/>
+                          </a:rPr>
+                          <m:t>1</m:t>
+                        </m:r>
+                      </m:sub>
+                    </m:sSub>
+                  </m:oMath>
+                </a14:m>
                 <a:r>
-                  <a:rPr lang="en-US" sz="2000" b="0" dirty="0"/>
-                  <a:t>Hoare logic</a:t>
+                  <a:rPr lang="en-US" sz="1600" dirty="0">
+                    <a:latin typeface="Consolas" panose="020B0609020204030204" pitchFamily="49" charset="0"/>
+                  </a:rPr>
+                  <a:t> := </a:t>
                 </a:r>
-              </a:p>
-              <a:p>
                 <a14:m>
-                  <m:oMathPara xmlns:m="http://schemas.openxmlformats.org/officeDocument/2006/math">
-                    <m:oMathParaPr>
-                      <m:jc m:val="centerGroup"/>
-                    </m:oMathParaPr>
-                    <m:oMath xmlns:m="http://schemas.openxmlformats.org/officeDocument/2006/math">
-                      <m:r>
-                        <a:rPr lang="en-US" sz="2000" b="0" i="1" smtClean="0">
-                          <a:latin typeface="Cambria Math" panose="02040503050406030204" pitchFamily="18" charset="0"/>
-                        </a:rPr>
-                        <m:t>⊢</m:t>
-                      </m:r>
-                      <m:d>
-                        <m:dPr>
-                          <m:begChr m:val="{"/>
-                          <m:endChr m:val="}"/>
-                          <m:ctrlPr>
-                            <a:rPr lang="en-US" sz="2000" b="0" i="1" smtClean="0">
-                              <a:latin typeface="Cambria Math" panose="02040503050406030204" pitchFamily="18" charset="0"/>
-                            </a:rPr>
-                          </m:ctrlPr>
-                        </m:dPr>
-                        <m:e>
-                          <m:sSub>
-                            <m:sSubPr>
-                              <m:ctrlPr>
-                                <a:rPr lang="en-US" sz="2000" b="0" i="1" smtClean="0">
-                                  <a:latin typeface="Cambria Math" panose="02040503050406030204" pitchFamily="18" charset="0"/>
-                                </a:rPr>
-                              </m:ctrlPr>
-                            </m:sSubPr>
-                            <m:e>
-                              <m:r>
-                                <a:rPr lang="en-US" sz="2000" b="0" i="1" smtClean="0">
-                                  <a:latin typeface="Cambria Math" panose="02040503050406030204" pitchFamily="18" charset="0"/>
-                                </a:rPr>
-                                <m:t>𝜙</m:t>
-                              </m:r>
-                            </m:e>
-                            <m:sub>
-                              <m:r>
-                                <a:rPr lang="en-US" sz="2000" b="0" i="1" smtClean="0">
-                                  <a:latin typeface="Cambria Math" panose="02040503050406030204" pitchFamily="18" charset="0"/>
-                                </a:rPr>
-                                <m:t>1</m:t>
-                              </m:r>
-                            </m:sub>
-                          </m:sSub>
-                        </m:e>
-                      </m:d>
-                      <m:r>
-                        <a:rPr lang="en-US" sz="2000" b="0" i="1" smtClean="0">
-                          <a:latin typeface="Cambria Math" panose="02040503050406030204" pitchFamily="18" charset="0"/>
-                        </a:rPr>
-                        <m:t> </m:t>
-                      </m:r>
-                      <m:r>
-                        <a:rPr lang="en-US" sz="2000" b="0" i="1" smtClean="0">
-                          <a:latin typeface="Cambria Math" panose="02040503050406030204" pitchFamily="18" charset="0"/>
-                        </a:rPr>
-                        <m:t>𝑠</m:t>
-                      </m:r>
-                      <m:r>
-                        <a:rPr lang="en-US" sz="2000" b="0" i="1" smtClean="0">
-                          <a:latin typeface="Cambria Math" panose="02040503050406030204" pitchFamily="18" charset="0"/>
-                        </a:rPr>
-                        <m:t> {</m:t>
-                      </m:r>
-                      <m:sSub>
-                        <m:sSubPr>
-                          <m:ctrlPr>
-                            <a:rPr lang="en-US" sz="2000" b="0" i="1" smtClean="0">
-                              <a:latin typeface="Cambria Math" panose="02040503050406030204" pitchFamily="18" charset="0"/>
-                            </a:rPr>
-                          </m:ctrlPr>
-                        </m:sSubPr>
-                        <m:e>
-                          <m:r>
-                            <a:rPr lang="en-US" sz="2000" b="0" i="1" smtClean="0">
-                              <a:latin typeface="Cambria Math" panose="02040503050406030204" pitchFamily="18" charset="0"/>
-                            </a:rPr>
-                            <m:t>𝜙</m:t>
-                          </m:r>
-                        </m:e>
-                        <m:sub>
-                          <m:r>
-                            <a:rPr lang="en-US" sz="2000" b="0" i="1" smtClean="0">
-                              <a:latin typeface="Cambria Math" panose="02040503050406030204" pitchFamily="18" charset="0"/>
-                            </a:rPr>
-                            <m:t>2</m:t>
-                          </m:r>
-                        </m:sub>
-                      </m:sSub>
-                      <m:r>
-                        <a:rPr lang="en-US" sz="2000" b="0" i="1" smtClean="0">
-                          <a:latin typeface="Cambria Math" panose="02040503050406030204" pitchFamily="18" charset="0"/>
-                        </a:rPr>
-                        <m:t>}</m:t>
-                      </m:r>
-                    </m:oMath>
-                  </m:oMathPara>
+                  <m:oMath xmlns:m="http://schemas.openxmlformats.org/officeDocument/2006/math">
+                    <m:sSub>
+                      <m:sSubPr>
+                        <m:ctrlPr>
+                          <a:rPr lang="en-US" sz="1600" b="0" i="1" dirty="0" smtClean="0">
+                            <a:latin typeface="Cambria Math" panose="02040503050406030204" pitchFamily="18" charset="0"/>
+                          </a:rPr>
+                        </m:ctrlPr>
+                      </m:sSubPr>
+                      <m:e>
+                        <m:r>
+                          <a:rPr lang="en-US" sz="1600" i="1" dirty="0" smtClean="0">
+                            <a:latin typeface="Cambria Math" panose="02040503050406030204" pitchFamily="18" charset="0"/>
+                          </a:rPr>
+                          <m:t>𝑒</m:t>
+                        </m:r>
+                      </m:e>
+                      <m:sub>
+                        <m:r>
+                          <a:rPr lang="en-US" sz="1600" b="0" i="1" dirty="0" smtClean="0">
+                            <a:latin typeface="Cambria Math" panose="02040503050406030204" pitchFamily="18" charset="0"/>
+                          </a:rPr>
+                          <m:t>2</m:t>
+                        </m:r>
+                      </m:sub>
+                    </m:sSub>
+                  </m:oMath>
                 </a14:m>
-                <a:endParaRPr lang="de-DE" sz="2000" dirty="0"/>
+                <a:r>
+                  <a:rPr lang="en-US" sz="1600" dirty="0">
+                    <a:latin typeface="Consolas" panose="020B0609020204030204" pitchFamily="49" charset="0"/>
+                  </a:rPr>
+                  <a:t> </a:t>
+                </a:r>
+                <a:r>
+                  <a:rPr lang="en-US" sz="1600" dirty="0">
+                    <a:solidFill>
+                      <a:schemeClr val="bg1">
+                        <a:lumMod val="75000"/>
+                      </a:schemeClr>
+                    </a:solidFill>
+                    <a:latin typeface="Consolas" panose="020B0609020204030204" pitchFamily="49" charset="0"/>
+                  </a:rPr>
+                  <a:t>|</a:t>
+                </a:r>
+                <a:r>
+                  <a:rPr lang="en-US" sz="1600" dirty="0">
+                    <a:latin typeface="Consolas" panose="020B0609020204030204" pitchFamily="49" charset="0"/>
+                  </a:rPr>
+                  <a:t> assert </a:t>
+                </a:r>
+                <a14:m>
+                  <m:oMath xmlns:m="http://schemas.openxmlformats.org/officeDocument/2006/math">
+                    <m:r>
+                      <a:rPr lang="en-US" sz="1600" b="0" i="1" smtClean="0">
+                        <a:latin typeface="Cambria Math" panose="02040503050406030204" pitchFamily="18" charset="0"/>
+                      </a:rPr>
+                      <m:t>𝜙</m:t>
+                    </m:r>
+                  </m:oMath>
+                </a14:m>
+                <a:r>
+                  <a:rPr lang="en-US" sz="1600" dirty="0">
+                    <a:latin typeface="Consolas" panose="020B0609020204030204" pitchFamily="49" charset="0"/>
+                  </a:rPr>
+                  <a:t> </a:t>
+                </a:r>
+                <a:r>
+                  <a:rPr lang="en-US" sz="1600" dirty="0">
+                    <a:solidFill>
+                      <a:schemeClr val="bg1">
+                        <a:lumMod val="75000"/>
+                      </a:schemeClr>
+                    </a:solidFill>
+                    <a:latin typeface="Consolas" panose="020B0609020204030204" pitchFamily="49" charset="0"/>
+                  </a:rPr>
+                  <a:t>|</a:t>
+                </a:r>
+                <a:r>
+                  <a:rPr lang="en-US" sz="1600" dirty="0">
+                    <a:latin typeface="Consolas" panose="020B0609020204030204" pitchFamily="49" charset="0"/>
+                  </a:rPr>
+                  <a:t> … </a:t>
+                </a:r>
+                <a:r>
+                  <a:rPr lang="en-US" sz="1600" dirty="0">
+                    <a:solidFill>
+                      <a:schemeClr val="bg1">
+                        <a:lumMod val="75000"/>
+                      </a:schemeClr>
+                    </a:solidFill>
+                    <a:latin typeface="Consolas" panose="020B0609020204030204" pitchFamily="49" charset="0"/>
+                  </a:rPr>
+                  <a:t>|</a:t>
+                </a:r>
+                <a:r>
+                  <a:rPr lang="en-US" sz="1600" dirty="0">
+                    <a:latin typeface="Consolas" panose="020B0609020204030204" pitchFamily="49" charset="0"/>
+                  </a:rPr>
+                  <a:t> </a:t>
+                </a:r>
+                <a14:m>
+                  <m:oMath xmlns:m="http://schemas.openxmlformats.org/officeDocument/2006/math">
+                    <m:sSub>
+                      <m:sSubPr>
+                        <m:ctrlPr>
+                          <a:rPr lang="en-US" sz="1600" b="0" i="1" dirty="0" smtClean="0">
+                            <a:latin typeface="Cambria Math" panose="02040503050406030204" pitchFamily="18" charset="0"/>
+                          </a:rPr>
+                        </m:ctrlPr>
+                      </m:sSubPr>
+                      <m:e>
+                        <m:r>
+                          <a:rPr lang="en-US" sz="1600" i="1" dirty="0" smtClean="0">
+                            <a:latin typeface="Cambria Math" panose="02040503050406030204" pitchFamily="18" charset="0"/>
+                          </a:rPr>
+                          <m:t>𝑠</m:t>
+                        </m:r>
+                      </m:e>
+                      <m:sub>
+                        <m:r>
+                          <a:rPr lang="en-US" sz="1600" i="1" dirty="0" smtClean="0">
+                            <a:latin typeface="Cambria Math" panose="02040503050406030204" pitchFamily="18" charset="0"/>
+                          </a:rPr>
+                          <m:t>1</m:t>
+                        </m:r>
+                      </m:sub>
+                    </m:sSub>
+                  </m:oMath>
+                </a14:m>
+                <a:r>
+                  <a:rPr lang="en-US" sz="1600" dirty="0">
+                    <a:latin typeface="Consolas" panose="020B0609020204030204" pitchFamily="49" charset="0"/>
+                  </a:rPr>
+                  <a:t>;</a:t>
+                </a:r>
+                <a:r>
+                  <a:rPr lang="en-US" sz="1600" dirty="0"/>
+                  <a:t> </a:t>
+                </a:r>
+                <a14:m>
+                  <m:oMath xmlns:m="http://schemas.openxmlformats.org/officeDocument/2006/math">
+                    <m:sSub>
+                      <m:sSubPr>
+                        <m:ctrlPr>
+                          <a:rPr lang="en-US" sz="1600" b="0" i="0" dirty="0" smtClean="0">
+                            <a:latin typeface="Cambria Math" panose="02040503050406030204" pitchFamily="18" charset="0"/>
+                          </a:rPr>
+                        </m:ctrlPr>
+                      </m:sSubPr>
+                      <m:e>
+                        <m:r>
+                          <m:rPr>
+                            <m:sty m:val="p"/>
+                          </m:rPr>
+                          <a:rPr lang="en-US" sz="1600" b="0" i="0" dirty="0" smtClean="0">
+                            <a:latin typeface="Cambria Math" panose="02040503050406030204" pitchFamily="18" charset="0"/>
+                          </a:rPr>
+                          <m:t>s</m:t>
+                        </m:r>
+                      </m:e>
+                      <m:sub>
+                        <m:r>
+                          <a:rPr lang="en-US" sz="1600" b="0" i="1" dirty="0" smtClean="0">
+                            <a:latin typeface="Cambria Math" panose="02040503050406030204" pitchFamily="18" charset="0"/>
+                          </a:rPr>
+                          <m:t>2</m:t>
+                        </m:r>
+                      </m:sub>
+                    </m:sSub>
+                  </m:oMath>
+                </a14:m>
+                <a:endParaRPr lang="de-DE" sz="1600" dirty="0">
+                  <a:latin typeface="Consolas" panose="020B0609020204030204" pitchFamily="49" charset="0"/>
+                </a:endParaRPr>
               </a:p>
             </p:txBody>
           </p:sp>
@@ -4404,7 +4813,7 @@
         <mc:Fallback>
           <p:sp>
             <p:nvSpPr>
-              <p:cNvPr id="4" name="TextBox 3"/>
+              <p:cNvPr id="49" name="TextBox 48"/>
               <p:cNvSpPr txBox="1">
                 <a:spLocks noRot="1" noChangeAspect="1" noMove="1" noResize="1" noEditPoints="1" noAdjustHandles="1" noChangeArrowheads="1" noChangeShapeType="1" noTextEdit="1"/>
               </p:cNvSpPr>
@@ -4412,16 +4821,544 @@
             </p:nvSpPr>
             <p:spPr>
               <a:xfrm>
-                <a:off x="628650" y="2982351"/>
-                <a:ext cx="1758174" cy="707886"/>
+                <a:off x="3337765" y="2069371"/>
+                <a:ext cx="4910299" cy="338554"/>
               </a:xfrm>
               <a:prstGeom prst="rect">
                 <a:avLst/>
               </a:prstGeom>
               <a:blipFill>
-                <a:blip r:embed="rId2"/>
+                <a:blip r:embed="rId3"/>
                 <a:stretch>
-                  <a:fillRect l="-3460" t="-4310" b="-8621"/>
+                  <a:fillRect t="-7143" b="-19643"/>
+                </a:stretch>
+              </a:blipFill>
+            </p:spPr>
+            <p:txBody>
+              <a:bodyPr/>
+              <a:lstStyle/>
+              <a:p>
+                <a:r>
+                  <a:rPr lang="de-DE">
+                    <a:noFill/>
+                  </a:rPr>
+                  <a:t> </a:t>
+                </a:r>
+              </a:p>
+            </p:txBody>
+          </p:sp>
+        </mc:Fallback>
+      </mc:AlternateContent>
+      <mc:AlternateContent xmlns:mc="http://schemas.openxmlformats.org/markup-compatibility/2006">
+        <mc:Choice xmlns:a14="http://schemas.microsoft.com/office/drawing/2010/main" Requires="a14">
+          <p:sp>
+            <p:nvSpPr>
+              <p:cNvPr id="50" name="TextBox 49"/>
+              <p:cNvSpPr txBox="1"/>
+              <p:nvPr/>
+            </p:nvSpPr>
+            <p:spPr>
+              <a:xfrm>
+                <a:off x="3337765" y="2492422"/>
+                <a:ext cx="5820302" cy="338554"/>
+              </a:xfrm>
+              <a:prstGeom prst="rect">
+                <a:avLst/>
+              </a:prstGeom>
+              <a:noFill/>
+            </p:spPr>
+            <p:txBody>
+              <a:bodyPr wrap="square" rtlCol="0">
+                <a:spAutoFit/>
+              </a:bodyPr>
+              <a:lstStyle/>
+              <a:p>
+                <a:r>
+                  <a:rPr lang="en-US" sz="1600" dirty="0">
+                    <a:latin typeface="Consolas" panose="020B0609020204030204" pitchFamily="49" charset="0"/>
+                  </a:rPr>
+                  <a:t>true </a:t>
+                </a:r>
+                <a:r>
+                  <a:rPr lang="en-US" sz="1600" dirty="0">
+                    <a:solidFill>
+                      <a:schemeClr val="bg1">
+                        <a:lumMod val="75000"/>
+                      </a:schemeClr>
+                    </a:solidFill>
+                    <a:latin typeface="Consolas" panose="020B0609020204030204" pitchFamily="49" charset="0"/>
+                  </a:rPr>
+                  <a:t>| </a:t>
+                </a:r>
+                <a:r>
+                  <a:rPr lang="en-US" sz="1600" dirty="0">
+                    <a:latin typeface="Consolas" panose="020B0609020204030204" pitchFamily="49" charset="0"/>
+                  </a:rPr>
+                  <a:t>(</a:t>
+                </a:r>
+                <a14:m>
+                  <m:oMath xmlns:m="http://schemas.openxmlformats.org/officeDocument/2006/math">
+                    <m:sSub>
+                      <m:sSubPr>
+                        <m:ctrlPr>
+                          <a:rPr lang="en-US" sz="1600" i="1" dirty="0" smtClean="0">
+                            <a:latin typeface="Cambria Math" panose="02040503050406030204" pitchFamily="18" charset="0"/>
+                          </a:rPr>
+                        </m:ctrlPr>
+                      </m:sSubPr>
+                      <m:e>
+                        <m:r>
+                          <a:rPr lang="en-US" sz="1600" i="1" dirty="0" smtClean="0">
+                            <a:latin typeface="Cambria Math" panose="02040503050406030204" pitchFamily="18" charset="0"/>
+                          </a:rPr>
+                          <m:t>𝑒</m:t>
+                        </m:r>
+                      </m:e>
+                      <m:sub>
+                        <m:r>
+                          <a:rPr lang="en-US" sz="1600" i="1" dirty="0" smtClean="0">
+                            <a:latin typeface="Cambria Math" panose="02040503050406030204" pitchFamily="18" charset="0"/>
+                          </a:rPr>
+                          <m:t>1</m:t>
+                        </m:r>
+                      </m:sub>
+                    </m:sSub>
+                  </m:oMath>
+                </a14:m>
+                <a:r>
+                  <a:rPr lang="en-US" sz="1600" dirty="0">
+                    <a:latin typeface="Consolas" panose="020B0609020204030204" pitchFamily="49" charset="0"/>
+                  </a:rPr>
+                  <a:t> = </a:t>
+                </a:r>
+                <a14:m>
+                  <m:oMath xmlns:m="http://schemas.openxmlformats.org/officeDocument/2006/math">
+                    <m:sSub>
+                      <m:sSubPr>
+                        <m:ctrlPr>
+                          <a:rPr lang="en-US" sz="1600" i="1" dirty="0" smtClean="0">
+                            <a:latin typeface="Cambria Math" panose="02040503050406030204" pitchFamily="18" charset="0"/>
+                          </a:rPr>
+                        </m:ctrlPr>
+                      </m:sSubPr>
+                      <m:e>
+                        <m:r>
+                          <a:rPr lang="en-US" sz="1600" i="1" dirty="0" smtClean="0">
+                            <a:latin typeface="Cambria Math" panose="02040503050406030204" pitchFamily="18" charset="0"/>
+                          </a:rPr>
+                          <m:t>𝑒</m:t>
+                        </m:r>
+                      </m:e>
+                      <m:sub>
+                        <m:r>
+                          <a:rPr lang="en-US" sz="1600" i="1" dirty="0" smtClean="0">
+                            <a:latin typeface="Cambria Math" panose="02040503050406030204" pitchFamily="18" charset="0"/>
+                          </a:rPr>
+                          <m:t>2</m:t>
+                        </m:r>
+                      </m:sub>
+                    </m:sSub>
+                  </m:oMath>
+                </a14:m>
+                <a:r>
+                  <a:rPr lang="en-US" sz="1600" dirty="0">
+                    <a:latin typeface="Consolas" panose="020B0609020204030204" pitchFamily="49" charset="0"/>
+                  </a:rPr>
+                  <a:t>) </a:t>
+                </a:r>
+                <a:r>
+                  <a:rPr lang="en-US" sz="1600" dirty="0">
+                    <a:solidFill>
+                      <a:schemeClr val="bg1">
+                        <a:lumMod val="75000"/>
+                      </a:schemeClr>
+                    </a:solidFill>
+                    <a:latin typeface="Consolas" panose="020B0609020204030204" pitchFamily="49" charset="0"/>
+                  </a:rPr>
+                  <a:t>|</a:t>
+                </a:r>
+                <a:r>
+                  <a:rPr lang="en-US" sz="1600" dirty="0">
+                    <a:latin typeface="Consolas" panose="020B0609020204030204" pitchFamily="49" charset="0"/>
+                  </a:rPr>
+                  <a:t> (</a:t>
+                </a:r>
+                <a14:m>
+                  <m:oMath xmlns:m="http://schemas.openxmlformats.org/officeDocument/2006/math">
+                    <m:sSub>
+                      <m:sSubPr>
+                        <m:ctrlPr>
+                          <a:rPr lang="en-US" sz="1600" i="1" dirty="0" smtClean="0">
+                            <a:latin typeface="Cambria Math" panose="02040503050406030204" pitchFamily="18" charset="0"/>
+                          </a:rPr>
+                        </m:ctrlPr>
+                      </m:sSubPr>
+                      <m:e>
+                        <m:r>
+                          <a:rPr lang="en-US" sz="1600" i="1" dirty="0" smtClean="0">
+                            <a:latin typeface="Cambria Math" panose="02040503050406030204" pitchFamily="18" charset="0"/>
+                          </a:rPr>
+                          <m:t>𝑒</m:t>
+                        </m:r>
+                      </m:e>
+                      <m:sub>
+                        <m:r>
+                          <a:rPr lang="en-US" sz="1600" i="1" dirty="0" smtClean="0">
+                            <a:latin typeface="Cambria Math" panose="02040503050406030204" pitchFamily="18" charset="0"/>
+                          </a:rPr>
+                          <m:t>1</m:t>
+                        </m:r>
+                      </m:sub>
+                    </m:sSub>
+                  </m:oMath>
+                </a14:m>
+                <a:r>
+                  <a:rPr lang="en-US" sz="1600" dirty="0">
+                    <a:latin typeface="Consolas" panose="020B0609020204030204" pitchFamily="49" charset="0"/>
+                  </a:rPr>
+                  <a:t> </a:t>
+                </a:r>
+                <a:r>
+                  <a:rPr lang="de-DE" sz="1600" dirty="0">
+                    <a:latin typeface="Consolas" panose="020B0609020204030204" pitchFamily="49" charset="0"/>
+                  </a:rPr>
+                  <a:t>≠</a:t>
+                </a:r>
+                <a:r>
+                  <a:rPr lang="en-US" sz="1600" dirty="0">
+                    <a:latin typeface="Consolas" panose="020B0609020204030204" pitchFamily="49" charset="0"/>
+                  </a:rPr>
+                  <a:t> </a:t>
+                </a:r>
+                <a14:m>
+                  <m:oMath xmlns:m="http://schemas.openxmlformats.org/officeDocument/2006/math">
+                    <m:sSub>
+                      <m:sSubPr>
+                        <m:ctrlPr>
+                          <a:rPr lang="en-US" sz="1600" i="1" dirty="0" smtClean="0">
+                            <a:latin typeface="Cambria Math" panose="02040503050406030204" pitchFamily="18" charset="0"/>
+                          </a:rPr>
+                        </m:ctrlPr>
+                      </m:sSubPr>
+                      <m:e>
+                        <m:r>
+                          <a:rPr lang="en-US" sz="1600" i="1" dirty="0" smtClean="0">
+                            <a:latin typeface="Cambria Math" panose="02040503050406030204" pitchFamily="18" charset="0"/>
+                          </a:rPr>
+                          <m:t>𝑒</m:t>
+                        </m:r>
+                      </m:e>
+                      <m:sub>
+                        <m:r>
+                          <a:rPr lang="en-US" sz="1600" i="1" dirty="0" smtClean="0">
+                            <a:latin typeface="Cambria Math" panose="02040503050406030204" pitchFamily="18" charset="0"/>
+                          </a:rPr>
+                          <m:t>2</m:t>
+                        </m:r>
+                      </m:sub>
+                    </m:sSub>
+                  </m:oMath>
+                </a14:m>
+                <a:r>
+                  <a:rPr lang="en-US" sz="1600" dirty="0">
+                    <a:latin typeface="Consolas" panose="020B0609020204030204" pitchFamily="49" charset="0"/>
+                  </a:rPr>
+                  <a:t>) </a:t>
+                </a:r>
+                <a:r>
+                  <a:rPr lang="en-US" sz="1600" dirty="0">
+                    <a:solidFill>
+                      <a:schemeClr val="bg1">
+                        <a:lumMod val="75000"/>
+                      </a:schemeClr>
+                    </a:solidFill>
+                    <a:latin typeface="Consolas" panose="020B0609020204030204" pitchFamily="49" charset="0"/>
+                  </a:rPr>
+                  <a:t>|</a:t>
+                </a:r>
+                <a:r>
+                  <a:rPr lang="en-US" sz="1600" dirty="0">
+                    <a:latin typeface="Consolas" panose="020B0609020204030204" pitchFamily="49" charset="0"/>
+                  </a:rPr>
+                  <a:t> </a:t>
+                </a:r>
+                <a:r>
+                  <a:rPr lang="en-US" sz="1600" dirty="0" err="1">
+                    <a:latin typeface="Consolas" panose="020B0609020204030204" pitchFamily="49" charset="0"/>
+                  </a:rPr>
+                  <a:t>acc</a:t>
+                </a:r>
+                <a:r>
+                  <a:rPr lang="en-US" sz="1600" dirty="0">
+                    <a:latin typeface="Consolas" panose="020B0609020204030204" pitchFamily="49" charset="0"/>
+                  </a:rPr>
+                  <a:t>(</a:t>
+                </a:r>
+                <a14:m>
+                  <m:oMath xmlns:m="http://schemas.openxmlformats.org/officeDocument/2006/math">
+                    <m:r>
+                      <a:rPr lang="en-US" sz="1600" i="1" dirty="0" smtClean="0">
+                        <a:latin typeface="Cambria Math" panose="02040503050406030204" pitchFamily="18" charset="0"/>
+                      </a:rPr>
+                      <m:t>𝑒</m:t>
+                    </m:r>
+                  </m:oMath>
+                </a14:m>
+                <a:r>
+                  <a:rPr lang="en-US" sz="1600" dirty="0" err="1">
+                    <a:latin typeface="Consolas" panose="020B0609020204030204" pitchFamily="49" charset="0"/>
+                  </a:rPr>
+                  <a:t>.</a:t>
+                </a:r>
+                <a14:m>
+                  <m:oMath xmlns:m="http://schemas.openxmlformats.org/officeDocument/2006/math">
+                    <m:r>
+                      <a:rPr lang="en-US" sz="1600" i="1" dirty="0" smtClean="0">
+                        <a:latin typeface="Cambria Math" panose="02040503050406030204" pitchFamily="18" charset="0"/>
+                      </a:rPr>
+                      <m:t>𝑓</m:t>
+                    </m:r>
+                  </m:oMath>
+                </a14:m>
+                <a:r>
+                  <a:rPr lang="en-US" sz="1600" dirty="0">
+                    <a:latin typeface="Consolas" panose="020B0609020204030204" pitchFamily="49" charset="0"/>
+                  </a:rPr>
+                  <a:t>) </a:t>
+                </a:r>
+                <a:r>
+                  <a:rPr lang="en-US" sz="1600" dirty="0">
+                    <a:solidFill>
+                      <a:schemeClr val="bg1">
+                        <a:lumMod val="75000"/>
+                      </a:schemeClr>
+                    </a:solidFill>
+                    <a:latin typeface="Consolas" panose="020B0609020204030204" pitchFamily="49" charset="0"/>
+                  </a:rPr>
+                  <a:t>|</a:t>
+                </a:r>
+                <a:r>
+                  <a:rPr lang="en-US" sz="1600" dirty="0">
+                    <a:latin typeface="Consolas" panose="020B0609020204030204" pitchFamily="49" charset="0"/>
+                  </a:rPr>
+                  <a:t> </a:t>
+                </a:r>
+                <a14:m>
+                  <m:oMath xmlns:m="http://schemas.openxmlformats.org/officeDocument/2006/math">
+                    <m:sSub>
+                      <m:sSubPr>
+                        <m:ctrlPr>
+                          <a:rPr lang="en-US" sz="1600" i="1" dirty="0" smtClean="0">
+                            <a:latin typeface="Cambria Math" panose="02040503050406030204" pitchFamily="18" charset="0"/>
+                          </a:rPr>
+                        </m:ctrlPr>
+                      </m:sSubPr>
+                      <m:e>
+                        <m:r>
+                          <a:rPr lang="en-US" sz="1600" b="0" i="1" dirty="0" smtClean="0">
+                            <a:latin typeface="Cambria Math" panose="02040503050406030204" pitchFamily="18" charset="0"/>
+                          </a:rPr>
+                          <m:t>𝜙</m:t>
+                        </m:r>
+                      </m:e>
+                      <m:sub>
+                        <m:r>
+                          <a:rPr lang="en-US" sz="1600" i="1" dirty="0" smtClean="0">
+                            <a:latin typeface="Cambria Math" panose="02040503050406030204" pitchFamily="18" charset="0"/>
+                          </a:rPr>
+                          <m:t>1</m:t>
+                        </m:r>
+                      </m:sub>
+                    </m:sSub>
+                    <m:r>
+                      <a:rPr lang="en-US" sz="1600" b="0" i="1" dirty="0" smtClean="0">
+                        <a:latin typeface="Cambria Math" panose="02040503050406030204" pitchFamily="18" charset="0"/>
+                      </a:rPr>
+                      <m:t> </m:t>
+                    </m:r>
+                  </m:oMath>
+                </a14:m>
+                <a:r>
+                  <a:rPr lang="en-US" sz="1600" dirty="0">
+                    <a:latin typeface="Consolas" panose="020B0609020204030204" pitchFamily="49" charset="0"/>
+                  </a:rPr>
+                  <a:t>*</a:t>
+                </a:r>
+                <a14:m>
+                  <m:oMath xmlns:m="http://schemas.openxmlformats.org/officeDocument/2006/math">
+                    <m:sSub>
+                      <m:sSubPr>
+                        <m:ctrlPr>
+                          <a:rPr lang="en-US" sz="1600" i="1" dirty="0" smtClean="0">
+                            <a:latin typeface="Cambria Math" panose="02040503050406030204" pitchFamily="18" charset="0"/>
+                          </a:rPr>
+                        </m:ctrlPr>
+                      </m:sSubPr>
+                      <m:e>
+                        <m:r>
+                          <a:rPr lang="en-US" sz="1600" b="0" i="1" dirty="0" smtClean="0">
+                            <a:latin typeface="Cambria Math" panose="02040503050406030204" pitchFamily="18" charset="0"/>
+                          </a:rPr>
+                          <m:t>  </m:t>
+                        </m:r>
+                        <m:r>
+                          <a:rPr lang="en-US" sz="1600" i="1" dirty="0" smtClean="0">
+                            <a:latin typeface="Cambria Math" panose="02040503050406030204" pitchFamily="18" charset="0"/>
+                          </a:rPr>
+                          <m:t>𝜙</m:t>
+                        </m:r>
+                      </m:e>
+                      <m:sub>
+                        <m:r>
+                          <a:rPr lang="en-US" sz="1600" i="1" dirty="0" smtClean="0">
+                            <a:latin typeface="Cambria Math" panose="02040503050406030204" pitchFamily="18" charset="0"/>
+                          </a:rPr>
+                          <m:t>2</m:t>
+                        </m:r>
+                      </m:sub>
+                    </m:sSub>
+                  </m:oMath>
+                </a14:m>
+                <a:endParaRPr lang="de-DE" sz="1600" dirty="0">
+                  <a:latin typeface="Consolas" panose="020B0609020204030204" pitchFamily="49" charset="0"/>
+                </a:endParaRPr>
+              </a:p>
+            </p:txBody>
+          </p:sp>
+        </mc:Choice>
+        <mc:Fallback>
+          <p:sp>
+            <p:nvSpPr>
+              <p:cNvPr id="50" name="TextBox 49"/>
+              <p:cNvSpPr txBox="1">
+                <a:spLocks noRot="1" noChangeAspect="1" noMove="1" noResize="1" noEditPoints="1" noAdjustHandles="1" noChangeArrowheads="1" noChangeShapeType="1" noTextEdit="1"/>
+              </p:cNvSpPr>
+              <p:nvPr/>
+            </p:nvSpPr>
+            <p:spPr>
+              <a:xfrm>
+                <a:off x="3337765" y="2492422"/>
+                <a:ext cx="5820302" cy="338554"/>
+              </a:xfrm>
+              <a:prstGeom prst="rect">
+                <a:avLst/>
+              </a:prstGeom>
+              <a:blipFill>
+                <a:blip r:embed="rId4"/>
+                <a:stretch>
+                  <a:fillRect l="-629" t="-7273" b="-21818"/>
+                </a:stretch>
+              </a:blipFill>
+            </p:spPr>
+            <p:txBody>
+              <a:bodyPr/>
+              <a:lstStyle/>
+              <a:p>
+                <a:r>
+                  <a:rPr lang="de-DE">
+                    <a:noFill/>
+                  </a:rPr>
+                  <a:t> </a:t>
+                </a:r>
+              </a:p>
+            </p:txBody>
+          </p:sp>
+        </mc:Fallback>
+      </mc:AlternateContent>
+      <mc:AlternateContent xmlns:mc="http://schemas.openxmlformats.org/markup-compatibility/2006">
+        <mc:Choice xmlns:a14="http://schemas.microsoft.com/office/drawing/2010/main" Requires="a14">
+          <p:sp>
+            <p:nvSpPr>
+              <p:cNvPr id="51" name="TextBox 50"/>
+              <p:cNvSpPr txBox="1"/>
+              <p:nvPr/>
+            </p:nvSpPr>
+            <p:spPr>
+              <a:xfrm>
+                <a:off x="3733317" y="3726114"/>
+                <a:ext cx="4514747" cy="400110"/>
+              </a:xfrm>
+              <a:prstGeom prst="rect">
+                <a:avLst/>
+              </a:prstGeom>
+              <a:noFill/>
+            </p:spPr>
+            <p:txBody>
+              <a:bodyPr wrap="square" rtlCol="0">
+                <a:spAutoFit/>
+              </a:bodyPr>
+              <a:lstStyle/>
+              <a:p>
+                <a14:m>
+                  <m:oMath xmlns:m="http://schemas.openxmlformats.org/officeDocument/2006/math">
+                    <m:r>
+                      <a:rPr lang="en-US" sz="2000" b="0" i="1" smtClean="0"/>
+                      <m:t>=</m:t>
+                    </m:r>
+                  </m:oMath>
+                </a14:m>
+                <a:r>
+                  <a:rPr lang="de-DE" sz="2000" dirty="0"/>
+                  <a:t> </a:t>
+                </a:r>
+                <a:r>
+                  <a:rPr lang="de-DE" sz="2000" cap="small" dirty="0">
+                    <a:latin typeface="Cambria Math" panose="02040503050406030204" pitchFamily="18" charset="0"/>
+                    <a:ea typeface="Cambria Math" panose="02040503050406030204" pitchFamily="18" charset="0"/>
+                  </a:rPr>
+                  <a:t>Heap </a:t>
+                </a:r>
+                <a14:m>
+                  <m:oMath xmlns:m="http://schemas.openxmlformats.org/officeDocument/2006/math">
+                    <m:r>
+                      <a:rPr lang="en-US" sz="2000" b="0" i="1" cap="small" smtClean="0">
+                        <a:latin typeface="Cambria Math" panose="02040503050406030204" pitchFamily="18" charset="0"/>
+                        <a:ea typeface="Cambria Math" panose="02040503050406030204" pitchFamily="18" charset="0"/>
+                      </a:rPr>
+                      <m:t>×</m:t>
+                    </m:r>
+                  </m:oMath>
+                </a14:m>
+                <a:r>
+                  <a:rPr lang="de-DE" sz="2000" dirty="0"/>
+                  <a:t> </a:t>
+                </a:r>
+                <a:r>
+                  <a:rPr lang="de-DE" sz="2000" cap="small" dirty="0">
+                    <a:latin typeface="Cambria Math" panose="02040503050406030204" pitchFamily="18" charset="0"/>
+                    <a:ea typeface="Cambria Math" panose="02040503050406030204" pitchFamily="18" charset="0"/>
+                  </a:rPr>
+                  <a:t>Stack</a:t>
+                </a:r>
+                <a:r>
+                  <a:rPr lang="de-DE" sz="2000" dirty="0"/>
+                  <a:t> </a:t>
+                </a:r>
+              </a:p>
+            </p:txBody>
+          </p:sp>
+        </mc:Choice>
+        <mc:Fallback>
+          <p:sp>
+            <p:nvSpPr>
+              <p:cNvPr id="51" name="TextBox 50"/>
+              <p:cNvSpPr txBox="1">
+                <a:spLocks noRot="1" noChangeAspect="1" noMove="1" noResize="1" noEditPoints="1" noAdjustHandles="1" noChangeArrowheads="1" noChangeShapeType="1" noTextEdit="1"/>
+              </p:cNvSpPr>
+              <p:nvPr/>
+            </p:nvSpPr>
+            <p:spPr>
+              <a:xfrm>
+                <a:off x="3733317" y="3726114"/>
+                <a:ext cx="4514747" cy="400110"/>
+              </a:xfrm>
+              <a:prstGeom prst="rect">
+                <a:avLst/>
+              </a:prstGeom>
+              <a:blipFill>
+                <a:blip r:embed="rId5"/>
+                <a:stretch>
+                  <a:fillRect t="-10606" b="-22727"/>
                 </a:stretch>
               </a:blipFill>
             </p:spPr>
@@ -4453,6 +5390,101 @@
 </p:sld>
 </file>
 
+<file path=ppt/slides/slide12.xml><?xml version="1.0" encoding="utf-8"?>
+<p:sld xmlns:a="http://schemas.openxmlformats.org/drawingml/2006/main" xmlns:r="http://schemas.openxmlformats.org/officeDocument/2006/relationships" xmlns:p="http://schemas.openxmlformats.org/presentationml/2006/main">
+  <p:cSld>
+    <p:spTree>
+      <p:nvGrpSpPr>
+        <p:cNvPr id="1" name=""/>
+        <p:cNvGrpSpPr/>
+        <p:nvPr/>
+      </p:nvGrpSpPr>
+      <p:grpSpPr>
+        <a:xfrm>
+          <a:off x="0" y="0"/>
+          <a:ext cx="0" cy="0"/>
+          <a:chOff x="0" y="0"/>
+          <a:chExt cx="0" cy="0"/>
+        </a:xfrm>
+      </p:grpSpPr>
+      <p:sp>
+        <p:nvSpPr>
+          <p:cNvPr id="2" name="Title 1"/>
+          <p:cNvSpPr>
+            <a:spLocks noGrp="1"/>
+          </p:cNvSpPr>
+          <p:nvPr>
+            <p:ph type="title"/>
+          </p:nvPr>
+        </p:nvSpPr>
+        <p:spPr/>
+        <p:txBody>
+          <a:bodyPr/>
+          <a:lstStyle/>
+          <a:p>
+            <a:r>
+              <a:rPr lang="en-US" dirty="0"/>
+              <a:t>Abstract Interpretation</a:t>
+            </a:r>
+            <a:endParaRPr lang="de-DE" dirty="0"/>
+          </a:p>
+        </p:txBody>
+      </p:sp>
+      <p:sp>
+        <p:nvSpPr>
+          <p:cNvPr id="3" name="Content Placeholder 2"/>
+          <p:cNvSpPr>
+            <a:spLocks noGrp="1"/>
+          </p:cNvSpPr>
+          <p:nvPr>
+            <p:ph idx="1"/>
+          </p:nvPr>
+        </p:nvSpPr>
+        <p:spPr/>
+        <p:txBody>
+          <a:bodyPr/>
+          <a:lstStyle/>
+          <a:p>
+            <a:endParaRPr lang="de-DE" dirty="0"/>
+          </a:p>
+        </p:txBody>
+      </p:sp>
+      <p:sp>
+        <p:nvSpPr>
+          <p:cNvPr id="4" name="Slide Number Placeholder 3"/>
+          <p:cNvSpPr>
+            <a:spLocks noGrp="1"/>
+          </p:cNvSpPr>
+          <p:nvPr>
+            <p:ph type="sldNum" sz="quarter" idx="12"/>
+          </p:nvPr>
+        </p:nvSpPr>
+        <p:spPr/>
+        <p:txBody>
+          <a:bodyPr/>
+          <a:lstStyle/>
+          <a:p>
+            <a:fld id="{9D1E2128-C21B-4EB1-981D-3510C88AFE4A}" type="slidenum">
+              <a:rPr lang="de-DE" smtClean="0"/>
+              <a:t>12</a:t>
+            </a:fld>
+            <a:endParaRPr lang="de-DE"/>
+          </a:p>
+        </p:txBody>
+      </p:sp>
+    </p:spTree>
+    <p:extLst>
+      <p:ext uri="{BB962C8B-B14F-4D97-AF65-F5344CB8AC3E}">
+        <p14:creationId xmlns:p14="http://schemas.microsoft.com/office/powerpoint/2010/main" val="3889425836"/>
+      </p:ext>
+    </p:extLst>
+  </p:cSld>
+  <p:clrMapOvr>
+    <a:masterClrMapping/>
+  </p:clrMapOvr>
+</p:sld>
+</file>
+
 <file path=ppt/slides/slide2.xml><?xml version="1.0" encoding="utf-8"?>
 <p:sld xmlns:a="http://schemas.openxmlformats.org/drawingml/2006/main" xmlns:r="http://schemas.openxmlformats.org/officeDocument/2006/relationships" xmlns:p="http://schemas.openxmlformats.org/presentationml/2006/main">
   <p:cSld>
@@ -4685,6 +5717,29 @@
             <a:endParaRPr lang="de-DE" sz="2000" dirty="0">
               <a:latin typeface="Consolas" panose="020B0609020204030204" pitchFamily="49" charset="0"/>
             </a:endParaRPr>
+          </a:p>
+        </p:txBody>
+      </p:sp>
+      <p:sp>
+        <p:nvSpPr>
+          <p:cNvPr id="5" name="Slide Number Placeholder 4"/>
+          <p:cNvSpPr>
+            <a:spLocks noGrp="1"/>
+          </p:cNvSpPr>
+          <p:nvPr>
+            <p:ph type="sldNum" sz="quarter" idx="12"/>
+          </p:nvPr>
+        </p:nvSpPr>
+        <p:spPr/>
+        <p:txBody>
+          <a:bodyPr/>
+          <a:lstStyle/>
+          <a:p>
+            <a:fld id="{9D1E2128-C21B-4EB1-981D-3510C88AFE4A}" type="slidenum">
+              <a:rPr lang="de-DE" smtClean="0"/>
+              <a:t>2</a:t>
+            </a:fld>
+            <a:endParaRPr lang="de-DE"/>
           </a:p>
         </p:txBody>
       </p:sp>
@@ -5147,6 +6202,29 @@
             <a:endParaRPr lang="de-DE" sz="2000" dirty="0">
               <a:latin typeface="Consolas" panose="020B0609020204030204" pitchFamily="49" charset="0"/>
             </a:endParaRPr>
+          </a:p>
+        </p:txBody>
+      </p:sp>
+      <p:sp>
+        <p:nvSpPr>
+          <p:cNvPr id="9" name="Slide Number Placeholder 8"/>
+          <p:cNvSpPr>
+            <a:spLocks noGrp="1"/>
+          </p:cNvSpPr>
+          <p:nvPr>
+            <p:ph type="sldNum" sz="quarter" idx="12"/>
+          </p:nvPr>
+        </p:nvSpPr>
+        <p:spPr/>
+        <p:txBody>
+          <a:bodyPr/>
+          <a:lstStyle/>
+          <a:p>
+            <a:fld id="{9D1E2128-C21B-4EB1-981D-3510C88AFE4A}" type="slidenum">
+              <a:rPr lang="de-DE" smtClean="0"/>
+              <a:t>3</a:t>
+            </a:fld>
+            <a:endParaRPr lang="de-DE"/>
           </a:p>
         </p:txBody>
       </p:sp>
@@ -5639,6 +6717,29 @@
           </a:p>
         </p:txBody>
       </p:sp>
+      <p:sp>
+        <p:nvSpPr>
+          <p:cNvPr id="10" name="Slide Number Placeholder 9"/>
+          <p:cNvSpPr>
+            <a:spLocks noGrp="1"/>
+          </p:cNvSpPr>
+          <p:nvPr>
+            <p:ph type="sldNum" sz="quarter" idx="12"/>
+          </p:nvPr>
+        </p:nvSpPr>
+        <p:spPr/>
+        <p:txBody>
+          <a:bodyPr/>
+          <a:lstStyle/>
+          <a:p>
+            <a:fld id="{9D1E2128-C21B-4EB1-981D-3510C88AFE4A}" type="slidenum">
+              <a:rPr lang="de-DE" smtClean="0"/>
+              <a:t>4</a:t>
+            </a:fld>
+            <a:endParaRPr lang="de-DE"/>
+          </a:p>
+        </p:txBody>
+      </p:sp>
     </p:spTree>
     <p:extLst>
       <p:ext uri="{BB962C8B-B14F-4D97-AF65-F5344CB8AC3E}">
@@ -6095,6 +7196,29 @@
             <a:endParaRPr lang="de-DE" sz="2000" dirty="0">
               <a:latin typeface="Consolas" panose="020B0609020204030204" pitchFamily="49" charset="0"/>
             </a:endParaRPr>
+          </a:p>
+        </p:txBody>
+      </p:sp>
+      <p:sp>
+        <p:nvSpPr>
+          <p:cNvPr id="6" name="Slide Number Placeholder 5"/>
+          <p:cNvSpPr>
+            <a:spLocks noGrp="1"/>
+          </p:cNvSpPr>
+          <p:nvPr>
+            <p:ph type="sldNum" sz="quarter" idx="12"/>
+          </p:nvPr>
+        </p:nvSpPr>
+        <p:spPr/>
+        <p:txBody>
+          <a:bodyPr/>
+          <a:lstStyle/>
+          <a:p>
+            <a:fld id="{9D1E2128-C21B-4EB1-981D-3510C88AFE4A}" type="slidenum">
+              <a:rPr lang="de-DE" smtClean="0"/>
+              <a:t>5</a:t>
+            </a:fld>
+            <a:endParaRPr lang="de-DE"/>
           </a:p>
         </p:txBody>
       </p:sp>
@@ -6801,6 +7925,29 @@
           </a:p>
         </p:txBody>
       </p:sp>
+      <p:sp>
+        <p:nvSpPr>
+          <p:cNvPr id="9" name="Slide Number Placeholder 8"/>
+          <p:cNvSpPr>
+            <a:spLocks noGrp="1"/>
+          </p:cNvSpPr>
+          <p:nvPr>
+            <p:ph type="sldNum" sz="quarter" idx="12"/>
+          </p:nvPr>
+        </p:nvSpPr>
+        <p:spPr/>
+        <p:txBody>
+          <a:bodyPr/>
+          <a:lstStyle/>
+          <a:p>
+            <a:fld id="{9D1E2128-C21B-4EB1-981D-3510C88AFE4A}" type="slidenum">
+              <a:rPr lang="de-DE" smtClean="0"/>
+              <a:t>6</a:t>
+            </a:fld>
+            <a:endParaRPr lang="de-DE"/>
+          </a:p>
+        </p:txBody>
+      </p:sp>
     </p:spTree>
     <p:extLst>
       <p:ext uri="{BB962C8B-B14F-4D97-AF65-F5344CB8AC3E}">
@@ -7022,6 +8169,29 @@
           </a:p>
         </p:txBody>
       </p:sp>
+      <p:sp>
+        <p:nvSpPr>
+          <p:cNvPr id="4" name="Slide Number Placeholder 3"/>
+          <p:cNvSpPr>
+            <a:spLocks noGrp="1"/>
+          </p:cNvSpPr>
+          <p:nvPr>
+            <p:ph type="sldNum" sz="quarter" idx="12"/>
+          </p:nvPr>
+        </p:nvSpPr>
+        <p:spPr/>
+        <p:txBody>
+          <a:bodyPr/>
+          <a:lstStyle/>
+          <a:p>
+            <a:fld id="{9D1E2128-C21B-4EB1-981D-3510C88AFE4A}" type="slidenum">
+              <a:rPr lang="de-DE" smtClean="0"/>
+              <a:t>7</a:t>
+            </a:fld>
+            <a:endParaRPr lang="de-DE"/>
+          </a:p>
+        </p:txBody>
+      </p:sp>
     </p:spTree>
     <p:extLst>
       <p:ext uri="{BB962C8B-B14F-4D97-AF65-F5344CB8AC3E}">
@@ -7167,6 +8337,29 @@
           </a:p>
         </p:txBody>
       </p:sp>
+      <p:sp>
+        <p:nvSpPr>
+          <p:cNvPr id="11" name="Slide Number Placeholder 10"/>
+          <p:cNvSpPr>
+            <a:spLocks noGrp="1"/>
+          </p:cNvSpPr>
+          <p:nvPr>
+            <p:ph type="sldNum" sz="quarter" idx="12"/>
+          </p:nvPr>
+        </p:nvSpPr>
+        <p:spPr/>
+        <p:txBody>
+          <a:bodyPr/>
+          <a:lstStyle/>
+          <a:p>
+            <a:fld id="{9D1E2128-C21B-4EB1-981D-3510C88AFE4A}" type="slidenum">
+              <a:rPr lang="de-DE" smtClean="0"/>
+              <a:t>8</a:t>
+            </a:fld>
+            <a:endParaRPr lang="de-DE"/>
+          </a:p>
+        </p:txBody>
+      </p:sp>
     </p:spTree>
     <p:extLst>
       <p:ext uri="{BB962C8B-B14F-4D97-AF65-F5344CB8AC3E}">
@@ -9252,6 +10445,29 @@
               </a:solidFill>
               <a:latin typeface="Consolas" panose="020B0609020204030204" pitchFamily="49" charset="0"/>
             </a:endParaRPr>
+          </a:p>
+        </p:txBody>
+      </p:sp>
+      <p:sp>
+        <p:nvSpPr>
+          <p:cNvPr id="10" name="Slide Number Placeholder 9"/>
+          <p:cNvSpPr>
+            <a:spLocks noGrp="1"/>
+          </p:cNvSpPr>
+          <p:nvPr>
+            <p:ph type="sldNum" sz="quarter" idx="12"/>
+          </p:nvPr>
+        </p:nvSpPr>
+        <p:spPr/>
+        <p:txBody>
+          <a:bodyPr/>
+          <a:lstStyle/>
+          <a:p>
+            <a:fld id="{9D1E2128-C21B-4EB1-981D-3510C88AFE4A}" type="slidenum">
+              <a:rPr lang="de-DE" smtClean="0"/>
+              <a:t>9</a:t>
+            </a:fld>
+            <a:endParaRPr lang="de-DE"/>
           </a:p>
         </p:txBody>
       </p:sp>

--- a/presentation/PLunch.pptx
+++ b/presentation/PLunch.pptx
@@ -5,7 +5,7 @@
     <p:sldMasterId id="2147484044" r:id="rId1"/>
   </p:sldMasterIdLst>
   <p:notesMasterIdLst>
-    <p:notesMasterId r:id="rId14"/>
+    <p:notesMasterId r:id="rId15"/>
   </p:notesMasterIdLst>
   <p:sldIdLst>
     <p:sldId id="256" r:id="rId2"/>
@@ -19,7 +19,8 @@
     <p:sldId id="265" r:id="rId10"/>
     <p:sldId id="268" r:id="rId11"/>
     <p:sldId id="258" r:id="rId12"/>
-    <p:sldId id="267" r:id="rId13"/>
+    <p:sldId id="269" r:id="rId13"/>
+    <p:sldId id="267" r:id="rId14"/>
   </p:sldIdLst>
   <p:sldSz cx="9144000" cy="6858000" type="screen4x3"/>
   <p:notesSz cx="6858000" cy="9144000"/>
@@ -142,6 +143,7 @@
         <p14:section name="Approach" id="{E4314259-17AB-4162-9F2D-707CDFBE2B8D}">
           <p14:sldIdLst>
             <p14:sldId id="258"/>
+            <p14:sldId id="269"/>
             <p14:sldId id="267"/>
           </p14:sldIdLst>
         </p14:section>
@@ -683,7 +685,7 @@
           <a:p>
             <a:fld id="{4DCC1F29-B600-42F8-8BC8-9AFF066AEC7C}" type="slidenum">
               <a:rPr lang="de-DE" smtClean="0"/>
-              <a:t>12</a:t>
+              <a:t>13</a:t>
             </a:fld>
             <a:endParaRPr lang="de-DE"/>
           </a:p>
@@ -4413,11 +4415,7 @@
           <a:p>
             <a:r>
               <a:rPr lang="en-US" dirty="0"/>
-              <a:t>enough hand </a:t>
-            </a:r>
-            <a:r>
-              <a:rPr lang="en-US"/>
-              <a:t>wavy motivation</a:t>
+              <a:t>enough hand wavy motivation</a:t>
             </a:r>
             <a:endParaRPr lang="de-DE" dirty="0"/>
           </a:p>
@@ -4518,6 +4516,192 @@
           <a:p>
             <a:r>
               <a:rPr lang="en-US" dirty="0"/>
+              <a:t>Gradual Verification - Goal</a:t>
+            </a:r>
+            <a:endParaRPr lang="de-DE" dirty="0"/>
+          </a:p>
+        </p:txBody>
+      </p:sp>
+      <p:sp>
+        <p:nvSpPr>
+          <p:cNvPr id="48" name="Slide Number Placeholder 47"/>
+          <p:cNvSpPr>
+            <a:spLocks noGrp="1"/>
+          </p:cNvSpPr>
+          <p:nvPr>
+            <p:ph type="sldNum" sz="quarter" idx="12"/>
+          </p:nvPr>
+        </p:nvSpPr>
+        <p:spPr/>
+        <p:txBody>
+          <a:bodyPr/>
+          <a:lstStyle/>
+          <a:p>
+            <a:fld id="{9D1E2128-C21B-4EB1-981D-3510C88AFE4A}" type="slidenum">
+              <a:rPr lang="de-DE" smtClean="0"/>
+              <a:t>11</a:t>
+            </a:fld>
+            <a:endParaRPr lang="de-DE"/>
+          </a:p>
+        </p:txBody>
+      </p:sp>
+      <p:pic>
+        <p:nvPicPr>
+          <p:cNvPr id="52" name="Picture 51"/>
+          <p:cNvPicPr>
+            <a:picLocks noChangeAspect="1"/>
+          </p:cNvPicPr>
+          <p:nvPr/>
+        </p:nvPicPr>
+        <p:blipFill>
+          <a:blip r:embed="rId2"/>
+          <a:stretch>
+            <a:fillRect/>
+          </a:stretch>
+        </p:blipFill>
+        <p:spPr>
+          <a:xfrm>
+            <a:off x="6044114" y="1690689"/>
+            <a:ext cx="2471236" cy="4470960"/>
+          </a:xfrm>
+          <a:prstGeom prst="rect">
+            <a:avLst/>
+          </a:prstGeom>
+          <a:solidFill>
+            <a:schemeClr val="bg1">
+              <a:lumMod val="95000"/>
+            </a:schemeClr>
+          </a:solidFill>
+          <a:ln w="152400">
+            <a:solidFill>
+              <a:schemeClr val="bg1">
+                <a:lumMod val="95000"/>
+              </a:schemeClr>
+            </a:solidFill>
+          </a:ln>
+        </p:spPr>
+      </p:pic>
+      <p:pic>
+        <p:nvPicPr>
+          <p:cNvPr id="53" name="Picture 52"/>
+          <p:cNvPicPr>
+            <a:picLocks noChangeAspect="1"/>
+          </p:cNvPicPr>
+          <p:nvPr/>
+        </p:nvPicPr>
+        <p:blipFill>
+          <a:blip r:embed="rId3"/>
+          <a:stretch>
+            <a:fillRect/>
+          </a:stretch>
+        </p:blipFill>
+        <p:spPr>
+          <a:xfrm>
+            <a:off x="628650" y="1690689"/>
+            <a:ext cx="2471235" cy="4470960"/>
+          </a:xfrm>
+          <a:prstGeom prst="rect">
+            <a:avLst/>
+          </a:prstGeom>
+          <a:solidFill>
+            <a:schemeClr val="bg1">
+              <a:lumMod val="95000"/>
+            </a:schemeClr>
+          </a:solidFill>
+          <a:ln w="152400">
+            <a:solidFill>
+              <a:schemeClr val="bg1">
+                <a:lumMod val="95000"/>
+              </a:schemeClr>
+            </a:solidFill>
+          </a:ln>
+        </p:spPr>
+      </p:pic>
+      <p:sp>
+        <p:nvSpPr>
+          <p:cNvPr id="54" name="Arrow: Right 53"/>
+          <p:cNvSpPr/>
+          <p:nvPr/>
+        </p:nvSpPr>
+        <p:spPr>
+          <a:xfrm>
+            <a:off x="3734972" y="3701086"/>
+            <a:ext cx="1674055" cy="450166"/>
+          </a:xfrm>
+          <a:prstGeom prst="rightArrow">
+            <a:avLst/>
+          </a:prstGeom>
+        </p:spPr>
+        <p:style>
+          <a:lnRef idx="2">
+            <a:schemeClr val="dk1"/>
+          </a:lnRef>
+          <a:fillRef idx="1">
+            <a:schemeClr val="lt1"/>
+          </a:fillRef>
+          <a:effectRef idx="0">
+            <a:schemeClr val="dk1"/>
+          </a:effectRef>
+          <a:fontRef idx="minor">
+            <a:schemeClr val="dk1"/>
+          </a:fontRef>
+        </p:style>
+        <p:txBody>
+          <a:bodyPr rtlCol="0" anchor="ctr"/>
+          <a:lstStyle/>
+          <a:p>
+            <a:pPr algn="ctr"/>
+            <a:endParaRPr lang="de-DE"/>
+          </a:p>
+        </p:txBody>
+      </p:sp>
+    </p:spTree>
+    <p:extLst>
+      <p:ext uri="{BB962C8B-B14F-4D97-AF65-F5344CB8AC3E}">
+        <p14:creationId xmlns:p14="http://schemas.microsoft.com/office/powerpoint/2010/main" val="2479945963"/>
+      </p:ext>
+    </p:extLst>
+  </p:cSld>
+  <p:clrMapOvr>
+    <a:masterClrMapping/>
+  </p:clrMapOvr>
+</p:sld>
+</file>
+
+<file path=ppt/slides/slide12.xml><?xml version="1.0" encoding="utf-8"?>
+<p:sld xmlns:a="http://schemas.openxmlformats.org/drawingml/2006/main" xmlns:r="http://schemas.openxmlformats.org/officeDocument/2006/relationships" xmlns:p="http://schemas.openxmlformats.org/presentationml/2006/main">
+  <p:cSld>
+    <p:spTree>
+      <p:nvGrpSpPr>
+        <p:cNvPr id="1" name=""/>
+        <p:cNvGrpSpPr/>
+        <p:nvPr/>
+      </p:nvGrpSpPr>
+      <p:grpSpPr>
+        <a:xfrm>
+          <a:off x="0" y="0"/>
+          <a:ext cx="0" cy="0"/>
+          <a:chOff x="0" y="0"/>
+          <a:chExt cx="0" cy="0"/>
+        </a:xfrm>
+      </p:grpSpPr>
+      <p:sp>
+        <p:nvSpPr>
+          <p:cNvPr id="2" name="Title 1"/>
+          <p:cNvSpPr>
+            <a:spLocks noGrp="1"/>
+          </p:cNvSpPr>
+          <p:nvPr>
+            <p:ph type="title"/>
+          </p:nvPr>
+        </p:nvSpPr>
+        <p:spPr/>
+        <p:txBody>
+          <a:bodyPr/>
+          <a:lstStyle/>
+          <a:p>
+            <a:r>
+              <a:rPr lang="en-US" dirty="0"/>
               <a:t>Gradual Verification - Approach</a:t>
             </a:r>
             <a:endParaRPr lang="de-DE" dirty="0"/>
@@ -4565,7 +4749,7 @@
           <a:p>
             <a:fld id="{9D1E2128-C21B-4EB1-981D-3510C88AFE4A}" type="slidenum">
               <a:rPr lang="de-DE" smtClean="0"/>
-              <a:t>11</a:t>
+              <a:t>12</a:t>
             </a:fld>
             <a:endParaRPr lang="de-DE"/>
           </a:p>
@@ -5380,7 +5564,7 @@
     </p:spTree>
     <p:extLst>
       <p:ext uri="{BB962C8B-B14F-4D97-AF65-F5344CB8AC3E}">
-        <p14:creationId xmlns:p14="http://schemas.microsoft.com/office/powerpoint/2010/main" val="2479945963"/>
+        <p14:creationId xmlns:p14="http://schemas.microsoft.com/office/powerpoint/2010/main" val="3724242173"/>
       </p:ext>
     </p:extLst>
   </p:cSld>
@@ -5390,7 +5574,7 @@
 </p:sld>
 </file>
 
-<file path=ppt/slides/slide12.xml><?xml version="1.0" encoding="utf-8"?>
+<file path=ppt/slides/slide13.xml><?xml version="1.0" encoding="utf-8"?>
 <p:sld xmlns:a="http://schemas.openxmlformats.org/drawingml/2006/main" xmlns:r="http://schemas.openxmlformats.org/officeDocument/2006/relationships" xmlns:p="http://schemas.openxmlformats.org/presentationml/2006/main">
   <p:cSld>
     <p:spTree>
@@ -5466,7 +5650,7 @@
           <a:p>
             <a:fld id="{9D1E2128-C21B-4EB1-981D-3510C88AFE4A}" type="slidenum">
               <a:rPr lang="de-DE" smtClean="0"/>
-              <a:t>12</a:t>
+              <a:t>13</a:t>
             </a:fld>
             <a:endParaRPr lang="de-DE"/>
           </a:p>

--- a/presentation/PLunch.pptx
+++ b/presentation/PLunch.pptx
@@ -5,7 +5,7 @@
     <p:sldMasterId id="2147484044" r:id="rId1"/>
   </p:sldMasterIdLst>
   <p:notesMasterIdLst>
-    <p:notesMasterId r:id="rId15"/>
+    <p:notesMasterId r:id="rId16"/>
   </p:notesMasterIdLst>
   <p:sldIdLst>
     <p:sldId id="256" r:id="rId2"/>
@@ -17,10 +17,11 @@
     <p:sldId id="264" r:id="rId8"/>
     <p:sldId id="266" r:id="rId9"/>
     <p:sldId id="265" r:id="rId10"/>
-    <p:sldId id="268" r:id="rId11"/>
-    <p:sldId id="258" r:id="rId12"/>
+    <p:sldId id="270" r:id="rId11"/>
+    <p:sldId id="271" r:id="rId12"/>
     <p:sldId id="269" r:id="rId13"/>
-    <p:sldId id="267" r:id="rId14"/>
+    <p:sldId id="268" r:id="rId14"/>
+    <p:sldId id="267" r:id="rId15"/>
   </p:sldIdLst>
   <p:sldSz cx="9144000" cy="6858000" type="screen4x3"/>
   <p:notesSz cx="6858000" cy="9144000"/>
@@ -137,17 +138,21 @@
             <p14:sldId id="264"/>
             <p14:sldId id="266"/>
             <p14:sldId id="265"/>
-            <p14:sldId id="268"/>
           </p14:sldIdLst>
         </p14:section>
         <p14:section name="Approach" id="{E4314259-17AB-4162-9F2D-707CDFBE2B8D}">
           <p14:sldIdLst>
-            <p14:sldId id="258"/>
+            <p14:sldId id="270"/>
+            <p14:sldId id="271"/>
             <p14:sldId id="269"/>
+            <p14:sldId id="268"/>
             <p14:sldId id="267"/>
           </p14:sldIdLst>
         </p14:section>
       </p14:sectionLst>
+    </p:ext>
+    <p:ext uri="{EFAFB233-063F-42B5-8137-9DF3F51BA10A}">
+      <p15:sldGuideLst xmlns:p15="http://schemas.microsoft.com/office/powerpoint/2012/main"/>
     </p:ext>
   </p:extLst>
 </p:presentation>
@@ -235,7 +240,7 @@
           <a:p>
             <a:fld id="{4472BD51-9C58-410B-9488-A369148A1950}" type="datetimeFigureOut">
               <a:rPr lang="de-DE" smtClean="0"/>
-              <a:t>17.09.2016</a:t>
+              <a:t>20.09.2016</a:t>
             </a:fld>
             <a:endParaRPr lang="de-DE"/>
           </a:p>
@@ -685,7 +690,7 @@
           <a:p>
             <a:fld id="{4DCC1F29-B600-42F8-8BC8-9AFF066AEC7C}" type="slidenum">
               <a:rPr lang="de-DE" smtClean="0"/>
-              <a:t>13</a:t>
+              <a:t>14</a:t>
             </a:fld>
             <a:endParaRPr lang="de-DE"/>
           </a:p>
@@ -1326,6 +1331,15 @@
               <a:rPr lang="en-US" dirty="0"/>
               <a:t>dynamic</a:t>
             </a:r>
+          </a:p>
+          <a:p>
+            <a:endParaRPr lang="en-US" dirty="0"/>
+          </a:p>
+          <a:p>
+            <a:r>
+              <a:rPr lang="en-US" dirty="0"/>
+              <a:t>gradual typing taught us that solution is not to </a:t>
+            </a:r>
             <a:endParaRPr lang="de-DE" dirty="0"/>
           </a:p>
         </p:txBody>
@@ -1431,7 +1445,7 @@
           <a:p>
             <a:fld id="{4DCC1F29-B600-42F8-8BC8-9AFF066AEC7C}" type="slidenum">
               <a:rPr lang="de-DE" smtClean="0"/>
-              <a:t>10</a:t>
+              <a:t>13</a:t>
             </a:fld>
             <a:endParaRPr lang="de-DE"/>
           </a:p>
@@ -1581,7 +1595,7 @@
           <a:p>
             <a:fld id="{40D6D1C7-4F78-42D7-8A43-6446DCC2C625}" type="datetime1">
               <a:rPr lang="de-DE" smtClean="0"/>
-              <a:t>18.09.2016</a:t>
+              <a:t>20.09.2016</a:t>
             </a:fld>
             <a:endParaRPr lang="de-DE"/>
           </a:p>
@@ -1751,7 +1765,7 @@
           <a:p>
             <a:fld id="{7F2C8C36-E2E5-4307-9BC4-7B750D2A80AB}" type="datetime1">
               <a:rPr lang="de-DE" smtClean="0"/>
-              <a:t>18.09.2016</a:t>
+              <a:t>20.09.2016</a:t>
             </a:fld>
             <a:endParaRPr lang="de-DE"/>
           </a:p>
@@ -1931,7 +1945,7 @@
           <a:p>
             <a:fld id="{926F756B-BA40-472D-8F9C-952F05A78F89}" type="datetime1">
               <a:rPr lang="de-DE" smtClean="0"/>
-              <a:t>18.09.2016</a:t>
+              <a:t>20.09.2016</a:t>
             </a:fld>
             <a:endParaRPr lang="de-DE"/>
           </a:p>
@@ -2106,7 +2120,7 @@
           <a:p>
             <a:fld id="{4232A410-C2EF-4CBC-85F3-012D03A3B580}" type="datetime1">
               <a:rPr lang="de-DE" smtClean="0"/>
-              <a:t>18.09.2016</a:t>
+              <a:t>20.09.2016</a:t>
             </a:fld>
             <a:endParaRPr lang="de-DE" dirty="0"/>
           </a:p>
@@ -2350,7 +2364,7 @@
           <a:p>
             <a:fld id="{71F5C5C8-39C0-4BF8-AF57-16FF41159358}" type="datetime1">
               <a:rPr lang="de-DE" smtClean="0"/>
-              <a:t>18.09.2016</a:t>
+              <a:t>20.09.2016</a:t>
             </a:fld>
             <a:endParaRPr lang="de-DE"/>
           </a:p>
@@ -2582,7 +2596,7 @@
           <a:p>
             <a:fld id="{32A53972-F6FF-44D4-A481-D49DDFAE4BF8}" type="datetime1">
               <a:rPr lang="de-DE" smtClean="0"/>
-              <a:t>18.09.2016</a:t>
+              <a:t>20.09.2016</a:t>
             </a:fld>
             <a:endParaRPr lang="de-DE"/>
           </a:p>
@@ -2949,7 +2963,7 @@
           <a:p>
             <a:fld id="{C4583AE3-46C8-4AF9-9AE8-7EA45E0A8273}" type="datetime1">
               <a:rPr lang="de-DE" smtClean="0"/>
-              <a:t>18.09.2016</a:t>
+              <a:t>20.09.2016</a:t>
             </a:fld>
             <a:endParaRPr lang="de-DE"/>
           </a:p>
@@ -3067,7 +3081,7 @@
           <a:p>
             <a:fld id="{EB95C86F-67D0-4125-AAE3-94A97C56CADF}" type="datetime1">
               <a:rPr lang="de-DE" smtClean="0"/>
-              <a:t>18.09.2016</a:t>
+              <a:t>20.09.2016</a:t>
             </a:fld>
             <a:endParaRPr lang="de-DE"/>
           </a:p>
@@ -3162,7 +3176,7 @@
           <a:p>
             <a:fld id="{6BFB1022-13CE-4FDA-BFAB-CC559034E639}" type="datetime1">
               <a:rPr lang="de-DE" smtClean="0"/>
-              <a:t>18.09.2016</a:t>
+              <a:t>20.09.2016</a:t>
             </a:fld>
             <a:endParaRPr lang="de-DE"/>
           </a:p>
@@ -3439,7 +3453,7 @@
           <a:p>
             <a:fld id="{9EA0E9F1-31E5-4055-BF98-84A374F3223D}" type="datetime1">
               <a:rPr lang="de-DE" smtClean="0"/>
-              <a:t>18.09.2016</a:t>
+              <a:t>20.09.2016</a:t>
             </a:fld>
             <a:endParaRPr lang="de-DE"/>
           </a:p>
@@ -3696,7 +3710,7 @@
           <a:p>
             <a:fld id="{2C05286E-5FB3-47C9-885F-D70AD71092A0}" type="datetime1">
               <a:rPr lang="de-DE" smtClean="0"/>
-              <a:t>18.09.2016</a:t>
+              <a:t>20.09.2016</a:t>
             </a:fld>
             <a:endParaRPr lang="de-DE"/>
           </a:p>
@@ -3909,7 +3923,7 @@
           <a:p>
             <a:fld id="{46773D8D-2C61-447D-8757-380DAE1BDA0E}" type="datetime1">
               <a:rPr lang="de-DE" smtClean="0"/>
-              <a:t>18.09.2016</a:t>
+              <a:t>20.09.2016</a:t>
             </a:fld>
             <a:endParaRPr lang="de-DE"/>
           </a:p>
@@ -4415,107 +4429,6 @@
           <a:p>
             <a:r>
               <a:rPr lang="en-US" dirty="0"/>
-              <a:t>enough hand wavy motivation</a:t>
-            </a:r>
-            <a:endParaRPr lang="de-DE" dirty="0"/>
-          </a:p>
-        </p:txBody>
-      </p:sp>
-      <p:sp>
-        <p:nvSpPr>
-          <p:cNvPr id="3" name="Content Placeholder 2"/>
-          <p:cNvSpPr>
-            <a:spLocks noGrp="1"/>
-          </p:cNvSpPr>
-          <p:nvPr>
-            <p:ph idx="1"/>
-          </p:nvPr>
-        </p:nvSpPr>
-        <p:spPr/>
-        <p:txBody>
-          <a:bodyPr/>
-          <a:lstStyle/>
-          <a:p>
-            <a:r>
-              <a:rPr lang="en-US" dirty="0"/>
-              <a:t>what we have, what we want</a:t>
-            </a:r>
-          </a:p>
-          <a:p>
-            <a:endParaRPr lang="de-DE" dirty="0"/>
-          </a:p>
-        </p:txBody>
-      </p:sp>
-      <p:sp>
-        <p:nvSpPr>
-          <p:cNvPr id="4" name="Slide Number Placeholder 3"/>
-          <p:cNvSpPr>
-            <a:spLocks noGrp="1"/>
-          </p:cNvSpPr>
-          <p:nvPr>
-            <p:ph type="sldNum" sz="quarter" idx="12"/>
-          </p:nvPr>
-        </p:nvSpPr>
-        <p:spPr/>
-        <p:txBody>
-          <a:bodyPr/>
-          <a:lstStyle/>
-          <a:p>
-            <a:fld id="{9D1E2128-C21B-4EB1-981D-3510C88AFE4A}" type="slidenum">
-              <a:rPr lang="de-DE" smtClean="0"/>
-              <a:t>10</a:t>
-            </a:fld>
-            <a:endParaRPr lang="de-DE"/>
-          </a:p>
-        </p:txBody>
-      </p:sp>
-    </p:spTree>
-    <p:extLst>
-      <p:ext uri="{BB962C8B-B14F-4D97-AF65-F5344CB8AC3E}">
-        <p14:creationId xmlns:p14="http://schemas.microsoft.com/office/powerpoint/2010/main" val="1730392366"/>
-      </p:ext>
-    </p:extLst>
-  </p:cSld>
-  <p:clrMapOvr>
-    <a:masterClrMapping/>
-  </p:clrMapOvr>
-</p:sld>
-</file>
-
-<file path=ppt/slides/slide11.xml><?xml version="1.0" encoding="utf-8"?>
-<p:sld xmlns:a="http://schemas.openxmlformats.org/drawingml/2006/main" xmlns:r="http://schemas.openxmlformats.org/officeDocument/2006/relationships" xmlns:p="http://schemas.openxmlformats.org/presentationml/2006/main">
-  <p:cSld>
-    <p:spTree>
-      <p:nvGrpSpPr>
-        <p:cNvPr id="1" name=""/>
-        <p:cNvGrpSpPr/>
-        <p:nvPr/>
-      </p:nvGrpSpPr>
-      <p:grpSpPr>
-        <a:xfrm>
-          <a:off x="0" y="0"/>
-          <a:ext cx="0" cy="0"/>
-          <a:chOff x="0" y="0"/>
-          <a:chExt cx="0" cy="0"/>
-        </a:xfrm>
-      </p:grpSpPr>
-      <p:sp>
-        <p:nvSpPr>
-          <p:cNvPr id="2" name="Title 1"/>
-          <p:cNvSpPr>
-            <a:spLocks noGrp="1"/>
-          </p:cNvSpPr>
-          <p:nvPr>
-            <p:ph type="title"/>
-          </p:nvPr>
-        </p:nvSpPr>
-        <p:spPr/>
-        <p:txBody>
-          <a:bodyPr/>
-          <a:lstStyle/>
-          <a:p>
-            <a:r>
-              <a:rPr lang="en-US" dirty="0"/>
               <a:t>Gradual Verification - Goal</a:t>
             </a:r>
             <a:endParaRPr lang="de-DE" dirty="0"/>
@@ -4539,15 +4452,15 @@
           <a:p>
             <a:fld id="{9D1E2128-C21B-4EB1-981D-3510C88AFE4A}" type="slidenum">
               <a:rPr lang="de-DE" smtClean="0"/>
-              <a:t>11</a:t>
+              <a:t>10</a:t>
             </a:fld>
-            <a:endParaRPr lang="de-DE"/>
+            <a:endParaRPr lang="de-DE" dirty="0"/>
           </a:p>
         </p:txBody>
       </p:sp>
       <p:pic>
         <p:nvPicPr>
-          <p:cNvPr id="52" name="Picture 51"/>
+          <p:cNvPr id="15" name="Picture 14"/>
           <p:cNvPicPr>
             <a:picLocks noChangeAspect="1"/>
           </p:cNvPicPr>
@@ -4561,7 +4474,7 @@
         </p:blipFill>
         <p:spPr>
           <a:xfrm>
-            <a:off x="6044114" y="1690689"/>
+            <a:off x="628650" y="1661153"/>
             <a:ext cx="2471236" cy="4470960"/>
           </a:xfrm>
           <a:prstGeom prst="rect">
@@ -4581,24 +4494,16 @@
           </a:ln>
         </p:spPr>
       </p:pic>
-      <p:pic>
-        <p:nvPicPr>
-          <p:cNvPr id="53" name="Picture 52"/>
-          <p:cNvPicPr>
-            <a:picLocks noChangeAspect="1"/>
-          </p:cNvPicPr>
+      <p:sp>
+        <p:nvSpPr>
+          <p:cNvPr id="5" name="Rectangle 4"/>
+          <p:cNvSpPr/>
           <p:nvPr/>
-        </p:nvPicPr>
-        <p:blipFill>
-          <a:blip r:embed="rId3"/>
-          <a:stretch>
-            <a:fillRect/>
-          </a:stretch>
-        </p:blipFill>
+        </p:nvSpPr>
         <p:spPr>
           <a:xfrm>
-            <a:off x="628650" y="1690689"/>
-            <a:ext cx="2471235" cy="4470960"/>
+            <a:off x="1041400" y="1949450"/>
+            <a:ext cx="260350" cy="113747"/>
           </a:xfrm>
           <a:prstGeom prst="rect">
             <a:avLst/>
@@ -4609,41 +4514,23 @@
             </a:schemeClr>
           </a:solidFill>
           <a:ln w="152400">
-            <a:solidFill>
-              <a:schemeClr val="bg1">
-                <a:lumMod val="95000"/>
-              </a:schemeClr>
-            </a:solidFill>
+            <a:noFill/>
           </a:ln>
-        </p:spPr>
-      </p:pic>
-      <p:sp>
-        <p:nvSpPr>
-          <p:cNvPr id="54" name="Arrow: Right 53"/>
-          <p:cNvSpPr/>
-          <p:nvPr/>
-        </p:nvSpPr>
-        <p:spPr>
-          <a:xfrm>
-            <a:off x="3734972" y="3701086"/>
-            <a:ext cx="1674055" cy="450166"/>
-          </a:xfrm>
-          <a:prstGeom prst="rightArrow">
-            <a:avLst/>
-          </a:prstGeom>
         </p:spPr>
         <p:style>
           <a:lnRef idx="2">
-            <a:schemeClr val="dk1"/>
+            <a:schemeClr val="accent1">
+              <a:shade val="50000"/>
+            </a:schemeClr>
           </a:lnRef>
           <a:fillRef idx="1">
-            <a:schemeClr val="lt1"/>
+            <a:schemeClr val="accent1"/>
           </a:fillRef>
           <a:effectRef idx="0">
-            <a:schemeClr val="dk1"/>
+            <a:schemeClr val="accent1"/>
           </a:effectRef>
           <a:fontRef idx="minor">
-            <a:schemeClr val="dk1"/>
+            <a:schemeClr val="lt1"/>
           </a:fontRef>
         </p:style>
         <p:txBody>
@@ -4655,102 +4542,722 @@
           </a:p>
         </p:txBody>
       </p:sp>
-    </p:spTree>
-    <p:extLst>
-      <p:ext uri="{BB962C8B-B14F-4D97-AF65-F5344CB8AC3E}">
-        <p14:creationId xmlns:p14="http://schemas.microsoft.com/office/powerpoint/2010/main" val="2479945963"/>
-      </p:ext>
-    </p:extLst>
-  </p:cSld>
-  <p:clrMapOvr>
-    <a:masterClrMapping/>
-  </p:clrMapOvr>
-</p:sld>
-</file>
-
-<file path=ppt/slides/slide12.xml><?xml version="1.0" encoding="utf-8"?>
-<p:sld xmlns:a="http://schemas.openxmlformats.org/drawingml/2006/main" xmlns:r="http://schemas.openxmlformats.org/officeDocument/2006/relationships" xmlns:p="http://schemas.openxmlformats.org/presentationml/2006/main">
-  <p:cSld>
-    <p:spTree>
-      <p:nvGrpSpPr>
-        <p:cNvPr id="1" name=""/>
-        <p:cNvGrpSpPr/>
-        <p:nvPr/>
-      </p:nvGrpSpPr>
-      <p:grpSpPr>
-        <a:xfrm>
-          <a:off x="0" y="0"/>
-          <a:ext cx="0" cy="0"/>
-          <a:chOff x="0" y="0"/>
-          <a:chExt cx="0" cy="0"/>
-        </a:xfrm>
-      </p:grpSpPr>
-      <p:sp>
-        <p:nvSpPr>
-          <p:cNvPr id="2" name="Title 1"/>
-          <p:cNvSpPr>
-            <a:spLocks noGrp="1"/>
-          </p:cNvSpPr>
-          <p:nvPr>
-            <p:ph type="title"/>
-          </p:nvPr>
-        </p:nvSpPr>
-        <p:spPr/>
-        <p:txBody>
-          <a:bodyPr/>
-          <a:lstStyle/>
-          <a:p>
-            <a:r>
-              <a:rPr lang="en-US" dirty="0"/>
-              <a:t>Gradual Verification - Approach</a:t>
-            </a:r>
-            <a:endParaRPr lang="de-DE" dirty="0"/>
-          </a:p>
-        </p:txBody>
-      </p:sp>
-      <p:pic>
-        <p:nvPicPr>
-          <p:cNvPr id="13" name="Picture 12"/>
-          <p:cNvPicPr>
-            <a:picLocks noChangeAspect="1"/>
-          </p:cNvPicPr>
+      <p:sp>
+        <p:nvSpPr>
+          <p:cNvPr id="16" name="Rectangle 15"/>
+          <p:cNvSpPr/>
           <p:nvPr/>
-        </p:nvPicPr>
-        <p:blipFill>
-          <a:blip r:embed="rId2"/>
-          <a:stretch>
-            <a:fillRect/>
-          </a:stretch>
-        </p:blipFill>
+        </p:nvSpPr>
         <p:spPr>
           <a:xfrm>
-            <a:off x="628650" y="1690689"/>
-            <a:ext cx="2709115" cy="4470960"/>
+            <a:off x="574675" y="2037004"/>
+            <a:ext cx="260350" cy="113747"/>
           </a:xfrm>
           <a:prstGeom prst="rect">
             <a:avLst/>
           </a:prstGeom>
+          <a:solidFill>
+            <a:schemeClr val="bg1">
+              <a:lumMod val="95000"/>
+            </a:schemeClr>
+          </a:solidFill>
+          <a:ln w="152400">
+            <a:noFill/>
+          </a:ln>
         </p:spPr>
-      </p:pic>
-      <p:sp>
-        <p:nvSpPr>
-          <p:cNvPr id="48" name="Slide Number Placeholder 47"/>
-          <p:cNvSpPr>
-            <a:spLocks noGrp="1"/>
-          </p:cNvSpPr>
-          <p:nvPr>
-            <p:ph type="sldNum" sz="quarter" idx="12"/>
-          </p:nvPr>
-        </p:nvSpPr>
-        <p:spPr/>
-        <p:txBody>
-          <a:bodyPr/>
-          <a:lstStyle/>
-          <a:p>
-            <a:fld id="{9D1E2128-C21B-4EB1-981D-3510C88AFE4A}" type="slidenum">
-              <a:rPr lang="de-DE" smtClean="0"/>
-              <a:t>12</a:t>
-            </a:fld>
+        <p:style>
+          <a:lnRef idx="2">
+            <a:schemeClr val="accent1">
+              <a:shade val="50000"/>
+            </a:schemeClr>
+          </a:lnRef>
+          <a:fillRef idx="1">
+            <a:schemeClr val="accent1"/>
+          </a:fillRef>
+          <a:effectRef idx="0">
+            <a:schemeClr val="accent1"/>
+          </a:effectRef>
+          <a:fontRef idx="minor">
+            <a:schemeClr val="lt1"/>
+          </a:fontRef>
+        </p:style>
+        <p:txBody>
+          <a:bodyPr rtlCol="0" anchor="ctr"/>
+          <a:lstStyle/>
+          <a:p>
+            <a:pPr algn="ctr"/>
+            <a:endParaRPr lang="de-DE"/>
+          </a:p>
+        </p:txBody>
+      </p:sp>
+      <p:sp>
+        <p:nvSpPr>
+          <p:cNvPr id="17" name="hide1c"/>
+          <p:cNvSpPr/>
+          <p:nvPr/>
+        </p:nvSpPr>
+        <p:spPr>
+          <a:xfrm>
+            <a:off x="1058069" y="2410362"/>
+            <a:ext cx="260350" cy="113747"/>
+          </a:xfrm>
+          <a:prstGeom prst="rect">
+            <a:avLst/>
+          </a:prstGeom>
+          <a:solidFill>
+            <a:schemeClr val="bg1">
+              <a:lumMod val="95000"/>
+            </a:schemeClr>
+          </a:solidFill>
+          <a:ln w="152400">
+            <a:noFill/>
+          </a:ln>
+        </p:spPr>
+        <p:style>
+          <a:lnRef idx="2">
+            <a:schemeClr val="accent1">
+              <a:shade val="50000"/>
+            </a:schemeClr>
+          </a:lnRef>
+          <a:fillRef idx="1">
+            <a:schemeClr val="accent1"/>
+          </a:fillRef>
+          <a:effectRef idx="0">
+            <a:schemeClr val="accent1"/>
+          </a:effectRef>
+          <a:fontRef idx="minor">
+            <a:schemeClr val="lt1"/>
+          </a:fontRef>
+        </p:style>
+        <p:txBody>
+          <a:bodyPr rtlCol="0" anchor="ctr"/>
+          <a:lstStyle/>
+          <a:p>
+            <a:pPr algn="ctr"/>
+            <a:endParaRPr lang="de-DE"/>
+          </a:p>
+        </p:txBody>
+      </p:sp>
+      <p:sp>
+        <p:nvSpPr>
+          <p:cNvPr id="18" name="hide1b"/>
+          <p:cNvSpPr/>
+          <p:nvPr/>
+        </p:nvSpPr>
+        <p:spPr>
+          <a:xfrm>
+            <a:off x="583010" y="2396557"/>
+            <a:ext cx="260350" cy="113747"/>
+          </a:xfrm>
+          <a:prstGeom prst="rect">
+            <a:avLst/>
+          </a:prstGeom>
+          <a:solidFill>
+            <a:schemeClr val="bg1">
+              <a:lumMod val="95000"/>
+            </a:schemeClr>
+          </a:solidFill>
+          <a:ln w="152400">
+            <a:noFill/>
+          </a:ln>
+        </p:spPr>
+        <p:style>
+          <a:lnRef idx="2">
+            <a:schemeClr val="accent1">
+              <a:shade val="50000"/>
+            </a:schemeClr>
+          </a:lnRef>
+          <a:fillRef idx="1">
+            <a:schemeClr val="accent1"/>
+          </a:fillRef>
+          <a:effectRef idx="0">
+            <a:schemeClr val="accent1"/>
+          </a:effectRef>
+          <a:fontRef idx="minor">
+            <a:schemeClr val="lt1"/>
+          </a:fontRef>
+        </p:style>
+        <p:txBody>
+          <a:bodyPr rtlCol="0" anchor="ctr"/>
+          <a:lstStyle/>
+          <a:p>
+            <a:pPr algn="ctr"/>
+            <a:endParaRPr lang="de-DE"/>
+          </a:p>
+        </p:txBody>
+      </p:sp>
+      <p:sp>
+        <p:nvSpPr>
+          <p:cNvPr id="19" name="Rectangle 18"/>
+          <p:cNvSpPr/>
+          <p:nvPr/>
+        </p:nvSpPr>
+        <p:spPr>
+          <a:xfrm>
+            <a:off x="1041400" y="3414499"/>
+            <a:ext cx="260350" cy="113747"/>
+          </a:xfrm>
+          <a:prstGeom prst="rect">
+            <a:avLst/>
+          </a:prstGeom>
+          <a:solidFill>
+            <a:schemeClr val="bg1">
+              <a:lumMod val="95000"/>
+            </a:schemeClr>
+          </a:solidFill>
+          <a:ln w="152400">
+            <a:noFill/>
+          </a:ln>
+        </p:spPr>
+        <p:style>
+          <a:lnRef idx="2">
+            <a:schemeClr val="accent1">
+              <a:shade val="50000"/>
+            </a:schemeClr>
+          </a:lnRef>
+          <a:fillRef idx="1">
+            <a:schemeClr val="accent1"/>
+          </a:fillRef>
+          <a:effectRef idx="0">
+            <a:schemeClr val="accent1"/>
+          </a:effectRef>
+          <a:fontRef idx="minor">
+            <a:schemeClr val="lt1"/>
+          </a:fontRef>
+        </p:style>
+        <p:txBody>
+          <a:bodyPr rtlCol="0" anchor="ctr"/>
+          <a:lstStyle/>
+          <a:p>
+            <a:pPr algn="ctr"/>
+            <a:endParaRPr lang="de-DE"/>
+          </a:p>
+        </p:txBody>
+      </p:sp>
+      <p:sp>
+        <p:nvSpPr>
+          <p:cNvPr id="20" name="Rectangle 19"/>
+          <p:cNvSpPr/>
+          <p:nvPr/>
+        </p:nvSpPr>
+        <p:spPr>
+          <a:xfrm>
+            <a:off x="574675" y="3479578"/>
+            <a:ext cx="260350" cy="113747"/>
+          </a:xfrm>
+          <a:prstGeom prst="rect">
+            <a:avLst/>
+          </a:prstGeom>
+          <a:solidFill>
+            <a:schemeClr val="bg1">
+              <a:lumMod val="95000"/>
+            </a:schemeClr>
+          </a:solidFill>
+          <a:ln w="152400">
+            <a:noFill/>
+          </a:ln>
+        </p:spPr>
+        <p:style>
+          <a:lnRef idx="2">
+            <a:schemeClr val="accent1">
+              <a:shade val="50000"/>
+            </a:schemeClr>
+          </a:lnRef>
+          <a:fillRef idx="1">
+            <a:schemeClr val="accent1"/>
+          </a:fillRef>
+          <a:effectRef idx="0">
+            <a:schemeClr val="accent1"/>
+          </a:effectRef>
+          <a:fontRef idx="minor">
+            <a:schemeClr val="lt1"/>
+          </a:fontRef>
+        </p:style>
+        <p:txBody>
+          <a:bodyPr rtlCol="0" anchor="ctr"/>
+          <a:lstStyle/>
+          <a:p>
+            <a:pPr algn="ctr"/>
+            <a:endParaRPr lang="de-DE"/>
+          </a:p>
+        </p:txBody>
+      </p:sp>
+      <p:sp>
+        <p:nvSpPr>
+          <p:cNvPr id="21" name="Rectangle 20"/>
+          <p:cNvSpPr/>
+          <p:nvPr/>
+        </p:nvSpPr>
+        <p:spPr>
+          <a:xfrm>
+            <a:off x="2127250" y="4418864"/>
+            <a:ext cx="260350" cy="113747"/>
+          </a:xfrm>
+          <a:prstGeom prst="rect">
+            <a:avLst/>
+          </a:prstGeom>
+          <a:solidFill>
+            <a:schemeClr val="bg1">
+              <a:lumMod val="95000"/>
+            </a:schemeClr>
+          </a:solidFill>
+          <a:ln w="152400">
+            <a:noFill/>
+          </a:ln>
+        </p:spPr>
+        <p:style>
+          <a:lnRef idx="2">
+            <a:schemeClr val="accent1">
+              <a:shade val="50000"/>
+            </a:schemeClr>
+          </a:lnRef>
+          <a:fillRef idx="1">
+            <a:schemeClr val="accent1"/>
+          </a:fillRef>
+          <a:effectRef idx="0">
+            <a:schemeClr val="accent1"/>
+          </a:effectRef>
+          <a:fontRef idx="minor">
+            <a:schemeClr val="lt1"/>
+          </a:fontRef>
+        </p:style>
+        <p:txBody>
+          <a:bodyPr rtlCol="0" anchor="ctr"/>
+          <a:lstStyle/>
+          <a:p>
+            <a:pPr algn="ctr"/>
+            <a:endParaRPr lang="de-DE"/>
+          </a:p>
+        </p:txBody>
+      </p:sp>
+      <p:sp>
+        <p:nvSpPr>
+          <p:cNvPr id="22" name="Rectangle 21"/>
+          <p:cNvSpPr/>
+          <p:nvPr/>
+        </p:nvSpPr>
+        <p:spPr>
+          <a:xfrm>
+            <a:off x="2460771" y="4494786"/>
+            <a:ext cx="260350" cy="113747"/>
+          </a:xfrm>
+          <a:prstGeom prst="rect">
+            <a:avLst/>
+          </a:prstGeom>
+          <a:solidFill>
+            <a:schemeClr val="bg1">
+              <a:lumMod val="95000"/>
+            </a:schemeClr>
+          </a:solidFill>
+          <a:ln w="152400">
+            <a:noFill/>
+          </a:ln>
+        </p:spPr>
+        <p:style>
+          <a:lnRef idx="2">
+            <a:schemeClr val="accent1">
+              <a:shade val="50000"/>
+            </a:schemeClr>
+          </a:lnRef>
+          <a:fillRef idx="1">
+            <a:schemeClr val="accent1"/>
+          </a:fillRef>
+          <a:effectRef idx="0">
+            <a:schemeClr val="accent1"/>
+          </a:effectRef>
+          <a:fontRef idx="minor">
+            <a:schemeClr val="lt1"/>
+          </a:fontRef>
+        </p:style>
+        <p:txBody>
+          <a:bodyPr rtlCol="0" anchor="ctr"/>
+          <a:lstStyle/>
+          <a:p>
+            <a:pPr algn="ctr"/>
+            <a:endParaRPr lang="de-DE" dirty="0"/>
+          </a:p>
+        </p:txBody>
+      </p:sp>
+      <p:sp>
+        <p:nvSpPr>
+          <p:cNvPr id="23" name="Rectangle 22"/>
+          <p:cNvSpPr/>
+          <p:nvPr/>
+        </p:nvSpPr>
+        <p:spPr>
+          <a:xfrm>
+            <a:off x="2814282" y="4418864"/>
+            <a:ext cx="260350" cy="113747"/>
+          </a:xfrm>
+          <a:prstGeom prst="rect">
+            <a:avLst/>
+          </a:prstGeom>
+          <a:solidFill>
+            <a:schemeClr val="bg1">
+              <a:lumMod val="95000"/>
+            </a:schemeClr>
+          </a:solidFill>
+          <a:ln w="152400">
+            <a:noFill/>
+          </a:ln>
+        </p:spPr>
+        <p:style>
+          <a:lnRef idx="2">
+            <a:schemeClr val="accent1">
+              <a:shade val="50000"/>
+            </a:schemeClr>
+          </a:lnRef>
+          <a:fillRef idx="1">
+            <a:schemeClr val="accent1"/>
+          </a:fillRef>
+          <a:effectRef idx="0">
+            <a:schemeClr val="accent1"/>
+          </a:effectRef>
+          <a:fontRef idx="minor">
+            <a:schemeClr val="lt1"/>
+          </a:fontRef>
+        </p:style>
+        <p:txBody>
+          <a:bodyPr rtlCol="0" anchor="ctr"/>
+          <a:lstStyle/>
+          <a:p>
+            <a:pPr algn="ctr"/>
+            <a:endParaRPr lang="de-DE"/>
+          </a:p>
+        </p:txBody>
+      </p:sp>
+      <p:sp>
+        <p:nvSpPr>
+          <p:cNvPr id="24" name="Rectangle 23"/>
+          <p:cNvSpPr/>
+          <p:nvPr/>
+        </p:nvSpPr>
+        <p:spPr>
+          <a:xfrm>
+            <a:off x="1712516" y="4421246"/>
+            <a:ext cx="260350" cy="113747"/>
+          </a:xfrm>
+          <a:prstGeom prst="rect">
+            <a:avLst/>
+          </a:prstGeom>
+          <a:solidFill>
+            <a:schemeClr val="bg1">
+              <a:lumMod val="95000"/>
+            </a:schemeClr>
+          </a:solidFill>
+          <a:ln w="152400">
+            <a:noFill/>
+          </a:ln>
+        </p:spPr>
+        <p:style>
+          <a:lnRef idx="2">
+            <a:schemeClr val="accent1">
+              <a:shade val="50000"/>
+            </a:schemeClr>
+          </a:lnRef>
+          <a:fillRef idx="1">
+            <a:schemeClr val="accent1"/>
+          </a:fillRef>
+          <a:effectRef idx="0">
+            <a:schemeClr val="accent1"/>
+          </a:effectRef>
+          <a:fontRef idx="minor">
+            <a:schemeClr val="lt1"/>
+          </a:fontRef>
+        </p:style>
+        <p:txBody>
+          <a:bodyPr rtlCol="0" anchor="ctr"/>
+          <a:lstStyle/>
+          <a:p>
+            <a:pPr algn="ctr"/>
+            <a:endParaRPr lang="de-DE"/>
+          </a:p>
+        </p:txBody>
+      </p:sp>
+      <p:sp>
+        <p:nvSpPr>
+          <p:cNvPr id="25" name="Rectangle 24"/>
+          <p:cNvSpPr/>
+          <p:nvPr/>
+        </p:nvSpPr>
+        <p:spPr>
+          <a:xfrm>
+            <a:off x="1734093" y="4886156"/>
+            <a:ext cx="260350" cy="113747"/>
+          </a:xfrm>
+          <a:prstGeom prst="rect">
+            <a:avLst/>
+          </a:prstGeom>
+          <a:solidFill>
+            <a:schemeClr val="bg1">
+              <a:lumMod val="95000"/>
+            </a:schemeClr>
+          </a:solidFill>
+          <a:ln w="152400">
+            <a:noFill/>
+          </a:ln>
+        </p:spPr>
+        <p:style>
+          <a:lnRef idx="2">
+            <a:schemeClr val="accent1">
+              <a:shade val="50000"/>
+            </a:schemeClr>
+          </a:lnRef>
+          <a:fillRef idx="1">
+            <a:schemeClr val="accent1"/>
+          </a:fillRef>
+          <a:effectRef idx="0">
+            <a:schemeClr val="accent1"/>
+          </a:effectRef>
+          <a:fontRef idx="minor">
+            <a:schemeClr val="lt1"/>
+          </a:fontRef>
+        </p:style>
+        <p:txBody>
+          <a:bodyPr rtlCol="0" anchor="ctr"/>
+          <a:lstStyle/>
+          <a:p>
+            <a:pPr algn="ctr"/>
+            <a:endParaRPr lang="de-DE"/>
+          </a:p>
+        </p:txBody>
+      </p:sp>
+      <p:sp>
+        <p:nvSpPr>
+          <p:cNvPr id="26" name="Rectangle 25"/>
+          <p:cNvSpPr/>
+          <p:nvPr/>
+        </p:nvSpPr>
+        <p:spPr>
+          <a:xfrm>
+            <a:off x="2460771" y="4886155"/>
+            <a:ext cx="260350" cy="113747"/>
+          </a:xfrm>
+          <a:prstGeom prst="rect">
+            <a:avLst/>
+          </a:prstGeom>
+          <a:solidFill>
+            <a:schemeClr val="bg1">
+              <a:lumMod val="95000"/>
+            </a:schemeClr>
+          </a:solidFill>
+          <a:ln w="152400">
+            <a:noFill/>
+          </a:ln>
+        </p:spPr>
+        <p:style>
+          <a:lnRef idx="2">
+            <a:schemeClr val="accent1">
+              <a:shade val="50000"/>
+            </a:schemeClr>
+          </a:lnRef>
+          <a:fillRef idx="1">
+            <a:schemeClr val="accent1"/>
+          </a:fillRef>
+          <a:effectRef idx="0">
+            <a:schemeClr val="accent1"/>
+          </a:effectRef>
+          <a:fontRef idx="minor">
+            <a:schemeClr val="lt1"/>
+          </a:fontRef>
+        </p:style>
+        <p:txBody>
+          <a:bodyPr rtlCol="0" anchor="ctr"/>
+          <a:lstStyle/>
+          <a:p>
+            <a:pPr algn="ctr"/>
+            <a:endParaRPr lang="de-DE"/>
+          </a:p>
+        </p:txBody>
+      </p:sp>
+      <p:sp>
+        <p:nvSpPr>
+          <p:cNvPr id="27" name="Rectangle 26"/>
+          <p:cNvSpPr/>
+          <p:nvPr/>
+        </p:nvSpPr>
+        <p:spPr>
+          <a:xfrm>
+            <a:off x="1972865" y="4873431"/>
+            <a:ext cx="428269" cy="105036"/>
+          </a:xfrm>
+          <a:prstGeom prst="rect">
+            <a:avLst/>
+          </a:prstGeom>
+          <a:solidFill>
+            <a:schemeClr val="bg1">
+              <a:lumMod val="95000"/>
+            </a:schemeClr>
+          </a:solidFill>
+          <a:ln w="152400">
+            <a:noFill/>
+          </a:ln>
+        </p:spPr>
+        <p:style>
+          <a:lnRef idx="2">
+            <a:schemeClr val="accent1">
+              <a:shade val="50000"/>
+            </a:schemeClr>
+          </a:lnRef>
+          <a:fillRef idx="1">
+            <a:schemeClr val="accent1"/>
+          </a:fillRef>
+          <a:effectRef idx="0">
+            <a:schemeClr val="accent1"/>
+          </a:effectRef>
+          <a:fontRef idx="minor">
+            <a:schemeClr val="lt1"/>
+          </a:fontRef>
+        </p:style>
+        <p:txBody>
+          <a:bodyPr rtlCol="0" anchor="ctr"/>
+          <a:lstStyle/>
+          <a:p>
+            <a:pPr algn="ctr"/>
+            <a:endParaRPr lang="de-DE"/>
+          </a:p>
+        </p:txBody>
+      </p:sp>
+      <p:sp>
+        <p:nvSpPr>
+          <p:cNvPr id="28" name="Rectangle 27"/>
+          <p:cNvSpPr/>
+          <p:nvPr/>
+        </p:nvSpPr>
+        <p:spPr>
+          <a:xfrm>
+            <a:off x="2257425" y="5237039"/>
+            <a:ext cx="260350" cy="113747"/>
+          </a:xfrm>
+          <a:prstGeom prst="rect">
+            <a:avLst/>
+          </a:prstGeom>
+          <a:solidFill>
+            <a:schemeClr val="bg1">
+              <a:lumMod val="95000"/>
+            </a:schemeClr>
+          </a:solidFill>
+          <a:ln w="152400">
+            <a:noFill/>
+          </a:ln>
+        </p:spPr>
+        <p:style>
+          <a:lnRef idx="2">
+            <a:schemeClr val="accent1">
+              <a:shade val="50000"/>
+            </a:schemeClr>
+          </a:lnRef>
+          <a:fillRef idx="1">
+            <a:schemeClr val="accent1"/>
+          </a:fillRef>
+          <a:effectRef idx="0">
+            <a:schemeClr val="accent1"/>
+          </a:effectRef>
+          <a:fontRef idx="minor">
+            <a:schemeClr val="lt1"/>
+          </a:fontRef>
+        </p:style>
+        <p:txBody>
+          <a:bodyPr rtlCol="0" anchor="ctr"/>
+          <a:lstStyle/>
+          <a:p>
+            <a:pPr algn="ctr"/>
+            <a:endParaRPr lang="de-DE"/>
+          </a:p>
+        </p:txBody>
+      </p:sp>
+      <p:sp>
+        <p:nvSpPr>
+          <p:cNvPr id="29" name="Rectangle 28"/>
+          <p:cNvSpPr/>
+          <p:nvPr/>
+        </p:nvSpPr>
+        <p:spPr>
+          <a:xfrm>
+            <a:off x="1994443" y="5237038"/>
+            <a:ext cx="260350" cy="113747"/>
+          </a:xfrm>
+          <a:prstGeom prst="rect">
+            <a:avLst/>
+          </a:prstGeom>
+          <a:solidFill>
+            <a:schemeClr val="bg1">
+              <a:lumMod val="95000"/>
+            </a:schemeClr>
+          </a:solidFill>
+          <a:ln w="152400">
+            <a:noFill/>
+          </a:ln>
+        </p:spPr>
+        <p:style>
+          <a:lnRef idx="2">
+            <a:schemeClr val="accent1">
+              <a:shade val="50000"/>
+            </a:schemeClr>
+          </a:lnRef>
+          <a:fillRef idx="1">
+            <a:schemeClr val="accent1"/>
+          </a:fillRef>
+          <a:effectRef idx="0">
+            <a:schemeClr val="accent1"/>
+          </a:effectRef>
+          <a:fontRef idx="minor">
+            <a:schemeClr val="lt1"/>
+          </a:fontRef>
+        </p:style>
+        <p:txBody>
+          <a:bodyPr rtlCol="0" anchor="ctr"/>
+          <a:lstStyle/>
+          <a:p>
+            <a:pPr algn="ctr"/>
+            <a:endParaRPr lang="de-DE"/>
+          </a:p>
+        </p:txBody>
+      </p:sp>
+      <p:sp>
+        <p:nvSpPr>
+          <p:cNvPr id="30" name="Rectangle 29"/>
+          <p:cNvSpPr/>
+          <p:nvPr/>
+        </p:nvSpPr>
+        <p:spPr>
+          <a:xfrm>
+            <a:off x="1734093" y="5320163"/>
+            <a:ext cx="260350" cy="113747"/>
+          </a:xfrm>
+          <a:prstGeom prst="rect">
+            <a:avLst/>
+          </a:prstGeom>
+          <a:solidFill>
+            <a:schemeClr val="bg1">
+              <a:lumMod val="95000"/>
+            </a:schemeClr>
+          </a:solidFill>
+          <a:ln w="152400">
+            <a:noFill/>
+          </a:ln>
+        </p:spPr>
+        <p:style>
+          <a:lnRef idx="2">
+            <a:schemeClr val="accent1">
+              <a:shade val="50000"/>
+            </a:schemeClr>
+          </a:lnRef>
+          <a:fillRef idx="1">
+            <a:schemeClr val="accent1"/>
+          </a:fillRef>
+          <a:effectRef idx="0">
+            <a:schemeClr val="accent1"/>
+          </a:effectRef>
+          <a:fontRef idx="minor">
+            <a:schemeClr val="lt1"/>
+          </a:fontRef>
+        </p:style>
+        <p:txBody>
+          <a:bodyPr rtlCol="0" anchor="ctr"/>
+          <a:lstStyle/>
+          <a:p>
+            <a:pPr algn="ctr"/>
             <a:endParaRPr lang="de-DE"/>
           </a:p>
         </p:txBody>
@@ -4759,19 +5266,21 @@
         <mc:Choice xmlns:a14="http://schemas.microsoft.com/office/drawing/2010/main" Requires="a14">
           <p:sp>
             <p:nvSpPr>
-              <p:cNvPr id="49" name="TextBox 48"/>
+              <p:cNvPr id="7" name="TextBox 6"/>
               <p:cNvSpPr txBox="1"/>
               <p:nvPr/>
             </p:nvSpPr>
             <p:spPr>
               <a:xfrm>
-                <a:off x="3337765" y="2069371"/>
-                <a:ext cx="4910299" cy="338554"/>
+                <a:off x="3506578" y="2044147"/>
+                <a:ext cx="4910299" cy="350352"/>
               </a:xfrm>
               <a:prstGeom prst="rect">
                 <a:avLst/>
               </a:prstGeom>
-              <a:noFill/>
+              <a:solidFill>
+                <a:schemeClr val="bg1"/>
+              </a:solidFill>
             </p:spPr>
             <p:txBody>
               <a:bodyPr wrap="square" rtlCol="0">
@@ -4868,20 +5377,35 @@
                 </a:r>
                 <a14:m>
                   <m:oMath xmlns:m="http://schemas.openxmlformats.org/officeDocument/2006/math">
-                    <m:r>
-                      <a:rPr lang="en-US" sz="1600" b="0" i="1" smtClean="0">
-                        <a:latin typeface="Cambria Math" panose="02040503050406030204" pitchFamily="18" charset="0"/>
-                      </a:rPr>
-                      <m:t>𝜙</m:t>
-                    </m:r>
+                    <m:acc>
+                      <m:accPr>
+                        <m:chr m:val="̃"/>
+                        <m:ctrlPr>
+                          <a:rPr lang="en-US" sz="1600" b="0" i="1" smtClean="0">
+                            <a:latin typeface="Cambria Math" panose="02040503050406030204" pitchFamily="18" charset="0"/>
+                            <a:ea typeface="Latin Modern Math" panose="02000503000000000000" pitchFamily="50" charset="0"/>
+                          </a:rPr>
+                        </m:ctrlPr>
+                      </m:accPr>
+                      <m:e>
+                        <m:r>
+                          <a:rPr lang="en-US" sz="1600" i="1">
+                            <a:latin typeface="Latin Modern Math" panose="02000503000000000000" pitchFamily="50" charset="0"/>
+                            <a:ea typeface="Latin Modern Math" panose="02000503000000000000" pitchFamily="50" charset="0"/>
+                          </a:rPr>
+                          <m:t>𝜙</m:t>
+                        </m:r>
+                        <m:r>
+                          <a:rPr lang="en-US" sz="1600" b="0" i="1" smtClean="0">
+                            <a:latin typeface="Cambria Math" panose="02040503050406030204" pitchFamily="18" charset="0"/>
+                            <a:ea typeface="Latin Modern Math" panose="02000503000000000000" pitchFamily="50" charset="0"/>
+                          </a:rPr>
+                          <m:t> </m:t>
+                        </m:r>
+                      </m:e>
+                    </m:acc>
                   </m:oMath>
                 </a14:m>
-                <a:r>
-                  <a:rPr lang="en-US" sz="1600" dirty="0">
-                    <a:latin typeface="Consolas" panose="020B0609020204030204" pitchFamily="49" charset="0"/>
-                  </a:rPr>
-                  <a:t> </a:t>
-                </a:r>
                 <a:r>
                   <a:rPr lang="en-US" sz="1600" dirty="0">
                     <a:solidFill>
@@ -4960,7 +5484,7 @@
                     <m:sSub>
                       <m:sSubPr>
                         <m:ctrlPr>
-                          <a:rPr lang="en-US" sz="1600" b="0" i="0" dirty="0" smtClean="0">
+                          <a:rPr lang="en-US" sz="1600" b="0" i="1" dirty="0" smtClean="0">
                             <a:latin typeface="Cambria Math" panose="02040503050406030204" pitchFamily="18" charset="0"/>
                           </a:rPr>
                         </m:ctrlPr>
@@ -4997,7 +5521,7 @@
         <mc:Fallback>
           <p:sp>
             <p:nvSpPr>
-              <p:cNvPr id="49" name="TextBox 48"/>
+              <p:cNvPr id="7" name="TextBox 6"/>
               <p:cNvSpPr txBox="1">
                 <a:spLocks noRot="1" noChangeAspect="1" noMove="1" noResize="1" noEditPoints="1" noAdjustHandles="1" noChangeArrowheads="1" noChangeShapeType="1" noTextEdit="1"/>
               </p:cNvSpPr>
@@ -5005,8 +5529,8 @@
             </p:nvSpPr>
             <p:spPr>
               <a:xfrm>
-                <a:off x="3337765" y="2069371"/>
-                <a:ext cx="4910299" cy="338554"/>
+                <a:off x="3506578" y="2044147"/>
+                <a:ext cx="4910299" cy="350352"/>
               </a:xfrm>
               <a:prstGeom prst="rect">
                 <a:avLst/>
@@ -5014,7 +5538,7 @@
               <a:blipFill>
                 <a:blip r:embed="rId3"/>
                 <a:stretch>
-                  <a:fillRect t="-7143" b="-19643"/>
+                  <a:fillRect t="-3448" b="-18966"/>
                 </a:stretch>
               </a:blipFill>
             </p:spPr>
@@ -5037,19 +5561,21 @@
         <mc:Choice xmlns:a14="http://schemas.microsoft.com/office/drawing/2010/main" Requires="a14">
           <p:sp>
             <p:nvSpPr>
-              <p:cNvPr id="50" name="TextBox 49"/>
+              <p:cNvPr id="9" name="TextBox 8"/>
               <p:cNvSpPr txBox="1"/>
               <p:nvPr/>
             </p:nvSpPr>
             <p:spPr>
               <a:xfrm>
-                <a:off x="3337765" y="2492422"/>
-                <a:ext cx="5820302" cy="338554"/>
+                <a:off x="3506578" y="3501355"/>
+                <a:ext cx="4514747" cy="369332"/>
               </a:xfrm>
               <a:prstGeom prst="rect">
                 <a:avLst/>
               </a:prstGeom>
-              <a:noFill/>
+              <a:solidFill>
+                <a:schemeClr val="bg1"/>
+              </a:solidFill>
             </p:spPr>
             <p:txBody>
               <a:bodyPr wrap="square" rtlCol="0">
@@ -5057,6 +5583,625 @@
               </a:bodyPr>
               <a:lstStyle/>
               <a:p>
+                <a14:m>
+                  <m:oMath xmlns:m="http://schemas.openxmlformats.org/officeDocument/2006/math">
+                    <m:r>
+                      <a:rPr lang="en-US" b="0" i="1" smtClean="0">
+                        <a:latin typeface="Latin Modern Math" panose="02000503000000000000" pitchFamily="50" charset="0"/>
+                        <a:ea typeface="Latin Modern Math" panose="02000503000000000000" pitchFamily="50" charset="0"/>
+                      </a:rPr>
+                      <m:t>=</m:t>
+                    </m:r>
+                  </m:oMath>
+                </a14:m>
+                <a:r>
+                  <a:rPr lang="de-DE" dirty="0">
+                    <a:latin typeface="Latin Modern Math" panose="02000503000000000000" pitchFamily="50" charset="0"/>
+                    <a:ea typeface="Latin Modern Math" panose="02000503000000000000" pitchFamily="50" charset="0"/>
+                  </a:rPr>
+                  <a:t> </a:t>
+                </a:r>
+                <a:r>
+                  <a:rPr lang="de-DE" cap="small" dirty="0">
+                    <a:latin typeface="Latin Modern Math" panose="02000503000000000000" pitchFamily="50" charset="0"/>
+                    <a:ea typeface="Latin Modern Math" panose="02000503000000000000" pitchFamily="50" charset="0"/>
+                  </a:rPr>
+                  <a:t>(Var </a:t>
+                </a:r>
+                <a14:m>
+                  <m:oMath xmlns:m="http://schemas.openxmlformats.org/officeDocument/2006/math">
+                    <m:r>
+                      <a:rPr lang="en-US" b="0" i="1" cap="small" smtClean="0">
+                        <a:latin typeface="Latin Modern Math" panose="02000503000000000000" pitchFamily="50" charset="0"/>
+                        <a:ea typeface="Latin Modern Math" panose="02000503000000000000" pitchFamily="50" charset="0"/>
+                      </a:rPr>
+                      <m:t>⇀</m:t>
+                    </m:r>
+                  </m:oMath>
+                </a14:m>
+                <a:r>
+                  <a:rPr lang="de-DE" cap="small" dirty="0">
+                    <a:latin typeface="Latin Modern Math" panose="02000503000000000000" pitchFamily="50" charset="0"/>
+                    <a:ea typeface="Latin Modern Math" panose="02000503000000000000" pitchFamily="50" charset="0"/>
+                  </a:rPr>
+                  <a:t> Val) </a:t>
+                </a:r>
+                <a14:m>
+                  <m:oMath xmlns:m="http://schemas.openxmlformats.org/officeDocument/2006/math">
+                    <m:r>
+                      <a:rPr lang="en-US" b="0" i="1" cap="small" smtClean="0">
+                        <a:latin typeface="Latin Modern Math" panose="02000503000000000000" pitchFamily="50" charset="0"/>
+                        <a:ea typeface="Latin Modern Math" panose="02000503000000000000" pitchFamily="50" charset="0"/>
+                      </a:rPr>
+                      <m:t>×</m:t>
+                    </m:r>
+                  </m:oMath>
+                </a14:m>
+                <a:r>
+                  <a:rPr lang="de-DE" dirty="0">
+                    <a:latin typeface="Latin Modern Math" panose="02000503000000000000" pitchFamily="50" charset="0"/>
+                    <a:ea typeface="Latin Modern Math" panose="02000503000000000000" pitchFamily="50" charset="0"/>
+                  </a:rPr>
+                  <a:t> </a:t>
+                </a:r>
+                <a:r>
+                  <a:rPr lang="de-DE" cap="small" dirty="0">
+                    <a:latin typeface="Latin Modern Math" panose="02000503000000000000" pitchFamily="50" charset="0"/>
+                    <a:ea typeface="Latin Modern Math" panose="02000503000000000000" pitchFamily="50" charset="0"/>
+                  </a:rPr>
+                  <a:t>Stmt</a:t>
+                </a:r>
+                <a:endParaRPr lang="de-DE" dirty="0">
+                  <a:latin typeface="Latin Modern Math" panose="02000503000000000000" pitchFamily="50" charset="0"/>
+                  <a:ea typeface="Latin Modern Math" panose="02000503000000000000" pitchFamily="50" charset="0"/>
+                </a:endParaRPr>
+              </a:p>
+            </p:txBody>
+          </p:sp>
+        </mc:Choice>
+        <mc:Fallback>
+          <p:sp>
+            <p:nvSpPr>
+              <p:cNvPr id="9" name="TextBox 8"/>
+              <p:cNvSpPr txBox="1">
+                <a:spLocks noRot="1" noChangeAspect="1" noMove="1" noResize="1" noEditPoints="1" noAdjustHandles="1" noChangeArrowheads="1" noChangeShapeType="1" noTextEdit="1"/>
+              </p:cNvSpPr>
+              <p:nvPr/>
+            </p:nvSpPr>
+            <p:spPr>
+              <a:xfrm>
+                <a:off x="3506578" y="3501355"/>
+                <a:ext cx="4514747" cy="369332"/>
+              </a:xfrm>
+              <a:prstGeom prst="rect">
+                <a:avLst/>
+              </a:prstGeom>
+              <a:blipFill>
+                <a:blip r:embed="rId4"/>
+                <a:stretch>
+                  <a:fillRect t="-1639" b="-31148"/>
+                </a:stretch>
+              </a:blipFill>
+            </p:spPr>
+            <p:txBody>
+              <a:bodyPr/>
+              <a:lstStyle/>
+              <a:p>
+                <a:r>
+                  <a:rPr lang="de-DE">
+                    <a:noFill/>
+                  </a:rPr>
+                  <a:t> </a:t>
+                </a:r>
+              </a:p>
+            </p:txBody>
+          </p:sp>
+        </mc:Fallback>
+      </mc:AlternateContent>
+      <mc:AlternateContent xmlns:mc="http://schemas.openxmlformats.org/markup-compatibility/2006">
+        <mc:Choice xmlns:a14="http://schemas.microsoft.com/office/drawing/2010/main" Requires="a14">
+          <p:sp>
+            <p:nvSpPr>
+              <p:cNvPr id="3" name="Rectangle 2"/>
+              <p:cNvSpPr/>
+              <p:nvPr/>
+            </p:nvSpPr>
+            <p:spPr>
+              <a:xfrm>
+                <a:off x="3525029" y="4495490"/>
+                <a:ext cx="3664786" cy="369397"/>
+              </a:xfrm>
+              <a:prstGeom prst="rect">
+                <a:avLst/>
+              </a:prstGeom>
+              <a:solidFill>
+                <a:schemeClr val="bg1"/>
+              </a:solidFill>
+            </p:spPr>
+            <p:txBody>
+              <a:bodyPr wrap="none">
+                <a:spAutoFit/>
+              </a:bodyPr>
+              <a:lstStyle/>
+              <a:p>
+                <a14:m>
+                  <m:oMath xmlns:m="http://schemas.openxmlformats.org/officeDocument/2006/math">
+                    <m:r>
+                      <a:rPr lang="en-US" i="1">
+                        <a:latin typeface="Latin Modern Math" panose="02000503000000000000" pitchFamily="50" charset="0"/>
+                        <a:ea typeface="Latin Modern Math" panose="02000503000000000000" pitchFamily="50" charset="0"/>
+                      </a:rPr>
+                      <m:t>⊢{</m:t>
+                    </m:r>
+                  </m:oMath>
+                </a14:m>
+                <a:r>
+                  <a:rPr lang="de-DE" dirty="0">
+                    <a:latin typeface="Consolas" panose="020B0609020204030204" pitchFamily="49" charset="0"/>
+                    <a:ea typeface="Latin Modern Math" panose="02000503000000000000" pitchFamily="50" charset="0"/>
+                  </a:rPr>
+                  <a:t>x = 3</a:t>
+                </a:r>
+                <a14:m>
+                  <m:oMath xmlns:m="http://schemas.openxmlformats.org/officeDocument/2006/math">
+                    <m:r>
+                      <a:rPr lang="en-US" i="1">
+                        <a:latin typeface="Latin Modern Math" panose="02000503000000000000" pitchFamily="50" charset="0"/>
+                        <a:ea typeface="Latin Modern Math" panose="02000503000000000000" pitchFamily="50" charset="0"/>
+                      </a:rPr>
+                      <m:t>}</m:t>
+                    </m:r>
+                  </m:oMath>
+                </a14:m>
+                <a:r>
+                  <a:rPr lang="de-DE" dirty="0">
+                    <a:latin typeface="Latin Modern Math" panose="02000503000000000000" pitchFamily="50" charset="0"/>
+                    <a:ea typeface="Latin Modern Math" panose="02000503000000000000" pitchFamily="50" charset="0"/>
+                  </a:rPr>
+                  <a:t>  </a:t>
+                </a:r>
+                <a:r>
+                  <a:rPr lang="de-DE" dirty="0">
+                    <a:latin typeface="Consolas" panose="020B0609020204030204" pitchFamily="49" charset="0"/>
+                    <a:ea typeface="Latin Modern Math" panose="02000503000000000000" pitchFamily="50" charset="0"/>
+                    <a:cs typeface="Courier New" panose="02070309020205020404" pitchFamily="49" charset="0"/>
+                  </a:rPr>
+                  <a:t>x := x + 1 </a:t>
+                </a:r>
+                <a14:m>
+                  <m:oMath xmlns:m="http://schemas.openxmlformats.org/officeDocument/2006/math">
+                    <m:r>
+                      <a:rPr lang="en-US" i="1">
+                        <a:latin typeface="Latin Modern Math" panose="02000503000000000000" pitchFamily="50" charset="0"/>
+                        <a:ea typeface="Latin Modern Math" panose="02000503000000000000" pitchFamily="50" charset="0"/>
+                      </a:rPr>
+                      <m:t>{</m:t>
+                    </m:r>
+                  </m:oMath>
+                </a14:m>
+                <a:r>
+                  <a:rPr lang="de-DE" dirty="0">
+                    <a:latin typeface="Consolas" panose="020B0609020204030204" pitchFamily="49" charset="0"/>
+                    <a:ea typeface="Latin Modern Math" panose="02000503000000000000" pitchFamily="50" charset="0"/>
+                  </a:rPr>
+                  <a:t>x = 4</a:t>
+                </a:r>
+                <a14:m>
+                  <m:oMath xmlns:m="http://schemas.openxmlformats.org/officeDocument/2006/math">
+                    <m:r>
+                      <a:rPr lang="en-US" i="1">
+                        <a:latin typeface="Latin Modern Math" panose="02000503000000000000" pitchFamily="50" charset="0"/>
+                        <a:ea typeface="Latin Modern Math" panose="02000503000000000000" pitchFamily="50" charset="0"/>
+                      </a:rPr>
+                      <m:t>}</m:t>
+                    </m:r>
+                  </m:oMath>
+                </a14:m>
+                <a:endParaRPr lang="de-DE" dirty="0">
+                  <a:latin typeface="Latin Modern Math" panose="02000503000000000000" pitchFamily="50" charset="0"/>
+                  <a:ea typeface="Latin Modern Math" panose="02000503000000000000" pitchFamily="50" charset="0"/>
+                </a:endParaRPr>
+              </a:p>
+            </p:txBody>
+          </p:sp>
+        </mc:Choice>
+        <mc:Fallback>
+          <p:sp>
+            <p:nvSpPr>
+              <p:cNvPr id="3" name="Rectangle 2"/>
+              <p:cNvSpPr>
+                <a:spLocks noRot="1" noChangeAspect="1" noMove="1" noResize="1" noEditPoints="1" noAdjustHandles="1" noChangeArrowheads="1" noChangeShapeType="1" noTextEdit="1"/>
+              </p:cNvSpPr>
+              <p:nvPr/>
+            </p:nvSpPr>
+            <p:spPr>
+              <a:xfrm>
+                <a:off x="3525029" y="4495490"/>
+                <a:ext cx="3664786" cy="369397"/>
+              </a:xfrm>
+              <a:prstGeom prst="rect">
+                <a:avLst/>
+              </a:prstGeom>
+              <a:blipFill>
+                <a:blip r:embed="rId5"/>
+                <a:stretch>
+                  <a:fillRect t="-16393" b="-16393"/>
+                </a:stretch>
+              </a:blipFill>
+            </p:spPr>
+            <p:txBody>
+              <a:bodyPr/>
+              <a:lstStyle/>
+              <a:p>
+                <a:r>
+                  <a:rPr lang="de-DE">
+                    <a:noFill/>
+                  </a:rPr>
+                  <a:t> </a:t>
+                </a:r>
+              </a:p>
+            </p:txBody>
+          </p:sp>
+        </mc:Fallback>
+      </mc:AlternateContent>
+      <mc:AlternateContent xmlns:mc="http://schemas.openxmlformats.org/markup-compatibility/2006">
+        <mc:Choice xmlns:a14="http://schemas.microsoft.com/office/drawing/2010/main" Requires="a14">
+          <p:sp>
+            <p:nvSpPr>
+              <p:cNvPr id="11" name="Rectangle 10"/>
+              <p:cNvSpPr/>
+              <p:nvPr/>
+            </p:nvSpPr>
+            <p:spPr>
+              <a:xfrm>
+                <a:off x="3488509" y="4840911"/>
+                <a:ext cx="5173211" cy="424475"/>
+              </a:xfrm>
+              <a:prstGeom prst="rect">
+                <a:avLst/>
+              </a:prstGeom>
+              <a:solidFill>
+                <a:schemeClr val="bg1"/>
+              </a:solidFill>
+            </p:spPr>
+            <p:txBody>
+              <a:bodyPr wrap="none">
+                <a:spAutoFit/>
+              </a:bodyPr>
+              <a:lstStyle/>
+              <a:p>
+                <a:pPr/>
+                <a14:m>
+                  <m:oMath xmlns:m="http://schemas.openxmlformats.org/officeDocument/2006/math">
+                    <m:d>
+                      <m:dPr>
+                        <m:begChr m:val="〈"/>
+                        <m:endChr m:val="〉"/>
+                        <m:ctrlPr>
+                          <a:rPr lang="en-US" dirty="0" smtClean="0">
+                            <a:latin typeface="Latin Modern Math" panose="02000503000000000000" pitchFamily="50" charset="0"/>
+                            <a:ea typeface="Latin Modern Math" panose="02000503000000000000" pitchFamily="50" charset="0"/>
+                            <a:cs typeface="Courier New" panose="02070309020205020404" pitchFamily="49" charset="0"/>
+                          </a:rPr>
+                        </m:ctrlPr>
+                      </m:dPr>
+                      <m:e>
+                        <m:r>
+                          <m:rPr>
+                            <m:nor/>
+                          </m:rPr>
+                          <a:rPr lang="de-DE" dirty="0">
+                            <a:latin typeface="Consolas" panose="020B0609020204030204" pitchFamily="49" charset="0"/>
+                            <a:ea typeface="Latin Modern Math" panose="02000503000000000000" pitchFamily="50" charset="0"/>
+                            <a:cs typeface="Courier New" panose="02070309020205020404" pitchFamily="49" charset="0"/>
+                          </a:rPr>
+                          <m:t>x</m:t>
+                        </m:r>
+                        <m:r>
+                          <a:rPr lang="en-US">
+                            <a:latin typeface="Latin Modern Math" panose="02000503000000000000" pitchFamily="50" charset="0"/>
+                            <a:ea typeface="Latin Modern Math" panose="02000503000000000000" pitchFamily="50" charset="0"/>
+                            <a:cs typeface="Courier New" panose="02070309020205020404" pitchFamily="49" charset="0"/>
+                          </a:rPr>
+                          <m:t>↦3,</m:t>
+                        </m:r>
+                        <m:r>
+                          <m:rPr>
+                            <m:nor/>
+                          </m:rPr>
+                          <a:rPr lang="en-US" b="0" i="0" smtClean="0">
+                            <a:latin typeface="Latin Modern Math" panose="02000503000000000000" pitchFamily="50" charset="0"/>
+                            <a:ea typeface="Latin Modern Math" panose="02000503000000000000" pitchFamily="50" charset="0"/>
+                            <a:cs typeface="Courier New" panose="02070309020205020404" pitchFamily="49" charset="0"/>
+                          </a:rPr>
+                          <m:t> </m:t>
+                        </m:r>
+                        <m:r>
+                          <m:rPr>
+                            <m:nor/>
+                          </m:rPr>
+                          <a:rPr lang="de-DE" dirty="0">
+                            <a:latin typeface="Consolas" panose="020B0609020204030204" pitchFamily="49" charset="0"/>
+                            <a:ea typeface="Latin Modern Math" panose="02000503000000000000" pitchFamily="50" charset="0"/>
+                            <a:cs typeface="Courier New" panose="02070309020205020404" pitchFamily="49" charset="0"/>
+                          </a:rPr>
+                          <m:t>x</m:t>
+                        </m:r>
+                        <m:r>
+                          <m:rPr>
+                            <m:nor/>
+                          </m:rPr>
+                          <a:rPr lang="de-DE" dirty="0">
+                            <a:latin typeface="Consolas" panose="020B0609020204030204" pitchFamily="49" charset="0"/>
+                            <a:ea typeface="Latin Modern Math" panose="02000503000000000000" pitchFamily="50" charset="0"/>
+                            <a:cs typeface="Courier New" panose="02070309020205020404" pitchFamily="49" charset="0"/>
+                          </a:rPr>
+                          <m:t> := </m:t>
+                        </m:r>
+                        <m:r>
+                          <m:rPr>
+                            <m:nor/>
+                          </m:rPr>
+                          <a:rPr lang="de-DE" dirty="0">
+                            <a:latin typeface="Consolas" panose="020B0609020204030204" pitchFamily="49" charset="0"/>
+                            <a:ea typeface="Latin Modern Math" panose="02000503000000000000" pitchFamily="50" charset="0"/>
+                            <a:cs typeface="Courier New" panose="02070309020205020404" pitchFamily="49" charset="0"/>
+                          </a:rPr>
+                          <m:t>x</m:t>
+                        </m:r>
+                        <m:r>
+                          <m:rPr>
+                            <m:nor/>
+                          </m:rPr>
+                          <a:rPr lang="de-DE" dirty="0">
+                            <a:latin typeface="Consolas" panose="020B0609020204030204" pitchFamily="49" charset="0"/>
+                            <a:ea typeface="Latin Modern Math" panose="02000503000000000000" pitchFamily="50" charset="0"/>
+                            <a:cs typeface="Courier New" panose="02070309020205020404" pitchFamily="49" charset="0"/>
+                          </a:rPr>
+                          <m:t> + </m:t>
+                        </m:r>
+                        <m:r>
+                          <m:rPr>
+                            <m:nor/>
+                          </m:rPr>
+                          <a:rPr lang="en-US" dirty="0">
+                            <a:latin typeface="Consolas" panose="020B0609020204030204" pitchFamily="49" charset="0"/>
+                            <a:ea typeface="Latin Modern Math" panose="02000503000000000000" pitchFamily="50" charset="0"/>
+                            <a:cs typeface="Courier New" panose="02070309020205020404" pitchFamily="49" charset="0"/>
+                          </a:rPr>
+                          <m:t>1; </m:t>
+                        </m:r>
+                        <m:r>
+                          <m:rPr>
+                            <m:nor/>
+                          </m:rPr>
+                          <a:rPr lang="en-US" dirty="0">
+                            <a:latin typeface="Consolas" panose="020B0609020204030204" pitchFamily="49" charset="0"/>
+                            <a:ea typeface="Latin Modern Math" panose="02000503000000000000" pitchFamily="50" charset="0"/>
+                            <a:cs typeface="Courier New" panose="02070309020205020404" pitchFamily="49" charset="0"/>
+                          </a:rPr>
+                          <m:t>skip</m:t>
+                        </m:r>
+                      </m:e>
+                    </m:d>
+                    <m:r>
+                      <m:rPr>
+                        <m:nor/>
+                      </m:rPr>
+                      <a:rPr lang="en-US" b="0" i="0" dirty="0" smtClean="0">
+                        <a:latin typeface="Latin Modern Math" panose="02000503000000000000" pitchFamily="50" charset="0"/>
+                        <a:ea typeface="Latin Modern Math" panose="02000503000000000000" pitchFamily="50" charset="0"/>
+                        <a:cs typeface="Courier New" panose="02070309020205020404" pitchFamily="49" charset="0"/>
+                      </a:rPr>
+                      <m:t> </m:t>
+                    </m:r>
+                    <m:r>
+                      <m:rPr>
+                        <m:nor/>
+                      </m:rPr>
+                      <a:rPr lang="de-DE" dirty="0">
+                        <a:latin typeface="Latin Modern Math" panose="02000503000000000000" pitchFamily="50" charset="0"/>
+                        <a:ea typeface="Latin Modern Math" panose="02000503000000000000" pitchFamily="50" charset="0"/>
+                        <a:cs typeface="Lucida Sans Unicode" panose="020B0602030504020204" pitchFamily="34" charset="0"/>
+                      </a:rPr>
+                      <m:t>⟶</m:t>
+                    </m:r>
+                    <m:r>
+                      <m:rPr>
+                        <m:nor/>
+                      </m:rPr>
+                      <a:rPr lang="en-US" b="0" i="0" dirty="0" smtClean="0">
+                        <a:latin typeface="Latin Modern Math" panose="02000503000000000000" pitchFamily="50" charset="0"/>
+                        <a:ea typeface="Latin Modern Math" panose="02000503000000000000" pitchFamily="50" charset="0"/>
+                        <a:cs typeface="Lucida Sans Unicode" panose="020B0602030504020204" pitchFamily="34" charset="0"/>
+                      </a:rPr>
+                      <m:t> </m:t>
+                    </m:r>
+                    <m:r>
+                      <a:rPr lang="en-US" b="0" i="0" dirty="0" smtClean="0">
+                        <a:latin typeface="Cambria Math" panose="02040503050406030204" pitchFamily="18" charset="0"/>
+                        <a:ea typeface="Latin Modern Math" panose="02000503000000000000" pitchFamily="50" charset="0"/>
+                        <a:cs typeface="Lucida Sans Unicode" panose="020B0602030504020204" pitchFamily="34" charset="0"/>
+                      </a:rPr>
+                      <m:t> </m:t>
+                    </m:r>
+                    <m:r>
+                      <a:rPr lang="en-US">
+                        <a:latin typeface="Latin Modern Math" panose="02000503000000000000" pitchFamily="50" charset="0"/>
+                        <a:ea typeface="Latin Modern Math" panose="02000503000000000000" pitchFamily="50" charset="0"/>
+                        <a:cs typeface="Courier New" panose="02070309020205020404" pitchFamily="49" charset="0"/>
+                      </a:rPr>
+                      <m:t>〈</m:t>
+                    </m:r>
+                    <m:r>
+                      <m:rPr>
+                        <m:nor/>
+                      </m:rPr>
+                      <a:rPr lang="de-DE" dirty="0">
+                        <a:latin typeface="Consolas" panose="020B0609020204030204" pitchFamily="49" charset="0"/>
+                        <a:ea typeface="Latin Modern Math" panose="02000503000000000000" pitchFamily="50" charset="0"/>
+                        <a:cs typeface="Courier New" panose="02070309020205020404" pitchFamily="49" charset="0"/>
+                      </a:rPr>
+                      <m:t>x</m:t>
+                    </m:r>
+                    <m:r>
+                      <a:rPr lang="en-US">
+                        <a:latin typeface="Latin Modern Math" panose="02000503000000000000" pitchFamily="50" charset="0"/>
+                        <a:ea typeface="Latin Modern Math" panose="02000503000000000000" pitchFamily="50" charset="0"/>
+                        <a:cs typeface="Courier New" panose="02070309020205020404" pitchFamily="49" charset="0"/>
+                      </a:rPr>
+                      <m:t>↦</m:t>
+                    </m:r>
+                    <m:r>
+                      <a:rPr lang="en-US">
+                        <a:latin typeface="Latin Modern Math" panose="02000503000000000000" pitchFamily="50" charset="0"/>
+                        <a:ea typeface="Latin Modern Math" panose="02000503000000000000" pitchFamily="50" charset="0"/>
+                        <a:cs typeface="Courier New" panose="02070309020205020404" pitchFamily="49" charset="0"/>
+                      </a:rPr>
+                      <m:t>4</m:t>
+                    </m:r>
+                    <m:r>
+                      <a:rPr lang="en-US">
+                        <a:latin typeface="Latin Modern Math" panose="02000503000000000000" pitchFamily="50" charset="0"/>
+                        <a:ea typeface="Latin Modern Math" panose="02000503000000000000" pitchFamily="50" charset="0"/>
+                        <a:cs typeface="Courier New" panose="02070309020205020404" pitchFamily="49" charset="0"/>
+                      </a:rPr>
+                      <m:t>,</m:t>
+                    </m:r>
+                    <m:r>
+                      <a:rPr lang="de-DE" dirty="0">
+                        <a:latin typeface="Latin Modern Math" panose="02000503000000000000" pitchFamily="50" charset="0"/>
+                        <a:ea typeface="Latin Modern Math" panose="02000503000000000000" pitchFamily="50" charset="0"/>
+                        <a:cs typeface="Courier New" panose="02070309020205020404" pitchFamily="49" charset="0"/>
+                      </a:rPr>
+                      <m:t> </m:t>
+                    </m:r>
+                    <m:r>
+                      <m:rPr>
+                        <m:nor/>
+                      </m:rPr>
+                      <a:rPr lang="en-US" b="0" i="0" dirty="0" smtClean="0">
+                        <a:latin typeface="Latin Modern Math" panose="02000503000000000000" pitchFamily="50" charset="0"/>
+                        <a:ea typeface="Latin Modern Math" panose="02000503000000000000" pitchFamily="50" charset="0"/>
+                        <a:cs typeface="Courier New" panose="02070309020205020404" pitchFamily="49" charset="0"/>
+                      </a:rPr>
+                      <m:t> </m:t>
+                    </m:r>
+                    <m:r>
+                      <m:rPr>
+                        <m:nor/>
+                      </m:rPr>
+                      <a:rPr lang="en-US" dirty="0">
+                        <a:latin typeface="Consolas" panose="020B0609020204030204" pitchFamily="49" charset="0"/>
+                        <a:ea typeface="Latin Modern Math" panose="02000503000000000000" pitchFamily="50" charset="0"/>
+                        <a:cs typeface="Courier New" panose="02070309020205020404" pitchFamily="49" charset="0"/>
+                      </a:rPr>
+                      <m:t>skip</m:t>
+                    </m:r>
+                    <m:r>
+                      <a:rPr lang="en-US">
+                        <a:latin typeface="Latin Modern Math" panose="02000503000000000000" pitchFamily="50" charset="0"/>
+                        <a:ea typeface="Latin Modern Math" panose="02000503000000000000" pitchFamily="50" charset="0"/>
+                        <a:cs typeface="Courier New" panose="02070309020205020404" pitchFamily="49" charset="0"/>
+                      </a:rPr>
+                      <m:t>〉</m:t>
+                    </m:r>
+                  </m:oMath>
+                </a14:m>
+                <a:r>
+                  <a:rPr lang="de-DE" dirty="0">
+                    <a:latin typeface="Latin Modern Math" panose="02000503000000000000" pitchFamily="50" charset="0"/>
+                    <a:ea typeface="Latin Modern Math" panose="02000503000000000000" pitchFamily="50" charset="0"/>
+                    <a:cs typeface="Courier New" panose="02070309020205020404" pitchFamily="49" charset="0"/>
+                  </a:rPr>
+                  <a:t> </a:t>
+                </a:r>
+              </a:p>
+            </p:txBody>
+          </p:sp>
+        </mc:Choice>
+        <mc:Fallback>
+          <p:sp>
+            <p:nvSpPr>
+              <p:cNvPr id="11" name="Rectangle 10"/>
+              <p:cNvSpPr>
+                <a:spLocks noRot="1" noChangeAspect="1" noMove="1" noResize="1" noEditPoints="1" noAdjustHandles="1" noChangeArrowheads="1" noChangeShapeType="1" noTextEdit="1"/>
+              </p:cNvSpPr>
+              <p:nvPr/>
+            </p:nvSpPr>
+            <p:spPr>
+              <a:xfrm>
+                <a:off x="3488509" y="4840911"/>
+                <a:ext cx="5173211" cy="424475"/>
+              </a:xfrm>
+              <a:prstGeom prst="rect">
+                <a:avLst/>
+              </a:prstGeom>
+              <a:blipFill>
+                <a:blip r:embed="rId6"/>
+                <a:stretch>
+                  <a:fillRect b="-5714"/>
+                </a:stretch>
+              </a:blipFill>
+            </p:spPr>
+            <p:txBody>
+              <a:bodyPr/>
+              <a:lstStyle/>
+              <a:p>
+                <a:r>
+                  <a:rPr lang="de-DE">
+                    <a:noFill/>
+                  </a:rPr>
+                  <a:t> </a:t>
+                </a:r>
+              </a:p>
+            </p:txBody>
+          </p:sp>
+        </mc:Fallback>
+      </mc:AlternateContent>
+      <mc:AlternateContent xmlns:mc="http://schemas.openxmlformats.org/markup-compatibility/2006">
+        <mc:Choice xmlns:a14="http://schemas.microsoft.com/office/drawing/2010/main" Requires="a14">
+          <p:sp>
+            <p:nvSpPr>
+              <p:cNvPr id="31" name="TextBox 30"/>
+              <p:cNvSpPr txBox="1"/>
+              <p:nvPr/>
+            </p:nvSpPr>
+            <p:spPr>
+              <a:xfrm>
+                <a:off x="3488509" y="2480276"/>
+                <a:ext cx="5637422" cy="338554"/>
+              </a:xfrm>
+              <a:prstGeom prst="rect">
+                <a:avLst/>
+              </a:prstGeom>
+              <a:solidFill>
+                <a:schemeClr val="bg1"/>
+              </a:solidFill>
+            </p:spPr>
+            <p:txBody>
+              <a:bodyPr wrap="square" rtlCol="0">
+                <a:spAutoFit/>
+              </a:bodyPr>
+              <a:lstStyle/>
+              <a:p>
+                <a:r>
+                  <a:rPr lang="de-DE" sz="1600" dirty="0">
+                    <a:latin typeface="Consolas" panose="020B0609020204030204" pitchFamily="49" charset="0"/>
+                  </a:rPr>
+                  <a:t>? </a:t>
+                </a:r>
+                <a:r>
+                  <a:rPr lang="en-US" sz="1600" dirty="0">
+                    <a:solidFill>
+                      <a:schemeClr val="bg1">
+                        <a:lumMod val="75000"/>
+                      </a:schemeClr>
+                    </a:solidFill>
+                    <a:latin typeface="Consolas" panose="020B0609020204030204" pitchFamily="49" charset="0"/>
+                  </a:rPr>
+                  <a:t>| </a:t>
+                </a:r>
                 <a:r>
                   <a:rPr lang="en-US" sz="1600" dirty="0">
                     <a:latin typeface="Consolas" panose="020B0609020204030204" pitchFamily="49" charset="0"/>
@@ -5085,14 +6230,14 @@
                     <m:sSub>
                       <m:sSubPr>
                         <m:ctrlPr>
-                          <a:rPr lang="en-US" sz="1600" i="1" dirty="0" smtClean="0">
+                          <a:rPr lang="en-US" sz="1600" i="1" dirty="0">
                             <a:latin typeface="Cambria Math" panose="02040503050406030204" pitchFamily="18" charset="0"/>
                           </a:rPr>
                         </m:ctrlPr>
                       </m:sSubPr>
                       <m:e>
                         <m:r>
-                          <a:rPr lang="en-US" sz="1600" i="1" dirty="0" smtClean="0">
+                          <a:rPr lang="en-US" sz="1600" i="1" dirty="0">
                             <a:latin typeface="Cambria Math" panose="02040503050406030204" pitchFamily="18" charset="0"/>
                           </a:rPr>
                           <m:t>𝑒</m:t>
@@ -5100,7 +6245,7 @@
                       </m:e>
                       <m:sub>
                         <m:r>
-                          <a:rPr lang="en-US" sz="1600" i="1" dirty="0" smtClean="0">
+                          <a:rPr lang="en-US" sz="1600" i="1" dirty="0">
                             <a:latin typeface="Cambria Math" panose="02040503050406030204" pitchFamily="18" charset="0"/>
                           </a:rPr>
                           <m:t>1</m:t>
@@ -5120,14 +6265,14 @@
                     <m:sSub>
                       <m:sSubPr>
                         <m:ctrlPr>
-                          <a:rPr lang="en-US" sz="1600" i="1" dirty="0" smtClean="0">
+                          <a:rPr lang="en-US" sz="1600" i="1" dirty="0">
                             <a:latin typeface="Cambria Math" panose="02040503050406030204" pitchFamily="18" charset="0"/>
                           </a:rPr>
                         </m:ctrlPr>
                       </m:sSubPr>
                       <m:e>
                         <m:r>
-                          <a:rPr lang="en-US" sz="1600" i="1" dirty="0" smtClean="0">
+                          <a:rPr lang="en-US" sz="1600" i="1" dirty="0">
                             <a:latin typeface="Cambria Math" panose="02040503050406030204" pitchFamily="18" charset="0"/>
                           </a:rPr>
                           <m:t>𝑒</m:t>
@@ -5135,7 +6280,7 @@
                       </m:e>
                       <m:sub>
                         <m:r>
-                          <a:rPr lang="en-US" sz="1600" i="1" dirty="0" smtClean="0">
+                          <a:rPr lang="en-US" sz="1600" i="1" dirty="0">
                             <a:latin typeface="Cambria Math" panose="02040503050406030204" pitchFamily="18" charset="0"/>
                           </a:rPr>
                           <m:t>2</m:t>
@@ -5172,14 +6317,14 @@
                     <m:sSub>
                       <m:sSubPr>
                         <m:ctrlPr>
-                          <a:rPr lang="en-US" sz="1600" i="1" dirty="0" smtClean="0">
+                          <a:rPr lang="en-US" sz="1600" i="1" dirty="0">
                             <a:latin typeface="Cambria Math" panose="02040503050406030204" pitchFamily="18" charset="0"/>
                           </a:rPr>
                         </m:ctrlPr>
                       </m:sSubPr>
                       <m:e>
                         <m:r>
-                          <a:rPr lang="en-US" sz="1600" i="1" dirty="0" smtClean="0">
+                          <a:rPr lang="en-US" sz="1600" i="1" dirty="0">
                             <a:latin typeface="Cambria Math" panose="02040503050406030204" pitchFamily="18" charset="0"/>
                           </a:rPr>
                           <m:t>𝑒</m:t>
@@ -5187,7 +6332,7 @@
                       </m:e>
                       <m:sub>
                         <m:r>
-                          <a:rPr lang="en-US" sz="1600" i="1" dirty="0" smtClean="0">
+                          <a:rPr lang="en-US" sz="1600" i="1" dirty="0">
                             <a:latin typeface="Cambria Math" panose="02040503050406030204" pitchFamily="18" charset="0"/>
                           </a:rPr>
                           <m:t>1</m:t>
@@ -5219,14 +6364,14 @@
                     <m:sSub>
                       <m:sSubPr>
                         <m:ctrlPr>
-                          <a:rPr lang="en-US" sz="1600" i="1" dirty="0" smtClean="0">
+                          <a:rPr lang="en-US" sz="1600" i="1" dirty="0">
                             <a:latin typeface="Cambria Math" panose="02040503050406030204" pitchFamily="18" charset="0"/>
                           </a:rPr>
                         </m:ctrlPr>
                       </m:sSubPr>
                       <m:e>
                         <m:r>
-                          <a:rPr lang="en-US" sz="1600" i="1" dirty="0" smtClean="0">
+                          <a:rPr lang="en-US" sz="1600" i="1" dirty="0">
                             <a:latin typeface="Cambria Math" panose="02040503050406030204" pitchFamily="18" charset="0"/>
                           </a:rPr>
                           <m:t>𝑒</m:t>
@@ -5234,7 +6379,7 @@
                       </m:e>
                       <m:sub>
                         <m:r>
-                          <a:rPr lang="en-US" sz="1600" i="1" dirty="0" smtClean="0">
+                          <a:rPr lang="en-US" sz="1600" i="1" dirty="0">
                             <a:latin typeface="Cambria Math" panose="02040503050406030204" pitchFamily="18" charset="0"/>
                           </a:rPr>
                           <m:t>2</m:t>
@@ -5247,7 +6392,7 @@
                   <a:rPr lang="en-US" sz="1600" dirty="0">
                     <a:latin typeface="Consolas" panose="020B0609020204030204" pitchFamily="49" charset="0"/>
                   </a:rPr>
-                  <a:t>) </a:t>
+                  <a:t>)</a:t>
                 </a:r>
                 <a:r>
                   <a:rPr lang="en-US" sz="1600" dirty="0">
@@ -5258,68 +6403,7 @@
                     </a:solidFill>
                     <a:latin typeface="Consolas" panose="020B0609020204030204" pitchFamily="49" charset="0"/>
                   </a:rPr>
-                  <a:t>|</a:t>
-                </a:r>
-                <a:r>
-                  <a:rPr lang="en-US" sz="1600" dirty="0">
-                    <a:latin typeface="Consolas" panose="020B0609020204030204" pitchFamily="49" charset="0"/>
-                  </a:rPr>
-                  <a:t> </a:t>
-                </a:r>
-                <a:r>
-                  <a:rPr lang="en-US" sz="1600" dirty="0" err="1">
-                    <a:latin typeface="Consolas" panose="020B0609020204030204" pitchFamily="49" charset="0"/>
-                  </a:rPr>
-                  <a:t>acc</a:t>
-                </a:r>
-                <a:r>
-                  <a:rPr lang="en-US" sz="1600" dirty="0">
-                    <a:latin typeface="Consolas" panose="020B0609020204030204" pitchFamily="49" charset="0"/>
-                  </a:rPr>
-                  <a:t>(</a:t>
-                </a:r>
-                <a14:m>
-                  <m:oMath xmlns:m="http://schemas.openxmlformats.org/officeDocument/2006/math">
-                    <m:r>
-                      <a:rPr lang="en-US" sz="1600" i="1" dirty="0" smtClean="0">
-                        <a:latin typeface="Cambria Math" panose="02040503050406030204" pitchFamily="18" charset="0"/>
-                      </a:rPr>
-                      <m:t>𝑒</m:t>
-                    </m:r>
-                  </m:oMath>
-                </a14:m>
-                <a:r>
-                  <a:rPr lang="en-US" sz="1600" dirty="0" err="1">
-                    <a:latin typeface="Consolas" panose="020B0609020204030204" pitchFamily="49" charset="0"/>
-                  </a:rPr>
-                  <a:t>.</a:t>
-                </a:r>
-                <a14:m>
-                  <m:oMath xmlns:m="http://schemas.openxmlformats.org/officeDocument/2006/math">
-                    <m:r>
-                      <a:rPr lang="en-US" sz="1600" i="1" dirty="0" smtClean="0">
-                        <a:latin typeface="Cambria Math" panose="02040503050406030204" pitchFamily="18" charset="0"/>
-                      </a:rPr>
-                      <m:t>𝑓</m:t>
-                    </m:r>
-                  </m:oMath>
-                </a14:m>
-                <a:r>
-                  <a:rPr lang="en-US" sz="1600" dirty="0">
-                    <a:latin typeface="Consolas" panose="020B0609020204030204" pitchFamily="49" charset="0"/>
-                  </a:rPr>
-                  <a:t>) </a:t>
-                </a:r>
-                <a:r>
-                  <a:rPr lang="en-US" sz="1600" dirty="0">
-                    <a:solidFill>
-                      <a:schemeClr val="bg1">
-                        <a:lumMod val="75000"/>
-                      </a:schemeClr>
-                    </a:solidFill>
-                    <a:latin typeface="Consolas" panose="020B0609020204030204" pitchFamily="49" charset="0"/>
-                  </a:rPr>
-                  <a:t>|</a:t>
+                  <a:t> |</a:t>
                 </a:r>
                 <a:r>
                   <a:rPr lang="en-US" sz="1600" dirty="0">
@@ -5332,14 +6416,14 @@
                     <m:sSub>
                       <m:sSubPr>
                         <m:ctrlPr>
-                          <a:rPr lang="en-US" sz="1600" i="1" dirty="0" smtClean="0">
+                          <a:rPr lang="en-US" sz="1600" i="1" dirty="0">
                             <a:latin typeface="Cambria Math" panose="02040503050406030204" pitchFamily="18" charset="0"/>
                           </a:rPr>
                         </m:ctrlPr>
                       </m:sSubPr>
                       <m:e>
                         <m:r>
-                          <a:rPr lang="en-US" sz="1600" b="0" i="1" dirty="0" smtClean="0">
+                          <a:rPr lang="en-US" sz="1600" i="1" dirty="0">
                             <a:latin typeface="Cambria Math" panose="02040503050406030204" pitchFamily="18" charset="0"/>
                           </a:rPr>
                           <m:t>𝜙</m:t>
@@ -5347,7 +6431,7 @@
                       </m:e>
                       <m:sub>
                         <m:r>
-                          <a:rPr lang="en-US" sz="1600" i="1" dirty="0" smtClean="0">
+                          <a:rPr lang="en-US" sz="1600" i="1" dirty="0">
                             <a:latin typeface="Cambria Math" panose="02040503050406030204" pitchFamily="18" charset="0"/>
                           </a:rPr>
                           <m:t>1</m:t>
@@ -5355,38 +6439,35 @@
                       </m:sub>
                     </m:sSub>
                     <m:r>
-                      <a:rPr lang="en-US" sz="1600" b="0" i="1" dirty="0" smtClean="0">
+                      <a:rPr lang="en-US" sz="1600" i="1" dirty="0">
                         <a:latin typeface="Cambria Math" panose="02040503050406030204" pitchFamily="18" charset="0"/>
                       </a:rPr>
                       <m:t> </m:t>
                     </m:r>
-                  </m:oMath>
-                </a14:m>
-                <a:r>
-                  <a:rPr lang="en-US" sz="1600" dirty="0">
-                    <a:latin typeface="Consolas" panose="020B0609020204030204" pitchFamily="49" charset="0"/>
-                  </a:rPr>
-                  <a:t>*</a:t>
-                </a:r>
-                <a14:m>
-                  <m:oMath xmlns:m="http://schemas.openxmlformats.org/officeDocument/2006/math">
+                    <m:r>
+                      <a:rPr lang="en-US" sz="1600" i="1" dirty="0" smtClean="0">
+                        <a:latin typeface="Cambria Math" panose="02040503050406030204" pitchFamily="18" charset="0"/>
+                        <a:ea typeface="Cambria Math" panose="02040503050406030204" pitchFamily="18" charset="0"/>
+                      </a:rPr>
+                      <m:t>∧</m:t>
+                    </m:r>
                     <m:sSub>
                       <m:sSubPr>
                         <m:ctrlPr>
-                          <a:rPr lang="en-US" sz="1600" i="1" dirty="0" smtClean="0">
+                          <a:rPr lang="en-US" sz="1600" i="1" dirty="0">
                             <a:latin typeface="Cambria Math" panose="02040503050406030204" pitchFamily="18" charset="0"/>
                           </a:rPr>
                         </m:ctrlPr>
                       </m:sSubPr>
                       <m:e>
                         <m:r>
-                          <a:rPr lang="en-US" sz="1600" b="0" i="1" dirty="0" smtClean="0">
+                          <a:rPr lang="en-US" sz="1600" i="1" dirty="0">
                             <a:latin typeface="Cambria Math" panose="02040503050406030204" pitchFamily="18" charset="0"/>
                           </a:rPr>
                           <m:t>  </m:t>
                         </m:r>
                         <m:r>
-                          <a:rPr lang="en-US" sz="1600" i="1" dirty="0" smtClean="0">
+                          <a:rPr lang="en-US" sz="1600" i="1" dirty="0">
                             <a:latin typeface="Cambria Math" panose="02040503050406030204" pitchFamily="18" charset="0"/>
                           </a:rPr>
                           <m:t>𝜙</m:t>
@@ -5394,7 +6475,7 @@
                       </m:e>
                       <m:sub>
                         <m:r>
-                          <a:rPr lang="en-US" sz="1600" i="1" dirty="0" smtClean="0">
+                          <a:rPr lang="en-US" sz="1600" i="1" dirty="0">
                             <a:latin typeface="Cambria Math" panose="02040503050406030204" pitchFamily="18" charset="0"/>
                           </a:rPr>
                           <m:t>2</m:t>
@@ -5403,6 +6484,17 @@
                     </m:sSub>
                   </m:oMath>
                 </a14:m>
+                <a:r>
+                  <a:rPr lang="en-US" sz="1600" dirty="0">
+                    <a:solidFill>
+                      <a:schemeClr val="bg1">
+                        <a:lumMod val="75000"/>
+                      </a:schemeClr>
+                    </a:solidFill>
+                    <a:latin typeface="Consolas" panose="020B0609020204030204" pitchFamily="49" charset="0"/>
+                  </a:rPr>
+                  <a:t> </a:t>
+                </a:r>
                 <a:endParaRPr lang="de-DE" sz="1600" dirty="0">
                   <a:latin typeface="Consolas" panose="020B0609020204030204" pitchFamily="49" charset="0"/>
                 </a:endParaRPr>
@@ -5413,7 +6505,7 @@
         <mc:Fallback>
           <p:sp>
             <p:nvSpPr>
-              <p:cNvPr id="50" name="TextBox 49"/>
+              <p:cNvPr id="31" name="TextBox 30"/>
               <p:cNvSpPr txBox="1">
                 <a:spLocks noRot="1" noChangeAspect="1" noMove="1" noResize="1" noEditPoints="1" noAdjustHandles="1" noChangeArrowheads="1" noChangeShapeType="1" noTextEdit="1"/>
               </p:cNvSpPr>
@@ -5421,16 +6513,480 @@
             </p:nvSpPr>
             <p:spPr>
               <a:xfrm>
-                <a:off x="3337765" y="2492422"/>
-                <a:ext cx="5820302" cy="338554"/>
+                <a:off x="3488509" y="2480276"/>
+                <a:ext cx="5637422" cy="338554"/>
               </a:xfrm>
               <a:prstGeom prst="rect">
                 <a:avLst/>
               </a:prstGeom>
               <a:blipFill>
-                <a:blip r:embed="rId4"/>
+                <a:blip r:embed="rId7"/>
                 <a:stretch>
-                  <a:fillRect l="-629" t="-7273" b="-21818"/>
+                  <a:fillRect l="-541" t="-7273" b="-21818"/>
+                </a:stretch>
+              </a:blipFill>
+            </p:spPr>
+            <p:txBody>
+              <a:bodyPr/>
+              <a:lstStyle/>
+              <a:p>
+                <a:r>
+                  <a:rPr lang="de-DE">
+                    <a:noFill/>
+                  </a:rPr>
+                  <a:t> </a:t>
+                </a:r>
+              </a:p>
+            </p:txBody>
+          </p:sp>
+        </mc:Fallback>
+      </mc:AlternateContent>
+      <p:sp>
+        <p:nvSpPr>
+          <p:cNvPr id="33" name="hide1a"/>
+          <p:cNvSpPr/>
+          <p:nvPr/>
+        </p:nvSpPr>
+        <p:spPr>
+          <a:xfrm>
+            <a:off x="3482124" y="2499053"/>
+            <a:ext cx="456830" cy="377499"/>
+          </a:xfrm>
+          <a:prstGeom prst="rect">
+            <a:avLst/>
+          </a:prstGeom>
+          <a:solidFill>
+            <a:schemeClr val="bg1"/>
+          </a:solidFill>
+          <a:ln w="152400">
+            <a:noFill/>
+          </a:ln>
+        </p:spPr>
+        <p:style>
+          <a:lnRef idx="2">
+            <a:schemeClr val="accent1">
+              <a:shade val="50000"/>
+            </a:schemeClr>
+          </a:lnRef>
+          <a:fillRef idx="1">
+            <a:schemeClr val="accent1"/>
+          </a:fillRef>
+          <a:effectRef idx="0">
+            <a:schemeClr val="accent1"/>
+          </a:effectRef>
+          <a:fontRef idx="minor">
+            <a:schemeClr val="lt1"/>
+          </a:fontRef>
+        </p:style>
+        <p:txBody>
+          <a:bodyPr rtlCol="0" anchor="ctr"/>
+          <a:lstStyle/>
+          <a:p>
+            <a:pPr algn="ctr"/>
+            <a:r>
+              <a:rPr lang="en-US" dirty="0"/>
+              <a:t>s</a:t>
+            </a:r>
+            <a:endParaRPr lang="de-DE" dirty="0"/>
+          </a:p>
+        </p:txBody>
+      </p:sp>
+      <p:sp>
+        <p:nvSpPr>
+          <p:cNvPr id="34" name="hide1a"/>
+          <p:cNvSpPr/>
+          <p:nvPr/>
+        </p:nvSpPr>
+        <p:spPr>
+          <a:xfrm>
+            <a:off x="5462401" y="1790386"/>
+            <a:ext cx="250218" cy="359440"/>
+          </a:xfrm>
+          <a:prstGeom prst="rect">
+            <a:avLst/>
+          </a:prstGeom>
+          <a:solidFill>
+            <a:schemeClr val="bg1"/>
+          </a:solidFill>
+          <a:ln w="152400">
+            <a:noFill/>
+          </a:ln>
+        </p:spPr>
+        <p:style>
+          <a:lnRef idx="2">
+            <a:schemeClr val="accent1">
+              <a:shade val="50000"/>
+            </a:schemeClr>
+          </a:lnRef>
+          <a:fillRef idx="1">
+            <a:schemeClr val="accent1"/>
+          </a:fillRef>
+          <a:effectRef idx="0">
+            <a:schemeClr val="accent1"/>
+          </a:effectRef>
+          <a:fontRef idx="minor">
+            <a:schemeClr val="lt1"/>
+          </a:fontRef>
+        </p:style>
+        <p:txBody>
+          <a:bodyPr rtlCol="0" anchor="ctr"/>
+          <a:lstStyle/>
+          <a:p>
+            <a:pPr algn="ctr"/>
+            <a:r>
+              <a:rPr lang="en-US" dirty="0"/>
+              <a:t>s</a:t>
+            </a:r>
+            <a:endParaRPr lang="de-DE" dirty="0"/>
+          </a:p>
+        </p:txBody>
+      </p:sp>
+      <mc:AlternateContent xmlns:mc="http://schemas.openxmlformats.org/markup-compatibility/2006">
+        <mc:Choice xmlns:a14="http://schemas.microsoft.com/office/drawing/2010/main" Requires="a14">
+          <p:sp>
+            <p:nvSpPr>
+              <p:cNvPr id="35" name="hide1a"/>
+              <p:cNvSpPr/>
+              <p:nvPr/>
+            </p:nvSpPr>
+            <p:spPr>
+              <a:xfrm>
+                <a:off x="5308109" y="3201358"/>
+                <a:ext cx="686681" cy="733133"/>
+              </a:xfrm>
+              <a:prstGeom prst="rect">
+                <a:avLst/>
+              </a:prstGeom>
+              <a:noFill/>
+              <a:ln w="152400">
+                <a:noFill/>
+              </a:ln>
+            </p:spPr>
+            <p:style>
+              <a:lnRef idx="2">
+                <a:schemeClr val="accent1">
+                  <a:shade val="50000"/>
+                </a:schemeClr>
+              </a:lnRef>
+              <a:fillRef idx="1">
+                <a:schemeClr val="accent1"/>
+              </a:fillRef>
+              <a:effectRef idx="0">
+                <a:schemeClr val="accent1"/>
+              </a:effectRef>
+              <a:fontRef idx="minor">
+                <a:schemeClr val="lt1"/>
+              </a:fontRef>
+            </p:style>
+            <p:txBody>
+              <a:bodyPr rtlCol="0" anchor="ctr"/>
+              <a:lstStyle/>
+              <a:p>
+                <a:pPr algn="ctr"/>
+                <a14:m>
+                  <m:oMathPara xmlns:m="http://schemas.openxmlformats.org/officeDocument/2006/math">
+                    <m:oMathParaPr>
+                      <m:jc m:val="centerGroup"/>
+                    </m:oMathParaPr>
+                    <m:oMath xmlns:m="http://schemas.openxmlformats.org/officeDocument/2006/math">
+                      <m:acc>
+                        <m:accPr>
+                          <m:chr m:val="̃"/>
+                          <m:ctrlPr>
+                            <a:rPr lang="de-DE" i="1" smtClean="0">
+                              <a:solidFill>
+                                <a:schemeClr val="tx1"/>
+                              </a:solidFill>
+                              <a:latin typeface="Cambria Math" panose="02040503050406030204" pitchFamily="18" charset="0"/>
+                            </a:rPr>
+                          </m:ctrlPr>
+                        </m:accPr>
+                        <m:e>
+                          <m:r>
+                            <a:rPr lang="en-US" b="0" i="1" smtClean="0">
+                              <a:solidFill>
+                                <a:schemeClr val="tx1"/>
+                              </a:solidFill>
+                              <a:latin typeface="Cambria Math" panose="02040503050406030204" pitchFamily="18" charset="0"/>
+                            </a:rPr>
+                            <m:t>    </m:t>
+                          </m:r>
+                        </m:e>
+                      </m:acc>
+                    </m:oMath>
+                  </m:oMathPara>
+                </a14:m>
+                <a:endParaRPr lang="de-DE" dirty="0">
+                  <a:solidFill>
+                    <a:schemeClr val="tx1"/>
+                  </a:solidFill>
+                </a:endParaRPr>
+              </a:p>
+            </p:txBody>
+          </p:sp>
+        </mc:Choice>
+        <mc:Fallback>
+          <p:sp>
+            <p:nvSpPr>
+              <p:cNvPr id="35" name="hide1a"/>
+              <p:cNvSpPr>
+                <a:spLocks noRot="1" noChangeAspect="1" noMove="1" noResize="1" noEditPoints="1" noAdjustHandles="1" noChangeArrowheads="1" noChangeShapeType="1" noTextEdit="1"/>
+              </p:cNvSpPr>
+              <p:nvPr/>
+            </p:nvSpPr>
+            <p:spPr>
+              <a:xfrm>
+                <a:off x="5308109" y="3201358"/>
+                <a:ext cx="686681" cy="733133"/>
+              </a:xfrm>
+              <a:prstGeom prst="rect">
+                <a:avLst/>
+              </a:prstGeom>
+              <a:blipFill>
+                <a:blip r:embed="rId8"/>
+                <a:stretch>
+                  <a:fillRect r="-19643"/>
+                </a:stretch>
+              </a:blipFill>
+              <a:ln w="152400">
+                <a:noFill/>
+              </a:ln>
+            </p:spPr>
+            <p:txBody>
+              <a:bodyPr/>
+              <a:lstStyle/>
+              <a:p>
+                <a:r>
+                  <a:rPr lang="de-DE">
+                    <a:noFill/>
+                  </a:rPr>
+                  <a:t> </a:t>
+                </a:r>
+              </a:p>
+            </p:txBody>
+          </p:sp>
+        </mc:Fallback>
+      </mc:AlternateContent>
+      <mc:AlternateContent xmlns:mc="http://schemas.openxmlformats.org/markup-compatibility/2006">
+        <mc:Choice xmlns:a14="http://schemas.microsoft.com/office/drawing/2010/main" Requires="a14">
+          <p:sp>
+            <p:nvSpPr>
+              <p:cNvPr id="37" name="Rectangle 36"/>
+              <p:cNvSpPr/>
+              <p:nvPr/>
+            </p:nvSpPr>
+            <p:spPr>
+              <a:xfrm>
+                <a:off x="3488509" y="5277452"/>
+                <a:ext cx="4249881" cy="424475"/>
+              </a:xfrm>
+              <a:prstGeom prst="rect">
+                <a:avLst/>
+              </a:prstGeom>
+              <a:solidFill>
+                <a:schemeClr val="bg1"/>
+              </a:solidFill>
+            </p:spPr>
+            <p:txBody>
+              <a:bodyPr wrap="none">
+                <a:spAutoFit/>
+              </a:bodyPr>
+              <a:lstStyle/>
+              <a:p>
+                <a:pPr/>
+                <a14:m>
+                  <m:oMath xmlns:m="http://schemas.openxmlformats.org/officeDocument/2006/math">
+                    <m:d>
+                      <m:dPr>
+                        <m:begChr m:val="〈"/>
+                        <m:endChr m:val="〉"/>
+                        <m:ctrlPr>
+                          <a:rPr lang="en-US" dirty="0" smtClean="0">
+                            <a:latin typeface="Latin Modern Math" panose="02000503000000000000" pitchFamily="50" charset="0"/>
+                            <a:ea typeface="Latin Modern Math" panose="02000503000000000000" pitchFamily="50" charset="0"/>
+                            <a:cs typeface="Courier New" panose="02070309020205020404" pitchFamily="49" charset="0"/>
+                          </a:rPr>
+                        </m:ctrlPr>
+                      </m:dPr>
+                      <m:e>
+                        <m:r>
+                          <m:rPr>
+                            <m:nor/>
+                          </m:rPr>
+                          <a:rPr lang="de-DE" dirty="0">
+                            <a:latin typeface="Consolas" panose="020B0609020204030204" pitchFamily="49" charset="0"/>
+                            <a:ea typeface="Latin Modern Math" panose="02000503000000000000" pitchFamily="50" charset="0"/>
+                            <a:cs typeface="Courier New" panose="02070309020205020404" pitchFamily="49" charset="0"/>
+                          </a:rPr>
+                          <m:t>x</m:t>
+                        </m:r>
+                        <m:r>
+                          <a:rPr lang="en-US">
+                            <a:latin typeface="Latin Modern Math" panose="02000503000000000000" pitchFamily="50" charset="0"/>
+                            <a:ea typeface="Latin Modern Math" panose="02000503000000000000" pitchFamily="50" charset="0"/>
+                            <a:cs typeface="Courier New" panose="02070309020205020404" pitchFamily="49" charset="0"/>
+                          </a:rPr>
+                          <m:t>↦3,</m:t>
+                        </m:r>
+                        <m:r>
+                          <m:rPr>
+                            <m:nor/>
+                          </m:rPr>
+                          <a:rPr lang="en-US" b="0" i="0" smtClean="0">
+                            <a:latin typeface="Latin Modern Math" panose="02000503000000000000" pitchFamily="50" charset="0"/>
+                            <a:ea typeface="Latin Modern Math" panose="02000503000000000000" pitchFamily="50" charset="0"/>
+                            <a:cs typeface="Courier New" panose="02070309020205020404" pitchFamily="49" charset="0"/>
+                          </a:rPr>
+                          <m:t> </m:t>
+                        </m:r>
+                        <m:r>
+                          <m:rPr>
+                            <m:nor/>
+                          </m:rPr>
+                          <a:rPr lang="de-DE" dirty="0">
+                            <a:latin typeface="Consolas" panose="020B0609020204030204" pitchFamily="49" charset="0"/>
+                            <a:ea typeface="Latin Modern Math" panose="02000503000000000000" pitchFamily="50" charset="0"/>
+                            <a:cs typeface="Courier New" panose="02070309020205020404" pitchFamily="49" charset="0"/>
+                          </a:rPr>
+                          <m:t>x</m:t>
+                        </m:r>
+                        <m:r>
+                          <m:rPr>
+                            <m:nor/>
+                          </m:rPr>
+                          <a:rPr lang="de-DE" dirty="0">
+                            <a:latin typeface="Consolas" panose="020B0609020204030204" pitchFamily="49" charset="0"/>
+                            <a:ea typeface="Latin Modern Math" panose="02000503000000000000" pitchFamily="50" charset="0"/>
+                            <a:cs typeface="Courier New" panose="02070309020205020404" pitchFamily="49" charset="0"/>
+                          </a:rPr>
+                          <m:t> := </m:t>
+                        </m:r>
+                        <m:r>
+                          <m:rPr>
+                            <m:nor/>
+                          </m:rPr>
+                          <a:rPr lang="de-DE" dirty="0">
+                            <a:latin typeface="Consolas" panose="020B0609020204030204" pitchFamily="49" charset="0"/>
+                            <a:ea typeface="Latin Modern Math" panose="02000503000000000000" pitchFamily="50" charset="0"/>
+                            <a:cs typeface="Courier New" panose="02070309020205020404" pitchFamily="49" charset="0"/>
+                          </a:rPr>
+                          <m:t>x</m:t>
+                        </m:r>
+                        <m:r>
+                          <m:rPr>
+                            <m:nor/>
+                          </m:rPr>
+                          <a:rPr lang="de-DE" dirty="0">
+                            <a:latin typeface="Consolas" panose="020B0609020204030204" pitchFamily="49" charset="0"/>
+                            <a:ea typeface="Latin Modern Math" panose="02000503000000000000" pitchFamily="50" charset="0"/>
+                            <a:cs typeface="Courier New" panose="02070309020205020404" pitchFamily="49" charset="0"/>
+                          </a:rPr>
+                          <m:t> + </m:t>
+                        </m:r>
+                        <m:r>
+                          <m:rPr>
+                            <m:nor/>
+                          </m:rPr>
+                          <a:rPr lang="en-US" dirty="0">
+                            <a:latin typeface="Consolas" panose="020B0609020204030204" pitchFamily="49" charset="0"/>
+                            <a:ea typeface="Latin Modern Math" panose="02000503000000000000" pitchFamily="50" charset="0"/>
+                            <a:cs typeface="Courier New" panose="02070309020205020404" pitchFamily="49" charset="0"/>
+                          </a:rPr>
+                          <m:t>1; </m:t>
+                        </m:r>
+                        <m:r>
+                          <m:rPr>
+                            <m:nor/>
+                          </m:rPr>
+                          <a:rPr lang="en-US" dirty="0">
+                            <a:latin typeface="Consolas" panose="020B0609020204030204" pitchFamily="49" charset="0"/>
+                            <a:ea typeface="Latin Modern Math" panose="02000503000000000000" pitchFamily="50" charset="0"/>
+                            <a:cs typeface="Courier New" panose="02070309020205020404" pitchFamily="49" charset="0"/>
+                          </a:rPr>
+                          <m:t>skip</m:t>
+                        </m:r>
+                      </m:e>
+                    </m:d>
+                    <m:r>
+                      <a:rPr lang="en-US" b="0" i="1" dirty="0" smtClean="0">
+                        <a:latin typeface="Cambria Math" panose="02040503050406030204" pitchFamily="18" charset="0"/>
+                        <a:ea typeface="Latin Modern Math" panose="02000503000000000000" pitchFamily="50" charset="0"/>
+                        <a:cs typeface="Courier New" panose="02070309020205020404" pitchFamily="49" charset="0"/>
+                      </a:rPr>
+                      <m:t> </m:t>
+                    </m:r>
+                    <m:r>
+                      <a:rPr lang="en-US" i="1">
+                        <a:latin typeface="Latin Modern Math" panose="02000503000000000000" pitchFamily="50" charset="0"/>
+                        <a:ea typeface="Latin Modern Math" panose="02000503000000000000" pitchFamily="50" charset="0"/>
+                      </a:rPr>
+                      <m:t>⊨</m:t>
+                    </m:r>
+                    <m:r>
+                      <m:rPr>
+                        <m:nor/>
+                      </m:rPr>
+                      <a:rPr lang="en-US" b="0" i="0" smtClean="0">
+                        <a:latin typeface="Latin Modern Math" panose="02000503000000000000" pitchFamily="50" charset="0"/>
+                        <a:ea typeface="Latin Modern Math" panose="02000503000000000000" pitchFamily="50" charset="0"/>
+                      </a:rPr>
+                      <m:t> </m:t>
+                    </m:r>
+                    <m:r>
+                      <m:rPr>
+                        <m:nor/>
+                      </m:rPr>
+                      <a:rPr lang="de-DE" dirty="0">
+                        <a:latin typeface="Consolas" panose="020B0609020204030204" pitchFamily="49" charset="0"/>
+                        <a:ea typeface="Latin Modern Math" panose="02000503000000000000" pitchFamily="50" charset="0"/>
+                      </a:rPr>
+                      <m:t>x</m:t>
+                    </m:r>
+                    <m:r>
+                      <m:rPr>
+                        <m:nor/>
+                      </m:rPr>
+                      <a:rPr lang="de-DE" dirty="0">
+                        <a:latin typeface="Consolas" panose="020B0609020204030204" pitchFamily="49" charset="0"/>
+                        <a:ea typeface="Latin Modern Math" panose="02000503000000000000" pitchFamily="50" charset="0"/>
+                      </a:rPr>
+                      <m:t> = 3</m:t>
+                    </m:r>
+                  </m:oMath>
+                </a14:m>
+                <a:r>
+                  <a:rPr lang="de-DE" dirty="0">
+                    <a:latin typeface="Latin Modern Math" panose="02000503000000000000" pitchFamily="50" charset="0"/>
+                    <a:ea typeface="Latin Modern Math" panose="02000503000000000000" pitchFamily="50" charset="0"/>
+                    <a:cs typeface="Courier New" panose="02070309020205020404" pitchFamily="49" charset="0"/>
+                  </a:rPr>
+                  <a:t> </a:t>
+                </a:r>
+              </a:p>
+            </p:txBody>
+          </p:sp>
+        </mc:Choice>
+        <mc:Fallback>
+          <p:sp>
+            <p:nvSpPr>
+              <p:cNvPr id="37" name="Rectangle 36"/>
+              <p:cNvSpPr>
+                <a:spLocks noRot="1" noChangeAspect="1" noMove="1" noResize="1" noEditPoints="1" noAdjustHandles="1" noChangeArrowheads="1" noChangeShapeType="1" noTextEdit="1"/>
+              </p:cNvSpPr>
+              <p:nvPr/>
+            </p:nvSpPr>
+            <p:spPr>
+              <a:xfrm>
+                <a:off x="3488509" y="5277452"/>
+                <a:ext cx="4249881" cy="424475"/>
+              </a:xfrm>
+              <a:prstGeom prst="rect">
+                <a:avLst/>
+              </a:prstGeom>
+              <a:blipFill>
+                <a:blip r:embed="rId9"/>
+                <a:stretch>
+                  <a:fillRect/>
                 </a:stretch>
               </a:blipFill>
             </p:spPr>
@@ -5453,22 +7009,24 @@
         <mc:Choice xmlns:a14="http://schemas.microsoft.com/office/drawing/2010/main" Requires="a14">
           <p:sp>
             <p:nvSpPr>
-              <p:cNvPr id="51" name="TextBox 50"/>
-              <p:cNvSpPr txBox="1"/>
+              <p:cNvPr id="39" name="Rectangle 38"/>
+              <p:cNvSpPr/>
               <p:nvPr/>
             </p:nvSpPr>
             <p:spPr>
               <a:xfrm>
-                <a:off x="3733317" y="3726114"/>
-                <a:ext cx="4514747" cy="400110"/>
+                <a:off x="3525029" y="4495490"/>
+                <a:ext cx="3664786" cy="369397"/>
               </a:xfrm>
               <a:prstGeom prst="rect">
                 <a:avLst/>
               </a:prstGeom>
-              <a:noFill/>
+              <a:solidFill>
+                <a:schemeClr val="bg1"/>
+              </a:solidFill>
             </p:spPr>
             <p:txBody>
-              <a:bodyPr wrap="square" rtlCol="0">
+              <a:bodyPr wrap="none">
                 <a:spAutoFit/>
               </a:bodyPr>
               <a:lstStyle/>
@@ -5476,48 +7034,80 @@
                 <a14:m>
                   <m:oMath xmlns:m="http://schemas.openxmlformats.org/officeDocument/2006/math">
                     <m:r>
-                      <a:rPr lang="en-US" sz="2000" b="0" i="1" smtClean="0"/>
-                      <m:t>=</m:t>
+                      <a:rPr lang="en-US" i="1">
+                        <a:latin typeface="Latin Modern Math" panose="02000503000000000000" pitchFamily="50" charset="0"/>
+                        <a:ea typeface="Latin Modern Math" panose="02000503000000000000" pitchFamily="50" charset="0"/>
+                      </a:rPr>
+                      <m:t>⊢{</m:t>
                     </m:r>
                   </m:oMath>
                 </a14:m>
                 <a:r>
-                  <a:rPr lang="de-DE" sz="2000" dirty="0"/>
-                  <a:t> </a:t>
-                </a:r>
-                <a:r>
-                  <a:rPr lang="de-DE" sz="2000" cap="small" dirty="0">
-                    <a:latin typeface="Cambria Math" panose="02040503050406030204" pitchFamily="18" charset="0"/>
-                    <a:ea typeface="Cambria Math" panose="02040503050406030204" pitchFamily="18" charset="0"/>
+                  <a:rPr lang="de-DE" dirty="0">
+                    <a:latin typeface="Consolas" panose="020B0609020204030204" pitchFamily="49" charset="0"/>
+                    <a:ea typeface="Latin Modern Math" panose="02000503000000000000" pitchFamily="50" charset="0"/>
                   </a:rPr>
-                  <a:t>Heap </a:t>
+                  <a:t>  ?  </a:t>
                 </a:r>
                 <a14:m>
                   <m:oMath xmlns:m="http://schemas.openxmlformats.org/officeDocument/2006/math">
                     <m:r>
-                      <a:rPr lang="en-US" sz="2000" b="0" i="1" cap="small" smtClean="0">
-                        <a:latin typeface="Cambria Math" panose="02040503050406030204" pitchFamily="18" charset="0"/>
-                        <a:ea typeface="Cambria Math" panose="02040503050406030204" pitchFamily="18" charset="0"/>
+                      <a:rPr lang="en-US" i="1">
+                        <a:latin typeface="Latin Modern Math" panose="02000503000000000000" pitchFamily="50" charset="0"/>
+                        <a:ea typeface="Latin Modern Math" panose="02000503000000000000" pitchFamily="50" charset="0"/>
                       </a:rPr>
-                      <m:t>×</m:t>
+                      <m:t>}</m:t>
                     </m:r>
                   </m:oMath>
                 </a14:m>
                 <a:r>
-                  <a:rPr lang="de-DE" sz="2000" dirty="0"/>
-                  <a:t> </a:t>
+                  <a:rPr lang="de-DE" dirty="0">
+                    <a:latin typeface="Latin Modern Math" panose="02000503000000000000" pitchFamily="50" charset="0"/>
+                    <a:ea typeface="Latin Modern Math" panose="02000503000000000000" pitchFamily="50" charset="0"/>
+                  </a:rPr>
+                  <a:t>  </a:t>
                 </a:r>
                 <a:r>
-                  <a:rPr lang="de-DE" sz="2000" cap="small" dirty="0">
-                    <a:latin typeface="Cambria Math" panose="02040503050406030204" pitchFamily="18" charset="0"/>
-                    <a:ea typeface="Cambria Math" panose="02040503050406030204" pitchFamily="18" charset="0"/>
+                  <a:rPr lang="de-DE" dirty="0">
+                    <a:latin typeface="Consolas" panose="020B0609020204030204" pitchFamily="49" charset="0"/>
+                    <a:ea typeface="Latin Modern Math" panose="02000503000000000000" pitchFamily="50" charset="0"/>
+                    <a:cs typeface="Courier New" panose="02070309020205020404" pitchFamily="49" charset="0"/>
                   </a:rPr>
-                  <a:t>Stack</a:t>
+                  <a:t>x := x + 1 </a:t>
                 </a:r>
+                <a14:m>
+                  <m:oMath xmlns:m="http://schemas.openxmlformats.org/officeDocument/2006/math">
+                    <m:r>
+                      <a:rPr lang="en-US" i="1">
+                        <a:latin typeface="Latin Modern Math" panose="02000503000000000000" pitchFamily="50" charset="0"/>
+                        <a:ea typeface="Latin Modern Math" panose="02000503000000000000" pitchFamily="50" charset="0"/>
+                      </a:rPr>
+                      <m:t>{</m:t>
+                    </m:r>
+                  </m:oMath>
+                </a14:m>
                 <a:r>
-                  <a:rPr lang="de-DE" sz="2000" dirty="0"/>
-                  <a:t> </a:t>
+                  <a:rPr lang="de-DE" dirty="0">
+                    <a:latin typeface="Consolas" panose="020B0609020204030204" pitchFamily="49" charset="0"/>
+                    <a:ea typeface="Latin Modern Math" panose="02000503000000000000" pitchFamily="50" charset="0"/>
+                  </a:rPr>
+                  <a:t>x = 4</a:t>
                 </a:r>
+                <a14:m>
+                  <m:oMath xmlns:m="http://schemas.openxmlformats.org/officeDocument/2006/math">
+                    <m:r>
+                      <a:rPr lang="en-US" i="1">
+                        <a:latin typeface="Latin Modern Math" panose="02000503000000000000" pitchFamily="50" charset="0"/>
+                        <a:ea typeface="Latin Modern Math" panose="02000503000000000000" pitchFamily="50" charset="0"/>
+                      </a:rPr>
+                      <m:t>}</m:t>
+                    </m:r>
+                  </m:oMath>
+                </a14:m>
+                <a:endParaRPr lang="de-DE" dirty="0">
+                  <a:latin typeface="Latin Modern Math" panose="02000503000000000000" pitchFamily="50" charset="0"/>
+                  <a:ea typeface="Latin Modern Math" panose="02000503000000000000" pitchFamily="50" charset="0"/>
+                </a:endParaRPr>
               </a:p>
             </p:txBody>
           </p:sp>
@@ -5525,24 +7115,24 @@
         <mc:Fallback>
           <p:sp>
             <p:nvSpPr>
-              <p:cNvPr id="51" name="TextBox 50"/>
-              <p:cNvSpPr txBox="1">
+              <p:cNvPr id="39" name="Rectangle 38"/>
+              <p:cNvSpPr>
                 <a:spLocks noRot="1" noChangeAspect="1" noMove="1" noResize="1" noEditPoints="1" noAdjustHandles="1" noChangeArrowheads="1" noChangeShapeType="1" noTextEdit="1"/>
               </p:cNvSpPr>
               <p:nvPr/>
             </p:nvSpPr>
             <p:spPr>
               <a:xfrm>
-                <a:off x="3733317" y="3726114"/>
-                <a:ext cx="4514747" cy="400110"/>
+                <a:off x="3525029" y="4495490"/>
+                <a:ext cx="3664786" cy="369397"/>
               </a:xfrm>
               <a:prstGeom prst="rect">
                 <a:avLst/>
               </a:prstGeom>
               <a:blipFill>
-                <a:blip r:embed="rId5"/>
+                <a:blip r:embed="rId10"/>
                 <a:stretch>
-                  <a:fillRect t="-10606" b="-22727"/>
+                  <a:fillRect t="-16393" b="-16393"/>
                 </a:stretch>
               </a:blipFill>
             </p:spPr>
@@ -5561,6 +7151,1117 @@
           </p:sp>
         </mc:Fallback>
       </mc:AlternateContent>
+      <mc:AlternateContent xmlns:mc="http://schemas.openxmlformats.org/markup-compatibility/2006">
+        <mc:Choice xmlns:a14="http://schemas.microsoft.com/office/drawing/2010/main" Requires="a14">
+          <p:sp>
+            <p:nvSpPr>
+              <p:cNvPr id="41" name="hide1a"/>
+              <p:cNvSpPr/>
+              <p:nvPr/>
+            </p:nvSpPr>
+            <p:spPr>
+              <a:xfrm>
+                <a:off x="3379898" y="4197195"/>
+                <a:ext cx="686681" cy="733133"/>
+              </a:xfrm>
+              <a:prstGeom prst="rect">
+                <a:avLst/>
+              </a:prstGeom>
+              <a:noFill/>
+              <a:ln w="152400">
+                <a:noFill/>
+              </a:ln>
+            </p:spPr>
+            <p:style>
+              <a:lnRef idx="2">
+                <a:schemeClr val="accent1">
+                  <a:shade val="50000"/>
+                </a:schemeClr>
+              </a:lnRef>
+              <a:fillRef idx="1">
+                <a:schemeClr val="accent1"/>
+              </a:fillRef>
+              <a:effectRef idx="0">
+                <a:schemeClr val="accent1"/>
+              </a:effectRef>
+              <a:fontRef idx="minor">
+                <a:schemeClr val="lt1"/>
+              </a:fontRef>
+            </p:style>
+            <p:txBody>
+              <a:bodyPr rtlCol="0" anchor="ctr"/>
+              <a:lstStyle/>
+              <a:p>
+                <a:pPr algn="ctr"/>
+                <a14:m>
+                  <m:oMathPara xmlns:m="http://schemas.openxmlformats.org/officeDocument/2006/math">
+                    <m:oMathParaPr>
+                      <m:jc m:val="centerGroup"/>
+                    </m:oMathParaPr>
+                    <m:oMath xmlns:m="http://schemas.openxmlformats.org/officeDocument/2006/math">
+                      <m:acc>
+                        <m:accPr>
+                          <m:chr m:val="̃"/>
+                          <m:ctrlPr>
+                            <a:rPr lang="de-DE" i="1" smtClean="0">
+                              <a:solidFill>
+                                <a:schemeClr val="tx1"/>
+                              </a:solidFill>
+                              <a:latin typeface="Cambria Math" panose="02040503050406030204" pitchFamily="18" charset="0"/>
+                            </a:rPr>
+                          </m:ctrlPr>
+                        </m:accPr>
+                        <m:e>
+                          <m:r>
+                            <a:rPr lang="en-US" b="0" i="1" smtClean="0">
+                              <a:solidFill>
+                                <a:schemeClr val="tx1"/>
+                              </a:solidFill>
+                              <a:latin typeface="Cambria Math" panose="02040503050406030204" pitchFamily="18" charset="0"/>
+                            </a:rPr>
+                            <m:t>    </m:t>
+                          </m:r>
+                        </m:e>
+                      </m:acc>
+                    </m:oMath>
+                  </m:oMathPara>
+                </a14:m>
+                <a:endParaRPr lang="de-DE" dirty="0">
+                  <a:solidFill>
+                    <a:schemeClr val="tx1"/>
+                  </a:solidFill>
+                </a:endParaRPr>
+              </a:p>
+            </p:txBody>
+          </p:sp>
+        </mc:Choice>
+        <mc:Fallback>
+          <p:sp>
+            <p:nvSpPr>
+              <p:cNvPr id="41" name="hide1a"/>
+              <p:cNvSpPr>
+                <a:spLocks noRot="1" noChangeAspect="1" noMove="1" noResize="1" noEditPoints="1" noAdjustHandles="1" noChangeArrowheads="1" noChangeShapeType="1" noTextEdit="1"/>
+              </p:cNvSpPr>
+              <p:nvPr/>
+            </p:nvSpPr>
+            <p:spPr>
+              <a:xfrm>
+                <a:off x="3379898" y="4197195"/>
+                <a:ext cx="686681" cy="733133"/>
+              </a:xfrm>
+              <a:prstGeom prst="rect">
+                <a:avLst/>
+              </a:prstGeom>
+              <a:blipFill>
+                <a:blip r:embed="rId11"/>
+                <a:stretch>
+                  <a:fillRect r="-19469"/>
+                </a:stretch>
+              </a:blipFill>
+              <a:ln w="152400">
+                <a:noFill/>
+              </a:ln>
+            </p:spPr>
+            <p:txBody>
+              <a:bodyPr/>
+              <a:lstStyle/>
+              <a:p>
+                <a:r>
+                  <a:rPr lang="de-DE">
+                    <a:noFill/>
+                  </a:rPr>
+                  <a:t> </a:t>
+                </a:r>
+              </a:p>
+            </p:txBody>
+          </p:sp>
+        </mc:Fallback>
+      </mc:AlternateContent>
+    </p:spTree>
+    <p:extLst>
+      <p:ext uri="{BB962C8B-B14F-4D97-AF65-F5344CB8AC3E}">
+        <p14:creationId xmlns:p14="http://schemas.microsoft.com/office/powerpoint/2010/main" val="909706366"/>
+      </p:ext>
+    </p:extLst>
+  </p:cSld>
+  <p:clrMapOvr>
+    <a:masterClrMapping/>
+  </p:clrMapOvr>
+  <p:timing>
+    <p:tnLst>
+      <p:par>
+        <p:cTn id="1" dur="indefinite" restart="never" nodeType="tmRoot">
+          <p:childTnLst>
+            <p:seq concurrent="1" nextAc="seek">
+              <p:cTn id="2" dur="indefinite" nodeType="mainSeq">
+                <p:childTnLst>
+                  <p:par>
+                    <p:cTn id="3" fill="hold">
+                      <p:stCondLst>
+                        <p:cond delay="indefinite"/>
+                      </p:stCondLst>
+                      <p:childTnLst>
+                        <p:par>
+                          <p:cTn id="4" fill="hold">
+                            <p:stCondLst>
+                              <p:cond delay="0"/>
+                            </p:stCondLst>
+                            <p:childTnLst>
+                              <p:par>
+                                <p:cTn id="5" presetID="1" presetClass="exit" presetSubtype="0" fill="hold" grpId="0" nodeType="clickEffect">
+                                  <p:stCondLst>
+                                    <p:cond delay="0"/>
+                                  </p:stCondLst>
+                                  <p:childTnLst>
+                                    <p:set>
+                                      <p:cBhvr>
+                                        <p:cTn id="6" dur="1" fill="hold">
+                                          <p:stCondLst>
+                                            <p:cond delay="0"/>
+                                          </p:stCondLst>
+                                        </p:cTn>
+                                        <p:tgtEl>
+                                          <p:spTgt spid="17"/>
+                                        </p:tgtEl>
+                                        <p:attrNameLst>
+                                          <p:attrName>style.visibility</p:attrName>
+                                        </p:attrNameLst>
+                                      </p:cBhvr>
+                                      <p:to>
+                                        <p:strVal val="hidden"/>
+                                      </p:to>
+                                    </p:set>
+                                  </p:childTnLst>
+                                </p:cTn>
+                              </p:par>
+                              <p:par>
+                                <p:cTn id="7" presetID="1" presetClass="exit" presetSubtype="0" fill="hold" grpId="0" nodeType="withEffect">
+                                  <p:stCondLst>
+                                    <p:cond delay="0"/>
+                                  </p:stCondLst>
+                                  <p:childTnLst>
+                                    <p:set>
+                                      <p:cBhvr>
+                                        <p:cTn id="8" dur="1" fill="hold">
+                                          <p:stCondLst>
+                                            <p:cond delay="0"/>
+                                          </p:stCondLst>
+                                        </p:cTn>
+                                        <p:tgtEl>
+                                          <p:spTgt spid="18"/>
+                                        </p:tgtEl>
+                                        <p:attrNameLst>
+                                          <p:attrName>style.visibility</p:attrName>
+                                        </p:attrNameLst>
+                                      </p:cBhvr>
+                                      <p:to>
+                                        <p:strVal val="hidden"/>
+                                      </p:to>
+                                    </p:set>
+                                  </p:childTnLst>
+                                </p:cTn>
+                              </p:par>
+                              <p:par>
+                                <p:cTn id="9" presetID="1" presetClass="exit" presetSubtype="0" fill="hold" grpId="0" nodeType="withEffect">
+                                  <p:stCondLst>
+                                    <p:cond delay="0"/>
+                                  </p:stCondLst>
+                                  <p:childTnLst>
+                                    <p:set>
+                                      <p:cBhvr>
+                                        <p:cTn id="10" dur="1" fill="hold">
+                                          <p:stCondLst>
+                                            <p:cond delay="0"/>
+                                          </p:stCondLst>
+                                        </p:cTn>
+                                        <p:tgtEl>
+                                          <p:spTgt spid="33"/>
+                                        </p:tgtEl>
+                                        <p:attrNameLst>
+                                          <p:attrName>style.visibility</p:attrName>
+                                        </p:attrNameLst>
+                                      </p:cBhvr>
+                                      <p:to>
+                                        <p:strVal val="hidden"/>
+                                      </p:to>
+                                    </p:set>
+                                  </p:childTnLst>
+                                </p:cTn>
+                              </p:par>
+                            </p:childTnLst>
+                          </p:cTn>
+                        </p:par>
+                      </p:childTnLst>
+                    </p:cTn>
+                  </p:par>
+                  <p:par>
+                    <p:cTn id="11" fill="hold">
+                      <p:stCondLst>
+                        <p:cond delay="indefinite"/>
+                      </p:stCondLst>
+                      <p:childTnLst>
+                        <p:par>
+                          <p:cTn id="12" fill="hold">
+                            <p:stCondLst>
+                              <p:cond delay="0"/>
+                            </p:stCondLst>
+                            <p:childTnLst>
+                              <p:par>
+                                <p:cTn id="13" presetID="1" presetClass="exit" presetSubtype="0" fill="hold" grpId="0" nodeType="clickEffect">
+                                  <p:stCondLst>
+                                    <p:cond delay="0"/>
+                                  </p:stCondLst>
+                                  <p:childTnLst>
+                                    <p:set>
+                                      <p:cBhvr>
+                                        <p:cTn id="14" dur="1" fill="hold">
+                                          <p:stCondLst>
+                                            <p:cond delay="0"/>
+                                          </p:stCondLst>
+                                        </p:cTn>
+                                        <p:tgtEl>
+                                          <p:spTgt spid="34"/>
+                                        </p:tgtEl>
+                                        <p:attrNameLst>
+                                          <p:attrName>style.visibility</p:attrName>
+                                        </p:attrNameLst>
+                                      </p:cBhvr>
+                                      <p:to>
+                                        <p:strVal val="hidden"/>
+                                      </p:to>
+                                    </p:set>
+                                  </p:childTnLst>
+                                </p:cTn>
+                              </p:par>
+                              <p:par>
+                                <p:cTn id="15" presetID="1" presetClass="exit" presetSubtype="0" fill="hold" grpId="0" nodeType="withEffect">
+                                  <p:stCondLst>
+                                    <p:cond delay="0"/>
+                                  </p:stCondLst>
+                                  <p:childTnLst>
+                                    <p:set>
+                                      <p:cBhvr>
+                                        <p:cTn id="16" dur="1" fill="hold">
+                                          <p:stCondLst>
+                                            <p:cond delay="0"/>
+                                          </p:stCondLst>
+                                        </p:cTn>
+                                        <p:tgtEl>
+                                          <p:spTgt spid="5"/>
+                                        </p:tgtEl>
+                                        <p:attrNameLst>
+                                          <p:attrName>style.visibility</p:attrName>
+                                        </p:attrNameLst>
+                                      </p:cBhvr>
+                                      <p:to>
+                                        <p:strVal val="hidden"/>
+                                      </p:to>
+                                    </p:set>
+                                  </p:childTnLst>
+                                </p:cTn>
+                              </p:par>
+                              <p:par>
+                                <p:cTn id="17" presetID="1" presetClass="exit" presetSubtype="0" fill="hold" grpId="0" nodeType="withEffect">
+                                  <p:stCondLst>
+                                    <p:cond delay="0"/>
+                                  </p:stCondLst>
+                                  <p:childTnLst>
+                                    <p:set>
+                                      <p:cBhvr>
+                                        <p:cTn id="18" dur="1" fill="hold">
+                                          <p:stCondLst>
+                                            <p:cond delay="0"/>
+                                          </p:stCondLst>
+                                        </p:cTn>
+                                        <p:tgtEl>
+                                          <p:spTgt spid="16"/>
+                                        </p:tgtEl>
+                                        <p:attrNameLst>
+                                          <p:attrName>style.visibility</p:attrName>
+                                        </p:attrNameLst>
+                                      </p:cBhvr>
+                                      <p:to>
+                                        <p:strVal val="hidden"/>
+                                      </p:to>
+                                    </p:set>
+                                  </p:childTnLst>
+                                </p:cTn>
+                              </p:par>
+                            </p:childTnLst>
+                          </p:cTn>
+                        </p:par>
+                      </p:childTnLst>
+                    </p:cTn>
+                  </p:par>
+                  <p:par>
+                    <p:cTn id="19" fill="hold">
+                      <p:stCondLst>
+                        <p:cond delay="indefinite"/>
+                      </p:stCondLst>
+                      <p:childTnLst>
+                        <p:par>
+                          <p:cTn id="20" fill="hold">
+                            <p:stCondLst>
+                              <p:cond delay="0"/>
+                            </p:stCondLst>
+                            <p:childTnLst>
+                              <p:par>
+                                <p:cTn id="21" presetID="1" presetClass="entr" presetSubtype="0" fill="hold" grpId="0" nodeType="clickEffect">
+                                  <p:stCondLst>
+                                    <p:cond delay="0"/>
+                                  </p:stCondLst>
+                                  <p:childTnLst>
+                                    <p:set>
+                                      <p:cBhvr>
+                                        <p:cTn id="22" dur="1" fill="hold">
+                                          <p:stCondLst>
+                                            <p:cond delay="0"/>
+                                          </p:stCondLst>
+                                        </p:cTn>
+                                        <p:tgtEl>
+                                          <p:spTgt spid="35"/>
+                                        </p:tgtEl>
+                                        <p:attrNameLst>
+                                          <p:attrName>style.visibility</p:attrName>
+                                        </p:attrNameLst>
+                                      </p:cBhvr>
+                                      <p:to>
+                                        <p:strVal val="visible"/>
+                                      </p:to>
+                                    </p:set>
+                                  </p:childTnLst>
+                                </p:cTn>
+                              </p:par>
+                              <p:par>
+                                <p:cTn id="23" presetID="1" presetClass="exit" presetSubtype="0" fill="hold" grpId="0" nodeType="withEffect">
+                                  <p:stCondLst>
+                                    <p:cond delay="0"/>
+                                  </p:stCondLst>
+                                  <p:childTnLst>
+                                    <p:set>
+                                      <p:cBhvr>
+                                        <p:cTn id="24" dur="1" fill="hold">
+                                          <p:stCondLst>
+                                            <p:cond delay="0"/>
+                                          </p:stCondLst>
+                                        </p:cTn>
+                                        <p:tgtEl>
+                                          <p:spTgt spid="19"/>
+                                        </p:tgtEl>
+                                        <p:attrNameLst>
+                                          <p:attrName>style.visibility</p:attrName>
+                                        </p:attrNameLst>
+                                      </p:cBhvr>
+                                      <p:to>
+                                        <p:strVal val="hidden"/>
+                                      </p:to>
+                                    </p:set>
+                                  </p:childTnLst>
+                                </p:cTn>
+                              </p:par>
+                              <p:par>
+                                <p:cTn id="25" presetID="1" presetClass="exit" presetSubtype="0" fill="hold" grpId="0" nodeType="withEffect">
+                                  <p:stCondLst>
+                                    <p:cond delay="0"/>
+                                  </p:stCondLst>
+                                  <p:childTnLst>
+                                    <p:set>
+                                      <p:cBhvr>
+                                        <p:cTn id="26" dur="1" fill="hold">
+                                          <p:stCondLst>
+                                            <p:cond delay="0"/>
+                                          </p:stCondLst>
+                                        </p:cTn>
+                                        <p:tgtEl>
+                                          <p:spTgt spid="20"/>
+                                        </p:tgtEl>
+                                        <p:attrNameLst>
+                                          <p:attrName>style.visibility</p:attrName>
+                                        </p:attrNameLst>
+                                      </p:cBhvr>
+                                      <p:to>
+                                        <p:strVal val="hidden"/>
+                                      </p:to>
+                                    </p:set>
+                                  </p:childTnLst>
+                                </p:cTn>
+                              </p:par>
+                            </p:childTnLst>
+                          </p:cTn>
+                        </p:par>
+                      </p:childTnLst>
+                    </p:cTn>
+                  </p:par>
+                  <p:par>
+                    <p:cTn id="27" fill="hold">
+                      <p:stCondLst>
+                        <p:cond delay="indefinite"/>
+                      </p:stCondLst>
+                      <p:childTnLst>
+                        <p:par>
+                          <p:cTn id="28" fill="hold">
+                            <p:stCondLst>
+                              <p:cond delay="0"/>
+                            </p:stCondLst>
+                            <p:childTnLst>
+                              <p:par>
+                                <p:cTn id="29" presetID="1" presetClass="exit" presetSubtype="0" fill="hold" grpId="0" nodeType="clickEffect">
+                                  <p:stCondLst>
+                                    <p:cond delay="0"/>
+                                  </p:stCondLst>
+                                  <p:childTnLst>
+                                    <p:set>
+                                      <p:cBhvr>
+                                        <p:cTn id="30" dur="1" fill="hold">
+                                          <p:stCondLst>
+                                            <p:cond delay="0"/>
+                                          </p:stCondLst>
+                                        </p:cTn>
+                                        <p:tgtEl>
+                                          <p:spTgt spid="21"/>
+                                        </p:tgtEl>
+                                        <p:attrNameLst>
+                                          <p:attrName>style.visibility</p:attrName>
+                                        </p:attrNameLst>
+                                      </p:cBhvr>
+                                      <p:to>
+                                        <p:strVal val="hidden"/>
+                                      </p:to>
+                                    </p:set>
+                                  </p:childTnLst>
+                                </p:cTn>
+                              </p:par>
+                              <p:par>
+                                <p:cTn id="31" presetID="1" presetClass="exit" presetSubtype="0" fill="hold" grpId="0" nodeType="withEffect">
+                                  <p:stCondLst>
+                                    <p:cond delay="0"/>
+                                  </p:stCondLst>
+                                  <p:childTnLst>
+                                    <p:set>
+                                      <p:cBhvr>
+                                        <p:cTn id="32" dur="1" fill="hold">
+                                          <p:stCondLst>
+                                            <p:cond delay="0"/>
+                                          </p:stCondLst>
+                                        </p:cTn>
+                                        <p:tgtEl>
+                                          <p:spTgt spid="22"/>
+                                        </p:tgtEl>
+                                        <p:attrNameLst>
+                                          <p:attrName>style.visibility</p:attrName>
+                                        </p:attrNameLst>
+                                      </p:cBhvr>
+                                      <p:to>
+                                        <p:strVal val="hidden"/>
+                                      </p:to>
+                                    </p:set>
+                                  </p:childTnLst>
+                                </p:cTn>
+                              </p:par>
+                              <p:par>
+                                <p:cTn id="33" presetID="1" presetClass="exit" presetSubtype="0" fill="hold" grpId="0" nodeType="withEffect">
+                                  <p:stCondLst>
+                                    <p:cond delay="0"/>
+                                  </p:stCondLst>
+                                  <p:childTnLst>
+                                    <p:set>
+                                      <p:cBhvr>
+                                        <p:cTn id="34" dur="1" fill="hold">
+                                          <p:stCondLst>
+                                            <p:cond delay="0"/>
+                                          </p:stCondLst>
+                                        </p:cTn>
+                                        <p:tgtEl>
+                                          <p:spTgt spid="23"/>
+                                        </p:tgtEl>
+                                        <p:attrNameLst>
+                                          <p:attrName>style.visibility</p:attrName>
+                                        </p:attrNameLst>
+                                      </p:cBhvr>
+                                      <p:to>
+                                        <p:strVal val="hidden"/>
+                                      </p:to>
+                                    </p:set>
+                                  </p:childTnLst>
+                                </p:cTn>
+                              </p:par>
+                              <p:par>
+                                <p:cTn id="35" presetID="1" presetClass="exit" presetSubtype="0" fill="hold" grpId="0" nodeType="withEffect">
+                                  <p:stCondLst>
+                                    <p:cond delay="0"/>
+                                  </p:stCondLst>
+                                  <p:childTnLst>
+                                    <p:set>
+                                      <p:cBhvr>
+                                        <p:cTn id="36" dur="1" fill="hold">
+                                          <p:stCondLst>
+                                            <p:cond delay="0"/>
+                                          </p:stCondLst>
+                                        </p:cTn>
+                                        <p:tgtEl>
+                                          <p:spTgt spid="24"/>
+                                        </p:tgtEl>
+                                        <p:attrNameLst>
+                                          <p:attrName>style.visibility</p:attrName>
+                                        </p:attrNameLst>
+                                      </p:cBhvr>
+                                      <p:to>
+                                        <p:strVal val="hidden"/>
+                                      </p:to>
+                                    </p:set>
+                                  </p:childTnLst>
+                                </p:cTn>
+                              </p:par>
+                              <p:par>
+                                <p:cTn id="37" presetID="1" presetClass="exit" presetSubtype="0" fill="hold" grpId="0" nodeType="withEffect">
+                                  <p:stCondLst>
+                                    <p:cond delay="0"/>
+                                  </p:stCondLst>
+                                  <p:childTnLst>
+                                    <p:set>
+                                      <p:cBhvr>
+                                        <p:cTn id="38" dur="1" fill="hold">
+                                          <p:stCondLst>
+                                            <p:cond delay="0"/>
+                                          </p:stCondLst>
+                                        </p:cTn>
+                                        <p:tgtEl>
+                                          <p:spTgt spid="25"/>
+                                        </p:tgtEl>
+                                        <p:attrNameLst>
+                                          <p:attrName>style.visibility</p:attrName>
+                                        </p:attrNameLst>
+                                      </p:cBhvr>
+                                      <p:to>
+                                        <p:strVal val="hidden"/>
+                                      </p:to>
+                                    </p:set>
+                                  </p:childTnLst>
+                                </p:cTn>
+                              </p:par>
+                              <p:par>
+                                <p:cTn id="39" presetID="1" presetClass="exit" presetSubtype="0" fill="hold" grpId="0" nodeType="withEffect">
+                                  <p:stCondLst>
+                                    <p:cond delay="0"/>
+                                  </p:stCondLst>
+                                  <p:childTnLst>
+                                    <p:set>
+                                      <p:cBhvr>
+                                        <p:cTn id="40" dur="1" fill="hold">
+                                          <p:stCondLst>
+                                            <p:cond delay="0"/>
+                                          </p:stCondLst>
+                                        </p:cTn>
+                                        <p:tgtEl>
+                                          <p:spTgt spid="26"/>
+                                        </p:tgtEl>
+                                        <p:attrNameLst>
+                                          <p:attrName>style.visibility</p:attrName>
+                                        </p:attrNameLst>
+                                      </p:cBhvr>
+                                      <p:to>
+                                        <p:strVal val="hidden"/>
+                                      </p:to>
+                                    </p:set>
+                                  </p:childTnLst>
+                                </p:cTn>
+                              </p:par>
+                              <p:par>
+                                <p:cTn id="41" presetID="1" presetClass="exit" presetSubtype="0" fill="hold" grpId="0" nodeType="withEffect">
+                                  <p:stCondLst>
+                                    <p:cond delay="0"/>
+                                  </p:stCondLst>
+                                  <p:childTnLst>
+                                    <p:set>
+                                      <p:cBhvr>
+                                        <p:cTn id="42" dur="1" fill="hold">
+                                          <p:stCondLst>
+                                            <p:cond delay="0"/>
+                                          </p:stCondLst>
+                                        </p:cTn>
+                                        <p:tgtEl>
+                                          <p:spTgt spid="27"/>
+                                        </p:tgtEl>
+                                        <p:attrNameLst>
+                                          <p:attrName>style.visibility</p:attrName>
+                                        </p:attrNameLst>
+                                      </p:cBhvr>
+                                      <p:to>
+                                        <p:strVal val="hidden"/>
+                                      </p:to>
+                                    </p:set>
+                                  </p:childTnLst>
+                                </p:cTn>
+                              </p:par>
+                              <p:par>
+                                <p:cTn id="43" presetID="1" presetClass="exit" presetSubtype="0" fill="hold" grpId="0" nodeType="withEffect">
+                                  <p:stCondLst>
+                                    <p:cond delay="0"/>
+                                  </p:stCondLst>
+                                  <p:childTnLst>
+                                    <p:set>
+                                      <p:cBhvr>
+                                        <p:cTn id="44" dur="1" fill="hold">
+                                          <p:stCondLst>
+                                            <p:cond delay="0"/>
+                                          </p:stCondLst>
+                                        </p:cTn>
+                                        <p:tgtEl>
+                                          <p:spTgt spid="28"/>
+                                        </p:tgtEl>
+                                        <p:attrNameLst>
+                                          <p:attrName>style.visibility</p:attrName>
+                                        </p:attrNameLst>
+                                      </p:cBhvr>
+                                      <p:to>
+                                        <p:strVal val="hidden"/>
+                                      </p:to>
+                                    </p:set>
+                                  </p:childTnLst>
+                                </p:cTn>
+                              </p:par>
+                              <p:par>
+                                <p:cTn id="45" presetID="1" presetClass="exit" presetSubtype="0" fill="hold" grpId="0" nodeType="withEffect">
+                                  <p:stCondLst>
+                                    <p:cond delay="0"/>
+                                  </p:stCondLst>
+                                  <p:childTnLst>
+                                    <p:set>
+                                      <p:cBhvr>
+                                        <p:cTn id="46" dur="1" fill="hold">
+                                          <p:stCondLst>
+                                            <p:cond delay="0"/>
+                                          </p:stCondLst>
+                                        </p:cTn>
+                                        <p:tgtEl>
+                                          <p:spTgt spid="29"/>
+                                        </p:tgtEl>
+                                        <p:attrNameLst>
+                                          <p:attrName>style.visibility</p:attrName>
+                                        </p:attrNameLst>
+                                      </p:cBhvr>
+                                      <p:to>
+                                        <p:strVal val="hidden"/>
+                                      </p:to>
+                                    </p:set>
+                                  </p:childTnLst>
+                                </p:cTn>
+                              </p:par>
+                              <p:par>
+                                <p:cTn id="47" presetID="1" presetClass="exit" presetSubtype="0" fill="hold" grpId="0" nodeType="withEffect">
+                                  <p:stCondLst>
+                                    <p:cond delay="0"/>
+                                  </p:stCondLst>
+                                  <p:childTnLst>
+                                    <p:set>
+                                      <p:cBhvr>
+                                        <p:cTn id="48" dur="1" fill="hold">
+                                          <p:stCondLst>
+                                            <p:cond delay="0"/>
+                                          </p:stCondLst>
+                                        </p:cTn>
+                                        <p:tgtEl>
+                                          <p:spTgt spid="30"/>
+                                        </p:tgtEl>
+                                        <p:attrNameLst>
+                                          <p:attrName>style.visibility</p:attrName>
+                                        </p:attrNameLst>
+                                      </p:cBhvr>
+                                      <p:to>
+                                        <p:strVal val="hidden"/>
+                                      </p:to>
+                                    </p:set>
+                                  </p:childTnLst>
+                                </p:cTn>
+                              </p:par>
+                              <p:par>
+                                <p:cTn id="49" presetID="1" presetClass="entr" presetSubtype="0" fill="hold" grpId="0" nodeType="withEffect">
+                                  <p:stCondLst>
+                                    <p:cond delay="0"/>
+                                  </p:stCondLst>
+                                  <p:childTnLst>
+                                    <p:set>
+                                      <p:cBhvr>
+                                        <p:cTn id="50" dur="1" fill="hold">
+                                          <p:stCondLst>
+                                            <p:cond delay="0"/>
+                                          </p:stCondLst>
+                                        </p:cTn>
+                                        <p:tgtEl>
+                                          <p:spTgt spid="41"/>
+                                        </p:tgtEl>
+                                        <p:attrNameLst>
+                                          <p:attrName>style.visibility</p:attrName>
+                                        </p:attrNameLst>
+                                      </p:cBhvr>
+                                      <p:to>
+                                        <p:strVal val="visible"/>
+                                      </p:to>
+                                    </p:set>
+                                  </p:childTnLst>
+                                </p:cTn>
+                              </p:par>
+                              <p:par>
+                                <p:cTn id="51" presetID="1" presetClass="entr" presetSubtype="0" fill="hold" grpId="0" nodeType="withEffect">
+                                  <p:stCondLst>
+                                    <p:cond delay="0"/>
+                                  </p:stCondLst>
+                                  <p:childTnLst>
+                                    <p:set>
+                                      <p:cBhvr>
+                                        <p:cTn id="52" dur="1" fill="hold">
+                                          <p:stCondLst>
+                                            <p:cond delay="0"/>
+                                          </p:stCondLst>
+                                        </p:cTn>
+                                        <p:tgtEl>
+                                          <p:spTgt spid="39"/>
+                                        </p:tgtEl>
+                                        <p:attrNameLst>
+                                          <p:attrName>style.visibility</p:attrName>
+                                        </p:attrNameLst>
+                                      </p:cBhvr>
+                                      <p:to>
+                                        <p:strVal val="visible"/>
+                                      </p:to>
+                                    </p:set>
+                                  </p:childTnLst>
+                                </p:cTn>
+                              </p:par>
+                            </p:childTnLst>
+                          </p:cTn>
+                        </p:par>
+                      </p:childTnLst>
+                    </p:cTn>
+                  </p:par>
+                </p:childTnLst>
+              </p:cTn>
+              <p:prevCondLst>
+                <p:cond evt="onPrev" delay="0">
+                  <p:tgtEl>
+                    <p:sldTgt/>
+                  </p:tgtEl>
+                </p:cond>
+              </p:prevCondLst>
+              <p:nextCondLst>
+                <p:cond evt="onNext" delay="0">
+                  <p:tgtEl>
+                    <p:sldTgt/>
+                  </p:tgtEl>
+                </p:cond>
+              </p:nextCondLst>
+            </p:seq>
+          </p:childTnLst>
+        </p:cTn>
+      </p:par>
+    </p:tnLst>
+    <p:bldLst>
+      <p:bldP spid="5" grpId="0" animBg="1"/>
+      <p:bldP spid="16" grpId="0" animBg="1"/>
+      <p:bldP spid="17" grpId="0" animBg="1"/>
+      <p:bldP spid="18" grpId="0" animBg="1"/>
+      <p:bldP spid="19" grpId="0" animBg="1"/>
+      <p:bldP spid="20" grpId="0" animBg="1"/>
+      <p:bldP spid="21" grpId="0" animBg="1"/>
+      <p:bldP spid="22" grpId="0" animBg="1"/>
+      <p:bldP spid="23" grpId="0" animBg="1"/>
+      <p:bldP spid="24" grpId="0" animBg="1"/>
+      <p:bldP spid="25" grpId="0" animBg="1"/>
+      <p:bldP spid="26" grpId="0" animBg="1"/>
+      <p:bldP spid="27" grpId="0" animBg="1"/>
+      <p:bldP spid="28" grpId="0" animBg="1"/>
+      <p:bldP spid="29" grpId="0" animBg="1"/>
+      <p:bldP spid="30" grpId="0" animBg="1"/>
+      <p:bldP spid="33" grpId="0" animBg="1"/>
+      <p:bldP spid="34" grpId="0" animBg="1"/>
+      <p:bldP spid="35" grpId="0"/>
+      <p:bldP spid="39" grpId="0" animBg="1"/>
+      <p:bldP spid="41" grpId="0"/>
+    </p:bldLst>
+  </p:timing>
+</p:sld>
+</file>
+
+<file path=ppt/slides/slide11.xml><?xml version="1.0" encoding="utf-8"?>
+<p:sld xmlns:a="http://schemas.openxmlformats.org/drawingml/2006/main" xmlns:r="http://schemas.openxmlformats.org/officeDocument/2006/relationships" xmlns:p="http://schemas.openxmlformats.org/presentationml/2006/main">
+  <p:cSld>
+    <p:spTree>
+      <p:nvGrpSpPr>
+        <p:cNvPr id="1" name=""/>
+        <p:cNvGrpSpPr/>
+        <p:nvPr/>
+      </p:nvGrpSpPr>
+      <p:grpSpPr>
+        <a:xfrm>
+          <a:off x="0" y="0"/>
+          <a:ext cx="0" cy="0"/>
+          <a:chOff x="0" y="0"/>
+          <a:chExt cx="0" cy="0"/>
+        </a:xfrm>
+      </p:grpSpPr>
+      <p:sp>
+        <p:nvSpPr>
+          <p:cNvPr id="2" name="Title 1"/>
+          <p:cNvSpPr>
+            <a:spLocks noGrp="1"/>
+          </p:cNvSpPr>
+          <p:nvPr>
+            <p:ph type="title"/>
+          </p:nvPr>
+        </p:nvSpPr>
+        <p:spPr/>
+        <p:txBody>
+          <a:bodyPr/>
+          <a:lstStyle/>
+          <a:p>
+            <a:r>
+              <a:rPr lang="en-US" dirty="0"/>
+              <a:t>Gradual Verification - Goal</a:t>
+            </a:r>
+            <a:endParaRPr lang="de-DE" dirty="0"/>
+          </a:p>
+        </p:txBody>
+      </p:sp>
+      <p:sp>
+        <p:nvSpPr>
+          <p:cNvPr id="48" name="Slide Number Placeholder 47"/>
+          <p:cNvSpPr>
+            <a:spLocks noGrp="1"/>
+          </p:cNvSpPr>
+          <p:nvPr>
+            <p:ph type="sldNum" sz="quarter" idx="12"/>
+          </p:nvPr>
+        </p:nvSpPr>
+        <p:spPr/>
+        <p:txBody>
+          <a:bodyPr/>
+          <a:lstStyle/>
+          <a:p>
+            <a:fld id="{9D1E2128-C21B-4EB1-981D-3510C88AFE4A}" type="slidenum">
+              <a:rPr lang="de-DE" smtClean="0"/>
+              <a:t>11</a:t>
+            </a:fld>
+            <a:endParaRPr lang="de-DE" dirty="0"/>
+          </a:p>
+        </p:txBody>
+      </p:sp>
+      <p:pic>
+        <p:nvPicPr>
+          <p:cNvPr id="52" name="Picture 51"/>
+          <p:cNvPicPr>
+            <a:picLocks noChangeAspect="1"/>
+          </p:cNvPicPr>
+          <p:nvPr/>
+        </p:nvPicPr>
+        <p:blipFill>
+          <a:blip r:embed="rId2"/>
+          <a:stretch>
+            <a:fillRect/>
+          </a:stretch>
+        </p:blipFill>
+        <p:spPr>
+          <a:xfrm>
+            <a:off x="6044114" y="1661153"/>
+            <a:ext cx="2471236" cy="4470960"/>
+          </a:xfrm>
+          <a:prstGeom prst="rect">
+            <a:avLst/>
+          </a:prstGeom>
+          <a:solidFill>
+            <a:schemeClr val="bg1">
+              <a:lumMod val="95000"/>
+            </a:schemeClr>
+          </a:solidFill>
+          <a:ln w="152400">
+            <a:solidFill>
+              <a:schemeClr val="bg1">
+                <a:lumMod val="95000"/>
+              </a:schemeClr>
+            </a:solidFill>
+          </a:ln>
+        </p:spPr>
+      </p:pic>
+      <p:pic>
+        <p:nvPicPr>
+          <p:cNvPr id="53" name="Picture 52"/>
+          <p:cNvPicPr>
+            <a:picLocks noChangeAspect="1"/>
+          </p:cNvPicPr>
+          <p:nvPr/>
+        </p:nvPicPr>
+        <p:blipFill>
+          <a:blip r:embed="rId3"/>
+          <a:stretch>
+            <a:fillRect/>
+          </a:stretch>
+        </p:blipFill>
+        <p:spPr>
+          <a:xfrm>
+            <a:off x="628650" y="1661153"/>
+            <a:ext cx="2471235" cy="4470960"/>
+          </a:xfrm>
+          <a:prstGeom prst="rect">
+            <a:avLst/>
+          </a:prstGeom>
+          <a:solidFill>
+            <a:schemeClr val="bg1">
+              <a:lumMod val="95000"/>
+            </a:schemeClr>
+          </a:solidFill>
+          <a:ln w="152400">
+            <a:solidFill>
+              <a:schemeClr val="bg1">
+                <a:lumMod val="95000"/>
+              </a:schemeClr>
+            </a:solidFill>
+          </a:ln>
+        </p:spPr>
+      </p:pic>
+      <p:sp>
+        <p:nvSpPr>
+          <p:cNvPr id="54" name="Arrow: Right 53"/>
+          <p:cNvSpPr/>
+          <p:nvPr/>
+        </p:nvSpPr>
+        <p:spPr>
+          <a:xfrm>
+            <a:off x="3734972" y="3587903"/>
+            <a:ext cx="1674055" cy="676532"/>
+          </a:xfrm>
+          <a:prstGeom prst="rightArrow">
+            <a:avLst/>
+          </a:prstGeom>
+        </p:spPr>
+        <p:style>
+          <a:lnRef idx="2">
+            <a:schemeClr val="dk1"/>
+          </a:lnRef>
+          <a:fillRef idx="1">
+            <a:schemeClr val="lt1"/>
+          </a:fillRef>
+          <a:effectRef idx="0">
+            <a:schemeClr val="dk1"/>
+          </a:effectRef>
+          <a:fontRef idx="minor">
+            <a:schemeClr val="dk1"/>
+          </a:fontRef>
+        </p:style>
+        <p:txBody>
+          <a:bodyPr rtlCol="0" anchor="ctr"/>
+          <a:lstStyle/>
+          <a:p>
+            <a:pPr algn="ctr"/>
+            <a:endParaRPr lang="de-DE"/>
+          </a:p>
+        </p:txBody>
+      </p:sp>
+      <p:sp>
+        <p:nvSpPr>
+          <p:cNvPr id="5" name="TextBox 4"/>
+          <p:cNvSpPr txBox="1"/>
+          <p:nvPr/>
+        </p:nvSpPr>
+        <p:spPr>
+          <a:xfrm>
+            <a:off x="3727374" y="3762141"/>
+            <a:ext cx="1561325" cy="338554"/>
+          </a:xfrm>
+          <a:prstGeom prst="rect">
+            <a:avLst/>
+          </a:prstGeom>
+          <a:noFill/>
+        </p:spPr>
+        <p:txBody>
+          <a:bodyPr wrap="none" rtlCol="0">
+            <a:spAutoFit/>
+          </a:bodyPr>
+          <a:lstStyle/>
+          <a:p>
+            <a:pPr algn="ctr"/>
+            <a:r>
+              <a:rPr lang="en-US" sz="1600" dirty="0"/>
+              <a:t>“Gradualization”</a:t>
+            </a:r>
+            <a:endParaRPr lang="de-DE" sz="1600" dirty="0"/>
+          </a:p>
+        </p:txBody>
+      </p:sp>
+    </p:spTree>
+    <p:extLst>
+      <p:ext uri="{BB962C8B-B14F-4D97-AF65-F5344CB8AC3E}">
+        <p14:creationId xmlns:p14="http://schemas.microsoft.com/office/powerpoint/2010/main" val="3627635148"/>
+      </p:ext>
+    </p:extLst>
+  </p:cSld>
+  <p:clrMapOvr>
+    <a:masterClrMapping/>
+  </p:clrMapOvr>
+</p:sld>
+</file>
+
+<file path=ppt/slides/slide12.xml><?xml version="1.0" encoding="utf-8"?>
+<p:sld xmlns:a="http://schemas.openxmlformats.org/drawingml/2006/main" xmlns:r="http://schemas.openxmlformats.org/officeDocument/2006/relationships" xmlns:p="http://schemas.openxmlformats.org/presentationml/2006/main">
+  <p:cSld>
+    <p:spTree>
+      <p:nvGrpSpPr>
+        <p:cNvPr id="1" name=""/>
+        <p:cNvGrpSpPr/>
+        <p:nvPr/>
+      </p:nvGrpSpPr>
+      <p:grpSpPr>
+        <a:xfrm>
+          <a:off x="0" y="0"/>
+          <a:ext cx="0" cy="0"/>
+          <a:chOff x="0" y="0"/>
+          <a:chExt cx="0" cy="0"/>
+        </a:xfrm>
+      </p:grpSpPr>
+      <p:sp>
+        <p:nvSpPr>
+          <p:cNvPr id="2" name="Title 1"/>
+          <p:cNvSpPr>
+            <a:spLocks noGrp="1"/>
+          </p:cNvSpPr>
+          <p:nvPr>
+            <p:ph type="title"/>
+          </p:nvPr>
+        </p:nvSpPr>
+        <p:spPr/>
+        <p:txBody>
+          <a:bodyPr/>
+          <a:lstStyle/>
+          <a:p>
+            <a:r>
+              <a:rPr lang="en-US" dirty="0"/>
+              <a:t>Gradual Verification - Approach</a:t>
+            </a:r>
+            <a:endParaRPr lang="de-DE" dirty="0"/>
+          </a:p>
+        </p:txBody>
+      </p:sp>
+      <p:sp>
+        <p:nvSpPr>
+          <p:cNvPr id="48" name="Slide Number Placeholder 47"/>
+          <p:cNvSpPr>
+            <a:spLocks noGrp="1"/>
+          </p:cNvSpPr>
+          <p:nvPr>
+            <p:ph type="sldNum" sz="quarter" idx="12"/>
+          </p:nvPr>
+        </p:nvSpPr>
+        <p:spPr/>
+        <p:txBody>
+          <a:bodyPr/>
+          <a:lstStyle/>
+          <a:p>
+            <a:fld id="{9D1E2128-C21B-4EB1-981D-3510C88AFE4A}" type="slidenum">
+              <a:rPr lang="de-DE" smtClean="0"/>
+              <a:t>12</a:t>
+            </a:fld>
+            <a:endParaRPr lang="de-DE"/>
+          </a:p>
+        </p:txBody>
+      </p:sp>
     </p:spTree>
     <p:extLst>
       <p:ext uri="{BB962C8B-B14F-4D97-AF65-F5344CB8AC3E}">
@@ -5608,6 +8309,204 @@
           <a:p>
             <a:r>
               <a:rPr lang="en-US" dirty="0"/>
+              <a:t>enough hand wavy motivation</a:t>
+            </a:r>
+            <a:endParaRPr lang="de-DE" dirty="0"/>
+          </a:p>
+        </p:txBody>
+      </p:sp>
+      <mc:AlternateContent xmlns:mc="http://schemas.openxmlformats.org/markup-compatibility/2006" xmlns:a14="http://schemas.microsoft.com/office/drawing/2010/main">
+        <mc:Choice Requires="a14">
+          <p:sp>
+            <p:nvSpPr>
+              <p:cNvPr id="3" name="Content Placeholder 2"/>
+              <p:cNvSpPr>
+                <a:spLocks noGrp="1"/>
+              </p:cNvSpPr>
+              <p:nvPr>
+                <p:ph idx="1"/>
+              </p:nvPr>
+            </p:nvSpPr>
+            <p:spPr/>
+            <p:txBody>
+              <a:bodyPr/>
+              <a:lstStyle/>
+              <a:p>
+                <a14:m>
+                  <m:oMath xmlns:m="http://schemas.openxmlformats.org/officeDocument/2006/math">
+                    <m:r>
+                      <a:rPr lang="en-US" b="0" i="1" smtClean="0">
+                        <a:latin typeface="Cambria Math" panose="02040503050406030204" pitchFamily="18" charset="0"/>
+                      </a:rPr>
+                      <m:t>⊢{</m:t>
+                    </m:r>
+                  </m:oMath>
+                </a14:m>
+                <a:r>
+                  <a:rPr lang="de-DE" dirty="0">
+                    <a:latin typeface="Consolas" panose="020B0609020204030204" pitchFamily="49" charset="0"/>
+                  </a:rPr>
+                  <a:t>x = 3</a:t>
+                </a:r>
+                <a14:m>
+                  <m:oMath xmlns:m="http://schemas.openxmlformats.org/officeDocument/2006/math">
+                    <m:r>
+                      <a:rPr lang="en-US" b="0" i="1" smtClean="0">
+                        <a:latin typeface="Cambria Math" panose="02040503050406030204" pitchFamily="18" charset="0"/>
+                      </a:rPr>
+                      <m:t>}</m:t>
+                    </m:r>
+                  </m:oMath>
+                </a14:m>
+                <a:r>
+                  <a:rPr lang="de-DE" dirty="0"/>
+                  <a:t>  </a:t>
+                </a:r>
+                <a:r>
+                  <a:rPr lang="de-DE" dirty="0">
+                    <a:latin typeface="Consolas" panose="020B0609020204030204" pitchFamily="49" charset="0"/>
+                    <a:cs typeface="Courier New" panose="02070309020205020404" pitchFamily="49" charset="0"/>
+                  </a:rPr>
+                  <a:t>x := x + 1 </a:t>
+                </a:r>
+                <a14:m>
+                  <m:oMath xmlns:m="http://schemas.openxmlformats.org/officeDocument/2006/math">
+                    <m:r>
+                      <a:rPr lang="en-US" b="0" i="1" smtClean="0">
+                        <a:latin typeface="Cambria Math" panose="02040503050406030204" pitchFamily="18" charset="0"/>
+                      </a:rPr>
+                      <m:t>{</m:t>
+                    </m:r>
+                  </m:oMath>
+                </a14:m>
+                <a:r>
+                  <a:rPr lang="de-DE" dirty="0">
+                    <a:latin typeface="Consolas" panose="020B0609020204030204" pitchFamily="49" charset="0"/>
+                  </a:rPr>
+                  <a:t>x = 4</a:t>
+                </a:r>
+                <a14:m>
+                  <m:oMath xmlns:m="http://schemas.openxmlformats.org/officeDocument/2006/math">
+                    <m:r>
+                      <a:rPr lang="en-US" b="0" i="1" smtClean="0">
+                        <a:latin typeface="Cambria Math" panose="02040503050406030204" pitchFamily="18" charset="0"/>
+                      </a:rPr>
+                      <m:t>}</m:t>
+                    </m:r>
+                  </m:oMath>
+                </a14:m>
+                <a:endParaRPr lang="de-DE" dirty="0"/>
+              </a:p>
+              <a:p>
+                <a:endParaRPr lang="de-DE" dirty="0"/>
+              </a:p>
+            </p:txBody>
+          </p:sp>
+        </mc:Choice>
+        <mc:Fallback xmlns="">
+          <p:sp>
+            <p:nvSpPr>
+              <p:cNvPr id="3" name="Content Placeholder 2"/>
+              <p:cNvSpPr>
+                <a:spLocks noGrp="1" noRot="1" noChangeAspect="1" noMove="1" noResize="1" noEditPoints="1" noAdjustHandles="1" noChangeArrowheads="1" noChangeShapeType="1" noTextEdit="1"/>
+              </p:cNvSpPr>
+              <p:nvPr>
+                <p:ph idx="1"/>
+              </p:nvPr>
+            </p:nvSpPr>
+            <p:spPr>
+              <a:blipFill>
+                <a:blip r:embed="rId3"/>
+                <a:stretch>
+                  <a:fillRect t="-2381"/>
+                </a:stretch>
+              </a:blipFill>
+            </p:spPr>
+            <p:txBody>
+              <a:bodyPr/>
+              <a:lstStyle/>
+              <a:p>
+                <a:r>
+                  <a:rPr lang="de-DE">
+                    <a:noFill/>
+                  </a:rPr>
+                  <a:t> </a:t>
+                </a:r>
+              </a:p>
+            </p:txBody>
+          </p:sp>
+        </mc:Fallback>
+      </mc:AlternateContent>
+      <p:sp>
+        <p:nvSpPr>
+          <p:cNvPr id="4" name="Slide Number Placeholder 3"/>
+          <p:cNvSpPr>
+            <a:spLocks noGrp="1"/>
+          </p:cNvSpPr>
+          <p:nvPr>
+            <p:ph type="sldNum" sz="quarter" idx="12"/>
+          </p:nvPr>
+        </p:nvSpPr>
+        <p:spPr/>
+        <p:txBody>
+          <a:bodyPr/>
+          <a:lstStyle/>
+          <a:p>
+            <a:fld id="{9D1E2128-C21B-4EB1-981D-3510C88AFE4A}" type="slidenum">
+              <a:rPr lang="de-DE" smtClean="0"/>
+              <a:t>13</a:t>
+            </a:fld>
+            <a:endParaRPr lang="de-DE"/>
+          </a:p>
+        </p:txBody>
+      </p:sp>
+    </p:spTree>
+    <p:extLst>
+      <p:ext uri="{BB962C8B-B14F-4D97-AF65-F5344CB8AC3E}">
+        <p14:creationId xmlns:p14="http://schemas.microsoft.com/office/powerpoint/2010/main" val="1730392366"/>
+      </p:ext>
+    </p:extLst>
+  </p:cSld>
+  <p:clrMapOvr>
+    <a:masterClrMapping/>
+  </p:clrMapOvr>
+</p:sld>
+</file>
+
+<file path=ppt/slides/slide14.xml><?xml version="1.0" encoding="utf-8"?>
+<p:sld xmlns:a="http://schemas.openxmlformats.org/drawingml/2006/main" xmlns:r="http://schemas.openxmlformats.org/officeDocument/2006/relationships" xmlns:p="http://schemas.openxmlformats.org/presentationml/2006/main">
+  <p:cSld>
+    <p:spTree>
+      <p:nvGrpSpPr>
+        <p:cNvPr id="1" name=""/>
+        <p:cNvGrpSpPr/>
+        <p:nvPr/>
+      </p:nvGrpSpPr>
+      <p:grpSpPr>
+        <a:xfrm>
+          <a:off x="0" y="0"/>
+          <a:ext cx="0" cy="0"/>
+          <a:chOff x="0" y="0"/>
+          <a:chExt cx="0" cy="0"/>
+        </a:xfrm>
+      </p:grpSpPr>
+      <p:sp>
+        <p:nvSpPr>
+          <p:cNvPr id="2" name="Title 1"/>
+          <p:cNvSpPr>
+            <a:spLocks noGrp="1"/>
+          </p:cNvSpPr>
+          <p:nvPr>
+            <p:ph type="title"/>
+          </p:nvPr>
+        </p:nvSpPr>
+        <p:spPr/>
+        <p:txBody>
+          <a:bodyPr/>
+          <a:lstStyle/>
+          <a:p>
+            <a:r>
+              <a:rPr lang="en-US" dirty="0"/>
               <a:t>Abstract Interpretation</a:t>
             </a:r>
             <a:endParaRPr lang="de-DE" dirty="0"/>
@@ -5650,7 +8549,7 @@
           <a:p>
             <a:fld id="{9D1E2128-C21B-4EB1-981D-3510C88AFE4A}" type="slidenum">
               <a:rPr lang="de-DE" smtClean="0"/>
-              <a:t>13</a:t>
+              <a:t>14</a:t>
             </a:fld>
             <a:endParaRPr lang="de-DE"/>
           </a:p>
@@ -6139,7 +9038,7 @@
           <a:p>
             <a:r>
               <a:rPr lang="en-US" dirty="0"/>
-              <a:t>Dynamic Verification - Approach</a:t>
+              <a:t>Dynamic Verification</a:t>
             </a:r>
             <a:endParaRPr lang="de-DE" dirty="0"/>
           </a:p>
@@ -6537,7 +9436,7 @@
           <a:p>
             <a:r>
               <a:rPr lang="en-US" dirty="0"/>
-              <a:t>Dynamic Verification - Approach</a:t>
+              <a:t>Dynamic Verification - Drawbacks</a:t>
             </a:r>
             <a:endParaRPr lang="de-DE" dirty="0"/>
           </a:p>
@@ -7136,7 +10035,7 @@
           <a:p>
             <a:r>
               <a:rPr lang="en-US" dirty="0"/>
-              <a:t>Static Verification - Approach</a:t>
+              <a:t>Static Verification</a:t>
             </a:r>
             <a:endParaRPr lang="de-DE" dirty="0"/>
           </a:p>
@@ -9635,652 +12534,6 @@
       </p:sp>
       <p:sp>
         <p:nvSpPr>
-          <p:cNvPr id="9" name="TextBox 8"/>
-          <p:cNvSpPr txBox="1"/>
-          <p:nvPr/>
-        </p:nvSpPr>
-        <p:spPr>
-          <a:xfrm>
-            <a:off x="628650" y="3006862"/>
-            <a:ext cx="7886700" cy="3170099"/>
-          </a:xfrm>
-          <a:prstGeom prst="rect">
-            <a:avLst/>
-          </a:prstGeom>
-        </p:spPr>
-        <p:style>
-          <a:lnRef idx="2">
-            <a:schemeClr val="dk1"/>
-          </a:lnRef>
-          <a:fillRef idx="1">
-            <a:schemeClr val="lt1"/>
-          </a:fillRef>
-          <a:effectRef idx="0">
-            <a:schemeClr val="dk1"/>
-          </a:effectRef>
-          <a:fontRef idx="minor">
-            <a:schemeClr val="dk1"/>
-          </a:fontRef>
-        </p:style>
-        <p:txBody>
-          <a:bodyPr wrap="square" rtlCol="0">
-            <a:noAutofit/>
-          </a:bodyPr>
-          <a:lstStyle/>
-          <a:p>
-            <a:r>
-              <a:rPr lang="en-US" sz="2000" dirty="0">
-                <a:solidFill>
-                  <a:srgbClr val="00B050"/>
-                </a:solidFill>
-                <a:latin typeface="Consolas" panose="020B0609020204030204" pitchFamily="49" charset="0"/>
-              </a:rPr>
-              <a:t>// gradual typing</a:t>
-            </a:r>
-          </a:p>
-          <a:p>
-            <a:r>
-              <a:rPr lang="en-US" sz="2000" dirty="0">
-                <a:solidFill>
-                  <a:srgbClr val="0070C0"/>
-                </a:solidFill>
-                <a:latin typeface="Consolas" panose="020B0609020204030204" pitchFamily="49" charset="0"/>
-              </a:rPr>
-              <a:t>dynamic</a:t>
-            </a:r>
-            <a:r>
-              <a:rPr lang="en-US" sz="2000" dirty="0">
-                <a:latin typeface="Consolas" panose="020B0609020204030204" pitchFamily="49" charset="0"/>
-              </a:rPr>
-              <a:t> </a:t>
-            </a:r>
-            <a:r>
-              <a:rPr lang="en-US" sz="2000" dirty="0" err="1">
-                <a:latin typeface="Consolas" panose="020B0609020204030204" pitchFamily="49" charset="0"/>
-              </a:rPr>
-              <a:t>eval</a:t>
-            </a:r>
-            <a:r>
-              <a:rPr lang="en-US" sz="2000" dirty="0">
-                <a:latin typeface="Consolas" panose="020B0609020204030204" pitchFamily="49" charset="0"/>
-              </a:rPr>
-              <a:t>(</a:t>
-            </a:r>
-            <a:r>
-              <a:rPr lang="en-US" sz="2000" dirty="0">
-                <a:solidFill>
-                  <a:srgbClr val="0070C0"/>
-                </a:solidFill>
-                <a:latin typeface="Consolas" panose="020B0609020204030204" pitchFamily="49" charset="0"/>
-              </a:rPr>
-              <a:t>string</a:t>
-            </a:r>
-            <a:r>
-              <a:rPr lang="en-US" sz="2000" dirty="0">
-                <a:latin typeface="Consolas" panose="020B0609020204030204" pitchFamily="49" charset="0"/>
-              </a:rPr>
-              <a:t> </a:t>
-            </a:r>
-            <a:r>
-              <a:rPr lang="en-US" sz="2000" dirty="0" err="1">
-                <a:latin typeface="Consolas" panose="020B0609020204030204" pitchFamily="49" charset="0"/>
-              </a:rPr>
-              <a:t>exprCode</a:t>
-            </a:r>
-            <a:r>
-              <a:rPr lang="en-US" sz="2000" dirty="0">
-                <a:latin typeface="Consolas" panose="020B0609020204030204" pitchFamily="49" charset="0"/>
-              </a:rPr>
-              <a:t>) </a:t>
-            </a:r>
-          </a:p>
-          <a:p>
-            <a:r>
-              <a:rPr lang="en-US" sz="2000" dirty="0">
-                <a:latin typeface="Consolas" panose="020B0609020204030204" pitchFamily="49" charset="0"/>
-              </a:rPr>
-              <a:t>{ </a:t>
-            </a:r>
-          </a:p>
-          <a:p>
-            <a:r>
-              <a:rPr lang="en-US" sz="2000" dirty="0">
-                <a:latin typeface="Consolas" panose="020B0609020204030204" pitchFamily="49" charset="0"/>
-              </a:rPr>
-              <a:t>	… </a:t>
-            </a:r>
-          </a:p>
-          <a:p>
-            <a:r>
-              <a:rPr lang="en-US" sz="2000" dirty="0">
-                <a:latin typeface="Consolas" panose="020B0609020204030204" pitchFamily="49" charset="0"/>
-              </a:rPr>
-              <a:t>}</a:t>
-            </a:r>
-          </a:p>
-          <a:p>
-            <a:r>
-              <a:rPr lang="en-US" sz="2000" dirty="0">
-                <a:latin typeface="Consolas" panose="020B0609020204030204" pitchFamily="49" charset="0"/>
-              </a:rPr>
-              <a:t>…</a:t>
-            </a:r>
-          </a:p>
-          <a:p>
-            <a:r>
-              <a:rPr lang="en-US" sz="2000" dirty="0">
-                <a:solidFill>
-                  <a:srgbClr val="0070C0"/>
-                </a:solidFill>
-                <a:latin typeface="Consolas" panose="020B0609020204030204" pitchFamily="49" charset="0"/>
-              </a:rPr>
-              <a:t>string</a:t>
-            </a:r>
-            <a:r>
-              <a:rPr lang="en-US" sz="2000" dirty="0">
-                <a:latin typeface="Consolas" panose="020B0609020204030204" pitchFamily="49" charset="0"/>
-              </a:rPr>
-              <a:t> expr = </a:t>
-            </a:r>
-            <a:r>
-              <a:rPr lang="en-US" sz="2000" dirty="0">
-                <a:solidFill>
-                  <a:srgbClr val="C00000"/>
-                </a:solidFill>
-                <a:latin typeface="Consolas" panose="020B0609020204030204" pitchFamily="49" charset="0"/>
-              </a:rPr>
-              <a:t>"</a:t>
-            </a:r>
-            <a:r>
-              <a:rPr lang="en-US" sz="2000" dirty="0" err="1">
-                <a:solidFill>
-                  <a:srgbClr val="C00000"/>
-                </a:solidFill>
-                <a:latin typeface="Consolas" panose="020B0609020204030204" pitchFamily="49" charset="0"/>
-              </a:rPr>
-              <a:t>string.Concat</a:t>
-            </a:r>
-            <a:r>
-              <a:rPr lang="en-US" sz="2000" dirty="0">
-                <a:solidFill>
-                  <a:srgbClr val="C00000"/>
-                </a:solidFill>
-                <a:latin typeface="Consolas" panose="020B0609020204030204" pitchFamily="49" charset="0"/>
-              </a:rPr>
-              <a:t>(20, '+', 22)"</a:t>
-            </a:r>
-            <a:r>
-              <a:rPr lang="en-US" sz="2000" dirty="0">
-                <a:latin typeface="Consolas" panose="020B0609020204030204" pitchFamily="49" charset="0"/>
-              </a:rPr>
-              <a:t>;</a:t>
-            </a:r>
-          </a:p>
-          <a:p>
-            <a:r>
-              <a:rPr lang="en-US" sz="2000" dirty="0">
-                <a:solidFill>
-                  <a:srgbClr val="0070C0"/>
-                </a:solidFill>
-                <a:latin typeface="Consolas" panose="020B0609020204030204" pitchFamily="49" charset="0"/>
-              </a:rPr>
-              <a:t>dynamic</a:t>
-            </a:r>
-            <a:r>
-              <a:rPr lang="en-US" sz="2000" dirty="0">
-                <a:latin typeface="Consolas" panose="020B0609020204030204" pitchFamily="49" charset="0"/>
-              </a:rPr>
-              <a:t> res1 = </a:t>
-            </a:r>
-            <a:r>
-              <a:rPr lang="en-US" sz="2000" dirty="0" err="1">
-                <a:latin typeface="Consolas" panose="020B0609020204030204" pitchFamily="49" charset="0"/>
-              </a:rPr>
-              <a:t>eval</a:t>
-            </a:r>
-            <a:r>
-              <a:rPr lang="en-US" sz="2000" dirty="0">
-                <a:latin typeface="Consolas" panose="020B0609020204030204" pitchFamily="49" charset="0"/>
-              </a:rPr>
-              <a:t>(expr); </a:t>
-            </a:r>
-            <a:r>
-              <a:rPr lang="en-US" sz="2000" dirty="0">
-                <a:solidFill>
-                  <a:srgbClr val="00B050"/>
-                </a:solidFill>
-                <a:latin typeface="Consolas" panose="020B0609020204030204" pitchFamily="49" charset="0"/>
-              </a:rPr>
-              <a:t>// statically guaranteed</a:t>
-            </a:r>
-          </a:p>
-          <a:p>
-            <a:r>
-              <a:rPr lang="en-US" sz="2000" dirty="0">
-                <a:solidFill>
-                  <a:srgbClr val="0070C0"/>
-                </a:solidFill>
-                <a:latin typeface="Consolas" panose="020B0609020204030204" pitchFamily="49" charset="0"/>
-              </a:rPr>
-              <a:t>dynamic</a:t>
-            </a:r>
-            <a:r>
-              <a:rPr lang="en-US" sz="2000" dirty="0">
-                <a:latin typeface="Consolas" panose="020B0609020204030204" pitchFamily="49" charset="0"/>
-              </a:rPr>
-              <a:t> res2 = </a:t>
-            </a:r>
-            <a:r>
-              <a:rPr lang="en-US" sz="2000" dirty="0" err="1">
-                <a:latin typeface="Consolas" panose="020B0609020204030204" pitchFamily="49" charset="0"/>
-              </a:rPr>
-              <a:t>eval</a:t>
-            </a:r>
-            <a:r>
-              <a:rPr lang="en-US" sz="2000" dirty="0">
-                <a:latin typeface="Consolas" panose="020B0609020204030204" pitchFamily="49" charset="0"/>
-              </a:rPr>
-              <a:t>(res1); </a:t>
-            </a:r>
-            <a:r>
-              <a:rPr lang="en-US" sz="2000" dirty="0">
-                <a:solidFill>
-                  <a:srgbClr val="00B050"/>
-                </a:solidFill>
-                <a:latin typeface="Consolas" panose="020B0609020204030204" pitchFamily="49" charset="0"/>
-              </a:rPr>
-              <a:t>// dynamically guaranteed</a:t>
-            </a:r>
-          </a:p>
-          <a:p>
-            <a:r>
-              <a:rPr lang="en-US" sz="2000" dirty="0">
-                <a:solidFill>
-                  <a:srgbClr val="0070C0"/>
-                </a:solidFill>
-                <a:latin typeface="Consolas" panose="020B0609020204030204" pitchFamily="49" charset="0"/>
-              </a:rPr>
-              <a:t>dynamic</a:t>
-            </a:r>
-            <a:r>
-              <a:rPr lang="en-US" sz="2000" dirty="0">
-                <a:latin typeface="Consolas" panose="020B0609020204030204" pitchFamily="49" charset="0"/>
-              </a:rPr>
-              <a:t> res3 = </a:t>
-            </a:r>
-            <a:r>
-              <a:rPr lang="en-US" sz="2000" dirty="0" err="1">
-                <a:latin typeface="Consolas" panose="020B0609020204030204" pitchFamily="49" charset="0"/>
-              </a:rPr>
-              <a:t>eval</a:t>
-            </a:r>
-            <a:r>
-              <a:rPr lang="en-US" sz="2000" dirty="0">
-                <a:latin typeface="Consolas" panose="020B0609020204030204" pitchFamily="49" charset="0"/>
-              </a:rPr>
-              <a:t>(res2); </a:t>
-            </a:r>
-            <a:r>
-              <a:rPr lang="en-US" sz="2000" dirty="0">
-                <a:solidFill>
-                  <a:srgbClr val="00B050"/>
-                </a:solidFill>
-                <a:latin typeface="Consolas" panose="020B0609020204030204" pitchFamily="49" charset="0"/>
-              </a:rPr>
-              <a:t>// dynamically guaranteed </a:t>
-            </a:r>
-            <a:r>
-              <a:rPr lang="de-DE" sz="2000" dirty="0">
-                <a:solidFill>
-                  <a:srgbClr val="00B050"/>
-                </a:solidFill>
-                <a:latin typeface="Consolas" panose="020B0609020204030204" pitchFamily="49" charset="0"/>
-                <a:sym typeface="Webdings" panose="05030102010509060703" pitchFamily="18" charset="2"/>
-              </a:rPr>
-              <a:t></a:t>
-            </a:r>
-            <a:endParaRPr lang="de-DE" sz="2000" dirty="0">
-              <a:solidFill>
-                <a:srgbClr val="00B050"/>
-              </a:solidFill>
-              <a:latin typeface="Consolas" panose="020B0609020204030204" pitchFamily="49" charset="0"/>
-            </a:endParaRPr>
-          </a:p>
-          <a:p>
-            <a:endParaRPr lang="de-DE" sz="2000" dirty="0">
-              <a:solidFill>
-                <a:srgbClr val="00B050"/>
-              </a:solidFill>
-              <a:latin typeface="Consolas" panose="020B0609020204030204" pitchFamily="49" charset="0"/>
-            </a:endParaRPr>
-          </a:p>
-        </p:txBody>
-      </p:sp>
-      <p:sp>
-        <p:nvSpPr>
-          <p:cNvPr id="11" name="TextBox 10"/>
-          <p:cNvSpPr txBox="1"/>
-          <p:nvPr/>
-        </p:nvSpPr>
-        <p:spPr>
-          <a:xfrm>
-            <a:off x="628650" y="3006861"/>
-            <a:ext cx="7886700" cy="3170099"/>
-          </a:xfrm>
-          <a:prstGeom prst="rect">
-            <a:avLst/>
-          </a:prstGeom>
-        </p:spPr>
-        <p:style>
-          <a:lnRef idx="2">
-            <a:schemeClr val="dk1"/>
-          </a:lnRef>
-          <a:fillRef idx="1">
-            <a:schemeClr val="lt1"/>
-          </a:fillRef>
-          <a:effectRef idx="0">
-            <a:schemeClr val="dk1"/>
-          </a:effectRef>
-          <a:fontRef idx="minor">
-            <a:schemeClr val="dk1"/>
-          </a:fontRef>
-        </p:style>
-        <p:txBody>
-          <a:bodyPr wrap="square" rtlCol="0">
-            <a:noAutofit/>
-          </a:bodyPr>
-          <a:lstStyle/>
-          <a:p>
-            <a:r>
-              <a:rPr lang="en-US" sz="2000" dirty="0">
-                <a:solidFill>
-                  <a:srgbClr val="00B050"/>
-                </a:solidFill>
-                <a:latin typeface="Consolas" panose="020B0609020204030204" pitchFamily="49" charset="0"/>
-              </a:rPr>
-              <a:t>// gradual typing</a:t>
-            </a:r>
-          </a:p>
-          <a:p>
-            <a:r>
-              <a:rPr lang="en-US" sz="2000" dirty="0">
-                <a:solidFill>
-                  <a:srgbClr val="0070C0"/>
-                </a:solidFill>
-                <a:latin typeface="Consolas" panose="020B0609020204030204" pitchFamily="49" charset="0"/>
-              </a:rPr>
-              <a:t>dynamic</a:t>
-            </a:r>
-            <a:r>
-              <a:rPr lang="en-US" sz="2000" dirty="0">
-                <a:latin typeface="Consolas" panose="020B0609020204030204" pitchFamily="49" charset="0"/>
-              </a:rPr>
-              <a:t> </a:t>
-            </a:r>
-            <a:r>
-              <a:rPr lang="en-US" sz="2000" dirty="0" err="1">
-                <a:latin typeface="Consolas" panose="020B0609020204030204" pitchFamily="49" charset="0"/>
-              </a:rPr>
-              <a:t>eval</a:t>
-            </a:r>
-            <a:r>
-              <a:rPr lang="en-US" sz="2000" dirty="0">
-                <a:latin typeface="Consolas" panose="020B0609020204030204" pitchFamily="49" charset="0"/>
-              </a:rPr>
-              <a:t>(</a:t>
-            </a:r>
-            <a:r>
-              <a:rPr lang="en-US" sz="2000" dirty="0">
-                <a:solidFill>
-                  <a:srgbClr val="0070C0"/>
-                </a:solidFill>
-                <a:latin typeface="Consolas" panose="020B0609020204030204" pitchFamily="49" charset="0"/>
-              </a:rPr>
-              <a:t>string</a:t>
-            </a:r>
-            <a:r>
-              <a:rPr lang="en-US" sz="2000" dirty="0">
-                <a:latin typeface="Consolas" panose="020B0609020204030204" pitchFamily="49" charset="0"/>
-              </a:rPr>
-              <a:t> </a:t>
-            </a:r>
-            <a:r>
-              <a:rPr lang="en-US" sz="2000" dirty="0" err="1">
-                <a:latin typeface="Consolas" panose="020B0609020204030204" pitchFamily="49" charset="0"/>
-              </a:rPr>
-              <a:t>exprCode</a:t>
-            </a:r>
-            <a:r>
-              <a:rPr lang="en-US" sz="2000" dirty="0">
-                <a:latin typeface="Consolas" panose="020B0609020204030204" pitchFamily="49" charset="0"/>
-              </a:rPr>
-              <a:t>) </a:t>
-            </a:r>
-          </a:p>
-          <a:p>
-            <a:r>
-              <a:rPr lang="en-US" sz="2000" dirty="0">
-                <a:latin typeface="Consolas" panose="020B0609020204030204" pitchFamily="49" charset="0"/>
-              </a:rPr>
-              <a:t>{ </a:t>
-            </a:r>
-          </a:p>
-          <a:p>
-            <a:r>
-              <a:rPr lang="en-US" sz="2000" dirty="0">
-                <a:latin typeface="Consolas" panose="020B0609020204030204" pitchFamily="49" charset="0"/>
-              </a:rPr>
-              <a:t>	… </a:t>
-            </a:r>
-          </a:p>
-          <a:p>
-            <a:r>
-              <a:rPr lang="en-US" sz="2000" dirty="0">
-                <a:latin typeface="Consolas" panose="020B0609020204030204" pitchFamily="49" charset="0"/>
-              </a:rPr>
-              <a:t>}</a:t>
-            </a:r>
-          </a:p>
-          <a:p>
-            <a:r>
-              <a:rPr lang="en-US" sz="2000" dirty="0">
-                <a:latin typeface="Consolas" panose="020B0609020204030204" pitchFamily="49" charset="0"/>
-              </a:rPr>
-              <a:t>…</a:t>
-            </a:r>
-          </a:p>
-          <a:p>
-            <a:r>
-              <a:rPr lang="en-US" sz="2000" dirty="0">
-                <a:solidFill>
-                  <a:srgbClr val="0070C0"/>
-                </a:solidFill>
-                <a:latin typeface="Consolas" panose="020B0609020204030204" pitchFamily="49" charset="0"/>
-              </a:rPr>
-              <a:t>string</a:t>
-            </a:r>
-            <a:r>
-              <a:rPr lang="en-US" sz="2000" dirty="0">
-                <a:latin typeface="Consolas" panose="020B0609020204030204" pitchFamily="49" charset="0"/>
-              </a:rPr>
-              <a:t> expr = </a:t>
-            </a:r>
-            <a:r>
-              <a:rPr lang="en-US" sz="2000" dirty="0">
-                <a:solidFill>
-                  <a:srgbClr val="C00000"/>
-                </a:solidFill>
-                <a:latin typeface="Consolas" panose="020B0609020204030204" pitchFamily="49" charset="0"/>
-              </a:rPr>
-              <a:t>"</a:t>
-            </a:r>
-            <a:r>
-              <a:rPr lang="en-US" sz="2000" dirty="0" err="1">
-                <a:solidFill>
-                  <a:srgbClr val="C00000"/>
-                </a:solidFill>
-                <a:latin typeface="Consolas" panose="020B0609020204030204" pitchFamily="49" charset="0"/>
-              </a:rPr>
-              <a:t>string.Concat</a:t>
-            </a:r>
-            <a:r>
-              <a:rPr lang="en-US" sz="2000" dirty="0">
-                <a:solidFill>
-                  <a:srgbClr val="C00000"/>
-                </a:solidFill>
-                <a:latin typeface="Consolas" panose="020B0609020204030204" pitchFamily="49" charset="0"/>
-              </a:rPr>
-              <a:t>(20, '+', 22)"</a:t>
-            </a:r>
-            <a:r>
-              <a:rPr lang="en-US" sz="2000" dirty="0">
-                <a:latin typeface="Consolas" panose="020B0609020204030204" pitchFamily="49" charset="0"/>
-              </a:rPr>
-              <a:t>;</a:t>
-            </a:r>
-          </a:p>
-          <a:p>
-            <a:r>
-              <a:rPr lang="en-US" sz="2000" dirty="0">
-                <a:solidFill>
-                  <a:srgbClr val="0070C0"/>
-                </a:solidFill>
-                <a:latin typeface="Consolas" panose="020B0609020204030204" pitchFamily="49" charset="0"/>
-              </a:rPr>
-              <a:t>dynamic</a:t>
-            </a:r>
-            <a:r>
-              <a:rPr lang="en-US" sz="2000" dirty="0">
-                <a:latin typeface="Consolas" panose="020B0609020204030204" pitchFamily="49" charset="0"/>
-              </a:rPr>
-              <a:t> res1 = </a:t>
-            </a:r>
-            <a:r>
-              <a:rPr lang="en-US" sz="2000" dirty="0" err="1">
-                <a:latin typeface="Consolas" panose="020B0609020204030204" pitchFamily="49" charset="0"/>
-              </a:rPr>
-              <a:t>eval</a:t>
-            </a:r>
-            <a:r>
-              <a:rPr lang="en-US" sz="2000" dirty="0">
-                <a:latin typeface="Consolas" panose="020B0609020204030204" pitchFamily="49" charset="0"/>
-              </a:rPr>
-              <a:t>(expr); </a:t>
-            </a:r>
-            <a:r>
-              <a:rPr lang="en-US" sz="2000" dirty="0">
-                <a:solidFill>
-                  <a:srgbClr val="00B050"/>
-                </a:solidFill>
-                <a:latin typeface="Consolas" panose="020B0609020204030204" pitchFamily="49" charset="0"/>
-              </a:rPr>
-              <a:t>// statically guaranteed</a:t>
-            </a:r>
-          </a:p>
-          <a:p>
-            <a:r>
-              <a:rPr lang="en-US" sz="2000" dirty="0">
-                <a:solidFill>
-                  <a:srgbClr val="0070C0"/>
-                </a:solidFill>
-                <a:latin typeface="Consolas" panose="020B0609020204030204" pitchFamily="49" charset="0"/>
-              </a:rPr>
-              <a:t>dynamic</a:t>
-            </a:r>
-            <a:r>
-              <a:rPr lang="en-US" sz="2000" dirty="0">
-                <a:latin typeface="Consolas" panose="020B0609020204030204" pitchFamily="49" charset="0"/>
-              </a:rPr>
-              <a:t> res2 = </a:t>
-            </a:r>
-            <a:r>
-              <a:rPr lang="en-US" sz="2000" dirty="0" err="1">
-                <a:latin typeface="Consolas" panose="020B0609020204030204" pitchFamily="49" charset="0"/>
-              </a:rPr>
-              <a:t>eval</a:t>
-            </a:r>
-            <a:r>
-              <a:rPr lang="en-US" sz="2000" dirty="0">
-                <a:latin typeface="Consolas" panose="020B0609020204030204" pitchFamily="49" charset="0"/>
-              </a:rPr>
-              <a:t>(res1); </a:t>
-            </a:r>
-            <a:r>
-              <a:rPr lang="en-US" sz="2000" dirty="0">
-                <a:solidFill>
-                  <a:srgbClr val="00B050"/>
-                </a:solidFill>
-                <a:latin typeface="Consolas" panose="020B0609020204030204" pitchFamily="49" charset="0"/>
-              </a:rPr>
-              <a:t>// dynamically guaranteed</a:t>
-            </a:r>
-          </a:p>
-          <a:p>
-            <a:r>
-              <a:rPr lang="en-US" sz="2000" dirty="0">
-                <a:solidFill>
-                  <a:srgbClr val="0070C0"/>
-                </a:solidFill>
-                <a:latin typeface="Consolas" panose="020B0609020204030204" pitchFamily="49" charset="0"/>
-              </a:rPr>
-              <a:t>dynamic</a:t>
-            </a:r>
-            <a:r>
-              <a:rPr lang="en-US" sz="2000" dirty="0">
-                <a:latin typeface="Consolas" panose="020B0609020204030204" pitchFamily="49" charset="0"/>
-              </a:rPr>
-              <a:t> res3 = </a:t>
-            </a:r>
-            <a:r>
-              <a:rPr lang="en-US" sz="2000" dirty="0" err="1">
-                <a:latin typeface="Consolas" panose="020B0609020204030204" pitchFamily="49" charset="0"/>
-              </a:rPr>
-              <a:t>eval</a:t>
-            </a:r>
-            <a:r>
-              <a:rPr lang="en-US" sz="2000" dirty="0">
-                <a:latin typeface="Consolas" panose="020B0609020204030204" pitchFamily="49" charset="0"/>
-              </a:rPr>
-              <a:t>(res2); </a:t>
-            </a:r>
-            <a:r>
-              <a:rPr lang="en-US" sz="2000" dirty="0">
-                <a:solidFill>
-                  <a:srgbClr val="00B050"/>
-                </a:solidFill>
-                <a:latin typeface="Consolas" panose="020B0609020204030204" pitchFamily="49" charset="0"/>
-              </a:rPr>
-              <a:t>// dynamically guaranteed </a:t>
-            </a:r>
-            <a:r>
-              <a:rPr lang="de-DE" sz="2000" dirty="0">
-                <a:solidFill>
-                  <a:srgbClr val="00B050"/>
-                </a:solidFill>
-                <a:latin typeface="Consolas" panose="020B0609020204030204" pitchFamily="49" charset="0"/>
-                <a:sym typeface="Webdings" panose="05030102010509060703" pitchFamily="18" charset="2"/>
-              </a:rPr>
-              <a:t></a:t>
-            </a:r>
-            <a:endParaRPr lang="de-DE" sz="2000" dirty="0">
-              <a:solidFill>
-                <a:srgbClr val="00B050"/>
-              </a:solidFill>
-              <a:latin typeface="Consolas" panose="020B0609020204030204" pitchFamily="49" charset="0"/>
-            </a:endParaRPr>
-          </a:p>
-          <a:p>
-            <a:endParaRPr lang="de-DE" sz="2000" dirty="0">
-              <a:solidFill>
-                <a:srgbClr val="00B050"/>
-              </a:solidFill>
-              <a:latin typeface="Consolas" panose="020B0609020204030204" pitchFamily="49" charset="0"/>
-            </a:endParaRPr>
-          </a:p>
-        </p:txBody>
-      </p:sp>
-      <p:sp>
-        <p:nvSpPr>
           <p:cNvPr id="12" name="TextBox 11"/>
           <p:cNvSpPr txBox="1"/>
           <p:nvPr/>
@@ -10652,6 +12905,329 @@
               <a:t>9</a:t>
             </a:fld>
             <a:endParaRPr lang="de-DE"/>
+          </a:p>
+        </p:txBody>
+      </p:sp>
+      <p:sp>
+        <p:nvSpPr>
+          <p:cNvPr id="11" name="TextBox 10"/>
+          <p:cNvSpPr txBox="1"/>
+          <p:nvPr/>
+        </p:nvSpPr>
+        <p:spPr>
+          <a:xfrm>
+            <a:off x="628650" y="3006860"/>
+            <a:ext cx="7886700" cy="3170099"/>
+          </a:xfrm>
+          <a:prstGeom prst="rect">
+            <a:avLst/>
+          </a:prstGeom>
+        </p:spPr>
+        <p:style>
+          <a:lnRef idx="2">
+            <a:schemeClr val="dk1"/>
+          </a:lnRef>
+          <a:fillRef idx="1">
+            <a:schemeClr val="lt1"/>
+          </a:fillRef>
+          <a:effectRef idx="0">
+            <a:schemeClr val="dk1"/>
+          </a:effectRef>
+          <a:fontRef idx="minor">
+            <a:schemeClr val="dk1"/>
+          </a:fontRef>
+        </p:style>
+        <p:txBody>
+          <a:bodyPr wrap="square" rtlCol="0">
+            <a:noAutofit/>
+          </a:bodyPr>
+          <a:lstStyle/>
+          <a:p>
+            <a:r>
+              <a:rPr lang="en-US" sz="2000" dirty="0">
+                <a:solidFill>
+                  <a:srgbClr val="00B050"/>
+                </a:solidFill>
+                <a:latin typeface="Consolas" panose="020B0609020204030204" pitchFamily="49" charset="0"/>
+              </a:rPr>
+              <a:t>// gradual typing</a:t>
+            </a:r>
+          </a:p>
+          <a:p>
+            <a:r>
+              <a:rPr lang="en-US" sz="2000" dirty="0">
+                <a:solidFill>
+                  <a:srgbClr val="0070C0"/>
+                </a:solidFill>
+                <a:latin typeface="Consolas" panose="020B0609020204030204" pitchFamily="49" charset="0"/>
+              </a:rPr>
+              <a:t>dynamic</a:t>
+            </a:r>
+            <a:r>
+              <a:rPr lang="en-US" sz="2000" dirty="0">
+                <a:latin typeface="Consolas" panose="020B0609020204030204" pitchFamily="49" charset="0"/>
+              </a:rPr>
+              <a:t> </a:t>
+            </a:r>
+            <a:r>
+              <a:rPr lang="en-US" sz="2000" dirty="0" err="1">
+                <a:latin typeface="Consolas" panose="020B0609020204030204" pitchFamily="49" charset="0"/>
+              </a:rPr>
+              <a:t>eval</a:t>
+            </a:r>
+            <a:r>
+              <a:rPr lang="en-US" sz="2000" dirty="0">
+                <a:latin typeface="Consolas" panose="020B0609020204030204" pitchFamily="49" charset="0"/>
+              </a:rPr>
+              <a:t>(</a:t>
+            </a:r>
+            <a:r>
+              <a:rPr lang="en-US" sz="2000" dirty="0">
+                <a:solidFill>
+                  <a:srgbClr val="0070C0"/>
+                </a:solidFill>
+                <a:latin typeface="Consolas" panose="020B0609020204030204" pitchFamily="49" charset="0"/>
+              </a:rPr>
+              <a:t>string</a:t>
+            </a:r>
+            <a:r>
+              <a:rPr lang="en-US" sz="2000" dirty="0">
+                <a:latin typeface="Consolas" panose="020B0609020204030204" pitchFamily="49" charset="0"/>
+              </a:rPr>
+              <a:t> </a:t>
+            </a:r>
+            <a:r>
+              <a:rPr lang="en-US" sz="2000" dirty="0" err="1">
+                <a:latin typeface="Consolas" panose="020B0609020204030204" pitchFamily="49" charset="0"/>
+              </a:rPr>
+              <a:t>exprCode</a:t>
+            </a:r>
+            <a:r>
+              <a:rPr lang="en-US" sz="2000" dirty="0">
+                <a:latin typeface="Consolas" panose="020B0609020204030204" pitchFamily="49" charset="0"/>
+              </a:rPr>
+              <a:t>) </a:t>
+            </a:r>
+          </a:p>
+          <a:p>
+            <a:r>
+              <a:rPr lang="en-US" sz="2000" dirty="0">
+                <a:latin typeface="Consolas" panose="020B0609020204030204" pitchFamily="49" charset="0"/>
+              </a:rPr>
+              <a:t>{ </a:t>
+            </a:r>
+          </a:p>
+          <a:p>
+            <a:r>
+              <a:rPr lang="en-US" sz="2000" dirty="0">
+                <a:latin typeface="Consolas" panose="020B0609020204030204" pitchFamily="49" charset="0"/>
+              </a:rPr>
+              <a:t>	… </a:t>
+            </a:r>
+          </a:p>
+          <a:p>
+            <a:r>
+              <a:rPr lang="en-US" sz="2000" dirty="0">
+                <a:latin typeface="Consolas" panose="020B0609020204030204" pitchFamily="49" charset="0"/>
+              </a:rPr>
+              <a:t>}</a:t>
+            </a:r>
+          </a:p>
+          <a:p>
+            <a:r>
+              <a:rPr lang="en-US" sz="2000" dirty="0">
+                <a:latin typeface="Consolas" panose="020B0609020204030204" pitchFamily="49" charset="0"/>
+              </a:rPr>
+              <a:t>…</a:t>
+            </a:r>
+          </a:p>
+          <a:p>
+            <a:r>
+              <a:rPr lang="en-US" sz="2000" dirty="0">
+                <a:solidFill>
+                  <a:srgbClr val="0070C0"/>
+                </a:solidFill>
+                <a:latin typeface="Consolas" panose="020B0609020204030204" pitchFamily="49" charset="0"/>
+              </a:rPr>
+              <a:t>string</a:t>
+            </a:r>
+            <a:r>
+              <a:rPr lang="en-US" sz="2000" dirty="0">
+                <a:latin typeface="Consolas" panose="020B0609020204030204" pitchFamily="49" charset="0"/>
+              </a:rPr>
+              <a:t> expr = </a:t>
+            </a:r>
+            <a:r>
+              <a:rPr lang="en-US" sz="2000" dirty="0">
+                <a:solidFill>
+                  <a:srgbClr val="C00000"/>
+                </a:solidFill>
+                <a:latin typeface="Consolas" panose="020B0609020204030204" pitchFamily="49" charset="0"/>
+              </a:rPr>
+              <a:t>"</a:t>
+            </a:r>
+            <a:r>
+              <a:rPr lang="en-US" sz="2000" dirty="0" err="1">
+                <a:solidFill>
+                  <a:srgbClr val="C00000"/>
+                </a:solidFill>
+                <a:latin typeface="Consolas" panose="020B0609020204030204" pitchFamily="49" charset="0"/>
+              </a:rPr>
+              <a:t>string.Concat</a:t>
+            </a:r>
+            <a:r>
+              <a:rPr lang="en-US" sz="2000" dirty="0">
+                <a:solidFill>
+                  <a:srgbClr val="C00000"/>
+                </a:solidFill>
+                <a:latin typeface="Consolas" panose="020B0609020204030204" pitchFamily="49" charset="0"/>
+              </a:rPr>
+              <a:t>(20, '+', 22)"</a:t>
+            </a:r>
+            <a:r>
+              <a:rPr lang="en-US" sz="2000" dirty="0">
+                <a:latin typeface="Consolas" panose="020B0609020204030204" pitchFamily="49" charset="0"/>
+              </a:rPr>
+              <a:t>;</a:t>
+            </a:r>
+          </a:p>
+          <a:p>
+            <a:r>
+              <a:rPr lang="en-US" sz="2000" dirty="0">
+                <a:solidFill>
+                  <a:srgbClr val="0070C0"/>
+                </a:solidFill>
+                <a:latin typeface="Consolas" panose="020B0609020204030204" pitchFamily="49" charset="0"/>
+              </a:rPr>
+              <a:t>dynamic</a:t>
+            </a:r>
+            <a:r>
+              <a:rPr lang="en-US" sz="2000" dirty="0">
+                <a:latin typeface="Consolas" panose="020B0609020204030204" pitchFamily="49" charset="0"/>
+              </a:rPr>
+              <a:t> res1 = </a:t>
+            </a:r>
+            <a:r>
+              <a:rPr lang="en-US" sz="2000" dirty="0" err="1">
+                <a:latin typeface="Consolas" panose="020B0609020204030204" pitchFamily="49" charset="0"/>
+              </a:rPr>
+              <a:t>eval</a:t>
+            </a:r>
+            <a:r>
+              <a:rPr lang="en-US" sz="2000" dirty="0">
+                <a:latin typeface="Consolas" panose="020B0609020204030204" pitchFamily="49" charset="0"/>
+              </a:rPr>
+              <a:t>(expr); </a:t>
+            </a:r>
+            <a:r>
+              <a:rPr lang="en-US" sz="2000" dirty="0">
+                <a:solidFill>
+                  <a:srgbClr val="00B050"/>
+                </a:solidFill>
+                <a:latin typeface="Consolas" panose="020B0609020204030204" pitchFamily="49" charset="0"/>
+              </a:rPr>
+              <a:t>// statically guaranteed</a:t>
+            </a:r>
+          </a:p>
+          <a:p>
+            <a:r>
+              <a:rPr lang="en-US" sz="2000" dirty="0">
+                <a:solidFill>
+                  <a:srgbClr val="0070C0"/>
+                </a:solidFill>
+                <a:latin typeface="Consolas" panose="020B0609020204030204" pitchFamily="49" charset="0"/>
+              </a:rPr>
+              <a:t>dynamic</a:t>
+            </a:r>
+            <a:r>
+              <a:rPr lang="en-US" sz="2000" dirty="0">
+                <a:latin typeface="Consolas" panose="020B0609020204030204" pitchFamily="49" charset="0"/>
+              </a:rPr>
+              <a:t> res2 = </a:t>
+            </a:r>
+            <a:r>
+              <a:rPr lang="en-US" sz="2000" dirty="0" err="1">
+                <a:latin typeface="Consolas" panose="020B0609020204030204" pitchFamily="49" charset="0"/>
+              </a:rPr>
+              <a:t>eval</a:t>
+            </a:r>
+            <a:r>
+              <a:rPr lang="en-US" sz="2000" dirty="0">
+                <a:latin typeface="Consolas" panose="020B0609020204030204" pitchFamily="49" charset="0"/>
+              </a:rPr>
+              <a:t>(res1); </a:t>
+            </a:r>
+            <a:r>
+              <a:rPr lang="en-US" sz="2000" dirty="0">
+                <a:solidFill>
+                  <a:srgbClr val="00B050"/>
+                </a:solidFill>
+                <a:latin typeface="Consolas" panose="020B0609020204030204" pitchFamily="49" charset="0"/>
+              </a:rPr>
+              <a:t>// dynamically guaranteed</a:t>
+            </a:r>
+          </a:p>
+          <a:p>
+            <a:r>
+              <a:rPr lang="en-US" sz="2000" dirty="0">
+                <a:solidFill>
+                  <a:srgbClr val="0070C0"/>
+                </a:solidFill>
+                <a:latin typeface="Consolas" panose="020B0609020204030204" pitchFamily="49" charset="0"/>
+              </a:rPr>
+              <a:t>dynamic</a:t>
+            </a:r>
+            <a:r>
+              <a:rPr lang="en-US" sz="2000" dirty="0">
+                <a:latin typeface="Consolas" panose="020B0609020204030204" pitchFamily="49" charset="0"/>
+              </a:rPr>
+              <a:t> res3 = </a:t>
+            </a:r>
+            <a:r>
+              <a:rPr lang="en-US" sz="2000" dirty="0" err="1">
+                <a:latin typeface="Consolas" panose="020B0609020204030204" pitchFamily="49" charset="0"/>
+              </a:rPr>
+              <a:t>eval</a:t>
+            </a:r>
+            <a:r>
+              <a:rPr lang="en-US" sz="2000" dirty="0">
+                <a:latin typeface="Consolas" panose="020B0609020204030204" pitchFamily="49" charset="0"/>
+              </a:rPr>
+              <a:t>(res2); </a:t>
+            </a:r>
+            <a:r>
+              <a:rPr lang="en-US" sz="2000" dirty="0">
+                <a:solidFill>
+                  <a:srgbClr val="00B050"/>
+                </a:solidFill>
+                <a:latin typeface="Consolas" panose="020B0609020204030204" pitchFamily="49" charset="0"/>
+              </a:rPr>
+              <a:t>// dynamically guaranteed </a:t>
+            </a:r>
+            <a:r>
+              <a:rPr lang="de-DE" sz="2000" dirty="0">
+                <a:solidFill>
+                  <a:srgbClr val="00B050"/>
+                </a:solidFill>
+                <a:latin typeface="Consolas" panose="020B0609020204030204" pitchFamily="49" charset="0"/>
+                <a:sym typeface="Webdings" panose="05030102010509060703" pitchFamily="18" charset="2"/>
+              </a:rPr>
+              <a:t></a:t>
+            </a:r>
+            <a:endParaRPr lang="de-DE" sz="2000" dirty="0">
+              <a:solidFill>
+                <a:srgbClr val="00B050"/>
+              </a:solidFill>
+              <a:latin typeface="Consolas" panose="020B0609020204030204" pitchFamily="49" charset="0"/>
+            </a:endParaRPr>
+          </a:p>
+          <a:p>
+            <a:endParaRPr lang="de-DE" sz="2000" dirty="0">
+              <a:solidFill>
+                <a:srgbClr val="00B050"/>
+              </a:solidFill>
+              <a:latin typeface="Consolas" panose="020B0609020204030204" pitchFamily="49" charset="0"/>
+            </a:endParaRPr>
           </a:p>
         </p:txBody>
       </p:sp>
@@ -10879,7 +13455,7 @@
                                           </p:stCondLst>
                                         </p:cTn>
                                         <p:tgtEl>
-                                          <p:spTgt spid="9"/>
+                                          <p:spTgt spid="12"/>
                                         </p:tgtEl>
                                         <p:attrNameLst>
                                           <p:attrName>style.visibility</p:attrName>
@@ -10943,51 +13519,6 @@
                       </p:childTnLst>
                     </p:cTn>
                   </p:par>
-                  <p:par>
-                    <p:cTn id="27" fill="hold">
-                      <p:stCondLst>
-                        <p:cond delay="indefinite"/>
-                      </p:stCondLst>
-                      <p:childTnLst>
-                        <p:par>
-                          <p:cTn id="28" fill="hold">
-                            <p:stCondLst>
-                              <p:cond delay="0"/>
-                            </p:stCondLst>
-                            <p:childTnLst>
-                              <p:par>
-                                <p:cTn id="29" presetID="1" presetClass="entr" presetSubtype="0" fill="hold" grpId="0" nodeType="clickEffect">
-                                  <p:stCondLst>
-                                    <p:cond delay="0"/>
-                                  </p:stCondLst>
-                                  <p:childTnLst>
-                                    <p:set>
-                                      <p:cBhvr>
-                                        <p:cTn id="30" dur="1" fill="hold">
-                                          <p:stCondLst>
-                                            <p:cond delay="0"/>
-                                          </p:stCondLst>
-                                        </p:cTn>
-                                        <p:tgtEl>
-                                          <p:spTgt spid="12"/>
-                                        </p:tgtEl>
-                                        <p:attrNameLst>
-                                          <p:attrName>style.visibility</p:attrName>
-                                        </p:attrNameLst>
-                                      </p:cBhvr>
-                                      <p:to>
-                                        <p:strVal val="visible"/>
-                                      </p:to>
-                                    </p:set>
-                                  </p:childTnLst>
-                                </p:cTn>
-                              </p:par>
-                            </p:childTnLst>
-                          </p:cTn>
-                        </p:par>
-                      </p:childTnLst>
-                    </p:cTn>
-                  </p:par>
                 </p:childTnLst>
               </p:cTn>
               <p:prevCondLst>
@@ -11014,9 +13545,8 @@
       <p:bldP spid="6" grpId="0" animBg="1"/>
       <p:bldP spid="7" grpId="0" animBg="1"/>
       <p:bldP spid="8" grpId="0"/>
-      <p:bldP spid="9" grpId="0" animBg="1"/>
+      <p:bldP spid="12" grpId="0" animBg="1"/>
       <p:bldP spid="11" grpId="0" animBg="1"/>
-      <p:bldP spid="12" grpId="0" animBg="1"/>
     </p:bldLst>
   </p:timing>
 </p:sld>

--- a/presentation/PLunch.pptx
+++ b/presentation/PLunch.pptx
@@ -5,7 +5,7 @@
     <p:sldMasterId id="2147484044" r:id="rId1"/>
   </p:sldMasterIdLst>
   <p:notesMasterIdLst>
-    <p:notesMasterId r:id="rId16"/>
+    <p:notesMasterId r:id="rId21"/>
   </p:notesMasterIdLst>
   <p:sldIdLst>
     <p:sldId id="256" r:id="rId2"/>
@@ -18,10 +18,15 @@
     <p:sldId id="266" r:id="rId9"/>
     <p:sldId id="265" r:id="rId10"/>
     <p:sldId id="270" r:id="rId11"/>
-    <p:sldId id="271" r:id="rId12"/>
-    <p:sldId id="269" r:id="rId13"/>
-    <p:sldId id="268" r:id="rId14"/>
-    <p:sldId id="267" r:id="rId15"/>
+    <p:sldId id="273" r:id="rId12"/>
+    <p:sldId id="274" r:id="rId13"/>
+    <p:sldId id="275" r:id="rId14"/>
+    <p:sldId id="276" r:id="rId15"/>
+    <p:sldId id="271" r:id="rId16"/>
+    <p:sldId id="272" r:id="rId17"/>
+    <p:sldId id="269" r:id="rId18"/>
+    <p:sldId id="268" r:id="rId19"/>
+    <p:sldId id="267" r:id="rId20"/>
   </p:sldIdLst>
   <p:sldSz cx="9144000" cy="6858000" type="screen4x3"/>
   <p:notesSz cx="6858000" cy="9144000"/>
@@ -143,7 +148,12 @@
         <p14:section name="Approach" id="{E4314259-17AB-4162-9F2D-707CDFBE2B8D}">
           <p14:sldIdLst>
             <p14:sldId id="270"/>
+            <p14:sldId id="273"/>
+            <p14:sldId id="274"/>
+            <p14:sldId id="275"/>
+            <p14:sldId id="276"/>
             <p14:sldId id="271"/>
+            <p14:sldId id="272"/>
             <p14:sldId id="269"/>
             <p14:sldId id="268"/>
             <p14:sldId id="267"/>
@@ -663,11 +673,7 @@
           <a:p>
             <a:r>
               <a:rPr lang="en-US" dirty="0"/>
-              <a:t>abstract interpretation:</a:t>
-            </a:r>
-            <a:r>
-              <a:rPr lang="en-US" baseline="0" dirty="0"/>
-              <a:t> give meaning to gradual formulas in terms of static formulas</a:t>
+              <a:t>define a gradually verified programming language in terms of a statically verified one (process called gradualization)</a:t>
             </a:r>
             <a:endParaRPr lang="de-DE" dirty="0"/>
           </a:p>
@@ -690,7 +696,539 @@
           <a:p>
             <a:fld id="{4DCC1F29-B600-42F8-8BC8-9AFF066AEC7C}" type="slidenum">
               <a:rPr lang="de-DE" smtClean="0"/>
+              <a:t>11</a:t>
+            </a:fld>
+            <a:endParaRPr lang="de-DE"/>
+          </a:p>
+        </p:txBody>
+      </p:sp>
+    </p:spTree>
+    <p:extLst>
+      <p:ext uri="{BB962C8B-B14F-4D97-AF65-F5344CB8AC3E}">
+        <p14:creationId xmlns:p14="http://schemas.microsoft.com/office/powerpoint/2010/main" val="2781818120"/>
+      </p:ext>
+    </p:extLst>
+  </p:cSld>
+  <p:clrMapOvr>
+    <a:masterClrMapping/>
+  </p:clrMapOvr>
+</p:notes>
+</file>
+
+<file path=ppt/notesSlides/notesSlide11.xml><?xml version="1.0" encoding="utf-8"?>
+<p:notes xmlns:a="http://schemas.openxmlformats.org/drawingml/2006/main" xmlns:r="http://schemas.openxmlformats.org/officeDocument/2006/relationships" xmlns:p="http://schemas.openxmlformats.org/presentationml/2006/main">
+  <p:cSld>
+    <p:spTree>
+      <p:nvGrpSpPr>
+        <p:cNvPr id="1" name=""/>
+        <p:cNvGrpSpPr/>
+        <p:nvPr/>
+      </p:nvGrpSpPr>
+      <p:grpSpPr>
+        <a:xfrm>
+          <a:off x="0" y="0"/>
+          <a:ext cx="0" cy="0"/>
+          <a:chOff x="0" y="0"/>
+          <a:chExt cx="0" cy="0"/>
+        </a:xfrm>
+      </p:grpSpPr>
+      <p:sp>
+        <p:nvSpPr>
+          <p:cNvPr id="2" name="Slide Image Placeholder 1"/>
+          <p:cNvSpPr>
+            <a:spLocks noGrp="1" noRot="1" noChangeAspect="1"/>
+          </p:cNvSpPr>
+          <p:nvPr>
+            <p:ph type="sldImg"/>
+          </p:nvPr>
+        </p:nvSpPr>
+        <p:spPr/>
+      </p:sp>
+      <p:sp>
+        <p:nvSpPr>
+          <p:cNvPr id="3" name="Notes Placeholder 2"/>
+          <p:cNvSpPr>
+            <a:spLocks noGrp="1"/>
+          </p:cNvSpPr>
+          <p:nvPr>
+            <p:ph type="body" idx="1"/>
+          </p:nvPr>
+        </p:nvSpPr>
+        <p:spPr/>
+        <p:txBody>
+          <a:bodyPr/>
+          <a:lstStyle/>
+          <a:p>
+            <a:r>
+              <a:rPr lang="en-US" dirty="0"/>
+              <a:t>define a gradually verified programming language in terms of a statically verified one (process called gradualization)</a:t>
+            </a:r>
+            <a:endParaRPr lang="de-DE" dirty="0"/>
+          </a:p>
+        </p:txBody>
+      </p:sp>
+      <p:sp>
+        <p:nvSpPr>
+          <p:cNvPr id="4" name="Slide Number Placeholder 3"/>
+          <p:cNvSpPr>
+            <a:spLocks noGrp="1"/>
+          </p:cNvSpPr>
+          <p:nvPr>
+            <p:ph type="sldNum" sz="quarter" idx="10"/>
+          </p:nvPr>
+        </p:nvSpPr>
+        <p:spPr/>
+        <p:txBody>
+          <a:bodyPr/>
+          <a:lstStyle/>
+          <a:p>
+            <a:fld id="{4DCC1F29-B600-42F8-8BC8-9AFF066AEC7C}" type="slidenum">
+              <a:rPr lang="de-DE" smtClean="0"/>
+              <a:t>12</a:t>
+            </a:fld>
+            <a:endParaRPr lang="de-DE"/>
+          </a:p>
+        </p:txBody>
+      </p:sp>
+    </p:spTree>
+    <p:extLst>
+      <p:ext uri="{BB962C8B-B14F-4D97-AF65-F5344CB8AC3E}">
+        <p14:creationId xmlns:p14="http://schemas.microsoft.com/office/powerpoint/2010/main" val="2618891808"/>
+      </p:ext>
+    </p:extLst>
+  </p:cSld>
+  <p:clrMapOvr>
+    <a:masterClrMapping/>
+  </p:clrMapOvr>
+</p:notes>
+</file>
+
+<file path=ppt/notesSlides/notesSlide12.xml><?xml version="1.0" encoding="utf-8"?>
+<p:notes xmlns:a="http://schemas.openxmlformats.org/drawingml/2006/main" xmlns:r="http://schemas.openxmlformats.org/officeDocument/2006/relationships" xmlns:p="http://schemas.openxmlformats.org/presentationml/2006/main">
+  <p:cSld>
+    <p:spTree>
+      <p:nvGrpSpPr>
+        <p:cNvPr id="1" name=""/>
+        <p:cNvGrpSpPr/>
+        <p:nvPr/>
+      </p:nvGrpSpPr>
+      <p:grpSpPr>
+        <a:xfrm>
+          <a:off x="0" y="0"/>
+          <a:ext cx="0" cy="0"/>
+          <a:chOff x="0" y="0"/>
+          <a:chExt cx="0" cy="0"/>
+        </a:xfrm>
+      </p:grpSpPr>
+      <p:sp>
+        <p:nvSpPr>
+          <p:cNvPr id="2" name="Slide Image Placeholder 1"/>
+          <p:cNvSpPr>
+            <a:spLocks noGrp="1" noRot="1" noChangeAspect="1"/>
+          </p:cNvSpPr>
+          <p:nvPr>
+            <p:ph type="sldImg"/>
+          </p:nvPr>
+        </p:nvSpPr>
+        <p:spPr/>
+      </p:sp>
+      <p:sp>
+        <p:nvSpPr>
+          <p:cNvPr id="3" name="Notes Placeholder 2"/>
+          <p:cNvSpPr>
+            <a:spLocks noGrp="1"/>
+          </p:cNvSpPr>
+          <p:nvPr>
+            <p:ph type="body" idx="1"/>
+          </p:nvPr>
+        </p:nvSpPr>
+        <p:spPr/>
+        <p:txBody>
+          <a:bodyPr/>
+          <a:lstStyle/>
+          <a:p>
+            <a:r>
+              <a:rPr lang="en-US" dirty="0"/>
+              <a:t>define a gradually verified programming language in terms of a statically verified one (process called gradualization)</a:t>
+            </a:r>
+            <a:endParaRPr lang="de-DE" dirty="0"/>
+          </a:p>
+        </p:txBody>
+      </p:sp>
+      <p:sp>
+        <p:nvSpPr>
+          <p:cNvPr id="4" name="Slide Number Placeholder 3"/>
+          <p:cNvSpPr>
+            <a:spLocks noGrp="1"/>
+          </p:cNvSpPr>
+          <p:nvPr>
+            <p:ph type="sldNum" sz="quarter" idx="10"/>
+          </p:nvPr>
+        </p:nvSpPr>
+        <p:spPr/>
+        <p:txBody>
+          <a:bodyPr/>
+          <a:lstStyle/>
+          <a:p>
+            <a:fld id="{4DCC1F29-B600-42F8-8BC8-9AFF066AEC7C}" type="slidenum">
+              <a:rPr lang="de-DE" smtClean="0"/>
+              <a:t>13</a:t>
+            </a:fld>
+            <a:endParaRPr lang="de-DE"/>
+          </a:p>
+        </p:txBody>
+      </p:sp>
+    </p:spTree>
+    <p:extLst>
+      <p:ext uri="{BB962C8B-B14F-4D97-AF65-F5344CB8AC3E}">
+        <p14:creationId xmlns:p14="http://schemas.microsoft.com/office/powerpoint/2010/main" val="1358169298"/>
+      </p:ext>
+    </p:extLst>
+  </p:cSld>
+  <p:clrMapOvr>
+    <a:masterClrMapping/>
+  </p:clrMapOvr>
+</p:notes>
+</file>
+
+<file path=ppt/notesSlides/notesSlide13.xml><?xml version="1.0" encoding="utf-8"?>
+<p:notes xmlns:a="http://schemas.openxmlformats.org/drawingml/2006/main" xmlns:r="http://schemas.openxmlformats.org/officeDocument/2006/relationships" xmlns:p="http://schemas.openxmlformats.org/presentationml/2006/main">
+  <p:cSld>
+    <p:spTree>
+      <p:nvGrpSpPr>
+        <p:cNvPr id="1" name=""/>
+        <p:cNvGrpSpPr/>
+        <p:nvPr/>
+      </p:nvGrpSpPr>
+      <p:grpSpPr>
+        <a:xfrm>
+          <a:off x="0" y="0"/>
+          <a:ext cx="0" cy="0"/>
+          <a:chOff x="0" y="0"/>
+          <a:chExt cx="0" cy="0"/>
+        </a:xfrm>
+      </p:grpSpPr>
+      <p:sp>
+        <p:nvSpPr>
+          <p:cNvPr id="2" name="Slide Image Placeholder 1"/>
+          <p:cNvSpPr>
+            <a:spLocks noGrp="1" noRot="1" noChangeAspect="1"/>
+          </p:cNvSpPr>
+          <p:nvPr>
+            <p:ph type="sldImg"/>
+          </p:nvPr>
+        </p:nvSpPr>
+        <p:spPr/>
+      </p:sp>
+      <p:sp>
+        <p:nvSpPr>
+          <p:cNvPr id="3" name="Notes Placeholder 2"/>
+          <p:cNvSpPr>
+            <a:spLocks noGrp="1"/>
+          </p:cNvSpPr>
+          <p:nvPr>
+            <p:ph type="body" idx="1"/>
+          </p:nvPr>
+        </p:nvSpPr>
+        <p:spPr/>
+        <p:txBody>
+          <a:bodyPr/>
+          <a:lstStyle/>
+          <a:p>
+            <a:r>
+              <a:rPr lang="en-US" dirty="0"/>
+              <a:t>define a gradually verified programming language in terms of a statically verified one (process called gradualization)</a:t>
+            </a:r>
+            <a:endParaRPr lang="de-DE" dirty="0"/>
+          </a:p>
+        </p:txBody>
+      </p:sp>
+      <p:sp>
+        <p:nvSpPr>
+          <p:cNvPr id="4" name="Slide Number Placeholder 3"/>
+          <p:cNvSpPr>
+            <a:spLocks noGrp="1"/>
+          </p:cNvSpPr>
+          <p:nvPr>
+            <p:ph type="sldNum" sz="quarter" idx="10"/>
+          </p:nvPr>
+        </p:nvSpPr>
+        <p:spPr/>
+        <p:txBody>
+          <a:bodyPr/>
+          <a:lstStyle/>
+          <a:p>
+            <a:fld id="{4DCC1F29-B600-42F8-8BC8-9AFF066AEC7C}" type="slidenum">
+              <a:rPr lang="de-DE" smtClean="0"/>
               <a:t>14</a:t>
+            </a:fld>
+            <a:endParaRPr lang="de-DE"/>
+          </a:p>
+        </p:txBody>
+      </p:sp>
+    </p:spTree>
+    <p:extLst>
+      <p:ext uri="{BB962C8B-B14F-4D97-AF65-F5344CB8AC3E}">
+        <p14:creationId xmlns:p14="http://schemas.microsoft.com/office/powerpoint/2010/main" val="3963543271"/>
+      </p:ext>
+    </p:extLst>
+  </p:cSld>
+  <p:clrMapOvr>
+    <a:masterClrMapping/>
+  </p:clrMapOvr>
+</p:notes>
+</file>
+
+<file path=ppt/notesSlides/notesSlide14.xml><?xml version="1.0" encoding="utf-8"?>
+<p:notes xmlns:a="http://schemas.openxmlformats.org/drawingml/2006/main" xmlns:r="http://schemas.openxmlformats.org/officeDocument/2006/relationships" xmlns:p="http://schemas.openxmlformats.org/presentationml/2006/main">
+  <p:cSld>
+    <p:spTree>
+      <p:nvGrpSpPr>
+        <p:cNvPr id="1" name=""/>
+        <p:cNvGrpSpPr/>
+        <p:nvPr/>
+      </p:nvGrpSpPr>
+      <p:grpSpPr>
+        <a:xfrm>
+          <a:off x="0" y="0"/>
+          <a:ext cx="0" cy="0"/>
+          <a:chOff x="0" y="0"/>
+          <a:chExt cx="0" cy="0"/>
+        </a:xfrm>
+      </p:grpSpPr>
+      <p:sp>
+        <p:nvSpPr>
+          <p:cNvPr id="2" name="Slide Image Placeholder 1"/>
+          <p:cNvSpPr>
+            <a:spLocks noGrp="1" noRot="1" noChangeAspect="1"/>
+          </p:cNvSpPr>
+          <p:nvPr>
+            <p:ph type="sldImg"/>
+          </p:nvPr>
+        </p:nvSpPr>
+        <p:spPr/>
+      </p:sp>
+      <p:sp>
+        <p:nvSpPr>
+          <p:cNvPr id="3" name="Notes Placeholder 2"/>
+          <p:cNvSpPr>
+            <a:spLocks noGrp="1"/>
+          </p:cNvSpPr>
+          <p:nvPr>
+            <p:ph type="body" idx="1"/>
+          </p:nvPr>
+        </p:nvSpPr>
+        <p:spPr/>
+        <p:txBody>
+          <a:bodyPr/>
+          <a:lstStyle/>
+          <a:p>
+            <a:r>
+              <a:rPr lang="en-US" dirty="0"/>
+              <a:t>abstract</a:t>
+            </a:r>
+            <a:r>
+              <a:rPr lang="en-US" baseline="0" dirty="0"/>
+              <a:t> interpretation – as we will see later doing so has very desirable properties</a:t>
+            </a:r>
+            <a:endParaRPr lang="de-DE" dirty="0"/>
+          </a:p>
+        </p:txBody>
+      </p:sp>
+      <p:sp>
+        <p:nvSpPr>
+          <p:cNvPr id="4" name="Slide Number Placeholder 3"/>
+          <p:cNvSpPr>
+            <a:spLocks noGrp="1"/>
+          </p:cNvSpPr>
+          <p:nvPr>
+            <p:ph type="sldNum" sz="quarter" idx="10"/>
+          </p:nvPr>
+        </p:nvSpPr>
+        <p:spPr/>
+        <p:txBody>
+          <a:bodyPr/>
+          <a:lstStyle/>
+          <a:p>
+            <a:fld id="{4DCC1F29-B600-42F8-8BC8-9AFF066AEC7C}" type="slidenum">
+              <a:rPr lang="de-DE" smtClean="0"/>
+              <a:t>15</a:t>
+            </a:fld>
+            <a:endParaRPr lang="de-DE"/>
+          </a:p>
+        </p:txBody>
+      </p:sp>
+    </p:spTree>
+    <p:extLst>
+      <p:ext uri="{BB962C8B-B14F-4D97-AF65-F5344CB8AC3E}">
+        <p14:creationId xmlns:p14="http://schemas.microsoft.com/office/powerpoint/2010/main" val="782824603"/>
+      </p:ext>
+    </p:extLst>
+  </p:cSld>
+  <p:clrMapOvr>
+    <a:masterClrMapping/>
+  </p:clrMapOvr>
+</p:notes>
+</file>
+
+<file path=ppt/notesSlides/notesSlide15.xml><?xml version="1.0" encoding="utf-8"?>
+<p:notes xmlns:a="http://schemas.openxmlformats.org/drawingml/2006/main" xmlns:r="http://schemas.openxmlformats.org/officeDocument/2006/relationships" xmlns:p="http://schemas.openxmlformats.org/presentationml/2006/main">
+  <p:cSld>
+    <p:spTree>
+      <p:nvGrpSpPr>
+        <p:cNvPr id="1" name=""/>
+        <p:cNvGrpSpPr/>
+        <p:nvPr/>
+      </p:nvGrpSpPr>
+      <p:grpSpPr>
+        <a:xfrm>
+          <a:off x="0" y="0"/>
+          <a:ext cx="0" cy="0"/>
+          <a:chOff x="0" y="0"/>
+          <a:chExt cx="0" cy="0"/>
+        </a:xfrm>
+      </p:grpSpPr>
+      <p:sp>
+        <p:nvSpPr>
+          <p:cNvPr id="2" name="Slide Image Placeholder 1"/>
+          <p:cNvSpPr>
+            <a:spLocks noGrp="1" noRot="1" noChangeAspect="1"/>
+          </p:cNvSpPr>
+          <p:nvPr>
+            <p:ph type="sldImg"/>
+          </p:nvPr>
+        </p:nvSpPr>
+        <p:spPr/>
+      </p:sp>
+      <p:sp>
+        <p:nvSpPr>
+          <p:cNvPr id="3" name="Notes Placeholder 2"/>
+          <p:cNvSpPr>
+            <a:spLocks noGrp="1"/>
+          </p:cNvSpPr>
+          <p:nvPr>
+            <p:ph type="body" idx="1"/>
+          </p:nvPr>
+        </p:nvSpPr>
+        <p:spPr/>
+        <p:txBody>
+          <a:bodyPr/>
+          <a:lstStyle/>
+          <a:p>
+            <a:endParaRPr lang="de-DE" dirty="0"/>
+          </a:p>
+        </p:txBody>
+      </p:sp>
+      <p:sp>
+        <p:nvSpPr>
+          <p:cNvPr id="4" name="Slide Number Placeholder 3"/>
+          <p:cNvSpPr>
+            <a:spLocks noGrp="1"/>
+          </p:cNvSpPr>
+          <p:nvPr>
+            <p:ph type="sldNum" sz="quarter" idx="10"/>
+          </p:nvPr>
+        </p:nvSpPr>
+        <p:spPr/>
+        <p:txBody>
+          <a:bodyPr/>
+          <a:lstStyle/>
+          <a:p>
+            <a:fld id="{4DCC1F29-B600-42F8-8BC8-9AFF066AEC7C}" type="slidenum">
+              <a:rPr lang="de-DE" smtClean="0"/>
+              <a:t>18</a:t>
+            </a:fld>
+            <a:endParaRPr lang="de-DE"/>
+          </a:p>
+        </p:txBody>
+      </p:sp>
+    </p:spTree>
+    <p:extLst>
+      <p:ext uri="{BB962C8B-B14F-4D97-AF65-F5344CB8AC3E}">
+        <p14:creationId xmlns:p14="http://schemas.microsoft.com/office/powerpoint/2010/main" val="2581817312"/>
+      </p:ext>
+    </p:extLst>
+  </p:cSld>
+  <p:clrMapOvr>
+    <a:masterClrMapping/>
+  </p:clrMapOvr>
+</p:notes>
+</file>
+
+<file path=ppt/notesSlides/notesSlide16.xml><?xml version="1.0" encoding="utf-8"?>
+<p:notes xmlns:a="http://schemas.openxmlformats.org/drawingml/2006/main" xmlns:r="http://schemas.openxmlformats.org/officeDocument/2006/relationships" xmlns:p="http://schemas.openxmlformats.org/presentationml/2006/main">
+  <p:cSld>
+    <p:spTree>
+      <p:nvGrpSpPr>
+        <p:cNvPr id="1" name=""/>
+        <p:cNvGrpSpPr/>
+        <p:nvPr/>
+      </p:nvGrpSpPr>
+      <p:grpSpPr>
+        <a:xfrm>
+          <a:off x="0" y="0"/>
+          <a:ext cx="0" cy="0"/>
+          <a:chOff x="0" y="0"/>
+          <a:chExt cx="0" cy="0"/>
+        </a:xfrm>
+      </p:grpSpPr>
+      <p:sp>
+        <p:nvSpPr>
+          <p:cNvPr id="2" name="Slide Image Placeholder 1"/>
+          <p:cNvSpPr>
+            <a:spLocks noGrp="1" noRot="1" noChangeAspect="1"/>
+          </p:cNvSpPr>
+          <p:nvPr>
+            <p:ph type="sldImg"/>
+          </p:nvPr>
+        </p:nvSpPr>
+        <p:spPr/>
+      </p:sp>
+      <p:sp>
+        <p:nvSpPr>
+          <p:cNvPr id="3" name="Notes Placeholder 2"/>
+          <p:cNvSpPr>
+            <a:spLocks noGrp="1"/>
+          </p:cNvSpPr>
+          <p:nvPr>
+            <p:ph type="body" idx="1"/>
+          </p:nvPr>
+        </p:nvSpPr>
+        <p:spPr/>
+        <p:txBody>
+          <a:bodyPr/>
+          <a:lstStyle/>
+          <a:p>
+            <a:r>
+              <a:rPr lang="en-US" dirty="0"/>
+              <a:t>abstract interpretation:</a:t>
+            </a:r>
+            <a:r>
+              <a:rPr lang="en-US" baseline="0" dirty="0"/>
+              <a:t> give meaning to gradual formulas in terms of static formulas</a:t>
+            </a:r>
+            <a:endParaRPr lang="de-DE" dirty="0"/>
+          </a:p>
+        </p:txBody>
+      </p:sp>
+      <p:sp>
+        <p:nvSpPr>
+          <p:cNvPr id="4" name="Slide Number Placeholder 3"/>
+          <p:cNvSpPr>
+            <a:spLocks noGrp="1"/>
+          </p:cNvSpPr>
+          <p:nvPr>
+            <p:ph type="sldNum" sz="quarter" idx="10"/>
+          </p:nvPr>
+        </p:nvSpPr>
+        <p:spPr/>
+        <p:txBody>
+          <a:bodyPr/>
+          <a:lstStyle/>
+          <a:p>
+            <a:fld id="{4DCC1F29-B600-42F8-8BC8-9AFF066AEC7C}" type="slidenum">
+              <a:rPr lang="de-DE" smtClean="0"/>
+              <a:t>19</a:t>
             </a:fld>
             <a:endParaRPr lang="de-DE"/>
           </a:p>
@@ -1338,7 +1876,17 @@
           <a:p>
             <a:r>
               <a:rPr lang="en-US" dirty="0"/>
-              <a:t>gradual typing taught us that solution is not to </a:t>
+              <a:t>gradual typing taught us that solution is not to blindly combine approaches</a:t>
+            </a:r>
+          </a:p>
+          <a:p>
+            <a:r>
+              <a:rPr lang="en-US" dirty="0"/>
+              <a:t>AGT formalizes</a:t>
+            </a:r>
+            <a:r>
+              <a:rPr lang="en-US" baseline="0" dirty="0"/>
+              <a:t> how to get from … to …</a:t>
             </a:r>
             <a:endParaRPr lang="de-DE" dirty="0"/>
           </a:p>
@@ -1445,7 +1993,7 @@
           <a:p>
             <a:fld id="{4DCC1F29-B600-42F8-8BC8-9AFF066AEC7C}" type="slidenum">
               <a:rPr lang="de-DE" smtClean="0"/>
-              <a:t>13</a:t>
+              <a:t>10</a:t>
             </a:fld>
             <a:endParaRPr lang="de-DE"/>
           </a:p>
@@ -1454,7 +2002,7 @@
     </p:spTree>
     <p:extLst>
       <p:ext uri="{BB962C8B-B14F-4D97-AF65-F5344CB8AC3E}">
-        <p14:creationId xmlns:p14="http://schemas.microsoft.com/office/powerpoint/2010/main" val="2581817312"/>
+        <p14:creationId xmlns:p14="http://schemas.microsoft.com/office/powerpoint/2010/main" val="204822185"/>
       </p:ext>
     </p:extLst>
   </p:cSld>
@@ -4467,7 +5015,7 @@
           <p:nvPr/>
         </p:nvPicPr>
         <p:blipFill>
-          <a:blip r:embed="rId2"/>
+          <a:blip r:embed="rId3"/>
           <a:stretch>
             <a:fillRect/>
           </a:stretch>
@@ -5536,7 +6084,7 @@
                 <a:avLst/>
               </a:prstGeom>
               <a:blipFill>
-                <a:blip r:embed="rId3"/>
+                <a:blip r:embed="rId4"/>
                 <a:stretch>
                   <a:fillRect t="-3448" b="-18966"/>
                 </a:stretch>
@@ -5567,7 +6115,7 @@
             </p:nvSpPr>
             <p:spPr>
               <a:xfrm>
-                <a:off x="3506578" y="3501355"/>
+                <a:off x="3759797" y="3501355"/>
                 <a:ext cx="4514747" cy="369332"/>
               </a:xfrm>
               <a:prstGeom prst="rect">
@@ -5583,24 +6131,6 @@
               </a:bodyPr>
               <a:lstStyle/>
               <a:p>
-                <a14:m>
-                  <m:oMath xmlns:m="http://schemas.openxmlformats.org/officeDocument/2006/math">
-                    <m:r>
-                      <a:rPr lang="en-US" b="0" i="1" smtClean="0">
-                        <a:latin typeface="Latin Modern Math" panose="02000503000000000000" pitchFamily="50" charset="0"/>
-                        <a:ea typeface="Latin Modern Math" panose="02000503000000000000" pitchFamily="50" charset="0"/>
-                      </a:rPr>
-                      <m:t>=</m:t>
-                    </m:r>
-                  </m:oMath>
-                </a14:m>
-                <a:r>
-                  <a:rPr lang="de-DE" dirty="0">
-                    <a:latin typeface="Latin Modern Math" panose="02000503000000000000" pitchFamily="50" charset="0"/>
-                    <a:ea typeface="Latin Modern Math" panose="02000503000000000000" pitchFamily="50" charset="0"/>
-                  </a:rPr>
-                  <a:t> </a:t>
-                </a:r>
                 <a:r>
                   <a:rPr lang="de-DE" cap="small" dirty="0">
                     <a:latin typeface="Latin Modern Math" panose="02000503000000000000" pitchFamily="50" charset="0"/>
@@ -5670,16 +6200,16 @@
             </p:nvSpPr>
             <p:spPr>
               <a:xfrm>
-                <a:off x="3506578" y="3501355"/>
+                <a:off x="3759797" y="3501355"/>
                 <a:ext cx="4514747" cy="369332"/>
               </a:xfrm>
               <a:prstGeom prst="rect">
                 <a:avLst/>
               </a:prstGeom>
               <a:blipFill>
-                <a:blip r:embed="rId4"/>
+                <a:blip r:embed="rId5"/>
                 <a:stretch>
-                  <a:fillRect t="-1639" b="-31148"/>
+                  <a:fillRect l="-1216" t="-1639" b="-31148"/>
                 </a:stretch>
               </a:blipFill>
             </p:spPr>
@@ -5823,7 +6353,7 @@
                 <a:avLst/>
               </a:prstGeom>
               <a:blipFill>
-                <a:blip r:embed="rId5"/>
+                <a:blip r:embed="rId6"/>
                 <a:stretch>
                   <a:fillRect t="-16393" b="-16393"/>
                 </a:stretch>
@@ -6138,7 +6668,7 @@
                 <a:avLst/>
               </a:prstGeom>
               <a:blipFill>
-                <a:blip r:embed="rId6"/>
+                <a:blip r:embed="rId7"/>
                 <a:stretch>
                   <a:fillRect b="-5714"/>
                 </a:stretch>
@@ -6520,7 +7050,7 @@
                 <a:avLst/>
               </a:prstGeom>
               <a:blipFill>
-                <a:blip r:embed="rId7"/>
+                <a:blip r:embed="rId8"/>
                 <a:stretch>
                   <a:fillRect l="-541" t="-7273" b="-21818"/>
                 </a:stretch>
@@ -6743,7 +7273,7 @@
                 <a:avLst/>
               </a:prstGeom>
               <a:blipFill>
-                <a:blip r:embed="rId8"/>
+                <a:blip r:embed="rId9"/>
                 <a:stretch>
                   <a:fillRect r="-19643"/>
                 </a:stretch>
@@ -6984,7 +7514,7 @@
                 <a:avLst/>
               </a:prstGeom>
               <a:blipFill>
-                <a:blip r:embed="rId9"/>
+                <a:blip r:embed="rId10"/>
                 <a:stretch>
                   <a:fillRect/>
                 </a:stretch>
@@ -7130,7 +7660,7 @@
                 <a:avLst/>
               </a:prstGeom>
               <a:blipFill>
-                <a:blip r:embed="rId10"/>
+                <a:blip r:embed="rId11"/>
                 <a:stretch>
                   <a:fillRect t="-16393" b="-16393"/>
                 </a:stretch>
@@ -7253,7 +7783,7 @@
                 <a:avLst/>
               </a:prstGeom>
               <a:blipFill>
-                <a:blip r:embed="rId11"/>
+                <a:blip r:embed="rId12"/>
                 <a:stretch>
                   <a:fillRect r="-19469"/>
                 </a:stretch>
@@ -7261,6 +7791,421 @@
               <a:ln w="152400">
                 <a:noFill/>
               </a:ln>
+            </p:spPr>
+            <p:txBody>
+              <a:bodyPr/>
+              <a:lstStyle/>
+              <a:p>
+                <a:r>
+                  <a:rPr lang="de-DE">
+                    <a:noFill/>
+                  </a:rPr>
+                  <a:t> </a:t>
+                </a:r>
+              </a:p>
+            </p:txBody>
+          </p:sp>
+        </mc:Fallback>
+      </mc:AlternateContent>
+      <mc:AlternateContent xmlns:mc="http://schemas.openxmlformats.org/markup-compatibility/2006">
+        <mc:Choice xmlns:a14="http://schemas.microsoft.com/office/drawing/2010/main" Requires="a14">
+          <p:sp>
+            <p:nvSpPr>
+              <p:cNvPr id="47" name="Rectangle 46"/>
+              <p:cNvSpPr/>
+              <p:nvPr/>
+            </p:nvSpPr>
+            <p:spPr>
+              <a:xfrm>
+                <a:off x="3506578" y="5835111"/>
+                <a:ext cx="4894610" cy="369332"/>
+              </a:xfrm>
+              <a:prstGeom prst="rect">
+                <a:avLst/>
+              </a:prstGeom>
+              <a:solidFill>
+                <a:schemeClr val="bg1"/>
+              </a:solidFill>
+            </p:spPr>
+            <p:txBody>
+              <a:bodyPr wrap="none">
+                <a:spAutoFit/>
+              </a:bodyPr>
+              <a:lstStyle/>
+              <a:p>
+                <a14:m>
+                  <m:oMathPara xmlns:m="http://schemas.openxmlformats.org/officeDocument/2006/math">
+                    <m:oMathParaPr>
+                      <m:jc m:val="centerGroup"/>
+                    </m:oMathParaPr>
+                    <m:oMath xmlns:m="http://schemas.openxmlformats.org/officeDocument/2006/math">
+                      <m:r>
+                        <a:rPr lang="en-US" i="1" smtClean="0">
+                          <a:latin typeface="Latin Modern Math" panose="02000503000000000000" pitchFamily="50" charset="0"/>
+                          <a:ea typeface="Latin Modern Math" panose="02000503000000000000" pitchFamily="50" charset="0"/>
+                        </a:rPr>
+                        <m:t>⊢</m:t>
+                      </m:r>
+                      <m:d>
+                        <m:dPr>
+                          <m:begChr m:val="{"/>
+                          <m:endChr m:val="}"/>
+                          <m:ctrlPr>
+                            <a:rPr lang="en-US" b="0" i="1" smtClean="0">
+                              <a:latin typeface="Latin Modern Math" panose="02000503000000000000" pitchFamily="50" charset="0"/>
+                              <a:ea typeface="Latin Modern Math" panose="02000503000000000000" pitchFamily="50" charset="0"/>
+                            </a:rPr>
+                          </m:ctrlPr>
+                        </m:dPr>
+                        <m:e>
+                          <m:sSub>
+                            <m:sSubPr>
+                              <m:ctrlPr>
+                                <a:rPr lang="en-US" b="0" i="1" smtClean="0">
+                                  <a:latin typeface="Latin Modern Math" panose="02000503000000000000" pitchFamily="50" charset="0"/>
+                                  <a:ea typeface="Latin Modern Math" panose="02000503000000000000" pitchFamily="50" charset="0"/>
+                                </a:rPr>
+                              </m:ctrlPr>
+                            </m:sSubPr>
+                            <m:e>
+                              <m:r>
+                                <a:rPr lang="en-US" b="0" i="1" smtClean="0">
+                                  <a:latin typeface="Latin Modern Math" panose="02000503000000000000" pitchFamily="50" charset="0"/>
+                                  <a:ea typeface="Latin Modern Math" panose="02000503000000000000" pitchFamily="50" charset="0"/>
+                                </a:rPr>
+                                <m:t>𝜙</m:t>
+                              </m:r>
+                            </m:e>
+                            <m:sub>
+                              <m:r>
+                                <a:rPr lang="en-US" b="0" i="1" smtClean="0">
+                                  <a:latin typeface="Cambria Math" panose="02040503050406030204" pitchFamily="18" charset="0"/>
+                                  <a:ea typeface="Latin Modern Math" panose="02000503000000000000" pitchFamily="50" charset="0"/>
+                                </a:rPr>
+                                <m:t>1</m:t>
+                              </m:r>
+                            </m:sub>
+                          </m:sSub>
+                        </m:e>
+                      </m:d>
+                      <m:r>
+                        <a:rPr lang="en-US" b="0" i="1" smtClean="0">
+                          <a:latin typeface="Latin Modern Math" panose="02000503000000000000" pitchFamily="50" charset="0"/>
+                          <a:ea typeface="Latin Modern Math" panose="02000503000000000000" pitchFamily="50" charset="0"/>
+                        </a:rPr>
+                        <m:t>𝑠</m:t>
+                      </m:r>
+                      <m:d>
+                        <m:dPr>
+                          <m:begChr m:val="{"/>
+                          <m:endChr m:val="}"/>
+                          <m:ctrlPr>
+                            <a:rPr lang="en-US" i="1">
+                              <a:latin typeface="Latin Modern Math" panose="02000503000000000000" pitchFamily="50" charset="0"/>
+                              <a:ea typeface="Latin Modern Math" panose="02000503000000000000" pitchFamily="50" charset="0"/>
+                            </a:rPr>
+                          </m:ctrlPr>
+                        </m:dPr>
+                        <m:e>
+                          <m:sSub>
+                            <m:sSubPr>
+                              <m:ctrlPr>
+                                <a:rPr lang="en-US" b="0" i="1" smtClean="0">
+                                  <a:latin typeface="Latin Modern Math" panose="02000503000000000000" pitchFamily="50" charset="0"/>
+                                  <a:ea typeface="Latin Modern Math" panose="02000503000000000000" pitchFamily="50" charset="0"/>
+                                </a:rPr>
+                              </m:ctrlPr>
+                            </m:sSubPr>
+                            <m:e>
+                              <m:r>
+                                <a:rPr lang="en-US" b="0" i="1" smtClean="0">
+                                  <a:latin typeface="Latin Modern Math" panose="02000503000000000000" pitchFamily="50" charset="0"/>
+                                  <a:ea typeface="Latin Modern Math" panose="02000503000000000000" pitchFamily="50" charset="0"/>
+                                </a:rPr>
+                                <m:t>𝜙</m:t>
+                              </m:r>
+                            </m:e>
+                            <m:sub>
+                              <m:r>
+                                <a:rPr lang="en-US" b="0" i="1" smtClean="0">
+                                  <a:latin typeface="Cambria Math" panose="02040503050406030204" pitchFamily="18" charset="0"/>
+                                  <a:ea typeface="Latin Modern Math" panose="02000503000000000000" pitchFamily="50" charset="0"/>
+                                </a:rPr>
+                                <m:t>2</m:t>
+                              </m:r>
+                            </m:sub>
+                          </m:sSub>
+                        </m:e>
+                      </m:d>
+                      <m:r>
+                        <a:rPr lang="en-US" b="0" i="1" smtClean="0">
+                          <a:latin typeface="Latin Modern Math" panose="02000503000000000000" pitchFamily="50" charset="0"/>
+                          <a:ea typeface="Latin Modern Math" panose="02000503000000000000" pitchFamily="50" charset="0"/>
+                        </a:rPr>
+                        <m:t>∧</m:t>
+                      </m:r>
+                      <m:sSub>
+                        <m:sSubPr>
+                          <m:ctrlPr>
+                            <a:rPr lang="en-US" b="0" i="1" smtClean="0">
+                              <a:latin typeface="Latin Modern Math" panose="02000503000000000000" pitchFamily="50" charset="0"/>
+                              <a:ea typeface="Latin Modern Math" panose="02000503000000000000" pitchFamily="50" charset="0"/>
+                            </a:rPr>
+                          </m:ctrlPr>
+                        </m:sSubPr>
+                        <m:e>
+                          <m:r>
+                            <a:rPr lang="en-US" b="0" i="1" smtClean="0">
+                              <a:latin typeface="Latin Modern Math" panose="02000503000000000000" pitchFamily="50" charset="0"/>
+                              <a:ea typeface="Latin Modern Math" panose="02000503000000000000" pitchFamily="50" charset="0"/>
+                            </a:rPr>
+                            <m:t>𝜋</m:t>
+                          </m:r>
+                        </m:e>
+                        <m:sub>
+                          <m:r>
+                            <a:rPr lang="en-US" b="0" i="1" smtClean="0">
+                              <a:latin typeface="Cambria Math" panose="02040503050406030204" pitchFamily="18" charset="0"/>
+                              <a:ea typeface="Latin Modern Math" panose="02000503000000000000" pitchFamily="50" charset="0"/>
+                            </a:rPr>
+                            <m:t>1</m:t>
+                          </m:r>
+                        </m:sub>
+                      </m:sSub>
+                      <m:sSup>
+                        <m:sSupPr>
+                          <m:ctrlPr>
+                            <a:rPr lang="en-US" b="0" i="1" smtClean="0">
+                              <a:latin typeface="Cambria Math" panose="02040503050406030204" pitchFamily="18" charset="0"/>
+                              <a:ea typeface="Latin Modern Math" panose="02000503000000000000" pitchFamily="50" charset="0"/>
+                            </a:rPr>
+                          </m:ctrlPr>
+                        </m:sSupPr>
+                        <m:e>
+                          <m:r>
+                            <m:rPr>
+                              <m:nor/>
+                            </m:rPr>
+                            <a:rPr lang="de-DE" dirty="0">
+                              <a:latin typeface="Latin Modern Math" panose="02000503000000000000" pitchFamily="50" charset="0"/>
+                              <a:ea typeface="Latin Modern Math" panose="02000503000000000000" pitchFamily="50" charset="0"/>
+                              <a:cs typeface="Lucida Sans Unicode" panose="020B0602030504020204" pitchFamily="34" charset="0"/>
+                            </a:rPr>
+                            <m:t>⟶</m:t>
+                          </m:r>
+                        </m:e>
+                        <m:sup>
+                          <m:r>
+                            <a:rPr lang="en-US" b="0" i="1" smtClean="0">
+                              <a:latin typeface="Cambria Math" panose="02040503050406030204" pitchFamily="18" charset="0"/>
+                              <a:ea typeface="Latin Modern Math" panose="02000503000000000000" pitchFamily="50" charset="0"/>
+                            </a:rPr>
+                            <m:t>𝑠</m:t>
+                          </m:r>
+                        </m:sup>
+                      </m:sSup>
+                      <m:sSub>
+                        <m:sSubPr>
+                          <m:ctrlPr>
+                            <a:rPr lang="en-US" i="1" smtClean="0">
+                              <a:latin typeface="Cambria Math" panose="02040503050406030204" pitchFamily="18" charset="0"/>
+                              <a:ea typeface="Latin Modern Math" panose="02000503000000000000" pitchFamily="50" charset="0"/>
+                            </a:rPr>
+                          </m:ctrlPr>
+                        </m:sSubPr>
+                        <m:e>
+                          <m:r>
+                            <a:rPr lang="en-US" i="1">
+                              <a:latin typeface="Latin Modern Math" panose="02000503000000000000" pitchFamily="50" charset="0"/>
+                              <a:ea typeface="Latin Modern Math" panose="02000503000000000000" pitchFamily="50" charset="0"/>
+                            </a:rPr>
+                            <m:t>𝜋</m:t>
+                          </m:r>
+                        </m:e>
+                        <m:sub>
+                          <m:r>
+                            <a:rPr lang="en-US" b="0" i="1" smtClean="0">
+                              <a:latin typeface="Cambria Math" panose="02040503050406030204" pitchFamily="18" charset="0"/>
+                              <a:ea typeface="Latin Modern Math" panose="02000503000000000000" pitchFamily="50" charset="0"/>
+                            </a:rPr>
+                            <m:t>2</m:t>
+                          </m:r>
+                        </m:sub>
+                      </m:sSub>
+                      <m:r>
+                        <a:rPr lang="en-US" i="1">
+                          <a:latin typeface="Latin Modern Math" panose="02000503000000000000" pitchFamily="50" charset="0"/>
+                          <a:ea typeface="Latin Modern Math" panose="02000503000000000000" pitchFamily="50" charset="0"/>
+                        </a:rPr>
+                        <m:t>∧</m:t>
+                      </m:r>
+                      <m:sSub>
+                        <m:sSubPr>
+                          <m:ctrlPr>
+                            <a:rPr lang="en-US" i="1">
+                              <a:latin typeface="Cambria Math" panose="02040503050406030204" pitchFamily="18" charset="0"/>
+                              <a:ea typeface="Latin Modern Math" panose="02000503000000000000" pitchFamily="50" charset="0"/>
+                            </a:rPr>
+                          </m:ctrlPr>
+                        </m:sSubPr>
+                        <m:e>
+                          <m:r>
+                            <a:rPr lang="en-US" i="1">
+                              <a:latin typeface="Latin Modern Math" panose="02000503000000000000" pitchFamily="50" charset="0"/>
+                              <a:ea typeface="Latin Modern Math" panose="02000503000000000000" pitchFamily="50" charset="0"/>
+                            </a:rPr>
+                            <m:t>𝜋</m:t>
+                          </m:r>
+                        </m:e>
+                        <m:sub>
+                          <m:r>
+                            <a:rPr lang="en-US" i="1">
+                              <a:latin typeface="Cambria Math" panose="02040503050406030204" pitchFamily="18" charset="0"/>
+                              <a:ea typeface="Latin Modern Math" panose="02000503000000000000" pitchFamily="50" charset="0"/>
+                            </a:rPr>
+                            <m:t>1</m:t>
+                          </m:r>
+                        </m:sub>
+                      </m:sSub>
+                      <m:r>
+                        <a:rPr lang="en-US" i="1">
+                          <a:latin typeface="Latin Modern Math" panose="02000503000000000000" pitchFamily="50" charset="0"/>
+                          <a:ea typeface="Latin Modern Math" panose="02000503000000000000" pitchFamily="50" charset="0"/>
+                        </a:rPr>
+                        <m:t>⊨</m:t>
+                      </m:r>
+                      <m:sSub>
+                        <m:sSubPr>
+                          <m:ctrlPr>
+                            <a:rPr lang="en-US" i="1">
+                              <a:latin typeface="Cambria Math" panose="02040503050406030204" pitchFamily="18" charset="0"/>
+                              <a:ea typeface="Latin Modern Math" panose="02000503000000000000" pitchFamily="50" charset="0"/>
+                            </a:rPr>
+                          </m:ctrlPr>
+                        </m:sSubPr>
+                        <m:e>
+                          <m:r>
+                            <a:rPr lang="en-US" i="1">
+                              <a:latin typeface="Latin Modern Math" panose="02000503000000000000" pitchFamily="50" charset="0"/>
+                              <a:ea typeface="Latin Modern Math" panose="02000503000000000000" pitchFamily="50" charset="0"/>
+                            </a:rPr>
+                            <m:t>𝜙</m:t>
+                          </m:r>
+                        </m:e>
+                        <m:sub>
+                          <m:r>
+                            <a:rPr lang="en-US" i="1">
+                              <a:latin typeface="Cambria Math" panose="02040503050406030204" pitchFamily="18" charset="0"/>
+                              <a:ea typeface="Latin Modern Math" panose="02000503000000000000" pitchFamily="50" charset="0"/>
+                            </a:rPr>
+                            <m:t>1</m:t>
+                          </m:r>
+                        </m:sub>
+                      </m:sSub>
+                      <m:r>
+                        <a:rPr lang="en-US" i="1" smtClean="0">
+                          <a:latin typeface="Latin Modern Math" panose="02000503000000000000" pitchFamily="50" charset="0"/>
+                          <a:ea typeface="Latin Modern Math" panose="02000503000000000000" pitchFamily="50" charset="0"/>
+                        </a:rPr>
+                        <m:t>⟹</m:t>
+                      </m:r>
+                      <m:sSub>
+                        <m:sSubPr>
+                          <m:ctrlPr>
+                            <a:rPr lang="en-US" i="1">
+                              <a:latin typeface="Cambria Math" panose="02040503050406030204" pitchFamily="18" charset="0"/>
+                              <a:ea typeface="Latin Modern Math" panose="02000503000000000000" pitchFamily="50" charset="0"/>
+                            </a:rPr>
+                          </m:ctrlPr>
+                        </m:sSubPr>
+                        <m:e>
+                          <m:r>
+                            <a:rPr lang="en-US" i="1">
+                              <a:latin typeface="Latin Modern Math" panose="02000503000000000000" pitchFamily="50" charset="0"/>
+                              <a:ea typeface="Latin Modern Math" panose="02000503000000000000" pitchFamily="50" charset="0"/>
+                            </a:rPr>
+                            <m:t>𝜋</m:t>
+                          </m:r>
+                        </m:e>
+                        <m:sub>
+                          <m:r>
+                            <a:rPr lang="en-US" b="0" i="1" smtClean="0">
+                              <a:latin typeface="Cambria Math" panose="02040503050406030204" pitchFamily="18" charset="0"/>
+                              <a:ea typeface="Latin Modern Math" panose="02000503000000000000" pitchFamily="50" charset="0"/>
+                            </a:rPr>
+                            <m:t>2</m:t>
+                          </m:r>
+                        </m:sub>
+                      </m:sSub>
+                      <m:r>
+                        <a:rPr lang="en-US" i="1">
+                          <a:latin typeface="Latin Modern Math" panose="02000503000000000000" pitchFamily="50" charset="0"/>
+                          <a:ea typeface="Latin Modern Math" panose="02000503000000000000" pitchFamily="50" charset="0"/>
+                        </a:rPr>
+                        <m:t>⊨</m:t>
+                      </m:r>
+                      <m:sSub>
+                        <m:sSubPr>
+                          <m:ctrlPr>
+                            <a:rPr lang="en-US" i="1">
+                              <a:latin typeface="Cambria Math" panose="02040503050406030204" pitchFamily="18" charset="0"/>
+                              <a:ea typeface="Latin Modern Math" panose="02000503000000000000" pitchFamily="50" charset="0"/>
+                            </a:rPr>
+                          </m:ctrlPr>
+                        </m:sSubPr>
+                        <m:e>
+                          <m:r>
+                            <a:rPr lang="en-US" i="1">
+                              <a:latin typeface="Latin Modern Math" panose="02000503000000000000" pitchFamily="50" charset="0"/>
+                              <a:ea typeface="Latin Modern Math" panose="02000503000000000000" pitchFamily="50" charset="0"/>
+                            </a:rPr>
+                            <m:t>𝜙</m:t>
+                          </m:r>
+                        </m:e>
+                        <m:sub>
+                          <m:r>
+                            <a:rPr lang="en-US" b="0" i="1" smtClean="0">
+                              <a:latin typeface="Cambria Math" panose="02040503050406030204" pitchFamily="18" charset="0"/>
+                              <a:ea typeface="Latin Modern Math" panose="02000503000000000000" pitchFamily="50" charset="0"/>
+                            </a:rPr>
+                            <m:t>2</m:t>
+                          </m:r>
+                        </m:sub>
+                      </m:sSub>
+                    </m:oMath>
+                  </m:oMathPara>
+                </a14:m>
+                <a:endParaRPr lang="de-DE" dirty="0">
+                  <a:latin typeface="Latin Modern Math" panose="02000503000000000000" pitchFamily="50" charset="0"/>
+                  <a:ea typeface="Latin Modern Math" panose="02000503000000000000" pitchFamily="50" charset="0"/>
+                </a:endParaRPr>
+              </a:p>
+            </p:txBody>
+          </p:sp>
+        </mc:Choice>
+        <mc:Fallback>
+          <p:sp>
+            <p:nvSpPr>
+              <p:cNvPr id="47" name="Rectangle 46"/>
+              <p:cNvSpPr>
+                <a:spLocks noRot="1" noChangeAspect="1" noMove="1" noResize="1" noEditPoints="1" noAdjustHandles="1" noChangeArrowheads="1" noChangeShapeType="1" noTextEdit="1"/>
+              </p:cNvSpPr>
+              <p:nvPr/>
+            </p:nvSpPr>
+            <p:spPr>
+              <a:xfrm>
+                <a:off x="3506578" y="5835111"/>
+                <a:ext cx="4894610" cy="369332"/>
+              </a:xfrm>
+              <a:prstGeom prst="rect">
+                <a:avLst/>
+              </a:prstGeom>
+              <a:blipFill>
+                <a:blip r:embed="rId13"/>
+                <a:stretch>
+                  <a:fillRect b="-3279"/>
+                </a:stretch>
+              </a:blipFill>
             </p:spPr>
             <p:txBody>
               <a:bodyPr/>
@@ -8016,7 +8961,2989 @@
           <a:p>
             <a:r>
               <a:rPr lang="en-US" dirty="0"/>
-              <a:t>Gradual Verification - Goal</a:t>
+              <a:t>Gradualization</a:t>
+            </a:r>
+            <a:endParaRPr lang="de-DE" dirty="0"/>
+          </a:p>
+        </p:txBody>
+      </p:sp>
+      <p:sp>
+        <p:nvSpPr>
+          <p:cNvPr id="4" name="Slide Number Placeholder 3"/>
+          <p:cNvSpPr>
+            <a:spLocks noGrp="1"/>
+          </p:cNvSpPr>
+          <p:nvPr>
+            <p:ph type="sldNum" sz="quarter" idx="12"/>
+          </p:nvPr>
+        </p:nvSpPr>
+        <p:spPr/>
+        <p:txBody>
+          <a:bodyPr/>
+          <a:lstStyle/>
+          <a:p>
+            <a:fld id="{9D1E2128-C21B-4EB1-981D-3510C88AFE4A}" type="slidenum">
+              <a:rPr lang="de-DE" smtClean="0"/>
+              <a:t>11</a:t>
+            </a:fld>
+            <a:endParaRPr lang="de-DE"/>
+          </a:p>
+        </p:txBody>
+      </p:sp>
+      <p:sp>
+        <p:nvSpPr>
+          <p:cNvPr id="5" name="Slide Number Placeholder 47"/>
+          <p:cNvSpPr txBox="1">
+            <a:spLocks/>
+          </p:cNvSpPr>
+          <p:nvPr/>
+        </p:nvSpPr>
+        <p:spPr>
+          <a:xfrm>
+            <a:off x="6457950" y="6356351"/>
+            <a:ext cx="2057400" cy="365125"/>
+          </a:xfrm>
+          <a:prstGeom prst="rect">
+            <a:avLst/>
+          </a:prstGeom>
+        </p:spPr>
+        <p:txBody>
+          <a:bodyPr vert="horz" lIns="91440" tIns="45720" rIns="91440" bIns="45720" rtlCol="0" anchor="ctr"/>
+          <a:lstStyle>
+            <a:defPPr>
+              <a:defRPr lang="en-US"/>
+            </a:defPPr>
+            <a:lvl1pPr marL="0" algn="r" defTabSz="457200" rtl="0" eaLnBrk="1" latinLnBrk="0" hangingPunct="1">
+              <a:defRPr sz="1200" kern="1200">
+                <a:solidFill>
+                  <a:schemeClr val="tx1">
+                    <a:tint val="75000"/>
+                  </a:schemeClr>
+                </a:solidFill>
+                <a:latin typeface="+mn-lt"/>
+                <a:ea typeface="+mn-ea"/>
+                <a:cs typeface="+mn-cs"/>
+              </a:defRPr>
+            </a:lvl1pPr>
+            <a:lvl2pPr marL="457200" algn="l" defTabSz="457200" rtl="0" eaLnBrk="1" latinLnBrk="0" hangingPunct="1">
+              <a:defRPr sz="1800" kern="1200">
+                <a:solidFill>
+                  <a:schemeClr val="tx1"/>
+                </a:solidFill>
+                <a:latin typeface="+mn-lt"/>
+                <a:ea typeface="+mn-ea"/>
+                <a:cs typeface="+mn-cs"/>
+              </a:defRPr>
+            </a:lvl2pPr>
+            <a:lvl3pPr marL="914400" algn="l" defTabSz="457200" rtl="0" eaLnBrk="1" latinLnBrk="0" hangingPunct="1">
+              <a:defRPr sz="1800" kern="1200">
+                <a:solidFill>
+                  <a:schemeClr val="tx1"/>
+                </a:solidFill>
+                <a:latin typeface="+mn-lt"/>
+                <a:ea typeface="+mn-ea"/>
+                <a:cs typeface="+mn-cs"/>
+              </a:defRPr>
+            </a:lvl3pPr>
+            <a:lvl4pPr marL="1371600" algn="l" defTabSz="457200" rtl="0" eaLnBrk="1" latinLnBrk="0" hangingPunct="1">
+              <a:defRPr sz="1800" kern="1200">
+                <a:solidFill>
+                  <a:schemeClr val="tx1"/>
+                </a:solidFill>
+                <a:latin typeface="+mn-lt"/>
+                <a:ea typeface="+mn-ea"/>
+                <a:cs typeface="+mn-cs"/>
+              </a:defRPr>
+            </a:lvl4pPr>
+            <a:lvl5pPr marL="1828800" algn="l" defTabSz="457200" rtl="0" eaLnBrk="1" latinLnBrk="0" hangingPunct="1">
+              <a:defRPr sz="1800" kern="1200">
+                <a:solidFill>
+                  <a:schemeClr val="tx1"/>
+                </a:solidFill>
+                <a:latin typeface="+mn-lt"/>
+                <a:ea typeface="+mn-ea"/>
+                <a:cs typeface="+mn-cs"/>
+              </a:defRPr>
+            </a:lvl5pPr>
+            <a:lvl6pPr marL="2286000" algn="l" defTabSz="457200" rtl="0" eaLnBrk="1" latinLnBrk="0" hangingPunct="1">
+              <a:defRPr sz="1800" kern="1200">
+                <a:solidFill>
+                  <a:schemeClr val="tx1"/>
+                </a:solidFill>
+                <a:latin typeface="+mn-lt"/>
+                <a:ea typeface="+mn-ea"/>
+                <a:cs typeface="+mn-cs"/>
+              </a:defRPr>
+            </a:lvl6pPr>
+            <a:lvl7pPr marL="2743200" algn="l" defTabSz="457200" rtl="0" eaLnBrk="1" latinLnBrk="0" hangingPunct="1">
+              <a:defRPr sz="1800" kern="1200">
+                <a:solidFill>
+                  <a:schemeClr val="tx1"/>
+                </a:solidFill>
+                <a:latin typeface="+mn-lt"/>
+                <a:ea typeface="+mn-ea"/>
+                <a:cs typeface="+mn-cs"/>
+              </a:defRPr>
+            </a:lvl7pPr>
+            <a:lvl8pPr marL="3200400" algn="l" defTabSz="457200" rtl="0" eaLnBrk="1" latinLnBrk="0" hangingPunct="1">
+              <a:defRPr sz="1800" kern="1200">
+                <a:solidFill>
+                  <a:schemeClr val="tx1"/>
+                </a:solidFill>
+                <a:latin typeface="+mn-lt"/>
+                <a:ea typeface="+mn-ea"/>
+                <a:cs typeface="+mn-cs"/>
+              </a:defRPr>
+            </a:lvl8pPr>
+            <a:lvl9pPr marL="3657600" algn="l" defTabSz="457200" rtl="0" eaLnBrk="1" latinLnBrk="0" hangingPunct="1">
+              <a:defRPr sz="1800" kern="1200">
+                <a:solidFill>
+                  <a:schemeClr val="tx1"/>
+                </a:solidFill>
+                <a:latin typeface="+mn-lt"/>
+                <a:ea typeface="+mn-ea"/>
+                <a:cs typeface="+mn-cs"/>
+              </a:defRPr>
+            </a:lvl9pPr>
+          </a:lstStyle>
+          <a:p>
+            <a:fld id="{9D1E2128-C21B-4EB1-981D-3510C88AFE4A}" type="slidenum">
+              <a:rPr lang="de-DE" smtClean="0"/>
+              <a:pPr/>
+              <a:t>11</a:t>
+            </a:fld>
+            <a:endParaRPr lang="de-DE" dirty="0"/>
+          </a:p>
+        </p:txBody>
+      </p:sp>
+      <p:pic>
+        <p:nvPicPr>
+          <p:cNvPr id="6" name="Picture 5"/>
+          <p:cNvPicPr>
+            <a:picLocks noChangeAspect="1"/>
+          </p:cNvPicPr>
+          <p:nvPr/>
+        </p:nvPicPr>
+        <p:blipFill>
+          <a:blip r:embed="rId3"/>
+          <a:stretch>
+            <a:fillRect/>
+          </a:stretch>
+        </p:blipFill>
+        <p:spPr>
+          <a:xfrm>
+            <a:off x="6044114" y="1661153"/>
+            <a:ext cx="2471236" cy="4470960"/>
+          </a:xfrm>
+          <a:prstGeom prst="rect">
+            <a:avLst/>
+          </a:prstGeom>
+          <a:solidFill>
+            <a:schemeClr val="bg1">
+              <a:lumMod val="95000"/>
+            </a:schemeClr>
+          </a:solidFill>
+          <a:ln w="152400">
+            <a:solidFill>
+              <a:schemeClr val="bg1">
+                <a:lumMod val="95000"/>
+              </a:schemeClr>
+            </a:solidFill>
+          </a:ln>
+        </p:spPr>
+      </p:pic>
+      <p:pic>
+        <p:nvPicPr>
+          <p:cNvPr id="7" name="Picture 6"/>
+          <p:cNvPicPr>
+            <a:picLocks noChangeAspect="1"/>
+          </p:cNvPicPr>
+          <p:nvPr/>
+        </p:nvPicPr>
+        <p:blipFill>
+          <a:blip r:embed="rId4"/>
+          <a:stretch>
+            <a:fillRect/>
+          </a:stretch>
+        </p:blipFill>
+        <p:spPr>
+          <a:xfrm>
+            <a:off x="628650" y="1661153"/>
+            <a:ext cx="2471235" cy="4470960"/>
+          </a:xfrm>
+          <a:prstGeom prst="rect">
+            <a:avLst/>
+          </a:prstGeom>
+          <a:solidFill>
+            <a:schemeClr val="bg1">
+              <a:lumMod val="95000"/>
+            </a:schemeClr>
+          </a:solidFill>
+          <a:ln w="152400">
+            <a:solidFill>
+              <a:schemeClr val="bg1">
+                <a:lumMod val="95000"/>
+              </a:schemeClr>
+            </a:solidFill>
+          </a:ln>
+        </p:spPr>
+      </p:pic>
+      <p:sp>
+        <p:nvSpPr>
+          <p:cNvPr id="8" name="Arrow: Right 7"/>
+          <p:cNvSpPr/>
+          <p:nvPr/>
+        </p:nvSpPr>
+        <p:spPr>
+          <a:xfrm>
+            <a:off x="3554436" y="3229538"/>
+            <a:ext cx="2035128" cy="1393262"/>
+          </a:xfrm>
+          <a:prstGeom prst="rightArrow">
+            <a:avLst/>
+          </a:prstGeom>
+        </p:spPr>
+        <p:style>
+          <a:lnRef idx="2">
+            <a:schemeClr val="dk1"/>
+          </a:lnRef>
+          <a:fillRef idx="1">
+            <a:schemeClr val="lt1"/>
+          </a:fillRef>
+          <a:effectRef idx="0">
+            <a:schemeClr val="dk1"/>
+          </a:effectRef>
+          <a:fontRef idx="minor">
+            <a:schemeClr val="dk1"/>
+          </a:fontRef>
+        </p:style>
+        <p:txBody>
+          <a:bodyPr rtlCol="0" anchor="ctr"/>
+          <a:lstStyle/>
+          <a:p>
+            <a:pPr algn="ctr"/>
+            <a:endParaRPr lang="de-DE"/>
+          </a:p>
+        </p:txBody>
+      </p:sp>
+      <p:sp>
+        <p:nvSpPr>
+          <p:cNvPr id="9" name="TextBox 8"/>
+          <p:cNvSpPr txBox="1"/>
+          <p:nvPr/>
+        </p:nvSpPr>
+        <p:spPr>
+          <a:xfrm>
+            <a:off x="3718039" y="3745208"/>
+            <a:ext cx="1546129" cy="369332"/>
+          </a:xfrm>
+          <a:prstGeom prst="rect">
+            <a:avLst/>
+          </a:prstGeom>
+          <a:noFill/>
+        </p:spPr>
+        <p:txBody>
+          <a:bodyPr wrap="none" rtlCol="0">
+            <a:spAutoFit/>
+          </a:bodyPr>
+          <a:lstStyle/>
+          <a:p>
+            <a:pPr algn="ctr"/>
+            <a:r>
+              <a:rPr lang="en-US" dirty="0"/>
+              <a:t>Gradualization</a:t>
+            </a:r>
+            <a:endParaRPr lang="de-DE" dirty="0"/>
+          </a:p>
+        </p:txBody>
+      </p:sp>
+    </p:spTree>
+    <p:extLst>
+      <p:ext uri="{BB962C8B-B14F-4D97-AF65-F5344CB8AC3E}">
+        <p14:creationId xmlns:p14="http://schemas.microsoft.com/office/powerpoint/2010/main" val="2615950828"/>
+      </p:ext>
+    </p:extLst>
+  </p:cSld>
+  <p:clrMapOvr>
+    <a:masterClrMapping/>
+  </p:clrMapOvr>
+</p:sld>
+</file>
+
+<file path=ppt/slides/slide12.xml><?xml version="1.0" encoding="utf-8"?>
+<p:sld xmlns:a="http://schemas.openxmlformats.org/drawingml/2006/main" xmlns:r="http://schemas.openxmlformats.org/officeDocument/2006/relationships" xmlns:p="http://schemas.openxmlformats.org/presentationml/2006/main">
+  <p:cSld>
+    <p:spTree>
+      <p:nvGrpSpPr>
+        <p:cNvPr id="1" name=""/>
+        <p:cNvGrpSpPr/>
+        <p:nvPr/>
+      </p:nvGrpSpPr>
+      <p:grpSpPr>
+        <a:xfrm>
+          <a:off x="0" y="0"/>
+          <a:ext cx="0" cy="0"/>
+          <a:chOff x="0" y="0"/>
+          <a:chExt cx="0" cy="0"/>
+        </a:xfrm>
+      </p:grpSpPr>
+      <p:sp>
+        <p:nvSpPr>
+          <p:cNvPr id="2" name="Title 1"/>
+          <p:cNvSpPr>
+            <a:spLocks noGrp="1"/>
+          </p:cNvSpPr>
+          <p:nvPr>
+            <p:ph type="title"/>
+          </p:nvPr>
+        </p:nvSpPr>
+        <p:spPr/>
+        <p:txBody>
+          <a:bodyPr/>
+          <a:lstStyle/>
+          <a:p>
+            <a:r>
+              <a:rPr lang="en-US" dirty="0"/>
+              <a:t>Gradualization – Goal 1/3</a:t>
+            </a:r>
+            <a:endParaRPr lang="de-DE" dirty="0"/>
+          </a:p>
+        </p:txBody>
+      </p:sp>
+      <p:sp>
+        <p:nvSpPr>
+          <p:cNvPr id="3" name="Content Placeholder 2"/>
+          <p:cNvSpPr>
+            <a:spLocks noGrp="1"/>
+          </p:cNvSpPr>
+          <p:nvPr>
+            <p:ph idx="1"/>
+          </p:nvPr>
+        </p:nvSpPr>
+        <p:spPr>
+          <a:xfrm>
+            <a:off x="628649" y="1825625"/>
+            <a:ext cx="8092017" cy="4351338"/>
+          </a:xfrm>
+        </p:spPr>
+        <p:txBody>
+          <a:bodyPr/>
+          <a:lstStyle/>
+          <a:p>
+            <a:pPr marL="0" indent="0">
+              <a:buNone/>
+            </a:pPr>
+            <a:r>
+              <a:rPr lang="en-US" dirty="0"/>
+              <a:t>Introduction of wildcard formula   </a:t>
+            </a:r>
+            <a:r>
+              <a:rPr lang="en-US" dirty="0">
+                <a:latin typeface="Consolas" panose="020B0609020204030204" pitchFamily="49" charset="0"/>
+              </a:rPr>
+              <a:t>?</a:t>
+            </a:r>
+            <a:endParaRPr lang="en-US" dirty="0"/>
+          </a:p>
+          <a:p>
+            <a:r>
+              <a:rPr lang="en-US" sz="2400" dirty="0"/>
+              <a:t>placeholder for arbitrary (</a:t>
+            </a:r>
+            <a:r>
+              <a:rPr lang="en-US" sz="2400" dirty="0" err="1"/>
+              <a:t>satisfiable</a:t>
+            </a:r>
+            <a:r>
+              <a:rPr lang="en-US" sz="2400" dirty="0"/>
+              <a:t>) formula</a:t>
+            </a:r>
+          </a:p>
+          <a:p>
+            <a:r>
+              <a:rPr lang="en-US" sz="2400" dirty="0"/>
+              <a:t>enables Hoare deduction despite incomplete information</a:t>
+            </a:r>
+          </a:p>
+          <a:p>
+            <a:r>
+              <a:rPr lang="en-US" sz="2400" dirty="0"/>
+              <a:t>enables gradual annotation of programs (</a:t>
+            </a:r>
+            <a:r>
+              <a:rPr lang="en-US" sz="2400" dirty="0">
+                <a:latin typeface="Consolas" panose="020B0609020204030204" pitchFamily="49" charset="0"/>
+              </a:rPr>
+              <a:t>?</a:t>
+            </a:r>
+            <a:r>
+              <a:rPr lang="en-US" sz="2400" dirty="0"/>
+              <a:t> as default)</a:t>
+            </a:r>
+          </a:p>
+        </p:txBody>
+      </p:sp>
+      <p:sp>
+        <p:nvSpPr>
+          <p:cNvPr id="4" name="Slide Number Placeholder 3"/>
+          <p:cNvSpPr>
+            <a:spLocks noGrp="1"/>
+          </p:cNvSpPr>
+          <p:nvPr>
+            <p:ph type="sldNum" sz="quarter" idx="12"/>
+          </p:nvPr>
+        </p:nvSpPr>
+        <p:spPr/>
+        <p:txBody>
+          <a:bodyPr/>
+          <a:lstStyle/>
+          <a:p>
+            <a:fld id="{9D1E2128-C21B-4EB1-981D-3510C88AFE4A}" type="slidenum">
+              <a:rPr lang="de-DE" smtClean="0"/>
+              <a:t>12</a:t>
+            </a:fld>
+            <a:endParaRPr lang="de-DE"/>
+          </a:p>
+        </p:txBody>
+      </p:sp>
+      <p:sp>
+        <p:nvSpPr>
+          <p:cNvPr id="5" name="Slide Number Placeholder 47"/>
+          <p:cNvSpPr txBox="1">
+            <a:spLocks/>
+          </p:cNvSpPr>
+          <p:nvPr/>
+        </p:nvSpPr>
+        <p:spPr>
+          <a:xfrm>
+            <a:off x="6457950" y="6356351"/>
+            <a:ext cx="2057400" cy="365125"/>
+          </a:xfrm>
+          <a:prstGeom prst="rect">
+            <a:avLst/>
+          </a:prstGeom>
+        </p:spPr>
+        <p:txBody>
+          <a:bodyPr vert="horz" lIns="91440" tIns="45720" rIns="91440" bIns="45720" rtlCol="0" anchor="ctr"/>
+          <a:lstStyle>
+            <a:defPPr>
+              <a:defRPr lang="en-US"/>
+            </a:defPPr>
+            <a:lvl1pPr marL="0" algn="r" defTabSz="457200" rtl="0" eaLnBrk="1" latinLnBrk="0" hangingPunct="1">
+              <a:defRPr sz="1200" kern="1200">
+                <a:solidFill>
+                  <a:schemeClr val="tx1">
+                    <a:tint val="75000"/>
+                  </a:schemeClr>
+                </a:solidFill>
+                <a:latin typeface="+mn-lt"/>
+                <a:ea typeface="+mn-ea"/>
+                <a:cs typeface="+mn-cs"/>
+              </a:defRPr>
+            </a:lvl1pPr>
+            <a:lvl2pPr marL="457200" algn="l" defTabSz="457200" rtl="0" eaLnBrk="1" latinLnBrk="0" hangingPunct="1">
+              <a:defRPr sz="1800" kern="1200">
+                <a:solidFill>
+                  <a:schemeClr val="tx1"/>
+                </a:solidFill>
+                <a:latin typeface="+mn-lt"/>
+                <a:ea typeface="+mn-ea"/>
+                <a:cs typeface="+mn-cs"/>
+              </a:defRPr>
+            </a:lvl2pPr>
+            <a:lvl3pPr marL="914400" algn="l" defTabSz="457200" rtl="0" eaLnBrk="1" latinLnBrk="0" hangingPunct="1">
+              <a:defRPr sz="1800" kern="1200">
+                <a:solidFill>
+                  <a:schemeClr val="tx1"/>
+                </a:solidFill>
+                <a:latin typeface="+mn-lt"/>
+                <a:ea typeface="+mn-ea"/>
+                <a:cs typeface="+mn-cs"/>
+              </a:defRPr>
+            </a:lvl3pPr>
+            <a:lvl4pPr marL="1371600" algn="l" defTabSz="457200" rtl="0" eaLnBrk="1" latinLnBrk="0" hangingPunct="1">
+              <a:defRPr sz="1800" kern="1200">
+                <a:solidFill>
+                  <a:schemeClr val="tx1"/>
+                </a:solidFill>
+                <a:latin typeface="+mn-lt"/>
+                <a:ea typeface="+mn-ea"/>
+                <a:cs typeface="+mn-cs"/>
+              </a:defRPr>
+            </a:lvl4pPr>
+            <a:lvl5pPr marL="1828800" algn="l" defTabSz="457200" rtl="0" eaLnBrk="1" latinLnBrk="0" hangingPunct="1">
+              <a:defRPr sz="1800" kern="1200">
+                <a:solidFill>
+                  <a:schemeClr val="tx1"/>
+                </a:solidFill>
+                <a:latin typeface="+mn-lt"/>
+                <a:ea typeface="+mn-ea"/>
+                <a:cs typeface="+mn-cs"/>
+              </a:defRPr>
+            </a:lvl5pPr>
+            <a:lvl6pPr marL="2286000" algn="l" defTabSz="457200" rtl="0" eaLnBrk="1" latinLnBrk="0" hangingPunct="1">
+              <a:defRPr sz="1800" kern="1200">
+                <a:solidFill>
+                  <a:schemeClr val="tx1"/>
+                </a:solidFill>
+                <a:latin typeface="+mn-lt"/>
+                <a:ea typeface="+mn-ea"/>
+                <a:cs typeface="+mn-cs"/>
+              </a:defRPr>
+            </a:lvl6pPr>
+            <a:lvl7pPr marL="2743200" algn="l" defTabSz="457200" rtl="0" eaLnBrk="1" latinLnBrk="0" hangingPunct="1">
+              <a:defRPr sz="1800" kern="1200">
+                <a:solidFill>
+                  <a:schemeClr val="tx1"/>
+                </a:solidFill>
+                <a:latin typeface="+mn-lt"/>
+                <a:ea typeface="+mn-ea"/>
+                <a:cs typeface="+mn-cs"/>
+              </a:defRPr>
+            </a:lvl7pPr>
+            <a:lvl8pPr marL="3200400" algn="l" defTabSz="457200" rtl="0" eaLnBrk="1" latinLnBrk="0" hangingPunct="1">
+              <a:defRPr sz="1800" kern="1200">
+                <a:solidFill>
+                  <a:schemeClr val="tx1"/>
+                </a:solidFill>
+                <a:latin typeface="+mn-lt"/>
+                <a:ea typeface="+mn-ea"/>
+                <a:cs typeface="+mn-cs"/>
+              </a:defRPr>
+            </a:lvl8pPr>
+            <a:lvl9pPr marL="3657600" algn="l" defTabSz="457200" rtl="0" eaLnBrk="1" latinLnBrk="0" hangingPunct="1">
+              <a:defRPr sz="1800" kern="1200">
+                <a:solidFill>
+                  <a:schemeClr val="tx1"/>
+                </a:solidFill>
+                <a:latin typeface="+mn-lt"/>
+                <a:ea typeface="+mn-ea"/>
+                <a:cs typeface="+mn-cs"/>
+              </a:defRPr>
+            </a:lvl9pPr>
+          </a:lstStyle>
+          <a:p>
+            <a:fld id="{9D1E2128-C21B-4EB1-981D-3510C88AFE4A}" type="slidenum">
+              <a:rPr lang="de-DE" smtClean="0"/>
+              <a:pPr/>
+              <a:t>12</a:t>
+            </a:fld>
+            <a:endParaRPr lang="de-DE" dirty="0"/>
+          </a:p>
+        </p:txBody>
+      </p:sp>
+      <p:sp>
+        <p:nvSpPr>
+          <p:cNvPr id="10" name="hide1a"/>
+          <p:cNvSpPr/>
+          <p:nvPr/>
+        </p:nvSpPr>
+        <p:spPr>
+          <a:xfrm>
+            <a:off x="6036244" y="1599370"/>
+            <a:ext cx="686681" cy="733133"/>
+          </a:xfrm>
+          <a:prstGeom prst="rect">
+            <a:avLst/>
+          </a:prstGeom>
+          <a:noFill/>
+          <a:ln w="152400">
+            <a:noFill/>
+          </a:ln>
+        </p:spPr>
+        <p:style>
+          <a:lnRef idx="2">
+            <a:schemeClr val="accent1">
+              <a:shade val="50000"/>
+            </a:schemeClr>
+          </a:lnRef>
+          <a:fillRef idx="1">
+            <a:schemeClr val="accent1"/>
+          </a:fillRef>
+          <a:effectRef idx="0">
+            <a:schemeClr val="accent1"/>
+          </a:effectRef>
+          <a:fontRef idx="minor">
+            <a:schemeClr val="lt1"/>
+          </a:fontRef>
+        </p:style>
+        <p:txBody>
+          <a:bodyPr rtlCol="0" anchor="ctr"/>
+          <a:lstStyle/>
+          <a:p>
+            <a:pPr algn="ctr"/>
+            <a:endParaRPr lang="de-DE" sz="2400" dirty="0">
+              <a:solidFill>
+                <a:schemeClr val="tx1"/>
+              </a:solidFill>
+            </a:endParaRPr>
+          </a:p>
+        </p:txBody>
+      </p:sp>
+      <mc:AlternateContent xmlns:mc="http://schemas.openxmlformats.org/markup-compatibility/2006">
+        <mc:Choice xmlns:a14="http://schemas.microsoft.com/office/drawing/2010/main" Requires="a14">
+          <p:sp>
+            <p:nvSpPr>
+              <p:cNvPr id="12" name="Rectangle 11"/>
+              <p:cNvSpPr/>
+              <p:nvPr/>
+            </p:nvSpPr>
+            <p:spPr>
+              <a:xfrm>
+                <a:off x="9144000" y="4947033"/>
+                <a:ext cx="4167038" cy="487890"/>
+              </a:xfrm>
+              <a:prstGeom prst="rect">
+                <a:avLst/>
+              </a:prstGeom>
+              <a:solidFill>
+                <a:schemeClr val="bg1"/>
+              </a:solidFill>
+            </p:spPr>
+            <p:txBody>
+              <a:bodyPr wrap="none">
+                <a:spAutoFit/>
+              </a:bodyPr>
+              <a:lstStyle/>
+              <a:p>
+                <a14:m>
+                  <m:oMath xmlns:m="http://schemas.openxmlformats.org/officeDocument/2006/math">
+                    <m:acc>
+                      <m:accPr>
+                        <m:chr m:val="̃"/>
+                        <m:ctrlPr>
+                          <a:rPr lang="en-US" sz="2400" i="1" smtClean="0">
+                            <a:latin typeface="Cambria Math" panose="02040503050406030204" pitchFamily="18" charset="0"/>
+                            <a:ea typeface="Latin Modern Math" panose="02000503000000000000" pitchFamily="50" charset="0"/>
+                          </a:rPr>
+                        </m:ctrlPr>
+                      </m:accPr>
+                      <m:e>
+                        <m:r>
+                          <a:rPr lang="en-US" sz="2400" i="1">
+                            <a:latin typeface="Latin Modern Math" panose="02000503000000000000" pitchFamily="50" charset="0"/>
+                            <a:ea typeface="Latin Modern Math" panose="02000503000000000000" pitchFamily="50" charset="0"/>
+                          </a:rPr>
+                          <m:t>⊢</m:t>
+                        </m:r>
+                      </m:e>
+                    </m:acc>
+                    <m:r>
+                      <a:rPr lang="en-US" sz="2400" i="1">
+                        <a:latin typeface="Latin Modern Math" panose="02000503000000000000" pitchFamily="50" charset="0"/>
+                        <a:ea typeface="Latin Modern Math" panose="02000503000000000000" pitchFamily="50" charset="0"/>
+                      </a:rPr>
+                      <m:t>{</m:t>
+                    </m:r>
+                  </m:oMath>
+                </a14:m>
+                <a:r>
+                  <a:rPr lang="de-DE" sz="2400" dirty="0">
+                    <a:latin typeface="Consolas" panose="020B0609020204030204" pitchFamily="49" charset="0"/>
+                    <a:ea typeface="Latin Modern Math" panose="02000503000000000000" pitchFamily="50" charset="0"/>
+                  </a:rPr>
+                  <a:t>?</a:t>
+                </a:r>
+                <a14:m>
+                  <m:oMath xmlns:m="http://schemas.openxmlformats.org/officeDocument/2006/math">
+                    <m:r>
+                      <a:rPr lang="en-US" sz="2400" i="1">
+                        <a:latin typeface="Latin Modern Math" panose="02000503000000000000" pitchFamily="50" charset="0"/>
+                        <a:ea typeface="Latin Modern Math" panose="02000503000000000000" pitchFamily="50" charset="0"/>
+                      </a:rPr>
+                      <m:t>}</m:t>
+                    </m:r>
+                  </m:oMath>
+                </a14:m>
+                <a:r>
+                  <a:rPr lang="de-DE" sz="2400" dirty="0">
+                    <a:latin typeface="Latin Modern Math" panose="02000503000000000000" pitchFamily="50" charset="0"/>
+                    <a:ea typeface="Latin Modern Math" panose="02000503000000000000" pitchFamily="50" charset="0"/>
+                  </a:rPr>
+                  <a:t>  </a:t>
+                </a:r>
+                <a:r>
+                  <a:rPr lang="de-DE" sz="2400" dirty="0">
+                    <a:latin typeface="Consolas" panose="020B0609020204030204" pitchFamily="49" charset="0"/>
+                    <a:ea typeface="Latin Modern Math" panose="02000503000000000000" pitchFamily="50" charset="0"/>
+                    <a:cs typeface="Courier New" panose="02070309020205020404" pitchFamily="49" charset="0"/>
+                  </a:rPr>
+                  <a:t>x := x + 1 </a:t>
+                </a:r>
+                <a14:m>
+                  <m:oMath xmlns:m="http://schemas.openxmlformats.org/officeDocument/2006/math">
+                    <m:r>
+                      <a:rPr lang="en-US" sz="2400" i="1">
+                        <a:latin typeface="Latin Modern Math" panose="02000503000000000000" pitchFamily="50" charset="0"/>
+                        <a:ea typeface="Latin Modern Math" panose="02000503000000000000" pitchFamily="50" charset="0"/>
+                      </a:rPr>
+                      <m:t>{</m:t>
+                    </m:r>
+                  </m:oMath>
+                </a14:m>
+                <a:r>
+                  <a:rPr lang="de-DE" sz="2400" dirty="0">
+                    <a:latin typeface="Consolas" panose="020B0609020204030204" pitchFamily="49" charset="0"/>
+                    <a:ea typeface="Latin Modern Math" panose="02000503000000000000" pitchFamily="50" charset="0"/>
+                  </a:rPr>
+                  <a:t>x = 5</a:t>
+                </a:r>
+                <a14:m>
+                  <m:oMath xmlns:m="http://schemas.openxmlformats.org/officeDocument/2006/math">
+                    <m:r>
+                      <a:rPr lang="en-US" sz="2400" i="1">
+                        <a:latin typeface="Latin Modern Math" panose="02000503000000000000" pitchFamily="50" charset="0"/>
+                        <a:ea typeface="Latin Modern Math" panose="02000503000000000000" pitchFamily="50" charset="0"/>
+                      </a:rPr>
+                      <m:t>}</m:t>
+                    </m:r>
+                  </m:oMath>
+                </a14:m>
+                <a:endParaRPr lang="de-DE" sz="2400" dirty="0">
+                  <a:latin typeface="Latin Modern Math" panose="02000503000000000000" pitchFamily="50" charset="0"/>
+                  <a:ea typeface="Latin Modern Math" panose="02000503000000000000" pitchFamily="50" charset="0"/>
+                </a:endParaRPr>
+              </a:p>
+            </p:txBody>
+          </p:sp>
+        </mc:Choice>
+        <mc:Fallback>
+          <p:sp>
+            <p:nvSpPr>
+              <p:cNvPr id="12" name="Rectangle 11"/>
+              <p:cNvSpPr>
+                <a:spLocks noRot="1" noChangeAspect="1" noMove="1" noResize="1" noEditPoints="1" noAdjustHandles="1" noChangeArrowheads="1" noChangeShapeType="1" noTextEdit="1"/>
+              </p:cNvSpPr>
+              <p:nvPr/>
+            </p:nvSpPr>
+            <p:spPr>
+              <a:xfrm>
+                <a:off x="9144000" y="4947033"/>
+                <a:ext cx="4167038" cy="487890"/>
+              </a:xfrm>
+              <a:prstGeom prst="rect">
+                <a:avLst/>
+              </a:prstGeom>
+              <a:blipFill>
+                <a:blip r:embed="rId3"/>
+                <a:stretch>
+                  <a:fillRect l="-292" t="-13750" r="-439" b="-18750"/>
+                </a:stretch>
+              </a:blipFill>
+            </p:spPr>
+            <p:txBody>
+              <a:bodyPr/>
+              <a:lstStyle/>
+              <a:p>
+                <a:r>
+                  <a:rPr lang="de-DE">
+                    <a:noFill/>
+                  </a:rPr>
+                  <a:t> </a:t>
+                </a:r>
+              </a:p>
+            </p:txBody>
+          </p:sp>
+        </mc:Fallback>
+      </mc:AlternateContent>
+      <mc:AlternateContent xmlns:mc="http://schemas.openxmlformats.org/markup-compatibility/2006">
+        <mc:Choice xmlns:a14="http://schemas.microsoft.com/office/drawing/2010/main" Requires="a14">
+          <p:sp>
+            <p:nvSpPr>
+              <p:cNvPr id="13" name="Rectangle 12"/>
+              <p:cNvSpPr/>
+              <p:nvPr/>
+            </p:nvSpPr>
+            <p:spPr>
+              <a:xfrm>
+                <a:off x="9128775" y="4447658"/>
+                <a:ext cx="5696303" cy="487890"/>
+              </a:xfrm>
+              <a:prstGeom prst="rect">
+                <a:avLst/>
+              </a:prstGeom>
+              <a:solidFill>
+                <a:schemeClr val="bg1"/>
+              </a:solidFill>
+            </p:spPr>
+            <p:txBody>
+              <a:bodyPr wrap="none">
+                <a:spAutoFit/>
+              </a:bodyPr>
+              <a:lstStyle/>
+              <a:p>
+                <a14:m>
+                  <m:oMath xmlns:m="http://schemas.openxmlformats.org/officeDocument/2006/math">
+                    <m:acc>
+                      <m:accPr>
+                        <m:chr m:val="̃"/>
+                        <m:ctrlPr>
+                          <a:rPr lang="en-US" sz="2400" i="1" smtClean="0">
+                            <a:latin typeface="Cambria Math" panose="02040503050406030204" pitchFamily="18" charset="0"/>
+                            <a:ea typeface="Latin Modern Math" panose="02000503000000000000" pitchFamily="50" charset="0"/>
+                          </a:rPr>
+                        </m:ctrlPr>
+                      </m:accPr>
+                      <m:e>
+                        <m:r>
+                          <a:rPr lang="en-US" sz="2400" i="1">
+                            <a:latin typeface="Latin Modern Math" panose="02000503000000000000" pitchFamily="50" charset="0"/>
+                            <a:ea typeface="Latin Modern Math" panose="02000503000000000000" pitchFamily="50" charset="0"/>
+                          </a:rPr>
+                          <m:t>⊢</m:t>
+                        </m:r>
+                      </m:e>
+                    </m:acc>
+                    <m:r>
+                      <a:rPr lang="en-US" sz="2400" i="1">
+                        <a:latin typeface="Latin Modern Math" panose="02000503000000000000" pitchFamily="50" charset="0"/>
+                        <a:ea typeface="Latin Modern Math" panose="02000503000000000000" pitchFamily="50" charset="0"/>
+                      </a:rPr>
+                      <m:t>{</m:t>
+                    </m:r>
+                  </m:oMath>
+                </a14:m>
+                <a:r>
+                  <a:rPr lang="de-DE" sz="2400" dirty="0">
+                    <a:latin typeface="Consolas" panose="020B0609020204030204" pitchFamily="49" charset="0"/>
+                    <a:ea typeface="Latin Modern Math" panose="02000503000000000000" pitchFamily="50" charset="0"/>
+                  </a:rPr>
+                  <a:t>n = 10000</a:t>
+                </a:r>
+                <a14:m>
+                  <m:oMath xmlns:m="http://schemas.openxmlformats.org/officeDocument/2006/math">
+                    <m:r>
+                      <a:rPr lang="en-US" sz="2400" i="1">
+                        <a:latin typeface="Latin Modern Math" panose="02000503000000000000" pitchFamily="50" charset="0"/>
+                        <a:ea typeface="Latin Modern Math" panose="02000503000000000000" pitchFamily="50" charset="0"/>
+                      </a:rPr>
+                      <m:t>}</m:t>
+                    </m:r>
+                  </m:oMath>
+                </a14:m>
+                <a:r>
+                  <a:rPr lang="de-DE" sz="2400" dirty="0">
+                    <a:latin typeface="Latin Modern Math" panose="02000503000000000000" pitchFamily="50" charset="0"/>
+                    <a:ea typeface="Latin Modern Math" panose="02000503000000000000" pitchFamily="50" charset="0"/>
+                  </a:rPr>
+                  <a:t>  </a:t>
+                </a:r>
+                <a:r>
+                  <a:rPr lang="de-DE" sz="2400" dirty="0">
+                    <a:latin typeface="Consolas" panose="020B0609020204030204" pitchFamily="49" charset="0"/>
+                    <a:ea typeface="Latin Modern Math" panose="02000503000000000000" pitchFamily="50" charset="0"/>
+                    <a:cs typeface="Courier New" panose="02070309020205020404" pitchFamily="49" charset="0"/>
+                  </a:rPr>
+                  <a:t>collatz(300, n) </a:t>
+                </a:r>
+                <a14:m>
+                  <m:oMath xmlns:m="http://schemas.openxmlformats.org/officeDocument/2006/math">
+                    <m:r>
+                      <a:rPr lang="en-US" sz="2400" i="1">
+                        <a:latin typeface="Latin Modern Math" panose="02000503000000000000" pitchFamily="50" charset="0"/>
+                        <a:ea typeface="Latin Modern Math" panose="02000503000000000000" pitchFamily="50" charset="0"/>
+                      </a:rPr>
+                      <m:t>{</m:t>
+                    </m:r>
+                  </m:oMath>
+                </a14:m>
+                <a:r>
+                  <a:rPr lang="de-DE" sz="2400" dirty="0">
+                    <a:latin typeface="Consolas" panose="020B0609020204030204" pitchFamily="49" charset="0"/>
+                    <a:ea typeface="Latin Modern Math" panose="02000503000000000000" pitchFamily="50" charset="0"/>
+                  </a:rPr>
+                  <a:t>?</a:t>
+                </a:r>
+                <a14:m>
+                  <m:oMath xmlns:m="http://schemas.openxmlformats.org/officeDocument/2006/math">
+                    <m:r>
+                      <a:rPr lang="en-US" sz="2400" i="1">
+                        <a:latin typeface="Latin Modern Math" panose="02000503000000000000" pitchFamily="50" charset="0"/>
+                        <a:ea typeface="Latin Modern Math" panose="02000503000000000000" pitchFamily="50" charset="0"/>
+                      </a:rPr>
+                      <m:t>}</m:t>
+                    </m:r>
+                  </m:oMath>
+                </a14:m>
+                <a:endParaRPr lang="de-DE" sz="2400" dirty="0">
+                  <a:latin typeface="Latin Modern Math" panose="02000503000000000000" pitchFamily="50" charset="0"/>
+                  <a:ea typeface="Latin Modern Math" panose="02000503000000000000" pitchFamily="50" charset="0"/>
+                </a:endParaRPr>
+              </a:p>
+            </p:txBody>
+          </p:sp>
+        </mc:Choice>
+        <mc:Fallback>
+          <p:sp>
+            <p:nvSpPr>
+              <p:cNvPr id="13" name="Rectangle 12"/>
+              <p:cNvSpPr>
+                <a:spLocks noRot="1" noChangeAspect="1" noMove="1" noResize="1" noEditPoints="1" noAdjustHandles="1" noChangeArrowheads="1" noChangeShapeType="1" noTextEdit="1"/>
+              </p:cNvSpPr>
+              <p:nvPr/>
+            </p:nvSpPr>
+            <p:spPr>
+              <a:xfrm>
+                <a:off x="9128775" y="4447658"/>
+                <a:ext cx="5696303" cy="487890"/>
+              </a:xfrm>
+              <a:prstGeom prst="rect">
+                <a:avLst/>
+              </a:prstGeom>
+              <a:blipFill>
+                <a:blip r:embed="rId4"/>
+                <a:stretch>
+                  <a:fillRect l="-321" t="-13750" r="-107" b="-18750"/>
+                </a:stretch>
+              </a:blipFill>
+            </p:spPr>
+            <p:txBody>
+              <a:bodyPr/>
+              <a:lstStyle/>
+              <a:p>
+                <a:r>
+                  <a:rPr lang="de-DE">
+                    <a:noFill/>
+                  </a:rPr>
+                  <a:t> </a:t>
+                </a:r>
+              </a:p>
+            </p:txBody>
+          </p:sp>
+        </mc:Fallback>
+      </mc:AlternateContent>
+      <p:grpSp>
+        <p:nvGrpSpPr>
+          <p:cNvPr id="20" name="Group 19"/>
+          <p:cNvGrpSpPr/>
+          <p:nvPr/>
+        </p:nvGrpSpPr>
+        <p:grpSpPr>
+          <a:xfrm>
+            <a:off x="628649" y="3843122"/>
+            <a:ext cx="7886701" cy="2397190"/>
+            <a:chOff x="628649" y="4129989"/>
+            <a:chExt cx="7886701" cy="2397190"/>
+          </a:xfrm>
+        </p:grpSpPr>
+        <mc:AlternateContent xmlns:mc="http://schemas.openxmlformats.org/markup-compatibility/2006">
+          <mc:Choice xmlns:a14="http://schemas.microsoft.com/office/drawing/2010/main" Requires="a14">
+            <p:sp>
+              <p:nvSpPr>
+                <p:cNvPr id="15" name="TextBox 14"/>
+                <p:cNvSpPr txBox="1"/>
+                <p:nvPr/>
+              </p:nvSpPr>
+              <p:spPr>
+                <a:xfrm>
+                  <a:off x="628649" y="4218727"/>
+                  <a:ext cx="7886701" cy="2308452"/>
+                </a:xfrm>
+                <a:prstGeom prst="rect">
+                  <a:avLst/>
+                </a:prstGeom>
+                <a:solidFill>
+                  <a:schemeClr val="bg1">
+                    <a:lumMod val="95000"/>
+                  </a:schemeClr>
+                </a:solidFill>
+                <a:ln w="152400">
+                  <a:solidFill>
+                    <a:schemeClr val="bg1">
+                      <a:lumMod val="95000"/>
+                    </a:schemeClr>
+                  </a:solidFill>
+                </a:ln>
+              </p:spPr>
+              <p:txBody>
+                <a:bodyPr wrap="square" rtlCol="0">
+                  <a:spAutoFit/>
+                </a:bodyPr>
+                <a:lstStyle/>
+                <a:p>
+                  <a:pPr>
+                    <a:lnSpc>
+                      <a:spcPct val="150000"/>
+                    </a:lnSpc>
+                  </a:pPr>
+                  <a:r>
+                    <a:rPr lang="en-US" sz="2400" dirty="0">
+                      <a:latin typeface="Consolas" panose="020B0609020204030204" pitchFamily="49" charset="0"/>
+                    </a:rPr>
+                    <a:t>?</a:t>
+                  </a:r>
+                  <a:r>
+                    <a:rPr lang="en-US" sz="2400" dirty="0"/>
+                    <a:t> </a:t>
+                  </a:r>
+                  <a14:m>
+                    <m:oMath xmlns:m="http://schemas.openxmlformats.org/officeDocument/2006/math">
+                      <m:r>
+                        <a:rPr lang="en-US" sz="2400" i="1">
+                          <a:latin typeface="Latin Modern Math" panose="02000503000000000000" pitchFamily="50" charset="0"/>
+                          <a:ea typeface="Latin Modern Math" panose="02000503000000000000" pitchFamily="50" charset="0"/>
+                        </a:rPr>
+                        <m:t>∈</m:t>
+                      </m:r>
+                    </m:oMath>
+                  </a14:m>
+                  <a:r>
+                    <a:rPr lang="de-DE" sz="2400" dirty="0"/>
+                    <a:t> </a:t>
+                  </a:r>
+                  <a:r>
+                    <a:rPr lang="de-DE" sz="2400" cap="small" dirty="0"/>
+                    <a:t>Formula		(</a:t>
+                  </a:r>
+                  <a:r>
+                    <a:rPr lang="en-US" sz="2400" dirty="0">
+                      <a:latin typeface="Consolas" panose="020B0609020204030204" pitchFamily="49" charset="0"/>
+                    </a:rPr>
+                    <a:t>?</a:t>
+                  </a:r>
+                  <a:r>
+                    <a:rPr lang="de-DE" sz="2400" cap="small" dirty="0"/>
+                    <a:t> </a:t>
+                  </a:r>
+                  <a14:m>
+                    <m:oMath xmlns:m="http://schemas.openxmlformats.org/officeDocument/2006/math">
+                      <m:r>
+                        <a:rPr lang="en-US" sz="2400" i="1" smtClean="0">
+                          <a:latin typeface="Latin Modern Math" panose="02000503000000000000" pitchFamily="50" charset="0"/>
+                          <a:ea typeface="Latin Modern Math" panose="02000503000000000000" pitchFamily="50" charset="0"/>
+                        </a:rPr>
+                        <m:t>∈</m:t>
+                      </m:r>
+                    </m:oMath>
+                  </a14:m>
+                  <a:r>
+                    <a:rPr lang="de-DE" sz="2400" cap="small" dirty="0"/>
+                    <a:t> Formula)</a:t>
+                  </a:r>
+                </a:p>
+                <a:p>
+                  <a:pPr>
+                    <a:lnSpc>
+                      <a:spcPct val="150000"/>
+                    </a:lnSpc>
+                  </a:pPr>
+                  <a14:m>
+                    <m:oMath xmlns:m="http://schemas.openxmlformats.org/officeDocument/2006/math">
+                      <m:r>
+                        <a:rPr lang="en-US" sz="2400" b="0" i="1" cap="small" smtClean="0">
+                          <a:latin typeface="Latin Modern Math" panose="02000503000000000000" pitchFamily="50" charset="0"/>
+                          <a:ea typeface="Latin Modern Math" panose="02000503000000000000" pitchFamily="50" charset="0"/>
+                        </a:rPr>
+                        <m:t>𝛾</m:t>
+                      </m:r>
+                      <m:r>
+                        <a:rPr lang="en-US" sz="2400" b="0" i="1" cap="small" smtClean="0">
+                          <a:latin typeface="Latin Modern Math" panose="02000503000000000000" pitchFamily="50" charset="0"/>
+                          <a:ea typeface="Latin Modern Math" panose="02000503000000000000" pitchFamily="50" charset="0"/>
+                        </a:rPr>
+                        <m:t> : </m:t>
+                      </m:r>
+                    </m:oMath>
+                  </a14:m>
+                  <a:r>
+                    <a:rPr lang="de-DE" sz="2400" cap="small" dirty="0"/>
+                    <a:t>Formula </a:t>
+                  </a:r>
+                  <a14:m>
+                    <m:oMath xmlns:m="http://schemas.openxmlformats.org/officeDocument/2006/math">
+                      <m:r>
+                        <a:rPr lang="en-US" sz="2400" b="0" i="1" cap="small" smtClean="0">
+                          <a:latin typeface="Latin Modern Math" panose="02000503000000000000" pitchFamily="50" charset="0"/>
+                          <a:ea typeface="Latin Modern Math" panose="02000503000000000000" pitchFamily="50" charset="0"/>
+                        </a:rPr>
+                        <m:t>→</m:t>
+                      </m:r>
+                      <m:r>
+                        <a:rPr lang="en-US" sz="2400" b="0" i="1" cap="small" smtClean="0">
+                          <a:latin typeface="Latin Modern Math" panose="02000503000000000000" pitchFamily="50" charset="0"/>
+                          <a:ea typeface="Latin Modern Math" panose="02000503000000000000" pitchFamily="50" charset="0"/>
+                        </a:rPr>
+                        <m:t>𝒫</m:t>
+                      </m:r>
+                    </m:oMath>
+                  </a14:m>
+                  <a:r>
+                    <a:rPr lang="de-DE" sz="2400" cap="small" dirty="0">
+                      <a:latin typeface="Latin Modern Math" panose="02000503000000000000" pitchFamily="50" charset="0"/>
+                      <a:ea typeface="Latin Modern Math" panose="02000503000000000000" pitchFamily="50" charset="0"/>
+                    </a:rPr>
+                    <a:t> </a:t>
+                  </a:r>
+                  <a:endParaRPr lang="de-DE" sz="2400" cap="small" baseline="30000" dirty="0">
+                    <a:latin typeface="Latin Modern Math" panose="02000503000000000000" pitchFamily="50" charset="0"/>
+                    <a:ea typeface="Latin Modern Math" panose="02000503000000000000" pitchFamily="50" charset="0"/>
+                  </a:endParaRPr>
+                </a:p>
+                <a:p>
+                  <a:pPr>
+                    <a:lnSpc>
+                      <a:spcPct val="150000"/>
+                    </a:lnSpc>
+                  </a:pPr>
+                  <a14:m>
+                    <m:oMath xmlns:m="http://schemas.openxmlformats.org/officeDocument/2006/math">
+                      <m:r>
+                        <a:rPr lang="en-US" sz="2400" i="1" cap="small">
+                          <a:latin typeface="Latin Modern Math" panose="02000503000000000000" pitchFamily="50" charset="0"/>
+                          <a:ea typeface="Latin Modern Math" panose="02000503000000000000" pitchFamily="50" charset="0"/>
+                        </a:rPr>
+                        <m:t>𝛾</m:t>
+                      </m:r>
+                      <m:d>
+                        <m:dPr>
+                          <m:ctrlPr>
+                            <a:rPr lang="en-US" sz="2400" i="1" cap="small">
+                              <a:latin typeface="Latin Modern Math" panose="02000503000000000000" pitchFamily="50" charset="0"/>
+                              <a:ea typeface="Latin Modern Math" panose="02000503000000000000" pitchFamily="50" charset="0"/>
+                            </a:rPr>
+                          </m:ctrlPr>
+                        </m:dPr>
+                        <m:e>
+                          <m:r>
+                            <a:rPr lang="en-US" sz="2400" i="1" cap="small">
+                              <a:latin typeface="Latin Modern Math" panose="02000503000000000000" pitchFamily="50" charset="0"/>
+                              <a:ea typeface="Latin Modern Math" panose="02000503000000000000" pitchFamily="50" charset="0"/>
+                            </a:rPr>
+                            <m:t>𝜙</m:t>
+                          </m:r>
+                        </m:e>
+                      </m:d>
+                      <m:r>
+                        <a:rPr lang="en-US" sz="2400" i="1" cap="small">
+                          <a:latin typeface="Latin Modern Math" panose="02000503000000000000" pitchFamily="50" charset="0"/>
+                          <a:ea typeface="Latin Modern Math" panose="02000503000000000000" pitchFamily="50" charset="0"/>
+                        </a:rPr>
+                        <m:t>={</m:t>
+                      </m:r>
+                      <m:r>
+                        <a:rPr lang="en-US" sz="2400" i="1" cap="small">
+                          <a:latin typeface="Latin Modern Math" panose="02000503000000000000" pitchFamily="50" charset="0"/>
+                          <a:ea typeface="Latin Modern Math" panose="02000503000000000000" pitchFamily="50" charset="0"/>
+                        </a:rPr>
+                        <m:t>𝜙</m:t>
+                      </m:r>
+                      <m:r>
+                        <a:rPr lang="en-US" sz="2400" i="1" cap="small">
+                          <a:latin typeface="Latin Modern Math" panose="02000503000000000000" pitchFamily="50" charset="0"/>
+                          <a:ea typeface="Latin Modern Math" panose="02000503000000000000" pitchFamily="50" charset="0"/>
+                        </a:rPr>
+                        <m:t>}</m:t>
+                      </m:r>
+                    </m:oMath>
+                  </a14:m>
+                  <a:r>
+                    <a:rPr lang="de-DE" sz="2400" i="1" cap="small" dirty="0">
+                      <a:latin typeface="Latin Modern Math" panose="02000503000000000000" pitchFamily="50" charset="0"/>
+                      <a:ea typeface="Latin Modern Math" panose="02000503000000000000" pitchFamily="50" charset="0"/>
+                    </a:rPr>
+                    <a:t> </a:t>
+                  </a:r>
+                </a:p>
+                <a:p>
+                  <a:pPr>
+                    <a:lnSpc>
+                      <a:spcPct val="150000"/>
+                    </a:lnSpc>
+                  </a:pPr>
+                  <a14:m>
+                    <m:oMath xmlns:m="http://schemas.openxmlformats.org/officeDocument/2006/math">
+                      <m:r>
+                        <a:rPr lang="en-US" sz="2400" i="1" cap="small">
+                          <a:latin typeface="Latin Modern Math" panose="02000503000000000000" pitchFamily="50" charset="0"/>
+                          <a:ea typeface="Latin Modern Math" panose="02000503000000000000" pitchFamily="50" charset="0"/>
+                        </a:rPr>
+                        <m:t>𝛾</m:t>
+                      </m:r>
+                      <m:d>
+                        <m:dPr>
+                          <m:ctrlPr>
+                            <a:rPr lang="en-US" sz="2400" i="1" cap="small">
+                              <a:latin typeface="Latin Modern Math" panose="02000503000000000000" pitchFamily="50" charset="0"/>
+                              <a:ea typeface="Latin Modern Math" panose="02000503000000000000" pitchFamily="50" charset="0"/>
+                            </a:rPr>
+                          </m:ctrlPr>
+                        </m:dPr>
+                        <m:e>
+                          <m:r>
+                            <m:rPr>
+                              <m:nor/>
+                            </m:rPr>
+                            <a:rPr lang="en-US" sz="2400" dirty="0">
+                              <a:latin typeface="Consolas" panose="020B0609020204030204" pitchFamily="49" charset="0"/>
+                            </a:rPr>
+                            <m:t>?</m:t>
+                          </m:r>
+                        </m:e>
+                      </m:d>
+                      <m:r>
+                        <a:rPr lang="en-US" sz="2400" i="1" cap="small">
+                          <a:latin typeface="Latin Modern Math" panose="02000503000000000000" pitchFamily="50" charset="0"/>
+                          <a:ea typeface="Latin Modern Math" panose="02000503000000000000" pitchFamily="50" charset="0"/>
+                        </a:rPr>
+                        <m:t>=</m:t>
+                      </m:r>
+                    </m:oMath>
+                  </a14:m>
+                  <a:r>
+                    <a:rPr lang="de-DE" sz="2400" i="1" cap="small" dirty="0">
+                      <a:latin typeface="Latin Modern Math" panose="02000503000000000000" pitchFamily="50" charset="0"/>
+                      <a:ea typeface="Latin Modern Math" panose="02000503000000000000" pitchFamily="50" charset="0"/>
+                    </a:rPr>
+                    <a:t> </a:t>
+                  </a:r>
+                  <a:r>
+                    <a:rPr lang="de-DE" sz="2400" cap="small" dirty="0"/>
+                    <a:t>FormulaSat </a:t>
+                  </a:r>
+                  <a14:m>
+                    <m:oMath xmlns:m="http://schemas.openxmlformats.org/officeDocument/2006/math">
+                      <m:r>
+                        <a:rPr lang="en-US" sz="2400" b="0" i="1" cap="small" smtClean="0">
+                          <a:latin typeface="Latin Modern Math" panose="02000503000000000000" pitchFamily="50" charset="0"/>
+                          <a:ea typeface="Latin Modern Math" panose="02000503000000000000" pitchFamily="50" charset="0"/>
+                        </a:rPr>
+                        <m:t>=</m:t>
+                      </m:r>
+                      <m:d>
+                        <m:dPr>
+                          <m:begChr m:val="{"/>
+                          <m:endChr m:val="}"/>
+                          <m:ctrlPr>
+                            <a:rPr lang="en-US" sz="2400" b="0" i="1" cap="small" smtClean="0">
+                              <a:latin typeface="Latin Modern Math" panose="02000503000000000000" pitchFamily="50" charset="0"/>
+                              <a:ea typeface="Latin Modern Math" panose="02000503000000000000" pitchFamily="50" charset="0"/>
+                            </a:rPr>
+                          </m:ctrlPr>
+                        </m:dPr>
+                        <m:e>
+                          <m:r>
+                            <a:rPr lang="en-US" sz="2400" b="0" i="1" cap="small" smtClean="0">
+                              <a:latin typeface="Latin Modern Math" panose="02000503000000000000" pitchFamily="50" charset="0"/>
+                              <a:ea typeface="Latin Modern Math" panose="02000503000000000000" pitchFamily="50" charset="0"/>
+                            </a:rPr>
+                            <m:t> </m:t>
+                          </m:r>
+                          <m:r>
+                            <a:rPr lang="en-US" sz="2400" i="1" cap="small">
+                              <a:latin typeface="Latin Modern Math" panose="02000503000000000000" pitchFamily="50" charset="0"/>
+                              <a:ea typeface="Latin Modern Math" panose="02000503000000000000" pitchFamily="50" charset="0"/>
+                            </a:rPr>
+                            <m:t>𝜙</m:t>
+                          </m:r>
+                          <m:r>
+                            <a:rPr lang="en-US" sz="2400" b="0" i="1" cap="small" smtClean="0">
+                              <a:latin typeface="Latin Modern Math" panose="02000503000000000000" pitchFamily="50" charset="0"/>
+                              <a:ea typeface="Latin Modern Math" panose="02000503000000000000" pitchFamily="50" charset="0"/>
+                            </a:rPr>
+                            <m:t> </m:t>
+                          </m:r>
+                        </m:e>
+                        <m:e>
+                          <m:r>
+                            <a:rPr lang="en-US" sz="2400" b="0" i="1" cap="small" smtClean="0">
+                              <a:latin typeface="Latin Modern Math" panose="02000503000000000000" pitchFamily="50" charset="0"/>
+                              <a:ea typeface="Latin Modern Math" panose="02000503000000000000" pitchFamily="50" charset="0"/>
+                            </a:rPr>
+                            <m:t> </m:t>
+                          </m:r>
+                          <m:r>
+                            <a:rPr lang="en-US" sz="2400" b="0" i="1" cap="small" dirty="0" smtClean="0">
+                              <a:latin typeface="Latin Modern Math" panose="02000503000000000000" pitchFamily="50" charset="0"/>
+                              <a:ea typeface="Latin Modern Math" panose="02000503000000000000" pitchFamily="50" charset="0"/>
+                            </a:rPr>
+                            <m:t>∃</m:t>
+                          </m:r>
+                          <m:r>
+                            <a:rPr lang="en-US" sz="2400" b="0" i="1" cap="small" dirty="0" smtClean="0">
+                              <a:latin typeface="Latin Modern Math" panose="02000503000000000000" pitchFamily="50" charset="0"/>
+                              <a:ea typeface="Latin Modern Math" panose="02000503000000000000" pitchFamily="50" charset="0"/>
+                            </a:rPr>
+                            <m:t>𝜋</m:t>
+                          </m:r>
+                          <m:r>
+                            <a:rPr lang="en-US" sz="2400" b="0" i="1" cap="small" dirty="0" smtClean="0">
+                              <a:latin typeface="Latin Modern Math" panose="02000503000000000000" pitchFamily="50" charset="0"/>
+                              <a:ea typeface="Latin Modern Math" panose="02000503000000000000" pitchFamily="50" charset="0"/>
+                            </a:rPr>
+                            <m:t>.  </m:t>
+                          </m:r>
+                          <m:r>
+                            <a:rPr lang="en-US" sz="2400" i="1" cap="small" dirty="0">
+                              <a:latin typeface="Latin Modern Math" panose="02000503000000000000" pitchFamily="50" charset="0"/>
+                              <a:ea typeface="Latin Modern Math" panose="02000503000000000000" pitchFamily="50" charset="0"/>
+                            </a:rPr>
+                            <m:t>𝜋</m:t>
+                          </m:r>
+                          <m:r>
+                            <a:rPr lang="en-US" sz="2400" i="1">
+                              <a:latin typeface="Latin Modern Math" panose="02000503000000000000" pitchFamily="50" charset="0"/>
+                              <a:ea typeface="Latin Modern Math" panose="02000503000000000000" pitchFamily="50" charset="0"/>
+                            </a:rPr>
+                            <m:t>⊨</m:t>
+                          </m:r>
+                          <m:r>
+                            <a:rPr lang="en-US" sz="2400" b="0" i="1" smtClean="0">
+                              <a:latin typeface="Latin Modern Math" panose="02000503000000000000" pitchFamily="50" charset="0"/>
+                              <a:ea typeface="Latin Modern Math" panose="02000503000000000000" pitchFamily="50" charset="0"/>
+                            </a:rPr>
+                            <m:t>𝜙</m:t>
+                          </m:r>
+                          <m:r>
+                            <a:rPr lang="en-US" sz="2400" b="0" i="1" smtClean="0">
+                              <a:latin typeface="Latin Modern Math" panose="02000503000000000000" pitchFamily="50" charset="0"/>
+                              <a:ea typeface="Latin Modern Math" panose="02000503000000000000" pitchFamily="50" charset="0"/>
+                            </a:rPr>
+                            <m:t> </m:t>
+                          </m:r>
+                        </m:e>
+                      </m:d>
+                      <m:r>
+                        <a:rPr lang="en-US" sz="2400" b="0" i="1" smtClean="0">
+                          <a:latin typeface="Cambria Math" panose="02040503050406030204" pitchFamily="18" charset="0"/>
+                          <a:ea typeface="Latin Modern Math" panose="02000503000000000000" pitchFamily="50" charset="0"/>
+                        </a:rPr>
+                        <m:t> </m:t>
+                      </m:r>
+                    </m:oMath>
+                  </a14:m>
+                  <a:endParaRPr lang="de-DE" sz="2400" i="1" cap="small" dirty="0">
+                    <a:latin typeface="Latin Modern Math" panose="02000503000000000000" pitchFamily="50" charset="0"/>
+                    <a:ea typeface="Latin Modern Math" panose="02000503000000000000" pitchFamily="50" charset="0"/>
+                  </a:endParaRPr>
+                </a:p>
+              </p:txBody>
+            </p:sp>
+          </mc:Choice>
+          <mc:Fallback>
+            <p:sp>
+              <p:nvSpPr>
+                <p:cNvPr id="15" name="TextBox 14"/>
+                <p:cNvSpPr txBox="1">
+                  <a:spLocks noRot="1" noChangeAspect="1" noMove="1" noResize="1" noEditPoints="1" noAdjustHandles="1" noChangeArrowheads="1" noChangeShapeType="1" noTextEdit="1"/>
+                </p:cNvSpPr>
+                <p:nvPr/>
+              </p:nvSpPr>
+              <p:spPr>
+                <a:xfrm>
+                  <a:off x="628649" y="4218727"/>
+                  <a:ext cx="7886701" cy="2308452"/>
+                </a:xfrm>
+                <a:prstGeom prst="rect">
+                  <a:avLst/>
+                </a:prstGeom>
+                <a:blipFill>
+                  <a:blip r:embed="rId5"/>
+                  <a:stretch>
+                    <a:fillRect l="-227"/>
+                  </a:stretch>
+                </a:blipFill>
+                <a:ln w="152400">
+                  <a:solidFill>
+                    <a:schemeClr val="bg1">
+                      <a:lumMod val="95000"/>
+                    </a:schemeClr>
+                  </a:solidFill>
+                </a:ln>
+              </p:spPr>
+              <p:txBody>
+                <a:bodyPr/>
+                <a:lstStyle/>
+                <a:p>
+                  <a:r>
+                    <a:rPr lang="de-DE">
+                      <a:noFill/>
+                    </a:rPr>
+                    <a:t> </a:t>
+                  </a:r>
+                </a:p>
+              </p:txBody>
+            </p:sp>
+          </mc:Fallback>
+        </mc:AlternateContent>
+        <mc:AlternateContent xmlns:mc="http://schemas.openxmlformats.org/markup-compatibility/2006">
+          <mc:Choice xmlns:a14="http://schemas.microsoft.com/office/drawing/2010/main" Requires="a14">
+            <p:sp>
+              <p:nvSpPr>
+                <p:cNvPr id="17" name="hide1a"/>
+                <p:cNvSpPr/>
+                <p:nvPr/>
+              </p:nvSpPr>
+              <p:spPr>
+                <a:xfrm>
+                  <a:off x="1003258" y="4129989"/>
+                  <a:ext cx="686681" cy="733133"/>
+                </a:xfrm>
+                <a:prstGeom prst="rect">
+                  <a:avLst/>
+                </a:prstGeom>
+                <a:noFill/>
+                <a:ln w="152400">
+                  <a:noFill/>
+                </a:ln>
+              </p:spPr>
+              <p:style>
+                <a:lnRef idx="2">
+                  <a:schemeClr val="accent1">
+                    <a:shade val="50000"/>
+                  </a:schemeClr>
+                </a:lnRef>
+                <a:fillRef idx="1">
+                  <a:schemeClr val="accent1"/>
+                </a:fillRef>
+                <a:effectRef idx="0">
+                  <a:schemeClr val="accent1"/>
+                </a:effectRef>
+                <a:fontRef idx="minor">
+                  <a:schemeClr val="lt1"/>
+                </a:fontRef>
+              </p:style>
+              <p:txBody>
+                <a:bodyPr rtlCol="0" anchor="ctr"/>
+                <a:lstStyle/>
+                <a:p>
+                  <a:pPr algn="ctr"/>
+                  <a14:m>
+                    <m:oMathPara xmlns:m="http://schemas.openxmlformats.org/officeDocument/2006/math">
+                      <m:oMathParaPr>
+                        <m:jc m:val="centerGroup"/>
+                      </m:oMathParaPr>
+                      <m:oMath xmlns:m="http://schemas.openxmlformats.org/officeDocument/2006/math">
+                        <m:acc>
+                          <m:accPr>
+                            <m:chr m:val="̃"/>
+                            <m:ctrlPr>
+                              <a:rPr lang="de-DE" sz="2400" i="1" smtClean="0">
+                                <a:solidFill>
+                                  <a:schemeClr val="tx1"/>
+                                </a:solidFill>
+                                <a:latin typeface="Cambria Math" panose="02040503050406030204" pitchFamily="18" charset="0"/>
+                              </a:rPr>
+                            </m:ctrlPr>
+                          </m:accPr>
+                          <m:e>
+                            <m:r>
+                              <a:rPr lang="en-US" sz="2400" b="0" i="1" smtClean="0">
+                                <a:solidFill>
+                                  <a:schemeClr val="tx1"/>
+                                </a:solidFill>
+                                <a:latin typeface="Cambria Math" panose="02040503050406030204" pitchFamily="18" charset="0"/>
+                              </a:rPr>
+                              <m:t>    </m:t>
+                            </m:r>
+                          </m:e>
+                        </m:acc>
+                      </m:oMath>
+                    </m:oMathPara>
+                  </a14:m>
+                  <a:endParaRPr lang="de-DE" sz="2400" dirty="0">
+                    <a:solidFill>
+                      <a:schemeClr val="tx1"/>
+                    </a:solidFill>
+                  </a:endParaRPr>
+                </a:p>
+              </p:txBody>
+            </p:sp>
+          </mc:Choice>
+          <mc:Fallback>
+            <p:sp>
+              <p:nvSpPr>
+                <p:cNvPr id="17" name="hide1a"/>
+                <p:cNvSpPr>
+                  <a:spLocks noRot="1" noChangeAspect="1" noMove="1" noResize="1" noEditPoints="1" noAdjustHandles="1" noChangeArrowheads="1" noChangeShapeType="1" noTextEdit="1"/>
+                </p:cNvSpPr>
+                <p:nvPr/>
+              </p:nvSpPr>
+              <p:spPr>
+                <a:xfrm>
+                  <a:off x="1003258" y="4129989"/>
+                  <a:ext cx="686681" cy="733133"/>
+                </a:xfrm>
+                <a:prstGeom prst="rect">
+                  <a:avLst/>
+                </a:prstGeom>
+                <a:blipFill>
+                  <a:blip r:embed="rId6"/>
+                  <a:stretch>
+                    <a:fillRect r="-19643"/>
+                  </a:stretch>
+                </a:blipFill>
+                <a:ln w="152400">
+                  <a:noFill/>
+                </a:ln>
+              </p:spPr>
+              <p:txBody>
+                <a:bodyPr/>
+                <a:lstStyle/>
+                <a:p>
+                  <a:r>
+                    <a:rPr lang="de-DE">
+                      <a:noFill/>
+                    </a:rPr>
+                    <a:t> </a:t>
+                  </a:r>
+                </a:p>
+              </p:txBody>
+            </p:sp>
+          </mc:Fallback>
+        </mc:AlternateContent>
+        <mc:AlternateContent xmlns:mc="http://schemas.openxmlformats.org/markup-compatibility/2006">
+          <mc:Choice xmlns:a14="http://schemas.microsoft.com/office/drawing/2010/main" Requires="a14">
+            <p:sp>
+              <p:nvSpPr>
+                <p:cNvPr id="18" name="hide1a"/>
+                <p:cNvSpPr/>
+                <p:nvPr/>
+              </p:nvSpPr>
+              <p:spPr>
+                <a:xfrm>
+                  <a:off x="3160016" y="4259810"/>
+                  <a:ext cx="686681" cy="733133"/>
+                </a:xfrm>
+                <a:prstGeom prst="rect">
+                  <a:avLst/>
+                </a:prstGeom>
+                <a:noFill/>
+                <a:ln w="152400">
+                  <a:noFill/>
+                </a:ln>
+              </p:spPr>
+              <p:style>
+                <a:lnRef idx="2">
+                  <a:schemeClr val="accent1">
+                    <a:shade val="50000"/>
+                  </a:schemeClr>
+                </a:lnRef>
+                <a:fillRef idx="1">
+                  <a:schemeClr val="accent1"/>
+                </a:fillRef>
+                <a:effectRef idx="0">
+                  <a:schemeClr val="accent1"/>
+                </a:effectRef>
+                <a:fontRef idx="minor">
+                  <a:schemeClr val="lt1"/>
+                </a:fontRef>
+              </p:style>
+              <p:txBody>
+                <a:bodyPr rtlCol="0" anchor="ctr"/>
+                <a:lstStyle/>
+                <a:p>
+                  <a:pPr algn="ctr"/>
+                  <a14:m>
+                    <m:oMathPara xmlns:m="http://schemas.openxmlformats.org/officeDocument/2006/math">
+                      <m:oMathParaPr>
+                        <m:jc m:val="centerGroup"/>
+                      </m:oMathParaPr>
+                      <m:oMath xmlns:m="http://schemas.openxmlformats.org/officeDocument/2006/math">
+                        <m:r>
+                          <a:rPr lang="en-US" sz="2400" i="1" smtClean="0">
+                            <a:solidFill>
+                              <a:schemeClr val="tx1"/>
+                            </a:solidFill>
+                            <a:latin typeface="Latin Modern Math" panose="02000503000000000000" pitchFamily="50" charset="0"/>
+                            <a:ea typeface="Latin Modern Math" panose="02000503000000000000" pitchFamily="50" charset="0"/>
+                          </a:rPr>
+                          <m:t>/</m:t>
+                        </m:r>
+                      </m:oMath>
+                    </m:oMathPara>
+                  </a14:m>
+                  <a:endParaRPr lang="de-DE" sz="2400" dirty="0">
+                    <a:solidFill>
+                      <a:schemeClr val="tx1"/>
+                    </a:solidFill>
+                    <a:latin typeface="Latin Modern Math" panose="02000503000000000000" pitchFamily="50" charset="0"/>
+                    <a:ea typeface="Latin Modern Math" panose="02000503000000000000" pitchFamily="50" charset="0"/>
+                  </a:endParaRPr>
+                </a:p>
+              </p:txBody>
+            </p:sp>
+          </mc:Choice>
+          <mc:Fallback>
+            <p:sp>
+              <p:nvSpPr>
+                <p:cNvPr id="18" name="hide1a"/>
+                <p:cNvSpPr>
+                  <a:spLocks noRot="1" noChangeAspect="1" noMove="1" noResize="1" noEditPoints="1" noAdjustHandles="1" noChangeArrowheads="1" noChangeShapeType="1" noTextEdit="1"/>
+                </p:cNvSpPr>
+                <p:nvPr/>
+              </p:nvSpPr>
+              <p:spPr>
+                <a:xfrm>
+                  <a:off x="3160016" y="4259810"/>
+                  <a:ext cx="686681" cy="733133"/>
+                </a:xfrm>
+                <a:prstGeom prst="rect">
+                  <a:avLst/>
+                </a:prstGeom>
+                <a:blipFill>
+                  <a:blip r:embed="rId7"/>
+                  <a:stretch>
+                    <a:fillRect/>
+                  </a:stretch>
+                </a:blipFill>
+                <a:ln w="152400">
+                  <a:noFill/>
+                </a:ln>
+              </p:spPr>
+              <p:txBody>
+                <a:bodyPr/>
+                <a:lstStyle/>
+                <a:p>
+                  <a:r>
+                    <a:rPr lang="de-DE">
+                      <a:noFill/>
+                    </a:rPr>
+                    <a:t> </a:t>
+                  </a:r>
+                </a:p>
+              </p:txBody>
+            </p:sp>
+          </mc:Fallback>
+        </mc:AlternateContent>
+        <p:sp>
+          <p:nvSpPr>
+            <p:cNvPr id="19" name="TextBox 18"/>
+            <p:cNvSpPr txBox="1"/>
+            <p:nvPr/>
+          </p:nvSpPr>
+          <p:spPr>
+            <a:xfrm>
+              <a:off x="2839547" y="4839952"/>
+              <a:ext cx="971292" cy="369332"/>
+            </a:xfrm>
+            <a:prstGeom prst="rect">
+              <a:avLst/>
+            </a:prstGeom>
+            <a:noFill/>
+          </p:spPr>
+          <p:txBody>
+            <a:bodyPr wrap="none" rtlCol="0">
+              <a:spAutoFit/>
+            </a:bodyPr>
+            <a:lstStyle/>
+            <a:p>
+              <a:r>
+                <a:rPr lang="de-DE" cap="small" dirty="0"/>
+                <a:t>Formula</a:t>
+              </a:r>
+              <a:endParaRPr lang="de-DE" dirty="0"/>
+            </a:p>
+          </p:txBody>
+        </p:sp>
+      </p:grpSp>
+      <mc:AlternateContent xmlns:mc="http://schemas.openxmlformats.org/markup-compatibility/2006">
+        <mc:Choice xmlns:a14="http://schemas.microsoft.com/office/drawing/2010/main" Requires="a14">
+          <p:sp>
+            <p:nvSpPr>
+              <p:cNvPr id="21" name="hide1a"/>
+              <p:cNvSpPr/>
+              <p:nvPr/>
+            </p:nvSpPr>
+            <p:spPr>
+              <a:xfrm>
+                <a:off x="935650" y="4359303"/>
+                <a:ext cx="686681" cy="733133"/>
+              </a:xfrm>
+              <a:prstGeom prst="rect">
+                <a:avLst/>
+              </a:prstGeom>
+              <a:noFill/>
+              <a:ln w="152400">
+                <a:noFill/>
+              </a:ln>
+            </p:spPr>
+            <p:style>
+              <a:lnRef idx="2">
+                <a:schemeClr val="accent1">
+                  <a:shade val="50000"/>
+                </a:schemeClr>
+              </a:lnRef>
+              <a:fillRef idx="1">
+                <a:schemeClr val="accent1"/>
+              </a:fillRef>
+              <a:effectRef idx="0">
+                <a:schemeClr val="accent1"/>
+              </a:effectRef>
+              <a:fontRef idx="minor">
+                <a:schemeClr val="lt1"/>
+              </a:fontRef>
+            </p:style>
+            <p:txBody>
+              <a:bodyPr rtlCol="0" anchor="ctr"/>
+              <a:lstStyle/>
+              <a:p>
+                <a:pPr algn="ctr"/>
+                <a14:m>
+                  <m:oMathPara xmlns:m="http://schemas.openxmlformats.org/officeDocument/2006/math">
+                    <m:oMathParaPr>
+                      <m:jc m:val="centerGroup"/>
+                    </m:oMathParaPr>
+                    <m:oMath xmlns:m="http://schemas.openxmlformats.org/officeDocument/2006/math">
+                      <m:acc>
+                        <m:accPr>
+                          <m:chr m:val="̃"/>
+                          <m:ctrlPr>
+                            <a:rPr lang="de-DE" sz="2400" i="1" smtClean="0">
+                              <a:solidFill>
+                                <a:schemeClr val="tx1"/>
+                              </a:solidFill>
+                              <a:latin typeface="Cambria Math" panose="02040503050406030204" pitchFamily="18" charset="0"/>
+                            </a:rPr>
+                          </m:ctrlPr>
+                        </m:accPr>
+                        <m:e>
+                          <m:r>
+                            <a:rPr lang="en-US" sz="2400" b="0" i="1" smtClean="0">
+                              <a:solidFill>
+                                <a:schemeClr val="tx1"/>
+                              </a:solidFill>
+                              <a:latin typeface="Cambria Math" panose="02040503050406030204" pitchFamily="18" charset="0"/>
+                            </a:rPr>
+                            <m:t>    </m:t>
+                          </m:r>
+                        </m:e>
+                      </m:acc>
+                    </m:oMath>
+                  </m:oMathPara>
+                </a14:m>
+                <a:endParaRPr lang="de-DE" sz="2400" dirty="0">
+                  <a:solidFill>
+                    <a:schemeClr val="tx1"/>
+                  </a:solidFill>
+                </a:endParaRPr>
+              </a:p>
+            </p:txBody>
+          </p:sp>
+        </mc:Choice>
+        <mc:Fallback>
+          <p:sp>
+            <p:nvSpPr>
+              <p:cNvPr id="21" name="hide1a"/>
+              <p:cNvSpPr>
+                <a:spLocks noRot="1" noChangeAspect="1" noMove="1" noResize="1" noEditPoints="1" noAdjustHandles="1" noChangeArrowheads="1" noChangeShapeType="1" noTextEdit="1"/>
+              </p:cNvSpPr>
+              <p:nvPr/>
+            </p:nvSpPr>
+            <p:spPr>
+              <a:xfrm>
+                <a:off x="935650" y="4359303"/>
+                <a:ext cx="686681" cy="733133"/>
+              </a:xfrm>
+              <a:prstGeom prst="rect">
+                <a:avLst/>
+              </a:prstGeom>
+              <a:blipFill>
+                <a:blip r:embed="rId8"/>
+                <a:stretch>
+                  <a:fillRect r="-18584"/>
+                </a:stretch>
+              </a:blipFill>
+              <a:ln w="152400">
+                <a:noFill/>
+              </a:ln>
+            </p:spPr>
+            <p:txBody>
+              <a:bodyPr/>
+              <a:lstStyle/>
+              <a:p>
+                <a:r>
+                  <a:rPr lang="de-DE">
+                    <a:noFill/>
+                  </a:rPr>
+                  <a:t> </a:t>
+                </a:r>
+              </a:p>
+            </p:txBody>
+          </p:sp>
+        </mc:Fallback>
+      </mc:AlternateContent>
+      <p:sp>
+        <p:nvSpPr>
+          <p:cNvPr id="22" name="Right Brace 21"/>
+          <p:cNvSpPr/>
+          <p:nvPr/>
+        </p:nvSpPr>
+        <p:spPr>
+          <a:xfrm>
+            <a:off x="6218983" y="4553085"/>
+            <a:ext cx="213050" cy="1600708"/>
+          </a:xfrm>
+          <a:prstGeom prst="rightBrace">
+            <a:avLst>
+              <a:gd name="adj1" fmla="val 122522"/>
+              <a:gd name="adj2" fmla="val 50595"/>
+            </a:avLst>
+          </a:prstGeom>
+          <a:ln w="19050"/>
+        </p:spPr>
+        <p:style>
+          <a:lnRef idx="1">
+            <a:schemeClr val="dk1"/>
+          </a:lnRef>
+          <a:fillRef idx="0">
+            <a:schemeClr val="dk1"/>
+          </a:fillRef>
+          <a:effectRef idx="0">
+            <a:schemeClr val="dk1"/>
+          </a:effectRef>
+          <a:fontRef idx="minor">
+            <a:schemeClr val="tx1"/>
+          </a:fontRef>
+        </p:style>
+        <p:txBody>
+          <a:bodyPr rtlCol="0" anchor="ctr"/>
+          <a:lstStyle/>
+          <a:p>
+            <a:pPr algn="ctr"/>
+            <a:endParaRPr lang="de-DE"/>
+          </a:p>
+        </p:txBody>
+      </p:sp>
+      <p:sp>
+        <p:nvSpPr>
+          <p:cNvPr id="23" name="TextBox 22"/>
+          <p:cNvSpPr txBox="1"/>
+          <p:nvPr/>
+        </p:nvSpPr>
+        <p:spPr>
+          <a:xfrm>
+            <a:off x="6694981" y="5030273"/>
+            <a:ext cx="1645643" cy="707886"/>
+          </a:xfrm>
+          <a:prstGeom prst="rect">
+            <a:avLst/>
+          </a:prstGeom>
+          <a:noFill/>
+        </p:spPr>
+        <p:txBody>
+          <a:bodyPr wrap="none" rtlCol="0">
+            <a:spAutoFit/>
+          </a:bodyPr>
+          <a:lstStyle/>
+          <a:p>
+            <a:pPr algn="ctr"/>
+            <a:r>
+              <a:rPr lang="en-US" sz="2000" dirty="0"/>
+              <a:t>abstract</a:t>
+            </a:r>
+          </a:p>
+          <a:p>
+            <a:pPr algn="ctr"/>
+            <a:r>
+              <a:rPr lang="en-US" sz="2000" dirty="0"/>
+              <a:t>interpretation</a:t>
+            </a:r>
+            <a:endParaRPr lang="de-DE" sz="2000" dirty="0"/>
+          </a:p>
+        </p:txBody>
+      </p:sp>
+    </p:spTree>
+    <p:extLst>
+      <p:ext uri="{BB962C8B-B14F-4D97-AF65-F5344CB8AC3E}">
+        <p14:creationId xmlns:p14="http://schemas.microsoft.com/office/powerpoint/2010/main" val="819719088"/>
+      </p:ext>
+    </p:extLst>
+  </p:cSld>
+  <p:clrMapOvr>
+    <a:masterClrMapping/>
+  </p:clrMapOvr>
+</p:sld>
+</file>
+
+<file path=ppt/slides/slide13.xml><?xml version="1.0" encoding="utf-8"?>
+<p:sld xmlns:a="http://schemas.openxmlformats.org/drawingml/2006/main" xmlns:r="http://schemas.openxmlformats.org/officeDocument/2006/relationships" xmlns:p="http://schemas.openxmlformats.org/presentationml/2006/main">
+  <p:cSld>
+    <p:spTree>
+      <p:nvGrpSpPr>
+        <p:cNvPr id="1" name=""/>
+        <p:cNvGrpSpPr/>
+        <p:nvPr/>
+      </p:nvGrpSpPr>
+      <p:grpSpPr>
+        <a:xfrm>
+          <a:off x="0" y="0"/>
+          <a:ext cx="0" cy="0"/>
+          <a:chOff x="0" y="0"/>
+          <a:chExt cx="0" cy="0"/>
+        </a:xfrm>
+      </p:grpSpPr>
+      <p:sp>
+        <p:nvSpPr>
+          <p:cNvPr id="2" name="Title 1"/>
+          <p:cNvSpPr>
+            <a:spLocks noGrp="1"/>
+          </p:cNvSpPr>
+          <p:nvPr>
+            <p:ph type="title"/>
+          </p:nvPr>
+        </p:nvSpPr>
+        <p:spPr/>
+        <p:txBody>
+          <a:bodyPr/>
+          <a:lstStyle/>
+          <a:p>
+            <a:r>
+              <a:rPr lang="en-US" dirty="0"/>
+              <a:t>Gradualization – Goal 2/3</a:t>
+            </a:r>
+            <a:endParaRPr lang="de-DE" dirty="0"/>
+          </a:p>
+        </p:txBody>
+      </p:sp>
+      <p:sp>
+        <p:nvSpPr>
+          <p:cNvPr id="3" name="Content Placeholder 2"/>
+          <p:cNvSpPr>
+            <a:spLocks noGrp="1"/>
+          </p:cNvSpPr>
+          <p:nvPr>
+            <p:ph idx="1"/>
+          </p:nvPr>
+        </p:nvSpPr>
+        <p:spPr>
+          <a:xfrm>
+            <a:off x="628649" y="1825625"/>
+            <a:ext cx="8092017" cy="4351338"/>
+          </a:xfrm>
+        </p:spPr>
+        <p:txBody>
+          <a:bodyPr/>
+          <a:lstStyle/>
+          <a:p>
+            <a:pPr marL="0" indent="0">
+              <a:buNone/>
+            </a:pPr>
+            <a:r>
+              <a:rPr lang="en-US" dirty="0"/>
+              <a:t>Compatibility with static language</a:t>
+            </a:r>
+          </a:p>
+          <a:p>
+            <a:r>
+              <a:rPr lang="en-US" sz="2400" dirty="0"/>
+              <a:t>static: don’t reject source code that was accepted before</a:t>
+            </a:r>
+          </a:p>
+          <a:p>
+            <a:r>
+              <a:rPr lang="en-US" sz="2400" dirty="0"/>
+              <a:t>dynamic: observable behavior </a:t>
+            </a:r>
+          </a:p>
+        </p:txBody>
+      </p:sp>
+      <p:sp>
+        <p:nvSpPr>
+          <p:cNvPr id="4" name="Slide Number Placeholder 3"/>
+          <p:cNvSpPr>
+            <a:spLocks noGrp="1"/>
+          </p:cNvSpPr>
+          <p:nvPr>
+            <p:ph type="sldNum" sz="quarter" idx="12"/>
+          </p:nvPr>
+        </p:nvSpPr>
+        <p:spPr/>
+        <p:txBody>
+          <a:bodyPr/>
+          <a:lstStyle/>
+          <a:p>
+            <a:fld id="{9D1E2128-C21B-4EB1-981D-3510C88AFE4A}" type="slidenum">
+              <a:rPr lang="de-DE" smtClean="0"/>
+              <a:t>13</a:t>
+            </a:fld>
+            <a:endParaRPr lang="de-DE"/>
+          </a:p>
+        </p:txBody>
+      </p:sp>
+      <p:sp>
+        <p:nvSpPr>
+          <p:cNvPr id="5" name="Slide Number Placeholder 47"/>
+          <p:cNvSpPr txBox="1">
+            <a:spLocks/>
+          </p:cNvSpPr>
+          <p:nvPr/>
+        </p:nvSpPr>
+        <p:spPr>
+          <a:xfrm>
+            <a:off x="6457950" y="6356351"/>
+            <a:ext cx="2057400" cy="365125"/>
+          </a:xfrm>
+          <a:prstGeom prst="rect">
+            <a:avLst/>
+          </a:prstGeom>
+        </p:spPr>
+        <p:txBody>
+          <a:bodyPr vert="horz" lIns="91440" tIns="45720" rIns="91440" bIns="45720" rtlCol="0" anchor="ctr"/>
+          <a:lstStyle>
+            <a:defPPr>
+              <a:defRPr lang="en-US"/>
+            </a:defPPr>
+            <a:lvl1pPr marL="0" algn="r" defTabSz="457200" rtl="0" eaLnBrk="1" latinLnBrk="0" hangingPunct="1">
+              <a:defRPr sz="1200" kern="1200">
+                <a:solidFill>
+                  <a:schemeClr val="tx1">
+                    <a:tint val="75000"/>
+                  </a:schemeClr>
+                </a:solidFill>
+                <a:latin typeface="+mn-lt"/>
+                <a:ea typeface="+mn-ea"/>
+                <a:cs typeface="+mn-cs"/>
+              </a:defRPr>
+            </a:lvl1pPr>
+            <a:lvl2pPr marL="457200" algn="l" defTabSz="457200" rtl="0" eaLnBrk="1" latinLnBrk="0" hangingPunct="1">
+              <a:defRPr sz="1800" kern="1200">
+                <a:solidFill>
+                  <a:schemeClr val="tx1"/>
+                </a:solidFill>
+                <a:latin typeface="+mn-lt"/>
+                <a:ea typeface="+mn-ea"/>
+                <a:cs typeface="+mn-cs"/>
+              </a:defRPr>
+            </a:lvl2pPr>
+            <a:lvl3pPr marL="914400" algn="l" defTabSz="457200" rtl="0" eaLnBrk="1" latinLnBrk="0" hangingPunct="1">
+              <a:defRPr sz="1800" kern="1200">
+                <a:solidFill>
+                  <a:schemeClr val="tx1"/>
+                </a:solidFill>
+                <a:latin typeface="+mn-lt"/>
+                <a:ea typeface="+mn-ea"/>
+                <a:cs typeface="+mn-cs"/>
+              </a:defRPr>
+            </a:lvl3pPr>
+            <a:lvl4pPr marL="1371600" algn="l" defTabSz="457200" rtl="0" eaLnBrk="1" latinLnBrk="0" hangingPunct="1">
+              <a:defRPr sz="1800" kern="1200">
+                <a:solidFill>
+                  <a:schemeClr val="tx1"/>
+                </a:solidFill>
+                <a:latin typeface="+mn-lt"/>
+                <a:ea typeface="+mn-ea"/>
+                <a:cs typeface="+mn-cs"/>
+              </a:defRPr>
+            </a:lvl4pPr>
+            <a:lvl5pPr marL="1828800" algn="l" defTabSz="457200" rtl="0" eaLnBrk="1" latinLnBrk="0" hangingPunct="1">
+              <a:defRPr sz="1800" kern="1200">
+                <a:solidFill>
+                  <a:schemeClr val="tx1"/>
+                </a:solidFill>
+                <a:latin typeface="+mn-lt"/>
+                <a:ea typeface="+mn-ea"/>
+                <a:cs typeface="+mn-cs"/>
+              </a:defRPr>
+            </a:lvl5pPr>
+            <a:lvl6pPr marL="2286000" algn="l" defTabSz="457200" rtl="0" eaLnBrk="1" latinLnBrk="0" hangingPunct="1">
+              <a:defRPr sz="1800" kern="1200">
+                <a:solidFill>
+                  <a:schemeClr val="tx1"/>
+                </a:solidFill>
+                <a:latin typeface="+mn-lt"/>
+                <a:ea typeface="+mn-ea"/>
+                <a:cs typeface="+mn-cs"/>
+              </a:defRPr>
+            </a:lvl6pPr>
+            <a:lvl7pPr marL="2743200" algn="l" defTabSz="457200" rtl="0" eaLnBrk="1" latinLnBrk="0" hangingPunct="1">
+              <a:defRPr sz="1800" kern="1200">
+                <a:solidFill>
+                  <a:schemeClr val="tx1"/>
+                </a:solidFill>
+                <a:latin typeface="+mn-lt"/>
+                <a:ea typeface="+mn-ea"/>
+                <a:cs typeface="+mn-cs"/>
+              </a:defRPr>
+            </a:lvl7pPr>
+            <a:lvl8pPr marL="3200400" algn="l" defTabSz="457200" rtl="0" eaLnBrk="1" latinLnBrk="0" hangingPunct="1">
+              <a:defRPr sz="1800" kern="1200">
+                <a:solidFill>
+                  <a:schemeClr val="tx1"/>
+                </a:solidFill>
+                <a:latin typeface="+mn-lt"/>
+                <a:ea typeface="+mn-ea"/>
+                <a:cs typeface="+mn-cs"/>
+              </a:defRPr>
+            </a:lvl8pPr>
+            <a:lvl9pPr marL="3657600" algn="l" defTabSz="457200" rtl="0" eaLnBrk="1" latinLnBrk="0" hangingPunct="1">
+              <a:defRPr sz="1800" kern="1200">
+                <a:solidFill>
+                  <a:schemeClr val="tx1"/>
+                </a:solidFill>
+                <a:latin typeface="+mn-lt"/>
+                <a:ea typeface="+mn-ea"/>
+                <a:cs typeface="+mn-cs"/>
+              </a:defRPr>
+            </a:lvl9pPr>
+          </a:lstStyle>
+          <a:p>
+            <a:fld id="{9D1E2128-C21B-4EB1-981D-3510C88AFE4A}" type="slidenum">
+              <a:rPr lang="de-DE" smtClean="0"/>
+              <a:pPr/>
+              <a:t>13</a:t>
+            </a:fld>
+            <a:endParaRPr lang="de-DE" dirty="0"/>
+          </a:p>
+        </p:txBody>
+      </p:sp>
+      <p:grpSp>
+        <p:nvGrpSpPr>
+          <p:cNvPr id="8" name="Group 7"/>
+          <p:cNvGrpSpPr/>
+          <p:nvPr/>
+        </p:nvGrpSpPr>
+        <p:grpSpPr>
+          <a:xfrm>
+            <a:off x="495261" y="3843122"/>
+            <a:ext cx="8020089" cy="2397190"/>
+            <a:chOff x="495261" y="4129989"/>
+            <a:chExt cx="8020089" cy="2397190"/>
+          </a:xfrm>
+        </p:grpSpPr>
+        <mc:AlternateContent xmlns:mc="http://schemas.openxmlformats.org/markup-compatibility/2006">
+          <mc:Choice xmlns:a14="http://schemas.microsoft.com/office/drawing/2010/main" Requires="a14">
+            <p:sp>
+              <p:nvSpPr>
+                <p:cNvPr id="9" name="TextBox 8"/>
+                <p:cNvSpPr txBox="1"/>
+                <p:nvPr/>
+              </p:nvSpPr>
+              <p:spPr>
+                <a:xfrm>
+                  <a:off x="628649" y="4218727"/>
+                  <a:ext cx="7886701" cy="2308452"/>
+                </a:xfrm>
+                <a:prstGeom prst="rect">
+                  <a:avLst/>
+                </a:prstGeom>
+                <a:solidFill>
+                  <a:schemeClr val="bg1">
+                    <a:lumMod val="95000"/>
+                  </a:schemeClr>
+                </a:solidFill>
+                <a:ln w="152400">
+                  <a:solidFill>
+                    <a:schemeClr val="bg1">
+                      <a:lumMod val="95000"/>
+                    </a:schemeClr>
+                  </a:solidFill>
+                </a:ln>
+              </p:spPr>
+              <p:txBody>
+                <a:bodyPr wrap="square" rtlCol="0">
+                  <a:spAutoFit/>
+                </a:bodyPr>
+                <a:lstStyle/>
+                <a:p>
+                  <a:pPr>
+                    <a:lnSpc>
+                      <a:spcPct val="150000"/>
+                    </a:lnSpc>
+                  </a:pPr>
+                  <a:r>
+                    <a:rPr lang="de-DE" sz="2400" cap="small" dirty="0"/>
+                    <a:t>Formula </a:t>
+                  </a:r>
+                  <a14:m>
+                    <m:oMath xmlns:m="http://schemas.openxmlformats.org/officeDocument/2006/math">
+                      <m:r>
+                        <a:rPr lang="de-DE" sz="2400" i="1" cap="small" smtClean="0">
+                          <a:latin typeface="Latin Modern Math" panose="02000503000000000000" pitchFamily="50" charset="0"/>
+                          <a:ea typeface="Latin Modern Math" panose="02000503000000000000" pitchFamily="50" charset="0"/>
+                        </a:rPr>
+                        <m:t>⊇</m:t>
+                      </m:r>
+                    </m:oMath>
+                  </a14:m>
+                  <a:r>
+                    <a:rPr lang="de-DE" sz="2400" cap="small" dirty="0"/>
+                    <a:t>	Formula</a:t>
+                  </a:r>
+                </a:p>
+                <a:p>
+                  <a:pPr>
+                    <a:lnSpc>
+                      <a:spcPct val="150000"/>
+                    </a:lnSpc>
+                  </a:pPr>
+                  <a14:m>
+                    <m:oMath xmlns:m="http://schemas.openxmlformats.org/officeDocument/2006/math">
+                      <m:r>
+                        <a:rPr lang="en-US" sz="2400" b="0" i="1" cap="small" smtClean="0">
+                          <a:latin typeface="Latin Modern Math" panose="02000503000000000000" pitchFamily="50" charset="0"/>
+                          <a:ea typeface="Latin Modern Math" panose="02000503000000000000" pitchFamily="50" charset="0"/>
+                        </a:rPr>
+                        <m:t>𝛾</m:t>
+                      </m:r>
+                      <m:r>
+                        <a:rPr lang="en-US" sz="2400" b="0" i="1" cap="small" smtClean="0">
+                          <a:latin typeface="Latin Modern Math" panose="02000503000000000000" pitchFamily="50" charset="0"/>
+                          <a:ea typeface="Latin Modern Math" panose="02000503000000000000" pitchFamily="50" charset="0"/>
+                        </a:rPr>
+                        <m:t> : </m:t>
+                      </m:r>
+                    </m:oMath>
+                  </a14:m>
+                  <a:r>
+                    <a:rPr lang="de-DE" sz="2400" cap="small" dirty="0"/>
+                    <a:t>Formula </a:t>
+                  </a:r>
+                  <a14:m>
+                    <m:oMath xmlns:m="http://schemas.openxmlformats.org/officeDocument/2006/math">
+                      <m:r>
+                        <a:rPr lang="en-US" sz="2400" b="0" i="1" cap="small" smtClean="0">
+                          <a:latin typeface="Latin Modern Math" panose="02000503000000000000" pitchFamily="50" charset="0"/>
+                          <a:ea typeface="Latin Modern Math" panose="02000503000000000000" pitchFamily="50" charset="0"/>
+                        </a:rPr>
+                        <m:t>→</m:t>
+                      </m:r>
+                      <m:r>
+                        <a:rPr lang="en-US" sz="2400" b="0" i="1" cap="small" smtClean="0">
+                          <a:latin typeface="Latin Modern Math" panose="02000503000000000000" pitchFamily="50" charset="0"/>
+                          <a:ea typeface="Latin Modern Math" panose="02000503000000000000" pitchFamily="50" charset="0"/>
+                        </a:rPr>
+                        <m:t>𝒫</m:t>
+                      </m:r>
+                    </m:oMath>
+                  </a14:m>
+                  <a:r>
+                    <a:rPr lang="de-DE" sz="2400" cap="small" dirty="0">
+                      <a:latin typeface="Latin Modern Math" panose="02000503000000000000" pitchFamily="50" charset="0"/>
+                      <a:ea typeface="Latin Modern Math" panose="02000503000000000000" pitchFamily="50" charset="0"/>
+                    </a:rPr>
+                    <a:t> </a:t>
+                  </a:r>
+                  <a:endParaRPr lang="de-DE" sz="2400" cap="small" baseline="30000" dirty="0">
+                    <a:latin typeface="Latin Modern Math" panose="02000503000000000000" pitchFamily="50" charset="0"/>
+                    <a:ea typeface="Latin Modern Math" panose="02000503000000000000" pitchFamily="50" charset="0"/>
+                  </a:endParaRPr>
+                </a:p>
+                <a:p>
+                  <a:pPr>
+                    <a:lnSpc>
+                      <a:spcPct val="150000"/>
+                    </a:lnSpc>
+                  </a:pPr>
+                  <a14:m>
+                    <m:oMath xmlns:m="http://schemas.openxmlformats.org/officeDocument/2006/math">
+                      <m:r>
+                        <a:rPr lang="en-US" sz="2400" i="1" cap="small">
+                          <a:latin typeface="Latin Modern Math" panose="02000503000000000000" pitchFamily="50" charset="0"/>
+                          <a:ea typeface="Latin Modern Math" panose="02000503000000000000" pitchFamily="50" charset="0"/>
+                        </a:rPr>
+                        <m:t>𝛾</m:t>
+                      </m:r>
+                      <m:d>
+                        <m:dPr>
+                          <m:ctrlPr>
+                            <a:rPr lang="en-US" sz="2400" i="1" cap="small">
+                              <a:latin typeface="Latin Modern Math" panose="02000503000000000000" pitchFamily="50" charset="0"/>
+                              <a:ea typeface="Latin Modern Math" panose="02000503000000000000" pitchFamily="50" charset="0"/>
+                            </a:rPr>
+                          </m:ctrlPr>
+                        </m:dPr>
+                        <m:e>
+                          <m:r>
+                            <a:rPr lang="en-US" sz="2400" i="1" cap="small">
+                              <a:latin typeface="Latin Modern Math" panose="02000503000000000000" pitchFamily="50" charset="0"/>
+                              <a:ea typeface="Latin Modern Math" panose="02000503000000000000" pitchFamily="50" charset="0"/>
+                            </a:rPr>
+                            <m:t>𝜙</m:t>
+                          </m:r>
+                        </m:e>
+                      </m:d>
+                      <m:r>
+                        <a:rPr lang="en-US" sz="2400" i="1" cap="small">
+                          <a:latin typeface="Latin Modern Math" panose="02000503000000000000" pitchFamily="50" charset="0"/>
+                          <a:ea typeface="Latin Modern Math" panose="02000503000000000000" pitchFamily="50" charset="0"/>
+                        </a:rPr>
+                        <m:t>={</m:t>
+                      </m:r>
+                      <m:r>
+                        <a:rPr lang="en-US" sz="2400" i="1" cap="small">
+                          <a:latin typeface="Latin Modern Math" panose="02000503000000000000" pitchFamily="50" charset="0"/>
+                          <a:ea typeface="Latin Modern Math" panose="02000503000000000000" pitchFamily="50" charset="0"/>
+                        </a:rPr>
+                        <m:t>𝜙</m:t>
+                      </m:r>
+                      <m:r>
+                        <a:rPr lang="en-US" sz="2400" i="1" cap="small">
+                          <a:latin typeface="Latin Modern Math" panose="02000503000000000000" pitchFamily="50" charset="0"/>
+                          <a:ea typeface="Latin Modern Math" panose="02000503000000000000" pitchFamily="50" charset="0"/>
+                        </a:rPr>
+                        <m:t>}</m:t>
+                      </m:r>
+                    </m:oMath>
+                  </a14:m>
+                  <a:r>
+                    <a:rPr lang="de-DE" sz="2400" i="1" cap="small" dirty="0">
+                      <a:latin typeface="Latin Modern Math" panose="02000503000000000000" pitchFamily="50" charset="0"/>
+                      <a:ea typeface="Latin Modern Math" panose="02000503000000000000" pitchFamily="50" charset="0"/>
+                    </a:rPr>
+                    <a:t> </a:t>
+                  </a:r>
+                </a:p>
+                <a:p>
+                  <a:pPr>
+                    <a:lnSpc>
+                      <a:spcPct val="150000"/>
+                    </a:lnSpc>
+                  </a:pPr>
+                  <a14:m>
+                    <m:oMath xmlns:m="http://schemas.openxmlformats.org/officeDocument/2006/math">
+                      <m:r>
+                        <a:rPr lang="en-US" sz="2400" i="1" cap="small">
+                          <a:latin typeface="Latin Modern Math" panose="02000503000000000000" pitchFamily="50" charset="0"/>
+                          <a:ea typeface="Latin Modern Math" panose="02000503000000000000" pitchFamily="50" charset="0"/>
+                        </a:rPr>
+                        <m:t>𝛾</m:t>
+                      </m:r>
+                      <m:d>
+                        <m:dPr>
+                          <m:ctrlPr>
+                            <a:rPr lang="en-US" sz="2400" i="1" cap="small">
+                              <a:latin typeface="Latin Modern Math" panose="02000503000000000000" pitchFamily="50" charset="0"/>
+                              <a:ea typeface="Latin Modern Math" panose="02000503000000000000" pitchFamily="50" charset="0"/>
+                            </a:rPr>
+                          </m:ctrlPr>
+                        </m:dPr>
+                        <m:e>
+                          <m:r>
+                            <m:rPr>
+                              <m:nor/>
+                            </m:rPr>
+                            <a:rPr lang="en-US" sz="2400" dirty="0">
+                              <a:latin typeface="Consolas" panose="020B0609020204030204" pitchFamily="49" charset="0"/>
+                            </a:rPr>
+                            <m:t>?</m:t>
+                          </m:r>
+                        </m:e>
+                      </m:d>
+                      <m:r>
+                        <a:rPr lang="en-US" sz="2400" i="1" cap="small">
+                          <a:latin typeface="Latin Modern Math" panose="02000503000000000000" pitchFamily="50" charset="0"/>
+                          <a:ea typeface="Latin Modern Math" panose="02000503000000000000" pitchFamily="50" charset="0"/>
+                        </a:rPr>
+                        <m:t>=</m:t>
+                      </m:r>
+                    </m:oMath>
+                  </a14:m>
+                  <a:r>
+                    <a:rPr lang="de-DE" sz="2400" i="1" cap="small" dirty="0">
+                      <a:latin typeface="Latin Modern Math" panose="02000503000000000000" pitchFamily="50" charset="0"/>
+                      <a:ea typeface="Latin Modern Math" panose="02000503000000000000" pitchFamily="50" charset="0"/>
+                    </a:rPr>
+                    <a:t> </a:t>
+                  </a:r>
+                  <a:r>
+                    <a:rPr lang="de-DE" sz="2400" cap="small" dirty="0"/>
+                    <a:t>FormulaSat </a:t>
+                  </a:r>
+                  <a14:m>
+                    <m:oMath xmlns:m="http://schemas.openxmlformats.org/officeDocument/2006/math">
+                      <m:r>
+                        <a:rPr lang="en-US" sz="2400" b="0" i="1" cap="small" smtClean="0">
+                          <a:latin typeface="Latin Modern Math" panose="02000503000000000000" pitchFamily="50" charset="0"/>
+                          <a:ea typeface="Latin Modern Math" panose="02000503000000000000" pitchFamily="50" charset="0"/>
+                        </a:rPr>
+                        <m:t>=</m:t>
+                      </m:r>
+                      <m:d>
+                        <m:dPr>
+                          <m:begChr m:val="{"/>
+                          <m:endChr m:val="}"/>
+                          <m:ctrlPr>
+                            <a:rPr lang="en-US" sz="2400" b="0" i="1" cap="small" smtClean="0">
+                              <a:latin typeface="Latin Modern Math" panose="02000503000000000000" pitchFamily="50" charset="0"/>
+                              <a:ea typeface="Latin Modern Math" panose="02000503000000000000" pitchFamily="50" charset="0"/>
+                            </a:rPr>
+                          </m:ctrlPr>
+                        </m:dPr>
+                        <m:e>
+                          <m:r>
+                            <a:rPr lang="en-US" sz="2400" b="0" i="1" cap="small" smtClean="0">
+                              <a:latin typeface="Latin Modern Math" panose="02000503000000000000" pitchFamily="50" charset="0"/>
+                              <a:ea typeface="Latin Modern Math" panose="02000503000000000000" pitchFamily="50" charset="0"/>
+                            </a:rPr>
+                            <m:t> </m:t>
+                          </m:r>
+                          <m:r>
+                            <a:rPr lang="en-US" sz="2400" i="1" cap="small">
+                              <a:latin typeface="Latin Modern Math" panose="02000503000000000000" pitchFamily="50" charset="0"/>
+                              <a:ea typeface="Latin Modern Math" panose="02000503000000000000" pitchFamily="50" charset="0"/>
+                            </a:rPr>
+                            <m:t>𝜙</m:t>
+                          </m:r>
+                          <m:r>
+                            <a:rPr lang="en-US" sz="2400" b="0" i="1" cap="small" smtClean="0">
+                              <a:latin typeface="Latin Modern Math" panose="02000503000000000000" pitchFamily="50" charset="0"/>
+                              <a:ea typeface="Latin Modern Math" panose="02000503000000000000" pitchFamily="50" charset="0"/>
+                            </a:rPr>
+                            <m:t> </m:t>
+                          </m:r>
+                        </m:e>
+                        <m:e>
+                          <m:r>
+                            <a:rPr lang="en-US" sz="2400" b="0" i="1" cap="small" smtClean="0">
+                              <a:latin typeface="Latin Modern Math" panose="02000503000000000000" pitchFamily="50" charset="0"/>
+                              <a:ea typeface="Latin Modern Math" panose="02000503000000000000" pitchFamily="50" charset="0"/>
+                            </a:rPr>
+                            <m:t> </m:t>
+                          </m:r>
+                          <m:r>
+                            <a:rPr lang="en-US" sz="2400" b="0" i="1" cap="small" dirty="0" smtClean="0">
+                              <a:latin typeface="Latin Modern Math" panose="02000503000000000000" pitchFamily="50" charset="0"/>
+                              <a:ea typeface="Latin Modern Math" panose="02000503000000000000" pitchFamily="50" charset="0"/>
+                            </a:rPr>
+                            <m:t>∃</m:t>
+                          </m:r>
+                          <m:r>
+                            <a:rPr lang="en-US" sz="2400" b="0" i="1" cap="small" dirty="0" smtClean="0">
+                              <a:latin typeface="Latin Modern Math" panose="02000503000000000000" pitchFamily="50" charset="0"/>
+                              <a:ea typeface="Latin Modern Math" panose="02000503000000000000" pitchFamily="50" charset="0"/>
+                            </a:rPr>
+                            <m:t>𝜋</m:t>
+                          </m:r>
+                          <m:r>
+                            <a:rPr lang="en-US" sz="2400" b="0" i="1" cap="small" dirty="0" smtClean="0">
+                              <a:latin typeface="Latin Modern Math" panose="02000503000000000000" pitchFamily="50" charset="0"/>
+                              <a:ea typeface="Latin Modern Math" panose="02000503000000000000" pitchFamily="50" charset="0"/>
+                            </a:rPr>
+                            <m:t>.  </m:t>
+                          </m:r>
+                          <m:r>
+                            <a:rPr lang="en-US" sz="2400" i="1" cap="small" dirty="0">
+                              <a:latin typeface="Latin Modern Math" panose="02000503000000000000" pitchFamily="50" charset="0"/>
+                              <a:ea typeface="Latin Modern Math" panose="02000503000000000000" pitchFamily="50" charset="0"/>
+                            </a:rPr>
+                            <m:t>𝜋</m:t>
+                          </m:r>
+                          <m:r>
+                            <a:rPr lang="en-US" sz="2400" i="1">
+                              <a:latin typeface="Latin Modern Math" panose="02000503000000000000" pitchFamily="50" charset="0"/>
+                              <a:ea typeface="Latin Modern Math" panose="02000503000000000000" pitchFamily="50" charset="0"/>
+                            </a:rPr>
+                            <m:t>⊨</m:t>
+                          </m:r>
+                          <m:r>
+                            <a:rPr lang="en-US" sz="2400" b="0" i="1" smtClean="0">
+                              <a:latin typeface="Latin Modern Math" panose="02000503000000000000" pitchFamily="50" charset="0"/>
+                              <a:ea typeface="Latin Modern Math" panose="02000503000000000000" pitchFamily="50" charset="0"/>
+                            </a:rPr>
+                            <m:t>𝜙</m:t>
+                          </m:r>
+                          <m:r>
+                            <a:rPr lang="en-US" sz="2400" b="0" i="1" smtClean="0">
+                              <a:latin typeface="Latin Modern Math" panose="02000503000000000000" pitchFamily="50" charset="0"/>
+                              <a:ea typeface="Latin Modern Math" panose="02000503000000000000" pitchFamily="50" charset="0"/>
+                            </a:rPr>
+                            <m:t> </m:t>
+                          </m:r>
+                        </m:e>
+                      </m:d>
+                      <m:r>
+                        <a:rPr lang="en-US" sz="2400" b="0" i="1" smtClean="0">
+                          <a:latin typeface="Cambria Math" panose="02040503050406030204" pitchFamily="18" charset="0"/>
+                          <a:ea typeface="Latin Modern Math" panose="02000503000000000000" pitchFamily="50" charset="0"/>
+                        </a:rPr>
+                        <m:t> </m:t>
+                      </m:r>
+                    </m:oMath>
+                  </a14:m>
+                  <a:endParaRPr lang="de-DE" sz="2400" i="1" cap="small" dirty="0">
+                    <a:latin typeface="Latin Modern Math" panose="02000503000000000000" pitchFamily="50" charset="0"/>
+                    <a:ea typeface="Latin Modern Math" panose="02000503000000000000" pitchFamily="50" charset="0"/>
+                  </a:endParaRPr>
+                </a:p>
+              </p:txBody>
+            </p:sp>
+          </mc:Choice>
+          <mc:Fallback>
+            <p:sp>
+              <p:nvSpPr>
+                <p:cNvPr id="9" name="TextBox 8"/>
+                <p:cNvSpPr txBox="1">
+                  <a:spLocks noRot="1" noChangeAspect="1" noMove="1" noResize="1" noEditPoints="1" noAdjustHandles="1" noChangeArrowheads="1" noChangeShapeType="1" noTextEdit="1"/>
+                </p:cNvSpPr>
+                <p:nvPr/>
+              </p:nvSpPr>
+              <p:spPr>
+                <a:xfrm>
+                  <a:off x="628649" y="4218727"/>
+                  <a:ext cx="7886701" cy="2308452"/>
+                </a:xfrm>
+                <a:prstGeom prst="rect">
+                  <a:avLst/>
+                </a:prstGeom>
+                <a:blipFill>
+                  <a:blip r:embed="rId3"/>
+                  <a:stretch>
+                    <a:fillRect l="-227"/>
+                  </a:stretch>
+                </a:blipFill>
+                <a:ln w="152400">
+                  <a:solidFill>
+                    <a:schemeClr val="bg1">
+                      <a:lumMod val="95000"/>
+                    </a:schemeClr>
+                  </a:solidFill>
+                </a:ln>
+              </p:spPr>
+              <p:txBody>
+                <a:bodyPr/>
+                <a:lstStyle/>
+                <a:p>
+                  <a:r>
+                    <a:rPr lang="de-DE">
+                      <a:noFill/>
+                    </a:rPr>
+                    <a:t> </a:t>
+                  </a:r>
+                </a:p>
+              </p:txBody>
+            </p:sp>
+          </mc:Fallback>
+        </mc:AlternateContent>
+        <mc:AlternateContent xmlns:mc="http://schemas.openxmlformats.org/markup-compatibility/2006">
+          <mc:Choice xmlns:a14="http://schemas.microsoft.com/office/drawing/2010/main" Requires="a14">
+            <p:sp>
+              <p:nvSpPr>
+                <p:cNvPr id="11" name="hide1a"/>
+                <p:cNvSpPr/>
+                <p:nvPr/>
+              </p:nvSpPr>
+              <p:spPr>
+                <a:xfrm>
+                  <a:off x="495261" y="4129989"/>
+                  <a:ext cx="686681" cy="733133"/>
+                </a:xfrm>
+                <a:prstGeom prst="rect">
+                  <a:avLst/>
+                </a:prstGeom>
+                <a:noFill/>
+                <a:ln w="152400">
+                  <a:noFill/>
+                </a:ln>
+              </p:spPr>
+              <p:style>
+                <a:lnRef idx="2">
+                  <a:schemeClr val="accent1">
+                    <a:shade val="50000"/>
+                  </a:schemeClr>
+                </a:lnRef>
+                <a:fillRef idx="1">
+                  <a:schemeClr val="accent1"/>
+                </a:fillRef>
+                <a:effectRef idx="0">
+                  <a:schemeClr val="accent1"/>
+                </a:effectRef>
+                <a:fontRef idx="minor">
+                  <a:schemeClr val="lt1"/>
+                </a:fontRef>
+              </p:style>
+              <p:txBody>
+                <a:bodyPr rtlCol="0" anchor="ctr"/>
+                <a:lstStyle/>
+                <a:p>
+                  <a:pPr algn="ctr"/>
+                  <a14:m>
+                    <m:oMathPara xmlns:m="http://schemas.openxmlformats.org/officeDocument/2006/math">
+                      <m:oMathParaPr>
+                        <m:jc m:val="centerGroup"/>
+                      </m:oMathParaPr>
+                      <m:oMath xmlns:m="http://schemas.openxmlformats.org/officeDocument/2006/math">
+                        <m:acc>
+                          <m:accPr>
+                            <m:chr m:val="̃"/>
+                            <m:ctrlPr>
+                              <a:rPr lang="de-DE" sz="2400" i="1" smtClean="0">
+                                <a:solidFill>
+                                  <a:schemeClr val="tx1"/>
+                                </a:solidFill>
+                                <a:latin typeface="Cambria Math" panose="02040503050406030204" pitchFamily="18" charset="0"/>
+                              </a:rPr>
+                            </m:ctrlPr>
+                          </m:accPr>
+                          <m:e>
+                            <m:r>
+                              <a:rPr lang="en-US" sz="2400" b="0" i="1" smtClean="0">
+                                <a:solidFill>
+                                  <a:schemeClr val="tx1"/>
+                                </a:solidFill>
+                                <a:latin typeface="Cambria Math" panose="02040503050406030204" pitchFamily="18" charset="0"/>
+                              </a:rPr>
+                              <m:t>    </m:t>
+                            </m:r>
+                          </m:e>
+                        </m:acc>
+                      </m:oMath>
+                    </m:oMathPara>
+                  </a14:m>
+                  <a:endParaRPr lang="de-DE" sz="2400" dirty="0">
+                    <a:solidFill>
+                      <a:schemeClr val="tx1"/>
+                    </a:solidFill>
+                  </a:endParaRPr>
+                </a:p>
+              </p:txBody>
+            </p:sp>
+          </mc:Choice>
+          <mc:Fallback>
+            <p:sp>
+              <p:nvSpPr>
+                <p:cNvPr id="11" name="hide1a"/>
+                <p:cNvSpPr>
+                  <a:spLocks noRot="1" noChangeAspect="1" noMove="1" noResize="1" noEditPoints="1" noAdjustHandles="1" noChangeArrowheads="1" noChangeShapeType="1" noTextEdit="1"/>
+                </p:cNvSpPr>
+                <p:nvPr/>
+              </p:nvSpPr>
+              <p:spPr>
+                <a:xfrm>
+                  <a:off x="495261" y="4129989"/>
+                  <a:ext cx="686681" cy="733133"/>
+                </a:xfrm>
+                <a:prstGeom prst="rect">
+                  <a:avLst/>
+                </a:prstGeom>
+                <a:blipFill>
+                  <a:blip r:embed="rId4"/>
+                  <a:stretch>
+                    <a:fillRect r="-18584"/>
+                  </a:stretch>
+                </a:blipFill>
+                <a:ln w="152400">
+                  <a:noFill/>
+                </a:ln>
+              </p:spPr>
+              <p:txBody>
+                <a:bodyPr/>
+                <a:lstStyle/>
+                <a:p>
+                  <a:r>
+                    <a:rPr lang="de-DE">
+                      <a:noFill/>
+                    </a:rPr>
+                    <a:t> </a:t>
+                  </a:r>
+                </a:p>
+              </p:txBody>
+            </p:sp>
+          </mc:Fallback>
+        </mc:AlternateContent>
+        <p:sp>
+          <p:nvSpPr>
+            <p:cNvPr id="13" name="TextBox 12"/>
+            <p:cNvSpPr txBox="1"/>
+            <p:nvPr/>
+          </p:nvSpPr>
+          <p:spPr>
+            <a:xfrm>
+              <a:off x="2839547" y="4839952"/>
+              <a:ext cx="971292" cy="369332"/>
+            </a:xfrm>
+            <a:prstGeom prst="rect">
+              <a:avLst/>
+            </a:prstGeom>
+            <a:noFill/>
+          </p:spPr>
+          <p:txBody>
+            <a:bodyPr wrap="none" rtlCol="0">
+              <a:spAutoFit/>
+            </a:bodyPr>
+            <a:lstStyle/>
+            <a:p>
+              <a:r>
+                <a:rPr lang="de-DE" cap="small" dirty="0"/>
+                <a:t>Formula</a:t>
+              </a:r>
+              <a:endParaRPr lang="de-DE" dirty="0"/>
+            </a:p>
+          </p:txBody>
+        </p:sp>
+      </p:grpSp>
+    </p:spTree>
+    <p:extLst>
+      <p:ext uri="{BB962C8B-B14F-4D97-AF65-F5344CB8AC3E}">
+        <p14:creationId xmlns:p14="http://schemas.microsoft.com/office/powerpoint/2010/main" val="2874405386"/>
+      </p:ext>
+    </p:extLst>
+  </p:cSld>
+  <p:clrMapOvr>
+    <a:masterClrMapping/>
+  </p:clrMapOvr>
+</p:sld>
+</file>
+
+<file path=ppt/slides/slide14.xml><?xml version="1.0" encoding="utf-8"?>
+<p:sld xmlns:a="http://schemas.openxmlformats.org/drawingml/2006/main" xmlns:r="http://schemas.openxmlformats.org/officeDocument/2006/relationships" xmlns:p="http://schemas.openxmlformats.org/presentationml/2006/main">
+  <p:cSld>
+    <p:spTree>
+      <p:nvGrpSpPr>
+        <p:cNvPr id="1" name=""/>
+        <p:cNvGrpSpPr/>
+        <p:nvPr/>
+      </p:nvGrpSpPr>
+      <p:grpSpPr>
+        <a:xfrm>
+          <a:off x="0" y="0"/>
+          <a:ext cx="0" cy="0"/>
+          <a:chOff x="0" y="0"/>
+          <a:chExt cx="0" cy="0"/>
+        </a:xfrm>
+      </p:grpSpPr>
+      <p:sp>
+        <p:nvSpPr>
+          <p:cNvPr id="2" name="Title 1"/>
+          <p:cNvSpPr>
+            <a:spLocks noGrp="1"/>
+          </p:cNvSpPr>
+          <p:nvPr>
+            <p:ph type="title"/>
+          </p:nvPr>
+        </p:nvSpPr>
+        <p:spPr/>
+        <p:txBody>
+          <a:bodyPr/>
+          <a:lstStyle/>
+          <a:p>
+            <a:r>
+              <a:rPr lang="en-US" dirty="0"/>
+              <a:t>Gradualization – Goal 3/3</a:t>
+            </a:r>
+            <a:endParaRPr lang="de-DE" dirty="0"/>
+          </a:p>
+        </p:txBody>
+      </p:sp>
+      <p:sp>
+        <p:nvSpPr>
+          <p:cNvPr id="3" name="Content Placeholder 2"/>
+          <p:cNvSpPr>
+            <a:spLocks noGrp="1"/>
+          </p:cNvSpPr>
+          <p:nvPr>
+            <p:ph idx="1"/>
+          </p:nvPr>
+        </p:nvSpPr>
+        <p:spPr>
+          <a:xfrm>
+            <a:off x="628649" y="1825625"/>
+            <a:ext cx="8092017" cy="4351338"/>
+          </a:xfrm>
+        </p:spPr>
+        <p:txBody>
+          <a:bodyPr/>
+          <a:lstStyle/>
+          <a:p>
+            <a:pPr marL="0" indent="0">
+              <a:buNone/>
+            </a:pPr>
+            <a:r>
+              <a:rPr lang="en-US" dirty="0"/>
+              <a:t>Gradual guarantee: </a:t>
+            </a:r>
+            <a:endParaRPr lang="de-DE" dirty="0"/>
+          </a:p>
+        </p:txBody>
+      </p:sp>
+      <p:sp>
+        <p:nvSpPr>
+          <p:cNvPr id="4" name="Slide Number Placeholder 3"/>
+          <p:cNvSpPr>
+            <a:spLocks noGrp="1"/>
+          </p:cNvSpPr>
+          <p:nvPr>
+            <p:ph type="sldNum" sz="quarter" idx="12"/>
+          </p:nvPr>
+        </p:nvSpPr>
+        <p:spPr/>
+        <p:txBody>
+          <a:bodyPr/>
+          <a:lstStyle/>
+          <a:p>
+            <a:fld id="{9D1E2128-C21B-4EB1-981D-3510C88AFE4A}" type="slidenum">
+              <a:rPr lang="de-DE" smtClean="0"/>
+              <a:t>14</a:t>
+            </a:fld>
+            <a:endParaRPr lang="de-DE"/>
+          </a:p>
+        </p:txBody>
+      </p:sp>
+      <p:sp>
+        <p:nvSpPr>
+          <p:cNvPr id="5" name="Slide Number Placeholder 47"/>
+          <p:cNvSpPr txBox="1">
+            <a:spLocks/>
+          </p:cNvSpPr>
+          <p:nvPr/>
+        </p:nvSpPr>
+        <p:spPr>
+          <a:xfrm>
+            <a:off x="6457950" y="6356351"/>
+            <a:ext cx="2057400" cy="365125"/>
+          </a:xfrm>
+          <a:prstGeom prst="rect">
+            <a:avLst/>
+          </a:prstGeom>
+        </p:spPr>
+        <p:txBody>
+          <a:bodyPr vert="horz" lIns="91440" tIns="45720" rIns="91440" bIns="45720" rtlCol="0" anchor="ctr"/>
+          <a:lstStyle>
+            <a:defPPr>
+              <a:defRPr lang="en-US"/>
+            </a:defPPr>
+            <a:lvl1pPr marL="0" algn="r" defTabSz="457200" rtl="0" eaLnBrk="1" latinLnBrk="0" hangingPunct="1">
+              <a:defRPr sz="1200" kern="1200">
+                <a:solidFill>
+                  <a:schemeClr val="tx1">
+                    <a:tint val="75000"/>
+                  </a:schemeClr>
+                </a:solidFill>
+                <a:latin typeface="+mn-lt"/>
+                <a:ea typeface="+mn-ea"/>
+                <a:cs typeface="+mn-cs"/>
+              </a:defRPr>
+            </a:lvl1pPr>
+            <a:lvl2pPr marL="457200" algn="l" defTabSz="457200" rtl="0" eaLnBrk="1" latinLnBrk="0" hangingPunct="1">
+              <a:defRPr sz="1800" kern="1200">
+                <a:solidFill>
+                  <a:schemeClr val="tx1"/>
+                </a:solidFill>
+                <a:latin typeface="+mn-lt"/>
+                <a:ea typeface="+mn-ea"/>
+                <a:cs typeface="+mn-cs"/>
+              </a:defRPr>
+            </a:lvl2pPr>
+            <a:lvl3pPr marL="914400" algn="l" defTabSz="457200" rtl="0" eaLnBrk="1" latinLnBrk="0" hangingPunct="1">
+              <a:defRPr sz="1800" kern="1200">
+                <a:solidFill>
+                  <a:schemeClr val="tx1"/>
+                </a:solidFill>
+                <a:latin typeface="+mn-lt"/>
+                <a:ea typeface="+mn-ea"/>
+                <a:cs typeface="+mn-cs"/>
+              </a:defRPr>
+            </a:lvl3pPr>
+            <a:lvl4pPr marL="1371600" algn="l" defTabSz="457200" rtl="0" eaLnBrk="1" latinLnBrk="0" hangingPunct="1">
+              <a:defRPr sz="1800" kern="1200">
+                <a:solidFill>
+                  <a:schemeClr val="tx1"/>
+                </a:solidFill>
+                <a:latin typeface="+mn-lt"/>
+                <a:ea typeface="+mn-ea"/>
+                <a:cs typeface="+mn-cs"/>
+              </a:defRPr>
+            </a:lvl4pPr>
+            <a:lvl5pPr marL="1828800" algn="l" defTabSz="457200" rtl="0" eaLnBrk="1" latinLnBrk="0" hangingPunct="1">
+              <a:defRPr sz="1800" kern="1200">
+                <a:solidFill>
+                  <a:schemeClr val="tx1"/>
+                </a:solidFill>
+                <a:latin typeface="+mn-lt"/>
+                <a:ea typeface="+mn-ea"/>
+                <a:cs typeface="+mn-cs"/>
+              </a:defRPr>
+            </a:lvl5pPr>
+            <a:lvl6pPr marL="2286000" algn="l" defTabSz="457200" rtl="0" eaLnBrk="1" latinLnBrk="0" hangingPunct="1">
+              <a:defRPr sz="1800" kern="1200">
+                <a:solidFill>
+                  <a:schemeClr val="tx1"/>
+                </a:solidFill>
+                <a:latin typeface="+mn-lt"/>
+                <a:ea typeface="+mn-ea"/>
+                <a:cs typeface="+mn-cs"/>
+              </a:defRPr>
+            </a:lvl6pPr>
+            <a:lvl7pPr marL="2743200" algn="l" defTabSz="457200" rtl="0" eaLnBrk="1" latinLnBrk="0" hangingPunct="1">
+              <a:defRPr sz="1800" kern="1200">
+                <a:solidFill>
+                  <a:schemeClr val="tx1"/>
+                </a:solidFill>
+                <a:latin typeface="+mn-lt"/>
+                <a:ea typeface="+mn-ea"/>
+                <a:cs typeface="+mn-cs"/>
+              </a:defRPr>
+            </a:lvl7pPr>
+            <a:lvl8pPr marL="3200400" algn="l" defTabSz="457200" rtl="0" eaLnBrk="1" latinLnBrk="0" hangingPunct="1">
+              <a:defRPr sz="1800" kern="1200">
+                <a:solidFill>
+                  <a:schemeClr val="tx1"/>
+                </a:solidFill>
+                <a:latin typeface="+mn-lt"/>
+                <a:ea typeface="+mn-ea"/>
+                <a:cs typeface="+mn-cs"/>
+              </a:defRPr>
+            </a:lvl8pPr>
+            <a:lvl9pPr marL="3657600" algn="l" defTabSz="457200" rtl="0" eaLnBrk="1" latinLnBrk="0" hangingPunct="1">
+              <a:defRPr sz="1800" kern="1200">
+                <a:solidFill>
+                  <a:schemeClr val="tx1"/>
+                </a:solidFill>
+                <a:latin typeface="+mn-lt"/>
+                <a:ea typeface="+mn-ea"/>
+                <a:cs typeface="+mn-cs"/>
+              </a:defRPr>
+            </a:lvl9pPr>
+          </a:lstStyle>
+          <a:p>
+            <a:fld id="{9D1E2128-C21B-4EB1-981D-3510C88AFE4A}" type="slidenum">
+              <a:rPr lang="de-DE" smtClean="0"/>
+              <a:pPr/>
+              <a:t>14</a:t>
+            </a:fld>
+            <a:endParaRPr lang="de-DE" dirty="0"/>
+          </a:p>
+        </p:txBody>
+      </p:sp>
+    </p:spTree>
+    <p:extLst>
+      <p:ext uri="{BB962C8B-B14F-4D97-AF65-F5344CB8AC3E}">
+        <p14:creationId xmlns:p14="http://schemas.microsoft.com/office/powerpoint/2010/main" val="70042695"/>
+      </p:ext>
+    </p:extLst>
+  </p:cSld>
+  <p:clrMapOvr>
+    <a:masterClrMapping/>
+  </p:clrMapOvr>
+</p:sld>
+</file>
+
+<file path=ppt/slides/slide15.xml><?xml version="1.0" encoding="utf-8"?>
+<p:sld xmlns:a="http://schemas.openxmlformats.org/drawingml/2006/main" xmlns:r="http://schemas.openxmlformats.org/officeDocument/2006/relationships" xmlns:p="http://schemas.openxmlformats.org/presentationml/2006/main">
+  <p:cSld>
+    <p:spTree>
+      <p:nvGrpSpPr>
+        <p:cNvPr id="1" name=""/>
+        <p:cNvGrpSpPr/>
+        <p:nvPr/>
+      </p:nvGrpSpPr>
+      <p:grpSpPr>
+        <a:xfrm>
+          <a:off x="0" y="0"/>
+          <a:ext cx="0" cy="0"/>
+          <a:chOff x="0" y="0"/>
+          <a:chExt cx="0" cy="0"/>
+        </a:xfrm>
+      </p:grpSpPr>
+      <p:sp>
+        <p:nvSpPr>
+          <p:cNvPr id="2" name="Title 1"/>
+          <p:cNvSpPr>
+            <a:spLocks noGrp="1"/>
+          </p:cNvSpPr>
+          <p:nvPr>
+            <p:ph type="title"/>
+          </p:nvPr>
+        </p:nvSpPr>
+        <p:spPr/>
+        <p:txBody>
+          <a:bodyPr>
+            <a:normAutofit/>
+          </a:bodyPr>
+          <a:lstStyle/>
+          <a:p>
+            <a:r>
+              <a:rPr lang="en-US" dirty="0"/>
+              <a:t>Gradual Verification - Approach</a:t>
             </a:r>
             <a:endParaRPr lang="de-DE" dirty="0"/>
           </a:p>
@@ -8039,7 +11966,7 @@
           <a:p>
             <a:fld id="{9D1E2128-C21B-4EB1-981D-3510C88AFE4A}" type="slidenum">
               <a:rPr lang="de-DE" smtClean="0"/>
-              <a:t>11</a:t>
+              <a:t>15</a:t>
             </a:fld>
             <a:endParaRPr lang="de-DE" dirty="0"/>
           </a:p>
@@ -8054,7 +11981,7 @@
           <p:nvPr/>
         </p:nvPicPr>
         <p:blipFill>
-          <a:blip r:embed="rId2"/>
+          <a:blip r:embed="rId3"/>
           <a:stretch>
             <a:fillRect/>
           </a:stretch>
@@ -8090,7 +12017,7 @@
           <p:nvPr/>
         </p:nvPicPr>
         <p:blipFill>
-          <a:blip r:embed="rId3"/>
+          <a:blip r:embed="rId4"/>
           <a:stretch>
             <a:fillRect/>
           </a:stretch>
@@ -8125,8 +12052,8 @@
         </p:nvSpPr>
         <p:spPr>
           <a:xfrm>
-            <a:off x="3734972" y="3587903"/>
-            <a:ext cx="1674055" cy="676532"/>
+            <a:off x="3554436" y="3229538"/>
+            <a:ext cx="2035128" cy="1393262"/>
           </a:xfrm>
           <a:prstGeom prst="rightArrow">
             <a:avLst/>
@@ -8163,8 +12090,8 @@
         </p:nvSpPr>
         <p:spPr>
           <a:xfrm>
-            <a:off x="3727374" y="3762141"/>
-            <a:ext cx="1561325" cy="338554"/>
+            <a:off x="3718039" y="3745208"/>
+            <a:ext cx="1546129" cy="369332"/>
           </a:xfrm>
           <a:prstGeom prst="rect">
             <a:avLst/>
@@ -8179,10 +12106,278 @@
           <a:p>
             <a:pPr algn="ctr"/>
             <a:r>
-              <a:rPr lang="en-US" sz="1600" dirty="0"/>
-              <a:t>“Gradualization”</a:t>
-            </a:r>
-            <a:endParaRPr lang="de-DE" sz="1600" dirty="0"/>
+              <a:rPr lang="en-US" dirty="0"/>
+              <a:t>Gradualization</a:t>
+            </a:r>
+            <a:endParaRPr lang="de-DE" dirty="0"/>
+          </a:p>
+        </p:txBody>
+      </p:sp>
+      <p:sp>
+        <p:nvSpPr>
+          <p:cNvPr id="11" name="Rectangle 10" hidden="1"/>
+          <p:cNvSpPr/>
+          <p:nvPr/>
+        </p:nvSpPr>
+        <p:spPr>
+          <a:xfrm>
+            <a:off x="401613" y="1429222"/>
+            <a:ext cx="2925787" cy="2482658"/>
+          </a:xfrm>
+          <a:prstGeom prst="rect">
+            <a:avLst/>
+          </a:prstGeom>
+          <a:solidFill>
+            <a:srgbClr val="FFFFFF">
+              <a:alpha val="80000"/>
+            </a:srgbClr>
+          </a:solidFill>
+          <a:ln w="38100"/>
+        </p:spPr>
+        <p:style>
+          <a:lnRef idx="2">
+            <a:schemeClr val="accent5"/>
+          </a:lnRef>
+          <a:fillRef idx="1">
+            <a:schemeClr val="lt1"/>
+          </a:fillRef>
+          <a:effectRef idx="0">
+            <a:schemeClr val="accent5"/>
+          </a:effectRef>
+          <a:fontRef idx="minor">
+            <a:schemeClr val="dk1"/>
+          </a:fontRef>
+        </p:style>
+        <p:txBody>
+          <a:bodyPr rtlCol="0" anchor="ctr"/>
+          <a:lstStyle/>
+          <a:p>
+            <a:pPr algn="ctr"/>
+            <a:r>
+              <a:rPr lang="en-US" sz="2800" dirty="0">
+                <a:solidFill>
+                  <a:srgbClr val="0070C0"/>
+                </a:solidFill>
+              </a:rPr>
+              <a:t>Design</a:t>
+            </a:r>
+          </a:p>
+          <a:p>
+            <a:pPr algn="ctr"/>
+            <a:r>
+              <a:rPr lang="en-US" sz="2800" dirty="0">
+                <a:solidFill>
+                  <a:srgbClr val="0070C0"/>
+                </a:solidFill>
+              </a:rPr>
+              <a:t>Space</a:t>
+            </a:r>
+            <a:endParaRPr lang="de-DE" sz="2800" dirty="0">
+              <a:solidFill>
+                <a:srgbClr val="0070C0"/>
+              </a:solidFill>
+            </a:endParaRPr>
+          </a:p>
+        </p:txBody>
+      </p:sp>
+      <p:sp>
+        <p:nvSpPr>
+          <p:cNvPr id="12" name="Rectangle 11" hidden="1"/>
+          <p:cNvSpPr/>
+          <p:nvPr/>
+        </p:nvSpPr>
+        <p:spPr>
+          <a:xfrm>
+            <a:off x="401613" y="4013446"/>
+            <a:ext cx="2925787" cy="2336530"/>
+          </a:xfrm>
+          <a:prstGeom prst="rect">
+            <a:avLst/>
+          </a:prstGeom>
+          <a:solidFill>
+            <a:srgbClr val="FFFFFF">
+              <a:alpha val="80000"/>
+            </a:srgbClr>
+          </a:solidFill>
+          <a:ln w="38100"/>
+        </p:spPr>
+        <p:style>
+          <a:lnRef idx="2">
+            <a:schemeClr val="accent5"/>
+          </a:lnRef>
+          <a:fillRef idx="1">
+            <a:schemeClr val="lt1"/>
+          </a:fillRef>
+          <a:effectRef idx="0">
+            <a:schemeClr val="accent5"/>
+          </a:effectRef>
+          <a:fontRef idx="minor">
+            <a:schemeClr val="dk1"/>
+          </a:fontRef>
+        </p:style>
+        <p:txBody>
+          <a:bodyPr rtlCol="0" anchor="ctr"/>
+          <a:lstStyle/>
+          <a:p>
+            <a:pPr algn="ctr"/>
+            <a:r>
+              <a:rPr lang="en-US" sz="2800" dirty="0">
+                <a:solidFill>
+                  <a:srgbClr val="0070C0"/>
+                </a:solidFill>
+              </a:rPr>
+              <a:t>Gradual</a:t>
+            </a:r>
+          </a:p>
+          <a:p>
+            <a:pPr algn="ctr"/>
+            <a:r>
+              <a:rPr lang="en-US" sz="2800" dirty="0">
+                <a:solidFill>
+                  <a:srgbClr val="0070C0"/>
+                </a:solidFill>
+              </a:rPr>
+              <a:t>Guarantee</a:t>
+            </a:r>
+            <a:endParaRPr lang="de-DE" sz="2800" dirty="0">
+              <a:solidFill>
+                <a:srgbClr val="0070C0"/>
+              </a:solidFill>
+            </a:endParaRPr>
+          </a:p>
+        </p:txBody>
+      </p:sp>
+      <p:sp>
+        <p:nvSpPr>
+          <p:cNvPr id="13" name="Rectangle 12"/>
+          <p:cNvSpPr/>
+          <p:nvPr/>
+        </p:nvSpPr>
+        <p:spPr>
+          <a:xfrm>
+            <a:off x="5816600" y="1436915"/>
+            <a:ext cx="2925787" cy="2482658"/>
+          </a:xfrm>
+          <a:prstGeom prst="rect">
+            <a:avLst/>
+          </a:prstGeom>
+          <a:solidFill>
+            <a:srgbClr val="FFFFFF">
+              <a:alpha val="80000"/>
+            </a:srgbClr>
+          </a:solidFill>
+          <a:ln w="38100"/>
+        </p:spPr>
+        <p:style>
+          <a:lnRef idx="2">
+            <a:schemeClr val="accent5"/>
+          </a:lnRef>
+          <a:fillRef idx="1">
+            <a:schemeClr val="lt1"/>
+          </a:fillRef>
+          <a:effectRef idx="0">
+            <a:schemeClr val="accent5"/>
+          </a:effectRef>
+          <a:fontRef idx="minor">
+            <a:schemeClr val="dk1"/>
+          </a:fontRef>
+        </p:style>
+        <p:txBody>
+          <a:bodyPr rtlCol="0" anchor="ctr"/>
+          <a:lstStyle/>
+          <a:p>
+            <a:pPr algn="ctr"/>
+            <a:r>
+              <a:rPr lang="en-US" sz="3200" b="1" dirty="0">
+                <a:solidFill>
+                  <a:srgbClr val="0070C0"/>
+                </a:solidFill>
+              </a:rPr>
+              <a:t>Design</a:t>
+            </a:r>
+          </a:p>
+          <a:p>
+            <a:pPr algn="ctr"/>
+            <a:r>
+              <a:rPr lang="en-US" sz="3200" b="1" dirty="0">
+                <a:solidFill>
+                  <a:srgbClr val="0070C0"/>
+                </a:solidFill>
+              </a:rPr>
+              <a:t>Space</a:t>
+            </a:r>
+            <a:endParaRPr lang="de-DE" sz="3200" b="1" dirty="0">
+              <a:solidFill>
+                <a:srgbClr val="0070C0"/>
+              </a:solidFill>
+            </a:endParaRPr>
+          </a:p>
+        </p:txBody>
+      </p:sp>
+      <p:sp>
+        <p:nvSpPr>
+          <p:cNvPr id="14" name="Rectangle 13"/>
+          <p:cNvSpPr/>
+          <p:nvPr/>
+        </p:nvSpPr>
+        <p:spPr>
+          <a:xfrm>
+            <a:off x="5816600" y="4021139"/>
+            <a:ext cx="2925787" cy="2336530"/>
+          </a:xfrm>
+          <a:prstGeom prst="rect">
+            <a:avLst/>
+          </a:prstGeom>
+          <a:solidFill>
+            <a:srgbClr val="FFFFFF">
+              <a:alpha val="80000"/>
+            </a:srgbClr>
+          </a:solidFill>
+          <a:ln w="38100"/>
+        </p:spPr>
+        <p:style>
+          <a:lnRef idx="2">
+            <a:schemeClr val="accent5"/>
+          </a:lnRef>
+          <a:fillRef idx="1">
+            <a:schemeClr val="lt1"/>
+          </a:fillRef>
+          <a:effectRef idx="0">
+            <a:schemeClr val="accent5"/>
+          </a:effectRef>
+          <a:fontRef idx="minor">
+            <a:schemeClr val="dk1"/>
+          </a:fontRef>
+        </p:style>
+        <p:txBody>
+          <a:bodyPr rtlCol="0" anchor="ctr"/>
+          <a:lstStyle/>
+          <a:p>
+            <a:pPr algn="ctr"/>
+            <a:r>
+              <a:rPr lang="en-US" sz="3200" b="1" dirty="0">
+                <a:solidFill>
+                  <a:srgbClr val="0070C0"/>
+                </a:solidFill>
+              </a:rPr>
+              <a:t>Abstract</a:t>
+            </a:r>
+          </a:p>
+          <a:p>
+            <a:pPr algn="ctr"/>
+            <a:r>
+              <a:rPr lang="en-US" sz="3200" b="1" dirty="0">
+                <a:solidFill>
+                  <a:srgbClr val="0070C0"/>
+                </a:solidFill>
+              </a:rPr>
+              <a:t>Interpretation</a:t>
+            </a:r>
+            <a:endParaRPr lang="de-DE" sz="3200" b="1" dirty="0">
+              <a:solidFill>
+                <a:srgbClr val="0070C0"/>
+              </a:solidFill>
+            </a:endParaRPr>
           </a:p>
         </p:txBody>
       </p:sp>
@@ -8199,7 +12394,7 @@
 </p:sld>
 </file>
 
-<file path=ppt/slides/slide12.xml><?xml version="1.0" encoding="utf-8"?>
+<file path=ppt/slides/slide16.xml><?xml version="1.0" encoding="utf-8"?>
 <p:sld xmlns:a="http://schemas.openxmlformats.org/drawingml/2006/main" xmlns:r="http://schemas.openxmlformats.org/officeDocument/2006/relationships" xmlns:p="http://schemas.openxmlformats.org/presentationml/2006/main">
   <p:cSld>
     <p:spTree>
@@ -8233,7 +12428,106 @@
           <a:p>
             <a:r>
               <a:rPr lang="en-US" dirty="0"/>
-              <a:t>Gradual Verification - Approach</a:t>
+              <a:t>Gradual Verification - Rules</a:t>
+            </a:r>
+            <a:endParaRPr lang="de-DE" dirty="0"/>
+          </a:p>
+        </p:txBody>
+      </p:sp>
+      <p:sp>
+        <p:nvSpPr>
+          <p:cNvPr id="3" name="Content Placeholder 2"/>
+          <p:cNvSpPr>
+            <a:spLocks noGrp="1"/>
+          </p:cNvSpPr>
+          <p:nvPr>
+            <p:ph idx="1"/>
+          </p:nvPr>
+        </p:nvSpPr>
+        <p:spPr/>
+        <p:txBody>
+          <a:bodyPr/>
+          <a:lstStyle/>
+          <a:p>
+            <a:r>
+              <a:rPr lang="en-US" dirty="0"/>
+              <a:t>In</a:t>
+            </a:r>
+            <a:endParaRPr lang="de-DE" dirty="0"/>
+          </a:p>
+        </p:txBody>
+      </p:sp>
+      <p:sp>
+        <p:nvSpPr>
+          <p:cNvPr id="4" name="Slide Number Placeholder 3"/>
+          <p:cNvSpPr>
+            <a:spLocks noGrp="1"/>
+          </p:cNvSpPr>
+          <p:nvPr>
+            <p:ph type="sldNum" sz="quarter" idx="12"/>
+          </p:nvPr>
+        </p:nvSpPr>
+        <p:spPr/>
+        <p:txBody>
+          <a:bodyPr/>
+          <a:lstStyle/>
+          <a:p>
+            <a:fld id="{9D1E2128-C21B-4EB1-981D-3510C88AFE4A}" type="slidenum">
+              <a:rPr lang="de-DE" smtClean="0"/>
+              <a:t>16</a:t>
+            </a:fld>
+            <a:endParaRPr lang="de-DE"/>
+          </a:p>
+        </p:txBody>
+      </p:sp>
+    </p:spTree>
+    <p:extLst>
+      <p:ext uri="{BB962C8B-B14F-4D97-AF65-F5344CB8AC3E}">
+        <p14:creationId xmlns:p14="http://schemas.microsoft.com/office/powerpoint/2010/main" val="656217942"/>
+      </p:ext>
+    </p:extLst>
+  </p:cSld>
+  <p:clrMapOvr>
+    <a:masterClrMapping/>
+  </p:clrMapOvr>
+</p:sld>
+</file>
+
+<file path=ppt/slides/slide17.xml><?xml version="1.0" encoding="utf-8"?>
+<p:sld xmlns:a="http://schemas.openxmlformats.org/drawingml/2006/main" xmlns:r="http://schemas.openxmlformats.org/officeDocument/2006/relationships" xmlns:p="http://schemas.openxmlformats.org/presentationml/2006/main">
+  <p:cSld>
+    <p:spTree>
+      <p:nvGrpSpPr>
+        <p:cNvPr id="1" name=""/>
+        <p:cNvGrpSpPr/>
+        <p:nvPr/>
+      </p:nvGrpSpPr>
+      <p:grpSpPr>
+        <a:xfrm>
+          <a:off x="0" y="0"/>
+          <a:ext cx="0" cy="0"/>
+          <a:chOff x="0" y="0"/>
+          <a:chExt cx="0" cy="0"/>
+        </a:xfrm>
+      </p:grpSpPr>
+      <p:sp>
+        <p:nvSpPr>
+          <p:cNvPr id="2" name="Title 1"/>
+          <p:cNvSpPr>
+            <a:spLocks noGrp="1"/>
+          </p:cNvSpPr>
+          <p:nvPr>
+            <p:ph type="title"/>
+          </p:nvPr>
+        </p:nvSpPr>
+        <p:spPr/>
+        <p:txBody>
+          <a:bodyPr/>
+          <a:lstStyle/>
+          <a:p>
+            <a:r>
+              <a:rPr lang="en-US" dirty="0"/>
+              <a:t>Gradual Verification</a:t>
             </a:r>
             <a:endParaRPr lang="de-DE" dirty="0"/>
           </a:p>
@@ -8256,7 +12550,7 @@
           <a:p>
             <a:fld id="{9D1E2128-C21B-4EB1-981D-3510C88AFE4A}" type="slidenum">
               <a:rPr lang="de-DE" smtClean="0"/>
-              <a:t>12</a:t>
+              <a:t>17</a:t>
             </a:fld>
             <a:endParaRPr lang="de-DE"/>
           </a:p>
@@ -8275,7 +12569,7 @@
 </p:sld>
 </file>
 
-<file path=ppt/slides/slide13.xml><?xml version="1.0" encoding="utf-8"?>
+<file path=ppt/slides/slide18.xml><?xml version="1.0" encoding="utf-8"?>
 <p:sld xmlns:a="http://schemas.openxmlformats.org/drawingml/2006/main" xmlns:r="http://schemas.openxmlformats.org/officeDocument/2006/relationships" xmlns:p="http://schemas.openxmlformats.org/presentationml/2006/main">
   <p:cSld>
     <p:spTree>
@@ -8454,7 +12748,7 @@
           <a:p>
             <a:fld id="{9D1E2128-C21B-4EB1-981D-3510C88AFE4A}" type="slidenum">
               <a:rPr lang="de-DE" smtClean="0"/>
-              <a:t>13</a:t>
+              <a:t>18</a:t>
             </a:fld>
             <a:endParaRPr lang="de-DE"/>
           </a:p>
@@ -8473,7 +12767,7 @@
 </p:sld>
 </file>
 
-<file path=ppt/slides/slide14.xml><?xml version="1.0" encoding="utf-8"?>
+<file path=ppt/slides/slide19.xml><?xml version="1.0" encoding="utf-8"?>
 <p:sld xmlns:a="http://schemas.openxmlformats.org/drawingml/2006/main" xmlns:r="http://schemas.openxmlformats.org/officeDocument/2006/relationships" xmlns:p="http://schemas.openxmlformats.org/presentationml/2006/main">
   <p:cSld>
     <p:spTree>
@@ -8549,7 +12843,7 @@
           <a:p>
             <a:fld id="{9D1E2128-C21B-4EB1-981D-3510C88AFE4A}" type="slidenum">
               <a:rPr lang="de-DE" smtClean="0"/>
-              <a:t>14</a:t>
+              <a:t>19</a:t>
             </a:fld>
             <a:endParaRPr lang="de-DE"/>
           </a:p>
@@ -11394,34 +15688,6 @@
       </p:sp>
       <p:sp>
         <p:nvSpPr>
-          <p:cNvPr id="9" name="Title 1"/>
-          <p:cNvSpPr>
-            <a:spLocks noGrp="1"/>
-          </p:cNvSpPr>
-          <p:nvPr>
-            <p:ph type="title"/>
-          </p:nvPr>
-        </p:nvSpPr>
-        <p:spPr>
-          <a:xfrm>
-            <a:off x="628650" y="365126"/>
-            <a:ext cx="7886700" cy="1325563"/>
-          </a:xfrm>
-        </p:spPr>
-        <p:txBody>
-          <a:bodyPr/>
-          <a:lstStyle/>
-          <a:p>
-            <a:r>
-              <a:rPr lang="en-US" dirty="0"/>
-              <a:t>Solution? Static + Dynamic</a:t>
-            </a:r>
-            <a:endParaRPr lang="de-DE" dirty="0"/>
-          </a:p>
-        </p:txBody>
-      </p:sp>
-      <p:sp>
-        <p:nvSpPr>
           <p:cNvPr id="11" name="Slide Number Placeholder 10"/>
           <p:cNvSpPr>
             <a:spLocks noGrp="1"/>
@@ -11440,6 +15706,29 @@
               <a:t>8</a:t>
             </a:fld>
             <a:endParaRPr lang="de-DE"/>
+          </a:p>
+        </p:txBody>
+      </p:sp>
+      <p:sp>
+        <p:nvSpPr>
+          <p:cNvPr id="7" name="Title 1"/>
+          <p:cNvSpPr>
+            <a:spLocks noGrp="1"/>
+          </p:cNvSpPr>
+          <p:nvPr>
+            <p:ph type="title"/>
+          </p:nvPr>
+        </p:nvSpPr>
+        <p:spPr/>
+        <p:txBody>
+          <a:bodyPr/>
+          <a:lstStyle/>
+          <a:p>
+            <a:r>
+              <a:rPr lang="en-US" dirty="0"/>
+              <a:t>Solution? Static + Dynamic</a:t>
+            </a:r>
+            <a:endParaRPr lang="de-DE" dirty="0"/>
           </a:p>
         </p:txBody>
       </p:sp>
@@ -11856,7 +16145,7 @@
       </p:sp>
       <p:sp>
         <p:nvSpPr>
-          <p:cNvPr id="6" name="TextBox 5"/>
+          <p:cNvPr id="6" name="TextBox 5" hidden="1"/>
           <p:cNvSpPr txBox="1"/>
           <p:nvPr/>
         </p:nvSpPr>
@@ -12534,7 +16823,7 @@
       </p:sp>
       <p:sp>
         <p:nvSpPr>
-          <p:cNvPr id="12" name="TextBox 11"/>
+          <p:cNvPr id="12" name="TextBox 11" hidden="1"/>
           <p:cNvSpPr txBox="1"/>
           <p:nvPr/>
         </p:nvSpPr>
@@ -12910,7 +17199,7 @@
       </p:sp>
       <p:sp>
         <p:nvSpPr>
-          <p:cNvPr id="11" name="TextBox 10"/>
+          <p:cNvPr id="11" name="TextBox 10" hidden="1"/>
           <p:cNvSpPr txBox="1"/>
           <p:nvPr/>
         </p:nvSpPr>

--- a/presentation/PLunch.pptx
+++ b/presentation/PLunch.pptx
@@ -9992,8 +9992,15 @@
                     <a:t> </a:t>
                   </a:r>
                   <a:r>
+                    <a:rPr lang="de-DE" sz="2000" cap="small" dirty="0">
+                      <a:latin typeface="Latin Modern Math" panose="02000503000000000000" pitchFamily="50" charset="0"/>
+                      <a:ea typeface="Latin Modern Math" panose="02000503000000000000" pitchFamily="50" charset="0"/>
+                    </a:rPr>
+                    <a:t>Formula</a:t>
+                  </a:r>
+                  <a:r>
                     <a:rPr lang="de-DE" sz="2400" cap="small" dirty="0"/>
-                    <a:t>Formula		(</a:t>
+                    <a:t>		(</a:t>
                   </a:r>
                   <a:r>
                     <a:rPr lang="en-US" sz="2400" dirty="0">
@@ -10018,7 +10025,18 @@
                   </a14:m>
                   <a:r>
                     <a:rPr lang="de-DE" sz="2400" cap="small" dirty="0"/>
-                    <a:t> Formula)</a:t>
+                    <a:t> </a:t>
+                  </a:r>
+                  <a:r>
+                    <a:rPr lang="de-DE" sz="2000" cap="small" dirty="0">
+                      <a:latin typeface="Latin Modern Math" panose="02000503000000000000" pitchFamily="50" charset="0"/>
+                      <a:ea typeface="Latin Modern Math" panose="02000503000000000000" pitchFamily="50" charset="0"/>
+                    </a:rPr>
+                    <a:t>Formula</a:t>
+                  </a:r>
+                  <a:r>
+                    <a:rPr lang="de-DE" sz="2400" cap="small" dirty="0"/>
+                    <a:t>)</a:t>
                   </a:r>
                 </a:p>
                 <a:p>
@@ -10046,8 +10064,15 @@
                     </m:oMath>
                   </a14:m>
                   <a:r>
+                    <a:rPr lang="de-DE" sz="2000" cap="small" dirty="0">
+                      <a:latin typeface="Latin Modern Math" panose="02000503000000000000" pitchFamily="50" charset="0"/>
+                      <a:ea typeface="Latin Modern Math" panose="02000503000000000000" pitchFamily="50" charset="0"/>
+                    </a:rPr>
+                    <a:t>Formula</a:t>
+                  </a:r>
+                  <a:r>
                     <a:rPr lang="de-DE" sz="2400" cap="small" dirty="0"/>
-                    <a:t>Formula </a:t>
+                    <a:t> </a:t>
                   </a:r>
                   <a14:m>
                     <m:oMath xmlns:m="http://schemas.openxmlformats.org/officeDocument/2006/math">
@@ -10613,8 +10638,8 @@
           </p:nvSpPr>
           <p:spPr>
             <a:xfrm>
-              <a:off x="2839547" y="4839952"/>
-              <a:ext cx="971292" cy="369332"/>
+              <a:off x="2847018" y="4839952"/>
+              <a:ext cx="1062150" cy="338554"/>
             </a:xfrm>
             <a:prstGeom prst="rect">
               <a:avLst/>
@@ -10628,10 +10653,16 @@
             <a:lstStyle/>
             <a:p>
               <a:r>
-                <a:rPr lang="de-DE" cap="small" dirty="0"/>
+                <a:rPr lang="de-DE" sz="1600" cap="small" dirty="0">
+                  <a:latin typeface="Latin Modern Math" panose="02000503000000000000" pitchFamily="50" charset="0"/>
+                  <a:ea typeface="Latin Modern Math" panose="02000503000000000000" pitchFamily="50" charset="0"/>
+                </a:rPr>
                 <a:t>Formula</a:t>
               </a:r>
-              <a:endParaRPr lang="de-DE" dirty="0"/>
+              <a:endParaRPr lang="de-DE" dirty="0">
+                <a:latin typeface="Latin Modern Math" panose="02000503000000000000" pitchFamily="50" charset="0"/>
+                <a:ea typeface="Latin Modern Math" panose="02000503000000000000" pitchFamily="50" charset="0"/>
+              </a:endParaRPr>
             </a:p>
           </p:txBody>
         </p:sp>
@@ -10842,6 +10873,326 @@
           </a:p>
         </p:txBody>
       </p:sp>
+      <mc:AlternateContent xmlns:mc="http://schemas.openxmlformats.org/markup-compatibility/2006">
+        <mc:Choice xmlns:a14="http://schemas.microsoft.com/office/drawing/2010/main" Requires="a14">
+          <p:sp>
+            <p:nvSpPr>
+              <p:cNvPr id="24" name="TextBox 23"/>
+              <p:cNvSpPr txBox="1"/>
+              <p:nvPr/>
+            </p:nvSpPr>
+            <p:spPr>
+              <a:xfrm>
+                <a:off x="672599" y="5057197"/>
+                <a:ext cx="5087475" cy="1200457"/>
+              </a:xfrm>
+              <a:prstGeom prst="rect">
+                <a:avLst/>
+              </a:prstGeom>
+              <a:solidFill>
+                <a:schemeClr val="bg1">
+                  <a:lumMod val="95000"/>
+                </a:schemeClr>
+              </a:solidFill>
+              <a:ln w="152400">
+                <a:solidFill>
+                  <a:schemeClr val="bg1">
+                    <a:lumMod val="95000"/>
+                  </a:schemeClr>
+                </a:solidFill>
+              </a:ln>
+            </p:spPr>
+            <p:txBody>
+              <a:bodyPr wrap="square" rtlCol="0">
+                <a:spAutoFit/>
+              </a:bodyPr>
+              <a:lstStyle/>
+              <a:p>
+                <a:pPr>
+                  <a:lnSpc>
+                    <a:spcPct val="150000"/>
+                  </a:lnSpc>
+                </a:pPr>
+                <a:r>
+                  <a:rPr lang="en-US" sz="2400" dirty="0">
+                    <a:ea typeface="Latin Modern Math" panose="02000503000000000000" pitchFamily="50" charset="0"/>
+                  </a:rPr>
+                  <a:t>Formula “precision</a:t>
+                </a:r>
+                <a:r>
+                  <a:rPr lang="en-US" sz="2400" dirty="0">
+                    <a:latin typeface="Latin Modern Math" panose="02000503000000000000" pitchFamily="50" charset="0"/>
+                    <a:ea typeface="Latin Modern Math" panose="02000503000000000000" pitchFamily="50" charset="0"/>
+                  </a:rPr>
+                  <a:t>” </a:t>
+                </a:r>
+                <a14:m>
+                  <m:oMath xmlns:m="http://schemas.openxmlformats.org/officeDocument/2006/math">
+                    <m:r>
+                      <a:rPr lang="en-US" sz="2400" i="1">
+                        <a:latin typeface="Latin Modern Math" panose="02000503000000000000" pitchFamily="50" charset="0"/>
+                        <a:ea typeface="Latin Modern Math" panose="02000503000000000000" pitchFamily="50" charset="0"/>
+                      </a:rPr>
+                      <m:t>⊑</m:t>
+                    </m:r>
+                  </m:oMath>
+                </a14:m>
+                <a:endParaRPr lang="en-US" sz="2400" dirty="0">
+                  <a:latin typeface="Latin Modern Math" panose="02000503000000000000" pitchFamily="50" charset="0"/>
+                  <a:ea typeface="Latin Modern Math" panose="02000503000000000000" pitchFamily="50" charset="0"/>
+                </a:endParaRPr>
+              </a:p>
+              <a:p>
+                <a:pPr>
+                  <a:lnSpc>
+                    <a:spcPct val="150000"/>
+                  </a:lnSpc>
+                </a:pPr>
+                <a14:m>
+                  <m:oMathPara xmlns:m="http://schemas.openxmlformats.org/officeDocument/2006/math">
+                    <m:oMathParaPr>
+                      <m:jc m:val="centerGroup"/>
+                    </m:oMathParaPr>
+                    <m:oMath xmlns:m="http://schemas.openxmlformats.org/officeDocument/2006/math">
+                      <m:sSub>
+                        <m:sSubPr>
+                          <m:ctrlPr>
+                            <a:rPr lang="en-US" sz="2400" b="0" i="1" smtClean="0">
+                              <a:latin typeface="Latin Modern Math" panose="02000503000000000000" pitchFamily="50" charset="0"/>
+                              <a:ea typeface="Latin Modern Math" panose="02000503000000000000" pitchFamily="50" charset="0"/>
+                            </a:rPr>
+                          </m:ctrlPr>
+                        </m:sSubPr>
+                        <m:e>
+                          <m:r>
+                            <a:rPr lang="en-US" sz="2400" b="0" i="1" smtClean="0">
+                              <a:latin typeface="Latin Modern Math" panose="02000503000000000000" pitchFamily="50" charset="0"/>
+                              <a:ea typeface="Latin Modern Math" panose="02000503000000000000" pitchFamily="50" charset="0"/>
+                            </a:rPr>
+                            <m:t>𝜙</m:t>
+                          </m:r>
+                        </m:e>
+                        <m:sub>
+                          <m:r>
+                            <a:rPr lang="en-US" sz="2400" b="0" i="1" smtClean="0">
+                              <a:latin typeface="Cambria Math" panose="02040503050406030204" pitchFamily="18" charset="0"/>
+                              <a:ea typeface="Latin Modern Math" panose="02000503000000000000" pitchFamily="50" charset="0"/>
+                            </a:rPr>
+                            <m:t>1</m:t>
+                          </m:r>
+                        </m:sub>
+                      </m:sSub>
+                      <m:r>
+                        <a:rPr lang="en-US" sz="2400" b="0" i="1" smtClean="0">
+                          <a:latin typeface="Latin Modern Math" panose="02000503000000000000" pitchFamily="50" charset="0"/>
+                          <a:ea typeface="Latin Modern Math" panose="02000503000000000000" pitchFamily="50" charset="0"/>
+                        </a:rPr>
+                        <m:t>⊑</m:t>
+                      </m:r>
+                      <m:sSub>
+                        <m:sSubPr>
+                          <m:ctrlPr>
+                            <a:rPr lang="en-US" sz="2400" b="0" i="1" smtClean="0">
+                              <a:latin typeface="Latin Modern Math" panose="02000503000000000000" pitchFamily="50" charset="0"/>
+                              <a:ea typeface="Latin Modern Math" panose="02000503000000000000" pitchFamily="50" charset="0"/>
+                            </a:rPr>
+                          </m:ctrlPr>
+                        </m:sSubPr>
+                        <m:e>
+                          <m:r>
+                            <a:rPr lang="en-US" sz="2400" b="0" i="1" smtClean="0">
+                              <a:latin typeface="Latin Modern Math" panose="02000503000000000000" pitchFamily="50" charset="0"/>
+                              <a:ea typeface="Latin Modern Math" panose="02000503000000000000" pitchFamily="50" charset="0"/>
+                            </a:rPr>
+                            <m:t>𝜙</m:t>
+                          </m:r>
+                        </m:e>
+                        <m:sub>
+                          <m:r>
+                            <a:rPr lang="en-US" sz="2400" b="0" i="1" smtClean="0">
+                              <a:latin typeface="Cambria Math" panose="02040503050406030204" pitchFamily="18" charset="0"/>
+                              <a:ea typeface="Latin Modern Math" panose="02000503000000000000" pitchFamily="50" charset="0"/>
+                            </a:rPr>
+                            <m:t>2</m:t>
+                          </m:r>
+                        </m:sub>
+                      </m:sSub>
+                      <m:r>
+                        <a:rPr lang="en-US" sz="2400" b="0" i="1" smtClean="0">
+                          <a:latin typeface="Cambria Math" panose="02040503050406030204" pitchFamily="18" charset="0"/>
+                          <a:ea typeface="Latin Modern Math" panose="02000503000000000000" pitchFamily="50" charset="0"/>
+                        </a:rPr>
+                        <m:t> </m:t>
+                      </m:r>
+                      <m:r>
+                        <a:rPr lang="en-US" sz="2400" i="1">
+                          <a:latin typeface="Latin Modern Math" panose="02000503000000000000" pitchFamily="50" charset="0"/>
+                          <a:ea typeface="Latin Modern Math" panose="02000503000000000000" pitchFamily="50" charset="0"/>
+                        </a:rPr>
+                        <m:t>⟺</m:t>
+                      </m:r>
+                      <m:r>
+                        <a:rPr lang="en-US" sz="2400" b="0" i="1" smtClean="0">
+                          <a:latin typeface="Cambria Math" panose="02040503050406030204" pitchFamily="18" charset="0"/>
+                          <a:ea typeface="Latin Modern Math" panose="02000503000000000000" pitchFamily="50" charset="0"/>
+                        </a:rPr>
+                        <m:t> </m:t>
+                      </m:r>
+                      <m:r>
+                        <a:rPr lang="en-US" sz="2400" i="1">
+                          <a:latin typeface="Latin Modern Math" panose="02000503000000000000" pitchFamily="50" charset="0"/>
+                          <a:ea typeface="Latin Modern Math" panose="02000503000000000000" pitchFamily="50" charset="0"/>
+                        </a:rPr>
+                        <m:t>𝛾</m:t>
+                      </m:r>
+                      <m:r>
+                        <a:rPr lang="en-US" sz="2400" b="0" i="1" smtClean="0">
+                          <a:latin typeface="Latin Modern Math" panose="02000503000000000000" pitchFamily="50" charset="0"/>
+                          <a:ea typeface="Latin Modern Math" panose="02000503000000000000" pitchFamily="50" charset="0"/>
+                        </a:rPr>
+                        <m:t>(</m:t>
+                      </m:r>
+                      <m:sSub>
+                        <m:sSubPr>
+                          <m:ctrlPr>
+                            <a:rPr lang="en-US" sz="2400" b="0" i="1" smtClean="0">
+                              <a:latin typeface="Latin Modern Math" panose="02000503000000000000" pitchFamily="50" charset="0"/>
+                              <a:ea typeface="Latin Modern Math" panose="02000503000000000000" pitchFamily="50" charset="0"/>
+                            </a:rPr>
+                          </m:ctrlPr>
+                        </m:sSubPr>
+                        <m:e>
+                          <m:r>
+                            <a:rPr lang="en-US" sz="2400" b="0" i="1" smtClean="0">
+                              <a:latin typeface="Latin Modern Math" panose="02000503000000000000" pitchFamily="50" charset="0"/>
+                              <a:ea typeface="Latin Modern Math" panose="02000503000000000000" pitchFamily="50" charset="0"/>
+                            </a:rPr>
+                            <m:t>𝜙</m:t>
+                          </m:r>
+                        </m:e>
+                        <m:sub>
+                          <m:r>
+                            <a:rPr lang="en-US" sz="2400" b="0" i="1" smtClean="0">
+                              <a:latin typeface="Cambria Math" panose="02040503050406030204" pitchFamily="18" charset="0"/>
+                              <a:ea typeface="Latin Modern Math" panose="02000503000000000000" pitchFamily="50" charset="0"/>
+                            </a:rPr>
+                            <m:t>1</m:t>
+                          </m:r>
+                        </m:sub>
+                      </m:sSub>
+                      <m:r>
+                        <a:rPr lang="en-US" sz="2400" b="0" i="1" smtClean="0">
+                          <a:latin typeface="Latin Modern Math" panose="02000503000000000000" pitchFamily="50" charset="0"/>
+                          <a:ea typeface="Latin Modern Math" panose="02000503000000000000" pitchFamily="50" charset="0"/>
+                        </a:rPr>
+                        <m:t>)⊆</m:t>
+                      </m:r>
+                      <m:r>
+                        <a:rPr lang="en-US" sz="2400" i="1">
+                          <a:latin typeface="Latin Modern Math" panose="02000503000000000000" pitchFamily="50" charset="0"/>
+                          <a:ea typeface="Latin Modern Math" panose="02000503000000000000" pitchFamily="50" charset="0"/>
+                        </a:rPr>
+                        <m:t>𝛾</m:t>
+                      </m:r>
+                      <m:r>
+                        <a:rPr lang="en-US" sz="2400" i="1">
+                          <a:latin typeface="Latin Modern Math" panose="02000503000000000000" pitchFamily="50" charset="0"/>
+                          <a:ea typeface="Latin Modern Math" panose="02000503000000000000" pitchFamily="50" charset="0"/>
+                        </a:rPr>
+                        <m:t>(</m:t>
+                      </m:r>
+                      <m:sSub>
+                        <m:sSubPr>
+                          <m:ctrlPr>
+                            <a:rPr lang="en-US" sz="2400" i="1">
+                              <a:latin typeface="Latin Modern Math" panose="02000503000000000000" pitchFamily="50" charset="0"/>
+                              <a:ea typeface="Latin Modern Math" panose="02000503000000000000" pitchFamily="50" charset="0"/>
+                            </a:rPr>
+                          </m:ctrlPr>
+                        </m:sSubPr>
+                        <m:e>
+                          <m:r>
+                            <a:rPr lang="en-US" sz="2400" i="1">
+                              <a:latin typeface="Latin Modern Math" panose="02000503000000000000" pitchFamily="50" charset="0"/>
+                              <a:ea typeface="Latin Modern Math" panose="02000503000000000000" pitchFamily="50" charset="0"/>
+                            </a:rPr>
+                            <m:t>𝜙</m:t>
+                          </m:r>
+                        </m:e>
+                        <m:sub>
+                          <m:r>
+                            <a:rPr lang="en-US" sz="2400" b="0" i="1" smtClean="0">
+                              <a:latin typeface="Cambria Math" panose="02040503050406030204" pitchFamily="18" charset="0"/>
+                              <a:ea typeface="Latin Modern Math" panose="02000503000000000000" pitchFamily="50" charset="0"/>
+                            </a:rPr>
+                            <m:t>2</m:t>
+                          </m:r>
+                        </m:sub>
+                      </m:sSub>
+                      <m:r>
+                        <a:rPr lang="en-US" sz="2400" i="1">
+                          <a:latin typeface="Latin Modern Math" panose="02000503000000000000" pitchFamily="50" charset="0"/>
+                          <a:ea typeface="Latin Modern Math" panose="02000503000000000000" pitchFamily="50" charset="0"/>
+                        </a:rPr>
+                        <m:t>)</m:t>
+                      </m:r>
+                    </m:oMath>
+                  </m:oMathPara>
+                </a14:m>
+                <a:endParaRPr lang="de-DE" sz="2400" dirty="0">
+                  <a:latin typeface="Latin Modern Math" panose="02000503000000000000" pitchFamily="50" charset="0"/>
+                  <a:ea typeface="Latin Modern Math" panose="02000503000000000000" pitchFamily="50" charset="0"/>
+                </a:endParaRPr>
+              </a:p>
+            </p:txBody>
+          </p:sp>
+        </mc:Choice>
+        <mc:Fallback>
+          <p:sp>
+            <p:nvSpPr>
+              <p:cNvPr id="24" name="TextBox 23"/>
+              <p:cNvSpPr txBox="1">
+                <a:spLocks noRot="1" noChangeAspect="1" noMove="1" noResize="1" noEditPoints="1" noAdjustHandles="1" noChangeArrowheads="1" noChangeShapeType="1" noTextEdit="1"/>
+              </p:cNvSpPr>
+              <p:nvPr/>
+            </p:nvSpPr>
+            <p:spPr>
+              <a:xfrm>
+                <a:off x="672599" y="5057197"/>
+                <a:ext cx="5087475" cy="1200457"/>
+              </a:xfrm>
+              <a:prstGeom prst="rect">
+                <a:avLst/>
+              </a:prstGeom>
+              <a:blipFill>
+                <a:blip r:embed="rId9"/>
+                <a:stretch>
+                  <a:fillRect l="-349"/>
+                </a:stretch>
+              </a:blipFill>
+              <a:ln w="152400">
+                <a:solidFill>
+                  <a:schemeClr val="bg1">
+                    <a:lumMod val="95000"/>
+                  </a:schemeClr>
+                </a:solidFill>
+              </a:ln>
+            </p:spPr>
+            <p:txBody>
+              <a:bodyPr/>
+              <a:lstStyle/>
+              <a:p>
+                <a:r>
+                  <a:rPr lang="de-DE">
+                    <a:noFill/>
+                  </a:rPr>
+                  <a:t> </a:t>
+                </a:r>
+              </a:p>
+            </p:txBody>
+          </p:sp>
+        </mc:Fallback>
+      </mc:AlternateContent>
     </p:spTree>
     <p:extLst>
       <p:ext uri="{BB962C8B-B14F-4D97-AF65-F5344CB8AC3E}">
@@ -10852,6 +11203,84 @@
   <p:clrMapOvr>
     <a:masterClrMapping/>
   </p:clrMapOvr>
+  <p:timing>
+    <p:tnLst>
+      <p:par>
+        <p:cTn id="1" dur="indefinite" restart="never" nodeType="tmRoot">
+          <p:childTnLst>
+            <p:seq concurrent="1" nextAc="seek">
+              <p:cTn id="2" dur="indefinite" nodeType="mainSeq">
+                <p:childTnLst>
+                  <p:par>
+                    <p:cTn id="3" fill="hold">
+                      <p:stCondLst>
+                        <p:cond delay="indefinite"/>
+                      </p:stCondLst>
+                      <p:childTnLst>
+                        <p:par>
+                          <p:cTn id="4" fill="hold">
+                            <p:stCondLst>
+                              <p:cond delay="0"/>
+                            </p:stCondLst>
+                            <p:childTnLst>
+                              <p:par>
+                                <p:cTn id="5" presetID="1" presetClass="entr" presetSubtype="0" fill="hold" grpId="0" nodeType="clickEffect">
+                                  <p:stCondLst>
+                                    <p:cond delay="0"/>
+                                  </p:stCondLst>
+                                  <p:childTnLst>
+                                    <p:set>
+                                      <p:cBhvr>
+                                        <p:cTn id="6" dur="1" fill="hold">
+                                          <p:stCondLst>
+                                            <p:cond delay="0"/>
+                                          </p:stCondLst>
+                                        </p:cTn>
+                                        <p:tgtEl>
+                                          <p:spTgt spid="24"/>
+                                        </p:tgtEl>
+                                        <p:attrNameLst>
+                                          <p:attrName>style.visibility</p:attrName>
+                                        </p:attrNameLst>
+                                      </p:cBhvr>
+                                      <p:to>
+                                        <p:strVal val="visible"/>
+                                      </p:to>
+                                    </p:set>
+                                  </p:childTnLst>
+                                </p:cTn>
+                              </p:par>
+                            </p:childTnLst>
+                          </p:cTn>
+                        </p:par>
+                      </p:childTnLst>
+                    </p:cTn>
+                  </p:par>
+                </p:childTnLst>
+              </p:cTn>
+              <p:prevCondLst>
+                <p:cond evt="onPrev" delay="0">
+                  <p:tgtEl>
+                    <p:sldTgt/>
+                  </p:tgtEl>
+                </p:cond>
+              </p:prevCondLst>
+              <p:nextCondLst>
+                <p:cond evt="onNext" delay="0">
+                  <p:tgtEl>
+                    <p:sldTgt/>
+                  </p:tgtEl>
+                </p:cond>
+              </p:nextCondLst>
+            </p:seq>
+          </p:childTnLst>
+        </p:cTn>
+      </p:par>
+    </p:tnLst>
+    <p:bldLst>
+      <p:bldP spid="24" grpId="0" animBg="1"/>
+    </p:bldLst>
+  </p:timing>
 </p:sld>
 </file>
 
@@ -10926,13 +11355,13 @@
           <a:p>
             <a:r>
               <a:rPr lang="en-US" sz="2400" dirty="0"/>
-              <a:t>static: don’t reject source code that was accepted before</a:t>
+              <a:t>don’t reject source code that was accepted before</a:t>
             </a:r>
           </a:p>
           <a:p>
             <a:r>
               <a:rPr lang="en-US" sz="2400" dirty="0"/>
-              <a:t>dynamic: observable behavior </a:t>
+              <a:t>observable behavior is not changed</a:t>
             </a:r>
           </a:p>
         </p:txBody>
@@ -11088,433 +11517,856 @@
       </p:sp>
       <p:grpSp>
         <p:nvGrpSpPr>
-          <p:cNvPr id="8" name="Group 7"/>
+          <p:cNvPr id="6" name="Group 5"/>
           <p:cNvGrpSpPr/>
           <p:nvPr/>
         </p:nvGrpSpPr>
         <p:grpSpPr>
           <a:xfrm>
-            <a:off x="495261" y="3843122"/>
-            <a:ext cx="8020089" cy="2397190"/>
-            <a:chOff x="495261" y="4129989"/>
-            <a:chExt cx="8020089" cy="2397190"/>
+            <a:off x="495261" y="3943977"/>
+            <a:ext cx="8020089" cy="1843809"/>
+            <a:chOff x="495261" y="3842377"/>
+            <a:chExt cx="8020089" cy="1843809"/>
           </a:xfrm>
         </p:grpSpPr>
-        <mc:AlternateContent xmlns:mc="http://schemas.openxmlformats.org/markup-compatibility/2006">
-          <mc:Choice xmlns:a14="http://schemas.microsoft.com/office/drawing/2010/main" Requires="a14">
-            <p:sp>
-              <p:nvSpPr>
-                <p:cNvPr id="9" name="TextBox 8"/>
-                <p:cNvSpPr txBox="1"/>
-                <p:nvPr/>
-              </p:nvSpPr>
-              <p:spPr>
-                <a:xfrm>
-                  <a:off x="628649" y="4218727"/>
-                  <a:ext cx="7886701" cy="2308452"/>
-                </a:xfrm>
-                <a:prstGeom prst="rect">
-                  <a:avLst/>
-                </a:prstGeom>
-                <a:solidFill>
-                  <a:schemeClr val="bg1">
-                    <a:lumMod val="95000"/>
-                  </a:schemeClr>
-                </a:solidFill>
-                <a:ln w="152400">
+        <p:grpSp>
+          <p:nvGrpSpPr>
+            <p:cNvPr id="8" name="Group 7"/>
+            <p:cNvGrpSpPr/>
+            <p:nvPr/>
+          </p:nvGrpSpPr>
+          <p:grpSpPr>
+            <a:xfrm>
+              <a:off x="495261" y="3843122"/>
+              <a:ext cx="8020089" cy="1843064"/>
+              <a:chOff x="495261" y="4129989"/>
+              <a:chExt cx="8020089" cy="1843064"/>
+            </a:xfrm>
+          </p:grpSpPr>
+          <mc:AlternateContent xmlns:mc="http://schemas.openxmlformats.org/markup-compatibility/2006">
+            <mc:Choice xmlns:a14="http://schemas.microsoft.com/office/drawing/2010/main" Requires="a14">
+              <p:sp>
+                <p:nvSpPr>
+                  <p:cNvPr id="9" name="TextBox 8"/>
+                  <p:cNvSpPr txBox="1"/>
+                  <p:nvPr/>
+                </p:nvSpPr>
+                <p:spPr>
+                  <a:xfrm>
+                    <a:off x="628649" y="4218727"/>
+                    <a:ext cx="7886701" cy="1754326"/>
+                  </a:xfrm>
+                  <a:prstGeom prst="rect">
+                    <a:avLst/>
+                  </a:prstGeom>
                   <a:solidFill>
                     <a:schemeClr val="bg1">
                       <a:lumMod val="95000"/>
                     </a:schemeClr>
                   </a:solidFill>
-                </a:ln>
-              </p:spPr>
-              <p:txBody>
-                <a:bodyPr wrap="square" rtlCol="0">
-                  <a:spAutoFit/>
-                </a:bodyPr>
-                <a:lstStyle/>
-                <a:p>
-                  <a:pPr>
-                    <a:lnSpc>
-                      <a:spcPct val="150000"/>
-                    </a:lnSpc>
-                  </a:pPr>
-                  <a:r>
-                    <a:rPr lang="de-DE" sz="2400" cap="small" dirty="0"/>
-                    <a:t>Formula </a:t>
-                  </a:r>
-                  <a14:m>
-                    <m:oMath xmlns:m="http://schemas.openxmlformats.org/officeDocument/2006/math">
-                      <m:r>
-                        <a:rPr lang="de-DE" sz="2400" i="1" cap="small" smtClean="0">
-                          <a:latin typeface="Latin Modern Math" panose="02000503000000000000" pitchFamily="50" charset="0"/>
-                          <a:ea typeface="Latin Modern Math" panose="02000503000000000000" pitchFamily="50" charset="0"/>
-                        </a:rPr>
-                        <m:t>⊇</m:t>
-                      </m:r>
-                    </m:oMath>
-                  </a14:m>
-                  <a:r>
-                    <a:rPr lang="de-DE" sz="2400" cap="small" dirty="0"/>
-                    <a:t>	Formula</a:t>
-                  </a:r>
-                </a:p>
-                <a:p>
-                  <a:pPr>
-                    <a:lnSpc>
-                      <a:spcPct val="150000"/>
-                    </a:lnSpc>
-                  </a:pPr>
-                  <a14:m>
-                    <m:oMath xmlns:m="http://schemas.openxmlformats.org/officeDocument/2006/math">
-                      <m:r>
-                        <a:rPr lang="en-US" sz="2400" b="0" i="1" cap="small" smtClean="0">
-                          <a:latin typeface="Latin Modern Math" panose="02000503000000000000" pitchFamily="50" charset="0"/>
-                          <a:ea typeface="Latin Modern Math" panose="02000503000000000000" pitchFamily="50" charset="0"/>
-                        </a:rPr>
-                        <m:t>𝛾</m:t>
-                      </m:r>
-                      <m:r>
-                        <a:rPr lang="en-US" sz="2400" b="0" i="1" cap="small" smtClean="0">
-                          <a:latin typeface="Latin Modern Math" panose="02000503000000000000" pitchFamily="50" charset="0"/>
-                          <a:ea typeface="Latin Modern Math" panose="02000503000000000000" pitchFamily="50" charset="0"/>
-                        </a:rPr>
-                        <m:t> : </m:t>
-                      </m:r>
-                    </m:oMath>
-                  </a14:m>
-                  <a:r>
-                    <a:rPr lang="de-DE" sz="2400" cap="small" dirty="0"/>
-                    <a:t>Formula </a:t>
-                  </a:r>
-                  <a14:m>
-                    <m:oMath xmlns:m="http://schemas.openxmlformats.org/officeDocument/2006/math">
-                      <m:r>
-                        <a:rPr lang="en-US" sz="2400" b="0" i="1" cap="small" smtClean="0">
-                          <a:latin typeface="Latin Modern Math" panose="02000503000000000000" pitchFamily="50" charset="0"/>
-                          <a:ea typeface="Latin Modern Math" panose="02000503000000000000" pitchFamily="50" charset="0"/>
-                        </a:rPr>
-                        <m:t>→</m:t>
-                      </m:r>
-                      <m:r>
-                        <a:rPr lang="en-US" sz="2400" b="0" i="1" cap="small" smtClean="0">
-                          <a:latin typeface="Latin Modern Math" panose="02000503000000000000" pitchFamily="50" charset="0"/>
-                          <a:ea typeface="Latin Modern Math" panose="02000503000000000000" pitchFamily="50" charset="0"/>
-                        </a:rPr>
-                        <m:t>𝒫</m:t>
-                      </m:r>
-                    </m:oMath>
-                  </a14:m>
-                  <a:r>
-                    <a:rPr lang="de-DE" sz="2400" cap="small" dirty="0">
-                      <a:latin typeface="Latin Modern Math" panose="02000503000000000000" pitchFamily="50" charset="0"/>
-                      <a:ea typeface="Latin Modern Math" panose="02000503000000000000" pitchFamily="50" charset="0"/>
-                    </a:rPr>
-                    <a:t> </a:t>
-                  </a:r>
-                  <a:endParaRPr lang="de-DE" sz="2400" cap="small" baseline="30000" dirty="0">
-                    <a:latin typeface="Latin Modern Math" panose="02000503000000000000" pitchFamily="50" charset="0"/>
-                    <a:ea typeface="Latin Modern Math" panose="02000503000000000000" pitchFamily="50" charset="0"/>
-                  </a:endParaRPr>
-                </a:p>
-                <a:p>
-                  <a:pPr>
-                    <a:lnSpc>
-                      <a:spcPct val="150000"/>
-                    </a:lnSpc>
-                  </a:pPr>
-                  <a14:m>
-                    <m:oMath xmlns:m="http://schemas.openxmlformats.org/officeDocument/2006/math">
-                      <m:r>
-                        <a:rPr lang="en-US" sz="2400" i="1" cap="small">
-                          <a:latin typeface="Latin Modern Math" panose="02000503000000000000" pitchFamily="50" charset="0"/>
-                          <a:ea typeface="Latin Modern Math" panose="02000503000000000000" pitchFamily="50" charset="0"/>
-                        </a:rPr>
-                        <m:t>𝛾</m:t>
-                      </m:r>
-                      <m:d>
-                        <m:dPr>
-                          <m:ctrlPr>
-                            <a:rPr lang="en-US" sz="2400" i="1" cap="small">
-                              <a:latin typeface="Latin Modern Math" panose="02000503000000000000" pitchFamily="50" charset="0"/>
-                              <a:ea typeface="Latin Modern Math" panose="02000503000000000000" pitchFamily="50" charset="0"/>
-                            </a:rPr>
-                          </m:ctrlPr>
-                        </m:dPr>
-                        <m:e>
-                          <m:r>
-                            <a:rPr lang="en-US" sz="2400" i="1" cap="small">
-                              <a:latin typeface="Latin Modern Math" panose="02000503000000000000" pitchFamily="50" charset="0"/>
-                              <a:ea typeface="Latin Modern Math" panose="02000503000000000000" pitchFamily="50" charset="0"/>
-                            </a:rPr>
-                            <m:t>𝜙</m:t>
-                          </m:r>
-                        </m:e>
-                      </m:d>
-                      <m:r>
-                        <a:rPr lang="en-US" sz="2400" i="1" cap="small">
-                          <a:latin typeface="Latin Modern Math" panose="02000503000000000000" pitchFamily="50" charset="0"/>
-                          <a:ea typeface="Latin Modern Math" panose="02000503000000000000" pitchFamily="50" charset="0"/>
-                        </a:rPr>
-                        <m:t>={</m:t>
-                      </m:r>
-                      <m:r>
-                        <a:rPr lang="en-US" sz="2400" i="1" cap="small">
-                          <a:latin typeface="Latin Modern Math" panose="02000503000000000000" pitchFamily="50" charset="0"/>
-                          <a:ea typeface="Latin Modern Math" panose="02000503000000000000" pitchFamily="50" charset="0"/>
-                        </a:rPr>
-                        <m:t>𝜙</m:t>
-                      </m:r>
-                      <m:r>
-                        <a:rPr lang="en-US" sz="2400" i="1" cap="small">
-                          <a:latin typeface="Latin Modern Math" panose="02000503000000000000" pitchFamily="50" charset="0"/>
-                          <a:ea typeface="Latin Modern Math" panose="02000503000000000000" pitchFamily="50" charset="0"/>
-                        </a:rPr>
-                        <m:t>}</m:t>
-                      </m:r>
-                    </m:oMath>
-                  </a14:m>
-                  <a:r>
-                    <a:rPr lang="de-DE" sz="2400" i="1" cap="small" dirty="0">
-                      <a:latin typeface="Latin Modern Math" panose="02000503000000000000" pitchFamily="50" charset="0"/>
-                      <a:ea typeface="Latin Modern Math" panose="02000503000000000000" pitchFamily="50" charset="0"/>
-                    </a:rPr>
-                    <a:t> </a:t>
-                  </a:r>
-                </a:p>
-                <a:p>
-                  <a:pPr>
-                    <a:lnSpc>
-                      <a:spcPct val="150000"/>
-                    </a:lnSpc>
-                  </a:pPr>
-                  <a14:m>
-                    <m:oMath xmlns:m="http://schemas.openxmlformats.org/officeDocument/2006/math">
-                      <m:r>
-                        <a:rPr lang="en-US" sz="2400" i="1" cap="small">
-                          <a:latin typeface="Latin Modern Math" panose="02000503000000000000" pitchFamily="50" charset="0"/>
-                          <a:ea typeface="Latin Modern Math" panose="02000503000000000000" pitchFamily="50" charset="0"/>
-                        </a:rPr>
-                        <m:t>𝛾</m:t>
-                      </m:r>
-                      <m:d>
-                        <m:dPr>
-                          <m:ctrlPr>
-                            <a:rPr lang="en-US" sz="2400" i="1" cap="small">
-                              <a:latin typeface="Latin Modern Math" panose="02000503000000000000" pitchFamily="50" charset="0"/>
-                              <a:ea typeface="Latin Modern Math" panose="02000503000000000000" pitchFamily="50" charset="0"/>
-                            </a:rPr>
-                          </m:ctrlPr>
-                        </m:dPr>
-                        <m:e>
-                          <m:r>
-                            <m:rPr>
-                              <m:nor/>
-                            </m:rPr>
-                            <a:rPr lang="en-US" sz="2400" dirty="0">
-                              <a:latin typeface="Consolas" panose="020B0609020204030204" pitchFamily="49" charset="0"/>
-                            </a:rPr>
-                            <m:t>?</m:t>
-                          </m:r>
-                        </m:e>
-                      </m:d>
-                      <m:r>
-                        <a:rPr lang="en-US" sz="2400" i="1" cap="small">
-                          <a:latin typeface="Latin Modern Math" panose="02000503000000000000" pitchFamily="50" charset="0"/>
-                          <a:ea typeface="Latin Modern Math" panose="02000503000000000000" pitchFamily="50" charset="0"/>
-                        </a:rPr>
-                        <m:t>=</m:t>
-                      </m:r>
-                    </m:oMath>
-                  </a14:m>
-                  <a:r>
-                    <a:rPr lang="de-DE" sz="2400" i="1" cap="small" dirty="0">
-                      <a:latin typeface="Latin Modern Math" panose="02000503000000000000" pitchFamily="50" charset="0"/>
-                      <a:ea typeface="Latin Modern Math" panose="02000503000000000000" pitchFamily="50" charset="0"/>
-                    </a:rPr>
-                    <a:t> </a:t>
-                  </a:r>
-                  <a:r>
-                    <a:rPr lang="de-DE" sz="2400" cap="small" dirty="0"/>
-                    <a:t>FormulaSat </a:t>
-                  </a:r>
-                  <a14:m>
-                    <m:oMath xmlns:m="http://schemas.openxmlformats.org/officeDocument/2006/math">
-                      <m:r>
-                        <a:rPr lang="en-US" sz="2400" b="0" i="1" cap="small" smtClean="0">
-                          <a:latin typeface="Latin Modern Math" panose="02000503000000000000" pitchFamily="50" charset="0"/>
-                          <a:ea typeface="Latin Modern Math" panose="02000503000000000000" pitchFamily="50" charset="0"/>
-                        </a:rPr>
-                        <m:t>=</m:t>
-                      </m:r>
-                      <m:d>
-                        <m:dPr>
-                          <m:begChr m:val="{"/>
-                          <m:endChr m:val="}"/>
-                          <m:ctrlPr>
-                            <a:rPr lang="en-US" sz="2400" b="0" i="1" cap="small" smtClean="0">
-                              <a:latin typeface="Latin Modern Math" panose="02000503000000000000" pitchFamily="50" charset="0"/>
-                              <a:ea typeface="Latin Modern Math" panose="02000503000000000000" pitchFamily="50" charset="0"/>
-                            </a:rPr>
-                          </m:ctrlPr>
-                        </m:dPr>
-                        <m:e>
-                          <m:r>
-                            <a:rPr lang="en-US" sz="2400" b="0" i="1" cap="small" smtClean="0">
-                              <a:latin typeface="Latin Modern Math" panose="02000503000000000000" pitchFamily="50" charset="0"/>
-                              <a:ea typeface="Latin Modern Math" panose="02000503000000000000" pitchFamily="50" charset="0"/>
-                            </a:rPr>
-                            <m:t> </m:t>
-                          </m:r>
-                          <m:r>
-                            <a:rPr lang="en-US" sz="2400" i="1" cap="small">
-                              <a:latin typeface="Latin Modern Math" panose="02000503000000000000" pitchFamily="50" charset="0"/>
-                              <a:ea typeface="Latin Modern Math" panose="02000503000000000000" pitchFamily="50" charset="0"/>
-                            </a:rPr>
-                            <m:t>𝜙</m:t>
-                          </m:r>
-                          <m:r>
-                            <a:rPr lang="en-US" sz="2400" b="0" i="1" cap="small" smtClean="0">
-                              <a:latin typeface="Latin Modern Math" panose="02000503000000000000" pitchFamily="50" charset="0"/>
-                              <a:ea typeface="Latin Modern Math" panose="02000503000000000000" pitchFamily="50" charset="0"/>
-                            </a:rPr>
-                            <m:t> </m:t>
-                          </m:r>
-                        </m:e>
-                        <m:e>
-                          <m:r>
-                            <a:rPr lang="en-US" sz="2400" b="0" i="1" cap="small" smtClean="0">
-                              <a:latin typeface="Latin Modern Math" panose="02000503000000000000" pitchFamily="50" charset="0"/>
-                              <a:ea typeface="Latin Modern Math" panose="02000503000000000000" pitchFamily="50" charset="0"/>
-                            </a:rPr>
-                            <m:t> </m:t>
-                          </m:r>
-                          <m:r>
-                            <a:rPr lang="en-US" sz="2400" b="0" i="1" cap="small" dirty="0" smtClean="0">
-                              <a:latin typeface="Latin Modern Math" panose="02000503000000000000" pitchFamily="50" charset="0"/>
-                              <a:ea typeface="Latin Modern Math" panose="02000503000000000000" pitchFamily="50" charset="0"/>
-                            </a:rPr>
-                            <m:t>∃</m:t>
-                          </m:r>
-                          <m:r>
-                            <a:rPr lang="en-US" sz="2400" b="0" i="1" cap="small" dirty="0" smtClean="0">
-                              <a:latin typeface="Latin Modern Math" panose="02000503000000000000" pitchFamily="50" charset="0"/>
-                              <a:ea typeface="Latin Modern Math" panose="02000503000000000000" pitchFamily="50" charset="0"/>
-                            </a:rPr>
-                            <m:t>𝜋</m:t>
-                          </m:r>
-                          <m:r>
-                            <a:rPr lang="en-US" sz="2400" b="0" i="1" cap="small" dirty="0" smtClean="0">
-                              <a:latin typeface="Latin Modern Math" panose="02000503000000000000" pitchFamily="50" charset="0"/>
-                              <a:ea typeface="Latin Modern Math" panose="02000503000000000000" pitchFamily="50" charset="0"/>
-                            </a:rPr>
-                            <m:t>.  </m:t>
-                          </m:r>
-                          <m:r>
-                            <a:rPr lang="en-US" sz="2400" i="1" cap="small" dirty="0">
-                              <a:latin typeface="Latin Modern Math" panose="02000503000000000000" pitchFamily="50" charset="0"/>
-                              <a:ea typeface="Latin Modern Math" panose="02000503000000000000" pitchFamily="50" charset="0"/>
-                            </a:rPr>
-                            <m:t>𝜋</m:t>
-                          </m:r>
-                          <m:r>
-                            <a:rPr lang="en-US" sz="2400" i="1">
-                              <a:latin typeface="Latin Modern Math" panose="02000503000000000000" pitchFamily="50" charset="0"/>
-                              <a:ea typeface="Latin Modern Math" panose="02000503000000000000" pitchFamily="50" charset="0"/>
-                            </a:rPr>
-                            <m:t>⊨</m:t>
-                          </m:r>
-                          <m:r>
-                            <a:rPr lang="en-US" sz="2400" b="0" i="1" smtClean="0">
-                              <a:latin typeface="Latin Modern Math" panose="02000503000000000000" pitchFamily="50" charset="0"/>
-                              <a:ea typeface="Latin Modern Math" panose="02000503000000000000" pitchFamily="50" charset="0"/>
-                            </a:rPr>
-                            <m:t>𝜙</m:t>
-                          </m:r>
-                          <m:r>
-                            <a:rPr lang="en-US" sz="2400" b="0" i="1" smtClean="0">
-                              <a:latin typeface="Latin Modern Math" panose="02000503000000000000" pitchFamily="50" charset="0"/>
-                              <a:ea typeface="Latin Modern Math" panose="02000503000000000000" pitchFamily="50" charset="0"/>
-                            </a:rPr>
-                            <m:t> </m:t>
-                          </m:r>
-                        </m:e>
-                      </m:d>
-                      <m:r>
-                        <a:rPr lang="en-US" sz="2400" b="0" i="1" smtClean="0">
-                          <a:latin typeface="Cambria Math" panose="02040503050406030204" pitchFamily="18" charset="0"/>
-                          <a:ea typeface="Latin Modern Math" panose="02000503000000000000" pitchFamily="50" charset="0"/>
-                        </a:rPr>
-                        <m:t> </m:t>
-                      </m:r>
-                    </m:oMath>
-                  </a14:m>
-                  <a:endParaRPr lang="de-DE" sz="2400" i="1" cap="small" dirty="0">
-                    <a:latin typeface="Latin Modern Math" panose="02000503000000000000" pitchFamily="50" charset="0"/>
-                    <a:ea typeface="Latin Modern Math" panose="02000503000000000000" pitchFamily="50" charset="0"/>
-                  </a:endParaRPr>
-                </a:p>
-              </p:txBody>
-            </p:sp>
-          </mc:Choice>
-          <mc:Fallback>
-            <p:sp>
-              <p:nvSpPr>
-                <p:cNvPr id="9" name="TextBox 8"/>
-                <p:cNvSpPr txBox="1">
-                  <a:spLocks noRot="1" noChangeAspect="1" noMove="1" noResize="1" noEditPoints="1" noAdjustHandles="1" noChangeArrowheads="1" noChangeShapeType="1" noTextEdit="1"/>
-                </p:cNvSpPr>
-                <p:nvPr/>
-              </p:nvSpPr>
-              <p:spPr>
-                <a:xfrm>
-                  <a:off x="628649" y="4218727"/>
-                  <a:ext cx="7886701" cy="2308452"/>
-                </a:xfrm>
-                <a:prstGeom prst="rect">
-                  <a:avLst/>
-                </a:prstGeom>
-                <a:blipFill>
-                  <a:blip r:embed="rId3"/>
-                  <a:stretch>
-                    <a:fillRect l="-227"/>
-                  </a:stretch>
-                </a:blipFill>
-                <a:ln w="152400">
-                  <a:solidFill>
-                    <a:schemeClr val="bg1">
-                      <a:lumMod val="95000"/>
+                  <a:ln w="152400">
+                    <a:solidFill>
+                      <a:schemeClr val="bg1">
+                        <a:lumMod val="95000"/>
+                      </a:schemeClr>
+                    </a:solidFill>
+                  </a:ln>
+                </p:spPr>
+                <p:txBody>
+                  <a:bodyPr wrap="square" rtlCol="0">
+                    <a:spAutoFit/>
+                  </a:bodyPr>
+                  <a:lstStyle/>
+                  <a:p>
+                    <a:pPr>
+                      <a:lnSpc>
+                        <a:spcPct val="150000"/>
+                      </a:lnSpc>
+                    </a:pPr>
+                    <a:r>
+                      <a:rPr lang="de-DE" sz="2000" cap="small" dirty="0">
+                        <a:latin typeface="Latin Modern Math" panose="02000503000000000000" pitchFamily="50" charset="0"/>
+                        <a:ea typeface="Latin Modern Math" panose="02000503000000000000" pitchFamily="50" charset="0"/>
+                      </a:rPr>
+                      <a:t>Formula</a:t>
+                    </a:r>
+                    <a14:m>
+                      <m:oMath xmlns:m="http://schemas.openxmlformats.org/officeDocument/2006/math">
+                        <m:r>
+                          <a:rPr lang="en-US" sz="2400" b="0" i="0" cap="small" smtClean="0">
+                            <a:latin typeface="Cambria Math" panose="02040503050406030204" pitchFamily="18" charset="0"/>
+                            <a:ea typeface="Latin Modern Math" panose="02000503000000000000" pitchFamily="50" charset="0"/>
+                          </a:rPr>
+                          <m:t>  </m:t>
+                        </m:r>
+                        <m:r>
+                          <a:rPr lang="de-DE" sz="2400" i="1" cap="small" smtClean="0">
+                            <a:latin typeface="Latin Modern Math" panose="02000503000000000000" pitchFamily="50" charset="0"/>
+                            <a:ea typeface="Latin Modern Math" panose="02000503000000000000" pitchFamily="50" charset="0"/>
+                          </a:rPr>
+                          <m:t>⊇</m:t>
+                        </m:r>
+                        <m:r>
+                          <a:rPr lang="en-US" sz="2400" b="0" i="0" cap="small" smtClean="0">
+                            <a:latin typeface="Cambria Math" panose="02040503050406030204" pitchFamily="18" charset="0"/>
+                            <a:ea typeface="Latin Modern Math" panose="02000503000000000000" pitchFamily="50" charset="0"/>
+                          </a:rPr>
+                          <m:t>  </m:t>
+                        </m:r>
+                      </m:oMath>
+                    </a14:m>
+                    <a:r>
+                      <a:rPr lang="de-DE" sz="2000" cap="small" dirty="0">
+                        <a:latin typeface="Latin Modern Math" panose="02000503000000000000" pitchFamily="50" charset="0"/>
+                        <a:ea typeface="Latin Modern Math" panose="02000503000000000000" pitchFamily="50" charset="0"/>
+                      </a:rPr>
+                      <a:t>Formula</a:t>
+                    </a:r>
+                    <a:r>
+                      <a:rPr lang="de-DE" sz="2400" cap="small" dirty="0"/>
+                      <a:t>      </a:t>
+                    </a:r>
+                    <a:r>
+                      <a:rPr lang="de-DE" sz="2000" cap="small" dirty="0">
+                        <a:latin typeface="Latin Modern Math" panose="02000503000000000000" pitchFamily="50" charset="0"/>
+                        <a:ea typeface="Latin Modern Math" panose="02000503000000000000" pitchFamily="50" charset="0"/>
+                      </a:rPr>
+                      <a:t>Stmt</a:t>
+                    </a:r>
+                    <a14:m>
+                      <m:oMath xmlns:m="http://schemas.openxmlformats.org/officeDocument/2006/math">
+                        <m:r>
+                          <a:rPr lang="en-US" sz="2400" cap="small">
+                            <a:latin typeface="Cambria Math" panose="02040503050406030204" pitchFamily="18" charset="0"/>
+                            <a:ea typeface="Latin Modern Math" panose="02000503000000000000" pitchFamily="50" charset="0"/>
+                          </a:rPr>
+                          <m:t>  </m:t>
+                        </m:r>
+                        <m:r>
+                          <a:rPr lang="de-DE" sz="2400" i="1" cap="small">
+                            <a:latin typeface="Latin Modern Math" panose="02000503000000000000" pitchFamily="50" charset="0"/>
+                            <a:ea typeface="Latin Modern Math" panose="02000503000000000000" pitchFamily="50" charset="0"/>
+                          </a:rPr>
+                          <m:t>⊇</m:t>
+                        </m:r>
+                        <m:r>
+                          <a:rPr lang="en-US" sz="2400" cap="small">
+                            <a:latin typeface="Cambria Math" panose="02040503050406030204" pitchFamily="18" charset="0"/>
+                            <a:ea typeface="Latin Modern Math" panose="02000503000000000000" pitchFamily="50" charset="0"/>
+                          </a:rPr>
+                          <m:t>  </m:t>
+                        </m:r>
+                      </m:oMath>
+                    </a14:m>
+                    <a:r>
+                      <a:rPr lang="de-DE" sz="2000" cap="small" dirty="0">
+                        <a:latin typeface="Latin Modern Math" panose="02000503000000000000" pitchFamily="50" charset="0"/>
+                        <a:ea typeface="Latin Modern Math" panose="02000503000000000000" pitchFamily="50" charset="0"/>
+                      </a:rPr>
+                      <a:t>Stmt</a:t>
+                    </a:r>
+                    <a:r>
+                      <a:rPr lang="de-DE" sz="2400" cap="small" dirty="0"/>
+                      <a:t>   … </a:t>
+                    </a:r>
+                  </a:p>
+                  <a:p>
+                    <a:pPr>
+                      <a:lnSpc>
+                        <a:spcPct val="150000"/>
+                      </a:lnSpc>
+                    </a:pPr>
+                    <a14:m>
+                      <m:oMath xmlns:m="http://schemas.openxmlformats.org/officeDocument/2006/math">
+                        <m:r>
+                          <a:rPr lang="en-US" sz="2400" b="0" i="1" cap="small" smtClean="0">
+                            <a:latin typeface="Latin Modern Math" panose="02000503000000000000" pitchFamily="50" charset="0"/>
+                            <a:ea typeface="Latin Modern Math" panose="02000503000000000000" pitchFamily="50" charset="0"/>
+                          </a:rPr>
+                          <m:t>⊢</m:t>
+                        </m:r>
+                        <m:d>
+                          <m:dPr>
+                            <m:begChr m:val="{"/>
+                            <m:endChr m:val="}"/>
+                            <m:ctrlPr>
+                              <a:rPr lang="en-US" sz="2400" b="0" i="1" cap="small" smtClean="0">
+                                <a:latin typeface="Latin Modern Math" panose="02000503000000000000" pitchFamily="50" charset="0"/>
+                                <a:ea typeface="Latin Modern Math" panose="02000503000000000000" pitchFamily="50" charset="0"/>
+                              </a:rPr>
+                            </m:ctrlPr>
+                          </m:dPr>
+                          <m:e>
+                            <m:r>
+                              <a:rPr lang="en-US" sz="2400" i="1" cap="small">
+                                <a:latin typeface="Latin Modern Math" panose="02000503000000000000" pitchFamily="50" charset="0"/>
+                                <a:ea typeface="Latin Modern Math" panose="02000503000000000000" pitchFamily="50" charset="0"/>
+                              </a:rPr>
+                              <m:t>𝜙</m:t>
+                            </m:r>
+                          </m:e>
+                        </m:d>
+                        <m:r>
+                          <a:rPr lang="en-US" sz="2400" b="0" i="1" cap="small" smtClean="0">
+                            <a:latin typeface="Latin Modern Math" panose="02000503000000000000" pitchFamily="50" charset="0"/>
+                            <a:ea typeface="Latin Modern Math" panose="02000503000000000000" pitchFamily="50" charset="0"/>
+                          </a:rPr>
+                          <m:t> </m:t>
+                        </m:r>
+                        <m:r>
+                          <a:rPr lang="en-US" sz="2400" b="0" i="1" cap="small" smtClean="0">
+                            <a:latin typeface="Latin Modern Math" panose="02000503000000000000" pitchFamily="50" charset="0"/>
+                            <a:ea typeface="Latin Modern Math" panose="02000503000000000000" pitchFamily="50" charset="0"/>
+                          </a:rPr>
+                          <m:t>𝑠</m:t>
+                        </m:r>
+                        <m:r>
+                          <a:rPr lang="en-US" sz="2400" b="0" i="1" cap="small" smtClean="0">
+                            <a:latin typeface="Latin Modern Math" panose="02000503000000000000" pitchFamily="50" charset="0"/>
+                            <a:ea typeface="Latin Modern Math" panose="02000503000000000000" pitchFamily="50" charset="0"/>
+                          </a:rPr>
+                          <m:t> </m:t>
+                        </m:r>
+                        <m:d>
+                          <m:dPr>
+                            <m:begChr m:val="{"/>
+                            <m:endChr m:val="}"/>
+                            <m:ctrlPr>
+                              <a:rPr lang="en-US" sz="2400" b="0" i="1" cap="small" smtClean="0">
+                                <a:latin typeface="Latin Modern Math" panose="02000503000000000000" pitchFamily="50" charset="0"/>
+                                <a:ea typeface="Latin Modern Math" panose="02000503000000000000" pitchFamily="50" charset="0"/>
+                              </a:rPr>
+                            </m:ctrlPr>
+                          </m:dPr>
+                          <m:e>
+                            <m:r>
+                              <a:rPr lang="en-US" sz="2400" i="1" cap="small">
+                                <a:latin typeface="Latin Modern Math" panose="02000503000000000000" pitchFamily="50" charset="0"/>
+                                <a:ea typeface="Latin Modern Math" panose="02000503000000000000" pitchFamily="50" charset="0"/>
+                              </a:rPr>
+                              <m:t>𝜙</m:t>
+                            </m:r>
+                            <m:r>
+                              <a:rPr lang="en-US" sz="2400" b="0" i="1" cap="small" smtClean="0">
+                                <a:latin typeface="Cambria Math" panose="02040503050406030204" pitchFamily="18" charset="0"/>
+                                <a:ea typeface="Latin Modern Math" panose="02000503000000000000" pitchFamily="50" charset="0"/>
+                              </a:rPr>
+                              <m:t>′</m:t>
+                            </m:r>
+                          </m:e>
+                        </m:d>
+                        <m:r>
+                          <a:rPr lang="en-US" sz="2400" b="0" i="1" cap="small" smtClean="0">
+                            <a:latin typeface="Latin Modern Math" panose="02000503000000000000" pitchFamily="50" charset="0"/>
+                            <a:ea typeface="Latin Modern Math" panose="02000503000000000000" pitchFamily="50" charset="0"/>
+                          </a:rPr>
+                          <m:t> ⟹</m:t>
+                        </m:r>
+                        <m:r>
+                          <a:rPr lang="en-US" sz="2400" b="0" i="1" cap="small" smtClean="0">
+                            <a:latin typeface="Cambria Math" panose="02040503050406030204" pitchFamily="18" charset="0"/>
+                            <a:ea typeface="Latin Modern Math" panose="02000503000000000000" pitchFamily="50" charset="0"/>
+                          </a:rPr>
+                          <m:t>   </m:t>
+                        </m:r>
+                        <m:r>
+                          <a:rPr lang="en-US" sz="2400" i="1" cap="small">
+                            <a:latin typeface="Latin Modern Math" panose="02000503000000000000" pitchFamily="50" charset="0"/>
+                            <a:ea typeface="Latin Modern Math" panose="02000503000000000000" pitchFamily="50" charset="0"/>
+                          </a:rPr>
+                          <m:t>⊢</m:t>
+                        </m:r>
+                        <m:d>
+                          <m:dPr>
+                            <m:begChr m:val="{"/>
+                            <m:endChr m:val="}"/>
+                            <m:ctrlPr>
+                              <a:rPr lang="en-US" sz="2400" i="1" cap="small">
+                                <a:latin typeface="Latin Modern Math" panose="02000503000000000000" pitchFamily="50" charset="0"/>
+                                <a:ea typeface="Latin Modern Math" panose="02000503000000000000" pitchFamily="50" charset="0"/>
+                              </a:rPr>
+                            </m:ctrlPr>
+                          </m:dPr>
+                          <m:e>
+                            <m:r>
+                              <a:rPr lang="en-US" sz="2400" i="1" cap="small" smtClean="0">
+                                <a:latin typeface="Latin Modern Math" panose="02000503000000000000" pitchFamily="50" charset="0"/>
+                                <a:ea typeface="Latin Modern Math" panose="02000503000000000000" pitchFamily="50" charset="0"/>
+                              </a:rPr>
+                              <m:t>𝜙</m:t>
+                            </m:r>
+                          </m:e>
+                        </m:d>
+                        <m:r>
+                          <a:rPr lang="en-US" sz="2400" i="1" cap="small">
+                            <a:latin typeface="Latin Modern Math" panose="02000503000000000000" pitchFamily="50" charset="0"/>
+                            <a:ea typeface="Latin Modern Math" panose="02000503000000000000" pitchFamily="50" charset="0"/>
+                          </a:rPr>
+                          <m:t> </m:t>
+                        </m:r>
+                        <m:r>
+                          <a:rPr lang="en-US" sz="2400" i="1" cap="small">
+                            <a:latin typeface="Latin Modern Math" panose="02000503000000000000" pitchFamily="50" charset="0"/>
+                            <a:ea typeface="Latin Modern Math" panose="02000503000000000000" pitchFamily="50" charset="0"/>
+                          </a:rPr>
+                          <m:t>𝑠</m:t>
+                        </m:r>
+                        <m:r>
+                          <a:rPr lang="en-US" sz="2400" i="1" cap="small">
+                            <a:latin typeface="Latin Modern Math" panose="02000503000000000000" pitchFamily="50" charset="0"/>
+                            <a:ea typeface="Latin Modern Math" panose="02000503000000000000" pitchFamily="50" charset="0"/>
+                          </a:rPr>
+                          <m:t> </m:t>
+                        </m:r>
+                        <m:d>
+                          <m:dPr>
+                            <m:begChr m:val="{"/>
+                            <m:endChr m:val="}"/>
+                            <m:ctrlPr>
+                              <a:rPr lang="en-US" sz="2400" i="1" cap="small">
+                                <a:latin typeface="Latin Modern Math" panose="02000503000000000000" pitchFamily="50" charset="0"/>
+                                <a:ea typeface="Latin Modern Math" panose="02000503000000000000" pitchFamily="50" charset="0"/>
+                              </a:rPr>
+                            </m:ctrlPr>
+                          </m:dPr>
+                          <m:e>
+                            <m:r>
+                              <a:rPr lang="en-US" sz="2400" i="1" cap="small">
+                                <a:latin typeface="Latin Modern Math" panose="02000503000000000000" pitchFamily="50" charset="0"/>
+                                <a:ea typeface="Latin Modern Math" panose="02000503000000000000" pitchFamily="50" charset="0"/>
+                              </a:rPr>
+                              <m:t>𝜙</m:t>
+                            </m:r>
+                            <m:r>
+                              <a:rPr lang="en-US" sz="2400" b="0" i="1" cap="small" smtClean="0">
+                                <a:latin typeface="Cambria Math" panose="02040503050406030204" pitchFamily="18" charset="0"/>
+                                <a:ea typeface="Latin Modern Math" panose="02000503000000000000" pitchFamily="50" charset="0"/>
+                              </a:rPr>
+                              <m:t>′</m:t>
+                            </m:r>
+                          </m:e>
+                        </m:d>
+                      </m:oMath>
+                    </a14:m>
+                    <a:r>
+                      <a:rPr lang="de-DE" sz="2400" i="1" cap="small" dirty="0">
+                        <a:latin typeface="Latin Modern Math" panose="02000503000000000000" pitchFamily="50" charset="0"/>
+                        <a:ea typeface="Latin Modern Math" panose="02000503000000000000" pitchFamily="50" charset="0"/>
+                      </a:rPr>
+                      <a:t> </a:t>
+                    </a:r>
+                  </a:p>
+                  <a:p>
+                    <a:pPr>
+                      <a:lnSpc>
+                        <a:spcPct val="150000"/>
+                      </a:lnSpc>
+                    </a:pPr>
+                    <a14:m>
+                      <m:oMath xmlns:m="http://schemas.openxmlformats.org/officeDocument/2006/math">
+                        <m:r>
+                          <a:rPr lang="en-US" sz="2400" b="0" i="1" smtClean="0">
+                            <a:latin typeface="Cambria Math" panose="02040503050406030204" pitchFamily="18" charset="0"/>
+                            <a:ea typeface="Latin Modern Math" panose="02000503000000000000" pitchFamily="50" charset="0"/>
+                          </a:rPr>
+                          <m:t> </m:t>
+                        </m:r>
+                        <m:r>
+                          <a:rPr lang="en-US" sz="2400" b="0" i="1" smtClean="0">
+                            <a:latin typeface="Latin Modern Math" panose="02000503000000000000" pitchFamily="50" charset="0"/>
+                            <a:ea typeface="Latin Modern Math" panose="02000503000000000000" pitchFamily="50" charset="0"/>
+                          </a:rPr>
+                          <m:t>𝜋</m:t>
+                        </m:r>
+                        <m:sSup>
+                          <m:sSupPr>
+                            <m:ctrlPr>
+                              <a:rPr lang="en-US" sz="2400" i="1">
+                                <a:latin typeface="Cambria Math" panose="02040503050406030204" pitchFamily="18" charset="0"/>
+                                <a:ea typeface="Latin Modern Math" panose="02000503000000000000" pitchFamily="50" charset="0"/>
+                              </a:rPr>
+                            </m:ctrlPr>
+                          </m:sSupPr>
+                          <m:e>
+                            <m:r>
+                              <m:rPr>
+                                <m:nor/>
+                              </m:rPr>
+                              <a:rPr lang="de-DE" sz="2400" dirty="0">
+                                <a:latin typeface="Latin Modern Math" panose="02000503000000000000" pitchFamily="50" charset="0"/>
+                                <a:ea typeface="Latin Modern Math" panose="02000503000000000000" pitchFamily="50" charset="0"/>
+                                <a:cs typeface="Lucida Sans Unicode" panose="020B0602030504020204" pitchFamily="34" charset="0"/>
+                              </a:rPr>
+                              <m:t>⟶</m:t>
+                            </m:r>
+                          </m:e>
+                          <m:sup>
+                            <m:r>
+                              <a:rPr lang="en-US" sz="2400" i="1">
+                                <a:latin typeface="Cambria Math" panose="02040503050406030204" pitchFamily="18" charset="0"/>
+                                <a:ea typeface="Latin Modern Math" panose="02000503000000000000" pitchFamily="50" charset="0"/>
+                              </a:rPr>
+                              <m:t>𝑠</m:t>
+                            </m:r>
+                          </m:sup>
+                        </m:sSup>
+                        <m:sSup>
+                          <m:sSupPr>
+                            <m:ctrlPr>
+                              <a:rPr lang="en-US" sz="2400" i="1">
+                                <a:latin typeface="Cambria Math" panose="02040503050406030204" pitchFamily="18" charset="0"/>
+                                <a:ea typeface="Latin Modern Math" panose="02000503000000000000" pitchFamily="50" charset="0"/>
+                              </a:rPr>
+                            </m:ctrlPr>
+                          </m:sSupPr>
+                          <m:e>
+                            <m:r>
+                              <a:rPr lang="en-US" sz="2400" i="1">
+                                <a:latin typeface="Latin Modern Math" panose="02000503000000000000" pitchFamily="50" charset="0"/>
+                                <a:ea typeface="Latin Modern Math" panose="02000503000000000000" pitchFamily="50" charset="0"/>
+                              </a:rPr>
+                              <m:t>𝜋</m:t>
+                            </m:r>
+                          </m:e>
+                          <m:sup>
+                            <m:r>
+                              <a:rPr lang="en-US" sz="2400" i="1">
+                                <a:latin typeface="Cambria Math" panose="02040503050406030204" pitchFamily="18" charset="0"/>
+                                <a:ea typeface="Latin Modern Math" panose="02000503000000000000" pitchFamily="50" charset="0"/>
+                              </a:rPr>
+                              <m:t>′</m:t>
+                            </m:r>
+                          </m:sup>
+                        </m:sSup>
+                        <m:r>
+                          <a:rPr lang="en-US" sz="2400" i="1" cap="small">
+                            <a:latin typeface="Latin Modern Math" panose="02000503000000000000" pitchFamily="50" charset="0"/>
+                            <a:ea typeface="Latin Modern Math" panose="02000503000000000000" pitchFamily="50" charset="0"/>
+                          </a:rPr>
+                          <m:t>⟹</m:t>
+                        </m:r>
+                        <m:r>
+                          <a:rPr lang="en-US" sz="2400" b="0" i="1" cap="small" smtClean="0">
+                            <a:latin typeface="Cambria Math" panose="02040503050406030204" pitchFamily="18" charset="0"/>
+                            <a:ea typeface="Latin Modern Math" panose="02000503000000000000" pitchFamily="50" charset="0"/>
+                          </a:rPr>
+                          <m:t> </m:t>
+                        </m:r>
+                        <m:r>
+                          <a:rPr lang="en-US" sz="2400" i="1">
+                            <a:latin typeface="Latin Modern Math" panose="02000503000000000000" pitchFamily="50" charset="0"/>
+                            <a:ea typeface="Latin Modern Math" panose="02000503000000000000" pitchFamily="50" charset="0"/>
+                          </a:rPr>
+                          <m:t>𝜋</m:t>
+                        </m:r>
+                        <m:r>
+                          <a:rPr lang="en-US" sz="2400" b="0" i="1" smtClean="0">
+                            <a:latin typeface="Cambria Math" panose="02040503050406030204" pitchFamily="18" charset="0"/>
+                            <a:ea typeface="Latin Modern Math" panose="02000503000000000000" pitchFamily="50" charset="0"/>
+                          </a:rPr>
+                          <m:t> </m:t>
+                        </m:r>
+                        <m:sSup>
+                          <m:sSupPr>
+                            <m:ctrlPr>
+                              <a:rPr lang="en-US" sz="2400" i="1">
+                                <a:latin typeface="Cambria Math" panose="02040503050406030204" pitchFamily="18" charset="0"/>
+                                <a:ea typeface="Latin Modern Math" panose="02000503000000000000" pitchFamily="50" charset="0"/>
+                              </a:rPr>
+                            </m:ctrlPr>
+                          </m:sSupPr>
+                          <m:e>
+                            <m:acc>
+                              <m:accPr>
+                                <m:chr m:val="̃"/>
+                                <m:ctrlPr>
+                                  <a:rPr lang="en-US" sz="2400" i="1" smtClean="0">
+                                    <a:latin typeface="Cambria Math" panose="02040503050406030204" pitchFamily="18" charset="0"/>
+                                    <a:ea typeface="Latin Modern Math" panose="02000503000000000000" pitchFamily="50" charset="0"/>
+                                  </a:rPr>
+                                </m:ctrlPr>
+                              </m:accPr>
+                              <m:e>
+                                <m:r>
+                                  <m:rPr>
+                                    <m:nor/>
+                                  </m:rPr>
+                                  <a:rPr lang="de-DE" sz="2400" dirty="0">
+                                    <a:latin typeface="Latin Modern Math" panose="02000503000000000000" pitchFamily="50" charset="0"/>
+                                    <a:ea typeface="Latin Modern Math" panose="02000503000000000000" pitchFamily="50" charset="0"/>
+                                    <a:cs typeface="Lucida Sans Unicode" panose="020B0602030504020204" pitchFamily="34" charset="0"/>
+                                  </a:rPr>
+                                  <m:t>⟶</m:t>
+                                </m:r>
+                              </m:e>
+                            </m:acc>
+                          </m:e>
+                          <m:sup>
+                            <m:r>
+                              <a:rPr lang="en-US" sz="2400" i="1">
+                                <a:latin typeface="Cambria Math" panose="02040503050406030204" pitchFamily="18" charset="0"/>
+                                <a:ea typeface="Latin Modern Math" panose="02000503000000000000" pitchFamily="50" charset="0"/>
+                              </a:rPr>
+                              <m:t>𝑠</m:t>
+                            </m:r>
+                          </m:sup>
+                        </m:sSup>
+                        <m:r>
+                          <a:rPr lang="en-US" sz="2400" b="0" i="1" smtClean="0">
+                            <a:latin typeface="Cambria Math" panose="02040503050406030204" pitchFamily="18" charset="0"/>
+                            <a:ea typeface="Latin Modern Math" panose="02000503000000000000" pitchFamily="50" charset="0"/>
+                          </a:rPr>
+                          <m:t> </m:t>
+                        </m:r>
+                        <m:r>
+                          <a:rPr lang="en-US" sz="2400" i="1">
+                            <a:latin typeface="Latin Modern Math" panose="02000503000000000000" pitchFamily="50" charset="0"/>
+                            <a:ea typeface="Latin Modern Math" panose="02000503000000000000" pitchFamily="50" charset="0"/>
+                          </a:rPr>
+                          <m:t>𝜋</m:t>
+                        </m:r>
+                        <m:r>
+                          <a:rPr lang="en-US" sz="2400" b="0" i="1" smtClean="0">
+                            <a:latin typeface="Cambria Math" panose="02040503050406030204" pitchFamily="18" charset="0"/>
+                            <a:ea typeface="Latin Modern Math" panose="02000503000000000000" pitchFamily="50" charset="0"/>
+                          </a:rPr>
+                          <m:t>′′</m:t>
+                        </m:r>
+                        <m:r>
+                          <a:rPr lang="en-US" sz="2400" b="0" i="1" smtClean="0">
+                            <a:latin typeface="Latin Modern Math" panose="02000503000000000000" pitchFamily="50" charset="0"/>
+                            <a:ea typeface="Latin Modern Math" panose="02000503000000000000" pitchFamily="50" charset="0"/>
+                          </a:rPr>
+                          <m:t>∧</m:t>
+                        </m:r>
+                        <m:r>
+                          <a:rPr lang="en-US" sz="2400" b="0" i="1" smtClean="0">
+                            <a:latin typeface="Cambria Math" panose="02040503050406030204" pitchFamily="18" charset="0"/>
+                            <a:ea typeface="Latin Modern Math" panose="02000503000000000000" pitchFamily="50" charset="0"/>
+                          </a:rPr>
+                          <m:t> </m:t>
+                        </m:r>
+                        <m:d>
+                          <m:dPr>
+                            <m:ctrlPr>
+                              <a:rPr lang="en-US" sz="2400" b="0" i="1" smtClean="0">
+                                <a:latin typeface="Cambria Math" panose="02040503050406030204" pitchFamily="18" charset="0"/>
+                                <a:ea typeface="Latin Modern Math" panose="02000503000000000000" pitchFamily="50" charset="0"/>
+                              </a:rPr>
+                            </m:ctrlPr>
+                          </m:dPr>
+                          <m:e>
+                            <m:r>
+                              <a:rPr lang="en-US" sz="2400" b="0" i="1" smtClean="0">
+                                <a:latin typeface="Latin Modern Math" panose="02000503000000000000" pitchFamily="50" charset="0"/>
+                                <a:ea typeface="Latin Modern Math" panose="02000503000000000000" pitchFamily="50" charset="0"/>
+                              </a:rPr>
+                              <m:t>∀</m:t>
+                            </m:r>
+                            <m:r>
+                              <a:rPr lang="en-US" sz="2400" b="0" i="1" smtClean="0">
+                                <a:latin typeface="Latin Modern Math" panose="02000503000000000000" pitchFamily="50" charset="0"/>
+                                <a:ea typeface="Latin Modern Math" panose="02000503000000000000" pitchFamily="50" charset="0"/>
+                              </a:rPr>
+                              <m:t>𝜙</m:t>
+                            </m:r>
+                            <m:r>
+                              <a:rPr lang="en-US" sz="2400" b="0" i="1" smtClean="0">
+                                <a:latin typeface="Latin Modern Math" panose="02000503000000000000" pitchFamily="50" charset="0"/>
+                                <a:ea typeface="Latin Modern Math" panose="02000503000000000000" pitchFamily="50" charset="0"/>
+                              </a:rPr>
+                              <m:t>.</m:t>
+                            </m:r>
+                            <m:sSup>
+                              <m:sSupPr>
+                                <m:ctrlPr>
+                                  <a:rPr lang="en-US" sz="2400" b="0" i="1" smtClean="0">
+                                    <a:latin typeface="Cambria Math" panose="02040503050406030204" pitchFamily="18" charset="0"/>
+                                    <a:ea typeface="Latin Modern Math" panose="02000503000000000000" pitchFamily="50" charset="0"/>
+                                  </a:rPr>
+                                </m:ctrlPr>
+                              </m:sSupPr>
+                              <m:e>
+                                <m:r>
+                                  <a:rPr lang="en-US" sz="2400" i="1">
+                                    <a:latin typeface="Latin Modern Math" panose="02000503000000000000" pitchFamily="50" charset="0"/>
+                                    <a:ea typeface="Latin Modern Math" panose="02000503000000000000" pitchFamily="50" charset="0"/>
+                                  </a:rPr>
+                                  <m:t>𝜋</m:t>
+                                </m:r>
+                              </m:e>
+                              <m:sup>
+                                <m:r>
+                                  <a:rPr lang="en-US" sz="2400" b="0" i="1" smtClean="0">
+                                    <a:latin typeface="Cambria Math" panose="02040503050406030204" pitchFamily="18" charset="0"/>
+                                    <a:ea typeface="Latin Modern Math" panose="02000503000000000000" pitchFamily="50" charset="0"/>
+                                  </a:rPr>
+                                  <m:t>′</m:t>
+                                </m:r>
+                              </m:sup>
+                            </m:sSup>
+                            <m:r>
+                              <a:rPr lang="en-US" sz="2400" i="1">
+                                <a:latin typeface="Latin Modern Math" panose="02000503000000000000" pitchFamily="50" charset="0"/>
+                                <a:ea typeface="Latin Modern Math" panose="02000503000000000000" pitchFamily="50" charset="0"/>
+                              </a:rPr>
+                              <m:t>⊨</m:t>
+                            </m:r>
+                            <m:r>
+                              <a:rPr lang="en-US" sz="2400" i="1">
+                                <a:latin typeface="Latin Modern Math" panose="02000503000000000000" pitchFamily="50" charset="0"/>
+                                <a:ea typeface="Latin Modern Math" panose="02000503000000000000" pitchFamily="50" charset="0"/>
+                              </a:rPr>
+                              <m:t>𝜙</m:t>
+                            </m:r>
+                            <m:r>
+                              <a:rPr lang="en-US" sz="2400" b="0" i="1" smtClean="0">
+                                <a:latin typeface="Cambria Math" panose="02040503050406030204" pitchFamily="18" charset="0"/>
+                                <a:ea typeface="Latin Modern Math" panose="02000503000000000000" pitchFamily="50" charset="0"/>
+                              </a:rPr>
+                              <m:t> </m:t>
+                            </m:r>
+                            <m:r>
+                              <a:rPr lang="en-US" sz="2400" b="0" i="1" smtClean="0">
+                                <a:latin typeface="Latin Modern Math" panose="02000503000000000000" pitchFamily="50" charset="0"/>
+                                <a:ea typeface="Latin Modern Math" panose="02000503000000000000" pitchFamily="50" charset="0"/>
+                              </a:rPr>
+                              <m:t>⟹</m:t>
+                            </m:r>
+                            <m:r>
+                              <a:rPr lang="en-US" sz="2400" b="0" i="1" smtClean="0">
+                                <a:latin typeface="Cambria Math" panose="02040503050406030204" pitchFamily="18" charset="0"/>
+                                <a:ea typeface="Latin Modern Math" panose="02000503000000000000" pitchFamily="50" charset="0"/>
+                              </a:rPr>
+                              <m:t> </m:t>
+                            </m:r>
+                            <m:r>
+                              <a:rPr lang="en-US" sz="2400" i="1">
+                                <a:latin typeface="Latin Modern Math" panose="02000503000000000000" pitchFamily="50" charset="0"/>
+                                <a:ea typeface="Latin Modern Math" panose="02000503000000000000" pitchFamily="50" charset="0"/>
+                              </a:rPr>
+                              <m:t>𝜋</m:t>
+                            </m:r>
+                            <m:r>
+                              <a:rPr lang="en-US" sz="2400" b="0" i="1" smtClean="0">
+                                <a:latin typeface="Cambria Math" panose="02040503050406030204" pitchFamily="18" charset="0"/>
+                                <a:ea typeface="Latin Modern Math" panose="02000503000000000000" pitchFamily="50" charset="0"/>
+                              </a:rPr>
+                              <m:t>′′</m:t>
+                            </m:r>
+                            <m:r>
+                              <a:rPr lang="en-US" sz="2400" i="1">
+                                <a:latin typeface="Latin Modern Math" panose="02000503000000000000" pitchFamily="50" charset="0"/>
+                                <a:ea typeface="Latin Modern Math" panose="02000503000000000000" pitchFamily="50" charset="0"/>
+                              </a:rPr>
+                              <m:t>⊨</m:t>
+                            </m:r>
+                            <m:r>
+                              <a:rPr lang="en-US" sz="2400" i="1">
+                                <a:latin typeface="Latin Modern Math" panose="02000503000000000000" pitchFamily="50" charset="0"/>
+                                <a:ea typeface="Latin Modern Math" panose="02000503000000000000" pitchFamily="50" charset="0"/>
+                              </a:rPr>
+                              <m:t>𝜙</m:t>
+                            </m:r>
+                          </m:e>
+                        </m:d>
+                      </m:oMath>
+                    </a14:m>
+                    <a:r>
+                      <a:rPr lang="de-DE" sz="2400" i="1" cap="small" dirty="0">
+                        <a:latin typeface="Latin Modern Math" panose="02000503000000000000" pitchFamily="50" charset="0"/>
+                        <a:ea typeface="Latin Modern Math" panose="02000503000000000000" pitchFamily="50" charset="0"/>
+                      </a:rPr>
+                      <a:t> </a:t>
+                    </a:r>
+                  </a:p>
+                </p:txBody>
+              </p:sp>
+            </mc:Choice>
+            <mc:Fallback>
+              <p:sp>
+                <p:nvSpPr>
+                  <p:cNvPr id="9" name="TextBox 8"/>
+                  <p:cNvSpPr txBox="1">
+                    <a:spLocks noRot="1" noChangeAspect="1" noMove="1" noResize="1" noEditPoints="1" noAdjustHandles="1" noChangeArrowheads="1" noChangeShapeType="1" noTextEdit="1"/>
+                  </p:cNvSpPr>
+                  <p:nvPr/>
+                </p:nvSpPr>
+                <p:spPr>
+                  <a:xfrm>
+                    <a:off x="628649" y="4218727"/>
+                    <a:ext cx="7886701" cy="1754326"/>
+                  </a:xfrm>
+                  <a:prstGeom prst="rect">
+                    <a:avLst/>
+                  </a:prstGeom>
+                  <a:blipFill>
+                    <a:blip r:embed="rId3"/>
+                    <a:stretch>
+                      <a:fillRect/>
+                    </a:stretch>
+                  </a:blipFill>
+                  <a:ln w="152400">
+                    <a:solidFill>
+                      <a:schemeClr val="bg1">
+                        <a:lumMod val="95000"/>
+                      </a:schemeClr>
+                    </a:solidFill>
+                  </a:ln>
+                </p:spPr>
+                <p:txBody>
+                  <a:bodyPr/>
+                  <a:lstStyle/>
+                  <a:p>
+                    <a:r>
+                      <a:rPr lang="de-DE">
+                        <a:noFill/>
+                      </a:rPr>
+                      <a:t> </a:t>
+                    </a:r>
+                  </a:p>
+                </p:txBody>
+              </p:sp>
+            </mc:Fallback>
+          </mc:AlternateContent>
+          <mc:AlternateContent xmlns:mc="http://schemas.openxmlformats.org/markup-compatibility/2006">
+            <mc:Choice xmlns:a14="http://schemas.microsoft.com/office/drawing/2010/main" Requires="a14">
+              <p:sp>
+                <p:nvSpPr>
+                  <p:cNvPr id="11" name="hide1a"/>
+                  <p:cNvSpPr/>
+                  <p:nvPr/>
+                </p:nvSpPr>
+                <p:spPr>
+                  <a:xfrm>
+                    <a:off x="495261" y="4129989"/>
+                    <a:ext cx="686681" cy="733133"/>
+                  </a:xfrm>
+                  <a:prstGeom prst="rect">
+                    <a:avLst/>
+                  </a:prstGeom>
+                  <a:noFill/>
+                  <a:ln w="152400">
+                    <a:noFill/>
+                  </a:ln>
+                </p:spPr>
+                <p:style>
+                  <a:lnRef idx="2">
+                    <a:schemeClr val="accent1">
+                      <a:shade val="50000"/>
                     </a:schemeClr>
-                  </a:solidFill>
-                </a:ln>
-              </p:spPr>
-              <p:txBody>
-                <a:bodyPr/>
-                <a:lstStyle/>
-                <a:p>
-                  <a:r>
-                    <a:rPr lang="de-DE">
-                      <a:noFill/>
-                    </a:rPr>
-                    <a:t> </a:t>
-                  </a:r>
-                </a:p>
-              </p:txBody>
-            </p:sp>
-          </mc:Fallback>
-        </mc:AlternateContent>
+                  </a:lnRef>
+                  <a:fillRef idx="1">
+                    <a:schemeClr val="accent1"/>
+                  </a:fillRef>
+                  <a:effectRef idx="0">
+                    <a:schemeClr val="accent1"/>
+                  </a:effectRef>
+                  <a:fontRef idx="minor">
+                    <a:schemeClr val="lt1"/>
+                  </a:fontRef>
+                </p:style>
+                <p:txBody>
+                  <a:bodyPr rtlCol="0" anchor="ctr"/>
+                  <a:lstStyle/>
+                  <a:p>
+                    <a:pPr algn="ctr"/>
+                    <a14:m>
+                      <m:oMathPara xmlns:m="http://schemas.openxmlformats.org/officeDocument/2006/math">
+                        <m:oMathParaPr>
+                          <m:jc m:val="centerGroup"/>
+                        </m:oMathParaPr>
+                        <m:oMath xmlns:m="http://schemas.openxmlformats.org/officeDocument/2006/math">
+                          <m:acc>
+                            <m:accPr>
+                              <m:chr m:val="̃"/>
+                              <m:ctrlPr>
+                                <a:rPr lang="de-DE" sz="2400" i="1" smtClean="0">
+                                  <a:solidFill>
+                                    <a:schemeClr val="tx1"/>
+                                  </a:solidFill>
+                                  <a:latin typeface="Cambria Math" panose="02040503050406030204" pitchFamily="18" charset="0"/>
+                                </a:rPr>
+                              </m:ctrlPr>
+                            </m:accPr>
+                            <m:e>
+                              <m:r>
+                                <a:rPr lang="en-US" sz="2400" b="0" i="1" smtClean="0">
+                                  <a:solidFill>
+                                    <a:schemeClr val="tx1"/>
+                                  </a:solidFill>
+                                  <a:latin typeface="Cambria Math" panose="02040503050406030204" pitchFamily="18" charset="0"/>
+                                </a:rPr>
+                                <m:t>    </m:t>
+                              </m:r>
+                            </m:e>
+                          </m:acc>
+                        </m:oMath>
+                      </m:oMathPara>
+                    </a14:m>
+                    <a:endParaRPr lang="de-DE" sz="2400" dirty="0">
+                      <a:solidFill>
+                        <a:schemeClr val="tx1"/>
+                      </a:solidFill>
+                    </a:endParaRPr>
+                  </a:p>
+                </p:txBody>
+              </p:sp>
+            </mc:Choice>
+            <mc:Fallback>
+              <p:sp>
+                <p:nvSpPr>
+                  <p:cNvPr id="11" name="hide1a"/>
+                  <p:cNvSpPr>
+                    <a:spLocks noRot="1" noChangeAspect="1" noMove="1" noResize="1" noEditPoints="1" noAdjustHandles="1" noChangeArrowheads="1" noChangeShapeType="1" noTextEdit="1"/>
+                  </p:cNvSpPr>
+                  <p:nvPr/>
+                </p:nvSpPr>
+                <p:spPr>
+                  <a:xfrm>
+                    <a:off x="495261" y="4129989"/>
+                    <a:ext cx="686681" cy="733133"/>
+                  </a:xfrm>
+                  <a:prstGeom prst="rect">
+                    <a:avLst/>
+                  </a:prstGeom>
+                  <a:blipFill>
+                    <a:blip r:embed="rId4"/>
+                    <a:stretch>
+                      <a:fillRect r="-18584"/>
+                    </a:stretch>
+                  </a:blipFill>
+                  <a:ln w="152400">
+                    <a:noFill/>
+                  </a:ln>
+                </p:spPr>
+                <p:txBody>
+                  <a:bodyPr/>
+                  <a:lstStyle/>
+                  <a:p>
+                    <a:r>
+                      <a:rPr lang="de-DE">
+                        <a:noFill/>
+                      </a:rPr>
+                      <a:t> </a:t>
+                    </a:r>
+                  </a:p>
+                </p:txBody>
+              </p:sp>
+            </mc:Fallback>
+          </mc:AlternateContent>
+        </p:grpSp>
         <mc:AlternateContent xmlns:mc="http://schemas.openxmlformats.org/markup-compatibility/2006">
           <mc:Choice xmlns:a14="http://schemas.microsoft.com/office/drawing/2010/main" Requires="a14">
             <p:sp>
               <p:nvSpPr>
-                <p:cNvPr id="11" name="hide1a"/>
+                <p:cNvPr id="14" name="hide1a"/>
                 <p:cNvSpPr/>
                 <p:nvPr/>
               </p:nvSpPr>
               <p:spPr>
                 <a:xfrm>
-                  <a:off x="495261" y="4129989"/>
+                  <a:off x="3561449" y="3842377"/>
                   <a:ext cx="686681" cy="733133"/>
                 </a:xfrm>
                 <a:prstGeom prst="rect">
@@ -11591,7 +12443,7 @@
           <mc:Fallback>
             <p:sp>
               <p:nvSpPr>
-                <p:cNvPr id="11" name="hide1a"/>
+                <p:cNvPr id="14" name="hide1a"/>
                 <p:cNvSpPr>
                   <a:spLocks noRot="1" noChangeAspect="1" noMove="1" noResize="1" noEditPoints="1" noAdjustHandles="1" noChangeArrowheads="1" noChangeShapeType="1" noTextEdit="1"/>
                 </p:cNvSpPr>
@@ -11599,14 +12451,14 @@
               </p:nvSpPr>
               <p:spPr>
                 <a:xfrm>
-                  <a:off x="495261" y="4129989"/>
+                  <a:off x="3561449" y="3842377"/>
                   <a:ext cx="686681" cy="733133"/>
                 </a:xfrm>
                 <a:prstGeom prst="rect">
                   <a:avLst/>
                 </a:prstGeom>
                 <a:blipFill>
-                  <a:blip r:embed="rId4"/>
+                  <a:blip r:embed="rId5"/>
                   <a:stretch>
                     <a:fillRect r="-18584"/>
                   </a:stretch>
@@ -11630,37 +12482,199 @@
             </p:sp>
           </mc:Fallback>
         </mc:AlternateContent>
-        <p:sp>
-          <p:nvSpPr>
-            <p:cNvPr id="13" name="TextBox 12"/>
-            <p:cNvSpPr txBox="1"/>
-            <p:nvPr/>
-          </p:nvSpPr>
-          <p:spPr>
-            <a:xfrm>
-              <a:off x="2839547" y="4839952"/>
-              <a:ext cx="971292" cy="369332"/>
-            </a:xfrm>
-            <a:prstGeom prst="rect">
-              <a:avLst/>
-            </a:prstGeom>
-            <a:noFill/>
-          </p:spPr>
-          <p:txBody>
-            <a:bodyPr wrap="none" rtlCol="0">
-              <a:spAutoFit/>
-            </a:bodyPr>
-            <a:lstStyle/>
-            <a:p>
-              <a:r>
-                <a:rPr lang="de-DE" cap="small" dirty="0"/>
-                <a:t>Formula</a:t>
-              </a:r>
-              <a:endParaRPr lang="de-DE" dirty="0"/>
-            </a:p>
-          </p:txBody>
-        </p:sp>
+        <mc:AlternateContent xmlns:mc="http://schemas.openxmlformats.org/markup-compatibility/2006">
+          <mc:Choice xmlns:a14="http://schemas.microsoft.com/office/drawing/2010/main" Requires="a14">
+            <p:sp>
+              <p:nvSpPr>
+                <p:cNvPr id="15" name="hide1a"/>
+                <p:cNvSpPr/>
+                <p:nvPr/>
+              </p:nvSpPr>
+              <p:spPr>
+                <a:xfrm>
+                  <a:off x="2925568" y="4334214"/>
+                  <a:ext cx="686681" cy="733133"/>
+                </a:xfrm>
+                <a:prstGeom prst="rect">
+                  <a:avLst/>
+                </a:prstGeom>
+                <a:noFill/>
+                <a:ln w="152400">
+                  <a:noFill/>
+                </a:ln>
+              </p:spPr>
+              <p:style>
+                <a:lnRef idx="2">
+                  <a:schemeClr val="accent1">
+                    <a:shade val="50000"/>
+                  </a:schemeClr>
+                </a:lnRef>
+                <a:fillRef idx="1">
+                  <a:schemeClr val="accent1"/>
+                </a:fillRef>
+                <a:effectRef idx="0">
+                  <a:schemeClr val="accent1"/>
+                </a:effectRef>
+                <a:fontRef idx="minor">
+                  <a:schemeClr val="lt1"/>
+                </a:fontRef>
+              </p:style>
+              <p:txBody>
+                <a:bodyPr rtlCol="0" anchor="ctr"/>
+                <a:lstStyle/>
+                <a:p>
+                  <a:pPr algn="ctr"/>
+                  <a14:m>
+                    <m:oMathPara xmlns:m="http://schemas.openxmlformats.org/officeDocument/2006/math">
+                      <m:oMathParaPr>
+                        <m:jc m:val="centerGroup"/>
+                      </m:oMathParaPr>
+                      <m:oMath xmlns:m="http://schemas.openxmlformats.org/officeDocument/2006/math">
+                        <m:acc>
+                          <m:accPr>
+                            <m:chr m:val="̃"/>
+                            <m:ctrlPr>
+                              <a:rPr lang="de-DE" sz="2400" i="1" smtClean="0">
+                                <a:solidFill>
+                                  <a:schemeClr val="tx1"/>
+                                </a:solidFill>
+                                <a:latin typeface="Cambria Math" panose="02040503050406030204" pitchFamily="18" charset="0"/>
+                              </a:rPr>
+                            </m:ctrlPr>
+                          </m:accPr>
+                          <m:e>
+                            <m:r>
+                              <a:rPr lang="en-US" sz="2400" b="0" i="1" smtClean="0">
+                                <a:solidFill>
+                                  <a:schemeClr val="tx1"/>
+                                </a:solidFill>
+                                <a:latin typeface="Cambria Math" panose="02040503050406030204" pitchFamily="18" charset="0"/>
+                              </a:rPr>
+                              <m:t>    </m:t>
+                            </m:r>
+                          </m:e>
+                        </m:acc>
+                      </m:oMath>
+                    </m:oMathPara>
+                  </a14:m>
+                  <a:endParaRPr lang="de-DE" sz="2400" dirty="0">
+                    <a:solidFill>
+                      <a:schemeClr val="tx1"/>
+                    </a:solidFill>
+                  </a:endParaRPr>
+                </a:p>
+              </p:txBody>
+            </p:sp>
+          </mc:Choice>
+          <mc:Fallback>
+            <p:sp>
+              <p:nvSpPr>
+                <p:cNvPr id="15" name="hide1a"/>
+                <p:cNvSpPr>
+                  <a:spLocks noRot="1" noChangeAspect="1" noMove="1" noResize="1" noEditPoints="1" noAdjustHandles="1" noChangeArrowheads="1" noChangeShapeType="1" noTextEdit="1"/>
+                </p:cNvSpPr>
+                <p:nvPr/>
+              </p:nvSpPr>
+              <p:spPr>
+                <a:xfrm>
+                  <a:off x="2925568" y="4334214"/>
+                  <a:ext cx="686681" cy="733133"/>
+                </a:xfrm>
+                <a:prstGeom prst="rect">
+                  <a:avLst/>
+                </a:prstGeom>
+                <a:blipFill>
+                  <a:blip r:embed="rId6"/>
+                  <a:stretch>
+                    <a:fillRect r="-18584"/>
+                  </a:stretch>
+                </a:blipFill>
+                <a:ln w="152400">
+                  <a:noFill/>
+                </a:ln>
+              </p:spPr>
+              <p:txBody>
+                <a:bodyPr/>
+                <a:lstStyle/>
+                <a:p>
+                  <a:r>
+                    <a:rPr lang="de-DE">
+                      <a:noFill/>
+                    </a:rPr>
+                    <a:t> </a:t>
+                  </a:r>
+                </a:p>
+              </p:txBody>
+            </p:sp>
+          </mc:Fallback>
+        </mc:AlternateContent>
       </p:grpSp>
+      <p:sp>
+        <p:nvSpPr>
+          <p:cNvPr id="16" name="TextBox 15"/>
+          <p:cNvSpPr txBox="1"/>
+          <p:nvPr/>
+        </p:nvSpPr>
+        <p:spPr>
+          <a:xfrm>
+            <a:off x="7742513" y="2364627"/>
+            <a:ext cx="978153" cy="815608"/>
+          </a:xfrm>
+          <a:prstGeom prst="rect">
+            <a:avLst/>
+          </a:prstGeom>
+          <a:noFill/>
+        </p:spPr>
+        <p:txBody>
+          <a:bodyPr wrap="none" rtlCol="0">
+            <a:spAutoFit/>
+          </a:bodyPr>
+          <a:lstStyle/>
+          <a:p>
+            <a:pPr algn="r"/>
+            <a:r>
+              <a:rPr lang="en-US" dirty="0">
+                <a:solidFill>
+                  <a:schemeClr val="bg1">
+                    <a:lumMod val="75000"/>
+                  </a:schemeClr>
+                </a:solidFill>
+              </a:rPr>
+              <a:t>static</a:t>
+            </a:r>
+          </a:p>
+          <a:p>
+            <a:pPr algn="r"/>
+            <a:endParaRPr lang="en-US" sz="1100" dirty="0">
+              <a:solidFill>
+                <a:schemeClr val="bg1">
+                  <a:lumMod val="75000"/>
+                </a:schemeClr>
+              </a:solidFill>
+            </a:endParaRPr>
+          </a:p>
+          <a:p>
+            <a:pPr algn="r"/>
+            <a:r>
+              <a:rPr lang="en-US" dirty="0">
+                <a:solidFill>
+                  <a:schemeClr val="bg1">
+                    <a:lumMod val="75000"/>
+                  </a:schemeClr>
+                </a:solidFill>
+              </a:rPr>
+              <a:t>dynamic</a:t>
+            </a:r>
+            <a:endParaRPr lang="de-DE" dirty="0">
+              <a:solidFill>
+                <a:schemeClr val="bg1">
+                  <a:lumMod val="75000"/>
+                </a:schemeClr>
+              </a:solidFill>
+            </a:endParaRPr>
+          </a:p>
+        </p:txBody>
+      </p:sp>
     </p:spTree>
     <p:extLst>
       <p:ext uri="{BB962C8B-B14F-4D97-AF65-F5344CB8AC3E}">
@@ -11739,7 +12753,45 @@
             </a:pPr>
             <a:r>
               <a:rPr lang="en-US" dirty="0"/>
-              <a:t>Gradual guarantee: </a:t>
+              <a:t>Gradual guarantee (</a:t>
+            </a:r>
+            <a:r>
+              <a:rPr lang="en-US" dirty="0" err="1"/>
+              <a:t>Siek</a:t>
+            </a:r>
+            <a:r>
+              <a:rPr lang="en-US" dirty="0"/>
+              <a:t> et al.): </a:t>
+            </a:r>
+          </a:p>
+          <a:p>
+            <a:pPr marL="0" indent="0">
+              <a:buNone/>
+            </a:pPr>
+            <a:r>
+              <a:rPr lang="en-US" sz="2400" dirty="0"/>
+              <a:t>Reducing precision will not</a:t>
+            </a:r>
+          </a:p>
+          <a:p>
+            <a:r>
+              <a:rPr lang="en-US" sz="2400" dirty="0"/>
+              <a:t>introduce verification failure</a:t>
+            </a:r>
+          </a:p>
+          <a:p>
+            <a:r>
+              <a:rPr lang="en-US" sz="2400" dirty="0"/>
+              <a:t>change observable behavior</a:t>
+            </a:r>
+          </a:p>
+          <a:p>
+            <a:pPr marL="0" indent="0">
+              <a:buNone/>
+            </a:pPr>
+            <a:r>
+              <a:rPr lang="en-US" dirty="0"/>
+              <a:t> </a:t>
             </a:r>
             <a:endParaRPr lang="de-DE" dirty="0"/>
           </a:p>
@@ -11894,6 +12946,1546 @@
           </a:p>
         </p:txBody>
       </p:sp>
+      <p:sp>
+        <p:nvSpPr>
+          <p:cNvPr id="7" name="TextBox 6"/>
+          <p:cNvSpPr txBox="1"/>
+          <p:nvPr/>
+        </p:nvSpPr>
+        <p:spPr>
+          <a:xfrm>
+            <a:off x="7753097" y="2796427"/>
+            <a:ext cx="978153" cy="815608"/>
+          </a:xfrm>
+          <a:prstGeom prst="rect">
+            <a:avLst/>
+          </a:prstGeom>
+          <a:noFill/>
+        </p:spPr>
+        <p:txBody>
+          <a:bodyPr wrap="none" rtlCol="0">
+            <a:spAutoFit/>
+          </a:bodyPr>
+          <a:lstStyle/>
+          <a:p>
+            <a:pPr algn="r"/>
+            <a:r>
+              <a:rPr lang="en-US" dirty="0">
+                <a:solidFill>
+                  <a:schemeClr val="bg1">
+                    <a:lumMod val="75000"/>
+                  </a:schemeClr>
+                </a:solidFill>
+              </a:rPr>
+              <a:t>static</a:t>
+            </a:r>
+          </a:p>
+          <a:p>
+            <a:pPr algn="r"/>
+            <a:endParaRPr lang="en-US" sz="1100" dirty="0">
+              <a:solidFill>
+                <a:schemeClr val="bg1">
+                  <a:lumMod val="75000"/>
+                </a:schemeClr>
+              </a:solidFill>
+            </a:endParaRPr>
+          </a:p>
+          <a:p>
+            <a:pPr algn="r"/>
+            <a:r>
+              <a:rPr lang="en-US" dirty="0">
+                <a:solidFill>
+                  <a:schemeClr val="bg1">
+                    <a:lumMod val="75000"/>
+                  </a:schemeClr>
+                </a:solidFill>
+              </a:rPr>
+              <a:t>dynamic</a:t>
+            </a:r>
+            <a:endParaRPr lang="de-DE" dirty="0">
+              <a:solidFill>
+                <a:schemeClr val="bg1">
+                  <a:lumMod val="75000"/>
+                </a:schemeClr>
+              </a:solidFill>
+            </a:endParaRPr>
+          </a:p>
+        </p:txBody>
+      </p:sp>
+      <mc:AlternateContent xmlns:mc="http://schemas.openxmlformats.org/markup-compatibility/2006">
+        <mc:Choice xmlns:a14="http://schemas.microsoft.com/office/drawing/2010/main" Requires="a14">
+          <p:sp>
+            <p:nvSpPr>
+              <p:cNvPr id="8" name="TextBox 7"/>
+              <p:cNvSpPr txBox="1"/>
+              <p:nvPr/>
+            </p:nvSpPr>
+            <p:spPr>
+              <a:xfrm>
+                <a:off x="628649" y="4033460"/>
+                <a:ext cx="7886701" cy="1983363"/>
+              </a:xfrm>
+              <a:prstGeom prst="rect">
+                <a:avLst/>
+              </a:prstGeom>
+              <a:solidFill>
+                <a:schemeClr val="bg1">
+                  <a:lumMod val="95000"/>
+                </a:schemeClr>
+              </a:solidFill>
+              <a:ln w="152400">
+                <a:solidFill>
+                  <a:schemeClr val="bg1">
+                    <a:lumMod val="95000"/>
+                  </a:schemeClr>
+                </a:solidFill>
+              </a:ln>
+            </p:spPr>
+            <p:txBody>
+              <a:bodyPr wrap="square" rtlCol="0">
+                <a:spAutoFit/>
+              </a:bodyPr>
+              <a:lstStyle/>
+              <a:p>
+                <a:pPr>
+                  <a:lnSpc>
+                    <a:spcPct val="150000"/>
+                  </a:lnSpc>
+                </a:pPr>
+                <a:r>
+                  <a:rPr lang="en-US" sz="2400">
+                    <a:solidFill>
+                      <a:schemeClr val="bg1">
+                        <a:lumMod val="75000"/>
+                      </a:schemeClr>
+                    </a:solidFill>
+                    <a:ea typeface="Cambria Math" panose="02040503050406030204" pitchFamily="18" charset="0"/>
+                  </a:rPr>
+                  <a:t>Given  </a:t>
+                </a:r>
+                <a:r>
+                  <a:rPr lang="en-US" sz="2400">
+                    <a:ea typeface="Cambria Math" panose="02040503050406030204" pitchFamily="18" charset="0"/>
+                  </a:rPr>
+                  <a:t>  </a:t>
+                </a:r>
+                <a14:m>
+                  <m:oMath xmlns:m="http://schemas.openxmlformats.org/officeDocument/2006/math">
+                    <m:acc>
+                      <m:accPr>
+                        <m:chr m:val="̃"/>
+                        <m:ctrlPr>
+                          <a:rPr lang="en-US" sz="2400" i="1" smtClean="0">
+                            <a:latin typeface="Cambria Math" panose="02040503050406030204" pitchFamily="18" charset="0"/>
+                            <a:ea typeface="Cambria Math" panose="02040503050406030204" pitchFamily="18" charset="0"/>
+                          </a:rPr>
+                        </m:ctrlPr>
+                      </m:accPr>
+                      <m:e>
+                        <m:sSub>
+                          <m:sSubPr>
+                            <m:ctrlPr>
+                              <a:rPr lang="en-US" sz="2400" i="1">
+                                <a:latin typeface="Cambria Math" panose="02040503050406030204" pitchFamily="18" charset="0"/>
+                                <a:ea typeface="Cambria Math" panose="02040503050406030204" pitchFamily="18" charset="0"/>
+                              </a:rPr>
+                            </m:ctrlPr>
+                          </m:sSubPr>
+                          <m:e>
+                            <m:r>
+                              <a:rPr lang="en-US" sz="2400" i="1">
+                                <a:latin typeface="Latin Modern Math" panose="02000503000000000000" pitchFamily="50" charset="0"/>
+                                <a:ea typeface="Latin Modern Math" panose="02000503000000000000" pitchFamily="50" charset="0"/>
+                              </a:rPr>
+                              <m:t>𝜙</m:t>
+                            </m:r>
+                          </m:e>
+                          <m:sub>
+                            <m:r>
+                              <a:rPr lang="en-US" sz="2400" i="1">
+                                <a:latin typeface="Cambria Math" panose="02040503050406030204" pitchFamily="18" charset="0"/>
+                                <a:ea typeface="Cambria Math" panose="02040503050406030204" pitchFamily="18" charset="0"/>
+                              </a:rPr>
+                              <m:t>1</m:t>
+                            </m:r>
+                          </m:sub>
+                        </m:sSub>
+                      </m:e>
+                    </m:acc>
+                    <m:r>
+                      <a:rPr lang="en-US" sz="2400" i="1">
+                        <a:latin typeface="Latin Modern Math" panose="02000503000000000000" pitchFamily="50" charset="0"/>
+                        <a:ea typeface="Latin Modern Math" panose="02000503000000000000" pitchFamily="50" charset="0"/>
+                      </a:rPr>
+                      <m:t>⊑</m:t>
+                    </m:r>
+                    <m:acc>
+                      <m:accPr>
+                        <m:chr m:val="̃"/>
+                        <m:ctrlPr>
+                          <a:rPr lang="en-US" sz="2400" i="1">
+                            <a:latin typeface="Cambria Math" panose="02040503050406030204" pitchFamily="18" charset="0"/>
+                            <a:ea typeface="Cambria Math" panose="02040503050406030204" pitchFamily="18" charset="0"/>
+                          </a:rPr>
+                        </m:ctrlPr>
+                      </m:accPr>
+                      <m:e>
+                        <m:sSub>
+                          <m:sSubPr>
+                            <m:ctrlPr>
+                              <a:rPr lang="en-US" sz="2400" i="1">
+                                <a:latin typeface="Cambria Math" panose="02040503050406030204" pitchFamily="18" charset="0"/>
+                                <a:ea typeface="Cambria Math" panose="02040503050406030204" pitchFamily="18" charset="0"/>
+                              </a:rPr>
+                            </m:ctrlPr>
+                          </m:sSubPr>
+                          <m:e>
+                            <m:r>
+                              <a:rPr lang="en-US" sz="2400" i="1">
+                                <a:latin typeface="Latin Modern Math" panose="02000503000000000000" pitchFamily="50" charset="0"/>
+                                <a:ea typeface="Latin Modern Math" panose="02000503000000000000" pitchFamily="50" charset="0"/>
+                              </a:rPr>
+                              <m:t>𝜙</m:t>
+                            </m:r>
+                          </m:e>
+                          <m:sub>
+                            <m:r>
+                              <a:rPr lang="en-US" sz="2400" b="0" i="1" smtClean="0">
+                                <a:latin typeface="Cambria Math" panose="02040503050406030204" pitchFamily="18" charset="0"/>
+                                <a:ea typeface="Latin Modern Math" panose="02000503000000000000" pitchFamily="50" charset="0"/>
+                              </a:rPr>
+                              <m:t>2</m:t>
+                            </m:r>
+                          </m:sub>
+                        </m:sSub>
+                      </m:e>
+                    </m:acc>
+                    <m:r>
+                      <a:rPr lang="en-US" sz="2400" b="0" i="1" smtClean="0">
+                        <a:latin typeface="Cambria Math" panose="02040503050406030204" pitchFamily="18" charset="0"/>
+                        <a:ea typeface="Cambria Math" panose="02040503050406030204" pitchFamily="18" charset="0"/>
+                      </a:rPr>
+                      <m:t> </m:t>
+                    </m:r>
+                    <m:r>
+                      <a:rPr lang="en-US" sz="2400" b="0" i="1" smtClean="0">
+                        <a:solidFill>
+                          <a:schemeClr val="bg1">
+                            <a:lumMod val="75000"/>
+                          </a:schemeClr>
+                        </a:solidFill>
+                        <a:latin typeface="Latin Modern Math" panose="02000503000000000000" pitchFamily="50" charset="0"/>
+                        <a:ea typeface="Latin Modern Math" panose="02000503000000000000" pitchFamily="50" charset="0"/>
+                      </a:rPr>
+                      <m:t>∧</m:t>
+                    </m:r>
+                    <m:r>
+                      <a:rPr lang="en-US" sz="2400" b="0" i="1" smtClean="0">
+                        <a:solidFill>
+                          <a:schemeClr val="bg1">
+                            <a:lumMod val="75000"/>
+                          </a:schemeClr>
+                        </a:solidFill>
+                        <a:latin typeface="Cambria Math" panose="02040503050406030204" pitchFamily="18" charset="0"/>
+                        <a:ea typeface="Latin Modern Math" panose="02000503000000000000" pitchFamily="50" charset="0"/>
+                      </a:rPr>
+                      <m:t> </m:t>
+                    </m:r>
+                    <m:acc>
+                      <m:accPr>
+                        <m:chr m:val="̃"/>
+                        <m:ctrlPr>
+                          <a:rPr lang="en-US" sz="2400" i="1">
+                            <a:latin typeface="Cambria Math" panose="02040503050406030204" pitchFamily="18" charset="0"/>
+                            <a:ea typeface="Cambria Math" panose="02040503050406030204" pitchFamily="18" charset="0"/>
+                          </a:rPr>
+                        </m:ctrlPr>
+                      </m:accPr>
+                      <m:e>
+                        <m:sSubSup>
+                          <m:sSubSupPr>
+                            <m:ctrlPr>
+                              <a:rPr lang="en-US" sz="2400" i="1" smtClean="0">
+                                <a:latin typeface="Cambria Math" panose="02040503050406030204" pitchFamily="18" charset="0"/>
+                                <a:ea typeface="Cambria Math" panose="02040503050406030204" pitchFamily="18" charset="0"/>
+                              </a:rPr>
+                            </m:ctrlPr>
+                          </m:sSubSupPr>
+                          <m:e>
+                            <m:r>
+                              <a:rPr lang="en-US" sz="2400" i="1">
+                                <a:latin typeface="Latin Modern Math" panose="02000503000000000000" pitchFamily="50" charset="0"/>
+                                <a:ea typeface="Latin Modern Math" panose="02000503000000000000" pitchFamily="50" charset="0"/>
+                              </a:rPr>
+                              <m:t>𝜙</m:t>
+                            </m:r>
+                          </m:e>
+                          <m:sub>
+                            <m:r>
+                              <a:rPr lang="en-US" sz="2400" b="0" i="1" smtClean="0">
+                                <a:latin typeface="Cambria Math" panose="02040503050406030204" pitchFamily="18" charset="0"/>
+                                <a:ea typeface="Cambria Math" panose="02040503050406030204" pitchFamily="18" charset="0"/>
+                              </a:rPr>
+                              <m:t>1</m:t>
+                            </m:r>
+                          </m:sub>
+                          <m:sup>
+                            <m:r>
+                              <a:rPr lang="en-US" sz="2400" b="0" i="1" smtClean="0">
+                                <a:latin typeface="Cambria Math" panose="02040503050406030204" pitchFamily="18" charset="0"/>
+                                <a:ea typeface="Cambria Math" panose="02040503050406030204" pitchFamily="18" charset="0"/>
+                              </a:rPr>
+                              <m:t>′</m:t>
+                            </m:r>
+                          </m:sup>
+                        </m:sSubSup>
+                      </m:e>
+                    </m:acc>
+                    <m:r>
+                      <a:rPr lang="en-US" sz="2400" i="1">
+                        <a:latin typeface="Latin Modern Math" panose="02000503000000000000" pitchFamily="50" charset="0"/>
+                        <a:ea typeface="Latin Modern Math" panose="02000503000000000000" pitchFamily="50" charset="0"/>
+                      </a:rPr>
+                      <m:t>⊑</m:t>
+                    </m:r>
+                    <m:acc>
+                      <m:accPr>
+                        <m:chr m:val="̃"/>
+                        <m:ctrlPr>
+                          <a:rPr lang="en-US" sz="2400" i="1">
+                            <a:latin typeface="Cambria Math" panose="02040503050406030204" pitchFamily="18" charset="0"/>
+                            <a:ea typeface="Cambria Math" panose="02040503050406030204" pitchFamily="18" charset="0"/>
+                          </a:rPr>
+                        </m:ctrlPr>
+                      </m:accPr>
+                      <m:e>
+                        <m:sSubSup>
+                          <m:sSubSupPr>
+                            <m:ctrlPr>
+                              <a:rPr lang="en-US" sz="2400" i="1">
+                                <a:latin typeface="Cambria Math" panose="02040503050406030204" pitchFamily="18" charset="0"/>
+                                <a:ea typeface="Cambria Math" panose="02040503050406030204" pitchFamily="18" charset="0"/>
+                              </a:rPr>
+                            </m:ctrlPr>
+                          </m:sSubSupPr>
+                          <m:e>
+                            <m:r>
+                              <a:rPr lang="en-US" sz="2400" i="1">
+                                <a:latin typeface="Latin Modern Math" panose="02000503000000000000" pitchFamily="50" charset="0"/>
+                                <a:ea typeface="Latin Modern Math" panose="02000503000000000000" pitchFamily="50" charset="0"/>
+                              </a:rPr>
+                              <m:t>𝜙</m:t>
+                            </m:r>
+                          </m:e>
+                          <m:sub>
+                            <m:r>
+                              <a:rPr lang="en-US" sz="2400" b="0" i="1" smtClean="0">
+                                <a:latin typeface="Cambria Math" panose="02040503050406030204" pitchFamily="18" charset="0"/>
+                                <a:ea typeface="Latin Modern Math" panose="02000503000000000000" pitchFamily="50" charset="0"/>
+                              </a:rPr>
+                              <m:t>2</m:t>
+                            </m:r>
+                          </m:sub>
+                          <m:sup>
+                            <m:r>
+                              <a:rPr lang="en-US" sz="2400" i="1">
+                                <a:latin typeface="Cambria Math" panose="02040503050406030204" pitchFamily="18" charset="0"/>
+                                <a:ea typeface="Cambria Math" panose="02040503050406030204" pitchFamily="18" charset="0"/>
+                              </a:rPr>
+                              <m:t>′</m:t>
+                            </m:r>
+                          </m:sup>
+                        </m:sSubSup>
+                      </m:e>
+                    </m:acc>
+                    <m:r>
+                      <a:rPr lang="en-US" sz="2400" b="0" i="1" smtClean="0">
+                        <a:latin typeface="Cambria Math" panose="02040503050406030204" pitchFamily="18" charset="0"/>
+                        <a:ea typeface="Cambria Math" panose="02040503050406030204" pitchFamily="18" charset="0"/>
+                      </a:rPr>
+                      <m:t> </m:t>
+                    </m:r>
+                    <m:r>
+                      <a:rPr lang="en-US" sz="2400" b="0" i="1" smtClean="0">
+                        <a:solidFill>
+                          <a:schemeClr val="bg1">
+                            <a:lumMod val="75000"/>
+                          </a:schemeClr>
+                        </a:solidFill>
+                        <a:latin typeface="Latin Modern Math" panose="02000503000000000000" pitchFamily="50" charset="0"/>
+                        <a:ea typeface="Latin Modern Math" panose="02000503000000000000" pitchFamily="50" charset="0"/>
+                      </a:rPr>
+                      <m:t>∧</m:t>
+                    </m:r>
+                    <m:r>
+                      <a:rPr lang="en-US" sz="2400" b="0" i="1" smtClean="0">
+                        <a:solidFill>
+                          <a:schemeClr val="bg1">
+                            <a:lumMod val="75000"/>
+                          </a:schemeClr>
+                        </a:solidFill>
+                        <a:latin typeface="Cambria Math" panose="02040503050406030204" pitchFamily="18" charset="0"/>
+                        <a:ea typeface="Latin Modern Math" panose="02000503000000000000" pitchFamily="50" charset="0"/>
+                      </a:rPr>
+                      <m:t> </m:t>
+                    </m:r>
+                    <m:acc>
+                      <m:accPr>
+                        <m:chr m:val="̃"/>
+                        <m:ctrlPr>
+                          <a:rPr lang="en-US" sz="2400" i="1" cap="small">
+                            <a:latin typeface="Cambria Math" panose="02040503050406030204" pitchFamily="18" charset="0"/>
+                            <a:ea typeface="Cambria Math" panose="02040503050406030204" pitchFamily="18" charset="0"/>
+                          </a:rPr>
+                        </m:ctrlPr>
+                      </m:accPr>
+                      <m:e>
+                        <m:sSub>
+                          <m:sSubPr>
+                            <m:ctrlPr>
+                              <a:rPr lang="en-US" sz="2400" b="0" i="1" cap="small" smtClean="0">
+                                <a:latin typeface="Cambria Math" panose="02040503050406030204" pitchFamily="18" charset="0"/>
+                                <a:ea typeface="Latin Modern Math" panose="02000503000000000000" pitchFamily="50" charset="0"/>
+                              </a:rPr>
+                            </m:ctrlPr>
+                          </m:sSubPr>
+                          <m:e>
+                            <m:r>
+                              <a:rPr lang="en-US" sz="2400" i="1" cap="small">
+                                <a:latin typeface="Latin Modern Math" panose="02000503000000000000" pitchFamily="50" charset="0"/>
+                                <a:ea typeface="Latin Modern Math" panose="02000503000000000000" pitchFamily="50" charset="0"/>
+                              </a:rPr>
+                              <m:t>𝑠</m:t>
+                            </m:r>
+                          </m:e>
+                          <m:sub>
+                            <m:r>
+                              <a:rPr lang="en-US" sz="2400" b="0" i="1" cap="small" smtClean="0">
+                                <a:latin typeface="Cambria Math" panose="02040503050406030204" pitchFamily="18" charset="0"/>
+                                <a:ea typeface="Latin Modern Math" panose="02000503000000000000" pitchFamily="50" charset="0"/>
+                              </a:rPr>
+                              <m:t>1</m:t>
+                            </m:r>
+                          </m:sub>
+                        </m:sSub>
+                      </m:e>
+                    </m:acc>
+                    <m:r>
+                      <a:rPr lang="en-US" sz="2400" b="0" i="1" cap="small" smtClean="0">
+                        <a:latin typeface="Latin Modern Math" panose="02000503000000000000" pitchFamily="50" charset="0"/>
+                        <a:ea typeface="Latin Modern Math" panose="02000503000000000000" pitchFamily="50" charset="0"/>
+                      </a:rPr>
+                      <m:t>⊑</m:t>
+                    </m:r>
+                    <m:acc>
+                      <m:accPr>
+                        <m:chr m:val="̃"/>
+                        <m:ctrlPr>
+                          <a:rPr lang="en-US" sz="2400" i="1" cap="small">
+                            <a:latin typeface="Cambria Math" panose="02040503050406030204" pitchFamily="18" charset="0"/>
+                            <a:ea typeface="Cambria Math" panose="02040503050406030204" pitchFamily="18" charset="0"/>
+                          </a:rPr>
+                        </m:ctrlPr>
+                      </m:accPr>
+                      <m:e>
+                        <m:sSub>
+                          <m:sSubPr>
+                            <m:ctrlPr>
+                              <a:rPr lang="en-US" sz="2400" b="0" i="1" cap="small" smtClean="0">
+                                <a:latin typeface="Cambria Math" panose="02040503050406030204" pitchFamily="18" charset="0"/>
+                                <a:ea typeface="Cambria Math" panose="02040503050406030204" pitchFamily="18" charset="0"/>
+                              </a:rPr>
+                            </m:ctrlPr>
+                          </m:sSubPr>
+                          <m:e>
+                            <m:r>
+                              <a:rPr lang="en-US" sz="2400" b="0" i="1" cap="small" smtClean="0">
+                                <a:latin typeface="Latin Modern Math" panose="02000503000000000000" pitchFamily="50" charset="0"/>
+                                <a:ea typeface="Latin Modern Math" panose="02000503000000000000" pitchFamily="50" charset="0"/>
+                              </a:rPr>
+                              <m:t>𝑠</m:t>
+                            </m:r>
+                          </m:e>
+                          <m:sub>
+                            <m:r>
+                              <a:rPr lang="en-US" sz="2400" b="0" i="1" cap="small" smtClean="0">
+                                <a:latin typeface="Cambria Math" panose="02040503050406030204" pitchFamily="18" charset="0"/>
+                                <a:ea typeface="Cambria Math" panose="02040503050406030204" pitchFamily="18" charset="0"/>
+                              </a:rPr>
+                              <m:t>2</m:t>
+                            </m:r>
+                          </m:sub>
+                        </m:sSub>
+                      </m:e>
+                    </m:acc>
+                    <m:r>
+                      <a:rPr lang="en-US" sz="2400" b="0" i="1" cap="small" smtClean="0">
+                        <a:latin typeface="Cambria Math" panose="02040503050406030204" pitchFamily="18" charset="0"/>
+                        <a:ea typeface="Latin Modern Math" panose="02000503000000000000" pitchFamily="50" charset="0"/>
+                      </a:rPr>
+                      <m:t> </m:t>
+                    </m:r>
+                    <m:r>
+                      <a:rPr lang="en-US" sz="2400" i="1" smtClean="0">
+                        <a:solidFill>
+                          <a:schemeClr val="bg1">
+                            <a:lumMod val="75000"/>
+                          </a:schemeClr>
+                        </a:solidFill>
+                        <a:latin typeface="Latin Modern Math" panose="02000503000000000000" pitchFamily="50" charset="0"/>
+                        <a:ea typeface="Latin Modern Math" panose="02000503000000000000" pitchFamily="50" charset="0"/>
+                      </a:rPr>
+                      <m:t>∧</m:t>
+                    </m:r>
+                    <m:r>
+                      <a:rPr lang="en-US" sz="2400" b="0" i="1" smtClean="0">
+                        <a:latin typeface="Cambria Math" panose="02040503050406030204" pitchFamily="18" charset="0"/>
+                        <a:ea typeface="Latin Modern Math" panose="02000503000000000000" pitchFamily="50" charset="0"/>
+                      </a:rPr>
+                      <m:t> </m:t>
+                    </m:r>
+                    <m:acc>
+                      <m:accPr>
+                        <m:chr m:val="̃"/>
+                        <m:ctrlPr>
+                          <a:rPr lang="en-US" sz="2400" i="1">
+                            <a:latin typeface="Cambria Math" panose="02040503050406030204" pitchFamily="18" charset="0"/>
+                            <a:ea typeface="Cambria Math" panose="02040503050406030204" pitchFamily="18" charset="0"/>
+                          </a:rPr>
+                        </m:ctrlPr>
+                      </m:accPr>
+                      <m:e>
+                        <m:sSub>
+                          <m:sSubPr>
+                            <m:ctrlPr>
+                              <a:rPr lang="en-US" sz="2400" i="1">
+                                <a:latin typeface="Cambria Math" panose="02040503050406030204" pitchFamily="18" charset="0"/>
+                                <a:ea typeface="Cambria Math" panose="02040503050406030204" pitchFamily="18" charset="0"/>
+                              </a:rPr>
+                            </m:ctrlPr>
+                          </m:sSubPr>
+                          <m:e>
+                            <m:r>
+                              <a:rPr lang="en-US" sz="2400" i="1">
+                                <a:latin typeface="Latin Modern Math" panose="02000503000000000000" pitchFamily="50" charset="0"/>
+                                <a:ea typeface="Latin Modern Math" panose="02000503000000000000" pitchFamily="50" charset="0"/>
+                              </a:rPr>
+                              <m:t>𝜋</m:t>
+                            </m:r>
+                          </m:e>
+                          <m:sub>
+                            <m:r>
+                              <a:rPr lang="en-US" sz="2400" i="1">
+                                <a:latin typeface="Cambria Math" panose="02040503050406030204" pitchFamily="18" charset="0"/>
+                                <a:ea typeface="Cambria Math" panose="02040503050406030204" pitchFamily="18" charset="0"/>
+                              </a:rPr>
+                              <m:t>1</m:t>
+                            </m:r>
+                          </m:sub>
+                        </m:sSub>
+                      </m:e>
+                    </m:acc>
+                    <m:r>
+                      <a:rPr lang="en-US" sz="2400" i="1">
+                        <a:latin typeface="Latin Modern Math" panose="02000503000000000000" pitchFamily="50" charset="0"/>
+                        <a:ea typeface="Latin Modern Math" panose="02000503000000000000" pitchFamily="50" charset="0"/>
+                      </a:rPr>
+                      <m:t>⊑</m:t>
+                    </m:r>
+                    <m:acc>
+                      <m:accPr>
+                        <m:chr m:val="̃"/>
+                        <m:ctrlPr>
+                          <a:rPr lang="en-US" sz="2400" i="1">
+                            <a:latin typeface="Cambria Math" panose="02040503050406030204" pitchFamily="18" charset="0"/>
+                            <a:ea typeface="Cambria Math" panose="02040503050406030204" pitchFamily="18" charset="0"/>
+                          </a:rPr>
+                        </m:ctrlPr>
+                      </m:accPr>
+                      <m:e>
+                        <m:sSub>
+                          <m:sSubPr>
+                            <m:ctrlPr>
+                              <a:rPr lang="en-US" sz="2400" i="1">
+                                <a:latin typeface="Cambria Math" panose="02040503050406030204" pitchFamily="18" charset="0"/>
+                                <a:ea typeface="Cambria Math" panose="02040503050406030204" pitchFamily="18" charset="0"/>
+                              </a:rPr>
+                            </m:ctrlPr>
+                          </m:sSubPr>
+                          <m:e>
+                            <m:r>
+                              <a:rPr lang="en-US" sz="2400" i="1">
+                                <a:latin typeface="Latin Modern Math" panose="02000503000000000000" pitchFamily="50" charset="0"/>
+                                <a:ea typeface="Latin Modern Math" panose="02000503000000000000" pitchFamily="50" charset="0"/>
+                              </a:rPr>
+                              <m:t>𝜋</m:t>
+                            </m:r>
+                          </m:e>
+                          <m:sub>
+                            <m:r>
+                              <a:rPr lang="en-US" sz="2400" b="0" i="1" smtClean="0">
+                                <a:latin typeface="Cambria Math" panose="02040503050406030204" pitchFamily="18" charset="0"/>
+                                <a:ea typeface="Latin Modern Math" panose="02000503000000000000" pitchFamily="50" charset="0"/>
+                              </a:rPr>
+                              <m:t>2</m:t>
+                            </m:r>
+                          </m:sub>
+                        </m:sSub>
+                      </m:e>
+                    </m:acc>
+                  </m:oMath>
+                </a14:m>
+                <a:endParaRPr lang="en-US" sz="2350" i="1" cap="small" dirty="0">
+                  <a:latin typeface="Cambria Math" panose="02040503050406030204" pitchFamily="18" charset="0"/>
+                  <a:ea typeface="Latin Modern Math" panose="02000503000000000000" pitchFamily="50" charset="0"/>
+                </a:endParaRPr>
+              </a:p>
+              <a:p>
+                <a:pPr>
+                  <a:lnSpc>
+                    <a:spcPct val="150000"/>
+                  </a:lnSpc>
+                </a:pPr>
+                <a14:m>
+                  <m:oMath xmlns:m="http://schemas.openxmlformats.org/officeDocument/2006/math">
+                    <m:acc>
+                      <m:accPr>
+                        <m:chr m:val="̃"/>
+                        <m:ctrlPr>
+                          <a:rPr lang="en-US" sz="2400" i="1">
+                            <a:latin typeface="Cambria Math" panose="02040503050406030204" pitchFamily="18" charset="0"/>
+                            <a:ea typeface="Cambria Math" panose="02040503050406030204" pitchFamily="18" charset="0"/>
+                          </a:rPr>
+                        </m:ctrlPr>
+                      </m:accPr>
+                      <m:e>
+                        <m:r>
+                          <a:rPr lang="en-US" sz="2400" i="1" cap="small">
+                            <a:latin typeface="Latin Modern Math" panose="02000503000000000000" pitchFamily="50" charset="0"/>
+                            <a:ea typeface="Latin Modern Math" panose="02000503000000000000" pitchFamily="50" charset="0"/>
+                          </a:rPr>
+                          <m:t>⊢</m:t>
+                        </m:r>
+                      </m:e>
+                    </m:acc>
+                    <m:d>
+                      <m:dPr>
+                        <m:begChr m:val="{"/>
+                        <m:endChr m:val="}"/>
+                        <m:ctrlPr>
+                          <a:rPr lang="en-US" sz="2400" i="1" cap="small">
+                            <a:latin typeface="Cambria Math" panose="02040503050406030204" pitchFamily="18" charset="0"/>
+                            <a:ea typeface="Cambria Math" panose="02040503050406030204" pitchFamily="18" charset="0"/>
+                          </a:rPr>
+                        </m:ctrlPr>
+                      </m:dPr>
+                      <m:e>
+                        <m:acc>
+                          <m:accPr>
+                            <m:chr m:val="̃"/>
+                            <m:ctrlPr>
+                              <a:rPr lang="en-US" sz="2400" i="1">
+                                <a:latin typeface="Cambria Math" panose="02040503050406030204" pitchFamily="18" charset="0"/>
+                                <a:ea typeface="Cambria Math" panose="02040503050406030204" pitchFamily="18" charset="0"/>
+                              </a:rPr>
+                            </m:ctrlPr>
+                          </m:accPr>
+                          <m:e>
+                            <m:sSub>
+                              <m:sSubPr>
+                                <m:ctrlPr>
+                                  <a:rPr lang="en-US" sz="2400" i="1">
+                                    <a:latin typeface="Cambria Math" panose="02040503050406030204" pitchFamily="18" charset="0"/>
+                                    <a:ea typeface="Cambria Math" panose="02040503050406030204" pitchFamily="18" charset="0"/>
+                                  </a:rPr>
+                                </m:ctrlPr>
+                              </m:sSubPr>
+                              <m:e>
+                                <m:r>
+                                  <a:rPr lang="en-US" sz="2400" i="1">
+                                    <a:latin typeface="Latin Modern Math" panose="02000503000000000000" pitchFamily="50" charset="0"/>
+                                    <a:ea typeface="Latin Modern Math" panose="02000503000000000000" pitchFamily="50" charset="0"/>
+                                  </a:rPr>
+                                  <m:t>𝜙</m:t>
+                                </m:r>
+                              </m:e>
+                              <m:sub>
+                                <m:r>
+                                  <a:rPr lang="en-US" sz="2400" i="1">
+                                    <a:latin typeface="Cambria Math" panose="02040503050406030204" pitchFamily="18" charset="0"/>
+                                    <a:ea typeface="Cambria Math" panose="02040503050406030204" pitchFamily="18" charset="0"/>
+                                  </a:rPr>
+                                  <m:t>1</m:t>
+                                </m:r>
+                              </m:sub>
+                            </m:sSub>
+                          </m:e>
+                        </m:acc>
+                      </m:e>
+                    </m:d>
+                    <m:r>
+                      <a:rPr lang="en-US" sz="2400" i="1" cap="small">
+                        <a:latin typeface="Cambria Math" panose="02040503050406030204" pitchFamily="18" charset="0"/>
+                        <a:ea typeface="Cambria Math" panose="02040503050406030204" pitchFamily="18" charset="0"/>
+                      </a:rPr>
+                      <m:t> </m:t>
+                    </m:r>
+                    <m:acc>
+                      <m:accPr>
+                        <m:chr m:val="̃"/>
+                        <m:ctrlPr>
+                          <a:rPr lang="en-US" sz="2400" i="1" cap="small">
+                            <a:latin typeface="Cambria Math" panose="02040503050406030204" pitchFamily="18" charset="0"/>
+                            <a:ea typeface="Cambria Math" panose="02040503050406030204" pitchFamily="18" charset="0"/>
+                          </a:rPr>
+                        </m:ctrlPr>
+                      </m:accPr>
+                      <m:e>
+                        <m:sSub>
+                          <m:sSubPr>
+                            <m:ctrlPr>
+                              <a:rPr lang="en-US" sz="2400" i="1" cap="small">
+                                <a:latin typeface="Cambria Math" panose="02040503050406030204" pitchFamily="18" charset="0"/>
+                                <a:ea typeface="Latin Modern Math" panose="02000503000000000000" pitchFamily="50" charset="0"/>
+                              </a:rPr>
+                            </m:ctrlPr>
+                          </m:sSubPr>
+                          <m:e>
+                            <m:r>
+                              <a:rPr lang="en-US" sz="2400" i="1" cap="small">
+                                <a:latin typeface="Latin Modern Math" panose="02000503000000000000" pitchFamily="50" charset="0"/>
+                                <a:ea typeface="Latin Modern Math" panose="02000503000000000000" pitchFamily="50" charset="0"/>
+                              </a:rPr>
+                              <m:t>𝑠</m:t>
+                            </m:r>
+                          </m:e>
+                          <m:sub>
+                            <m:r>
+                              <a:rPr lang="en-US" sz="2400" i="1" cap="small">
+                                <a:latin typeface="Cambria Math" panose="02040503050406030204" pitchFamily="18" charset="0"/>
+                                <a:ea typeface="Latin Modern Math" panose="02000503000000000000" pitchFamily="50" charset="0"/>
+                              </a:rPr>
+                              <m:t>1</m:t>
+                            </m:r>
+                          </m:sub>
+                        </m:sSub>
+                      </m:e>
+                    </m:acc>
+                    <m:r>
+                      <a:rPr lang="en-US" sz="2400" i="1" cap="small">
+                        <a:latin typeface="Cambria Math" panose="02040503050406030204" pitchFamily="18" charset="0"/>
+                        <a:ea typeface="Latin Modern Math" panose="02000503000000000000" pitchFamily="50" charset="0"/>
+                      </a:rPr>
+                      <m:t> </m:t>
+                    </m:r>
+                    <m:d>
+                      <m:dPr>
+                        <m:begChr m:val="{"/>
+                        <m:endChr m:val="}"/>
+                        <m:ctrlPr>
+                          <a:rPr lang="en-US" sz="2400" i="1" cap="small">
+                            <a:latin typeface="Cambria Math" panose="02040503050406030204" pitchFamily="18" charset="0"/>
+                            <a:ea typeface="Cambria Math" panose="02040503050406030204" pitchFamily="18" charset="0"/>
+                          </a:rPr>
+                        </m:ctrlPr>
+                      </m:dPr>
+                      <m:e>
+                        <m:acc>
+                          <m:accPr>
+                            <m:chr m:val="̃"/>
+                            <m:ctrlPr>
+                              <a:rPr lang="en-US" sz="2400" i="1">
+                                <a:latin typeface="Cambria Math" panose="02040503050406030204" pitchFamily="18" charset="0"/>
+                                <a:ea typeface="Cambria Math" panose="02040503050406030204" pitchFamily="18" charset="0"/>
+                              </a:rPr>
+                            </m:ctrlPr>
+                          </m:accPr>
+                          <m:e>
+                            <m:sSubSup>
+                              <m:sSubSupPr>
+                                <m:ctrlPr>
+                                  <a:rPr lang="en-US" sz="2400" i="1">
+                                    <a:latin typeface="Cambria Math" panose="02040503050406030204" pitchFamily="18" charset="0"/>
+                                    <a:ea typeface="Cambria Math" panose="02040503050406030204" pitchFamily="18" charset="0"/>
+                                  </a:rPr>
+                                </m:ctrlPr>
+                              </m:sSubSupPr>
+                              <m:e>
+                                <m:r>
+                                  <a:rPr lang="en-US" sz="2400" i="1">
+                                    <a:latin typeface="Latin Modern Math" panose="02000503000000000000" pitchFamily="50" charset="0"/>
+                                    <a:ea typeface="Latin Modern Math" panose="02000503000000000000" pitchFamily="50" charset="0"/>
+                                  </a:rPr>
+                                  <m:t>𝜙</m:t>
+                                </m:r>
+                              </m:e>
+                              <m:sub>
+                                <m:r>
+                                  <a:rPr lang="en-US" sz="2400" i="1">
+                                    <a:latin typeface="Cambria Math" panose="02040503050406030204" pitchFamily="18" charset="0"/>
+                                    <a:ea typeface="Cambria Math" panose="02040503050406030204" pitchFamily="18" charset="0"/>
+                                  </a:rPr>
+                                  <m:t>1</m:t>
+                                </m:r>
+                              </m:sub>
+                              <m:sup>
+                                <m:r>
+                                  <a:rPr lang="en-US" sz="2400" i="1">
+                                    <a:latin typeface="Cambria Math" panose="02040503050406030204" pitchFamily="18" charset="0"/>
+                                    <a:ea typeface="Cambria Math" panose="02040503050406030204" pitchFamily="18" charset="0"/>
+                                  </a:rPr>
+                                  <m:t>′</m:t>
+                                </m:r>
+                              </m:sup>
+                            </m:sSubSup>
+                          </m:e>
+                        </m:acc>
+                      </m:e>
+                    </m:d>
+                    <m:r>
+                      <a:rPr lang="en-US" sz="2400" b="0" i="1" smtClean="0">
+                        <a:latin typeface="Cambria Math" panose="02040503050406030204" pitchFamily="18" charset="0"/>
+                        <a:ea typeface="Cambria Math" panose="02040503050406030204" pitchFamily="18" charset="0"/>
+                      </a:rPr>
+                      <m:t> </m:t>
+                    </m:r>
+                    <m:r>
+                      <a:rPr lang="en-US" sz="2400" i="1" cap="small">
+                        <a:latin typeface="Latin Modern Math" panose="02000503000000000000" pitchFamily="50" charset="0"/>
+                        <a:ea typeface="Latin Modern Math" panose="02000503000000000000" pitchFamily="50" charset="0"/>
+                      </a:rPr>
+                      <m:t>⟹</m:t>
+                    </m:r>
+                    <m:r>
+                      <a:rPr lang="en-US" sz="2400" b="0" i="1" cap="small" smtClean="0">
+                        <a:latin typeface="Cambria Math" panose="02040503050406030204" pitchFamily="18" charset="0"/>
+                        <a:ea typeface="Latin Modern Math" panose="02000503000000000000" pitchFamily="50" charset="0"/>
+                      </a:rPr>
+                      <m:t>  </m:t>
+                    </m:r>
+                    <m:acc>
+                      <m:accPr>
+                        <m:chr m:val="̃"/>
+                        <m:ctrlPr>
+                          <a:rPr lang="en-US" sz="2400" i="1">
+                            <a:latin typeface="Cambria Math" panose="02040503050406030204" pitchFamily="18" charset="0"/>
+                            <a:ea typeface="Cambria Math" panose="02040503050406030204" pitchFamily="18" charset="0"/>
+                          </a:rPr>
+                        </m:ctrlPr>
+                      </m:accPr>
+                      <m:e>
+                        <m:r>
+                          <a:rPr lang="en-US" sz="2400" i="1" cap="small">
+                            <a:latin typeface="Latin Modern Math" panose="02000503000000000000" pitchFamily="50" charset="0"/>
+                            <a:ea typeface="Latin Modern Math" panose="02000503000000000000" pitchFamily="50" charset="0"/>
+                          </a:rPr>
+                          <m:t>⊢</m:t>
+                        </m:r>
+                      </m:e>
+                    </m:acc>
+                    <m:d>
+                      <m:dPr>
+                        <m:begChr m:val="{"/>
+                        <m:endChr m:val="}"/>
+                        <m:ctrlPr>
+                          <a:rPr lang="en-US" sz="2400" i="1" cap="small">
+                            <a:latin typeface="Cambria Math" panose="02040503050406030204" pitchFamily="18" charset="0"/>
+                            <a:ea typeface="Cambria Math" panose="02040503050406030204" pitchFamily="18" charset="0"/>
+                          </a:rPr>
+                        </m:ctrlPr>
+                      </m:dPr>
+                      <m:e>
+                        <m:acc>
+                          <m:accPr>
+                            <m:chr m:val="̃"/>
+                            <m:ctrlPr>
+                              <a:rPr lang="en-US" sz="2400" i="1">
+                                <a:latin typeface="Cambria Math" panose="02040503050406030204" pitchFamily="18" charset="0"/>
+                                <a:ea typeface="Cambria Math" panose="02040503050406030204" pitchFamily="18" charset="0"/>
+                              </a:rPr>
+                            </m:ctrlPr>
+                          </m:accPr>
+                          <m:e>
+                            <m:sSub>
+                              <m:sSubPr>
+                                <m:ctrlPr>
+                                  <a:rPr lang="en-US" sz="2400" i="1">
+                                    <a:latin typeface="Cambria Math" panose="02040503050406030204" pitchFamily="18" charset="0"/>
+                                    <a:ea typeface="Cambria Math" panose="02040503050406030204" pitchFamily="18" charset="0"/>
+                                  </a:rPr>
+                                </m:ctrlPr>
+                              </m:sSubPr>
+                              <m:e>
+                                <m:r>
+                                  <a:rPr lang="en-US" sz="2400" i="1">
+                                    <a:latin typeface="Latin Modern Math" panose="02000503000000000000" pitchFamily="50" charset="0"/>
+                                    <a:ea typeface="Latin Modern Math" panose="02000503000000000000" pitchFamily="50" charset="0"/>
+                                  </a:rPr>
+                                  <m:t>𝜙</m:t>
+                                </m:r>
+                              </m:e>
+                              <m:sub>
+                                <m:r>
+                                  <a:rPr lang="en-US" sz="2400" b="0" i="1" smtClean="0">
+                                    <a:latin typeface="Cambria Math" panose="02040503050406030204" pitchFamily="18" charset="0"/>
+                                    <a:ea typeface="Latin Modern Math" panose="02000503000000000000" pitchFamily="50" charset="0"/>
+                                  </a:rPr>
+                                  <m:t>2</m:t>
+                                </m:r>
+                              </m:sub>
+                            </m:sSub>
+                          </m:e>
+                        </m:acc>
+                      </m:e>
+                    </m:d>
+                    <m:r>
+                      <a:rPr lang="en-US" sz="2400" i="1" cap="small">
+                        <a:latin typeface="Cambria Math" panose="02040503050406030204" pitchFamily="18" charset="0"/>
+                        <a:ea typeface="Cambria Math" panose="02040503050406030204" pitchFamily="18" charset="0"/>
+                      </a:rPr>
+                      <m:t> </m:t>
+                    </m:r>
+                    <m:acc>
+                      <m:accPr>
+                        <m:chr m:val="̃"/>
+                        <m:ctrlPr>
+                          <a:rPr lang="en-US" sz="2400" i="1" cap="small">
+                            <a:latin typeface="Cambria Math" panose="02040503050406030204" pitchFamily="18" charset="0"/>
+                            <a:ea typeface="Cambria Math" panose="02040503050406030204" pitchFamily="18" charset="0"/>
+                          </a:rPr>
+                        </m:ctrlPr>
+                      </m:accPr>
+                      <m:e>
+                        <m:sSub>
+                          <m:sSubPr>
+                            <m:ctrlPr>
+                              <a:rPr lang="en-US" sz="2400" i="1" cap="small">
+                                <a:latin typeface="Cambria Math" panose="02040503050406030204" pitchFamily="18" charset="0"/>
+                                <a:ea typeface="Latin Modern Math" panose="02000503000000000000" pitchFamily="50" charset="0"/>
+                              </a:rPr>
+                            </m:ctrlPr>
+                          </m:sSubPr>
+                          <m:e>
+                            <m:r>
+                              <a:rPr lang="en-US" sz="2400" i="1" cap="small">
+                                <a:latin typeface="Latin Modern Math" panose="02000503000000000000" pitchFamily="50" charset="0"/>
+                                <a:ea typeface="Latin Modern Math" panose="02000503000000000000" pitchFamily="50" charset="0"/>
+                              </a:rPr>
+                              <m:t>𝑠</m:t>
+                            </m:r>
+                          </m:e>
+                          <m:sub>
+                            <m:r>
+                              <a:rPr lang="en-US" sz="2400" b="0" i="1" cap="small" smtClean="0">
+                                <a:latin typeface="Cambria Math" panose="02040503050406030204" pitchFamily="18" charset="0"/>
+                                <a:ea typeface="Latin Modern Math" panose="02000503000000000000" pitchFamily="50" charset="0"/>
+                              </a:rPr>
+                              <m:t>2</m:t>
+                            </m:r>
+                          </m:sub>
+                        </m:sSub>
+                      </m:e>
+                    </m:acc>
+                    <m:r>
+                      <a:rPr lang="en-US" sz="2400" i="1" cap="small">
+                        <a:latin typeface="Cambria Math" panose="02040503050406030204" pitchFamily="18" charset="0"/>
+                        <a:ea typeface="Latin Modern Math" panose="02000503000000000000" pitchFamily="50" charset="0"/>
+                      </a:rPr>
+                      <m:t> </m:t>
+                    </m:r>
+                    <m:d>
+                      <m:dPr>
+                        <m:begChr m:val="{"/>
+                        <m:endChr m:val="}"/>
+                        <m:ctrlPr>
+                          <a:rPr lang="en-US" sz="2400" i="1" cap="small">
+                            <a:latin typeface="Cambria Math" panose="02040503050406030204" pitchFamily="18" charset="0"/>
+                            <a:ea typeface="Cambria Math" panose="02040503050406030204" pitchFamily="18" charset="0"/>
+                          </a:rPr>
+                        </m:ctrlPr>
+                      </m:dPr>
+                      <m:e>
+                        <m:acc>
+                          <m:accPr>
+                            <m:chr m:val="̃"/>
+                            <m:ctrlPr>
+                              <a:rPr lang="en-US" sz="2400" i="1">
+                                <a:latin typeface="Cambria Math" panose="02040503050406030204" pitchFamily="18" charset="0"/>
+                                <a:ea typeface="Cambria Math" panose="02040503050406030204" pitchFamily="18" charset="0"/>
+                              </a:rPr>
+                            </m:ctrlPr>
+                          </m:accPr>
+                          <m:e>
+                            <m:sSubSup>
+                              <m:sSubSupPr>
+                                <m:ctrlPr>
+                                  <a:rPr lang="en-US" sz="2400" i="1">
+                                    <a:latin typeface="Cambria Math" panose="02040503050406030204" pitchFamily="18" charset="0"/>
+                                    <a:ea typeface="Cambria Math" panose="02040503050406030204" pitchFamily="18" charset="0"/>
+                                  </a:rPr>
+                                </m:ctrlPr>
+                              </m:sSubSupPr>
+                              <m:e>
+                                <m:r>
+                                  <a:rPr lang="en-US" sz="2400" i="1">
+                                    <a:latin typeface="Latin Modern Math" panose="02000503000000000000" pitchFamily="50" charset="0"/>
+                                    <a:ea typeface="Latin Modern Math" panose="02000503000000000000" pitchFamily="50" charset="0"/>
+                                  </a:rPr>
+                                  <m:t>𝜙</m:t>
+                                </m:r>
+                              </m:e>
+                              <m:sub>
+                                <m:r>
+                                  <a:rPr lang="en-US" sz="2400" b="0" i="1" smtClean="0">
+                                    <a:latin typeface="Cambria Math" panose="02040503050406030204" pitchFamily="18" charset="0"/>
+                                    <a:ea typeface="Latin Modern Math" panose="02000503000000000000" pitchFamily="50" charset="0"/>
+                                  </a:rPr>
+                                  <m:t>2</m:t>
+                                </m:r>
+                              </m:sub>
+                              <m:sup>
+                                <m:r>
+                                  <a:rPr lang="en-US" sz="2400" i="1">
+                                    <a:latin typeface="Cambria Math" panose="02040503050406030204" pitchFamily="18" charset="0"/>
+                                    <a:ea typeface="Cambria Math" panose="02040503050406030204" pitchFamily="18" charset="0"/>
+                                  </a:rPr>
+                                  <m:t>′</m:t>
+                                </m:r>
+                              </m:sup>
+                            </m:sSubSup>
+                          </m:e>
+                        </m:acc>
+                      </m:e>
+                    </m:d>
+                  </m:oMath>
+                </a14:m>
+                <a:r>
+                  <a:rPr lang="de-DE" sz="2400" i="1" cap="small" dirty="0">
+                    <a:latin typeface="Cambria Math" panose="02040503050406030204" pitchFamily="18" charset="0"/>
+                    <a:ea typeface="Cambria Math" panose="02040503050406030204" pitchFamily="18" charset="0"/>
+                  </a:rPr>
+                  <a:t> </a:t>
+                </a:r>
+              </a:p>
+              <a:p>
+                <a:pPr>
+                  <a:lnSpc>
+                    <a:spcPct val="150000"/>
+                  </a:lnSpc>
+                </a:pPr>
+                <a14:m>
+                  <m:oMath xmlns:m="http://schemas.openxmlformats.org/officeDocument/2006/math">
+                    <m:acc>
+                      <m:accPr>
+                        <m:chr m:val="̃"/>
+                        <m:ctrlPr>
+                          <a:rPr lang="en-US" sz="2400" i="1" smtClean="0">
+                            <a:latin typeface="Cambria Math" panose="02040503050406030204" pitchFamily="18" charset="0"/>
+                            <a:ea typeface="Cambria Math" panose="02040503050406030204" pitchFamily="18" charset="0"/>
+                          </a:rPr>
+                        </m:ctrlPr>
+                      </m:accPr>
+                      <m:e>
+                        <m:sSub>
+                          <m:sSubPr>
+                            <m:ctrlPr>
+                              <a:rPr lang="en-US" sz="2400" i="1">
+                                <a:latin typeface="Cambria Math" panose="02040503050406030204" pitchFamily="18" charset="0"/>
+                                <a:ea typeface="Cambria Math" panose="02040503050406030204" pitchFamily="18" charset="0"/>
+                              </a:rPr>
+                            </m:ctrlPr>
+                          </m:sSubPr>
+                          <m:e>
+                            <m:r>
+                              <a:rPr lang="en-US" sz="2400" i="1">
+                                <a:latin typeface="Latin Modern Math" panose="02000503000000000000" pitchFamily="50" charset="0"/>
+                                <a:ea typeface="Latin Modern Math" panose="02000503000000000000" pitchFamily="50" charset="0"/>
+                              </a:rPr>
+                              <m:t>𝜋</m:t>
+                            </m:r>
+                          </m:e>
+                          <m:sub>
+                            <m:r>
+                              <a:rPr lang="en-US" sz="2400" i="1">
+                                <a:latin typeface="Cambria Math" panose="02040503050406030204" pitchFamily="18" charset="0"/>
+                                <a:ea typeface="Cambria Math" panose="02040503050406030204" pitchFamily="18" charset="0"/>
+                              </a:rPr>
+                              <m:t>1</m:t>
+                            </m:r>
+                          </m:sub>
+                        </m:sSub>
+                      </m:e>
+                    </m:acc>
+                    <m:r>
+                      <a:rPr lang="en-US" sz="2400" b="0" i="1" smtClean="0">
+                        <a:latin typeface="Cambria Math" panose="02040503050406030204" pitchFamily="18" charset="0"/>
+                        <a:ea typeface="Cambria Math" panose="02040503050406030204" pitchFamily="18" charset="0"/>
+                      </a:rPr>
+                      <m:t> </m:t>
+                    </m:r>
+                    <m:acc>
+                      <m:accPr>
+                        <m:chr m:val="̃"/>
+                        <m:ctrlPr>
+                          <a:rPr lang="en-US" sz="2400" i="1">
+                            <a:latin typeface="Cambria Math" panose="02040503050406030204" pitchFamily="18" charset="0"/>
+                            <a:ea typeface="Latin Modern Math" panose="02000503000000000000" pitchFamily="50" charset="0"/>
+                          </a:rPr>
+                        </m:ctrlPr>
+                      </m:accPr>
+                      <m:e>
+                        <m:r>
+                          <m:rPr>
+                            <m:nor/>
+                          </m:rPr>
+                          <a:rPr lang="de-DE" sz="2400" dirty="0">
+                            <a:latin typeface="Latin Modern Math" panose="02000503000000000000" pitchFamily="50" charset="0"/>
+                            <a:ea typeface="Latin Modern Math" panose="02000503000000000000" pitchFamily="50" charset="0"/>
+                            <a:cs typeface="Lucida Sans Unicode" panose="020B0602030504020204" pitchFamily="34" charset="0"/>
+                          </a:rPr>
+                          <m:t>⟶</m:t>
+                        </m:r>
+                      </m:e>
+                    </m:acc>
+                    <m:r>
+                      <a:rPr lang="en-US" sz="2400" b="0" i="1" dirty="0" smtClean="0">
+                        <a:latin typeface="Cambria Math" panose="02040503050406030204" pitchFamily="18" charset="0"/>
+                        <a:ea typeface="Latin Modern Math" panose="02000503000000000000" pitchFamily="50" charset="0"/>
+                        <a:cs typeface="Lucida Sans Unicode" panose="020B0602030504020204" pitchFamily="34" charset="0"/>
+                      </a:rPr>
+                      <m:t> </m:t>
+                    </m:r>
+                    <m:acc>
+                      <m:accPr>
+                        <m:chr m:val="̃"/>
+                        <m:ctrlPr>
+                          <a:rPr lang="en-US" sz="2400" i="1">
+                            <a:latin typeface="Cambria Math" panose="02040503050406030204" pitchFamily="18" charset="0"/>
+                            <a:ea typeface="Cambria Math" panose="02040503050406030204" pitchFamily="18" charset="0"/>
+                          </a:rPr>
+                        </m:ctrlPr>
+                      </m:accPr>
+                      <m:e>
+                        <m:sSubSup>
+                          <m:sSubSupPr>
+                            <m:ctrlPr>
+                              <a:rPr lang="en-US" sz="2400" i="1">
+                                <a:latin typeface="Cambria Math" panose="02040503050406030204" pitchFamily="18" charset="0"/>
+                                <a:ea typeface="Cambria Math" panose="02040503050406030204" pitchFamily="18" charset="0"/>
+                              </a:rPr>
+                            </m:ctrlPr>
+                          </m:sSubSupPr>
+                          <m:e>
+                            <m:r>
+                              <a:rPr lang="en-US" sz="2400" i="1">
+                                <a:latin typeface="Latin Modern Math" panose="02000503000000000000" pitchFamily="50" charset="0"/>
+                                <a:ea typeface="Latin Modern Math" panose="02000503000000000000" pitchFamily="50" charset="0"/>
+                              </a:rPr>
+                              <m:t>𝜋</m:t>
+                            </m:r>
+                          </m:e>
+                          <m:sub>
+                            <m:r>
+                              <a:rPr lang="en-US" sz="2400" i="1">
+                                <a:latin typeface="Cambria Math" panose="02040503050406030204" pitchFamily="18" charset="0"/>
+                                <a:ea typeface="Latin Modern Math" panose="02000503000000000000" pitchFamily="50" charset="0"/>
+                              </a:rPr>
+                              <m:t>1</m:t>
+                            </m:r>
+                          </m:sub>
+                          <m:sup>
+                            <m:r>
+                              <a:rPr lang="en-US" sz="2400" i="1">
+                                <a:latin typeface="Cambria Math" panose="02040503050406030204" pitchFamily="18" charset="0"/>
+                                <a:ea typeface="Cambria Math" panose="02040503050406030204" pitchFamily="18" charset="0"/>
+                              </a:rPr>
+                              <m:t>′</m:t>
+                            </m:r>
+                          </m:sup>
+                        </m:sSubSup>
+                      </m:e>
+                    </m:acc>
+                    <m:r>
+                      <a:rPr lang="en-US" sz="2400" b="0" i="1" smtClean="0">
+                        <a:latin typeface="Cambria Math" panose="02040503050406030204" pitchFamily="18" charset="0"/>
+                        <a:ea typeface="Cambria Math" panose="02040503050406030204" pitchFamily="18" charset="0"/>
+                      </a:rPr>
+                      <m:t> </m:t>
+                    </m:r>
+                    <m:r>
+                      <a:rPr lang="en-US" sz="2400" i="1" cap="small">
+                        <a:latin typeface="Latin Modern Math" panose="02000503000000000000" pitchFamily="50" charset="0"/>
+                        <a:ea typeface="Latin Modern Math" panose="02000503000000000000" pitchFamily="50" charset="0"/>
+                      </a:rPr>
+                      <m:t>⟹</m:t>
+                    </m:r>
+                    <m:r>
+                      <a:rPr lang="en-US" sz="2400" b="0" i="1" cap="small" smtClean="0">
+                        <a:latin typeface="Cambria Math" panose="02040503050406030204" pitchFamily="18" charset="0"/>
+                        <a:ea typeface="Latin Modern Math" panose="02000503000000000000" pitchFamily="50" charset="0"/>
+                      </a:rPr>
+                      <m:t> ∃</m:t>
+                    </m:r>
+                    <m:acc>
+                      <m:accPr>
+                        <m:chr m:val="̃"/>
+                        <m:ctrlPr>
+                          <a:rPr lang="en-US" sz="2400" i="1">
+                            <a:latin typeface="Cambria Math" panose="02040503050406030204" pitchFamily="18" charset="0"/>
+                            <a:ea typeface="Cambria Math" panose="02040503050406030204" pitchFamily="18" charset="0"/>
+                          </a:rPr>
+                        </m:ctrlPr>
+                      </m:accPr>
+                      <m:e>
+                        <m:sSubSup>
+                          <m:sSubSupPr>
+                            <m:ctrlPr>
+                              <a:rPr lang="en-US" sz="2400" i="1">
+                                <a:latin typeface="Cambria Math" panose="02040503050406030204" pitchFamily="18" charset="0"/>
+                                <a:ea typeface="Cambria Math" panose="02040503050406030204" pitchFamily="18" charset="0"/>
+                              </a:rPr>
+                            </m:ctrlPr>
+                          </m:sSubSupPr>
+                          <m:e>
+                            <m:r>
+                              <a:rPr lang="en-US" sz="2400" i="1">
+                                <a:latin typeface="Latin Modern Math" panose="02000503000000000000" pitchFamily="50" charset="0"/>
+                                <a:ea typeface="Latin Modern Math" panose="02000503000000000000" pitchFamily="50" charset="0"/>
+                              </a:rPr>
+                              <m:t>𝜋</m:t>
+                            </m:r>
+                          </m:e>
+                          <m:sub>
+                            <m:r>
+                              <a:rPr lang="en-US" sz="2400" i="1">
+                                <a:latin typeface="Cambria Math" panose="02040503050406030204" pitchFamily="18" charset="0"/>
+                                <a:ea typeface="Latin Modern Math" panose="02000503000000000000" pitchFamily="50" charset="0"/>
+                              </a:rPr>
+                              <m:t>2</m:t>
+                            </m:r>
+                          </m:sub>
+                          <m:sup>
+                            <m:r>
+                              <a:rPr lang="en-US" sz="2400" i="1">
+                                <a:latin typeface="Cambria Math" panose="02040503050406030204" pitchFamily="18" charset="0"/>
+                                <a:ea typeface="Cambria Math" panose="02040503050406030204" pitchFamily="18" charset="0"/>
+                              </a:rPr>
+                              <m:t>′</m:t>
+                            </m:r>
+                          </m:sup>
+                        </m:sSubSup>
+                      </m:e>
+                    </m:acc>
+                    <m:r>
+                      <a:rPr lang="en-US" sz="2400" b="0" i="1" smtClean="0">
+                        <a:latin typeface="Cambria Math" panose="02040503050406030204" pitchFamily="18" charset="0"/>
+                        <a:ea typeface="Cambria Math" panose="02040503050406030204" pitchFamily="18" charset="0"/>
+                      </a:rPr>
+                      <m:t>.  </m:t>
+                    </m:r>
+                    <m:acc>
+                      <m:accPr>
+                        <m:chr m:val="̃"/>
+                        <m:ctrlPr>
+                          <a:rPr lang="en-US" sz="2400" i="1">
+                            <a:latin typeface="Cambria Math" panose="02040503050406030204" pitchFamily="18" charset="0"/>
+                            <a:ea typeface="Cambria Math" panose="02040503050406030204" pitchFamily="18" charset="0"/>
+                          </a:rPr>
+                        </m:ctrlPr>
+                      </m:accPr>
+                      <m:e>
+                        <m:sSub>
+                          <m:sSubPr>
+                            <m:ctrlPr>
+                              <a:rPr lang="en-US" sz="2400" i="1">
+                                <a:latin typeface="Cambria Math" panose="02040503050406030204" pitchFamily="18" charset="0"/>
+                                <a:ea typeface="Cambria Math" panose="02040503050406030204" pitchFamily="18" charset="0"/>
+                              </a:rPr>
+                            </m:ctrlPr>
+                          </m:sSubPr>
+                          <m:e>
+                            <m:r>
+                              <a:rPr lang="en-US" sz="2400" i="1">
+                                <a:latin typeface="Latin Modern Math" panose="02000503000000000000" pitchFamily="50" charset="0"/>
+                                <a:ea typeface="Latin Modern Math" panose="02000503000000000000" pitchFamily="50" charset="0"/>
+                              </a:rPr>
+                              <m:t>𝜋</m:t>
+                            </m:r>
+                          </m:e>
+                          <m:sub>
+                            <m:r>
+                              <a:rPr lang="en-US" sz="2400" i="1">
+                                <a:latin typeface="Cambria Math" panose="02040503050406030204" pitchFamily="18" charset="0"/>
+                                <a:ea typeface="Latin Modern Math" panose="02000503000000000000" pitchFamily="50" charset="0"/>
+                              </a:rPr>
+                              <m:t>2</m:t>
+                            </m:r>
+                          </m:sub>
+                        </m:sSub>
+                      </m:e>
+                    </m:acc>
+                    <m:r>
+                      <a:rPr lang="en-US" sz="2400" b="0" i="1" smtClean="0">
+                        <a:latin typeface="Cambria Math" panose="02040503050406030204" pitchFamily="18" charset="0"/>
+                        <a:ea typeface="Latin Modern Math" panose="02000503000000000000" pitchFamily="50" charset="0"/>
+                      </a:rPr>
+                      <m:t> </m:t>
+                    </m:r>
+                    <m:acc>
+                      <m:accPr>
+                        <m:chr m:val="̃"/>
+                        <m:ctrlPr>
+                          <a:rPr lang="en-US" sz="2400" i="1">
+                            <a:latin typeface="Cambria Math" panose="02040503050406030204" pitchFamily="18" charset="0"/>
+                            <a:ea typeface="Latin Modern Math" panose="02000503000000000000" pitchFamily="50" charset="0"/>
+                          </a:rPr>
+                        </m:ctrlPr>
+                      </m:accPr>
+                      <m:e>
+                        <m:r>
+                          <m:rPr>
+                            <m:nor/>
+                          </m:rPr>
+                          <a:rPr lang="de-DE" sz="2400" dirty="0">
+                            <a:latin typeface="Latin Modern Math" panose="02000503000000000000" pitchFamily="50" charset="0"/>
+                            <a:ea typeface="Latin Modern Math" panose="02000503000000000000" pitchFamily="50" charset="0"/>
+                            <a:cs typeface="Lucida Sans Unicode" panose="020B0602030504020204" pitchFamily="34" charset="0"/>
+                          </a:rPr>
+                          <m:t>⟶</m:t>
+                        </m:r>
+                      </m:e>
+                    </m:acc>
+                    <m:r>
+                      <a:rPr lang="en-US" sz="2400" b="0" i="1" dirty="0" smtClean="0">
+                        <a:latin typeface="Cambria Math" panose="02040503050406030204" pitchFamily="18" charset="0"/>
+                        <a:ea typeface="Latin Modern Math" panose="02000503000000000000" pitchFamily="50" charset="0"/>
+                        <a:cs typeface="Lucida Sans Unicode" panose="020B0602030504020204" pitchFamily="34" charset="0"/>
+                      </a:rPr>
+                      <m:t> </m:t>
+                    </m:r>
+                    <m:acc>
+                      <m:accPr>
+                        <m:chr m:val="̃"/>
+                        <m:ctrlPr>
+                          <a:rPr lang="en-US" sz="2400" i="1">
+                            <a:latin typeface="Cambria Math" panose="02040503050406030204" pitchFamily="18" charset="0"/>
+                            <a:ea typeface="Cambria Math" panose="02040503050406030204" pitchFamily="18" charset="0"/>
+                          </a:rPr>
+                        </m:ctrlPr>
+                      </m:accPr>
+                      <m:e>
+                        <m:sSubSup>
+                          <m:sSubSupPr>
+                            <m:ctrlPr>
+                              <a:rPr lang="en-US" sz="2400" i="1">
+                                <a:latin typeface="Cambria Math" panose="02040503050406030204" pitchFamily="18" charset="0"/>
+                                <a:ea typeface="Cambria Math" panose="02040503050406030204" pitchFamily="18" charset="0"/>
+                              </a:rPr>
+                            </m:ctrlPr>
+                          </m:sSubSupPr>
+                          <m:e>
+                            <m:r>
+                              <a:rPr lang="en-US" sz="2400" i="1">
+                                <a:latin typeface="Latin Modern Math" panose="02000503000000000000" pitchFamily="50" charset="0"/>
+                                <a:ea typeface="Latin Modern Math" panose="02000503000000000000" pitchFamily="50" charset="0"/>
+                              </a:rPr>
+                              <m:t>𝜋</m:t>
+                            </m:r>
+                          </m:e>
+                          <m:sub>
+                            <m:r>
+                              <a:rPr lang="en-US" sz="2400" i="1">
+                                <a:latin typeface="Cambria Math" panose="02040503050406030204" pitchFamily="18" charset="0"/>
+                                <a:ea typeface="Latin Modern Math" panose="02000503000000000000" pitchFamily="50" charset="0"/>
+                              </a:rPr>
+                              <m:t>2</m:t>
+                            </m:r>
+                          </m:sub>
+                          <m:sup>
+                            <m:r>
+                              <a:rPr lang="en-US" sz="2400" i="1">
+                                <a:latin typeface="Cambria Math" panose="02040503050406030204" pitchFamily="18" charset="0"/>
+                                <a:ea typeface="Cambria Math" panose="02040503050406030204" pitchFamily="18" charset="0"/>
+                              </a:rPr>
+                              <m:t>′</m:t>
+                            </m:r>
+                          </m:sup>
+                        </m:sSubSup>
+                      </m:e>
+                    </m:acc>
+                    <m:r>
+                      <a:rPr lang="en-US" sz="2400" b="0" i="1" smtClean="0">
+                        <a:latin typeface="Latin Modern Math" panose="02000503000000000000" pitchFamily="50" charset="0"/>
+                        <a:ea typeface="Latin Modern Math" panose="02000503000000000000" pitchFamily="50" charset="0"/>
+                      </a:rPr>
+                      <m:t>∧</m:t>
+                    </m:r>
+                    <m:acc>
+                      <m:accPr>
+                        <m:chr m:val="̃"/>
+                        <m:ctrlPr>
+                          <a:rPr lang="en-US" sz="2400" i="1">
+                            <a:latin typeface="Cambria Math" panose="02040503050406030204" pitchFamily="18" charset="0"/>
+                            <a:ea typeface="Cambria Math" panose="02040503050406030204" pitchFamily="18" charset="0"/>
+                          </a:rPr>
+                        </m:ctrlPr>
+                      </m:accPr>
+                      <m:e>
+                        <m:sSubSup>
+                          <m:sSubSupPr>
+                            <m:ctrlPr>
+                              <a:rPr lang="en-US" sz="2400" i="1">
+                                <a:latin typeface="Cambria Math" panose="02040503050406030204" pitchFamily="18" charset="0"/>
+                                <a:ea typeface="Cambria Math" panose="02040503050406030204" pitchFamily="18" charset="0"/>
+                              </a:rPr>
+                            </m:ctrlPr>
+                          </m:sSubSupPr>
+                          <m:e>
+                            <m:r>
+                              <a:rPr lang="en-US" sz="2400" i="1">
+                                <a:latin typeface="Latin Modern Math" panose="02000503000000000000" pitchFamily="50" charset="0"/>
+                                <a:ea typeface="Latin Modern Math" panose="02000503000000000000" pitchFamily="50" charset="0"/>
+                              </a:rPr>
+                              <m:t>𝜋</m:t>
+                            </m:r>
+                          </m:e>
+                          <m:sub>
+                            <m:r>
+                              <a:rPr lang="en-US" sz="2400" i="1">
+                                <a:latin typeface="Cambria Math" panose="02040503050406030204" pitchFamily="18" charset="0"/>
+                                <a:ea typeface="Latin Modern Math" panose="02000503000000000000" pitchFamily="50" charset="0"/>
+                              </a:rPr>
+                              <m:t>1</m:t>
+                            </m:r>
+                          </m:sub>
+                          <m:sup>
+                            <m:r>
+                              <a:rPr lang="en-US" sz="2400" i="1">
+                                <a:latin typeface="Cambria Math" panose="02040503050406030204" pitchFamily="18" charset="0"/>
+                                <a:ea typeface="Cambria Math" panose="02040503050406030204" pitchFamily="18" charset="0"/>
+                              </a:rPr>
+                              <m:t>′</m:t>
+                            </m:r>
+                          </m:sup>
+                        </m:sSubSup>
+                      </m:e>
+                    </m:acc>
+                    <m:r>
+                      <a:rPr lang="en-US" sz="2400" i="1">
+                        <a:latin typeface="Latin Modern Math" panose="02000503000000000000" pitchFamily="50" charset="0"/>
+                        <a:ea typeface="Latin Modern Math" panose="02000503000000000000" pitchFamily="50" charset="0"/>
+                      </a:rPr>
+                      <m:t>⊑</m:t>
+                    </m:r>
+                    <m:acc>
+                      <m:accPr>
+                        <m:chr m:val="̃"/>
+                        <m:ctrlPr>
+                          <a:rPr lang="en-US" sz="2400" i="1">
+                            <a:latin typeface="Cambria Math" panose="02040503050406030204" pitchFamily="18" charset="0"/>
+                            <a:ea typeface="Cambria Math" panose="02040503050406030204" pitchFamily="18" charset="0"/>
+                          </a:rPr>
+                        </m:ctrlPr>
+                      </m:accPr>
+                      <m:e>
+                        <m:sSubSup>
+                          <m:sSubSupPr>
+                            <m:ctrlPr>
+                              <a:rPr lang="en-US" sz="2400" i="1">
+                                <a:latin typeface="Cambria Math" panose="02040503050406030204" pitchFamily="18" charset="0"/>
+                                <a:ea typeface="Cambria Math" panose="02040503050406030204" pitchFamily="18" charset="0"/>
+                              </a:rPr>
+                            </m:ctrlPr>
+                          </m:sSubSupPr>
+                          <m:e>
+                            <m:r>
+                              <a:rPr lang="en-US" sz="2400" i="1">
+                                <a:latin typeface="Latin Modern Math" panose="02000503000000000000" pitchFamily="50" charset="0"/>
+                                <a:ea typeface="Latin Modern Math" panose="02000503000000000000" pitchFamily="50" charset="0"/>
+                              </a:rPr>
+                              <m:t>𝜋</m:t>
+                            </m:r>
+                          </m:e>
+                          <m:sub>
+                            <m:r>
+                              <a:rPr lang="en-US" sz="2400" i="1">
+                                <a:latin typeface="Cambria Math" panose="02040503050406030204" pitchFamily="18" charset="0"/>
+                                <a:ea typeface="Latin Modern Math" panose="02000503000000000000" pitchFamily="50" charset="0"/>
+                              </a:rPr>
+                              <m:t>2</m:t>
+                            </m:r>
+                          </m:sub>
+                          <m:sup>
+                            <m:r>
+                              <a:rPr lang="en-US" sz="2400" i="1">
+                                <a:latin typeface="Cambria Math" panose="02040503050406030204" pitchFamily="18" charset="0"/>
+                                <a:ea typeface="Cambria Math" panose="02040503050406030204" pitchFamily="18" charset="0"/>
+                              </a:rPr>
+                              <m:t>′</m:t>
+                            </m:r>
+                          </m:sup>
+                        </m:sSubSup>
+                      </m:e>
+                    </m:acc>
+                  </m:oMath>
+                </a14:m>
+                <a:r>
+                  <a:rPr lang="de-DE" sz="2400" i="1" cap="small" dirty="0">
+                    <a:latin typeface="Latin Modern Math" panose="02000503000000000000" pitchFamily="50" charset="0"/>
+                    <a:ea typeface="Latin Modern Math" panose="02000503000000000000" pitchFamily="50" charset="0"/>
+                  </a:rPr>
+                  <a:t> </a:t>
+                </a:r>
+              </a:p>
+            </p:txBody>
+          </p:sp>
+        </mc:Choice>
+        <mc:Fallback>
+          <p:sp>
+            <p:nvSpPr>
+              <p:cNvPr id="8" name="TextBox 7"/>
+              <p:cNvSpPr txBox="1">
+                <a:spLocks noRot="1" noChangeAspect="1" noMove="1" noResize="1" noEditPoints="1" noAdjustHandles="1" noChangeArrowheads="1" noChangeShapeType="1" noTextEdit="1"/>
+              </p:cNvSpPr>
+              <p:nvPr/>
+            </p:nvSpPr>
+            <p:spPr>
+              <a:xfrm>
+                <a:off x="628649" y="4033460"/>
+                <a:ext cx="7886701" cy="1983363"/>
+              </a:xfrm>
+              <a:prstGeom prst="rect">
+                <a:avLst/>
+              </a:prstGeom>
+              <a:blipFill>
+                <a:blip r:embed="rId3"/>
+                <a:stretch>
+                  <a:fillRect l="-227"/>
+                </a:stretch>
+              </a:blipFill>
+              <a:ln w="152400">
+                <a:solidFill>
+                  <a:schemeClr val="bg1">
+                    <a:lumMod val="95000"/>
+                  </a:schemeClr>
+                </a:solidFill>
+              </a:ln>
+            </p:spPr>
+            <p:txBody>
+              <a:bodyPr/>
+              <a:lstStyle/>
+              <a:p>
+                <a:r>
+                  <a:rPr lang="de-DE">
+                    <a:noFill/>
+                  </a:rPr>
+                  <a:t> </a:t>
+                </a:r>
+              </a:p>
+            </p:txBody>
+          </p:sp>
+        </mc:Fallback>
+      </mc:AlternateContent>
     </p:spTree>
     <p:extLst>
       <p:ext uri="{BB962C8B-B14F-4D97-AF65-F5344CB8AC3E}">

--- a/presentation/PLunch.pptx
+++ b/presentation/PLunch.pptx
@@ -5,7 +5,7 @@
     <p:sldMasterId id="2147484044" r:id="rId1"/>
   </p:sldMasterIdLst>
   <p:notesMasterIdLst>
-    <p:notesMasterId r:id="rId26"/>
+    <p:notesMasterId r:id="rId27"/>
   </p:notesMasterIdLst>
   <p:sldIdLst>
     <p:sldId id="256" r:id="rId2"/>
@@ -25,13 +25,14 @@
     <p:sldId id="275" r:id="rId16"/>
     <p:sldId id="276" r:id="rId17"/>
     <p:sldId id="278" r:id="rId18"/>
-    <p:sldId id="270" r:id="rId19"/>
-    <p:sldId id="271" r:id="rId20"/>
-    <p:sldId id="272" r:id="rId21"/>
-    <p:sldId id="269" r:id="rId22"/>
-    <p:sldId id="268" r:id="rId23"/>
-    <p:sldId id="267" r:id="rId24"/>
-    <p:sldId id="277" r:id="rId25"/>
+    <p:sldId id="282" r:id="rId19"/>
+    <p:sldId id="270" r:id="rId20"/>
+    <p:sldId id="271" r:id="rId21"/>
+    <p:sldId id="272" r:id="rId22"/>
+    <p:sldId id="269" r:id="rId23"/>
+    <p:sldId id="268" r:id="rId24"/>
+    <p:sldId id="267" r:id="rId25"/>
+    <p:sldId id="277" r:id="rId26"/>
   </p:sldIdLst>
   <p:sldSz cx="9144000" cy="6858000" type="screen4x3"/>
   <p:notesSz cx="6858000" cy="9144000"/>
@@ -160,6 +161,7 @@
             <p14:sldId id="275"/>
             <p14:sldId id="276"/>
             <p14:sldId id="278"/>
+            <p14:sldId id="282"/>
             <p14:sldId id="270"/>
             <p14:sldId id="271"/>
             <p14:sldId id="272"/>
@@ -260,7 +262,7 @@
           <a:p>
             <a:fld id="{4472BD51-9C58-410B-9488-A369148A1950}" type="datetimeFigureOut">
               <a:rPr lang="de-DE" smtClean="0"/>
-              <a:t>20.09.2016</a:t>
+              <a:t>21.09.2016</a:t>
             </a:fld>
             <a:endParaRPr lang="de-DE"/>
           </a:p>
@@ -1266,7 +1268,7 @@
           <a:p>
             <a:fld id="{4DCC1F29-B600-42F8-8BC8-9AFF066AEC7C}" type="slidenum">
               <a:rPr lang="de-DE" smtClean="0"/>
-              <a:t>18</a:t>
+              <a:t>19</a:t>
             </a:fld>
             <a:endParaRPr lang="de-DE"/>
           </a:p>
@@ -1358,7 +1360,7 @@
           <a:p>
             <a:fld id="{4DCC1F29-B600-42F8-8BC8-9AFF066AEC7C}" type="slidenum">
               <a:rPr lang="de-DE" smtClean="0"/>
-              <a:t>19</a:t>
+              <a:t>20</a:t>
             </a:fld>
             <a:endParaRPr lang="de-DE"/>
           </a:p>
@@ -1442,7 +1444,7 @@
           <a:p>
             <a:fld id="{4DCC1F29-B600-42F8-8BC8-9AFF066AEC7C}" type="slidenum">
               <a:rPr lang="de-DE" smtClean="0"/>
-              <a:t>22</a:t>
+              <a:t>23</a:t>
             </a:fld>
             <a:endParaRPr lang="de-DE"/>
           </a:p>
@@ -1534,7 +1536,7 @@
           <a:p>
             <a:fld id="{4DCC1F29-B600-42F8-8BC8-9AFF066AEC7C}" type="slidenum">
               <a:rPr lang="de-DE" smtClean="0"/>
-              <a:t>23</a:t>
+              <a:t>24</a:t>
             </a:fld>
             <a:endParaRPr lang="de-DE"/>
           </a:p>
@@ -1708,7 +1710,7 @@
           <a:p>
             <a:fld id="{4DCC1F29-B600-42F8-8BC8-9AFF066AEC7C}" type="slidenum">
               <a:rPr lang="de-DE" smtClean="0"/>
-              <a:t>24</a:t>
+              <a:t>25</a:t>
             </a:fld>
             <a:endParaRPr lang="de-DE"/>
           </a:p>
@@ -2549,7 +2551,7 @@
           <a:p>
             <a:fld id="{40D6D1C7-4F78-42D7-8A43-6446DCC2C625}" type="datetime1">
               <a:rPr lang="de-DE" smtClean="0"/>
-              <a:t>20.09.2016</a:t>
+              <a:t>21.09.2016</a:t>
             </a:fld>
             <a:endParaRPr lang="de-DE"/>
           </a:p>
@@ -2719,7 +2721,7 @@
           <a:p>
             <a:fld id="{7F2C8C36-E2E5-4307-9BC4-7B750D2A80AB}" type="datetime1">
               <a:rPr lang="de-DE" smtClean="0"/>
-              <a:t>20.09.2016</a:t>
+              <a:t>21.09.2016</a:t>
             </a:fld>
             <a:endParaRPr lang="de-DE"/>
           </a:p>
@@ -2899,7 +2901,7 @@
           <a:p>
             <a:fld id="{926F756B-BA40-472D-8F9C-952F05A78F89}" type="datetime1">
               <a:rPr lang="de-DE" smtClean="0"/>
-              <a:t>20.09.2016</a:t>
+              <a:t>21.09.2016</a:t>
             </a:fld>
             <a:endParaRPr lang="de-DE"/>
           </a:p>
@@ -3074,7 +3076,7 @@
           <a:p>
             <a:fld id="{4232A410-C2EF-4CBC-85F3-012D03A3B580}" type="datetime1">
               <a:rPr lang="de-DE" smtClean="0"/>
-              <a:t>20.09.2016</a:t>
+              <a:t>21.09.2016</a:t>
             </a:fld>
             <a:endParaRPr lang="de-DE" dirty="0"/>
           </a:p>
@@ -3318,7 +3320,7 @@
           <a:p>
             <a:fld id="{71F5C5C8-39C0-4BF8-AF57-16FF41159358}" type="datetime1">
               <a:rPr lang="de-DE" smtClean="0"/>
-              <a:t>20.09.2016</a:t>
+              <a:t>21.09.2016</a:t>
             </a:fld>
             <a:endParaRPr lang="de-DE"/>
           </a:p>
@@ -3550,7 +3552,7 @@
           <a:p>
             <a:fld id="{32A53972-F6FF-44D4-A481-D49DDFAE4BF8}" type="datetime1">
               <a:rPr lang="de-DE" smtClean="0"/>
-              <a:t>20.09.2016</a:t>
+              <a:t>21.09.2016</a:t>
             </a:fld>
             <a:endParaRPr lang="de-DE"/>
           </a:p>
@@ -3917,7 +3919,7 @@
           <a:p>
             <a:fld id="{C4583AE3-46C8-4AF9-9AE8-7EA45E0A8273}" type="datetime1">
               <a:rPr lang="de-DE" smtClean="0"/>
-              <a:t>20.09.2016</a:t>
+              <a:t>21.09.2016</a:t>
             </a:fld>
             <a:endParaRPr lang="de-DE"/>
           </a:p>
@@ -4035,7 +4037,7 @@
           <a:p>
             <a:fld id="{EB95C86F-67D0-4125-AAE3-94A97C56CADF}" type="datetime1">
               <a:rPr lang="de-DE" smtClean="0"/>
-              <a:t>20.09.2016</a:t>
+              <a:t>21.09.2016</a:t>
             </a:fld>
             <a:endParaRPr lang="de-DE"/>
           </a:p>
@@ -4130,7 +4132,7 @@
           <a:p>
             <a:fld id="{6BFB1022-13CE-4FDA-BFAB-CC559034E639}" type="datetime1">
               <a:rPr lang="de-DE" smtClean="0"/>
-              <a:t>20.09.2016</a:t>
+              <a:t>21.09.2016</a:t>
             </a:fld>
             <a:endParaRPr lang="de-DE"/>
           </a:p>
@@ -4407,7 +4409,7 @@
           <a:p>
             <a:fld id="{9EA0E9F1-31E5-4055-BF98-84A374F3223D}" type="datetime1">
               <a:rPr lang="de-DE" smtClean="0"/>
-              <a:t>20.09.2016</a:t>
+              <a:t>21.09.2016</a:t>
             </a:fld>
             <a:endParaRPr lang="de-DE"/>
           </a:p>
@@ -4664,7 +4666,7 @@
           <a:p>
             <a:fld id="{2C05286E-5FB3-47C9-885F-D70AD71092A0}" type="datetime1">
               <a:rPr lang="de-DE" smtClean="0"/>
-              <a:t>20.09.2016</a:t>
+              <a:t>21.09.2016</a:t>
             </a:fld>
             <a:endParaRPr lang="de-DE"/>
           </a:p>
@@ -4877,7 +4879,7 @@
           <a:p>
             <a:fld id="{46773D8D-2C61-447D-8757-380DAE1BDA0E}" type="datetime1">
               <a:rPr lang="de-DE" smtClean="0"/>
-              <a:t>20.09.2016</a:t>
+              <a:t>21.09.2016</a:t>
             </a:fld>
             <a:endParaRPr lang="de-DE"/>
           </a:p>
@@ -5917,8 +5919,8 @@
           </a:ln>
         </p:spPr>
       </p:pic>
-      <mc:AlternateContent xmlns:mc="http://schemas.openxmlformats.org/markup-compatibility/2006">
-        <mc:Choice xmlns:a14="http://schemas.microsoft.com/office/drawing/2010/main" Requires="a14">
+      <mc:AlternateContent xmlns:mc="http://schemas.openxmlformats.org/markup-compatibility/2006" xmlns:a14="http://schemas.microsoft.com/office/drawing/2010/main">
+        <mc:Choice Requires="a14">
           <p:sp>
             <p:nvSpPr>
               <p:cNvPr id="10" name="TextBox 9"/>
@@ -6127,7 +6129,7 @@
             </p:txBody>
           </p:sp>
         </mc:Choice>
-        <mc:Fallback>
+        <mc:Fallback xmlns="">
           <p:sp>
             <p:nvSpPr>
               <p:cNvPr id="10" name="TextBox 9"/>
@@ -6166,8 +6168,8 @@
           </p:sp>
         </mc:Fallback>
       </mc:AlternateContent>
-      <mc:AlternateContent xmlns:mc="http://schemas.openxmlformats.org/markup-compatibility/2006">
-        <mc:Choice xmlns:a14="http://schemas.microsoft.com/office/drawing/2010/main" Requires="a14">
+      <mc:AlternateContent xmlns:mc="http://schemas.openxmlformats.org/markup-compatibility/2006" xmlns:a14="http://schemas.microsoft.com/office/drawing/2010/main">
+        <mc:Choice Requires="a14">
           <p:sp>
             <p:nvSpPr>
               <p:cNvPr id="11" name="TextBox 10"/>
@@ -6446,7 +6448,7 @@
             </p:txBody>
           </p:sp>
         </mc:Choice>
-        <mc:Fallback>
+        <mc:Fallback xmlns="">
           <p:sp>
             <p:nvSpPr>
               <p:cNvPr id="11" name="TextBox 10"/>
@@ -6485,8 +6487,8 @@
           </p:sp>
         </mc:Fallback>
       </mc:AlternateContent>
-      <mc:AlternateContent xmlns:mc="http://schemas.openxmlformats.org/markup-compatibility/2006">
-        <mc:Choice xmlns:a14="http://schemas.microsoft.com/office/drawing/2010/main" Requires="a14">
+      <mc:AlternateContent xmlns:mc="http://schemas.openxmlformats.org/markup-compatibility/2006" xmlns:a14="http://schemas.microsoft.com/office/drawing/2010/main">
+        <mc:Choice Requires="a14">
           <p:sp>
             <p:nvSpPr>
               <p:cNvPr id="14" name="TextBox 13"/>
@@ -6569,7 +6571,7 @@
             </p:txBody>
           </p:sp>
         </mc:Choice>
-        <mc:Fallback>
+        <mc:Fallback xmlns="">
           <p:sp>
             <p:nvSpPr>
               <p:cNvPr id="14" name="TextBox 13"/>
@@ -6608,8 +6610,8 @@
           </p:sp>
         </mc:Fallback>
       </mc:AlternateContent>
-      <mc:AlternateContent xmlns:mc="http://schemas.openxmlformats.org/markup-compatibility/2006">
-        <mc:Choice xmlns:a14="http://schemas.microsoft.com/office/drawing/2010/main" Requires="a14">
+      <mc:AlternateContent xmlns:mc="http://schemas.openxmlformats.org/markup-compatibility/2006" xmlns:a14="http://schemas.microsoft.com/office/drawing/2010/main">
+        <mc:Choice Requires="a14">
           <p:sp>
             <p:nvSpPr>
               <p:cNvPr id="15" name="TextBox 14"/>
@@ -6815,7 +6817,7 @@
             </p:txBody>
           </p:sp>
         </mc:Choice>
-        <mc:Fallback>
+        <mc:Fallback xmlns="">
           <p:sp>
             <p:nvSpPr>
               <p:cNvPr id="15" name="TextBox 14"/>
@@ -7092,8 +7094,8 @@
           </a:ln>
         </p:spPr>
       </p:pic>
-      <mc:AlternateContent xmlns:mc="http://schemas.openxmlformats.org/markup-compatibility/2006">
-        <mc:Choice xmlns:a14="http://schemas.microsoft.com/office/drawing/2010/main" Requires="a14">
+      <mc:AlternateContent xmlns:mc="http://schemas.openxmlformats.org/markup-compatibility/2006" xmlns:a14="http://schemas.microsoft.com/office/drawing/2010/main">
+        <mc:Choice Requires="a14">
           <p:sp>
             <p:nvSpPr>
               <p:cNvPr id="10" name="TextBox 9"/>
@@ -7302,7 +7304,7 @@
             </p:txBody>
           </p:sp>
         </mc:Choice>
-        <mc:Fallback>
+        <mc:Fallback xmlns="">
           <p:sp>
             <p:nvSpPr>
               <p:cNvPr id="10" name="TextBox 9"/>
@@ -7341,8 +7343,8 @@
           </p:sp>
         </mc:Fallback>
       </mc:AlternateContent>
-      <mc:AlternateContent xmlns:mc="http://schemas.openxmlformats.org/markup-compatibility/2006">
-        <mc:Choice xmlns:a14="http://schemas.microsoft.com/office/drawing/2010/main" Requires="a14">
+      <mc:AlternateContent xmlns:mc="http://schemas.openxmlformats.org/markup-compatibility/2006" xmlns:a14="http://schemas.microsoft.com/office/drawing/2010/main">
+        <mc:Choice Requires="a14">
           <p:sp>
             <p:nvSpPr>
               <p:cNvPr id="11" name="TextBox 10"/>
@@ -7621,7 +7623,7 @@
             </p:txBody>
           </p:sp>
         </mc:Choice>
-        <mc:Fallback>
+        <mc:Fallback xmlns="">
           <p:sp>
             <p:nvSpPr>
               <p:cNvPr id="11" name="TextBox 10"/>
@@ -7660,8 +7662,8 @@
           </p:sp>
         </mc:Fallback>
       </mc:AlternateContent>
-      <mc:AlternateContent xmlns:mc="http://schemas.openxmlformats.org/markup-compatibility/2006">
-        <mc:Choice xmlns:a14="http://schemas.microsoft.com/office/drawing/2010/main" Requires="a14">
+      <mc:AlternateContent xmlns:mc="http://schemas.openxmlformats.org/markup-compatibility/2006" xmlns:a14="http://schemas.microsoft.com/office/drawing/2010/main">
+        <mc:Choice Requires="a14">
           <p:sp>
             <p:nvSpPr>
               <p:cNvPr id="15" name="TextBox 14"/>
@@ -7867,7 +7869,7 @@
             </p:txBody>
           </p:sp>
         </mc:Choice>
-        <mc:Fallback>
+        <mc:Fallback xmlns="">
           <p:sp>
             <p:nvSpPr>
               <p:cNvPr id="15" name="TextBox 14"/>
@@ -7906,8 +7908,8 @@
           </p:sp>
         </mc:Fallback>
       </mc:AlternateContent>
-      <mc:AlternateContent xmlns:mc="http://schemas.openxmlformats.org/markup-compatibility/2006">
-        <mc:Choice xmlns:a14="http://schemas.microsoft.com/office/drawing/2010/main" Requires="a14">
+      <mc:AlternateContent xmlns:mc="http://schemas.openxmlformats.org/markup-compatibility/2006" xmlns:a14="http://schemas.microsoft.com/office/drawing/2010/main">
+        <mc:Choice Requires="a14">
           <p:sp>
             <p:nvSpPr>
               <p:cNvPr id="6" name="TextBox 5"/>
@@ -7930,6 +7932,7 @@
               </a:bodyPr>
               <a:lstStyle/>
               <a:p>
+                <a:pPr/>
                 <a14:m>
                   <m:oMathPara xmlns:m="http://schemas.openxmlformats.org/officeDocument/2006/math">
                     <m:oMathParaPr>
@@ -7940,7 +7943,7 @@
                         <m:fPr>
                           <m:ctrlPr>
                             <a:rPr lang="de-DE" sz="2000" i="1" smtClean="0">
-                              <a:latin typeface="Latin Modern Math" panose="02000503000000000000" pitchFamily="50" charset="0"/>
+                              <a:latin typeface="Cambria Math" panose="02040503050406030204" pitchFamily="18" charset="0"/>
                               <a:ea typeface="Latin Modern Math" panose="02000503000000000000" pitchFamily="50" charset="0"/>
                             </a:rPr>
                           </m:ctrlPr>
@@ -7968,7 +7971,7 @@
                               <m:endChr m:val="}"/>
                               <m:ctrlPr>
                                 <a:rPr lang="en-US" sz="2000" b="0" i="1" smtClean="0">
-                                  <a:latin typeface="Latin Modern Math" panose="02000503000000000000" pitchFamily="50" charset="0"/>
+                                  <a:latin typeface="Cambria Math" panose="02040503050406030204" pitchFamily="18" charset="0"/>
                                   <a:ea typeface="Latin Modern Math" panose="02000503000000000000" pitchFamily="50" charset="0"/>
                                 </a:rPr>
                               </m:ctrlPr>
@@ -7987,7 +7990,7 @@
                                   <m:endChr m:val="]"/>
                                   <m:ctrlPr>
                                     <a:rPr lang="en-US" sz="2000" i="1">
-                                      <a:latin typeface="Latin Modern Math" panose="02000503000000000000" pitchFamily="50" charset="0"/>
+                                      <a:latin typeface="Cambria Math" panose="02040503050406030204" pitchFamily="18" charset="0"/>
                                       <a:ea typeface="Latin Modern Math" panose="02000503000000000000" pitchFamily="50" charset="0"/>
                                     </a:rPr>
                                   </m:ctrlPr>
@@ -8060,7 +8063,7 @@
                               <m:endChr m:val="}"/>
                               <m:ctrlPr>
                                 <a:rPr lang="en-US" sz="2000" b="0" i="1" smtClean="0">
-                                  <a:latin typeface="Latin Modern Math" panose="02000503000000000000" pitchFamily="50" charset="0"/>
+                                  <a:latin typeface="Cambria Math" panose="02040503050406030204" pitchFamily="18" charset="0"/>
                                   <a:ea typeface="Latin Modern Math" panose="02000503000000000000" pitchFamily="50" charset="0"/>
                                 </a:rPr>
                               </m:ctrlPr>
@@ -8088,7 +8091,7 @@
             </p:txBody>
           </p:sp>
         </mc:Choice>
-        <mc:Fallback>
+        <mc:Fallback xmlns="">
           <p:sp>
             <p:nvSpPr>
               <p:cNvPr id="6" name="TextBox 5"/>
@@ -8127,8 +8130,8 @@
           </p:sp>
         </mc:Fallback>
       </mc:AlternateContent>
-      <mc:AlternateContent xmlns:mc="http://schemas.openxmlformats.org/markup-compatibility/2006">
-        <mc:Choice xmlns:a14="http://schemas.microsoft.com/office/drawing/2010/main" Requires="a14">
+      <mc:AlternateContent xmlns:mc="http://schemas.openxmlformats.org/markup-compatibility/2006" xmlns:a14="http://schemas.microsoft.com/office/drawing/2010/main">
+        <mc:Choice Requires="a14">
           <p:sp>
             <p:nvSpPr>
               <p:cNvPr id="13" name="TextBox 12"/>
@@ -8151,6 +8154,7 @@
               </a:bodyPr>
               <a:lstStyle/>
               <a:p>
+                <a:pPr/>
                 <a14:m>
                   <m:oMathPara xmlns:m="http://schemas.openxmlformats.org/officeDocument/2006/math">
                     <m:oMathParaPr>
@@ -8161,7 +8165,7 @@
                         <m:fPr>
                           <m:ctrlPr>
                             <a:rPr lang="de-DE" sz="2000" i="1" smtClean="0">
-                              <a:latin typeface="Latin Modern Math" panose="02000503000000000000" pitchFamily="50" charset="0"/>
+                              <a:latin typeface="Cambria Math" panose="02040503050406030204" pitchFamily="18" charset="0"/>
                               <a:ea typeface="Latin Modern Math" panose="02000503000000000000" pitchFamily="50" charset="0"/>
                             </a:rPr>
                           </m:ctrlPr>
@@ -8224,7 +8228,7 @@
                               <m:endChr m:val="}"/>
                               <m:ctrlPr>
                                 <a:rPr lang="en-US" sz="2000" b="0" i="1" smtClean="0">
-                                  <a:latin typeface="Latin Modern Math" panose="02000503000000000000" pitchFamily="50" charset="0"/>
+                                  <a:latin typeface="Cambria Math" panose="02040503050406030204" pitchFamily="18" charset="0"/>
                                   <a:ea typeface="Latin Modern Math" panose="02000503000000000000" pitchFamily="50" charset="0"/>
                                 </a:rPr>
                               </m:ctrlPr>
@@ -8308,7 +8312,7 @@
                               <m:endChr m:val="}"/>
                               <m:ctrlPr>
                                 <a:rPr lang="en-US" sz="2000" b="0" i="1" smtClean="0">
-                                  <a:latin typeface="Latin Modern Math" panose="02000503000000000000" pitchFamily="50" charset="0"/>
+                                  <a:latin typeface="Cambria Math" panose="02040503050406030204" pitchFamily="18" charset="0"/>
                                   <a:ea typeface="Latin Modern Math" panose="02000503000000000000" pitchFamily="50" charset="0"/>
                                 </a:rPr>
                               </m:ctrlPr>
@@ -8336,7 +8340,7 @@
             </p:txBody>
           </p:sp>
         </mc:Choice>
-        <mc:Fallback>
+        <mc:Fallback xmlns="">
           <p:sp>
             <p:nvSpPr>
               <p:cNvPr id="13" name="TextBox 12"/>
@@ -8375,8 +8379,8 @@
           </p:sp>
         </mc:Fallback>
       </mc:AlternateContent>
-      <mc:AlternateContent xmlns:mc="http://schemas.openxmlformats.org/markup-compatibility/2006">
-        <mc:Choice xmlns:a14="http://schemas.microsoft.com/office/drawing/2010/main" Requires="a14">
+      <mc:AlternateContent xmlns:mc="http://schemas.openxmlformats.org/markup-compatibility/2006" xmlns:a14="http://schemas.microsoft.com/office/drawing/2010/main">
+        <mc:Choice Requires="a14">
           <p:sp>
             <p:nvSpPr>
               <p:cNvPr id="16" name="TextBox 15"/>
@@ -8399,6 +8403,7 @@
               </a:bodyPr>
               <a:lstStyle/>
               <a:p>
+                <a:pPr/>
                 <a14:m>
                   <m:oMathPara xmlns:m="http://schemas.openxmlformats.org/officeDocument/2006/math">
                     <m:oMathParaPr>
@@ -8409,7 +8414,7 @@
                         <m:fPr>
                           <m:ctrlPr>
                             <a:rPr lang="de-DE" sz="2000" i="1" smtClean="0">
-                              <a:latin typeface="Latin Modern Math" panose="02000503000000000000" pitchFamily="50" charset="0"/>
+                              <a:latin typeface="Cambria Math" panose="02040503050406030204" pitchFamily="18" charset="0"/>
                               <a:ea typeface="Latin Modern Math" panose="02000503000000000000" pitchFamily="50" charset="0"/>
                             </a:rPr>
                           </m:ctrlPr>
@@ -8428,7 +8433,7 @@
                               <m:endChr m:val="}"/>
                               <m:ctrlPr>
                                 <a:rPr lang="en-US" sz="2000" i="1">
-                                  <a:latin typeface="Latin Modern Math" panose="02000503000000000000" pitchFamily="50" charset="0"/>
+                                  <a:latin typeface="Cambria Math" panose="02040503050406030204" pitchFamily="18" charset="0"/>
                                   <a:ea typeface="Latin Modern Math" panose="02000503000000000000" pitchFamily="50" charset="0"/>
                                 </a:rPr>
                               </m:ctrlPr>
@@ -8438,7 +8443,7 @@
                                 <m:sSubPr>
                                   <m:ctrlPr>
                                     <a:rPr lang="en-US" sz="2000" i="1">
-                                      <a:latin typeface="Latin Modern Math" panose="02000503000000000000" pitchFamily="50" charset="0"/>
+                                      <a:latin typeface="Cambria Math" panose="02040503050406030204" pitchFamily="18" charset="0"/>
                                       <a:ea typeface="Latin Modern Math" panose="02000503000000000000" pitchFamily="50" charset="0"/>
                                     </a:rPr>
                                   </m:ctrlPr>
@@ -8475,7 +8480,7 @@
                             <m:sSubPr>
                               <m:ctrlPr>
                                 <a:rPr lang="en-US" sz="2000" i="1" dirty="0">
-                                  <a:latin typeface="Latin Modern Math" panose="02000503000000000000" pitchFamily="50" charset="0"/>
+                                  <a:latin typeface="Cambria Math" panose="02040503050406030204" pitchFamily="18" charset="0"/>
                                   <a:ea typeface="Latin Modern Math" panose="02000503000000000000" pitchFamily="50" charset="0"/>
                                 </a:rPr>
                               </m:ctrlPr>
@@ -8512,7 +8517,7 @@
                               <m:endChr m:val="}"/>
                               <m:ctrlPr>
                                 <a:rPr lang="en-US" sz="2000" i="1">
-                                  <a:latin typeface="Latin Modern Math" panose="02000503000000000000" pitchFamily="50" charset="0"/>
+                                  <a:latin typeface="Cambria Math" panose="02040503050406030204" pitchFamily="18" charset="0"/>
                                   <a:ea typeface="Latin Modern Math" panose="02000503000000000000" pitchFamily="50" charset="0"/>
                                 </a:rPr>
                               </m:ctrlPr>
@@ -8522,7 +8527,7 @@
                                 <m:sSubPr>
                                   <m:ctrlPr>
                                     <a:rPr lang="en-US" sz="2000" i="1">
-                                      <a:latin typeface="Latin Modern Math" panose="02000503000000000000" pitchFamily="50" charset="0"/>
+                                      <a:latin typeface="Cambria Math" panose="02040503050406030204" pitchFamily="18" charset="0"/>
                                       <a:ea typeface="Latin Modern Math" panose="02000503000000000000" pitchFamily="50" charset="0"/>
                                     </a:rPr>
                                   </m:ctrlPr>
@@ -8568,7 +8573,7 @@
                               <m:endChr m:val="}"/>
                               <m:ctrlPr>
                                 <a:rPr lang="en-US" sz="2000" i="1">
-                                  <a:latin typeface="Latin Modern Math" panose="02000503000000000000" pitchFamily="50" charset="0"/>
+                                  <a:latin typeface="Cambria Math" panose="02040503050406030204" pitchFamily="18" charset="0"/>
                                   <a:ea typeface="Latin Modern Math" panose="02000503000000000000" pitchFamily="50" charset="0"/>
                                 </a:rPr>
                               </m:ctrlPr>
@@ -8578,7 +8583,7 @@
                                 <m:sSubPr>
                                   <m:ctrlPr>
                                     <a:rPr lang="en-US" sz="2000" i="1">
-                                      <a:latin typeface="Latin Modern Math" panose="02000503000000000000" pitchFamily="50" charset="0"/>
+                                      <a:latin typeface="Cambria Math" panose="02040503050406030204" pitchFamily="18" charset="0"/>
                                       <a:ea typeface="Latin Modern Math" panose="02000503000000000000" pitchFamily="50" charset="0"/>
                                     </a:rPr>
                                   </m:ctrlPr>
@@ -8615,7 +8620,7 @@
                             <m:sSubPr>
                               <m:ctrlPr>
                                 <a:rPr lang="en-US" sz="2000" i="1" dirty="0" smtClean="0">
-                                  <a:latin typeface="Latin Modern Math" panose="02000503000000000000" pitchFamily="50" charset="0"/>
+                                  <a:latin typeface="Cambria Math" panose="02040503050406030204" pitchFamily="18" charset="0"/>
                                   <a:ea typeface="Latin Modern Math" panose="02000503000000000000" pitchFamily="50" charset="0"/>
                                 </a:rPr>
                               </m:ctrlPr>
@@ -8652,7 +8657,7 @@
                               <m:endChr m:val="}"/>
                               <m:ctrlPr>
                                 <a:rPr lang="en-US" sz="2000" i="1">
-                                  <a:latin typeface="Latin Modern Math" panose="02000503000000000000" pitchFamily="50" charset="0"/>
+                                  <a:latin typeface="Cambria Math" panose="02040503050406030204" pitchFamily="18" charset="0"/>
                                   <a:ea typeface="Latin Modern Math" panose="02000503000000000000" pitchFamily="50" charset="0"/>
                                 </a:rPr>
                               </m:ctrlPr>
@@ -8662,7 +8667,7 @@
                                 <m:sSubPr>
                                   <m:ctrlPr>
                                     <a:rPr lang="en-US" sz="2000" i="1">
-                                      <a:latin typeface="Latin Modern Math" panose="02000503000000000000" pitchFamily="50" charset="0"/>
+                                      <a:latin typeface="Cambria Math" panose="02040503050406030204" pitchFamily="18" charset="0"/>
                                       <a:ea typeface="Latin Modern Math" panose="02000503000000000000" pitchFamily="50" charset="0"/>
                                     </a:rPr>
                                   </m:ctrlPr>
@@ -8703,7 +8708,7 @@
                               <m:endChr m:val="}"/>
                               <m:ctrlPr>
                                 <a:rPr lang="en-US" sz="2000" b="0" i="1" smtClean="0">
-                                  <a:latin typeface="Latin Modern Math" panose="02000503000000000000" pitchFamily="50" charset="0"/>
+                                  <a:latin typeface="Cambria Math" panose="02040503050406030204" pitchFamily="18" charset="0"/>
                                   <a:ea typeface="Latin Modern Math" panose="02000503000000000000" pitchFamily="50" charset="0"/>
                                 </a:rPr>
                               </m:ctrlPr>
@@ -8829,7 +8834,7 @@
                               <m:endChr m:val="}"/>
                               <m:ctrlPr>
                                 <a:rPr lang="en-US" sz="2000" b="0" i="1" smtClean="0">
-                                  <a:latin typeface="Latin Modern Math" panose="02000503000000000000" pitchFamily="50" charset="0"/>
+                                  <a:latin typeface="Cambria Math" panose="02040503050406030204" pitchFamily="18" charset="0"/>
                                   <a:ea typeface="Latin Modern Math" panose="02000503000000000000" pitchFamily="50" charset="0"/>
                                 </a:rPr>
                               </m:ctrlPr>
@@ -8878,7 +8883,7 @@
             </p:txBody>
           </p:sp>
         </mc:Choice>
-        <mc:Fallback>
+        <mc:Fallback xmlns="">
           <p:sp>
             <p:nvSpPr>
               <p:cNvPr id="16" name="TextBox 15"/>
@@ -9155,8 +9160,8 @@
           </a:ln>
         </p:spPr>
       </p:pic>
-      <mc:AlternateContent xmlns:mc="http://schemas.openxmlformats.org/markup-compatibility/2006">
-        <mc:Choice xmlns:a14="http://schemas.microsoft.com/office/drawing/2010/main" Requires="a14">
+      <mc:AlternateContent xmlns:mc="http://schemas.openxmlformats.org/markup-compatibility/2006" xmlns:a14="http://schemas.microsoft.com/office/drawing/2010/main">
+        <mc:Choice Requires="a14">
           <p:sp>
             <p:nvSpPr>
               <p:cNvPr id="10" name="TextBox 9"/>
@@ -9365,7 +9370,7 @@
             </p:txBody>
           </p:sp>
         </mc:Choice>
-        <mc:Fallback>
+        <mc:Fallback xmlns="">
           <p:sp>
             <p:nvSpPr>
               <p:cNvPr id="10" name="TextBox 9"/>
@@ -9404,8 +9409,8 @@
           </p:sp>
         </mc:Fallback>
       </mc:AlternateContent>
-      <mc:AlternateContent xmlns:mc="http://schemas.openxmlformats.org/markup-compatibility/2006">
-        <mc:Choice xmlns:a14="http://schemas.microsoft.com/office/drawing/2010/main" Requires="a14">
+      <mc:AlternateContent xmlns:mc="http://schemas.openxmlformats.org/markup-compatibility/2006" xmlns:a14="http://schemas.microsoft.com/office/drawing/2010/main">
+        <mc:Choice Requires="a14">
           <p:sp>
             <p:nvSpPr>
               <p:cNvPr id="11" name="TextBox 10"/>
@@ -9684,7 +9689,7 @@
             </p:txBody>
           </p:sp>
         </mc:Choice>
-        <mc:Fallback>
+        <mc:Fallback xmlns="">
           <p:sp>
             <p:nvSpPr>
               <p:cNvPr id="11" name="TextBox 10"/>
@@ -9723,8 +9728,8 @@
           </p:sp>
         </mc:Fallback>
       </mc:AlternateContent>
-      <mc:AlternateContent xmlns:mc="http://schemas.openxmlformats.org/markup-compatibility/2006">
-        <mc:Choice xmlns:a14="http://schemas.microsoft.com/office/drawing/2010/main" Requires="a14">
+      <mc:AlternateContent xmlns:mc="http://schemas.openxmlformats.org/markup-compatibility/2006" xmlns:a14="http://schemas.microsoft.com/office/drawing/2010/main">
+        <mc:Choice Requires="a14">
           <p:sp>
             <p:nvSpPr>
               <p:cNvPr id="15" name="TextBox 14"/>
@@ -9930,7 +9935,7 @@
             </p:txBody>
           </p:sp>
         </mc:Choice>
-        <mc:Fallback>
+        <mc:Fallback xmlns="">
           <p:sp>
             <p:nvSpPr>
               <p:cNvPr id="15" name="TextBox 14"/>
@@ -9969,8 +9974,8 @@
           </p:sp>
         </mc:Fallback>
       </mc:AlternateContent>
-      <mc:AlternateContent xmlns:mc="http://schemas.openxmlformats.org/markup-compatibility/2006">
-        <mc:Choice xmlns:a14="http://schemas.microsoft.com/office/drawing/2010/main" Requires="a14">
+      <mc:AlternateContent xmlns:mc="http://schemas.openxmlformats.org/markup-compatibility/2006" xmlns:a14="http://schemas.microsoft.com/office/drawing/2010/main">
+        <mc:Choice Requires="a14">
           <p:sp>
             <p:nvSpPr>
               <p:cNvPr id="16" name="TextBox 15"/>
@@ -9993,6 +9998,7 @@
               </a:bodyPr>
               <a:lstStyle/>
               <a:p>
+                <a:pPr/>
                 <a14:m>
                   <m:oMathPara xmlns:m="http://schemas.openxmlformats.org/officeDocument/2006/math">
                     <m:oMathParaPr>
@@ -10003,7 +10009,7 @@
                         <m:fPr>
                           <m:ctrlPr>
                             <a:rPr lang="de-DE" sz="2000" i="1" smtClean="0">
-                              <a:latin typeface="Latin Modern Math" panose="02000503000000000000" pitchFamily="50" charset="0"/>
+                              <a:latin typeface="Cambria Math" panose="02040503050406030204" pitchFamily="18" charset="0"/>
                               <a:ea typeface="Latin Modern Math" panose="02000503000000000000" pitchFamily="50" charset="0"/>
                             </a:rPr>
                           </m:ctrlPr>
@@ -10029,7 +10035,7 @@
                               <m:endChr m:val="}"/>
                               <m:ctrlPr>
                                 <a:rPr lang="en-US" sz="2000" i="1">
-                                  <a:latin typeface="Latin Modern Math" panose="02000503000000000000" pitchFamily="50" charset="0"/>
+                                  <a:latin typeface="Cambria Math" panose="02040503050406030204" pitchFamily="18" charset="0"/>
                                   <a:ea typeface="Latin Modern Math" panose="02000503000000000000" pitchFamily="50" charset="0"/>
                                 </a:rPr>
                               </m:ctrlPr>
@@ -10071,7 +10077,7 @@
                               <m:endChr m:val="}"/>
                               <m:ctrlPr>
                                 <a:rPr lang="en-US" sz="2000" i="1">
-                                  <a:latin typeface="Latin Modern Math" panose="02000503000000000000" pitchFamily="50" charset="0"/>
+                                  <a:latin typeface="Cambria Math" panose="02040503050406030204" pitchFamily="18" charset="0"/>
                                   <a:ea typeface="Latin Modern Math" panose="02000503000000000000" pitchFamily="50" charset="0"/>
                                 </a:rPr>
                               </m:ctrlPr>
@@ -10129,7 +10135,7 @@
                               <m:endChr m:val="}"/>
                               <m:ctrlPr>
                                 <a:rPr lang="en-US" sz="2000" b="0" i="1" smtClean="0">
-                                  <a:latin typeface="Latin Modern Math" panose="02000503000000000000" pitchFamily="50" charset="0"/>
+                                  <a:latin typeface="Cambria Math" panose="02040503050406030204" pitchFamily="18" charset="0"/>
                                   <a:ea typeface="Latin Modern Math" panose="02000503000000000000" pitchFamily="50" charset="0"/>
                                 </a:rPr>
                               </m:ctrlPr>
@@ -10171,7 +10177,7 @@
                               <m:endChr m:val="}"/>
                               <m:ctrlPr>
                                 <a:rPr lang="en-US" sz="2000" b="0" i="1" smtClean="0">
-                                  <a:latin typeface="Latin Modern Math" panose="02000503000000000000" pitchFamily="50" charset="0"/>
+                                  <a:latin typeface="Cambria Math" panose="02040503050406030204" pitchFamily="18" charset="0"/>
                                   <a:ea typeface="Latin Modern Math" panose="02000503000000000000" pitchFamily="50" charset="0"/>
                                 </a:rPr>
                               </m:ctrlPr>
@@ -10220,7 +10226,7 @@
             </p:txBody>
           </p:sp>
         </mc:Choice>
-        <mc:Fallback>
+        <mc:Fallback xmlns="">
           <p:sp>
             <p:nvSpPr>
               <p:cNvPr id="16" name="TextBox 15"/>
@@ -10259,8 +10265,8 @@
           </p:sp>
         </mc:Fallback>
       </mc:AlternateContent>
-      <mc:AlternateContent xmlns:mc="http://schemas.openxmlformats.org/markup-compatibility/2006">
-        <mc:Choice xmlns:a14="http://schemas.microsoft.com/office/drawing/2010/main" Requires="a14">
+      <mc:AlternateContent xmlns:mc="http://schemas.openxmlformats.org/markup-compatibility/2006" xmlns:a14="http://schemas.microsoft.com/office/drawing/2010/main">
+        <mc:Choice Requires="a14">
           <p:sp>
             <p:nvSpPr>
               <p:cNvPr id="14" name="TextBox 13"/>
@@ -10283,6 +10289,7 @@
               </a:bodyPr>
               <a:lstStyle/>
               <a:p>
+                <a:pPr/>
                 <a14:m>
                   <m:oMathPara xmlns:m="http://schemas.openxmlformats.org/officeDocument/2006/math">
                     <m:oMathParaPr>
@@ -10302,7 +10309,7 @@
                           <m:endChr m:val="}"/>
                           <m:ctrlPr>
                             <a:rPr lang="en-US" sz="2000" i="1">
-                              <a:latin typeface="Latin Modern Math" panose="02000503000000000000" pitchFamily="50" charset="0"/>
+                              <a:latin typeface="Cambria Math" panose="02040503050406030204" pitchFamily="18" charset="0"/>
                               <a:ea typeface="Latin Modern Math" panose="02000503000000000000" pitchFamily="50" charset="0"/>
                             </a:rPr>
                           </m:ctrlPr>
@@ -10344,7 +10351,7 @@
                           <m:endChr m:val="}"/>
                           <m:ctrlPr>
                             <a:rPr lang="en-US" sz="2000" i="1">
-                              <a:latin typeface="Latin Modern Math" panose="02000503000000000000" pitchFamily="50" charset="0"/>
+                              <a:latin typeface="Cambria Math" panose="02040503050406030204" pitchFamily="18" charset="0"/>
                               <a:ea typeface="Latin Modern Math" panose="02000503000000000000" pitchFamily="50" charset="0"/>
                             </a:rPr>
                           </m:ctrlPr>
@@ -10354,7 +10361,7 @@
                             <m:sSupPr>
                               <m:ctrlPr>
                                 <a:rPr lang="en-US" sz="2000" i="1">
-                                  <a:latin typeface="Latin Modern Math" panose="02000503000000000000" pitchFamily="50" charset="0"/>
+                                  <a:latin typeface="Cambria Math" panose="02040503050406030204" pitchFamily="18" charset="0"/>
                                   <a:ea typeface="Latin Modern Math" panose="02000503000000000000" pitchFamily="50" charset="0"/>
                                 </a:rPr>
                               </m:ctrlPr>
@@ -10430,6 +10437,7 @@
                 </a:endParaRPr>
               </a:p>
               <a:p>
+                <a:pPr/>
                 <a14:m>
                   <m:oMathPara xmlns:m="http://schemas.openxmlformats.org/officeDocument/2006/math">
                     <m:oMathParaPr>
@@ -10752,7 +10760,7 @@
             </p:txBody>
           </p:sp>
         </mc:Choice>
-        <mc:Fallback>
+        <mc:Fallback xmlns="">
           <p:sp>
             <p:nvSpPr>
               <p:cNvPr id="14" name="TextBox 13"/>
@@ -11114,8 +11122,8 @@
           </a:p>
         </p:txBody>
       </p:sp>
-      <mc:AlternateContent xmlns:mc="http://schemas.openxmlformats.org/markup-compatibility/2006">
-        <mc:Choice xmlns:a14="http://schemas.microsoft.com/office/drawing/2010/main" Requires="a14">
+      <mc:AlternateContent xmlns:mc="http://schemas.openxmlformats.org/markup-compatibility/2006" xmlns:a14="http://schemas.microsoft.com/office/drawing/2010/main">
+        <mc:Choice Requires="a14">
           <p:sp>
             <p:nvSpPr>
               <p:cNvPr id="12" name="Rectangle 11"/>
@@ -11241,7 +11249,7 @@
             </p:txBody>
           </p:sp>
         </mc:Choice>
-        <mc:Fallback>
+        <mc:Fallback xmlns="">
           <p:sp>
             <p:nvSpPr>
               <p:cNvPr id="12" name="Rectangle 11"/>
@@ -11280,8 +11288,8 @@
           </p:sp>
         </mc:Fallback>
       </mc:AlternateContent>
-      <mc:AlternateContent xmlns:mc="http://schemas.openxmlformats.org/markup-compatibility/2006">
-        <mc:Choice xmlns:a14="http://schemas.microsoft.com/office/drawing/2010/main" Requires="a14">
+      <mc:AlternateContent xmlns:mc="http://schemas.openxmlformats.org/markup-compatibility/2006" xmlns:a14="http://schemas.microsoft.com/office/drawing/2010/main">
+        <mc:Choice Requires="a14">
           <p:sp>
             <p:nvSpPr>
               <p:cNvPr id="13" name="Rectangle 12"/>
@@ -11407,7 +11415,7 @@
             </p:txBody>
           </p:sp>
         </mc:Choice>
-        <mc:Fallback>
+        <mc:Fallback xmlns="">
           <p:sp>
             <p:nvSpPr>
               <p:cNvPr id="13" name="Rectangle 12"/>
@@ -11460,8 +11468,8 @@
             <a:chExt cx="7886701" cy="2397190"/>
           </a:xfrm>
         </p:grpSpPr>
-        <mc:AlternateContent xmlns:mc="http://schemas.openxmlformats.org/markup-compatibility/2006">
-          <mc:Choice xmlns:a14="http://schemas.microsoft.com/office/drawing/2010/main" Requires="a14">
+        <mc:AlternateContent xmlns:mc="http://schemas.openxmlformats.org/markup-compatibility/2006" xmlns:a14="http://schemas.microsoft.com/office/drawing/2010/main">
+          <mc:Choice Requires="a14">
             <p:sp>
               <p:nvSpPr>
                 <p:cNvPr id="15" name="TextBox 14"/>
@@ -11657,7 +11665,7 @@
                         <m:dPr>
                           <m:ctrlPr>
                             <a:rPr lang="en-US" sz="2400" i="1" cap="small">
-                              <a:latin typeface="Latin Modern Math" panose="02000503000000000000" pitchFamily="50" charset="0"/>
+                              <a:latin typeface="Cambria Math" panose="02040503050406030204" pitchFamily="18" charset="0"/>
                               <a:ea typeface="Latin Modern Math" panose="02000503000000000000" pitchFamily="50" charset="0"/>
                             </a:rPr>
                           </m:ctrlPr>
@@ -11722,7 +11730,7 @@
                         <m:dPr>
                           <m:ctrlPr>
                             <a:rPr lang="en-US" sz="2400" i="1" cap="small">
-                              <a:latin typeface="Latin Modern Math" panose="02000503000000000000" pitchFamily="50" charset="0"/>
+                              <a:latin typeface="Cambria Math" panose="02040503050406030204" pitchFamily="18" charset="0"/>
                               <a:ea typeface="Latin Modern Math" panose="02000503000000000000" pitchFamily="50" charset="0"/>
                             </a:rPr>
                           </m:ctrlPr>
@@ -11774,7 +11782,7 @@
                           <m:endChr m:val="}"/>
                           <m:ctrlPr>
                             <a:rPr lang="en-US" sz="2400" b="0" i="1" cap="small" smtClean="0">
-                              <a:latin typeface="Latin Modern Math" panose="02000503000000000000" pitchFamily="50" charset="0"/>
+                              <a:latin typeface="Cambria Math" panose="02040503050406030204" pitchFamily="18" charset="0"/>
                               <a:ea typeface="Latin Modern Math" panose="02000503000000000000" pitchFamily="50" charset="0"/>
                             </a:rPr>
                           </m:ctrlPr>
@@ -11878,7 +11886,7 @@
               </p:txBody>
             </p:sp>
           </mc:Choice>
-          <mc:Fallback>
+          <mc:Fallback xmlns="">
             <p:sp>
               <p:nvSpPr>
                 <p:cNvPr id="15" name="TextBox 14"/>
@@ -11924,8 +11932,8 @@
             </p:sp>
           </mc:Fallback>
         </mc:AlternateContent>
-        <mc:AlternateContent xmlns:mc="http://schemas.openxmlformats.org/markup-compatibility/2006">
-          <mc:Choice xmlns:a14="http://schemas.microsoft.com/office/drawing/2010/main" Requires="a14">
+        <mc:AlternateContent xmlns:mc="http://schemas.openxmlformats.org/markup-compatibility/2006" xmlns:a14="http://schemas.microsoft.com/office/drawing/2010/main">
+          <mc:Choice Requires="a14">
             <p:sp>
               <p:nvSpPr>
                 <p:cNvPr id="17" name="hide1a"/>
@@ -12008,7 +12016,7 @@
               </p:txBody>
             </p:sp>
           </mc:Choice>
-          <mc:Fallback>
+          <mc:Fallback xmlns="">
             <p:sp>
               <p:nvSpPr>
                 <p:cNvPr id="17" name="hide1a"/>
@@ -12050,8 +12058,8 @@
             </p:sp>
           </mc:Fallback>
         </mc:AlternateContent>
-        <mc:AlternateContent xmlns:mc="http://schemas.openxmlformats.org/markup-compatibility/2006">
-          <mc:Choice xmlns:a14="http://schemas.microsoft.com/office/drawing/2010/main" Requires="a14">
+        <mc:AlternateContent xmlns:mc="http://schemas.openxmlformats.org/markup-compatibility/2006" xmlns:a14="http://schemas.microsoft.com/office/drawing/2010/main">
+          <mc:Choice Requires="a14">
             <p:sp>
               <p:nvSpPr>
                 <p:cNvPr id="18" name="hide1a"/>
@@ -12122,7 +12130,7 @@
               </p:txBody>
             </p:sp>
           </mc:Choice>
-          <mc:Fallback>
+          <mc:Fallback xmlns="">
             <p:sp>
               <p:nvSpPr>
                 <p:cNvPr id="18" name="hide1a"/>
@@ -12281,8 +12289,8 @@
           </a:p>
         </p:txBody>
       </p:sp>
-      <mc:AlternateContent xmlns:mc="http://schemas.openxmlformats.org/markup-compatibility/2006">
-        <mc:Choice xmlns:a14="http://schemas.microsoft.com/office/drawing/2010/main" Requires="a14">
+      <mc:AlternateContent xmlns:mc="http://schemas.openxmlformats.org/markup-compatibility/2006" xmlns:a14="http://schemas.microsoft.com/office/drawing/2010/main">
+        <mc:Choice Requires="a14">
           <p:sp>
             <p:nvSpPr>
               <p:cNvPr id="24" name="TextBox 23"/>
@@ -12366,7 +12374,7 @@
                         <m:sSubPr>
                           <m:ctrlPr>
                             <a:rPr lang="en-US" sz="2400" b="0" i="1" smtClean="0">
-                              <a:latin typeface="Latin Modern Math" panose="02000503000000000000" pitchFamily="50" charset="0"/>
+                              <a:latin typeface="Cambria Math" panose="02040503050406030204" pitchFamily="18" charset="0"/>
                               <a:ea typeface="Latin Modern Math" panose="02000503000000000000" pitchFamily="50" charset="0"/>
                             </a:rPr>
                           </m:ctrlPr>
@@ -12401,7 +12409,7 @@
                         <m:sSubPr>
                           <m:ctrlPr>
                             <a:rPr lang="en-US" sz="2400" b="0" i="1" smtClean="0">
-                              <a:latin typeface="Latin Modern Math" panose="02000503000000000000" pitchFamily="50" charset="0"/>
+                              <a:latin typeface="Cambria Math" panose="02040503050406030204" pitchFamily="18" charset="0"/>
                               <a:ea typeface="Latin Modern Math" panose="02000503000000000000" pitchFamily="50" charset="0"/>
                             </a:rPr>
                           </m:ctrlPr>
@@ -12464,7 +12472,7 @@
                         <m:sSubPr>
                           <m:ctrlPr>
                             <a:rPr lang="en-US" sz="2400" b="0" i="1" smtClean="0">
-                              <a:latin typeface="Latin Modern Math" panose="02000503000000000000" pitchFamily="50" charset="0"/>
+                              <a:latin typeface="Cambria Math" panose="02040503050406030204" pitchFamily="18" charset="0"/>
                               <a:ea typeface="Latin Modern Math" panose="02000503000000000000" pitchFamily="50" charset="0"/>
                             </a:rPr>
                           </m:ctrlPr>
@@ -12513,7 +12521,7 @@
                         <m:sSubPr>
                           <m:ctrlPr>
                             <a:rPr lang="en-US" sz="2400" i="1">
-                              <a:latin typeface="Latin Modern Math" panose="02000503000000000000" pitchFamily="50" charset="0"/>
+                              <a:latin typeface="Cambria Math" panose="02040503050406030204" pitchFamily="18" charset="0"/>
                               <a:ea typeface="Latin Modern Math" panose="02000503000000000000" pitchFamily="50" charset="0"/>
                             </a:rPr>
                           </m:ctrlPr>
@@ -12555,7 +12563,7 @@
             </p:txBody>
           </p:sp>
         </mc:Choice>
-        <mc:Fallback>
+        <mc:Fallback xmlns="">
           <p:sp>
             <p:nvSpPr>
               <p:cNvPr id="24" name="TextBox 23"/>
@@ -12615,8 +12623,8 @@
             <a:chExt cx="5087475" cy="1785232"/>
           </a:xfrm>
         </p:grpSpPr>
-        <mc:AlternateContent xmlns:mc="http://schemas.openxmlformats.org/markup-compatibility/2006">
-          <mc:Choice xmlns:a14="http://schemas.microsoft.com/office/drawing/2010/main" Requires="a14">
+        <mc:AlternateContent xmlns:mc="http://schemas.openxmlformats.org/markup-compatibility/2006" xmlns:a14="http://schemas.microsoft.com/office/drawing/2010/main">
+          <mc:Choice Requires="a14">
             <p:sp>
               <p:nvSpPr>
                 <p:cNvPr id="25" name="TextBox 24"/>
@@ -12756,7 +12764,7 @@
                           <m:sSubPr>
                             <m:ctrlPr>
                               <a:rPr lang="en-US" sz="2400" b="0" i="1" smtClean="0">
-                                <a:latin typeface="Latin Modern Math" panose="02000503000000000000" pitchFamily="50" charset="0"/>
+                                <a:latin typeface="Cambria Math" panose="02040503050406030204" pitchFamily="18" charset="0"/>
                                 <a:ea typeface="Latin Modern Math" panose="02000503000000000000" pitchFamily="50" charset="0"/>
                               </a:rPr>
                             </m:ctrlPr>
@@ -12791,7 +12799,7 @@
                           <m:sSubPr>
                             <m:ctrlPr>
                               <a:rPr lang="en-US" sz="2400" b="0" i="1" smtClean="0">
-                                <a:latin typeface="Latin Modern Math" panose="02000503000000000000" pitchFamily="50" charset="0"/>
+                                <a:latin typeface="Cambria Math" panose="02040503050406030204" pitchFamily="18" charset="0"/>
                                 <a:ea typeface="Latin Modern Math" panose="02000503000000000000" pitchFamily="50" charset="0"/>
                               </a:rPr>
                             </m:ctrlPr>
@@ -12854,7 +12862,7 @@
                           <m:sSubPr>
                             <m:ctrlPr>
                               <a:rPr lang="en-US" sz="2400" b="0" i="1" smtClean="0">
-                                <a:latin typeface="Latin Modern Math" panose="02000503000000000000" pitchFamily="50" charset="0"/>
+                                <a:latin typeface="Cambria Math" panose="02040503050406030204" pitchFamily="18" charset="0"/>
                                 <a:ea typeface="Latin Modern Math" panose="02000503000000000000" pitchFamily="50" charset="0"/>
                               </a:rPr>
                             </m:ctrlPr>
@@ -12903,7 +12911,7 @@
                           <m:sSubPr>
                             <m:ctrlPr>
                               <a:rPr lang="en-US" sz="2400" i="1">
-                                <a:latin typeface="Latin Modern Math" panose="02000503000000000000" pitchFamily="50" charset="0"/>
+                                <a:latin typeface="Cambria Math" panose="02040503050406030204" pitchFamily="18" charset="0"/>
                                 <a:ea typeface="Latin Modern Math" panose="02000503000000000000" pitchFamily="50" charset="0"/>
                               </a:rPr>
                             </m:ctrlPr>
@@ -12945,7 +12953,7 @@
               </p:txBody>
             </p:sp>
           </mc:Choice>
-          <mc:Fallback>
+          <mc:Fallback xmlns="">
             <p:sp>
               <p:nvSpPr>
                 <p:cNvPr id="25" name="TextBox 24"/>
@@ -13024,8 +13032,8 @@
           </p:txBody>
         </p:sp>
       </p:grpSp>
-      <mc:AlternateContent xmlns:mc="http://schemas.openxmlformats.org/markup-compatibility/2006">
-        <mc:Choice xmlns:a14="http://schemas.microsoft.com/office/drawing/2010/main" Requires="a14">
+      <mc:AlternateContent xmlns:mc="http://schemas.openxmlformats.org/markup-compatibility/2006" xmlns:a14="http://schemas.microsoft.com/office/drawing/2010/main">
+        <mc:Choice Requires="a14">
           <p:sp>
             <p:nvSpPr>
               <p:cNvPr id="21" name="hide1a"/>
@@ -13108,7 +13116,7 @@
             </p:txBody>
           </p:sp>
         </mc:Choice>
-        <mc:Fallback>
+        <mc:Fallback xmlns="">
           <p:sp>
             <p:nvSpPr>
               <p:cNvPr id="21" name="hide1a"/>
@@ -13545,8 +13553,8 @@
               <a:chExt cx="8020089" cy="1843064"/>
             </a:xfrm>
           </p:grpSpPr>
-          <mc:AlternateContent xmlns:mc="http://schemas.openxmlformats.org/markup-compatibility/2006">
-            <mc:Choice xmlns:a14="http://schemas.microsoft.com/office/drawing/2010/main" Requires="a14">
+          <mc:AlternateContent xmlns:mc="http://schemas.openxmlformats.org/markup-compatibility/2006" xmlns:a14="http://schemas.microsoft.com/office/drawing/2010/main">
+            <mc:Choice Requires="a14">
               <p:sp>
                 <p:nvSpPr>
                   <p:cNvPr id="9" name="TextBox 8"/>
@@ -13693,7 +13701,7 @@
                             <m:endChr m:val="}"/>
                             <m:ctrlPr>
                               <a:rPr lang="en-US" sz="2400" b="0" i="1" cap="small" smtClean="0">
-                                <a:latin typeface="Latin Modern Math" panose="02000503000000000000" pitchFamily="50" charset="0"/>
+                                <a:latin typeface="Cambria Math" panose="02040503050406030204" pitchFamily="18" charset="0"/>
                                 <a:ea typeface="Latin Modern Math" panose="02000503000000000000" pitchFamily="50" charset="0"/>
                               </a:rPr>
                             </m:ctrlPr>
@@ -13735,7 +13743,7 @@
                             <m:endChr m:val="}"/>
                             <m:ctrlPr>
                               <a:rPr lang="en-US" sz="2400" b="0" i="1" cap="small" smtClean="0">
-                                <a:latin typeface="Latin Modern Math" panose="02000503000000000000" pitchFamily="50" charset="0"/>
+                                <a:latin typeface="Cambria Math" panose="02040503050406030204" pitchFamily="18" charset="0"/>
                                 <a:ea typeface="Latin Modern Math" panose="02000503000000000000" pitchFamily="50" charset="0"/>
                               </a:rPr>
                             </m:ctrlPr>
@@ -13784,7 +13792,7 @@
                             <m:endChr m:val="}"/>
                             <m:ctrlPr>
                               <a:rPr lang="en-US" sz="2400" i="1" cap="small">
-                                <a:latin typeface="Latin Modern Math" panose="02000503000000000000" pitchFamily="50" charset="0"/>
+                                <a:latin typeface="Cambria Math" panose="02040503050406030204" pitchFamily="18" charset="0"/>
                                 <a:ea typeface="Latin Modern Math" panose="02000503000000000000" pitchFamily="50" charset="0"/>
                               </a:rPr>
                             </m:ctrlPr>
@@ -13826,7 +13834,7 @@
                             <m:endChr m:val="}"/>
                             <m:ctrlPr>
                               <a:rPr lang="en-US" sz="2400" i="1" cap="small">
-                                <a:latin typeface="Latin Modern Math" panose="02000503000000000000" pitchFamily="50" charset="0"/>
+                                <a:latin typeface="Cambria Math" panose="02040503050406030204" pitchFamily="18" charset="0"/>
                                 <a:ea typeface="Latin Modern Math" panose="02000503000000000000" pitchFamily="50" charset="0"/>
                               </a:rPr>
                             </m:ctrlPr>
@@ -14185,7 +14193,7 @@
                 </p:txBody>
               </p:sp>
             </mc:Choice>
-            <mc:Fallback>
+            <mc:Fallback xmlns="">
               <p:sp>
                 <p:nvSpPr>
                   <p:cNvPr id="9" name="TextBox 8"/>
@@ -14231,8 +14239,8 @@
               </p:sp>
             </mc:Fallback>
           </mc:AlternateContent>
-          <mc:AlternateContent xmlns:mc="http://schemas.openxmlformats.org/markup-compatibility/2006">
-            <mc:Choice xmlns:a14="http://schemas.microsoft.com/office/drawing/2010/main" Requires="a14">
+          <mc:AlternateContent xmlns:mc="http://schemas.openxmlformats.org/markup-compatibility/2006" xmlns:a14="http://schemas.microsoft.com/office/drawing/2010/main">
+            <mc:Choice Requires="a14">
               <p:sp>
                 <p:nvSpPr>
                   <p:cNvPr id="11" name="hide1a"/>
@@ -14315,7 +14323,7 @@
                 </p:txBody>
               </p:sp>
             </mc:Choice>
-            <mc:Fallback>
+            <mc:Fallback xmlns="">
               <p:sp>
                 <p:nvSpPr>
                   <p:cNvPr id="11" name="hide1a"/>
@@ -14358,8 +14366,8 @@
             </mc:Fallback>
           </mc:AlternateContent>
         </p:grpSp>
-        <mc:AlternateContent xmlns:mc="http://schemas.openxmlformats.org/markup-compatibility/2006">
-          <mc:Choice xmlns:a14="http://schemas.microsoft.com/office/drawing/2010/main" Requires="a14">
+        <mc:AlternateContent xmlns:mc="http://schemas.openxmlformats.org/markup-compatibility/2006" xmlns:a14="http://schemas.microsoft.com/office/drawing/2010/main">
+          <mc:Choice Requires="a14">
             <p:sp>
               <p:nvSpPr>
                 <p:cNvPr id="14" name="hide1a"/>
@@ -14442,7 +14450,7 @@
               </p:txBody>
             </p:sp>
           </mc:Choice>
-          <mc:Fallback>
+          <mc:Fallback xmlns="">
             <p:sp>
               <p:nvSpPr>
                 <p:cNvPr id="14" name="hide1a"/>
@@ -14484,8 +14492,8 @@
             </p:sp>
           </mc:Fallback>
         </mc:AlternateContent>
-        <mc:AlternateContent xmlns:mc="http://schemas.openxmlformats.org/markup-compatibility/2006">
-          <mc:Choice xmlns:a14="http://schemas.microsoft.com/office/drawing/2010/main" Requires="a14">
+        <mc:AlternateContent xmlns:mc="http://schemas.openxmlformats.org/markup-compatibility/2006" xmlns:a14="http://schemas.microsoft.com/office/drawing/2010/main">
+          <mc:Choice Requires="a14">
             <p:sp>
               <p:nvSpPr>
                 <p:cNvPr id="15" name="hide1a"/>
@@ -14568,7 +14576,7 @@
               </p:txBody>
             </p:sp>
           </mc:Choice>
-          <mc:Fallback>
+          <mc:Fallback xmlns="">
             <p:sp>
               <p:nvSpPr>
                 <p:cNvPr id="15" name="hide1a"/>
@@ -15014,8 +15022,8 @@
           </a:p>
         </p:txBody>
       </p:sp>
-      <mc:AlternateContent xmlns:mc="http://schemas.openxmlformats.org/markup-compatibility/2006">
-        <mc:Choice xmlns:a14="http://schemas.microsoft.com/office/drawing/2010/main" Requires="a14">
+      <mc:AlternateContent xmlns:mc="http://schemas.openxmlformats.org/markup-compatibility/2006" xmlns:a14="http://schemas.microsoft.com/office/drawing/2010/main">
+        <mc:Choice Requires="a14">
           <p:sp>
             <p:nvSpPr>
               <p:cNvPr id="8" name="TextBox 7"/>
@@ -16442,7 +16450,7 @@
             </p:txBody>
           </p:sp>
         </mc:Choice>
-        <mc:Fallback>
+        <mc:Fallback xmlns="">
           <p:sp>
             <p:nvSpPr>
               <p:cNvPr id="8" name="TextBox 7"/>
@@ -16564,1532 +16572,178 @@
           </a:p>
         </p:txBody>
       </p:sp>
-      <mc:AlternateContent xmlns:mc="http://schemas.openxmlformats.org/markup-compatibility/2006">
-        <mc:Choice xmlns:a14="http://schemas.microsoft.com/office/drawing/2010/main" Requires="a14">
-          <p:sp>
-            <p:nvSpPr>
-              <p:cNvPr id="5" name="TextBox 4"/>
-              <p:cNvSpPr txBox="1"/>
-              <p:nvPr/>
-            </p:nvSpPr>
-            <p:spPr>
-              <a:xfrm>
-                <a:off x="628650" y="1502230"/>
-                <a:ext cx="7886701" cy="3104440"/>
-              </a:xfrm>
-              <a:prstGeom prst="rect">
-                <a:avLst/>
-              </a:prstGeom>
-              <a:solidFill>
-                <a:schemeClr val="bg1">
-                  <a:lumMod val="95000"/>
-                </a:schemeClr>
-              </a:solidFill>
-              <a:ln w="152400">
+      <p:sp>
+        <p:nvSpPr>
+          <p:cNvPr id="22" name="TextBox 21"/>
+          <p:cNvSpPr txBox="1"/>
+          <p:nvPr/>
+        </p:nvSpPr>
+        <p:spPr>
+          <a:xfrm>
+            <a:off x="628650" y="1502230"/>
+            <a:ext cx="7886701" cy="1015663"/>
+          </a:xfrm>
+          <a:prstGeom prst="rect">
+            <a:avLst/>
+          </a:prstGeom>
+          <a:solidFill>
+            <a:schemeClr val="bg1">
+              <a:lumMod val="95000"/>
+            </a:schemeClr>
+          </a:solidFill>
+          <a:ln w="152400">
+            <a:solidFill>
+              <a:schemeClr val="bg1">
+                <a:lumMod val="95000"/>
+              </a:schemeClr>
+            </a:solidFill>
+          </a:ln>
+        </p:spPr>
+        <p:txBody>
+          <a:bodyPr wrap="square" rtlCol="0">
+            <a:spAutoFit/>
+          </a:bodyPr>
+          <a:lstStyle/>
+          <a:p>
+            <a:r>
+              <a:rPr lang="en-US" sz="2400" dirty="0">
                 <a:solidFill>
                   <a:schemeClr val="bg1">
-                    <a:lumMod val="95000"/>
+                    <a:lumMod val="75000"/>
                   </a:schemeClr>
                 </a:solidFill>
-              </a:ln>
-            </p:spPr>
-            <p:txBody>
-              <a:bodyPr wrap="square" rtlCol="0">
-                <a:spAutoFit/>
-              </a:bodyPr>
-              <a:lstStyle/>
-              <a:p>
-                <a:pPr>
-                  <a:lnSpc>
-                    <a:spcPct val="150000"/>
-                  </a:lnSpc>
-                </a:pPr>
-                <a:r>
-                  <a:rPr lang="en-US" sz="2400" dirty="0">
-                    <a:solidFill>
-                      <a:schemeClr val="bg1">
-                        <a:lumMod val="75000"/>
-                      </a:schemeClr>
-                    </a:solidFill>
-                    <a:ea typeface="Cambria Math" panose="02040503050406030204" pitchFamily="18" charset="0"/>
-                  </a:rPr>
-                  <a:t>Introduction</a:t>
-                </a:r>
-              </a:p>
-              <a:p>
-                <a:pPr>
-                  <a:lnSpc>
-                    <a:spcPct val="150000"/>
-                  </a:lnSpc>
-                </a:pPr>
-                <a14:m>
-                  <m:oMathPara xmlns:m="http://schemas.openxmlformats.org/officeDocument/2006/math">
-                    <m:oMathParaPr>
-                      <m:jc m:val="centerGroup"/>
-                    </m:oMathParaPr>
-                    <m:oMath xmlns:m="http://schemas.openxmlformats.org/officeDocument/2006/math">
-                      <m:r>
-                        <a:rPr lang="en-US" sz="2400" i="1" smtClean="0">
-                          <a:latin typeface="Latin Modern Math" panose="02000503000000000000" pitchFamily="50" charset="0"/>
-                          <a:ea typeface="Latin Modern Math" panose="02000503000000000000" pitchFamily="50" charset="0"/>
-                        </a:rPr>
-                        <m:t>∀</m:t>
-                      </m:r>
-                      <m:r>
-                        <a:rPr lang="en-US" sz="2400" b="0" i="1" smtClean="0">
-                          <a:latin typeface="Cambria Math" panose="02040503050406030204" pitchFamily="18" charset="0"/>
-                          <a:ea typeface="Latin Modern Math" panose="02000503000000000000" pitchFamily="50" charset="0"/>
-                        </a:rPr>
-                        <m:t>𝜙</m:t>
-                      </m:r>
-                    </m:oMath>
-                  </m:oMathPara>
-                </a14:m>
-                <a:endParaRPr lang="en-US" sz="2400" i="1" dirty="0">
-                  <a:latin typeface="Latin Modern Math" panose="02000503000000000000" pitchFamily="50" charset="0"/>
-                  <a:ea typeface="Latin Modern Math" panose="02000503000000000000" pitchFamily="50" charset="0"/>
-                </a:endParaRPr>
-              </a:p>
-              <a:p>
-                <a:pPr>
-                  <a:lnSpc>
-                    <a:spcPct val="150000"/>
-                  </a:lnSpc>
-                </a:pPr>
-                <a:r>
-                  <a:rPr lang="en-US" sz="2400" dirty="0">
-                    <a:solidFill>
-                      <a:schemeClr val="bg1">
-                        <a:lumMod val="75000"/>
-                      </a:schemeClr>
-                    </a:solidFill>
-                    <a:ea typeface="Cambria Math" panose="02040503050406030204" pitchFamily="18" charset="0"/>
-                  </a:rPr>
-                  <a:t>  </a:t>
-                </a:r>
-                <a:r>
-                  <a:rPr lang="en-US" sz="2400" dirty="0">
-                    <a:ea typeface="Cambria Math" panose="02040503050406030204" pitchFamily="18" charset="0"/>
-                  </a:rPr>
-                  <a:t>  </a:t>
-                </a:r>
-                <a14:m>
-                  <m:oMath xmlns:m="http://schemas.openxmlformats.org/officeDocument/2006/math">
-                    <m:acc>
-                      <m:accPr>
-                        <m:chr m:val="̃"/>
-                        <m:ctrlPr>
-                          <a:rPr lang="en-US" sz="2400" i="1" smtClean="0">
-                            <a:latin typeface="Cambria Math" panose="02040503050406030204" pitchFamily="18" charset="0"/>
-                            <a:ea typeface="Cambria Math" panose="02040503050406030204" pitchFamily="18" charset="0"/>
-                          </a:rPr>
-                        </m:ctrlPr>
-                      </m:accPr>
-                      <m:e>
-                        <m:sSub>
-                          <m:sSubPr>
-                            <m:ctrlPr>
-                              <a:rPr lang="en-US" sz="2400" i="1">
-                                <a:latin typeface="Cambria Math" panose="02040503050406030204" pitchFamily="18" charset="0"/>
-                                <a:ea typeface="Cambria Math" panose="02040503050406030204" pitchFamily="18" charset="0"/>
-                              </a:rPr>
-                            </m:ctrlPr>
-                          </m:sSubPr>
-                          <m:e>
-                            <m:r>
-                              <a:rPr lang="en-US" sz="2400" i="1">
-                                <a:latin typeface="Latin Modern Math" panose="02000503000000000000" pitchFamily="50" charset="0"/>
-                                <a:ea typeface="Latin Modern Math" panose="02000503000000000000" pitchFamily="50" charset="0"/>
-                              </a:rPr>
-                              <m:t>𝜙</m:t>
-                            </m:r>
-                          </m:e>
-                          <m:sub>
-                            <m:r>
-                              <a:rPr lang="en-US" sz="2400" i="1">
-                                <a:latin typeface="Cambria Math" panose="02040503050406030204" pitchFamily="18" charset="0"/>
-                                <a:ea typeface="Cambria Math" panose="02040503050406030204" pitchFamily="18" charset="0"/>
-                              </a:rPr>
-                              <m:t>1</m:t>
-                            </m:r>
-                          </m:sub>
-                        </m:sSub>
-                      </m:e>
-                    </m:acc>
-                    <m:r>
-                      <a:rPr lang="en-US" sz="2400" i="1">
-                        <a:latin typeface="Latin Modern Math" panose="02000503000000000000" pitchFamily="50" charset="0"/>
-                        <a:ea typeface="Latin Modern Math" panose="02000503000000000000" pitchFamily="50" charset="0"/>
-                      </a:rPr>
-                      <m:t>⊑</m:t>
-                    </m:r>
-                    <m:acc>
-                      <m:accPr>
-                        <m:chr m:val="̃"/>
-                        <m:ctrlPr>
-                          <a:rPr lang="en-US" sz="2400" i="1">
-                            <a:latin typeface="Cambria Math" panose="02040503050406030204" pitchFamily="18" charset="0"/>
-                            <a:ea typeface="Cambria Math" panose="02040503050406030204" pitchFamily="18" charset="0"/>
-                          </a:rPr>
-                        </m:ctrlPr>
-                      </m:accPr>
-                      <m:e>
-                        <m:sSub>
-                          <m:sSubPr>
-                            <m:ctrlPr>
-                              <a:rPr lang="en-US" sz="2400" i="1">
-                                <a:latin typeface="Cambria Math" panose="02040503050406030204" pitchFamily="18" charset="0"/>
-                                <a:ea typeface="Cambria Math" panose="02040503050406030204" pitchFamily="18" charset="0"/>
-                              </a:rPr>
-                            </m:ctrlPr>
-                          </m:sSubPr>
-                          <m:e>
-                            <m:r>
-                              <a:rPr lang="en-US" sz="2400" i="1">
-                                <a:latin typeface="Latin Modern Math" panose="02000503000000000000" pitchFamily="50" charset="0"/>
-                                <a:ea typeface="Latin Modern Math" panose="02000503000000000000" pitchFamily="50" charset="0"/>
-                              </a:rPr>
-                              <m:t>𝜙</m:t>
-                            </m:r>
-                          </m:e>
-                          <m:sub>
-                            <m:r>
-                              <a:rPr lang="en-US" sz="2400" b="0" i="1" smtClean="0">
-                                <a:latin typeface="Cambria Math" panose="02040503050406030204" pitchFamily="18" charset="0"/>
-                                <a:ea typeface="Latin Modern Math" panose="02000503000000000000" pitchFamily="50" charset="0"/>
-                              </a:rPr>
-                              <m:t>2</m:t>
-                            </m:r>
-                          </m:sub>
-                        </m:sSub>
-                      </m:e>
-                    </m:acc>
-                    <m:r>
-                      <a:rPr lang="en-US" sz="2400" b="0" i="1" smtClean="0">
-                        <a:latin typeface="Cambria Math" panose="02040503050406030204" pitchFamily="18" charset="0"/>
-                        <a:ea typeface="Cambria Math" panose="02040503050406030204" pitchFamily="18" charset="0"/>
-                      </a:rPr>
-                      <m:t> </m:t>
-                    </m:r>
-                    <m:r>
-                      <a:rPr lang="en-US" sz="2400" b="0" i="1" smtClean="0">
-                        <a:solidFill>
-                          <a:schemeClr val="bg1">
-                            <a:lumMod val="75000"/>
-                          </a:schemeClr>
-                        </a:solidFill>
-                        <a:latin typeface="Latin Modern Math" panose="02000503000000000000" pitchFamily="50" charset="0"/>
-                        <a:ea typeface="Latin Modern Math" panose="02000503000000000000" pitchFamily="50" charset="0"/>
-                      </a:rPr>
-                      <m:t>∧</m:t>
-                    </m:r>
-                    <m:r>
-                      <a:rPr lang="en-US" sz="2400" b="0" i="1" smtClean="0">
-                        <a:solidFill>
-                          <a:schemeClr val="bg1">
-                            <a:lumMod val="75000"/>
-                          </a:schemeClr>
-                        </a:solidFill>
-                        <a:latin typeface="Cambria Math" panose="02040503050406030204" pitchFamily="18" charset="0"/>
-                        <a:ea typeface="Latin Modern Math" panose="02000503000000000000" pitchFamily="50" charset="0"/>
-                      </a:rPr>
-                      <m:t> </m:t>
-                    </m:r>
-                    <m:acc>
-                      <m:accPr>
-                        <m:chr m:val="̃"/>
-                        <m:ctrlPr>
-                          <a:rPr lang="en-US" sz="2400" i="1">
-                            <a:latin typeface="Cambria Math" panose="02040503050406030204" pitchFamily="18" charset="0"/>
-                            <a:ea typeface="Cambria Math" panose="02040503050406030204" pitchFamily="18" charset="0"/>
-                          </a:rPr>
-                        </m:ctrlPr>
-                      </m:accPr>
-                      <m:e>
-                        <m:sSubSup>
-                          <m:sSubSupPr>
-                            <m:ctrlPr>
-                              <a:rPr lang="en-US" sz="2400" i="1" smtClean="0">
-                                <a:latin typeface="Cambria Math" panose="02040503050406030204" pitchFamily="18" charset="0"/>
-                                <a:ea typeface="Cambria Math" panose="02040503050406030204" pitchFamily="18" charset="0"/>
-                              </a:rPr>
-                            </m:ctrlPr>
-                          </m:sSubSupPr>
-                          <m:e>
-                            <m:r>
-                              <a:rPr lang="en-US" sz="2400" i="1">
-                                <a:latin typeface="Latin Modern Math" panose="02000503000000000000" pitchFamily="50" charset="0"/>
-                                <a:ea typeface="Latin Modern Math" panose="02000503000000000000" pitchFamily="50" charset="0"/>
-                              </a:rPr>
-                              <m:t>𝜙</m:t>
-                            </m:r>
-                          </m:e>
-                          <m:sub>
-                            <m:r>
-                              <a:rPr lang="en-US" sz="2400" b="0" i="1" smtClean="0">
-                                <a:latin typeface="Cambria Math" panose="02040503050406030204" pitchFamily="18" charset="0"/>
-                                <a:ea typeface="Cambria Math" panose="02040503050406030204" pitchFamily="18" charset="0"/>
-                              </a:rPr>
-                              <m:t>1</m:t>
-                            </m:r>
-                          </m:sub>
-                          <m:sup>
-                            <m:r>
-                              <a:rPr lang="en-US" sz="2400" b="0" i="1" smtClean="0">
-                                <a:latin typeface="Cambria Math" panose="02040503050406030204" pitchFamily="18" charset="0"/>
-                                <a:ea typeface="Cambria Math" panose="02040503050406030204" pitchFamily="18" charset="0"/>
-                              </a:rPr>
-                              <m:t>′</m:t>
-                            </m:r>
-                          </m:sup>
-                        </m:sSubSup>
-                      </m:e>
-                    </m:acc>
-                    <m:r>
-                      <a:rPr lang="en-US" sz="2400" i="1">
-                        <a:latin typeface="Latin Modern Math" panose="02000503000000000000" pitchFamily="50" charset="0"/>
-                        <a:ea typeface="Latin Modern Math" panose="02000503000000000000" pitchFamily="50" charset="0"/>
-                      </a:rPr>
-                      <m:t>⊑</m:t>
-                    </m:r>
-                    <m:acc>
-                      <m:accPr>
-                        <m:chr m:val="̃"/>
-                        <m:ctrlPr>
-                          <a:rPr lang="en-US" sz="2400" i="1">
-                            <a:latin typeface="Cambria Math" panose="02040503050406030204" pitchFamily="18" charset="0"/>
-                            <a:ea typeface="Cambria Math" panose="02040503050406030204" pitchFamily="18" charset="0"/>
-                          </a:rPr>
-                        </m:ctrlPr>
-                      </m:accPr>
-                      <m:e>
-                        <m:sSubSup>
-                          <m:sSubSupPr>
-                            <m:ctrlPr>
-                              <a:rPr lang="en-US" sz="2400" i="1">
-                                <a:latin typeface="Cambria Math" panose="02040503050406030204" pitchFamily="18" charset="0"/>
-                                <a:ea typeface="Cambria Math" panose="02040503050406030204" pitchFamily="18" charset="0"/>
-                              </a:rPr>
-                            </m:ctrlPr>
-                          </m:sSubSupPr>
-                          <m:e>
-                            <m:r>
-                              <a:rPr lang="en-US" sz="2400" i="1">
-                                <a:latin typeface="Latin Modern Math" panose="02000503000000000000" pitchFamily="50" charset="0"/>
-                                <a:ea typeface="Latin Modern Math" panose="02000503000000000000" pitchFamily="50" charset="0"/>
-                              </a:rPr>
-                              <m:t>𝜙</m:t>
-                            </m:r>
-                          </m:e>
-                          <m:sub>
-                            <m:r>
-                              <a:rPr lang="en-US" sz="2400" b="0" i="1" smtClean="0">
-                                <a:latin typeface="Cambria Math" panose="02040503050406030204" pitchFamily="18" charset="0"/>
-                                <a:ea typeface="Latin Modern Math" panose="02000503000000000000" pitchFamily="50" charset="0"/>
-                              </a:rPr>
-                              <m:t>2</m:t>
-                            </m:r>
-                          </m:sub>
-                          <m:sup>
-                            <m:r>
-                              <a:rPr lang="en-US" sz="2400" i="1">
-                                <a:latin typeface="Cambria Math" panose="02040503050406030204" pitchFamily="18" charset="0"/>
-                                <a:ea typeface="Cambria Math" panose="02040503050406030204" pitchFamily="18" charset="0"/>
-                              </a:rPr>
-                              <m:t>′</m:t>
-                            </m:r>
-                          </m:sup>
-                        </m:sSubSup>
-                      </m:e>
-                    </m:acc>
-                    <m:r>
-                      <a:rPr lang="en-US" sz="2400" b="0" i="1" smtClean="0">
-                        <a:latin typeface="Cambria Math" panose="02040503050406030204" pitchFamily="18" charset="0"/>
-                        <a:ea typeface="Cambria Math" panose="02040503050406030204" pitchFamily="18" charset="0"/>
-                      </a:rPr>
-                      <m:t> </m:t>
-                    </m:r>
-                    <m:r>
-                      <a:rPr lang="en-US" sz="2400" b="0" i="1" smtClean="0">
-                        <a:solidFill>
-                          <a:schemeClr val="bg1">
-                            <a:lumMod val="75000"/>
-                          </a:schemeClr>
-                        </a:solidFill>
-                        <a:latin typeface="Latin Modern Math" panose="02000503000000000000" pitchFamily="50" charset="0"/>
-                        <a:ea typeface="Latin Modern Math" panose="02000503000000000000" pitchFamily="50" charset="0"/>
-                      </a:rPr>
-                      <m:t>∧</m:t>
-                    </m:r>
-                    <m:r>
-                      <a:rPr lang="en-US" sz="2400" b="0" i="1" smtClean="0">
-                        <a:solidFill>
-                          <a:schemeClr val="bg1">
-                            <a:lumMod val="75000"/>
-                          </a:schemeClr>
-                        </a:solidFill>
-                        <a:latin typeface="Cambria Math" panose="02040503050406030204" pitchFamily="18" charset="0"/>
-                        <a:ea typeface="Latin Modern Math" panose="02000503000000000000" pitchFamily="50" charset="0"/>
-                      </a:rPr>
-                      <m:t> </m:t>
-                    </m:r>
-                    <m:acc>
-                      <m:accPr>
-                        <m:chr m:val="̃"/>
-                        <m:ctrlPr>
-                          <a:rPr lang="en-US" sz="2400" i="1" cap="small">
-                            <a:latin typeface="Cambria Math" panose="02040503050406030204" pitchFamily="18" charset="0"/>
-                            <a:ea typeface="Cambria Math" panose="02040503050406030204" pitchFamily="18" charset="0"/>
-                          </a:rPr>
-                        </m:ctrlPr>
-                      </m:accPr>
-                      <m:e>
-                        <m:sSub>
-                          <m:sSubPr>
-                            <m:ctrlPr>
-                              <a:rPr lang="en-US" sz="2400" b="0" i="1" cap="small" smtClean="0">
-                                <a:latin typeface="Cambria Math" panose="02040503050406030204" pitchFamily="18" charset="0"/>
-                                <a:ea typeface="Latin Modern Math" panose="02000503000000000000" pitchFamily="50" charset="0"/>
-                              </a:rPr>
-                            </m:ctrlPr>
-                          </m:sSubPr>
-                          <m:e>
-                            <m:r>
-                              <a:rPr lang="en-US" sz="2400" i="1" cap="small">
-                                <a:latin typeface="Latin Modern Math" panose="02000503000000000000" pitchFamily="50" charset="0"/>
-                                <a:ea typeface="Latin Modern Math" panose="02000503000000000000" pitchFamily="50" charset="0"/>
-                              </a:rPr>
-                              <m:t>𝑠</m:t>
-                            </m:r>
-                          </m:e>
-                          <m:sub>
-                            <m:r>
-                              <a:rPr lang="en-US" sz="2400" b="0" i="1" cap="small" smtClean="0">
-                                <a:latin typeface="Cambria Math" panose="02040503050406030204" pitchFamily="18" charset="0"/>
-                                <a:ea typeface="Latin Modern Math" panose="02000503000000000000" pitchFamily="50" charset="0"/>
-                              </a:rPr>
-                              <m:t>1</m:t>
-                            </m:r>
-                          </m:sub>
-                        </m:sSub>
-                      </m:e>
-                    </m:acc>
-                    <m:r>
-                      <a:rPr lang="en-US" sz="2400" b="0" i="1" cap="small" smtClean="0">
-                        <a:latin typeface="Latin Modern Math" panose="02000503000000000000" pitchFamily="50" charset="0"/>
-                        <a:ea typeface="Latin Modern Math" panose="02000503000000000000" pitchFamily="50" charset="0"/>
-                      </a:rPr>
-                      <m:t>⊑</m:t>
-                    </m:r>
-                    <m:acc>
-                      <m:accPr>
-                        <m:chr m:val="̃"/>
-                        <m:ctrlPr>
-                          <a:rPr lang="en-US" sz="2400" i="1" cap="small">
-                            <a:latin typeface="Cambria Math" panose="02040503050406030204" pitchFamily="18" charset="0"/>
-                            <a:ea typeface="Cambria Math" panose="02040503050406030204" pitchFamily="18" charset="0"/>
-                          </a:rPr>
-                        </m:ctrlPr>
-                      </m:accPr>
-                      <m:e>
-                        <m:sSub>
-                          <m:sSubPr>
-                            <m:ctrlPr>
-                              <a:rPr lang="en-US" sz="2400" b="0" i="1" cap="small" smtClean="0">
-                                <a:latin typeface="Cambria Math" panose="02040503050406030204" pitchFamily="18" charset="0"/>
-                                <a:ea typeface="Cambria Math" panose="02040503050406030204" pitchFamily="18" charset="0"/>
-                              </a:rPr>
-                            </m:ctrlPr>
-                          </m:sSubPr>
-                          <m:e>
-                            <m:r>
-                              <a:rPr lang="en-US" sz="2400" b="0" i="1" cap="small" smtClean="0">
-                                <a:latin typeface="Latin Modern Math" panose="02000503000000000000" pitchFamily="50" charset="0"/>
-                                <a:ea typeface="Latin Modern Math" panose="02000503000000000000" pitchFamily="50" charset="0"/>
-                              </a:rPr>
-                              <m:t>𝑠</m:t>
-                            </m:r>
-                          </m:e>
-                          <m:sub>
-                            <m:r>
-                              <a:rPr lang="en-US" sz="2400" b="0" i="1" cap="small" smtClean="0">
-                                <a:latin typeface="Cambria Math" panose="02040503050406030204" pitchFamily="18" charset="0"/>
-                                <a:ea typeface="Cambria Math" panose="02040503050406030204" pitchFamily="18" charset="0"/>
-                              </a:rPr>
-                              <m:t>2</m:t>
-                            </m:r>
-                          </m:sub>
-                        </m:sSub>
-                      </m:e>
-                    </m:acc>
-                    <m:r>
-                      <a:rPr lang="en-US" sz="2400" b="0" i="1" cap="small" smtClean="0">
-                        <a:latin typeface="Cambria Math" panose="02040503050406030204" pitchFamily="18" charset="0"/>
-                        <a:ea typeface="Latin Modern Math" panose="02000503000000000000" pitchFamily="50" charset="0"/>
-                      </a:rPr>
-                      <m:t> </m:t>
-                    </m:r>
-                    <m:r>
-                      <a:rPr lang="en-US" sz="2400" i="1" smtClean="0">
-                        <a:solidFill>
-                          <a:schemeClr val="bg1">
-                            <a:lumMod val="75000"/>
-                          </a:schemeClr>
-                        </a:solidFill>
-                        <a:latin typeface="Latin Modern Math" panose="02000503000000000000" pitchFamily="50" charset="0"/>
-                        <a:ea typeface="Latin Modern Math" panose="02000503000000000000" pitchFamily="50" charset="0"/>
-                      </a:rPr>
-                      <m:t>∧</m:t>
-                    </m:r>
-                    <m:r>
-                      <a:rPr lang="en-US" sz="2400" b="0" i="1" smtClean="0">
-                        <a:latin typeface="Cambria Math" panose="02040503050406030204" pitchFamily="18" charset="0"/>
-                        <a:ea typeface="Latin Modern Math" panose="02000503000000000000" pitchFamily="50" charset="0"/>
-                      </a:rPr>
-                      <m:t> </m:t>
-                    </m:r>
-                    <m:acc>
-                      <m:accPr>
-                        <m:chr m:val="̃"/>
-                        <m:ctrlPr>
-                          <a:rPr lang="en-US" sz="2400" i="1">
-                            <a:latin typeface="Cambria Math" panose="02040503050406030204" pitchFamily="18" charset="0"/>
-                            <a:ea typeface="Cambria Math" panose="02040503050406030204" pitchFamily="18" charset="0"/>
-                          </a:rPr>
-                        </m:ctrlPr>
-                      </m:accPr>
-                      <m:e>
-                        <m:sSub>
-                          <m:sSubPr>
-                            <m:ctrlPr>
-                              <a:rPr lang="en-US" sz="2400" i="1">
-                                <a:latin typeface="Cambria Math" panose="02040503050406030204" pitchFamily="18" charset="0"/>
-                                <a:ea typeface="Cambria Math" panose="02040503050406030204" pitchFamily="18" charset="0"/>
-                              </a:rPr>
-                            </m:ctrlPr>
-                          </m:sSubPr>
-                          <m:e>
-                            <m:r>
-                              <a:rPr lang="en-US" sz="2400" i="1">
-                                <a:latin typeface="Latin Modern Math" panose="02000503000000000000" pitchFamily="50" charset="0"/>
-                                <a:ea typeface="Latin Modern Math" panose="02000503000000000000" pitchFamily="50" charset="0"/>
-                              </a:rPr>
-                              <m:t>𝜋</m:t>
-                            </m:r>
-                          </m:e>
-                          <m:sub>
-                            <m:r>
-                              <a:rPr lang="en-US" sz="2400" i="1">
-                                <a:latin typeface="Cambria Math" panose="02040503050406030204" pitchFamily="18" charset="0"/>
-                                <a:ea typeface="Cambria Math" panose="02040503050406030204" pitchFamily="18" charset="0"/>
-                              </a:rPr>
-                              <m:t>1</m:t>
-                            </m:r>
-                          </m:sub>
-                        </m:sSub>
-                      </m:e>
-                    </m:acc>
-                    <m:r>
-                      <a:rPr lang="en-US" sz="2400" i="1">
-                        <a:latin typeface="Latin Modern Math" panose="02000503000000000000" pitchFamily="50" charset="0"/>
-                        <a:ea typeface="Latin Modern Math" panose="02000503000000000000" pitchFamily="50" charset="0"/>
-                      </a:rPr>
-                      <m:t>⊑</m:t>
-                    </m:r>
-                    <m:acc>
-                      <m:accPr>
-                        <m:chr m:val="̃"/>
-                        <m:ctrlPr>
-                          <a:rPr lang="en-US" sz="2400" i="1">
-                            <a:latin typeface="Cambria Math" panose="02040503050406030204" pitchFamily="18" charset="0"/>
-                            <a:ea typeface="Cambria Math" panose="02040503050406030204" pitchFamily="18" charset="0"/>
-                          </a:rPr>
-                        </m:ctrlPr>
-                      </m:accPr>
-                      <m:e>
-                        <m:sSub>
-                          <m:sSubPr>
-                            <m:ctrlPr>
-                              <a:rPr lang="en-US" sz="2400" i="1">
-                                <a:latin typeface="Cambria Math" panose="02040503050406030204" pitchFamily="18" charset="0"/>
-                                <a:ea typeface="Cambria Math" panose="02040503050406030204" pitchFamily="18" charset="0"/>
-                              </a:rPr>
-                            </m:ctrlPr>
-                          </m:sSubPr>
-                          <m:e>
-                            <m:r>
-                              <a:rPr lang="en-US" sz="2400" i="1">
-                                <a:latin typeface="Latin Modern Math" panose="02000503000000000000" pitchFamily="50" charset="0"/>
-                                <a:ea typeface="Latin Modern Math" panose="02000503000000000000" pitchFamily="50" charset="0"/>
-                              </a:rPr>
-                              <m:t>𝜋</m:t>
-                            </m:r>
-                          </m:e>
-                          <m:sub>
-                            <m:r>
-                              <a:rPr lang="en-US" sz="2400" b="0" i="1" smtClean="0">
-                                <a:latin typeface="Cambria Math" panose="02040503050406030204" pitchFamily="18" charset="0"/>
-                                <a:ea typeface="Latin Modern Math" panose="02000503000000000000" pitchFamily="50" charset="0"/>
-                              </a:rPr>
-                              <m:t>2</m:t>
-                            </m:r>
-                          </m:sub>
-                        </m:sSub>
-                      </m:e>
-                    </m:acc>
-                  </m:oMath>
-                </a14:m>
-                <a:endParaRPr lang="en-US" sz="2350" i="1" cap="small" dirty="0">
-                  <a:latin typeface="Cambria Math" panose="02040503050406030204" pitchFamily="18" charset="0"/>
-                  <a:ea typeface="Latin Modern Math" panose="02000503000000000000" pitchFamily="50" charset="0"/>
-                </a:endParaRPr>
-              </a:p>
-              <a:p>
-                <a:pPr>
-                  <a:lnSpc>
-                    <a:spcPct val="150000"/>
-                  </a:lnSpc>
-                </a:pPr>
-                <a14:m>
-                  <m:oMath xmlns:m="http://schemas.openxmlformats.org/officeDocument/2006/math">
-                    <m:acc>
-                      <m:accPr>
-                        <m:chr m:val="̃"/>
-                        <m:ctrlPr>
-                          <a:rPr lang="en-US" sz="2400" i="1">
-                            <a:latin typeface="Cambria Math" panose="02040503050406030204" pitchFamily="18" charset="0"/>
-                            <a:ea typeface="Cambria Math" panose="02040503050406030204" pitchFamily="18" charset="0"/>
-                          </a:rPr>
-                        </m:ctrlPr>
-                      </m:accPr>
-                      <m:e>
-                        <m:r>
-                          <a:rPr lang="en-US" sz="2400" i="1" cap="small">
-                            <a:latin typeface="Latin Modern Math" panose="02000503000000000000" pitchFamily="50" charset="0"/>
-                            <a:ea typeface="Latin Modern Math" panose="02000503000000000000" pitchFamily="50" charset="0"/>
-                          </a:rPr>
-                          <m:t>⊢</m:t>
-                        </m:r>
-                      </m:e>
-                    </m:acc>
-                    <m:d>
-                      <m:dPr>
-                        <m:begChr m:val="{"/>
-                        <m:endChr m:val="}"/>
-                        <m:ctrlPr>
-                          <a:rPr lang="en-US" sz="2400" i="1" cap="small">
-                            <a:latin typeface="Cambria Math" panose="02040503050406030204" pitchFamily="18" charset="0"/>
-                            <a:ea typeface="Cambria Math" panose="02040503050406030204" pitchFamily="18" charset="0"/>
-                          </a:rPr>
-                        </m:ctrlPr>
-                      </m:dPr>
-                      <m:e>
-                        <m:acc>
-                          <m:accPr>
-                            <m:chr m:val="̃"/>
-                            <m:ctrlPr>
-                              <a:rPr lang="en-US" sz="2400" i="1">
-                                <a:latin typeface="Cambria Math" panose="02040503050406030204" pitchFamily="18" charset="0"/>
-                                <a:ea typeface="Cambria Math" panose="02040503050406030204" pitchFamily="18" charset="0"/>
-                              </a:rPr>
-                            </m:ctrlPr>
-                          </m:accPr>
-                          <m:e>
-                            <m:sSub>
-                              <m:sSubPr>
-                                <m:ctrlPr>
-                                  <a:rPr lang="en-US" sz="2400" i="1">
-                                    <a:latin typeface="Cambria Math" panose="02040503050406030204" pitchFamily="18" charset="0"/>
-                                    <a:ea typeface="Cambria Math" panose="02040503050406030204" pitchFamily="18" charset="0"/>
-                                  </a:rPr>
-                                </m:ctrlPr>
-                              </m:sSubPr>
-                              <m:e>
-                                <m:r>
-                                  <a:rPr lang="en-US" sz="2400" i="1">
-                                    <a:latin typeface="Latin Modern Math" panose="02000503000000000000" pitchFamily="50" charset="0"/>
-                                    <a:ea typeface="Latin Modern Math" panose="02000503000000000000" pitchFamily="50" charset="0"/>
-                                  </a:rPr>
-                                  <m:t>𝜙</m:t>
-                                </m:r>
-                              </m:e>
-                              <m:sub>
-                                <m:r>
-                                  <a:rPr lang="en-US" sz="2400" i="1">
-                                    <a:latin typeface="Cambria Math" panose="02040503050406030204" pitchFamily="18" charset="0"/>
-                                    <a:ea typeface="Cambria Math" panose="02040503050406030204" pitchFamily="18" charset="0"/>
-                                  </a:rPr>
-                                  <m:t>1</m:t>
-                                </m:r>
-                              </m:sub>
-                            </m:sSub>
-                          </m:e>
-                        </m:acc>
-                      </m:e>
-                    </m:d>
-                    <m:r>
-                      <a:rPr lang="en-US" sz="2400" i="1" cap="small">
-                        <a:latin typeface="Cambria Math" panose="02040503050406030204" pitchFamily="18" charset="0"/>
-                        <a:ea typeface="Cambria Math" panose="02040503050406030204" pitchFamily="18" charset="0"/>
-                      </a:rPr>
-                      <m:t> </m:t>
-                    </m:r>
-                    <m:acc>
-                      <m:accPr>
-                        <m:chr m:val="̃"/>
-                        <m:ctrlPr>
-                          <a:rPr lang="en-US" sz="2400" i="1" cap="small">
-                            <a:latin typeface="Cambria Math" panose="02040503050406030204" pitchFamily="18" charset="0"/>
-                            <a:ea typeface="Cambria Math" panose="02040503050406030204" pitchFamily="18" charset="0"/>
-                          </a:rPr>
-                        </m:ctrlPr>
-                      </m:accPr>
-                      <m:e>
-                        <m:sSub>
-                          <m:sSubPr>
-                            <m:ctrlPr>
-                              <a:rPr lang="en-US" sz="2400" i="1" cap="small">
-                                <a:latin typeface="Cambria Math" panose="02040503050406030204" pitchFamily="18" charset="0"/>
-                                <a:ea typeface="Latin Modern Math" panose="02000503000000000000" pitchFamily="50" charset="0"/>
-                              </a:rPr>
-                            </m:ctrlPr>
-                          </m:sSubPr>
-                          <m:e>
-                            <m:r>
-                              <a:rPr lang="en-US" sz="2400" i="1" cap="small">
-                                <a:latin typeface="Latin Modern Math" panose="02000503000000000000" pitchFamily="50" charset="0"/>
-                                <a:ea typeface="Latin Modern Math" panose="02000503000000000000" pitchFamily="50" charset="0"/>
-                              </a:rPr>
-                              <m:t>𝑠</m:t>
-                            </m:r>
-                          </m:e>
-                          <m:sub>
-                            <m:r>
-                              <a:rPr lang="en-US" sz="2400" i="1" cap="small">
-                                <a:latin typeface="Cambria Math" panose="02040503050406030204" pitchFamily="18" charset="0"/>
-                                <a:ea typeface="Latin Modern Math" panose="02000503000000000000" pitchFamily="50" charset="0"/>
-                              </a:rPr>
-                              <m:t>1</m:t>
-                            </m:r>
-                          </m:sub>
-                        </m:sSub>
-                      </m:e>
-                    </m:acc>
-                    <m:r>
-                      <a:rPr lang="en-US" sz="2400" i="1" cap="small">
-                        <a:latin typeface="Cambria Math" panose="02040503050406030204" pitchFamily="18" charset="0"/>
-                        <a:ea typeface="Latin Modern Math" panose="02000503000000000000" pitchFamily="50" charset="0"/>
-                      </a:rPr>
-                      <m:t> </m:t>
-                    </m:r>
-                    <m:d>
-                      <m:dPr>
-                        <m:begChr m:val="{"/>
-                        <m:endChr m:val="}"/>
-                        <m:ctrlPr>
-                          <a:rPr lang="en-US" sz="2400" i="1" cap="small">
-                            <a:latin typeface="Cambria Math" panose="02040503050406030204" pitchFamily="18" charset="0"/>
-                            <a:ea typeface="Cambria Math" panose="02040503050406030204" pitchFamily="18" charset="0"/>
-                          </a:rPr>
-                        </m:ctrlPr>
-                      </m:dPr>
-                      <m:e>
-                        <m:acc>
-                          <m:accPr>
-                            <m:chr m:val="̃"/>
-                            <m:ctrlPr>
-                              <a:rPr lang="en-US" sz="2400" i="1">
-                                <a:latin typeface="Cambria Math" panose="02040503050406030204" pitchFamily="18" charset="0"/>
-                                <a:ea typeface="Cambria Math" panose="02040503050406030204" pitchFamily="18" charset="0"/>
-                              </a:rPr>
-                            </m:ctrlPr>
-                          </m:accPr>
-                          <m:e>
-                            <m:sSubSup>
-                              <m:sSubSupPr>
-                                <m:ctrlPr>
-                                  <a:rPr lang="en-US" sz="2400" i="1">
-                                    <a:latin typeface="Cambria Math" panose="02040503050406030204" pitchFamily="18" charset="0"/>
-                                    <a:ea typeface="Cambria Math" panose="02040503050406030204" pitchFamily="18" charset="0"/>
-                                  </a:rPr>
-                                </m:ctrlPr>
-                              </m:sSubSupPr>
-                              <m:e>
-                                <m:r>
-                                  <a:rPr lang="en-US" sz="2400" i="1">
-                                    <a:latin typeface="Latin Modern Math" panose="02000503000000000000" pitchFamily="50" charset="0"/>
-                                    <a:ea typeface="Latin Modern Math" panose="02000503000000000000" pitchFamily="50" charset="0"/>
-                                  </a:rPr>
-                                  <m:t>𝜙</m:t>
-                                </m:r>
-                              </m:e>
-                              <m:sub>
-                                <m:r>
-                                  <a:rPr lang="en-US" sz="2400" i="1">
-                                    <a:latin typeface="Cambria Math" panose="02040503050406030204" pitchFamily="18" charset="0"/>
-                                    <a:ea typeface="Cambria Math" panose="02040503050406030204" pitchFamily="18" charset="0"/>
-                                  </a:rPr>
-                                  <m:t>1</m:t>
-                                </m:r>
-                              </m:sub>
-                              <m:sup>
-                                <m:r>
-                                  <a:rPr lang="en-US" sz="2400" i="1">
-                                    <a:latin typeface="Cambria Math" panose="02040503050406030204" pitchFamily="18" charset="0"/>
-                                    <a:ea typeface="Cambria Math" panose="02040503050406030204" pitchFamily="18" charset="0"/>
-                                  </a:rPr>
-                                  <m:t>′</m:t>
-                                </m:r>
-                              </m:sup>
-                            </m:sSubSup>
-                          </m:e>
-                        </m:acc>
-                      </m:e>
-                    </m:d>
-                    <m:r>
-                      <a:rPr lang="en-US" sz="2400" b="0" i="1" smtClean="0">
-                        <a:latin typeface="Cambria Math" panose="02040503050406030204" pitchFamily="18" charset="0"/>
-                        <a:ea typeface="Cambria Math" panose="02040503050406030204" pitchFamily="18" charset="0"/>
-                      </a:rPr>
-                      <m:t> </m:t>
-                    </m:r>
-                    <m:r>
-                      <a:rPr lang="en-US" sz="2400" i="1" cap="small">
-                        <a:latin typeface="Latin Modern Math" panose="02000503000000000000" pitchFamily="50" charset="0"/>
-                        <a:ea typeface="Latin Modern Math" panose="02000503000000000000" pitchFamily="50" charset="0"/>
-                      </a:rPr>
-                      <m:t>⟹</m:t>
-                    </m:r>
-                    <m:r>
-                      <a:rPr lang="en-US" sz="2400" b="0" i="1" cap="small" smtClean="0">
-                        <a:latin typeface="Cambria Math" panose="02040503050406030204" pitchFamily="18" charset="0"/>
-                        <a:ea typeface="Latin Modern Math" panose="02000503000000000000" pitchFamily="50" charset="0"/>
-                      </a:rPr>
-                      <m:t>  </m:t>
-                    </m:r>
-                    <m:acc>
-                      <m:accPr>
-                        <m:chr m:val="̃"/>
-                        <m:ctrlPr>
-                          <a:rPr lang="en-US" sz="2400" i="1">
-                            <a:latin typeface="Cambria Math" panose="02040503050406030204" pitchFamily="18" charset="0"/>
-                            <a:ea typeface="Cambria Math" panose="02040503050406030204" pitchFamily="18" charset="0"/>
-                          </a:rPr>
-                        </m:ctrlPr>
-                      </m:accPr>
-                      <m:e>
-                        <m:r>
-                          <a:rPr lang="en-US" sz="2400" i="1" cap="small">
-                            <a:latin typeface="Latin Modern Math" panose="02000503000000000000" pitchFamily="50" charset="0"/>
-                            <a:ea typeface="Latin Modern Math" panose="02000503000000000000" pitchFamily="50" charset="0"/>
-                          </a:rPr>
-                          <m:t>⊢</m:t>
-                        </m:r>
-                      </m:e>
-                    </m:acc>
-                    <m:d>
-                      <m:dPr>
-                        <m:begChr m:val="{"/>
-                        <m:endChr m:val="}"/>
-                        <m:ctrlPr>
-                          <a:rPr lang="en-US" sz="2400" i="1" cap="small">
-                            <a:latin typeface="Cambria Math" panose="02040503050406030204" pitchFamily="18" charset="0"/>
-                            <a:ea typeface="Cambria Math" panose="02040503050406030204" pitchFamily="18" charset="0"/>
-                          </a:rPr>
-                        </m:ctrlPr>
-                      </m:dPr>
-                      <m:e>
-                        <m:acc>
-                          <m:accPr>
-                            <m:chr m:val="̃"/>
-                            <m:ctrlPr>
-                              <a:rPr lang="en-US" sz="2400" i="1">
-                                <a:latin typeface="Cambria Math" panose="02040503050406030204" pitchFamily="18" charset="0"/>
-                                <a:ea typeface="Cambria Math" panose="02040503050406030204" pitchFamily="18" charset="0"/>
-                              </a:rPr>
-                            </m:ctrlPr>
-                          </m:accPr>
-                          <m:e>
-                            <m:sSub>
-                              <m:sSubPr>
-                                <m:ctrlPr>
-                                  <a:rPr lang="en-US" sz="2400" i="1">
-                                    <a:latin typeface="Cambria Math" panose="02040503050406030204" pitchFamily="18" charset="0"/>
-                                    <a:ea typeface="Cambria Math" panose="02040503050406030204" pitchFamily="18" charset="0"/>
-                                  </a:rPr>
-                                </m:ctrlPr>
-                              </m:sSubPr>
-                              <m:e>
-                                <m:r>
-                                  <a:rPr lang="en-US" sz="2400" i="1">
-                                    <a:latin typeface="Latin Modern Math" panose="02000503000000000000" pitchFamily="50" charset="0"/>
-                                    <a:ea typeface="Latin Modern Math" panose="02000503000000000000" pitchFamily="50" charset="0"/>
-                                  </a:rPr>
-                                  <m:t>𝜙</m:t>
-                                </m:r>
-                              </m:e>
-                              <m:sub>
-                                <m:r>
-                                  <a:rPr lang="en-US" sz="2400" b="0" i="1" smtClean="0">
-                                    <a:latin typeface="Cambria Math" panose="02040503050406030204" pitchFamily="18" charset="0"/>
-                                    <a:ea typeface="Latin Modern Math" panose="02000503000000000000" pitchFamily="50" charset="0"/>
-                                  </a:rPr>
-                                  <m:t>2</m:t>
-                                </m:r>
-                              </m:sub>
-                            </m:sSub>
-                          </m:e>
-                        </m:acc>
-                      </m:e>
-                    </m:d>
-                    <m:r>
-                      <a:rPr lang="en-US" sz="2400" i="1" cap="small">
-                        <a:latin typeface="Cambria Math" panose="02040503050406030204" pitchFamily="18" charset="0"/>
-                        <a:ea typeface="Cambria Math" panose="02040503050406030204" pitchFamily="18" charset="0"/>
-                      </a:rPr>
-                      <m:t> </m:t>
-                    </m:r>
-                    <m:acc>
-                      <m:accPr>
-                        <m:chr m:val="̃"/>
-                        <m:ctrlPr>
-                          <a:rPr lang="en-US" sz="2400" i="1" cap="small">
-                            <a:latin typeface="Cambria Math" panose="02040503050406030204" pitchFamily="18" charset="0"/>
-                            <a:ea typeface="Cambria Math" panose="02040503050406030204" pitchFamily="18" charset="0"/>
-                          </a:rPr>
-                        </m:ctrlPr>
-                      </m:accPr>
-                      <m:e>
-                        <m:sSub>
-                          <m:sSubPr>
-                            <m:ctrlPr>
-                              <a:rPr lang="en-US" sz="2400" i="1" cap="small">
-                                <a:latin typeface="Cambria Math" panose="02040503050406030204" pitchFamily="18" charset="0"/>
-                                <a:ea typeface="Latin Modern Math" panose="02000503000000000000" pitchFamily="50" charset="0"/>
-                              </a:rPr>
-                            </m:ctrlPr>
-                          </m:sSubPr>
-                          <m:e>
-                            <m:r>
-                              <a:rPr lang="en-US" sz="2400" i="1" cap="small">
-                                <a:latin typeface="Latin Modern Math" panose="02000503000000000000" pitchFamily="50" charset="0"/>
-                                <a:ea typeface="Latin Modern Math" panose="02000503000000000000" pitchFamily="50" charset="0"/>
-                              </a:rPr>
-                              <m:t>𝑠</m:t>
-                            </m:r>
-                          </m:e>
-                          <m:sub>
-                            <m:r>
-                              <a:rPr lang="en-US" sz="2400" b="0" i="1" cap="small" smtClean="0">
-                                <a:latin typeface="Cambria Math" panose="02040503050406030204" pitchFamily="18" charset="0"/>
-                                <a:ea typeface="Latin Modern Math" panose="02000503000000000000" pitchFamily="50" charset="0"/>
-                              </a:rPr>
-                              <m:t>2</m:t>
-                            </m:r>
-                          </m:sub>
-                        </m:sSub>
-                      </m:e>
-                    </m:acc>
-                    <m:r>
-                      <a:rPr lang="en-US" sz="2400" i="1" cap="small">
-                        <a:latin typeface="Cambria Math" panose="02040503050406030204" pitchFamily="18" charset="0"/>
-                        <a:ea typeface="Latin Modern Math" panose="02000503000000000000" pitchFamily="50" charset="0"/>
-                      </a:rPr>
-                      <m:t> </m:t>
-                    </m:r>
-                    <m:d>
-                      <m:dPr>
-                        <m:begChr m:val="{"/>
-                        <m:endChr m:val="}"/>
-                        <m:ctrlPr>
-                          <a:rPr lang="en-US" sz="2400" i="1" cap="small">
-                            <a:latin typeface="Cambria Math" panose="02040503050406030204" pitchFamily="18" charset="0"/>
-                            <a:ea typeface="Cambria Math" panose="02040503050406030204" pitchFamily="18" charset="0"/>
-                          </a:rPr>
-                        </m:ctrlPr>
-                      </m:dPr>
-                      <m:e>
-                        <m:acc>
-                          <m:accPr>
-                            <m:chr m:val="̃"/>
-                            <m:ctrlPr>
-                              <a:rPr lang="en-US" sz="2400" i="1">
-                                <a:latin typeface="Cambria Math" panose="02040503050406030204" pitchFamily="18" charset="0"/>
-                                <a:ea typeface="Cambria Math" panose="02040503050406030204" pitchFamily="18" charset="0"/>
-                              </a:rPr>
-                            </m:ctrlPr>
-                          </m:accPr>
-                          <m:e>
-                            <m:sSubSup>
-                              <m:sSubSupPr>
-                                <m:ctrlPr>
-                                  <a:rPr lang="en-US" sz="2400" i="1">
-                                    <a:latin typeface="Cambria Math" panose="02040503050406030204" pitchFamily="18" charset="0"/>
-                                    <a:ea typeface="Cambria Math" panose="02040503050406030204" pitchFamily="18" charset="0"/>
-                                  </a:rPr>
-                                </m:ctrlPr>
-                              </m:sSubSupPr>
-                              <m:e>
-                                <m:r>
-                                  <a:rPr lang="en-US" sz="2400" i="1">
-                                    <a:latin typeface="Latin Modern Math" panose="02000503000000000000" pitchFamily="50" charset="0"/>
-                                    <a:ea typeface="Latin Modern Math" panose="02000503000000000000" pitchFamily="50" charset="0"/>
-                                  </a:rPr>
-                                  <m:t>𝜙</m:t>
-                                </m:r>
-                              </m:e>
-                              <m:sub>
-                                <m:r>
-                                  <a:rPr lang="en-US" sz="2400" b="0" i="1" smtClean="0">
-                                    <a:latin typeface="Cambria Math" panose="02040503050406030204" pitchFamily="18" charset="0"/>
-                                    <a:ea typeface="Latin Modern Math" panose="02000503000000000000" pitchFamily="50" charset="0"/>
-                                  </a:rPr>
-                                  <m:t>2</m:t>
-                                </m:r>
-                              </m:sub>
-                              <m:sup>
-                                <m:r>
-                                  <a:rPr lang="en-US" sz="2400" i="1">
-                                    <a:latin typeface="Cambria Math" panose="02040503050406030204" pitchFamily="18" charset="0"/>
-                                    <a:ea typeface="Cambria Math" panose="02040503050406030204" pitchFamily="18" charset="0"/>
-                                  </a:rPr>
-                                  <m:t>′</m:t>
-                                </m:r>
-                              </m:sup>
-                            </m:sSubSup>
-                          </m:e>
-                        </m:acc>
-                      </m:e>
-                    </m:d>
-                  </m:oMath>
-                </a14:m>
-                <a:r>
-                  <a:rPr lang="de-DE" sz="2400" i="1" cap="small" dirty="0">
-                    <a:latin typeface="Cambria Math" panose="02040503050406030204" pitchFamily="18" charset="0"/>
-                    <a:ea typeface="Cambria Math" panose="02040503050406030204" pitchFamily="18" charset="0"/>
-                  </a:rPr>
-                  <a:t> </a:t>
-                </a:r>
-              </a:p>
-              <a:p>
-                <a:pPr>
-                  <a:lnSpc>
-                    <a:spcPct val="150000"/>
-                  </a:lnSpc>
-                </a:pPr>
-                <a14:m>
-                  <m:oMath xmlns:m="http://schemas.openxmlformats.org/officeDocument/2006/math">
-                    <m:acc>
-                      <m:accPr>
-                        <m:chr m:val="̃"/>
-                        <m:ctrlPr>
-                          <a:rPr lang="en-US" sz="2400" i="1" smtClean="0">
-                            <a:latin typeface="Cambria Math" panose="02040503050406030204" pitchFamily="18" charset="0"/>
-                            <a:ea typeface="Cambria Math" panose="02040503050406030204" pitchFamily="18" charset="0"/>
-                          </a:rPr>
-                        </m:ctrlPr>
-                      </m:accPr>
-                      <m:e>
-                        <m:sSub>
-                          <m:sSubPr>
-                            <m:ctrlPr>
-                              <a:rPr lang="en-US" sz="2400" i="1">
-                                <a:latin typeface="Cambria Math" panose="02040503050406030204" pitchFamily="18" charset="0"/>
-                                <a:ea typeface="Cambria Math" panose="02040503050406030204" pitchFamily="18" charset="0"/>
-                              </a:rPr>
-                            </m:ctrlPr>
-                          </m:sSubPr>
-                          <m:e>
-                            <m:r>
-                              <a:rPr lang="en-US" sz="2400" i="1">
-                                <a:latin typeface="Latin Modern Math" panose="02000503000000000000" pitchFamily="50" charset="0"/>
-                                <a:ea typeface="Latin Modern Math" panose="02000503000000000000" pitchFamily="50" charset="0"/>
-                              </a:rPr>
-                              <m:t>𝜋</m:t>
-                            </m:r>
-                          </m:e>
-                          <m:sub>
-                            <m:r>
-                              <a:rPr lang="en-US" sz="2400" i="1">
-                                <a:latin typeface="Cambria Math" panose="02040503050406030204" pitchFamily="18" charset="0"/>
-                                <a:ea typeface="Cambria Math" panose="02040503050406030204" pitchFamily="18" charset="0"/>
-                              </a:rPr>
-                              <m:t>1</m:t>
-                            </m:r>
-                          </m:sub>
-                        </m:sSub>
-                      </m:e>
-                    </m:acc>
-                    <m:r>
-                      <a:rPr lang="en-US" sz="2400" b="0" i="1" smtClean="0">
-                        <a:latin typeface="Cambria Math" panose="02040503050406030204" pitchFamily="18" charset="0"/>
-                        <a:ea typeface="Cambria Math" panose="02040503050406030204" pitchFamily="18" charset="0"/>
-                      </a:rPr>
-                      <m:t> </m:t>
-                    </m:r>
-                    <m:acc>
-                      <m:accPr>
-                        <m:chr m:val="̃"/>
-                        <m:ctrlPr>
-                          <a:rPr lang="en-US" sz="2400" i="1">
-                            <a:latin typeface="Cambria Math" panose="02040503050406030204" pitchFamily="18" charset="0"/>
-                            <a:ea typeface="Latin Modern Math" panose="02000503000000000000" pitchFamily="50" charset="0"/>
-                          </a:rPr>
-                        </m:ctrlPr>
-                      </m:accPr>
-                      <m:e>
-                        <m:r>
-                          <m:rPr>
-                            <m:nor/>
-                          </m:rPr>
-                          <a:rPr lang="de-DE" sz="2400" dirty="0">
-                            <a:latin typeface="Latin Modern Math" panose="02000503000000000000" pitchFamily="50" charset="0"/>
-                            <a:ea typeface="Latin Modern Math" panose="02000503000000000000" pitchFamily="50" charset="0"/>
-                            <a:cs typeface="Lucida Sans Unicode" panose="020B0602030504020204" pitchFamily="34" charset="0"/>
-                          </a:rPr>
-                          <m:t>⟶</m:t>
-                        </m:r>
-                      </m:e>
-                    </m:acc>
-                    <m:r>
-                      <a:rPr lang="en-US" sz="2400" b="0" i="1" dirty="0" smtClean="0">
-                        <a:latin typeface="Cambria Math" panose="02040503050406030204" pitchFamily="18" charset="0"/>
-                        <a:ea typeface="Latin Modern Math" panose="02000503000000000000" pitchFamily="50" charset="0"/>
-                        <a:cs typeface="Lucida Sans Unicode" panose="020B0602030504020204" pitchFamily="34" charset="0"/>
-                      </a:rPr>
-                      <m:t> </m:t>
-                    </m:r>
-                    <m:acc>
-                      <m:accPr>
-                        <m:chr m:val="̃"/>
-                        <m:ctrlPr>
-                          <a:rPr lang="en-US" sz="2400" i="1">
-                            <a:latin typeface="Cambria Math" panose="02040503050406030204" pitchFamily="18" charset="0"/>
-                            <a:ea typeface="Cambria Math" panose="02040503050406030204" pitchFamily="18" charset="0"/>
-                          </a:rPr>
-                        </m:ctrlPr>
-                      </m:accPr>
-                      <m:e>
-                        <m:sSubSup>
-                          <m:sSubSupPr>
-                            <m:ctrlPr>
-                              <a:rPr lang="en-US" sz="2400" i="1">
-                                <a:latin typeface="Cambria Math" panose="02040503050406030204" pitchFamily="18" charset="0"/>
-                                <a:ea typeface="Cambria Math" panose="02040503050406030204" pitchFamily="18" charset="0"/>
-                              </a:rPr>
-                            </m:ctrlPr>
-                          </m:sSubSupPr>
-                          <m:e>
-                            <m:r>
-                              <a:rPr lang="en-US" sz="2400" i="1">
-                                <a:latin typeface="Latin Modern Math" panose="02000503000000000000" pitchFamily="50" charset="0"/>
-                                <a:ea typeface="Latin Modern Math" panose="02000503000000000000" pitchFamily="50" charset="0"/>
-                              </a:rPr>
-                              <m:t>𝜋</m:t>
-                            </m:r>
-                          </m:e>
-                          <m:sub>
-                            <m:r>
-                              <a:rPr lang="en-US" sz="2400" i="1">
-                                <a:latin typeface="Cambria Math" panose="02040503050406030204" pitchFamily="18" charset="0"/>
-                                <a:ea typeface="Latin Modern Math" panose="02000503000000000000" pitchFamily="50" charset="0"/>
-                              </a:rPr>
-                              <m:t>1</m:t>
-                            </m:r>
-                          </m:sub>
-                          <m:sup>
-                            <m:r>
-                              <a:rPr lang="en-US" sz="2400" i="1">
-                                <a:latin typeface="Cambria Math" panose="02040503050406030204" pitchFamily="18" charset="0"/>
-                                <a:ea typeface="Cambria Math" panose="02040503050406030204" pitchFamily="18" charset="0"/>
-                              </a:rPr>
-                              <m:t>′</m:t>
-                            </m:r>
-                          </m:sup>
-                        </m:sSubSup>
-                      </m:e>
-                    </m:acc>
-                    <m:r>
-                      <a:rPr lang="en-US" sz="2400" b="0" i="1" smtClean="0">
-                        <a:latin typeface="Cambria Math" panose="02040503050406030204" pitchFamily="18" charset="0"/>
-                        <a:ea typeface="Cambria Math" panose="02040503050406030204" pitchFamily="18" charset="0"/>
-                      </a:rPr>
-                      <m:t> </m:t>
-                    </m:r>
-                    <m:r>
-                      <a:rPr lang="en-US" sz="2400" i="1" cap="small">
-                        <a:latin typeface="Latin Modern Math" panose="02000503000000000000" pitchFamily="50" charset="0"/>
-                        <a:ea typeface="Latin Modern Math" panose="02000503000000000000" pitchFamily="50" charset="0"/>
-                      </a:rPr>
-                      <m:t>⟹</m:t>
-                    </m:r>
-                    <m:r>
-                      <a:rPr lang="en-US" sz="2400" b="0" i="1" cap="small" smtClean="0">
-                        <a:latin typeface="Cambria Math" panose="02040503050406030204" pitchFamily="18" charset="0"/>
-                        <a:ea typeface="Latin Modern Math" panose="02000503000000000000" pitchFamily="50" charset="0"/>
-                      </a:rPr>
-                      <m:t> ∃</m:t>
-                    </m:r>
-                    <m:acc>
-                      <m:accPr>
-                        <m:chr m:val="̃"/>
-                        <m:ctrlPr>
-                          <a:rPr lang="en-US" sz="2400" i="1">
-                            <a:latin typeface="Cambria Math" panose="02040503050406030204" pitchFamily="18" charset="0"/>
-                            <a:ea typeface="Cambria Math" panose="02040503050406030204" pitchFamily="18" charset="0"/>
-                          </a:rPr>
-                        </m:ctrlPr>
-                      </m:accPr>
-                      <m:e>
-                        <m:sSubSup>
-                          <m:sSubSupPr>
-                            <m:ctrlPr>
-                              <a:rPr lang="en-US" sz="2400" i="1">
-                                <a:latin typeface="Cambria Math" panose="02040503050406030204" pitchFamily="18" charset="0"/>
-                                <a:ea typeface="Cambria Math" panose="02040503050406030204" pitchFamily="18" charset="0"/>
-                              </a:rPr>
-                            </m:ctrlPr>
-                          </m:sSubSupPr>
-                          <m:e>
-                            <m:r>
-                              <a:rPr lang="en-US" sz="2400" i="1">
-                                <a:latin typeface="Latin Modern Math" panose="02000503000000000000" pitchFamily="50" charset="0"/>
-                                <a:ea typeface="Latin Modern Math" panose="02000503000000000000" pitchFamily="50" charset="0"/>
-                              </a:rPr>
-                              <m:t>𝜋</m:t>
-                            </m:r>
-                          </m:e>
-                          <m:sub>
-                            <m:r>
-                              <a:rPr lang="en-US" sz="2400" i="1">
-                                <a:latin typeface="Cambria Math" panose="02040503050406030204" pitchFamily="18" charset="0"/>
-                                <a:ea typeface="Latin Modern Math" panose="02000503000000000000" pitchFamily="50" charset="0"/>
-                              </a:rPr>
-                              <m:t>2</m:t>
-                            </m:r>
-                          </m:sub>
-                          <m:sup>
-                            <m:r>
-                              <a:rPr lang="en-US" sz="2400" i="1">
-                                <a:latin typeface="Cambria Math" panose="02040503050406030204" pitchFamily="18" charset="0"/>
-                                <a:ea typeface="Cambria Math" panose="02040503050406030204" pitchFamily="18" charset="0"/>
-                              </a:rPr>
-                              <m:t>′</m:t>
-                            </m:r>
-                          </m:sup>
-                        </m:sSubSup>
-                      </m:e>
-                    </m:acc>
-                    <m:r>
-                      <a:rPr lang="en-US" sz="2400" b="0" i="1" smtClean="0">
-                        <a:latin typeface="Cambria Math" panose="02040503050406030204" pitchFamily="18" charset="0"/>
-                        <a:ea typeface="Cambria Math" panose="02040503050406030204" pitchFamily="18" charset="0"/>
-                      </a:rPr>
-                      <m:t>.  </m:t>
-                    </m:r>
-                    <m:acc>
-                      <m:accPr>
-                        <m:chr m:val="̃"/>
-                        <m:ctrlPr>
-                          <a:rPr lang="en-US" sz="2400" i="1">
-                            <a:latin typeface="Cambria Math" panose="02040503050406030204" pitchFamily="18" charset="0"/>
-                            <a:ea typeface="Cambria Math" panose="02040503050406030204" pitchFamily="18" charset="0"/>
-                          </a:rPr>
-                        </m:ctrlPr>
-                      </m:accPr>
-                      <m:e>
-                        <m:sSub>
-                          <m:sSubPr>
-                            <m:ctrlPr>
-                              <a:rPr lang="en-US" sz="2400" i="1">
-                                <a:latin typeface="Cambria Math" panose="02040503050406030204" pitchFamily="18" charset="0"/>
-                                <a:ea typeface="Cambria Math" panose="02040503050406030204" pitchFamily="18" charset="0"/>
-                              </a:rPr>
-                            </m:ctrlPr>
-                          </m:sSubPr>
-                          <m:e>
-                            <m:r>
-                              <a:rPr lang="en-US" sz="2400" i="1">
-                                <a:latin typeface="Latin Modern Math" panose="02000503000000000000" pitchFamily="50" charset="0"/>
-                                <a:ea typeface="Latin Modern Math" panose="02000503000000000000" pitchFamily="50" charset="0"/>
-                              </a:rPr>
-                              <m:t>𝜋</m:t>
-                            </m:r>
-                          </m:e>
-                          <m:sub>
-                            <m:r>
-                              <a:rPr lang="en-US" sz="2400" i="1">
-                                <a:latin typeface="Cambria Math" panose="02040503050406030204" pitchFamily="18" charset="0"/>
-                                <a:ea typeface="Latin Modern Math" panose="02000503000000000000" pitchFamily="50" charset="0"/>
-                              </a:rPr>
-                              <m:t>2</m:t>
-                            </m:r>
-                          </m:sub>
-                        </m:sSub>
-                      </m:e>
-                    </m:acc>
-                    <m:r>
-                      <a:rPr lang="en-US" sz="2400" b="0" i="1" smtClean="0">
-                        <a:latin typeface="Cambria Math" panose="02040503050406030204" pitchFamily="18" charset="0"/>
-                        <a:ea typeface="Latin Modern Math" panose="02000503000000000000" pitchFamily="50" charset="0"/>
-                      </a:rPr>
-                      <m:t> </m:t>
-                    </m:r>
-                    <m:acc>
-                      <m:accPr>
-                        <m:chr m:val="̃"/>
-                        <m:ctrlPr>
-                          <a:rPr lang="en-US" sz="2400" i="1">
-                            <a:latin typeface="Cambria Math" panose="02040503050406030204" pitchFamily="18" charset="0"/>
-                            <a:ea typeface="Latin Modern Math" panose="02000503000000000000" pitchFamily="50" charset="0"/>
-                          </a:rPr>
-                        </m:ctrlPr>
-                      </m:accPr>
-                      <m:e>
-                        <m:r>
-                          <m:rPr>
-                            <m:nor/>
-                          </m:rPr>
-                          <a:rPr lang="de-DE" sz="2400" dirty="0">
-                            <a:latin typeface="Latin Modern Math" panose="02000503000000000000" pitchFamily="50" charset="0"/>
-                            <a:ea typeface="Latin Modern Math" panose="02000503000000000000" pitchFamily="50" charset="0"/>
-                            <a:cs typeface="Lucida Sans Unicode" panose="020B0602030504020204" pitchFamily="34" charset="0"/>
-                          </a:rPr>
-                          <m:t>⟶</m:t>
-                        </m:r>
-                      </m:e>
-                    </m:acc>
-                    <m:r>
-                      <a:rPr lang="en-US" sz="2400" b="0" i="1" dirty="0" smtClean="0">
-                        <a:latin typeface="Cambria Math" panose="02040503050406030204" pitchFamily="18" charset="0"/>
-                        <a:ea typeface="Latin Modern Math" panose="02000503000000000000" pitchFamily="50" charset="0"/>
-                        <a:cs typeface="Lucida Sans Unicode" panose="020B0602030504020204" pitchFamily="34" charset="0"/>
-                      </a:rPr>
-                      <m:t> </m:t>
-                    </m:r>
-                    <m:acc>
-                      <m:accPr>
-                        <m:chr m:val="̃"/>
-                        <m:ctrlPr>
-                          <a:rPr lang="en-US" sz="2400" i="1">
-                            <a:latin typeface="Cambria Math" panose="02040503050406030204" pitchFamily="18" charset="0"/>
-                            <a:ea typeface="Cambria Math" panose="02040503050406030204" pitchFamily="18" charset="0"/>
-                          </a:rPr>
-                        </m:ctrlPr>
-                      </m:accPr>
-                      <m:e>
-                        <m:sSubSup>
-                          <m:sSubSupPr>
-                            <m:ctrlPr>
-                              <a:rPr lang="en-US" sz="2400" i="1">
-                                <a:latin typeface="Cambria Math" panose="02040503050406030204" pitchFamily="18" charset="0"/>
-                                <a:ea typeface="Cambria Math" panose="02040503050406030204" pitchFamily="18" charset="0"/>
-                              </a:rPr>
-                            </m:ctrlPr>
-                          </m:sSubSupPr>
-                          <m:e>
-                            <m:r>
-                              <a:rPr lang="en-US" sz="2400" i="1">
-                                <a:latin typeface="Latin Modern Math" panose="02000503000000000000" pitchFamily="50" charset="0"/>
-                                <a:ea typeface="Latin Modern Math" panose="02000503000000000000" pitchFamily="50" charset="0"/>
-                              </a:rPr>
-                              <m:t>𝜋</m:t>
-                            </m:r>
-                          </m:e>
-                          <m:sub>
-                            <m:r>
-                              <a:rPr lang="en-US" sz="2400" i="1">
-                                <a:latin typeface="Cambria Math" panose="02040503050406030204" pitchFamily="18" charset="0"/>
-                                <a:ea typeface="Latin Modern Math" panose="02000503000000000000" pitchFamily="50" charset="0"/>
-                              </a:rPr>
-                              <m:t>2</m:t>
-                            </m:r>
-                          </m:sub>
-                          <m:sup>
-                            <m:r>
-                              <a:rPr lang="en-US" sz="2400" i="1">
-                                <a:latin typeface="Cambria Math" panose="02040503050406030204" pitchFamily="18" charset="0"/>
-                                <a:ea typeface="Cambria Math" panose="02040503050406030204" pitchFamily="18" charset="0"/>
-                              </a:rPr>
-                              <m:t>′</m:t>
-                            </m:r>
-                          </m:sup>
-                        </m:sSubSup>
-                      </m:e>
-                    </m:acc>
-                    <m:r>
-                      <a:rPr lang="en-US" sz="2400" b="0" i="1" smtClean="0">
-                        <a:latin typeface="Latin Modern Math" panose="02000503000000000000" pitchFamily="50" charset="0"/>
-                        <a:ea typeface="Latin Modern Math" panose="02000503000000000000" pitchFamily="50" charset="0"/>
-                      </a:rPr>
-                      <m:t>∧</m:t>
-                    </m:r>
-                    <m:acc>
-                      <m:accPr>
-                        <m:chr m:val="̃"/>
-                        <m:ctrlPr>
-                          <a:rPr lang="en-US" sz="2400" i="1">
-                            <a:latin typeface="Cambria Math" panose="02040503050406030204" pitchFamily="18" charset="0"/>
-                            <a:ea typeface="Cambria Math" panose="02040503050406030204" pitchFamily="18" charset="0"/>
-                          </a:rPr>
-                        </m:ctrlPr>
-                      </m:accPr>
-                      <m:e>
-                        <m:sSubSup>
-                          <m:sSubSupPr>
-                            <m:ctrlPr>
-                              <a:rPr lang="en-US" sz="2400" i="1">
-                                <a:latin typeface="Cambria Math" panose="02040503050406030204" pitchFamily="18" charset="0"/>
-                                <a:ea typeface="Cambria Math" panose="02040503050406030204" pitchFamily="18" charset="0"/>
-                              </a:rPr>
-                            </m:ctrlPr>
-                          </m:sSubSupPr>
-                          <m:e>
-                            <m:r>
-                              <a:rPr lang="en-US" sz="2400" i="1">
-                                <a:latin typeface="Latin Modern Math" panose="02000503000000000000" pitchFamily="50" charset="0"/>
-                                <a:ea typeface="Latin Modern Math" panose="02000503000000000000" pitchFamily="50" charset="0"/>
-                              </a:rPr>
-                              <m:t>𝜋</m:t>
-                            </m:r>
-                          </m:e>
-                          <m:sub>
-                            <m:r>
-                              <a:rPr lang="en-US" sz="2400" i="1">
-                                <a:latin typeface="Cambria Math" panose="02040503050406030204" pitchFamily="18" charset="0"/>
-                                <a:ea typeface="Latin Modern Math" panose="02000503000000000000" pitchFamily="50" charset="0"/>
-                              </a:rPr>
-                              <m:t>1</m:t>
-                            </m:r>
-                          </m:sub>
-                          <m:sup>
-                            <m:r>
-                              <a:rPr lang="en-US" sz="2400" i="1">
-                                <a:latin typeface="Cambria Math" panose="02040503050406030204" pitchFamily="18" charset="0"/>
-                                <a:ea typeface="Cambria Math" panose="02040503050406030204" pitchFamily="18" charset="0"/>
-                              </a:rPr>
-                              <m:t>′</m:t>
-                            </m:r>
-                          </m:sup>
-                        </m:sSubSup>
-                      </m:e>
-                    </m:acc>
-                    <m:r>
-                      <a:rPr lang="en-US" sz="2400" i="1">
-                        <a:latin typeface="Latin Modern Math" panose="02000503000000000000" pitchFamily="50" charset="0"/>
-                        <a:ea typeface="Latin Modern Math" panose="02000503000000000000" pitchFamily="50" charset="0"/>
-                      </a:rPr>
-                      <m:t>⊑</m:t>
-                    </m:r>
-                    <m:acc>
-                      <m:accPr>
-                        <m:chr m:val="̃"/>
-                        <m:ctrlPr>
-                          <a:rPr lang="en-US" sz="2400" i="1">
-                            <a:latin typeface="Cambria Math" panose="02040503050406030204" pitchFamily="18" charset="0"/>
-                            <a:ea typeface="Cambria Math" panose="02040503050406030204" pitchFamily="18" charset="0"/>
-                          </a:rPr>
-                        </m:ctrlPr>
-                      </m:accPr>
-                      <m:e>
-                        <m:sSubSup>
-                          <m:sSubSupPr>
-                            <m:ctrlPr>
-                              <a:rPr lang="en-US" sz="2400" i="1">
-                                <a:latin typeface="Cambria Math" panose="02040503050406030204" pitchFamily="18" charset="0"/>
-                                <a:ea typeface="Cambria Math" panose="02040503050406030204" pitchFamily="18" charset="0"/>
-                              </a:rPr>
-                            </m:ctrlPr>
-                          </m:sSubSupPr>
-                          <m:e>
-                            <m:r>
-                              <a:rPr lang="en-US" sz="2400" i="1">
-                                <a:latin typeface="Latin Modern Math" panose="02000503000000000000" pitchFamily="50" charset="0"/>
-                                <a:ea typeface="Latin Modern Math" panose="02000503000000000000" pitchFamily="50" charset="0"/>
-                              </a:rPr>
-                              <m:t>𝜋</m:t>
-                            </m:r>
-                          </m:e>
-                          <m:sub>
-                            <m:r>
-                              <a:rPr lang="en-US" sz="2400" i="1">
-                                <a:latin typeface="Cambria Math" panose="02040503050406030204" pitchFamily="18" charset="0"/>
-                                <a:ea typeface="Latin Modern Math" panose="02000503000000000000" pitchFamily="50" charset="0"/>
-                              </a:rPr>
-                              <m:t>2</m:t>
-                            </m:r>
-                          </m:sub>
-                          <m:sup>
-                            <m:r>
-                              <a:rPr lang="en-US" sz="2400" i="1">
-                                <a:latin typeface="Cambria Math" panose="02040503050406030204" pitchFamily="18" charset="0"/>
-                                <a:ea typeface="Cambria Math" panose="02040503050406030204" pitchFamily="18" charset="0"/>
-                              </a:rPr>
-                              <m:t>′</m:t>
-                            </m:r>
-                          </m:sup>
-                        </m:sSubSup>
-                      </m:e>
-                    </m:acc>
-                  </m:oMath>
-                </a14:m>
-                <a:r>
-                  <a:rPr lang="de-DE" sz="2400" i="1" cap="small" dirty="0">
-                    <a:latin typeface="Latin Modern Math" panose="02000503000000000000" pitchFamily="50" charset="0"/>
-                    <a:ea typeface="Latin Modern Math" panose="02000503000000000000" pitchFamily="50" charset="0"/>
-                  </a:rPr>
-                  <a:t> </a:t>
-                </a:r>
-              </a:p>
-            </p:txBody>
-          </p:sp>
-        </mc:Choice>
-        <mc:Fallback>
-          <p:sp>
-            <p:nvSpPr>
-              <p:cNvPr id="5" name="TextBox 4"/>
-              <p:cNvSpPr txBox="1">
-                <a:spLocks noRot="1" noChangeAspect="1" noMove="1" noResize="1" noEditPoints="1" noAdjustHandles="1" noChangeArrowheads="1" noChangeShapeType="1" noTextEdit="1"/>
-              </p:cNvSpPr>
-              <p:nvPr/>
-            </p:nvSpPr>
-            <p:spPr>
-              <a:xfrm>
-                <a:off x="628650" y="1502230"/>
-                <a:ext cx="7886701" cy="3104440"/>
-              </a:xfrm>
-              <a:prstGeom prst="rect">
-                <a:avLst/>
-              </a:prstGeom>
-              <a:blipFill>
-                <a:blip r:embed="rId2"/>
-                <a:stretch>
-                  <a:fillRect l="-227"/>
-                </a:stretch>
-              </a:blipFill>
-              <a:ln w="152400">
+                <a:ea typeface="Cambria Math" panose="02040503050406030204" pitchFamily="18" charset="0"/>
+              </a:rPr>
+              <a:t>Introduction</a:t>
+            </a:r>
+          </a:p>
+          <a:p>
+            <a:pPr>
+              <a:lnSpc>
+                <a:spcPct val="150000"/>
+              </a:lnSpc>
+            </a:pPr>
+            <a:endParaRPr lang="en-US" sz="2400" i="1" dirty="0">
+              <a:latin typeface="Latin Modern Math" panose="02000503000000000000" pitchFamily="50" charset="0"/>
+              <a:ea typeface="Latin Modern Math" panose="02000503000000000000" pitchFamily="50" charset="0"/>
+            </a:endParaRPr>
+          </a:p>
+        </p:txBody>
+      </p:sp>
+      <p:sp>
+        <p:nvSpPr>
+          <p:cNvPr id="23" name="TextBox 22"/>
+          <p:cNvSpPr txBox="1"/>
+          <p:nvPr/>
+        </p:nvSpPr>
+        <p:spPr>
+          <a:xfrm>
+            <a:off x="628650" y="2913627"/>
+            <a:ext cx="7886701" cy="1015663"/>
+          </a:xfrm>
+          <a:prstGeom prst="rect">
+            <a:avLst/>
+          </a:prstGeom>
+          <a:solidFill>
+            <a:schemeClr val="bg1">
+              <a:lumMod val="95000"/>
+            </a:schemeClr>
+          </a:solidFill>
+          <a:ln w="152400">
+            <a:solidFill>
+              <a:schemeClr val="bg1">
+                <a:lumMod val="95000"/>
+              </a:schemeClr>
+            </a:solidFill>
+          </a:ln>
+        </p:spPr>
+        <p:txBody>
+          <a:bodyPr wrap="square" rtlCol="0">
+            <a:spAutoFit/>
+          </a:bodyPr>
+          <a:lstStyle/>
+          <a:p>
+            <a:r>
+              <a:rPr lang="en-US" sz="2400" dirty="0">
                 <a:solidFill>
                   <a:schemeClr val="bg1">
-                    <a:lumMod val="95000"/>
+                    <a:lumMod val="75000"/>
                   </a:schemeClr>
                 </a:solidFill>
-              </a:ln>
-            </p:spPr>
-            <p:txBody>
-              <a:bodyPr/>
-              <a:lstStyle/>
-              <a:p>
-                <a:r>
-                  <a:rPr lang="de-DE">
-                    <a:noFill/>
-                  </a:rPr>
-                  <a:t> </a:t>
-                </a:r>
-              </a:p>
-            </p:txBody>
-          </p:sp>
-        </mc:Fallback>
-      </mc:AlternateContent>
+                <a:ea typeface="Cambria Math" panose="02040503050406030204" pitchFamily="18" charset="0"/>
+              </a:rPr>
+              <a:t>Monotonicity</a:t>
+            </a:r>
+          </a:p>
+          <a:p>
+            <a:pPr>
+              <a:lnSpc>
+                <a:spcPct val="150000"/>
+              </a:lnSpc>
+            </a:pPr>
+            <a:endParaRPr lang="en-US" sz="2400" i="1" dirty="0">
+              <a:latin typeface="Latin Modern Math" panose="02000503000000000000" pitchFamily="50" charset="0"/>
+              <a:ea typeface="Latin Modern Math" panose="02000503000000000000" pitchFamily="50" charset="0"/>
+            </a:endParaRPr>
+          </a:p>
+        </p:txBody>
+      </p:sp>
+      <p:pic>
+        <p:nvPicPr>
+          <p:cNvPr id="3" name="Picture 2"/>
+          <p:cNvPicPr>
+            <a:picLocks noChangeAspect="1"/>
+          </p:cNvPicPr>
+          <p:nvPr>
+            <p:custDataLst>
+              <p:tags r:id="rId1"/>
+            </p:custDataLst>
+          </p:nvPr>
+        </p:nvPicPr>
+        <p:blipFill>
+          <a:blip r:embed="rId4"/>
+          <a:stretch>
+            <a:fillRect/>
+          </a:stretch>
+        </p:blipFill>
+        <p:spPr>
+          <a:xfrm>
+            <a:off x="2202128" y="2097467"/>
+            <a:ext cx="5105647" cy="314882"/>
+          </a:xfrm>
+          <a:prstGeom prst="rect">
+            <a:avLst/>
+          </a:prstGeom>
+        </p:spPr>
+      </p:pic>
+      <p:pic>
+        <p:nvPicPr>
+          <p:cNvPr id="26" name="Picture 25"/>
+          <p:cNvPicPr>
+            <a:picLocks noChangeAspect="1"/>
+          </p:cNvPicPr>
+          <p:nvPr>
+            <p:custDataLst>
+              <p:tags r:id="rId2"/>
+            </p:custDataLst>
+          </p:nvPr>
+        </p:nvPicPr>
+        <p:blipFill>
+          <a:blip r:embed="rId5"/>
+          <a:stretch>
+            <a:fillRect/>
+          </a:stretch>
+        </p:blipFill>
+        <p:spPr>
+          <a:xfrm>
+            <a:off x="835731" y="3485557"/>
+            <a:ext cx="7485309" cy="312936"/>
+          </a:xfrm>
+          <a:prstGeom prst="rect">
+            <a:avLst/>
+          </a:prstGeom>
+        </p:spPr>
+      </p:pic>
     </p:spTree>
     <p:extLst>
       <p:ext uri="{BB962C8B-B14F-4D97-AF65-F5344CB8AC3E}">
@@ -18137,6 +16791,254 @@
           <a:p>
             <a:r>
               <a:rPr lang="en-US" dirty="0"/>
+              <a:t>Gradual Function Lifting</a:t>
+            </a:r>
+            <a:endParaRPr lang="de-DE" dirty="0"/>
+          </a:p>
+        </p:txBody>
+      </p:sp>
+      <p:sp>
+        <p:nvSpPr>
+          <p:cNvPr id="4" name="Slide Number Placeholder 3"/>
+          <p:cNvSpPr>
+            <a:spLocks noGrp="1"/>
+          </p:cNvSpPr>
+          <p:nvPr>
+            <p:ph type="sldNum" sz="quarter" idx="12"/>
+          </p:nvPr>
+        </p:nvSpPr>
+        <p:spPr/>
+        <p:txBody>
+          <a:bodyPr/>
+          <a:lstStyle/>
+          <a:p>
+            <a:fld id="{9D1E2128-C21B-4EB1-981D-3510C88AFE4A}" type="slidenum">
+              <a:rPr lang="de-DE" smtClean="0"/>
+              <a:t>18</a:t>
+            </a:fld>
+            <a:endParaRPr lang="de-DE"/>
+          </a:p>
+        </p:txBody>
+      </p:sp>
+      <p:sp>
+        <p:nvSpPr>
+          <p:cNvPr id="5" name="TextBox 4"/>
+          <p:cNvSpPr txBox="1"/>
+          <p:nvPr/>
+        </p:nvSpPr>
+        <p:spPr>
+          <a:xfrm>
+            <a:off x="628650" y="1502230"/>
+            <a:ext cx="7886701" cy="1015663"/>
+          </a:xfrm>
+          <a:prstGeom prst="rect">
+            <a:avLst/>
+          </a:prstGeom>
+          <a:solidFill>
+            <a:schemeClr val="bg1">
+              <a:lumMod val="95000"/>
+            </a:schemeClr>
+          </a:solidFill>
+          <a:ln w="152400">
+            <a:solidFill>
+              <a:schemeClr val="bg1">
+                <a:lumMod val="95000"/>
+              </a:schemeClr>
+            </a:solidFill>
+          </a:ln>
+        </p:spPr>
+        <p:txBody>
+          <a:bodyPr wrap="square" rtlCol="0">
+            <a:spAutoFit/>
+          </a:bodyPr>
+          <a:lstStyle/>
+          <a:p>
+            <a:r>
+              <a:rPr lang="en-US" sz="2400" dirty="0">
+                <a:solidFill>
+                  <a:schemeClr val="bg1">
+                    <a:lumMod val="75000"/>
+                  </a:schemeClr>
+                </a:solidFill>
+                <a:ea typeface="Cambria Math" panose="02040503050406030204" pitchFamily="18" charset="0"/>
+              </a:rPr>
+              <a:t>Introduction</a:t>
+            </a:r>
+          </a:p>
+          <a:p>
+            <a:pPr>
+              <a:lnSpc>
+                <a:spcPct val="150000"/>
+              </a:lnSpc>
+            </a:pPr>
+            <a:endParaRPr lang="en-US" sz="2400" i="1" dirty="0">
+              <a:latin typeface="Latin Modern Math" panose="02000503000000000000" pitchFamily="50" charset="0"/>
+              <a:ea typeface="Latin Modern Math" panose="02000503000000000000" pitchFamily="50" charset="0"/>
+            </a:endParaRPr>
+          </a:p>
+        </p:txBody>
+      </p:sp>
+      <p:sp>
+        <p:nvSpPr>
+          <p:cNvPr id="7" name="TextBox 6"/>
+          <p:cNvSpPr txBox="1"/>
+          <p:nvPr/>
+        </p:nvSpPr>
+        <p:spPr>
+          <a:xfrm>
+            <a:off x="628650" y="2913627"/>
+            <a:ext cx="7886701" cy="1015663"/>
+          </a:xfrm>
+          <a:prstGeom prst="rect">
+            <a:avLst/>
+          </a:prstGeom>
+          <a:solidFill>
+            <a:schemeClr val="bg1">
+              <a:lumMod val="95000"/>
+            </a:schemeClr>
+          </a:solidFill>
+          <a:ln w="152400">
+            <a:solidFill>
+              <a:schemeClr val="bg1">
+                <a:lumMod val="95000"/>
+              </a:schemeClr>
+            </a:solidFill>
+          </a:ln>
+        </p:spPr>
+        <p:txBody>
+          <a:bodyPr wrap="square" rtlCol="0">
+            <a:spAutoFit/>
+          </a:bodyPr>
+          <a:lstStyle/>
+          <a:p>
+            <a:r>
+              <a:rPr lang="en-US" sz="2400" dirty="0">
+                <a:solidFill>
+                  <a:schemeClr val="bg1">
+                    <a:lumMod val="75000"/>
+                  </a:schemeClr>
+                </a:solidFill>
+                <a:ea typeface="Cambria Math" panose="02040503050406030204" pitchFamily="18" charset="0"/>
+              </a:rPr>
+              <a:t>Monotonicity</a:t>
+            </a:r>
+          </a:p>
+          <a:p>
+            <a:pPr>
+              <a:lnSpc>
+                <a:spcPct val="150000"/>
+              </a:lnSpc>
+            </a:pPr>
+            <a:endParaRPr lang="en-US" sz="2400" i="1" dirty="0">
+              <a:latin typeface="Latin Modern Math" panose="02000503000000000000" pitchFamily="50" charset="0"/>
+              <a:ea typeface="Latin Modern Math" panose="02000503000000000000" pitchFamily="50" charset="0"/>
+            </a:endParaRPr>
+          </a:p>
+        </p:txBody>
+      </p:sp>
+      <p:pic>
+        <p:nvPicPr>
+          <p:cNvPr id="39" name="Picture 38"/>
+          <p:cNvPicPr>
+            <a:picLocks noChangeAspect="1"/>
+          </p:cNvPicPr>
+          <p:nvPr>
+            <p:custDataLst>
+              <p:tags r:id="rId1"/>
+            </p:custDataLst>
+          </p:nvPr>
+        </p:nvPicPr>
+        <p:blipFill>
+          <a:blip r:embed="rId4"/>
+          <a:stretch>
+            <a:fillRect/>
+          </a:stretch>
+        </p:blipFill>
+        <p:spPr>
+          <a:xfrm>
+            <a:off x="2735528" y="2097467"/>
+            <a:ext cx="3184922" cy="317969"/>
+          </a:xfrm>
+          <a:prstGeom prst="rect">
+            <a:avLst/>
+          </a:prstGeom>
+        </p:spPr>
+      </p:pic>
+      <p:pic>
+        <p:nvPicPr>
+          <p:cNvPr id="40" name="Picture 39"/>
+          <p:cNvPicPr>
+            <a:picLocks noChangeAspect="1"/>
+          </p:cNvPicPr>
+          <p:nvPr>
+            <p:custDataLst>
+              <p:tags r:id="rId2"/>
+            </p:custDataLst>
+          </p:nvPr>
+        </p:nvPicPr>
+        <p:blipFill>
+          <a:blip r:embed="rId5"/>
+          <a:stretch>
+            <a:fillRect/>
+          </a:stretch>
+        </p:blipFill>
+        <p:spPr>
+          <a:xfrm>
+            <a:off x="1591049" y="3464374"/>
+            <a:ext cx="5473879" cy="329185"/>
+          </a:xfrm>
+          <a:prstGeom prst="rect">
+            <a:avLst/>
+          </a:prstGeom>
+        </p:spPr>
+      </p:pic>
+    </p:spTree>
+    <p:extLst>
+      <p:ext uri="{BB962C8B-B14F-4D97-AF65-F5344CB8AC3E}">
+        <p14:creationId xmlns:p14="http://schemas.microsoft.com/office/powerpoint/2010/main" val="729674486"/>
+      </p:ext>
+    </p:extLst>
+  </p:cSld>
+  <p:clrMapOvr>
+    <a:masterClrMapping/>
+  </p:clrMapOvr>
+</p:sld>
+</file>
+
+<file path=ppt/slides/slide19.xml><?xml version="1.0" encoding="utf-8"?>
+<p:sld xmlns:a="http://schemas.openxmlformats.org/drawingml/2006/main" xmlns:r="http://schemas.openxmlformats.org/officeDocument/2006/relationships" xmlns:p="http://schemas.openxmlformats.org/presentationml/2006/main">
+  <p:cSld>
+    <p:spTree>
+      <p:nvGrpSpPr>
+        <p:cNvPr id="1" name=""/>
+        <p:cNvGrpSpPr/>
+        <p:nvPr/>
+      </p:nvGrpSpPr>
+      <p:grpSpPr>
+        <a:xfrm>
+          <a:off x="0" y="0"/>
+          <a:ext cx="0" cy="0"/>
+          <a:chOff x="0" y="0"/>
+          <a:chExt cx="0" cy="0"/>
+        </a:xfrm>
+      </p:grpSpPr>
+      <p:sp>
+        <p:nvSpPr>
+          <p:cNvPr id="2" name="Title 1"/>
+          <p:cNvSpPr>
+            <a:spLocks noGrp="1"/>
+          </p:cNvSpPr>
+          <p:nvPr>
+            <p:ph type="title"/>
+          </p:nvPr>
+        </p:nvSpPr>
+        <p:spPr/>
+        <p:txBody>
+          <a:bodyPr/>
+          <a:lstStyle/>
+          <a:p>
+            <a:r>
+              <a:rPr lang="en-US" dirty="0"/>
               <a:t>Gradual Verification - Goal</a:t>
             </a:r>
             <a:endParaRPr lang="de-DE" dirty="0"/>
@@ -18160,7 +17062,7 @@
           <a:p>
             <a:fld id="{9D1E2128-C21B-4EB1-981D-3510C88AFE4A}" type="slidenum">
               <a:rPr lang="de-DE" smtClean="0"/>
-              <a:t>18</a:t>
+              <a:t>19</a:t>
             </a:fld>
             <a:endParaRPr lang="de-DE" dirty="0"/>
           </a:p>
@@ -18970,8 +17872,8 @@
           </a:p>
         </p:txBody>
       </p:sp>
-      <mc:AlternateContent xmlns:mc="http://schemas.openxmlformats.org/markup-compatibility/2006">
-        <mc:Choice xmlns:a14="http://schemas.microsoft.com/office/drawing/2010/main" Requires="a14">
+      <mc:AlternateContent xmlns:mc="http://schemas.openxmlformats.org/markup-compatibility/2006" xmlns:a14="http://schemas.microsoft.com/office/drawing/2010/main">
+        <mc:Choice Requires="a14">
           <p:sp>
             <p:nvSpPr>
               <p:cNvPr id="7" name="TextBox 6"/>
@@ -19226,7 +18128,7 @@
             </p:txBody>
           </p:sp>
         </mc:Choice>
-        <mc:Fallback>
+        <mc:Fallback xmlns="">
           <p:sp>
             <p:nvSpPr>
               <p:cNvPr id="7" name="TextBox 6"/>
@@ -19265,8 +18167,8 @@
           </p:sp>
         </mc:Fallback>
       </mc:AlternateContent>
-      <mc:AlternateContent xmlns:mc="http://schemas.openxmlformats.org/markup-compatibility/2006">
-        <mc:Choice xmlns:a14="http://schemas.microsoft.com/office/drawing/2010/main" Requires="a14">
+      <mc:AlternateContent xmlns:mc="http://schemas.openxmlformats.org/markup-compatibility/2006" xmlns:a14="http://schemas.microsoft.com/office/drawing/2010/main">
+        <mc:Choice Requires="a14">
           <p:sp>
             <p:nvSpPr>
               <p:cNvPr id="9" name="TextBox 8"/>
@@ -19349,7 +18251,7 @@
             </p:txBody>
           </p:sp>
         </mc:Choice>
-        <mc:Fallback>
+        <mc:Fallback xmlns="">
           <p:sp>
             <p:nvSpPr>
               <p:cNvPr id="9" name="TextBox 8"/>
@@ -19388,8 +18290,8 @@
           </p:sp>
         </mc:Fallback>
       </mc:AlternateContent>
-      <mc:AlternateContent xmlns:mc="http://schemas.openxmlformats.org/markup-compatibility/2006">
-        <mc:Choice xmlns:a14="http://schemas.microsoft.com/office/drawing/2010/main" Requires="a14">
+      <mc:AlternateContent xmlns:mc="http://schemas.openxmlformats.org/markup-compatibility/2006" xmlns:a14="http://schemas.microsoft.com/office/drawing/2010/main">
+        <mc:Choice Requires="a14">
           <p:sp>
             <p:nvSpPr>
               <p:cNvPr id="3" name="Rectangle 2"/>
@@ -19495,7 +18397,7 @@
             </p:txBody>
           </p:sp>
         </mc:Choice>
-        <mc:Fallback>
+        <mc:Fallback xmlns="">
           <p:sp>
             <p:nvSpPr>
               <p:cNvPr id="3" name="Rectangle 2"/>
@@ -19534,8 +18436,8 @@
           </p:sp>
         </mc:Fallback>
       </mc:AlternateContent>
-      <mc:AlternateContent xmlns:mc="http://schemas.openxmlformats.org/markup-compatibility/2006">
-        <mc:Choice xmlns:a14="http://schemas.microsoft.com/office/drawing/2010/main" Requires="a14">
+      <mc:AlternateContent xmlns:mc="http://schemas.openxmlformats.org/markup-compatibility/2006" xmlns:a14="http://schemas.microsoft.com/office/drawing/2010/main">
+        <mc:Choice Requires="a14">
           <p:sp>
             <p:nvSpPr>
               <p:cNvPr id="11" name="Rectangle 10"/>
@@ -19560,7 +18462,6 @@
               </a:bodyPr>
               <a:lstStyle/>
               <a:p>
-                <a:pPr/>
                 <a14:m>
                   <m:oMath xmlns:m="http://schemas.openxmlformats.org/officeDocument/2006/math">
                     <m:d>
@@ -19568,8 +18469,8 @@
                         <m:begChr m:val="〈"/>
                         <m:endChr m:val="〉"/>
                         <m:ctrlPr>
-                          <a:rPr lang="en-US" dirty="0" smtClean="0">
-                            <a:latin typeface="Latin Modern Math" panose="02000503000000000000" pitchFamily="50" charset="0"/>
+                          <a:rPr lang="en-US" i="1" dirty="0" smtClean="0">
+                            <a:latin typeface="Cambria Math" panose="02040503050406030204" pitchFamily="18" charset="0"/>
                             <a:ea typeface="Latin Modern Math" panose="02000503000000000000" pitchFamily="50" charset="0"/>
                             <a:cs typeface="Courier New" panose="02070309020205020404" pitchFamily="49" charset="0"/>
                           </a:rPr>
@@ -19740,23 +18641,7 @@
                         <a:ea typeface="Latin Modern Math" panose="02000503000000000000" pitchFamily="50" charset="0"/>
                         <a:cs typeface="Courier New" panose="02070309020205020404" pitchFamily="49" charset="0"/>
                       </a:rPr>
-                      <m:t>↦</m:t>
-                    </m:r>
-                    <m:r>
-                      <a:rPr lang="en-US">
-                        <a:latin typeface="Latin Modern Math" panose="02000503000000000000" pitchFamily="50" charset="0"/>
-                        <a:ea typeface="Latin Modern Math" panose="02000503000000000000" pitchFamily="50" charset="0"/>
-                        <a:cs typeface="Courier New" panose="02070309020205020404" pitchFamily="49" charset="0"/>
-                      </a:rPr>
-                      <m:t>4</m:t>
-                    </m:r>
-                    <m:r>
-                      <a:rPr lang="en-US">
-                        <a:latin typeface="Latin Modern Math" panose="02000503000000000000" pitchFamily="50" charset="0"/>
-                        <a:ea typeface="Latin Modern Math" panose="02000503000000000000" pitchFamily="50" charset="0"/>
-                        <a:cs typeface="Courier New" panose="02070309020205020404" pitchFamily="49" charset="0"/>
-                      </a:rPr>
-                      <m:t>,</m:t>
+                      <m:t>↦4,</m:t>
                     </m:r>
                     <m:r>
                       <a:rPr lang="de-DE" dirty="0">
@@ -19810,7 +18695,7 @@
             </p:txBody>
           </p:sp>
         </mc:Choice>
-        <mc:Fallback>
+        <mc:Fallback xmlns="">
           <p:sp>
             <p:nvSpPr>
               <p:cNvPr id="11" name="Rectangle 10"/>
@@ -19849,8 +18734,8 @@
           </p:sp>
         </mc:Fallback>
       </mc:AlternateContent>
-      <mc:AlternateContent xmlns:mc="http://schemas.openxmlformats.org/markup-compatibility/2006">
-        <mc:Choice xmlns:a14="http://schemas.microsoft.com/office/drawing/2010/main" Requires="a14">
+      <mc:AlternateContent xmlns:mc="http://schemas.openxmlformats.org/markup-compatibility/2006" xmlns:a14="http://schemas.microsoft.com/office/drawing/2010/main">
+        <mc:Choice Requires="a14">
           <p:sp>
             <p:nvSpPr>
               <p:cNvPr id="31" name="TextBox 30"/>
@@ -20192,7 +19077,7 @@
             </p:txBody>
           </p:sp>
         </mc:Choice>
-        <mc:Fallback>
+        <mc:Fallback xmlns="">
           <p:sp>
             <p:nvSpPr>
               <p:cNvPr id="31" name="TextBox 30"/>
@@ -20331,8 +19216,8 @@
           </a:p>
         </p:txBody>
       </p:sp>
-      <mc:AlternateContent xmlns:mc="http://schemas.openxmlformats.org/markup-compatibility/2006">
-        <mc:Choice xmlns:a14="http://schemas.microsoft.com/office/drawing/2010/main" Requires="a14">
+      <mc:AlternateContent xmlns:mc="http://schemas.openxmlformats.org/markup-compatibility/2006" xmlns:a14="http://schemas.microsoft.com/office/drawing/2010/main">
+        <mc:Choice Requires="a14">
           <p:sp>
             <p:nvSpPr>
               <p:cNvPr id="35" name="hide1a"/>
@@ -20415,7 +19300,7 @@
             </p:txBody>
           </p:sp>
         </mc:Choice>
-        <mc:Fallback>
+        <mc:Fallback xmlns="">
           <p:sp>
             <p:nvSpPr>
               <p:cNvPr id="35" name="hide1a"/>
@@ -20457,8 +19342,8 @@
           </p:sp>
         </mc:Fallback>
       </mc:AlternateContent>
-      <mc:AlternateContent xmlns:mc="http://schemas.openxmlformats.org/markup-compatibility/2006">
-        <mc:Choice xmlns:a14="http://schemas.microsoft.com/office/drawing/2010/main" Requires="a14">
+      <mc:AlternateContent xmlns:mc="http://schemas.openxmlformats.org/markup-compatibility/2006" xmlns:a14="http://schemas.microsoft.com/office/drawing/2010/main">
+        <mc:Choice Requires="a14">
           <p:sp>
             <p:nvSpPr>
               <p:cNvPr id="37" name="Rectangle 36"/>
@@ -20483,7 +19368,6 @@
               </a:bodyPr>
               <a:lstStyle/>
               <a:p>
-                <a:pPr/>
                 <a14:m>
                   <m:oMath xmlns:m="http://schemas.openxmlformats.org/officeDocument/2006/math">
                     <m:d>
@@ -20491,8 +19375,8 @@
                         <m:begChr m:val="〈"/>
                         <m:endChr m:val="〉"/>
                         <m:ctrlPr>
-                          <a:rPr lang="en-US" dirty="0" smtClean="0">
-                            <a:latin typeface="Latin Modern Math" panose="02000503000000000000" pitchFamily="50" charset="0"/>
+                          <a:rPr lang="en-US" i="1" dirty="0" smtClean="0">
+                            <a:latin typeface="Cambria Math" panose="02040503050406030204" pitchFamily="18" charset="0"/>
                             <a:ea typeface="Latin Modern Math" panose="02000503000000000000" pitchFamily="50" charset="0"/>
                             <a:cs typeface="Courier New" panose="02070309020205020404" pitchFamily="49" charset="0"/>
                           </a:rPr>
@@ -20656,7 +19540,7 @@
             </p:txBody>
           </p:sp>
         </mc:Choice>
-        <mc:Fallback>
+        <mc:Fallback xmlns="">
           <p:sp>
             <p:nvSpPr>
               <p:cNvPr id="37" name="Rectangle 36"/>
@@ -20695,8 +19579,8 @@
           </p:sp>
         </mc:Fallback>
       </mc:AlternateContent>
-      <mc:AlternateContent xmlns:mc="http://schemas.openxmlformats.org/markup-compatibility/2006">
-        <mc:Choice xmlns:a14="http://schemas.microsoft.com/office/drawing/2010/main" Requires="a14">
+      <mc:AlternateContent xmlns:mc="http://schemas.openxmlformats.org/markup-compatibility/2006" xmlns:a14="http://schemas.microsoft.com/office/drawing/2010/main">
+        <mc:Choice Requires="a14">
           <p:sp>
             <p:nvSpPr>
               <p:cNvPr id="39" name="Rectangle 38"/>
@@ -20802,7 +19686,7 @@
             </p:txBody>
           </p:sp>
         </mc:Choice>
-        <mc:Fallback>
+        <mc:Fallback xmlns="">
           <p:sp>
             <p:nvSpPr>
               <p:cNvPr id="39" name="Rectangle 38"/>
@@ -20841,8 +19725,8 @@
           </p:sp>
         </mc:Fallback>
       </mc:AlternateContent>
-      <mc:AlternateContent xmlns:mc="http://schemas.openxmlformats.org/markup-compatibility/2006">
-        <mc:Choice xmlns:a14="http://schemas.microsoft.com/office/drawing/2010/main" Requires="a14">
+      <mc:AlternateContent xmlns:mc="http://schemas.openxmlformats.org/markup-compatibility/2006" xmlns:a14="http://schemas.microsoft.com/office/drawing/2010/main">
+        <mc:Choice Requires="a14">
           <p:sp>
             <p:nvSpPr>
               <p:cNvPr id="41" name="hide1a"/>
@@ -20925,7 +19809,7 @@
             </p:txBody>
           </p:sp>
         </mc:Choice>
-        <mc:Fallback>
+        <mc:Fallback xmlns="">
           <p:sp>
             <p:nvSpPr>
               <p:cNvPr id="41" name="hide1a"/>
@@ -20967,8 +19851,8 @@
           </p:sp>
         </mc:Fallback>
       </mc:AlternateContent>
-      <mc:AlternateContent xmlns:mc="http://schemas.openxmlformats.org/markup-compatibility/2006">
-        <mc:Choice xmlns:a14="http://schemas.microsoft.com/office/drawing/2010/main" Requires="a14">
+      <mc:AlternateContent xmlns:mc="http://schemas.openxmlformats.org/markup-compatibility/2006" xmlns:a14="http://schemas.microsoft.com/office/drawing/2010/main">
+        <mc:Choice Requires="a14">
           <p:sp>
             <p:nvSpPr>
               <p:cNvPr id="47" name="Rectangle 46"/>
@@ -20993,6 +19877,7 @@
               </a:bodyPr>
               <a:lstStyle/>
               <a:p>
+                <a:pPr/>
                 <a14:m>
                   <m:oMathPara xmlns:m="http://schemas.openxmlformats.org/officeDocument/2006/math">
                     <m:oMathParaPr>
@@ -21012,7 +19897,7 @@
                           <m:endChr m:val="}"/>
                           <m:ctrlPr>
                             <a:rPr lang="en-US" b="0" i="1" smtClean="0">
-                              <a:latin typeface="Latin Modern Math" panose="02000503000000000000" pitchFamily="50" charset="0"/>
+                              <a:latin typeface="Cambria Math" panose="02040503050406030204" pitchFamily="18" charset="0"/>
                               <a:ea typeface="Latin Modern Math" panose="02000503000000000000" pitchFamily="50" charset="0"/>
                             </a:rPr>
                           </m:ctrlPr>
@@ -21022,7 +19907,7 @@
                             <m:sSubPr>
                               <m:ctrlPr>
                                 <a:rPr lang="en-US" b="0" i="1" smtClean="0">
-                                  <a:latin typeface="Latin Modern Math" panose="02000503000000000000" pitchFamily="50" charset="0"/>
+                                  <a:latin typeface="Cambria Math" panose="02040503050406030204" pitchFamily="18" charset="0"/>
                                   <a:ea typeface="Latin Modern Math" panose="02000503000000000000" pitchFamily="50" charset="0"/>
                                 </a:rPr>
                               </m:ctrlPr>
@@ -21061,7 +19946,7 @@
                           <m:endChr m:val="}"/>
                           <m:ctrlPr>
                             <a:rPr lang="en-US" i="1">
-                              <a:latin typeface="Latin Modern Math" panose="02000503000000000000" pitchFamily="50" charset="0"/>
+                              <a:latin typeface="Cambria Math" panose="02040503050406030204" pitchFamily="18" charset="0"/>
                               <a:ea typeface="Latin Modern Math" panose="02000503000000000000" pitchFamily="50" charset="0"/>
                             </a:rPr>
                           </m:ctrlPr>
@@ -21071,7 +19956,7 @@
                             <m:sSubPr>
                               <m:ctrlPr>
                                 <a:rPr lang="en-US" b="0" i="1" smtClean="0">
-                                  <a:latin typeface="Latin Modern Math" panose="02000503000000000000" pitchFamily="50" charset="0"/>
+                                  <a:latin typeface="Cambria Math" panose="02040503050406030204" pitchFamily="18" charset="0"/>
                                   <a:ea typeface="Latin Modern Math" panose="02000503000000000000" pitchFamily="50" charset="0"/>
                                 </a:rPr>
                               </m:ctrlPr>
@@ -21108,7 +19993,7 @@
                         <m:sSubPr>
                           <m:ctrlPr>
                             <a:rPr lang="en-US" b="0" i="1" smtClean="0">
-                              <a:latin typeface="Latin Modern Math" panose="02000503000000000000" pitchFamily="50" charset="0"/>
+                              <a:latin typeface="Cambria Math" panose="02040503050406030204" pitchFamily="18" charset="0"/>
                               <a:ea typeface="Latin Modern Math" panose="02000503000000000000" pitchFamily="50" charset="0"/>
                             </a:rPr>
                           </m:ctrlPr>
@@ -21343,7 +20228,7 @@
             </p:txBody>
           </p:sp>
         </mc:Choice>
-        <mc:Fallback>
+        <mc:Fallback xmlns="">
           <p:sp>
             <p:nvSpPr>
               <p:cNvPr id="47" name="Rectangle 46"/>
@@ -22087,7 +20972,278 @@
 </p:sld>
 </file>
 
-<file path=ppt/slides/slide19.xml><?xml version="1.0" encoding="utf-8"?>
+<file path=ppt/slides/slide2.xml><?xml version="1.0" encoding="utf-8"?>
+<p:sld xmlns:a="http://schemas.openxmlformats.org/drawingml/2006/main" xmlns:r="http://schemas.openxmlformats.org/officeDocument/2006/relationships" xmlns:p="http://schemas.openxmlformats.org/presentationml/2006/main">
+  <p:cSld>
+    <p:spTree>
+      <p:nvGrpSpPr>
+        <p:cNvPr id="1" name=""/>
+        <p:cNvGrpSpPr/>
+        <p:nvPr/>
+      </p:nvGrpSpPr>
+      <p:grpSpPr>
+        <a:xfrm>
+          <a:off x="0" y="0"/>
+          <a:ext cx="0" cy="0"/>
+          <a:chOff x="0" y="0"/>
+          <a:chExt cx="0" cy="0"/>
+        </a:xfrm>
+      </p:grpSpPr>
+      <p:sp>
+        <p:nvSpPr>
+          <p:cNvPr id="2" name="Title 1"/>
+          <p:cNvSpPr>
+            <a:spLocks noGrp="1"/>
+          </p:cNvSpPr>
+          <p:nvPr>
+            <p:ph type="title"/>
+          </p:nvPr>
+        </p:nvSpPr>
+        <p:spPr/>
+        <p:txBody>
+          <a:bodyPr/>
+          <a:lstStyle/>
+          <a:p>
+            <a:r>
+              <a:rPr lang="en-US" dirty="0"/>
+              <a:t>Motivation</a:t>
+            </a:r>
+            <a:endParaRPr lang="de-DE" dirty="0"/>
+          </a:p>
+        </p:txBody>
+      </p:sp>
+      <p:sp>
+        <p:nvSpPr>
+          <p:cNvPr id="3" name="Content Placeholder 2"/>
+          <p:cNvSpPr>
+            <a:spLocks noGrp="1"/>
+          </p:cNvSpPr>
+          <p:nvPr>
+            <p:ph idx="1"/>
+          </p:nvPr>
+        </p:nvSpPr>
+        <p:spPr/>
+        <p:txBody>
+          <a:bodyPr>
+            <a:normAutofit/>
+          </a:bodyPr>
+          <a:lstStyle/>
+          <a:p>
+            <a:r>
+              <a:rPr lang="en-US" dirty="0"/>
+              <a:t>Program verification (against some specification)</a:t>
+            </a:r>
+          </a:p>
+          <a:p>
+            <a:r>
+              <a:rPr lang="en-US" dirty="0"/>
+              <a:t>Two flavors: static &amp; dynamic</a:t>
+            </a:r>
+          </a:p>
+        </p:txBody>
+      </p:sp>
+      <p:sp>
+        <p:nvSpPr>
+          <p:cNvPr id="4" name="TextBox 3"/>
+          <p:cNvSpPr txBox="1"/>
+          <p:nvPr/>
+        </p:nvSpPr>
+        <p:spPr>
+          <a:xfrm>
+            <a:off x="628650" y="4237971"/>
+            <a:ext cx="7886700" cy="1938992"/>
+          </a:xfrm>
+          <a:prstGeom prst="rect">
+            <a:avLst/>
+          </a:prstGeom>
+        </p:spPr>
+        <p:style>
+          <a:lnRef idx="2">
+            <a:schemeClr val="dk1"/>
+          </a:lnRef>
+          <a:fillRef idx="1">
+            <a:schemeClr val="lt1"/>
+          </a:fillRef>
+          <a:effectRef idx="0">
+            <a:schemeClr val="dk1"/>
+          </a:effectRef>
+          <a:fontRef idx="minor">
+            <a:schemeClr val="dk1"/>
+          </a:fontRef>
+        </p:style>
+        <p:txBody>
+          <a:bodyPr wrap="square" rtlCol="0">
+            <a:spAutoFit/>
+          </a:bodyPr>
+          <a:lstStyle/>
+          <a:p>
+            <a:r>
+              <a:rPr lang="en-US" sz="2000" dirty="0">
+                <a:solidFill>
+                  <a:srgbClr val="00B050"/>
+                </a:solidFill>
+                <a:latin typeface="Consolas" panose="020B0609020204030204" pitchFamily="49" charset="0"/>
+              </a:rPr>
+              <a:t>// spec: callable only if (</a:t>
+            </a:r>
+            <a:r>
+              <a:rPr lang="en-US" sz="2000" dirty="0" err="1">
+                <a:solidFill>
+                  <a:srgbClr val="00B050"/>
+                </a:solidFill>
+                <a:latin typeface="Consolas" panose="020B0609020204030204" pitchFamily="49" charset="0"/>
+              </a:rPr>
+              <a:t>this.balance</a:t>
+            </a:r>
+            <a:r>
+              <a:rPr lang="en-US" sz="2000" dirty="0">
+                <a:solidFill>
+                  <a:srgbClr val="00B050"/>
+                </a:solidFill>
+                <a:latin typeface="Consolas" panose="020B0609020204030204" pitchFamily="49" charset="0"/>
+              </a:rPr>
+              <a:t> &gt;= amount)</a:t>
+            </a:r>
+          </a:p>
+          <a:p>
+            <a:r>
+              <a:rPr lang="en-US" sz="2000" dirty="0">
+                <a:solidFill>
+                  <a:srgbClr val="0070C0"/>
+                </a:solidFill>
+                <a:latin typeface="Consolas" panose="020B0609020204030204" pitchFamily="49" charset="0"/>
+              </a:rPr>
+              <a:t>void</a:t>
+            </a:r>
+            <a:r>
+              <a:rPr lang="en-US" sz="2000" dirty="0">
+                <a:latin typeface="Consolas" panose="020B0609020204030204" pitchFamily="49" charset="0"/>
+              </a:rPr>
+              <a:t> </a:t>
+            </a:r>
+            <a:r>
+              <a:rPr lang="en-US" sz="2000" dirty="0" err="1">
+                <a:latin typeface="Consolas" panose="020B0609020204030204" pitchFamily="49" charset="0"/>
+              </a:rPr>
+              <a:t>withdrawCoins</a:t>
+            </a:r>
+            <a:r>
+              <a:rPr lang="en-US" sz="2000" dirty="0">
+                <a:latin typeface="Consolas" panose="020B0609020204030204" pitchFamily="49" charset="0"/>
+              </a:rPr>
+              <a:t>(</a:t>
+            </a:r>
+            <a:r>
+              <a:rPr lang="en-US" sz="2000" dirty="0">
+                <a:solidFill>
+                  <a:srgbClr val="0070C0"/>
+                </a:solidFill>
+                <a:latin typeface="Consolas" panose="020B0609020204030204" pitchFamily="49" charset="0"/>
+              </a:rPr>
+              <a:t>int</a:t>
+            </a:r>
+            <a:r>
+              <a:rPr lang="en-US" sz="2000" dirty="0">
+                <a:latin typeface="Consolas" panose="020B0609020204030204" pitchFamily="49" charset="0"/>
+              </a:rPr>
+              <a:t> amount)</a:t>
+            </a:r>
+          </a:p>
+          <a:p>
+            <a:r>
+              <a:rPr lang="en-US" sz="2000" dirty="0">
+                <a:latin typeface="Consolas" panose="020B0609020204030204" pitchFamily="49" charset="0"/>
+              </a:rPr>
+              <a:t>{</a:t>
+            </a:r>
+          </a:p>
+          <a:p>
+            <a:r>
+              <a:rPr lang="en-US" sz="2000" dirty="0">
+                <a:latin typeface="Consolas" panose="020B0609020204030204" pitchFamily="49" charset="0"/>
+              </a:rPr>
+              <a:t>	</a:t>
+            </a:r>
+            <a:r>
+              <a:rPr lang="en-US" sz="2000" dirty="0">
+                <a:solidFill>
+                  <a:srgbClr val="00B050"/>
+                </a:solidFill>
+                <a:latin typeface="Consolas" panose="020B0609020204030204" pitchFamily="49" charset="0"/>
+              </a:rPr>
+              <a:t>// business logic</a:t>
+            </a:r>
+          </a:p>
+          <a:p>
+            <a:r>
+              <a:rPr lang="en-US" sz="2000" dirty="0">
+                <a:latin typeface="Consolas" panose="020B0609020204030204" pitchFamily="49" charset="0"/>
+              </a:rPr>
+              <a:t>	</a:t>
+            </a:r>
+            <a:r>
+              <a:rPr lang="en-US" sz="2000" dirty="0" err="1">
+                <a:latin typeface="Consolas" panose="020B0609020204030204" pitchFamily="49" charset="0"/>
+              </a:rPr>
+              <a:t>this.balance</a:t>
+            </a:r>
+            <a:r>
+              <a:rPr lang="en-US" sz="2000" dirty="0">
+                <a:latin typeface="Consolas" panose="020B0609020204030204" pitchFamily="49" charset="0"/>
+              </a:rPr>
+              <a:t> -= amount;</a:t>
+            </a:r>
+          </a:p>
+          <a:p>
+            <a:r>
+              <a:rPr lang="en-US" sz="2000" dirty="0">
+                <a:latin typeface="Consolas" panose="020B0609020204030204" pitchFamily="49" charset="0"/>
+              </a:rPr>
+              <a:t>}</a:t>
+            </a:r>
+            <a:endParaRPr lang="de-DE" sz="2000" dirty="0">
+              <a:latin typeface="Consolas" panose="020B0609020204030204" pitchFamily="49" charset="0"/>
+            </a:endParaRPr>
+          </a:p>
+        </p:txBody>
+      </p:sp>
+      <p:sp>
+        <p:nvSpPr>
+          <p:cNvPr id="5" name="Slide Number Placeholder 4"/>
+          <p:cNvSpPr>
+            <a:spLocks noGrp="1"/>
+          </p:cNvSpPr>
+          <p:nvPr>
+            <p:ph type="sldNum" sz="quarter" idx="12"/>
+          </p:nvPr>
+        </p:nvSpPr>
+        <p:spPr/>
+        <p:txBody>
+          <a:bodyPr/>
+          <a:lstStyle/>
+          <a:p>
+            <a:fld id="{9D1E2128-C21B-4EB1-981D-3510C88AFE4A}" type="slidenum">
+              <a:rPr lang="de-DE" smtClean="0"/>
+              <a:t>2</a:t>
+            </a:fld>
+            <a:endParaRPr lang="de-DE"/>
+          </a:p>
+        </p:txBody>
+      </p:sp>
+    </p:spTree>
+    <p:extLst>
+      <p:ext uri="{BB962C8B-B14F-4D97-AF65-F5344CB8AC3E}">
+        <p14:creationId xmlns:p14="http://schemas.microsoft.com/office/powerpoint/2010/main" val="1608791115"/>
+      </p:ext>
+    </p:extLst>
+  </p:cSld>
+  <p:clrMapOvr>
+    <a:masterClrMapping/>
+  </p:clrMapOvr>
+</p:sld>
+</file>
+
+<file path=ppt/slides/slide20.xml><?xml version="1.0" encoding="utf-8"?>
 <p:sld xmlns:a="http://schemas.openxmlformats.org/drawingml/2006/main" xmlns:r="http://schemas.openxmlformats.org/officeDocument/2006/relationships" xmlns:p="http://schemas.openxmlformats.org/presentationml/2006/main">
   <p:cSld>
     <p:spTree>
@@ -22146,7 +21302,7 @@
           <a:p>
             <a:fld id="{9D1E2128-C21B-4EB1-981D-3510C88AFE4A}" type="slidenum">
               <a:rPr lang="de-DE" smtClean="0"/>
-              <a:t>19</a:t>
+              <a:t>20</a:t>
             </a:fld>
             <a:endParaRPr lang="de-DE" dirty="0"/>
           </a:p>
@@ -22574,376 +21730,6 @@
 </p:sld>
 </file>
 
-<file path=ppt/slides/slide2.xml><?xml version="1.0" encoding="utf-8"?>
-<p:sld xmlns:a="http://schemas.openxmlformats.org/drawingml/2006/main" xmlns:r="http://schemas.openxmlformats.org/officeDocument/2006/relationships" xmlns:p="http://schemas.openxmlformats.org/presentationml/2006/main">
-  <p:cSld>
-    <p:spTree>
-      <p:nvGrpSpPr>
-        <p:cNvPr id="1" name=""/>
-        <p:cNvGrpSpPr/>
-        <p:nvPr/>
-      </p:nvGrpSpPr>
-      <p:grpSpPr>
-        <a:xfrm>
-          <a:off x="0" y="0"/>
-          <a:ext cx="0" cy="0"/>
-          <a:chOff x="0" y="0"/>
-          <a:chExt cx="0" cy="0"/>
-        </a:xfrm>
-      </p:grpSpPr>
-      <p:sp>
-        <p:nvSpPr>
-          <p:cNvPr id="2" name="Title 1"/>
-          <p:cNvSpPr>
-            <a:spLocks noGrp="1"/>
-          </p:cNvSpPr>
-          <p:nvPr>
-            <p:ph type="title"/>
-          </p:nvPr>
-        </p:nvSpPr>
-        <p:spPr/>
-        <p:txBody>
-          <a:bodyPr/>
-          <a:lstStyle/>
-          <a:p>
-            <a:r>
-              <a:rPr lang="en-US" dirty="0"/>
-              <a:t>Motivation</a:t>
-            </a:r>
-            <a:endParaRPr lang="de-DE" dirty="0"/>
-          </a:p>
-        </p:txBody>
-      </p:sp>
-      <p:sp>
-        <p:nvSpPr>
-          <p:cNvPr id="3" name="Content Placeholder 2"/>
-          <p:cNvSpPr>
-            <a:spLocks noGrp="1"/>
-          </p:cNvSpPr>
-          <p:nvPr>
-            <p:ph idx="1"/>
-          </p:nvPr>
-        </p:nvSpPr>
-        <p:spPr/>
-        <p:txBody>
-          <a:bodyPr>
-            <a:normAutofit/>
-          </a:bodyPr>
-          <a:lstStyle/>
-          <a:p>
-            <a:r>
-              <a:rPr lang="en-US" dirty="0"/>
-              <a:t>Program verification (against some specification)</a:t>
-            </a:r>
-          </a:p>
-          <a:p>
-            <a:r>
-              <a:rPr lang="en-US" dirty="0"/>
-              <a:t>Two flavors: static &amp; dynamic</a:t>
-            </a:r>
-          </a:p>
-        </p:txBody>
-      </p:sp>
-      <p:sp>
-        <p:nvSpPr>
-          <p:cNvPr id="4" name="TextBox 3"/>
-          <p:cNvSpPr txBox="1"/>
-          <p:nvPr/>
-        </p:nvSpPr>
-        <p:spPr>
-          <a:xfrm>
-            <a:off x="628650" y="4237971"/>
-            <a:ext cx="7886700" cy="1938992"/>
-          </a:xfrm>
-          <a:prstGeom prst="rect">
-            <a:avLst/>
-          </a:prstGeom>
-        </p:spPr>
-        <p:style>
-          <a:lnRef idx="2">
-            <a:schemeClr val="dk1"/>
-          </a:lnRef>
-          <a:fillRef idx="1">
-            <a:schemeClr val="lt1"/>
-          </a:fillRef>
-          <a:effectRef idx="0">
-            <a:schemeClr val="dk1"/>
-          </a:effectRef>
-          <a:fontRef idx="minor">
-            <a:schemeClr val="dk1"/>
-          </a:fontRef>
-        </p:style>
-        <p:txBody>
-          <a:bodyPr wrap="square" rtlCol="0">
-            <a:spAutoFit/>
-          </a:bodyPr>
-          <a:lstStyle/>
-          <a:p>
-            <a:r>
-              <a:rPr lang="en-US" sz="2000" dirty="0">
-                <a:solidFill>
-                  <a:srgbClr val="00B050"/>
-                </a:solidFill>
-                <a:latin typeface="Consolas" panose="020B0609020204030204" pitchFamily="49" charset="0"/>
-              </a:rPr>
-              <a:t>// spec: callable only if (</a:t>
-            </a:r>
-            <a:r>
-              <a:rPr lang="en-US" sz="2000" dirty="0" err="1">
-                <a:solidFill>
-                  <a:srgbClr val="00B050"/>
-                </a:solidFill>
-                <a:latin typeface="Consolas" panose="020B0609020204030204" pitchFamily="49" charset="0"/>
-              </a:rPr>
-              <a:t>this.balance</a:t>
-            </a:r>
-            <a:r>
-              <a:rPr lang="en-US" sz="2000" dirty="0">
-                <a:solidFill>
-                  <a:srgbClr val="00B050"/>
-                </a:solidFill>
-                <a:latin typeface="Consolas" panose="020B0609020204030204" pitchFamily="49" charset="0"/>
-              </a:rPr>
-              <a:t> &gt;= amount)</a:t>
-            </a:r>
-          </a:p>
-          <a:p>
-            <a:r>
-              <a:rPr lang="en-US" sz="2000" dirty="0">
-                <a:solidFill>
-                  <a:srgbClr val="0070C0"/>
-                </a:solidFill>
-                <a:latin typeface="Consolas" panose="020B0609020204030204" pitchFamily="49" charset="0"/>
-              </a:rPr>
-              <a:t>void</a:t>
-            </a:r>
-            <a:r>
-              <a:rPr lang="en-US" sz="2000" dirty="0">
-                <a:latin typeface="Consolas" panose="020B0609020204030204" pitchFamily="49" charset="0"/>
-              </a:rPr>
-              <a:t> </a:t>
-            </a:r>
-            <a:r>
-              <a:rPr lang="en-US" sz="2000" dirty="0" err="1">
-                <a:latin typeface="Consolas" panose="020B0609020204030204" pitchFamily="49" charset="0"/>
-              </a:rPr>
-              <a:t>withdrawCoins</a:t>
-            </a:r>
-            <a:r>
-              <a:rPr lang="en-US" sz="2000" dirty="0">
-                <a:latin typeface="Consolas" panose="020B0609020204030204" pitchFamily="49" charset="0"/>
-              </a:rPr>
-              <a:t>(</a:t>
-            </a:r>
-            <a:r>
-              <a:rPr lang="en-US" sz="2000" dirty="0">
-                <a:solidFill>
-                  <a:srgbClr val="0070C0"/>
-                </a:solidFill>
-                <a:latin typeface="Consolas" panose="020B0609020204030204" pitchFamily="49" charset="0"/>
-              </a:rPr>
-              <a:t>int</a:t>
-            </a:r>
-            <a:r>
-              <a:rPr lang="en-US" sz="2000" dirty="0">
-                <a:latin typeface="Consolas" panose="020B0609020204030204" pitchFamily="49" charset="0"/>
-              </a:rPr>
-              <a:t> amount)</a:t>
-            </a:r>
-          </a:p>
-          <a:p>
-            <a:r>
-              <a:rPr lang="en-US" sz="2000" dirty="0">
-                <a:latin typeface="Consolas" panose="020B0609020204030204" pitchFamily="49" charset="0"/>
-              </a:rPr>
-              <a:t>{</a:t>
-            </a:r>
-          </a:p>
-          <a:p>
-            <a:r>
-              <a:rPr lang="en-US" sz="2000" dirty="0">
-                <a:latin typeface="Consolas" panose="020B0609020204030204" pitchFamily="49" charset="0"/>
-              </a:rPr>
-              <a:t>	</a:t>
-            </a:r>
-            <a:r>
-              <a:rPr lang="en-US" sz="2000" dirty="0">
-                <a:solidFill>
-                  <a:srgbClr val="00B050"/>
-                </a:solidFill>
-                <a:latin typeface="Consolas" panose="020B0609020204030204" pitchFamily="49" charset="0"/>
-              </a:rPr>
-              <a:t>// business logic</a:t>
-            </a:r>
-          </a:p>
-          <a:p>
-            <a:r>
-              <a:rPr lang="en-US" sz="2000" dirty="0">
-                <a:latin typeface="Consolas" panose="020B0609020204030204" pitchFamily="49" charset="0"/>
-              </a:rPr>
-              <a:t>	</a:t>
-            </a:r>
-            <a:r>
-              <a:rPr lang="en-US" sz="2000" dirty="0" err="1">
-                <a:latin typeface="Consolas" panose="020B0609020204030204" pitchFamily="49" charset="0"/>
-              </a:rPr>
-              <a:t>this.balance</a:t>
-            </a:r>
-            <a:r>
-              <a:rPr lang="en-US" sz="2000" dirty="0">
-                <a:latin typeface="Consolas" panose="020B0609020204030204" pitchFamily="49" charset="0"/>
-              </a:rPr>
-              <a:t> -= amount;</a:t>
-            </a:r>
-          </a:p>
-          <a:p>
-            <a:r>
-              <a:rPr lang="en-US" sz="2000" dirty="0">
-                <a:latin typeface="Consolas" panose="020B0609020204030204" pitchFamily="49" charset="0"/>
-              </a:rPr>
-              <a:t>}</a:t>
-            </a:r>
-            <a:endParaRPr lang="de-DE" sz="2000" dirty="0">
-              <a:latin typeface="Consolas" panose="020B0609020204030204" pitchFamily="49" charset="0"/>
-            </a:endParaRPr>
-          </a:p>
-        </p:txBody>
-      </p:sp>
-      <p:sp>
-        <p:nvSpPr>
-          <p:cNvPr id="5" name="Slide Number Placeholder 4"/>
-          <p:cNvSpPr>
-            <a:spLocks noGrp="1"/>
-          </p:cNvSpPr>
-          <p:nvPr>
-            <p:ph type="sldNum" sz="quarter" idx="12"/>
-          </p:nvPr>
-        </p:nvSpPr>
-        <p:spPr/>
-        <p:txBody>
-          <a:bodyPr/>
-          <a:lstStyle/>
-          <a:p>
-            <a:fld id="{9D1E2128-C21B-4EB1-981D-3510C88AFE4A}" type="slidenum">
-              <a:rPr lang="de-DE" smtClean="0"/>
-              <a:t>2</a:t>
-            </a:fld>
-            <a:endParaRPr lang="de-DE"/>
-          </a:p>
-        </p:txBody>
-      </p:sp>
-    </p:spTree>
-    <p:extLst>
-      <p:ext uri="{BB962C8B-B14F-4D97-AF65-F5344CB8AC3E}">
-        <p14:creationId xmlns:p14="http://schemas.microsoft.com/office/powerpoint/2010/main" val="1608791115"/>
-      </p:ext>
-    </p:extLst>
-  </p:cSld>
-  <p:clrMapOvr>
-    <a:masterClrMapping/>
-  </p:clrMapOvr>
-</p:sld>
-</file>
-
-<file path=ppt/slides/slide20.xml><?xml version="1.0" encoding="utf-8"?>
-<p:sld xmlns:a="http://schemas.openxmlformats.org/drawingml/2006/main" xmlns:r="http://schemas.openxmlformats.org/officeDocument/2006/relationships" xmlns:p="http://schemas.openxmlformats.org/presentationml/2006/main">
-  <p:cSld>
-    <p:spTree>
-      <p:nvGrpSpPr>
-        <p:cNvPr id="1" name=""/>
-        <p:cNvGrpSpPr/>
-        <p:nvPr/>
-      </p:nvGrpSpPr>
-      <p:grpSpPr>
-        <a:xfrm>
-          <a:off x="0" y="0"/>
-          <a:ext cx="0" cy="0"/>
-          <a:chOff x="0" y="0"/>
-          <a:chExt cx="0" cy="0"/>
-        </a:xfrm>
-      </p:grpSpPr>
-      <p:sp>
-        <p:nvSpPr>
-          <p:cNvPr id="2" name="Title 1"/>
-          <p:cNvSpPr>
-            <a:spLocks noGrp="1"/>
-          </p:cNvSpPr>
-          <p:nvPr>
-            <p:ph type="title"/>
-          </p:nvPr>
-        </p:nvSpPr>
-        <p:spPr/>
-        <p:txBody>
-          <a:bodyPr/>
-          <a:lstStyle/>
-          <a:p>
-            <a:r>
-              <a:rPr lang="en-US" dirty="0"/>
-              <a:t>Gradual Verification - Rules</a:t>
-            </a:r>
-            <a:endParaRPr lang="de-DE" dirty="0"/>
-          </a:p>
-        </p:txBody>
-      </p:sp>
-      <p:sp>
-        <p:nvSpPr>
-          <p:cNvPr id="3" name="Content Placeholder 2"/>
-          <p:cNvSpPr>
-            <a:spLocks noGrp="1"/>
-          </p:cNvSpPr>
-          <p:nvPr>
-            <p:ph idx="1"/>
-          </p:nvPr>
-        </p:nvSpPr>
-        <p:spPr/>
-        <p:txBody>
-          <a:bodyPr/>
-          <a:lstStyle/>
-          <a:p>
-            <a:r>
-              <a:rPr lang="en-US" dirty="0"/>
-              <a:t>In</a:t>
-            </a:r>
-            <a:endParaRPr lang="de-DE" dirty="0"/>
-          </a:p>
-        </p:txBody>
-      </p:sp>
-      <p:sp>
-        <p:nvSpPr>
-          <p:cNvPr id="4" name="Slide Number Placeholder 3"/>
-          <p:cNvSpPr>
-            <a:spLocks noGrp="1"/>
-          </p:cNvSpPr>
-          <p:nvPr>
-            <p:ph type="sldNum" sz="quarter" idx="12"/>
-          </p:nvPr>
-        </p:nvSpPr>
-        <p:spPr/>
-        <p:txBody>
-          <a:bodyPr/>
-          <a:lstStyle/>
-          <a:p>
-            <a:fld id="{9D1E2128-C21B-4EB1-981D-3510C88AFE4A}" type="slidenum">
-              <a:rPr lang="de-DE" smtClean="0"/>
-              <a:t>20</a:t>
-            </a:fld>
-            <a:endParaRPr lang="de-DE"/>
-          </a:p>
-        </p:txBody>
-      </p:sp>
-    </p:spTree>
-    <p:extLst>
-      <p:ext uri="{BB962C8B-B14F-4D97-AF65-F5344CB8AC3E}">
-        <p14:creationId xmlns:p14="http://schemas.microsoft.com/office/powerpoint/2010/main" val="656217942"/>
-      </p:ext>
-    </p:extLst>
-  </p:cSld>
-  <p:clrMapOvr>
-    <a:masterClrMapping/>
-  </p:clrMapOvr>
-</p:sld>
-</file>
-
 <file path=ppt/slides/slide21.xml><?xml version="1.0" encoding="utf-8"?>
 <p:sld xmlns:a="http://schemas.openxmlformats.org/drawingml/2006/main" xmlns:r="http://schemas.openxmlformats.org/officeDocument/2006/relationships" xmlns:p="http://schemas.openxmlformats.org/presentationml/2006/main">
   <p:cSld>
@@ -22978,6 +21764,105 @@
           <a:p>
             <a:r>
               <a:rPr lang="en-US" dirty="0"/>
+              <a:t>Gradual Verification - Rules</a:t>
+            </a:r>
+            <a:endParaRPr lang="de-DE" dirty="0"/>
+          </a:p>
+        </p:txBody>
+      </p:sp>
+      <p:sp>
+        <p:nvSpPr>
+          <p:cNvPr id="3" name="Content Placeholder 2"/>
+          <p:cNvSpPr>
+            <a:spLocks noGrp="1"/>
+          </p:cNvSpPr>
+          <p:nvPr>
+            <p:ph idx="1"/>
+          </p:nvPr>
+        </p:nvSpPr>
+        <p:spPr/>
+        <p:txBody>
+          <a:bodyPr/>
+          <a:lstStyle/>
+          <a:p>
+            <a:r>
+              <a:rPr lang="en-US" dirty="0"/>
+              <a:t>In</a:t>
+            </a:r>
+            <a:endParaRPr lang="de-DE" dirty="0"/>
+          </a:p>
+        </p:txBody>
+      </p:sp>
+      <p:sp>
+        <p:nvSpPr>
+          <p:cNvPr id="4" name="Slide Number Placeholder 3"/>
+          <p:cNvSpPr>
+            <a:spLocks noGrp="1"/>
+          </p:cNvSpPr>
+          <p:nvPr>
+            <p:ph type="sldNum" sz="quarter" idx="12"/>
+          </p:nvPr>
+        </p:nvSpPr>
+        <p:spPr/>
+        <p:txBody>
+          <a:bodyPr/>
+          <a:lstStyle/>
+          <a:p>
+            <a:fld id="{9D1E2128-C21B-4EB1-981D-3510C88AFE4A}" type="slidenum">
+              <a:rPr lang="de-DE" smtClean="0"/>
+              <a:t>21</a:t>
+            </a:fld>
+            <a:endParaRPr lang="de-DE"/>
+          </a:p>
+        </p:txBody>
+      </p:sp>
+    </p:spTree>
+    <p:extLst>
+      <p:ext uri="{BB962C8B-B14F-4D97-AF65-F5344CB8AC3E}">
+        <p14:creationId xmlns:p14="http://schemas.microsoft.com/office/powerpoint/2010/main" val="656217942"/>
+      </p:ext>
+    </p:extLst>
+  </p:cSld>
+  <p:clrMapOvr>
+    <a:masterClrMapping/>
+  </p:clrMapOvr>
+</p:sld>
+</file>
+
+<file path=ppt/slides/slide22.xml><?xml version="1.0" encoding="utf-8"?>
+<p:sld xmlns:a="http://schemas.openxmlformats.org/drawingml/2006/main" xmlns:r="http://schemas.openxmlformats.org/officeDocument/2006/relationships" xmlns:p="http://schemas.openxmlformats.org/presentationml/2006/main">
+  <p:cSld>
+    <p:spTree>
+      <p:nvGrpSpPr>
+        <p:cNvPr id="1" name=""/>
+        <p:cNvGrpSpPr/>
+        <p:nvPr/>
+      </p:nvGrpSpPr>
+      <p:grpSpPr>
+        <a:xfrm>
+          <a:off x="0" y="0"/>
+          <a:ext cx="0" cy="0"/>
+          <a:chOff x="0" y="0"/>
+          <a:chExt cx="0" cy="0"/>
+        </a:xfrm>
+      </p:grpSpPr>
+      <p:sp>
+        <p:nvSpPr>
+          <p:cNvPr id="2" name="Title 1"/>
+          <p:cNvSpPr>
+            <a:spLocks noGrp="1"/>
+          </p:cNvSpPr>
+          <p:nvPr>
+            <p:ph type="title"/>
+          </p:nvPr>
+        </p:nvSpPr>
+        <p:spPr/>
+        <p:txBody>
+          <a:bodyPr/>
+          <a:lstStyle/>
+          <a:p>
+            <a:r>
+              <a:rPr lang="en-US" dirty="0"/>
               <a:t>Gradual Verification</a:t>
             </a:r>
             <a:endParaRPr lang="de-DE" dirty="0"/>
@@ -23001,7 +21886,7 @@
           <a:p>
             <a:fld id="{9D1E2128-C21B-4EB1-981D-3510C88AFE4A}" type="slidenum">
               <a:rPr lang="de-DE" smtClean="0"/>
-              <a:t>21</a:t>
+              <a:t>22</a:t>
             </a:fld>
             <a:endParaRPr lang="de-DE"/>
           </a:p>
@@ -23020,7 +21905,7 @@
 </p:sld>
 </file>
 
-<file path=ppt/slides/slide22.xml><?xml version="1.0" encoding="utf-8"?>
+<file path=ppt/slides/slide23.xml><?xml version="1.0" encoding="utf-8"?>
 <p:sld xmlns:a="http://schemas.openxmlformats.org/drawingml/2006/main" xmlns:r="http://schemas.openxmlformats.org/officeDocument/2006/relationships" xmlns:p="http://schemas.openxmlformats.org/presentationml/2006/main">
   <p:cSld>
     <p:spTree>
@@ -23199,7 +22084,7 @@
           <a:p>
             <a:fld id="{9D1E2128-C21B-4EB1-981D-3510C88AFE4A}" type="slidenum">
               <a:rPr lang="de-DE" smtClean="0"/>
-              <a:t>22</a:t>
+              <a:t>23</a:t>
             </a:fld>
             <a:endParaRPr lang="de-DE"/>
           </a:p>
@@ -23209,101 +22094,6 @@
     <p:extLst>
       <p:ext uri="{BB962C8B-B14F-4D97-AF65-F5344CB8AC3E}">
         <p14:creationId xmlns:p14="http://schemas.microsoft.com/office/powerpoint/2010/main" val="1730392366"/>
-      </p:ext>
-    </p:extLst>
-  </p:cSld>
-  <p:clrMapOvr>
-    <a:masterClrMapping/>
-  </p:clrMapOvr>
-</p:sld>
-</file>
-
-<file path=ppt/slides/slide23.xml><?xml version="1.0" encoding="utf-8"?>
-<p:sld xmlns:a="http://schemas.openxmlformats.org/drawingml/2006/main" xmlns:r="http://schemas.openxmlformats.org/officeDocument/2006/relationships" xmlns:p="http://schemas.openxmlformats.org/presentationml/2006/main">
-  <p:cSld>
-    <p:spTree>
-      <p:nvGrpSpPr>
-        <p:cNvPr id="1" name=""/>
-        <p:cNvGrpSpPr/>
-        <p:nvPr/>
-      </p:nvGrpSpPr>
-      <p:grpSpPr>
-        <a:xfrm>
-          <a:off x="0" y="0"/>
-          <a:ext cx="0" cy="0"/>
-          <a:chOff x="0" y="0"/>
-          <a:chExt cx="0" cy="0"/>
-        </a:xfrm>
-      </p:grpSpPr>
-      <p:sp>
-        <p:nvSpPr>
-          <p:cNvPr id="2" name="Title 1"/>
-          <p:cNvSpPr>
-            <a:spLocks noGrp="1"/>
-          </p:cNvSpPr>
-          <p:nvPr>
-            <p:ph type="title"/>
-          </p:nvPr>
-        </p:nvSpPr>
-        <p:spPr/>
-        <p:txBody>
-          <a:bodyPr/>
-          <a:lstStyle/>
-          <a:p>
-            <a:r>
-              <a:rPr lang="en-US" dirty="0"/>
-              <a:t>Abstract Interpretation</a:t>
-            </a:r>
-            <a:endParaRPr lang="de-DE" dirty="0"/>
-          </a:p>
-        </p:txBody>
-      </p:sp>
-      <p:sp>
-        <p:nvSpPr>
-          <p:cNvPr id="3" name="Content Placeholder 2"/>
-          <p:cNvSpPr>
-            <a:spLocks noGrp="1"/>
-          </p:cNvSpPr>
-          <p:nvPr>
-            <p:ph idx="1"/>
-          </p:nvPr>
-        </p:nvSpPr>
-        <p:spPr/>
-        <p:txBody>
-          <a:bodyPr/>
-          <a:lstStyle/>
-          <a:p>
-            <a:endParaRPr lang="de-DE" dirty="0"/>
-          </a:p>
-        </p:txBody>
-      </p:sp>
-      <p:sp>
-        <p:nvSpPr>
-          <p:cNvPr id="4" name="Slide Number Placeholder 3"/>
-          <p:cNvSpPr>
-            <a:spLocks noGrp="1"/>
-          </p:cNvSpPr>
-          <p:nvPr>
-            <p:ph type="sldNum" sz="quarter" idx="12"/>
-          </p:nvPr>
-        </p:nvSpPr>
-        <p:spPr/>
-        <p:txBody>
-          <a:bodyPr/>
-          <a:lstStyle/>
-          <a:p>
-            <a:fld id="{9D1E2128-C21B-4EB1-981D-3510C88AFE4A}" type="slidenum">
-              <a:rPr lang="de-DE" smtClean="0"/>
-              <a:t>23</a:t>
-            </a:fld>
-            <a:endParaRPr lang="de-DE"/>
-          </a:p>
-        </p:txBody>
-      </p:sp>
-    </p:spTree>
-    <p:extLst>
-      <p:ext uri="{BB962C8B-B14F-4D97-AF65-F5344CB8AC3E}">
-        <p14:creationId xmlns:p14="http://schemas.microsoft.com/office/powerpoint/2010/main" val="3889425836"/>
       </p:ext>
     </p:extLst>
   </p:cSld>
@@ -23345,7 +22135,11 @@
           <a:bodyPr/>
           <a:lstStyle/>
           <a:p>
-            <a:endParaRPr lang="de-DE"/>
+            <a:r>
+              <a:rPr lang="en-US" dirty="0"/>
+              <a:t>Abstract Interpretation</a:t>
+            </a:r>
+            <a:endParaRPr lang="de-DE" dirty="0"/>
           </a:p>
         </p:txBody>
       </p:sp>
@@ -23364,7 +22158,7 @@
           <a:bodyPr/>
           <a:lstStyle/>
           <a:p>
-            <a:endParaRPr lang="de-DE"/>
+            <a:endParaRPr lang="de-DE" dirty="0"/>
           </a:p>
         </p:txBody>
       </p:sp>
@@ -23386,6 +22180,97 @@
             <a:fld id="{9D1E2128-C21B-4EB1-981D-3510C88AFE4A}" type="slidenum">
               <a:rPr lang="de-DE" smtClean="0"/>
               <a:t>24</a:t>
+            </a:fld>
+            <a:endParaRPr lang="de-DE"/>
+          </a:p>
+        </p:txBody>
+      </p:sp>
+    </p:spTree>
+    <p:extLst>
+      <p:ext uri="{BB962C8B-B14F-4D97-AF65-F5344CB8AC3E}">
+        <p14:creationId xmlns:p14="http://schemas.microsoft.com/office/powerpoint/2010/main" val="3889425836"/>
+      </p:ext>
+    </p:extLst>
+  </p:cSld>
+  <p:clrMapOvr>
+    <a:masterClrMapping/>
+  </p:clrMapOvr>
+</p:sld>
+</file>
+
+<file path=ppt/slides/slide25.xml><?xml version="1.0" encoding="utf-8"?>
+<p:sld xmlns:a="http://schemas.openxmlformats.org/drawingml/2006/main" xmlns:r="http://schemas.openxmlformats.org/officeDocument/2006/relationships" xmlns:p="http://schemas.openxmlformats.org/presentationml/2006/main">
+  <p:cSld>
+    <p:spTree>
+      <p:nvGrpSpPr>
+        <p:cNvPr id="1" name=""/>
+        <p:cNvGrpSpPr/>
+        <p:nvPr/>
+      </p:nvGrpSpPr>
+      <p:grpSpPr>
+        <a:xfrm>
+          <a:off x="0" y="0"/>
+          <a:ext cx="0" cy="0"/>
+          <a:chOff x="0" y="0"/>
+          <a:chExt cx="0" cy="0"/>
+        </a:xfrm>
+      </p:grpSpPr>
+      <p:sp>
+        <p:nvSpPr>
+          <p:cNvPr id="2" name="Title 1"/>
+          <p:cNvSpPr>
+            <a:spLocks noGrp="1"/>
+          </p:cNvSpPr>
+          <p:nvPr>
+            <p:ph type="title"/>
+          </p:nvPr>
+        </p:nvSpPr>
+        <p:spPr/>
+        <p:txBody>
+          <a:bodyPr/>
+          <a:lstStyle/>
+          <a:p>
+            <a:endParaRPr lang="de-DE"/>
+          </a:p>
+        </p:txBody>
+      </p:sp>
+      <p:sp>
+        <p:nvSpPr>
+          <p:cNvPr id="3" name="Content Placeholder 2"/>
+          <p:cNvSpPr>
+            <a:spLocks noGrp="1"/>
+          </p:cNvSpPr>
+          <p:nvPr>
+            <p:ph idx="1"/>
+          </p:nvPr>
+        </p:nvSpPr>
+        <p:spPr/>
+        <p:txBody>
+          <a:bodyPr/>
+          <a:lstStyle/>
+          <a:p>
+            <a:endParaRPr lang="de-DE"/>
+          </a:p>
+        </p:txBody>
+      </p:sp>
+      <p:sp>
+        <p:nvSpPr>
+          <p:cNvPr id="4" name="Slide Number Placeholder 3"/>
+          <p:cNvSpPr>
+            <a:spLocks noGrp="1"/>
+          </p:cNvSpPr>
+          <p:nvPr>
+            <p:ph type="sldNum" sz="quarter" idx="12"/>
+          </p:nvPr>
+        </p:nvSpPr>
+        <p:spPr/>
+        <p:txBody>
+          <a:bodyPr/>
+          <a:lstStyle/>
+          <a:p>
+            <a:fld id="{9D1E2128-C21B-4EB1-981D-3510C88AFE4A}" type="slidenum">
+              <a:rPr lang="de-DE" smtClean="0"/>
+              <a:t>25</a:t>
             </a:fld>
             <a:endParaRPr lang="de-DE"/>
           </a:p>
@@ -28109,6 +26994,70 @@
     </p:bldLst>
   </p:timing>
 </p:sld>
+</file>
+
+<file path=ppt/tags/tag1.xml><?xml version="1.0" encoding="utf-8"?>
+<p:tagLst xmlns:a="http://schemas.openxmlformats.org/drawingml/2006/main" xmlns:r="http://schemas.openxmlformats.org/officeDocument/2006/relationships" xmlns:p="http://schemas.openxmlformats.org/presentationml/2006/main">
+  <p:tag name="ORIGINALHEIGHT" val="76,49047"/>
+  <p:tag name="ORIGINALWIDTH" val="1253,843"/>
+  <p:tag name="OUTPUTDPI" val="600"/>
+  <p:tag name="LATEXADDIN" val="\documentclass{article}&#10;\input{preamble}&#10;\begin{document}&#10;&#10;\begin{align*}&#10;\forall \phi_1, \phi_2 \in \setFormula.~ &#10;P(\phi_1, \phi_2) \implies \grad{P}(\phi_1, \phi_2)&#10;\end{align*}&#10;&#10;\end{document}"/>
+  <p:tag name="IGUANATEXSIZE" val="20"/>
+  <p:tag name="IGUANATEXCURSOR" val="96"/>
+  <p:tag name="TRANSPARENCY" val="True"/>
+  <p:tag name="FILENAME" val=""/>
+  <p:tag name="INPUTTYPE" val="0"/>
+  <p:tag name="LATEXENGINEID" val="0"/>
+  <p:tag name="TEMPFOLDER" val=".\temp\"/>
+</p:tagLst>
+</file>
+
+<file path=ppt/tags/tag2.xml><?xml version="1.0" encoding="utf-8"?>
+<p:tagLst xmlns:a="http://schemas.openxmlformats.org/drawingml/2006/main" xmlns:r="http://schemas.openxmlformats.org/officeDocument/2006/relationships" xmlns:p="http://schemas.openxmlformats.org/presentationml/2006/main">
+  <p:tag name="ORIGINALHEIGHT" val="82,48969"/>
+  <p:tag name="ORIGINALWIDTH" val="2005,999"/>
+  <p:tag name="OUTPUTDPI" val="600"/>
+  <p:tag name="LATEXADDIN" val="\documentclass{article}&#10;\input{preamble}&#10;\begin{document}&#10;&#10;\begin{align*}&#10;\forall \grad{\phi_1}, \grad{\phi_2}, \grad{\phi_1'}, \grad{\phi_2'} \in \setGFormula.~ &#10;\grad{\phi_1} \mpt \grad{\phi_1'} \wedge&#10;\grad{\phi_2} \mpt \grad{\phi_2'} \wedge&#10;\grad{P}(\grad{\phi_1}, \grad{\phi_2}) \implies \grad{P}(\grad{\phi_1'}, \grad{\phi_2'})&#10;\end{align*}&#10;&#10;\end{document}"/>
+  <p:tag name="IGUANATEXSIZE" val="20"/>
+  <p:tag name="IGUANATEXCURSOR" val="152"/>
+  <p:tag name="TRANSPARENCY" val="True"/>
+  <p:tag name="FILENAME" val=""/>
+  <p:tag name="INPUTTYPE" val="0"/>
+  <p:tag name="LATEXENGINEID" val="0"/>
+  <p:tag name="TEMPFOLDER" val=".\temp\"/>
+</p:tagLst>
+</file>
+
+<file path=ppt/tags/tag3.xml><?xml version="1.0" encoding="utf-8"?>
+<p:tagLst xmlns:a="http://schemas.openxmlformats.org/drawingml/2006/main" xmlns:r="http://schemas.openxmlformats.org/officeDocument/2006/relationships" xmlns:p="http://schemas.openxmlformats.org/presentationml/2006/main">
+  <p:tag name="ORIGINALHEIGHT" val="77,24032"/>
+  <p:tag name="ORIGINALWIDTH" val="782,1522"/>
+  <p:tag name="OUTPUTDPI" val="600"/>
+  <p:tag name="LATEXADDIN" val="\documentclass{article}&#10;\input{preamble}&#10;\begin{document}&#10;&#10;\begin{align*}&#10;\forall \phi \in \setFormula.~ f(\phi) \sqsubseteq \grad{f}(\phi)&#10;\end{align*}&#10;&#10;\end{document}"/>
+  <p:tag name="IGUANATEXSIZE" val="20"/>
+  <p:tag name="IGUANATEXCURSOR" val="140"/>
+  <p:tag name="TRANSPARENCY" val="True"/>
+  <p:tag name="FILENAME" val=""/>
+  <p:tag name="INPUTTYPE" val="0"/>
+  <p:tag name="LATEXENGINEID" val="0"/>
+  <p:tag name="TEMPFOLDER" val=".\temp\"/>
+</p:tagLst>
+</file>
+
+<file path=ppt/tags/tag4.xml><?xml version="1.0" encoding="utf-8"?>
+<p:tagLst xmlns:a="http://schemas.openxmlformats.org/drawingml/2006/main" xmlns:r="http://schemas.openxmlformats.org/officeDocument/2006/relationships" xmlns:p="http://schemas.openxmlformats.org/presentationml/2006/main">
+  <p:tag name="ORIGINALHEIGHT" val="79,49008"/>
+  <p:tag name="ORIGINALWIDTH" val="1343,832"/>
+  <p:tag name="OUTPUTDPI" val="600"/>
+  <p:tag name="LATEXADDIN" val="\documentclass{article}&#10;\input{preamble}&#10;\begin{document}&#10;&#10;\begin{align*}&#10;\forall \grad{\phi_1}, \grad{\phi_2} \in \setGFormula.~ &#10;    \grad{\phi_1} \sqsubseteq \grad{\phi_2} &#10;    \implies &#10;    \grad{f}(\grad{\phi_1}) \sqsubseteq \grad{f}(\grad{\phi_2})&#10;\end{align*}&#10;&#10;\end{document}"/>
+  <p:tag name="IGUANATEXSIZE" val="20"/>
+  <p:tag name="IGUANATEXCURSOR" val="254"/>
+  <p:tag name="TRANSPARENCY" val="True"/>
+  <p:tag name="FILENAME" val=""/>
+  <p:tag name="INPUTTYPE" val="0"/>
+  <p:tag name="LATEXENGINEID" val="0"/>
+  <p:tag name="TEMPFOLDER" val=".\temp\"/>
+</p:tagLst>
 </file>
 
 <file path=ppt/theme/theme1.xml><?xml version="1.0" encoding="utf-8"?>
